--- a/Group 1 Project  Presentation.pptx
+++ b/Group 1 Project  Presentation.pptx
@@ -1,36 +1,50 @@
 
 <file path=ppt/presentation.xml><?xml version="1.0" encoding="utf-8"?>
-<p:presentation xmlns:a="http://schemas.openxmlformats.org/drawingml/2006/main" xmlns:r="http://schemas.openxmlformats.org/officeDocument/2006/relationships" xmlns:mc="http://schemas.openxmlformats.org/markup-compatibility/2006" xmlns:mv="urn:schemas-microsoft-com:mac:vml" xmlns:p="http://schemas.openxmlformats.org/presentationml/2006/main" xmlns:c="http://schemas.openxmlformats.org/drawingml/2006/chart" xmlns:dgm="http://schemas.openxmlformats.org/drawingml/2006/diagram" xmlns:o="urn:schemas-microsoft-com:office:office" xmlns:v="urn:schemas-microsoft-com:vml" xmlns:pvml="urn:schemas-microsoft-com:office:powerpoint" xmlns:com="http://schemas.openxmlformats.org/drawingml/2006/compatibility" xmlns:p14="http://schemas.microsoft.com/office/powerpoint/2010/main" xmlns:p15="http://schemas.microsoft.com/office/powerpoint/2012/main" xmlns:ahyp="http://schemas.microsoft.com/office/drawing/2018/hyperlinkcolor" autoCompressPictures="0" embedTrueTypeFonts="1" strictFirstAndLastChars="0" saveSubsetFonts="1">
+<p:presentation xmlns:a="http://schemas.openxmlformats.org/drawingml/2006/main" xmlns:r="http://schemas.openxmlformats.org/officeDocument/2006/relationships" xmlns:p="http://schemas.openxmlformats.org/presentationml/2006/main" strictFirstAndLastChars="0" embedTrueTypeFonts="1" saveSubsetFonts="1" autoCompressPictures="0">
   <p:sldMasterIdLst>
-    <p:sldMasterId id="2147483648" r:id="rId3"/>
+    <p:sldMasterId id="2147483648" r:id="rId1"/>
   </p:sldMasterIdLst>
   <p:notesMasterIdLst>
-    <p:notesMasterId r:id="rId4"/>
+    <p:notesMasterId r:id="rId11"/>
   </p:notesMasterIdLst>
   <p:sldIdLst>
-    <p:sldId id="256" r:id="rId5"/>
-    <p:sldId id="257" r:id="rId6"/>
-    <p:sldId id="258" r:id="rId7"/>
-    <p:sldId id="259" r:id="rId8"/>
-    <p:sldId id="260" r:id="rId9"/>
-    <p:sldId id="261" r:id="rId10"/>
-    <p:sldId id="262" r:id="rId11"/>
-    <p:sldId id="263" r:id="rId12"/>
-    <p:sldId id="264" r:id="rId13"/>
+    <p:sldId id="256" r:id="rId2"/>
+    <p:sldId id="257" r:id="rId3"/>
+    <p:sldId id="258" r:id="rId4"/>
+    <p:sldId id="259" r:id="rId5"/>
+    <p:sldId id="260" r:id="rId6"/>
+    <p:sldId id="261" r:id="rId7"/>
+    <p:sldId id="262" r:id="rId8"/>
+    <p:sldId id="263" r:id="rId9"/>
+    <p:sldId id="264" r:id="rId10"/>
   </p:sldIdLst>
-  <p:sldSz cy="6858000" cx="12192000"/>
+  <p:sldSz cx="12192000" cy="6858000"/>
   <p:notesSz cx="6858000" cy="9144000"/>
   <p:embeddedFontLst>
     <p:embeddedFont>
-      <p:font typeface="Libre Franklin"/>
-      <p:regular r:id="rId14"/>
-      <p:bold r:id="rId15"/>
-      <p:italic r:id="rId16"/>
-      <p:boldItalic r:id="rId17"/>
+      <p:font typeface="Bookman Old Style" panose="02050604050505020204" pitchFamily="18" charset="0"/>
+      <p:regular r:id="rId12"/>
+      <p:bold r:id="rId13"/>
+      <p:italic r:id="rId14"/>
+      <p:boldItalic r:id="rId15"/>
+    </p:embeddedFont>
+    <p:embeddedFont>
+      <p:font typeface="Calibri" panose="020F0502020204030204" pitchFamily="34" charset="0"/>
+      <p:regular r:id="rId16"/>
+      <p:bold r:id="rId17"/>
+      <p:italic r:id="rId18"/>
+      <p:boldItalic r:id="rId19"/>
+    </p:embeddedFont>
+    <p:embeddedFont>
+      <p:font typeface="Libre Franklin" panose="020B0604020202020204" charset="0"/>
+      <p:regular r:id="rId20"/>
+      <p:bold r:id="rId21"/>
+      <p:italic r:id="rId22"/>
+      <p:boldItalic r:id="rId23"/>
     </p:embeddedFont>
   </p:embeddedFontLst>
   <p:defaultTextStyle>
-    <a:defPPr lvl="0" marR="0" rtl="0" algn="l">
+    <a:defPPr marR="0" lvl="0" algn="l" rtl="0">
       <a:lnSpc>
         <a:spcPct val="100000"/>
       </a:lnSpc>
@@ -41,7 +55,7 @@
         <a:spcPts val="0"/>
       </a:spcAft>
     </a:defPPr>
-    <a:lvl1pPr lvl="0" marR="0" rtl="0" algn="l">
+    <a:lvl1pPr marR="0" lvl="0" algn="l" rtl="0">
       <a:lnSpc>
         <a:spcPct val="100000"/>
       </a:lnSpc>
@@ -55,7 +69,7 @@
         <a:srgbClr val="000000"/>
       </a:buClr>
       <a:buFont typeface="Arial"/>
-      <a:defRPr b="0" i="0" sz="1400" u="none" cap="none" strike="noStrike">
+      <a:defRPr sz="1400" b="0" i="0" u="none" strike="noStrike" cap="none">
         <a:solidFill>
           <a:srgbClr val="000000"/>
         </a:solidFill>
@@ -65,7 +79,7 @@
         <a:sym typeface="Arial"/>
       </a:defRPr>
     </a:lvl1pPr>
-    <a:lvl2pPr lvl="1" marR="0" rtl="0" algn="l">
+    <a:lvl2pPr marR="0" lvl="1" algn="l" rtl="0">
       <a:lnSpc>
         <a:spcPct val="100000"/>
       </a:lnSpc>
@@ -79,7 +93,7 @@
         <a:srgbClr val="000000"/>
       </a:buClr>
       <a:buFont typeface="Arial"/>
-      <a:defRPr b="0" i="0" sz="1400" u="none" cap="none" strike="noStrike">
+      <a:defRPr sz="1400" b="0" i="0" u="none" strike="noStrike" cap="none">
         <a:solidFill>
           <a:srgbClr val="000000"/>
         </a:solidFill>
@@ -89,7 +103,7 @@
         <a:sym typeface="Arial"/>
       </a:defRPr>
     </a:lvl2pPr>
-    <a:lvl3pPr lvl="2" marR="0" rtl="0" algn="l">
+    <a:lvl3pPr marR="0" lvl="2" algn="l" rtl="0">
       <a:lnSpc>
         <a:spcPct val="100000"/>
       </a:lnSpc>
@@ -103,7 +117,7 @@
         <a:srgbClr val="000000"/>
       </a:buClr>
       <a:buFont typeface="Arial"/>
-      <a:defRPr b="0" i="0" sz="1400" u="none" cap="none" strike="noStrike">
+      <a:defRPr sz="1400" b="0" i="0" u="none" strike="noStrike" cap="none">
         <a:solidFill>
           <a:srgbClr val="000000"/>
         </a:solidFill>
@@ -113,7 +127,7 @@
         <a:sym typeface="Arial"/>
       </a:defRPr>
     </a:lvl3pPr>
-    <a:lvl4pPr lvl="3" marR="0" rtl="0" algn="l">
+    <a:lvl4pPr marR="0" lvl="3" algn="l" rtl="0">
       <a:lnSpc>
         <a:spcPct val="100000"/>
       </a:lnSpc>
@@ -127,7 +141,7 @@
         <a:srgbClr val="000000"/>
       </a:buClr>
       <a:buFont typeface="Arial"/>
-      <a:defRPr b="0" i="0" sz="1400" u="none" cap="none" strike="noStrike">
+      <a:defRPr sz="1400" b="0" i="0" u="none" strike="noStrike" cap="none">
         <a:solidFill>
           <a:srgbClr val="000000"/>
         </a:solidFill>
@@ -137,7 +151,7 @@
         <a:sym typeface="Arial"/>
       </a:defRPr>
     </a:lvl4pPr>
-    <a:lvl5pPr lvl="4" marR="0" rtl="0" algn="l">
+    <a:lvl5pPr marR="0" lvl="4" algn="l" rtl="0">
       <a:lnSpc>
         <a:spcPct val="100000"/>
       </a:lnSpc>
@@ -151,7 +165,7 @@
         <a:srgbClr val="000000"/>
       </a:buClr>
       <a:buFont typeface="Arial"/>
-      <a:defRPr b="0" i="0" sz="1400" u="none" cap="none" strike="noStrike">
+      <a:defRPr sz="1400" b="0" i="0" u="none" strike="noStrike" cap="none">
         <a:solidFill>
           <a:srgbClr val="000000"/>
         </a:solidFill>
@@ -161,7 +175,7 @@
         <a:sym typeface="Arial"/>
       </a:defRPr>
     </a:lvl5pPr>
-    <a:lvl6pPr lvl="5" marR="0" rtl="0" algn="l">
+    <a:lvl6pPr marR="0" lvl="5" algn="l" rtl="0">
       <a:lnSpc>
         <a:spcPct val="100000"/>
       </a:lnSpc>
@@ -175,7 +189,7 @@
         <a:srgbClr val="000000"/>
       </a:buClr>
       <a:buFont typeface="Arial"/>
-      <a:defRPr b="0" i="0" sz="1400" u="none" cap="none" strike="noStrike">
+      <a:defRPr sz="1400" b="0" i="0" u="none" strike="noStrike" cap="none">
         <a:solidFill>
           <a:srgbClr val="000000"/>
         </a:solidFill>
@@ -185,7 +199,7 @@
         <a:sym typeface="Arial"/>
       </a:defRPr>
     </a:lvl6pPr>
-    <a:lvl7pPr lvl="6" marR="0" rtl="0" algn="l">
+    <a:lvl7pPr marR="0" lvl="6" algn="l" rtl="0">
       <a:lnSpc>
         <a:spcPct val="100000"/>
       </a:lnSpc>
@@ -199,7 +213,7 @@
         <a:srgbClr val="000000"/>
       </a:buClr>
       <a:buFont typeface="Arial"/>
-      <a:defRPr b="0" i="0" sz="1400" u="none" cap="none" strike="noStrike">
+      <a:defRPr sz="1400" b="0" i="0" u="none" strike="noStrike" cap="none">
         <a:solidFill>
           <a:srgbClr val="000000"/>
         </a:solidFill>
@@ -209,7 +223,7 @@
         <a:sym typeface="Arial"/>
       </a:defRPr>
     </a:lvl7pPr>
-    <a:lvl8pPr lvl="7" marR="0" rtl="0" algn="l">
+    <a:lvl8pPr marR="0" lvl="7" algn="l" rtl="0">
       <a:lnSpc>
         <a:spcPct val="100000"/>
       </a:lnSpc>
@@ -223,7 +237,7 @@
         <a:srgbClr val="000000"/>
       </a:buClr>
       <a:buFont typeface="Arial"/>
-      <a:defRPr b="0" i="0" sz="1400" u="none" cap="none" strike="noStrike">
+      <a:defRPr sz="1400" b="0" i="0" u="none" strike="noStrike" cap="none">
         <a:solidFill>
           <a:srgbClr val="000000"/>
         </a:solidFill>
@@ -233,7 +247,7 @@
         <a:sym typeface="Arial"/>
       </a:defRPr>
     </a:lvl8pPr>
-    <a:lvl9pPr lvl="8" marR="0" rtl="0" algn="l">
+    <a:lvl9pPr marR="0" lvl="8" algn="l" rtl="0">
       <a:lnSpc>
         <a:spcPct val="100000"/>
       </a:lnSpc>
@@ -247,7 +261,7 @@
         <a:srgbClr val="000000"/>
       </a:buClr>
       <a:buFont typeface="Arial"/>
-      <a:defRPr b="0" i="0" sz="1400" u="none" cap="none" strike="noStrike">
+      <a:defRPr sz="1400" b="0" i="0" u="none" strike="noStrike" cap="none">
         <a:solidFill>
           <a:srgbClr val="000000"/>
         </a:solidFill>
@@ -260,18 +274,23 @@
   </p:defaultTextStyle>
   <p:extLst>
     <p:ext uri="http://customooxmlschemas.google.com/">
-      <go:slidesCustomData xmlns:go="http://customooxmlschemas.google.com/" r:id="rId18" roundtripDataSignature="AMtx7mgbiOKB2N1rhDslhoqKOLvWlPB2AQ=="/>
+      <go:slidesCustomData xmlns:go="http://customooxmlschemas.google.com/" xmlns:ahyp="http://schemas.microsoft.com/office/drawing/2018/hyperlinkcolor" xmlns:p15="http://schemas.microsoft.com/office/powerpoint/2012/main" xmlns:p14="http://schemas.microsoft.com/office/powerpoint/2010/main" xmlns:com="http://schemas.openxmlformats.org/drawingml/2006/compatibility" xmlns:pvml="urn:schemas-microsoft-com:office:powerpoint" xmlns:v="urn:schemas-microsoft-com:vml" xmlns:o="urn:schemas-microsoft-com:office:office" xmlns:dgm="http://schemas.openxmlformats.org/drawingml/2006/diagram" xmlns:c="http://schemas.openxmlformats.org/drawingml/2006/chart" xmlns:mv="urn:schemas-microsoft-com:mac:vml" xmlns:mc="http://schemas.openxmlformats.org/markup-compatibility/2006" xmlns="" r:id="rId24" roundtripDataSignature="AMtx7mgbiOKB2N1rhDslhoqKOLvWlPB2AQ=="/>
     </p:ext>
   </p:extLst>
 </p:presentation>
 </file>
 
 <file path=ppt/notesMasters/notesMaster1.xml><?xml version="1.0" encoding="utf-8"?>
-<p:notesMaster xmlns:a="http://schemas.openxmlformats.org/drawingml/2006/main" xmlns:r="http://schemas.openxmlformats.org/officeDocument/2006/relationships" xmlns:mc="http://schemas.openxmlformats.org/markup-compatibility/2006" xmlns:mv="urn:schemas-microsoft-com:mac:vml" xmlns:p="http://schemas.openxmlformats.org/presentationml/2006/main" xmlns:c="http://schemas.openxmlformats.org/drawingml/2006/chart" xmlns:dgm="http://schemas.openxmlformats.org/drawingml/2006/diagram" xmlns:o="urn:schemas-microsoft-com:office:office" xmlns:v="urn:schemas-microsoft-com:vml" xmlns:pvml="urn:schemas-microsoft-com:office:powerpoint" xmlns:com="http://schemas.openxmlformats.org/drawingml/2006/compatibility" xmlns:p14="http://schemas.microsoft.com/office/powerpoint/2010/main" xmlns:p15="http://schemas.microsoft.com/office/powerpoint/2012/main" xmlns:ahyp="http://schemas.microsoft.com/office/drawing/2018/hyperlinkcolor">
+<p:notesMaster xmlns:a="http://schemas.openxmlformats.org/drawingml/2006/main" xmlns:r="http://schemas.openxmlformats.org/officeDocument/2006/relationships" xmlns:p="http://schemas.openxmlformats.org/presentationml/2006/main">
   <p:cSld>
+    <p:bg>
+      <p:bgRef idx="1001">
+        <a:schemeClr val="bg1"/>
+      </p:bgRef>
+    </p:bg>
     <p:spTree>
       <p:nvGrpSpPr>
-        <p:cNvPr id="2" name="Shape 2"/>
+        <p:cNvPr id="1" name="Shape 2"/>
         <p:cNvGrpSpPr/>
         <p:nvPr/>
       </p:nvGrpSpPr>
@@ -286,9 +305,11 @@
       <p:sp>
         <p:nvSpPr>
           <p:cNvPr id="3" name="Google Shape;3;n"/>
-          <p:cNvSpPr/>
+          <p:cNvSpPr>
+            <a:spLocks noGrp="1" noRot="1" noChangeAspect="1"/>
+          </p:cNvSpPr>
           <p:nvPr>
-            <p:ph idx="2" type="sldImg"/>
+            <p:ph type="sldImg" idx="2"/>
           </p:nvPr>
         </p:nvSpPr>
         <p:spPr>
@@ -297,9 +318,13 @@
             <a:ext cx="4572225" cy="3429000"/>
           </a:xfrm>
           <a:custGeom>
-            <a:rect b="b" l="l" r="r" t="t"/>
+            <a:avLst/>
+            <a:gdLst/>
+            <a:ahLst/>
+            <a:cxnLst/>
+            <a:rect l="l" t="t" r="r" b="b"/>
             <a:pathLst>
-              <a:path extrusionOk="0" h="120000" w="120000">
+              <a:path w="120000" h="120000" extrusionOk="0">
                 <a:moveTo>
                   <a:pt x="0" y="0"/>
                 </a:moveTo>
@@ -317,23 +342,25 @@
             </a:pathLst>
           </a:custGeom>
           <a:noFill/>
-          <a:ln cap="flat" cmpd="sng" w="9525">
+          <a:ln w="9525" cap="flat" cmpd="sng">
             <a:solidFill>
               <a:srgbClr val="000000"/>
             </a:solidFill>
             <a:prstDash val="solid"/>
             <a:round/>
-            <a:headEnd len="sm" w="sm" type="none"/>
-            <a:tailEnd len="sm" w="sm" type="none"/>
+            <a:headEnd type="none" w="sm" len="sm"/>
+            <a:tailEnd type="none" w="sm" len="sm"/>
           </a:ln>
         </p:spPr>
       </p:sp>
       <p:sp>
         <p:nvSpPr>
           <p:cNvPr id="4" name="Google Shape;4;n"/>
-          <p:cNvSpPr txBox="1"/>
+          <p:cNvSpPr txBox="1">
+            <a:spLocks noGrp="1"/>
+          </p:cNvSpPr>
           <p:nvPr>
-            <p:ph idx="1" type="body"/>
+            <p:ph type="body" idx="1"/>
           </p:nvPr>
         </p:nvSpPr>
         <p:spPr>
@@ -350,11 +377,11 @@
           </a:ln>
         </p:spPr>
         <p:txBody>
-          <a:bodyPr anchorCtr="0" anchor="t" bIns="91425" lIns="91425" spcFirstLastPara="1" rIns="91425" wrap="square" tIns="91425">
+          <a:bodyPr spcFirstLastPara="1" wrap="square" lIns="91425" tIns="91425" rIns="91425" bIns="91425" anchor="t" anchorCtr="0">
             <a:noAutofit/>
           </a:bodyPr>
           <a:lstStyle>
-            <a:lvl1pPr indent="-298450" lvl="0" marL="457200">
+            <a:lvl1pPr marL="457200" lvl="0" indent="-298450">
               <a:spcBef>
                 <a:spcPts val="0"/>
               </a:spcBef>
@@ -365,7 +392,7 @@
               <a:buChar char="●"/>
               <a:defRPr sz="1100"/>
             </a:lvl1pPr>
-            <a:lvl2pPr indent="-298450" lvl="1" marL="914400">
+            <a:lvl2pPr marL="914400" lvl="1" indent="-298450">
               <a:spcBef>
                 <a:spcPts val="0"/>
               </a:spcBef>
@@ -376,7 +403,7 @@
               <a:buChar char="○"/>
               <a:defRPr sz="1100"/>
             </a:lvl2pPr>
-            <a:lvl3pPr indent="-298450" lvl="2" marL="1371600">
+            <a:lvl3pPr marL="1371600" lvl="2" indent="-298450">
               <a:spcBef>
                 <a:spcPts val="0"/>
               </a:spcBef>
@@ -387,7 +414,7 @@
               <a:buChar char="■"/>
               <a:defRPr sz="1100"/>
             </a:lvl3pPr>
-            <a:lvl4pPr indent="-298450" lvl="3" marL="1828800">
+            <a:lvl4pPr marL="1828800" lvl="3" indent="-298450">
               <a:spcBef>
                 <a:spcPts val="0"/>
               </a:spcBef>
@@ -398,7 +425,7 @@
               <a:buChar char="●"/>
               <a:defRPr sz="1100"/>
             </a:lvl4pPr>
-            <a:lvl5pPr indent="-298450" lvl="4" marL="2286000">
+            <a:lvl5pPr marL="2286000" lvl="4" indent="-298450">
               <a:spcBef>
                 <a:spcPts val="0"/>
               </a:spcBef>
@@ -409,7 +436,7 @@
               <a:buChar char="○"/>
               <a:defRPr sz="1100"/>
             </a:lvl5pPr>
-            <a:lvl6pPr indent="-298450" lvl="5" marL="2743200">
+            <a:lvl6pPr marL="2743200" lvl="5" indent="-298450">
               <a:spcBef>
                 <a:spcPts val="0"/>
               </a:spcBef>
@@ -420,7 +447,7 @@
               <a:buChar char="■"/>
               <a:defRPr sz="1100"/>
             </a:lvl6pPr>
-            <a:lvl7pPr indent="-298450" lvl="6" marL="3200400">
+            <a:lvl7pPr marL="3200400" lvl="6" indent="-298450">
               <a:spcBef>
                 <a:spcPts val="0"/>
               </a:spcBef>
@@ -431,7 +458,7 @@
               <a:buChar char="●"/>
               <a:defRPr sz="1100"/>
             </a:lvl7pPr>
-            <a:lvl8pPr indent="-298450" lvl="7" marL="3657600">
+            <a:lvl8pPr marL="3657600" lvl="7" indent="-298450">
               <a:spcBef>
                 <a:spcPts val="0"/>
               </a:spcBef>
@@ -442,7 +469,7 @@
               <a:buChar char="○"/>
               <a:defRPr sz="1100"/>
             </a:lvl8pPr>
-            <a:lvl9pPr indent="-298450" lvl="8" marL="4114800">
+            <a:lvl9pPr marL="4114800" lvl="8" indent="-298450">
               <a:spcBef>
                 <a:spcPts val="0"/>
               </a:spcBef>
@@ -454,14 +481,16 @@
               <a:defRPr sz="1100"/>
             </a:lvl9pPr>
           </a:lstStyle>
-          <a:p/>
+          <a:p>
+            <a:endParaRPr/>
+          </a:p>
         </p:txBody>
       </p:sp>
     </p:spTree>
   </p:cSld>
-  <p:clrMap accent1="accent1" accent2="accent2" accent3="accent3" accent4="accent4" accent5="accent5" accent6="accent6" bg1="lt1" bg2="dk2" tx1="dk1" tx2="lt2" folHlink="folHlink" hlink="hlink"/>
+  <p:clrMap bg1="lt1" tx1="dk1" bg2="dk2" tx2="lt2" accent1="accent1" accent2="accent2" accent3="accent3" accent4="accent4" accent5="accent5" accent6="accent6" hlink="hlink" folHlink="folHlink"/>
   <p:notesStyle>
-    <a:defPPr lvl="0" marR="0" rtl="0" algn="l">
+    <a:defPPr marR="0" lvl="0" algn="l" rtl="0">
       <a:lnSpc>
         <a:spcPct val="100000"/>
       </a:lnSpc>
@@ -472,7 +501,7 @@
         <a:spcPts val="0"/>
       </a:spcAft>
     </a:defPPr>
-    <a:lvl1pPr lvl="0" marR="0" rtl="0" algn="l">
+    <a:lvl1pPr marR="0" lvl="0" algn="l" rtl="0">
       <a:lnSpc>
         <a:spcPct val="100000"/>
       </a:lnSpc>
@@ -486,7 +515,7 @@
         <a:srgbClr val="000000"/>
       </a:buClr>
       <a:buFont typeface="Arial"/>
-      <a:defRPr b="0" i="0" sz="1400" u="none" cap="none" strike="noStrike">
+      <a:defRPr sz="1400" b="0" i="0" u="none" strike="noStrike" cap="none">
         <a:solidFill>
           <a:srgbClr val="000000"/>
         </a:solidFill>
@@ -496,7 +525,7 @@
         <a:sym typeface="Arial"/>
       </a:defRPr>
     </a:lvl1pPr>
-    <a:lvl2pPr lvl="1" marR="0" rtl="0" algn="l">
+    <a:lvl2pPr marR="0" lvl="1" algn="l" rtl="0">
       <a:lnSpc>
         <a:spcPct val="100000"/>
       </a:lnSpc>
@@ -510,7 +539,7 @@
         <a:srgbClr val="000000"/>
       </a:buClr>
       <a:buFont typeface="Arial"/>
-      <a:defRPr b="0" i="0" sz="1400" u="none" cap="none" strike="noStrike">
+      <a:defRPr sz="1400" b="0" i="0" u="none" strike="noStrike" cap="none">
         <a:solidFill>
           <a:srgbClr val="000000"/>
         </a:solidFill>
@@ -520,7 +549,7 @@
         <a:sym typeface="Arial"/>
       </a:defRPr>
     </a:lvl2pPr>
-    <a:lvl3pPr lvl="2" marR="0" rtl="0" algn="l">
+    <a:lvl3pPr marR="0" lvl="2" algn="l" rtl="0">
       <a:lnSpc>
         <a:spcPct val="100000"/>
       </a:lnSpc>
@@ -534,7 +563,7 @@
         <a:srgbClr val="000000"/>
       </a:buClr>
       <a:buFont typeface="Arial"/>
-      <a:defRPr b="0" i="0" sz="1400" u="none" cap="none" strike="noStrike">
+      <a:defRPr sz="1400" b="0" i="0" u="none" strike="noStrike" cap="none">
         <a:solidFill>
           <a:srgbClr val="000000"/>
         </a:solidFill>
@@ -544,7 +573,7 @@
         <a:sym typeface="Arial"/>
       </a:defRPr>
     </a:lvl3pPr>
-    <a:lvl4pPr lvl="3" marR="0" rtl="0" algn="l">
+    <a:lvl4pPr marR="0" lvl="3" algn="l" rtl="0">
       <a:lnSpc>
         <a:spcPct val="100000"/>
       </a:lnSpc>
@@ -558,7 +587,7 @@
         <a:srgbClr val="000000"/>
       </a:buClr>
       <a:buFont typeface="Arial"/>
-      <a:defRPr b="0" i="0" sz="1400" u="none" cap="none" strike="noStrike">
+      <a:defRPr sz="1400" b="0" i="0" u="none" strike="noStrike" cap="none">
         <a:solidFill>
           <a:srgbClr val="000000"/>
         </a:solidFill>
@@ -568,7 +597,7 @@
         <a:sym typeface="Arial"/>
       </a:defRPr>
     </a:lvl4pPr>
-    <a:lvl5pPr lvl="4" marR="0" rtl="0" algn="l">
+    <a:lvl5pPr marR="0" lvl="4" algn="l" rtl="0">
       <a:lnSpc>
         <a:spcPct val="100000"/>
       </a:lnSpc>
@@ -582,7 +611,7 @@
         <a:srgbClr val="000000"/>
       </a:buClr>
       <a:buFont typeface="Arial"/>
-      <a:defRPr b="0" i="0" sz="1400" u="none" cap="none" strike="noStrike">
+      <a:defRPr sz="1400" b="0" i="0" u="none" strike="noStrike" cap="none">
         <a:solidFill>
           <a:srgbClr val="000000"/>
         </a:solidFill>
@@ -592,7 +621,7 @@
         <a:sym typeface="Arial"/>
       </a:defRPr>
     </a:lvl5pPr>
-    <a:lvl6pPr lvl="5" marR="0" rtl="0" algn="l">
+    <a:lvl6pPr marR="0" lvl="5" algn="l" rtl="0">
       <a:lnSpc>
         <a:spcPct val="100000"/>
       </a:lnSpc>
@@ -606,7 +635,7 @@
         <a:srgbClr val="000000"/>
       </a:buClr>
       <a:buFont typeface="Arial"/>
-      <a:defRPr b="0" i="0" sz="1400" u="none" cap="none" strike="noStrike">
+      <a:defRPr sz="1400" b="0" i="0" u="none" strike="noStrike" cap="none">
         <a:solidFill>
           <a:srgbClr val="000000"/>
         </a:solidFill>
@@ -616,7 +645,7 @@
         <a:sym typeface="Arial"/>
       </a:defRPr>
     </a:lvl6pPr>
-    <a:lvl7pPr lvl="6" marR="0" rtl="0" algn="l">
+    <a:lvl7pPr marR="0" lvl="6" algn="l" rtl="0">
       <a:lnSpc>
         <a:spcPct val="100000"/>
       </a:lnSpc>
@@ -630,7 +659,7 @@
         <a:srgbClr val="000000"/>
       </a:buClr>
       <a:buFont typeface="Arial"/>
-      <a:defRPr b="0" i="0" sz="1400" u="none" cap="none" strike="noStrike">
+      <a:defRPr sz="1400" b="0" i="0" u="none" strike="noStrike" cap="none">
         <a:solidFill>
           <a:srgbClr val="000000"/>
         </a:solidFill>
@@ -640,7 +669,7 @@
         <a:sym typeface="Arial"/>
       </a:defRPr>
     </a:lvl7pPr>
-    <a:lvl8pPr lvl="7" marR="0" rtl="0" algn="l">
+    <a:lvl8pPr marR="0" lvl="7" algn="l" rtl="0">
       <a:lnSpc>
         <a:spcPct val="100000"/>
       </a:lnSpc>
@@ -654,7 +683,7 @@
         <a:srgbClr val="000000"/>
       </a:buClr>
       <a:buFont typeface="Arial"/>
-      <a:defRPr b="0" i="0" sz="1400" u="none" cap="none" strike="noStrike">
+      <a:defRPr sz="1400" b="0" i="0" u="none" strike="noStrike" cap="none">
         <a:solidFill>
           <a:srgbClr val="000000"/>
         </a:solidFill>
@@ -664,7 +693,7 @@
         <a:sym typeface="Arial"/>
       </a:defRPr>
     </a:lvl8pPr>
-    <a:lvl9pPr lvl="8" marR="0" rtl="0" algn="l">
+    <a:lvl9pPr marR="0" lvl="8" algn="l" rtl="0">
       <a:lnSpc>
         <a:spcPct val="100000"/>
       </a:lnSpc>
@@ -678,7 +707,7 @@
         <a:srgbClr val="000000"/>
       </a:buClr>
       <a:buFont typeface="Arial"/>
-      <a:defRPr b="0" i="0" sz="1400" u="none" cap="none" strike="noStrike">
+      <a:defRPr sz="1400" b="0" i="0" u="none" strike="noStrike" cap="none">
         <a:solidFill>
           <a:srgbClr val="000000"/>
         </a:solidFill>
@@ -693,11 +722,11 @@
 </file>
 
 <file path=ppt/notesSlides/notesSlide1.xml><?xml version="1.0" encoding="utf-8"?>
-<p:notes xmlns:a="http://schemas.openxmlformats.org/drawingml/2006/main" xmlns:r="http://schemas.openxmlformats.org/officeDocument/2006/relationships" xmlns:mc="http://schemas.openxmlformats.org/markup-compatibility/2006" xmlns:mv="urn:schemas-microsoft-com:mac:vml" xmlns:p="http://schemas.openxmlformats.org/presentationml/2006/main" xmlns:c="http://schemas.openxmlformats.org/drawingml/2006/chart" xmlns:dgm="http://schemas.openxmlformats.org/drawingml/2006/diagram" xmlns:o="urn:schemas-microsoft-com:office:office" xmlns:v="urn:schemas-microsoft-com:vml" xmlns:pvml="urn:schemas-microsoft-com:office:powerpoint" xmlns:com="http://schemas.openxmlformats.org/drawingml/2006/compatibility" xmlns:p14="http://schemas.microsoft.com/office/powerpoint/2010/main" xmlns:p15="http://schemas.microsoft.com/office/powerpoint/2012/main" xmlns:ahyp="http://schemas.microsoft.com/office/drawing/2018/hyperlinkcolor" showMasterPhAnim="0" showMasterSp="0">
+<p:notes xmlns:a="http://schemas.openxmlformats.org/drawingml/2006/main" xmlns:r="http://schemas.openxmlformats.org/officeDocument/2006/relationships" xmlns:p="http://schemas.openxmlformats.org/presentationml/2006/main" showMasterSp="0" showMasterPhAnim="0">
   <p:cSld>
     <p:spTree>
       <p:nvGrpSpPr>
-        <p:cNvPr id="90" name="Shape 90"/>
+        <p:cNvPr id="1" name="Shape 90"/>
         <p:cNvGrpSpPr/>
         <p:nvPr/>
       </p:nvGrpSpPr>
@@ -712,9 +741,11 @@
       <p:sp>
         <p:nvSpPr>
           <p:cNvPr id="91" name="Google Shape;91;p1:notes"/>
-          <p:cNvSpPr txBox="1"/>
+          <p:cNvSpPr txBox="1">
+            <a:spLocks noGrp="1"/>
+          </p:cNvSpPr>
           <p:nvPr>
-            <p:ph idx="1" type="body"/>
+            <p:ph type="body" idx="1"/>
           </p:nvPr>
         </p:nvSpPr>
         <p:spPr>
@@ -727,12 +758,12 @@
           </a:prstGeom>
         </p:spPr>
         <p:txBody>
-          <a:bodyPr anchorCtr="0" anchor="t" bIns="91425" lIns="91425" spcFirstLastPara="1" rIns="91425" wrap="square" tIns="91425">
+          <a:bodyPr spcFirstLastPara="1" wrap="square" lIns="91425" tIns="91425" rIns="91425" bIns="91425" anchor="t" anchorCtr="0">
             <a:noAutofit/>
           </a:bodyPr>
           <a:lstStyle/>
           <a:p>
-            <a:pPr indent="0" lvl="0" marL="0" rtl="0" algn="l">
+            <a:pPr marL="0" lvl="0" indent="0" algn="l" rtl="0">
               <a:spcBef>
                 <a:spcPts val="0"/>
               </a:spcBef>
@@ -741,9 +772,6 @@
               </a:spcAft>
               <a:buNone/>
             </a:pPr>
-            <a:r>
-              <a:t/>
-            </a:r>
             <a:endParaRPr/>
           </a:p>
         </p:txBody>
@@ -751,9 +779,11 @@
       <p:sp>
         <p:nvSpPr>
           <p:cNvPr id="92" name="Google Shape;92;p1:notes"/>
-          <p:cNvSpPr/>
+          <p:cNvSpPr>
+            <a:spLocks noGrp="1" noRot="1" noChangeAspect="1"/>
+          </p:cNvSpPr>
           <p:nvPr>
-            <p:ph idx="2" type="sldImg"/>
+            <p:ph type="sldImg" idx="2"/>
           </p:nvPr>
         </p:nvSpPr>
         <p:spPr>
@@ -762,9 +792,13 @@
             <a:ext cx="4572225" cy="3429000"/>
           </a:xfrm>
           <a:custGeom>
-            <a:rect b="b" l="l" r="r" t="t"/>
+            <a:avLst/>
+            <a:gdLst/>
+            <a:ahLst/>
+            <a:cxnLst/>
+            <a:rect l="l" t="t" r="r" b="b"/>
             <a:pathLst>
-              <a:path extrusionOk="0" h="120000" w="120000">
+              <a:path w="120000" h="120000" extrusionOk="0">
                 <a:moveTo>
                   <a:pt x="0" y="0"/>
                 </a:moveTo>
@@ -792,11 +826,11 @@
 </file>
 
 <file path=ppt/notesSlides/notesSlide2.xml><?xml version="1.0" encoding="utf-8"?>
-<p:notes xmlns:a="http://schemas.openxmlformats.org/drawingml/2006/main" xmlns:r="http://schemas.openxmlformats.org/officeDocument/2006/relationships" xmlns:mc="http://schemas.openxmlformats.org/markup-compatibility/2006" xmlns:mv="urn:schemas-microsoft-com:mac:vml" xmlns:p="http://schemas.openxmlformats.org/presentationml/2006/main" xmlns:c="http://schemas.openxmlformats.org/drawingml/2006/chart" xmlns:dgm="http://schemas.openxmlformats.org/drawingml/2006/diagram" xmlns:o="urn:schemas-microsoft-com:office:office" xmlns:v="urn:schemas-microsoft-com:vml" xmlns:pvml="urn:schemas-microsoft-com:office:powerpoint" xmlns:com="http://schemas.openxmlformats.org/drawingml/2006/compatibility" xmlns:p14="http://schemas.microsoft.com/office/powerpoint/2010/main" xmlns:p15="http://schemas.microsoft.com/office/powerpoint/2012/main" xmlns:ahyp="http://schemas.microsoft.com/office/drawing/2018/hyperlinkcolor" showMasterPhAnim="0" showMasterSp="0">
+<p:notes xmlns:a="http://schemas.openxmlformats.org/drawingml/2006/main" xmlns:r="http://schemas.openxmlformats.org/officeDocument/2006/relationships" xmlns:p="http://schemas.openxmlformats.org/presentationml/2006/main" showMasterSp="0" showMasterPhAnim="0">
   <p:cSld>
     <p:spTree>
       <p:nvGrpSpPr>
-        <p:cNvPr id="99" name="Shape 99"/>
+        <p:cNvPr id="1" name="Shape 99"/>
         <p:cNvGrpSpPr/>
         <p:nvPr/>
       </p:nvGrpSpPr>
@@ -811,9 +845,11 @@
       <p:sp>
         <p:nvSpPr>
           <p:cNvPr id="100" name="Google Shape;100;p2:notes"/>
-          <p:cNvSpPr txBox="1"/>
+          <p:cNvSpPr txBox="1">
+            <a:spLocks noGrp="1"/>
+          </p:cNvSpPr>
           <p:nvPr>
-            <p:ph idx="1" type="body"/>
+            <p:ph type="body" idx="1"/>
           </p:nvPr>
         </p:nvSpPr>
         <p:spPr>
@@ -826,12 +862,12 @@
           </a:prstGeom>
         </p:spPr>
         <p:txBody>
-          <a:bodyPr anchorCtr="0" anchor="t" bIns="91425" lIns="91425" spcFirstLastPara="1" rIns="91425" wrap="square" tIns="91425">
+          <a:bodyPr spcFirstLastPara="1" wrap="square" lIns="91425" tIns="91425" rIns="91425" bIns="91425" anchor="t" anchorCtr="0">
             <a:noAutofit/>
           </a:bodyPr>
           <a:lstStyle/>
           <a:p>
-            <a:pPr indent="0" lvl="0" marL="0" rtl="0" algn="l">
+            <a:pPr marL="0" lvl="0" indent="0" algn="l" rtl="0">
               <a:spcBef>
                 <a:spcPts val="0"/>
               </a:spcBef>
@@ -840,9 +876,6 @@
               </a:spcAft>
               <a:buNone/>
             </a:pPr>
-            <a:r>
-              <a:t/>
-            </a:r>
             <a:endParaRPr/>
           </a:p>
         </p:txBody>
@@ -850,9 +883,11 @@
       <p:sp>
         <p:nvSpPr>
           <p:cNvPr id="101" name="Google Shape;101;p2:notes"/>
-          <p:cNvSpPr/>
+          <p:cNvSpPr>
+            <a:spLocks noGrp="1" noRot="1" noChangeAspect="1"/>
+          </p:cNvSpPr>
           <p:nvPr>
-            <p:ph idx="2" type="sldImg"/>
+            <p:ph type="sldImg" idx="2"/>
           </p:nvPr>
         </p:nvSpPr>
         <p:spPr>
@@ -861,9 +896,13 @@
             <a:ext cx="4572225" cy="3429000"/>
           </a:xfrm>
           <a:custGeom>
-            <a:rect b="b" l="l" r="r" t="t"/>
+            <a:avLst/>
+            <a:gdLst/>
+            <a:ahLst/>
+            <a:cxnLst/>
+            <a:rect l="l" t="t" r="r" b="b"/>
             <a:pathLst>
-              <a:path extrusionOk="0" h="120000" w="120000">
+              <a:path w="120000" h="120000" extrusionOk="0">
                 <a:moveTo>
                   <a:pt x="0" y="0"/>
                 </a:moveTo>
@@ -891,11 +930,11 @@
 </file>
 
 <file path=ppt/notesSlides/notesSlide3.xml><?xml version="1.0" encoding="utf-8"?>
-<p:notes xmlns:a="http://schemas.openxmlformats.org/drawingml/2006/main" xmlns:r="http://schemas.openxmlformats.org/officeDocument/2006/relationships" xmlns:mc="http://schemas.openxmlformats.org/markup-compatibility/2006" xmlns:mv="urn:schemas-microsoft-com:mac:vml" xmlns:p="http://schemas.openxmlformats.org/presentationml/2006/main" xmlns:c="http://schemas.openxmlformats.org/drawingml/2006/chart" xmlns:dgm="http://schemas.openxmlformats.org/drawingml/2006/diagram" xmlns:o="urn:schemas-microsoft-com:office:office" xmlns:v="urn:schemas-microsoft-com:vml" xmlns:pvml="urn:schemas-microsoft-com:office:powerpoint" xmlns:com="http://schemas.openxmlformats.org/drawingml/2006/compatibility" xmlns:p14="http://schemas.microsoft.com/office/powerpoint/2010/main" xmlns:p15="http://schemas.microsoft.com/office/powerpoint/2012/main" xmlns:ahyp="http://schemas.microsoft.com/office/drawing/2018/hyperlinkcolor" showMasterPhAnim="0" showMasterSp="0">
+<p:notes xmlns:a="http://schemas.openxmlformats.org/drawingml/2006/main" xmlns:r="http://schemas.openxmlformats.org/officeDocument/2006/relationships" xmlns:p="http://schemas.openxmlformats.org/presentationml/2006/main" showMasterSp="0" showMasterPhAnim="0">
   <p:cSld>
     <p:spTree>
       <p:nvGrpSpPr>
-        <p:cNvPr id="105" name="Shape 105"/>
+        <p:cNvPr id="1" name="Shape 105"/>
         <p:cNvGrpSpPr/>
         <p:nvPr/>
       </p:nvGrpSpPr>
@@ -910,9 +949,11 @@
       <p:sp>
         <p:nvSpPr>
           <p:cNvPr id="106" name="Google Shape;106;p3:notes"/>
-          <p:cNvSpPr txBox="1"/>
+          <p:cNvSpPr txBox="1">
+            <a:spLocks noGrp="1"/>
+          </p:cNvSpPr>
           <p:nvPr>
-            <p:ph idx="1" type="body"/>
+            <p:ph type="body" idx="1"/>
           </p:nvPr>
         </p:nvSpPr>
         <p:spPr>
@@ -925,12 +966,12 @@
           </a:prstGeom>
         </p:spPr>
         <p:txBody>
-          <a:bodyPr anchorCtr="0" anchor="t" bIns="91425" lIns="91425" spcFirstLastPara="1" rIns="91425" wrap="square" tIns="91425">
+          <a:bodyPr spcFirstLastPara="1" wrap="square" lIns="91425" tIns="91425" rIns="91425" bIns="91425" anchor="t" anchorCtr="0">
             <a:noAutofit/>
           </a:bodyPr>
           <a:lstStyle/>
           <a:p>
-            <a:pPr indent="0" lvl="0" marL="0" rtl="0" algn="l">
+            <a:pPr marL="0" lvl="0" indent="0" algn="l" rtl="0">
               <a:spcBef>
                 <a:spcPts val="0"/>
               </a:spcBef>
@@ -939,9 +980,6 @@
               </a:spcAft>
               <a:buNone/>
             </a:pPr>
-            <a:r>
-              <a:t/>
-            </a:r>
             <a:endParaRPr/>
           </a:p>
         </p:txBody>
@@ -949,20 +987,26 @@
       <p:sp>
         <p:nvSpPr>
           <p:cNvPr id="107" name="Google Shape;107;p3:notes"/>
-          <p:cNvSpPr/>
+          <p:cNvSpPr>
+            <a:spLocks noGrp="1" noRot="1" noChangeAspect="1"/>
+          </p:cNvSpPr>
           <p:nvPr>
-            <p:ph idx="2" type="sldImg"/>
+            <p:ph type="sldImg" idx="2"/>
           </p:nvPr>
         </p:nvSpPr>
         <p:spPr>
           <a:xfrm>
-            <a:off x="1143225" y="685800"/>
-            <a:ext cx="4572225" cy="3429000"/>
+            <a:off x="381000" y="685800"/>
+            <a:ext cx="6096000" cy="3429000"/>
           </a:xfrm>
           <a:custGeom>
-            <a:rect b="b" l="l" r="r" t="t"/>
+            <a:avLst/>
+            <a:gdLst/>
+            <a:ahLst/>
+            <a:cxnLst/>
+            <a:rect l="l" t="t" r="r" b="b"/>
             <a:pathLst>
-              <a:path extrusionOk="0" h="120000" w="120000">
+              <a:path w="120000" h="120000" extrusionOk="0">
                 <a:moveTo>
                   <a:pt x="0" y="0"/>
                 </a:moveTo>
@@ -990,11 +1034,11 @@
 </file>
 
 <file path=ppt/notesSlides/notesSlide4.xml><?xml version="1.0" encoding="utf-8"?>
-<p:notes xmlns:a="http://schemas.openxmlformats.org/drawingml/2006/main" xmlns:r="http://schemas.openxmlformats.org/officeDocument/2006/relationships" xmlns:mc="http://schemas.openxmlformats.org/markup-compatibility/2006" xmlns:mv="urn:schemas-microsoft-com:mac:vml" xmlns:p="http://schemas.openxmlformats.org/presentationml/2006/main" xmlns:c="http://schemas.openxmlformats.org/drawingml/2006/chart" xmlns:dgm="http://schemas.openxmlformats.org/drawingml/2006/diagram" xmlns:o="urn:schemas-microsoft-com:office:office" xmlns:v="urn:schemas-microsoft-com:vml" xmlns:pvml="urn:schemas-microsoft-com:office:powerpoint" xmlns:com="http://schemas.openxmlformats.org/drawingml/2006/compatibility" xmlns:p14="http://schemas.microsoft.com/office/powerpoint/2010/main" xmlns:p15="http://schemas.microsoft.com/office/powerpoint/2012/main" xmlns:ahyp="http://schemas.microsoft.com/office/drawing/2018/hyperlinkcolor" showMasterPhAnim="0" showMasterSp="0">
+<p:notes xmlns:a="http://schemas.openxmlformats.org/drawingml/2006/main" xmlns:r="http://schemas.openxmlformats.org/officeDocument/2006/relationships" xmlns:p="http://schemas.openxmlformats.org/presentationml/2006/main" showMasterSp="0" showMasterPhAnim="0">
   <p:cSld>
     <p:spTree>
       <p:nvGrpSpPr>
-        <p:cNvPr id="111" name="Shape 111"/>
+        <p:cNvPr id="1" name="Shape 111"/>
         <p:cNvGrpSpPr/>
         <p:nvPr/>
       </p:nvGrpSpPr>
@@ -1009,9 +1053,11 @@
       <p:sp>
         <p:nvSpPr>
           <p:cNvPr id="112" name="Google Shape;112;p4:notes"/>
-          <p:cNvSpPr txBox="1"/>
+          <p:cNvSpPr txBox="1">
+            <a:spLocks noGrp="1"/>
+          </p:cNvSpPr>
           <p:nvPr>
-            <p:ph idx="1" type="body"/>
+            <p:ph type="body" idx="1"/>
           </p:nvPr>
         </p:nvSpPr>
         <p:spPr>
@@ -1024,12 +1070,12 @@
           </a:prstGeom>
         </p:spPr>
         <p:txBody>
-          <a:bodyPr anchorCtr="0" anchor="t" bIns="91425" lIns="91425" spcFirstLastPara="1" rIns="91425" wrap="square" tIns="91425">
+          <a:bodyPr spcFirstLastPara="1" wrap="square" lIns="91425" tIns="91425" rIns="91425" bIns="91425" anchor="t" anchorCtr="0">
             <a:noAutofit/>
           </a:bodyPr>
           <a:lstStyle/>
           <a:p>
-            <a:pPr indent="0" lvl="0" marL="0" rtl="0" algn="l">
+            <a:pPr marL="0" lvl="0" indent="0" algn="l" rtl="0">
               <a:spcBef>
                 <a:spcPts val="0"/>
               </a:spcBef>
@@ -1038,9 +1084,6 @@
               </a:spcAft>
               <a:buNone/>
             </a:pPr>
-            <a:r>
-              <a:t/>
-            </a:r>
             <a:endParaRPr/>
           </a:p>
         </p:txBody>
@@ -1048,9 +1091,11 @@
       <p:sp>
         <p:nvSpPr>
           <p:cNvPr id="113" name="Google Shape;113;p4:notes"/>
-          <p:cNvSpPr/>
+          <p:cNvSpPr>
+            <a:spLocks noGrp="1" noRot="1" noChangeAspect="1"/>
+          </p:cNvSpPr>
           <p:nvPr>
-            <p:ph idx="2" type="sldImg"/>
+            <p:ph type="sldImg" idx="2"/>
           </p:nvPr>
         </p:nvSpPr>
         <p:spPr>
@@ -1059,9 +1104,13 @@
             <a:ext cx="4572225" cy="3429000"/>
           </a:xfrm>
           <a:custGeom>
-            <a:rect b="b" l="l" r="r" t="t"/>
+            <a:avLst/>
+            <a:gdLst/>
+            <a:ahLst/>
+            <a:cxnLst/>
+            <a:rect l="l" t="t" r="r" b="b"/>
             <a:pathLst>
-              <a:path extrusionOk="0" h="120000" w="120000">
+              <a:path w="120000" h="120000" extrusionOk="0">
                 <a:moveTo>
                   <a:pt x="0" y="0"/>
                 </a:moveTo>
@@ -1089,11 +1138,11 @@
 </file>
 
 <file path=ppt/notesSlides/notesSlide5.xml><?xml version="1.0" encoding="utf-8"?>
-<p:notes xmlns:a="http://schemas.openxmlformats.org/drawingml/2006/main" xmlns:r="http://schemas.openxmlformats.org/officeDocument/2006/relationships" xmlns:mc="http://schemas.openxmlformats.org/markup-compatibility/2006" xmlns:mv="urn:schemas-microsoft-com:mac:vml" xmlns:p="http://schemas.openxmlformats.org/presentationml/2006/main" xmlns:c="http://schemas.openxmlformats.org/drawingml/2006/chart" xmlns:dgm="http://schemas.openxmlformats.org/drawingml/2006/diagram" xmlns:o="urn:schemas-microsoft-com:office:office" xmlns:v="urn:schemas-microsoft-com:vml" xmlns:pvml="urn:schemas-microsoft-com:office:powerpoint" xmlns:com="http://schemas.openxmlformats.org/drawingml/2006/compatibility" xmlns:p14="http://schemas.microsoft.com/office/powerpoint/2010/main" xmlns:p15="http://schemas.microsoft.com/office/powerpoint/2012/main" xmlns:ahyp="http://schemas.microsoft.com/office/drawing/2018/hyperlinkcolor" showMasterPhAnim="0" showMasterSp="0">
+<p:notes xmlns:a="http://schemas.openxmlformats.org/drawingml/2006/main" xmlns:r="http://schemas.openxmlformats.org/officeDocument/2006/relationships" xmlns:p="http://schemas.openxmlformats.org/presentationml/2006/main" showMasterSp="0" showMasterPhAnim="0">
   <p:cSld>
     <p:spTree>
       <p:nvGrpSpPr>
-        <p:cNvPr id="117" name="Shape 117"/>
+        <p:cNvPr id="1" name="Shape 117"/>
         <p:cNvGrpSpPr/>
         <p:nvPr/>
       </p:nvGrpSpPr>
@@ -1108,9 +1157,11 @@
       <p:sp>
         <p:nvSpPr>
           <p:cNvPr id="118" name="Google Shape;118;p5:notes"/>
-          <p:cNvSpPr txBox="1"/>
+          <p:cNvSpPr txBox="1">
+            <a:spLocks noGrp="1"/>
+          </p:cNvSpPr>
           <p:nvPr>
-            <p:ph idx="1" type="body"/>
+            <p:ph type="body" idx="1"/>
           </p:nvPr>
         </p:nvSpPr>
         <p:spPr>
@@ -1123,12 +1174,12 @@
           </a:prstGeom>
         </p:spPr>
         <p:txBody>
-          <a:bodyPr anchorCtr="0" anchor="t" bIns="91425" lIns="91425" spcFirstLastPara="1" rIns="91425" wrap="square" tIns="91425">
+          <a:bodyPr spcFirstLastPara="1" wrap="square" lIns="91425" tIns="91425" rIns="91425" bIns="91425" anchor="t" anchorCtr="0">
             <a:noAutofit/>
           </a:bodyPr>
           <a:lstStyle/>
           <a:p>
-            <a:pPr indent="0" lvl="0" marL="0" rtl="0" algn="l">
+            <a:pPr marL="0" lvl="0" indent="0" algn="l" rtl="0">
               <a:spcBef>
                 <a:spcPts val="0"/>
               </a:spcBef>
@@ -1137,9 +1188,6 @@
               </a:spcAft>
               <a:buNone/>
             </a:pPr>
-            <a:r>
-              <a:t/>
-            </a:r>
             <a:endParaRPr/>
           </a:p>
         </p:txBody>
@@ -1147,9 +1195,11 @@
       <p:sp>
         <p:nvSpPr>
           <p:cNvPr id="119" name="Google Shape;119;p5:notes"/>
-          <p:cNvSpPr/>
+          <p:cNvSpPr>
+            <a:spLocks noGrp="1" noRot="1" noChangeAspect="1"/>
+          </p:cNvSpPr>
           <p:nvPr>
-            <p:ph idx="2" type="sldImg"/>
+            <p:ph type="sldImg" idx="2"/>
           </p:nvPr>
         </p:nvSpPr>
         <p:spPr>
@@ -1158,9 +1208,13 @@
             <a:ext cx="4572225" cy="3429000"/>
           </a:xfrm>
           <a:custGeom>
-            <a:rect b="b" l="l" r="r" t="t"/>
+            <a:avLst/>
+            <a:gdLst/>
+            <a:ahLst/>
+            <a:cxnLst/>
+            <a:rect l="l" t="t" r="r" b="b"/>
             <a:pathLst>
-              <a:path extrusionOk="0" h="120000" w="120000">
+              <a:path w="120000" h="120000" extrusionOk="0">
                 <a:moveTo>
                   <a:pt x="0" y="0"/>
                 </a:moveTo>
@@ -1188,11 +1242,11 @@
 </file>
 
 <file path=ppt/notesSlides/notesSlide6.xml><?xml version="1.0" encoding="utf-8"?>
-<p:notes xmlns:a="http://schemas.openxmlformats.org/drawingml/2006/main" xmlns:r="http://schemas.openxmlformats.org/officeDocument/2006/relationships" xmlns:mc="http://schemas.openxmlformats.org/markup-compatibility/2006" xmlns:mv="urn:schemas-microsoft-com:mac:vml" xmlns:p="http://schemas.openxmlformats.org/presentationml/2006/main" xmlns:c="http://schemas.openxmlformats.org/drawingml/2006/chart" xmlns:dgm="http://schemas.openxmlformats.org/drawingml/2006/diagram" xmlns:o="urn:schemas-microsoft-com:office:office" xmlns:v="urn:schemas-microsoft-com:vml" xmlns:pvml="urn:schemas-microsoft-com:office:powerpoint" xmlns:com="http://schemas.openxmlformats.org/drawingml/2006/compatibility" xmlns:p14="http://schemas.microsoft.com/office/powerpoint/2010/main" xmlns:p15="http://schemas.microsoft.com/office/powerpoint/2012/main" xmlns:ahyp="http://schemas.microsoft.com/office/drawing/2018/hyperlinkcolor" showMasterPhAnim="0" showMasterSp="0">
+<p:notes xmlns:a="http://schemas.openxmlformats.org/drawingml/2006/main" xmlns:r="http://schemas.openxmlformats.org/officeDocument/2006/relationships" xmlns:p="http://schemas.openxmlformats.org/presentationml/2006/main" showMasterSp="0" showMasterPhAnim="0">
   <p:cSld>
     <p:spTree>
       <p:nvGrpSpPr>
-        <p:cNvPr id="123" name="Shape 123"/>
+        <p:cNvPr id="1" name="Shape 123"/>
         <p:cNvGrpSpPr/>
         <p:nvPr/>
       </p:nvGrpSpPr>
@@ -1207,9 +1261,11 @@
       <p:sp>
         <p:nvSpPr>
           <p:cNvPr id="124" name="Google Shape;124;gd16f877427_0_6:notes"/>
-          <p:cNvSpPr/>
+          <p:cNvSpPr>
+            <a:spLocks noGrp="1" noRot="1" noChangeAspect="1"/>
+          </p:cNvSpPr>
           <p:nvPr>
-            <p:ph idx="2" type="sldImg"/>
+            <p:ph type="sldImg" idx="2"/>
           </p:nvPr>
         </p:nvSpPr>
         <p:spPr>
@@ -1218,9 +1274,13 @@
             <a:ext cx="4572300" cy="3429000"/>
           </a:xfrm>
           <a:custGeom>
-            <a:rect b="b" l="l" r="r" t="t"/>
+            <a:avLst/>
+            <a:gdLst/>
+            <a:ahLst/>
+            <a:cxnLst/>
+            <a:rect l="l" t="t" r="r" b="b"/>
             <a:pathLst>
-              <a:path extrusionOk="0" h="120000" w="120000">
+              <a:path w="120000" h="120000" extrusionOk="0">
                 <a:moveTo>
                   <a:pt x="0" y="0"/>
                 </a:moveTo>
@@ -1242,9 +1302,11 @@
       <p:sp>
         <p:nvSpPr>
           <p:cNvPr id="125" name="Google Shape;125;gd16f877427_0_6:notes"/>
-          <p:cNvSpPr txBox="1"/>
+          <p:cNvSpPr txBox="1">
+            <a:spLocks noGrp="1"/>
+          </p:cNvSpPr>
           <p:nvPr>
-            <p:ph idx="1" type="body"/>
+            <p:ph type="body" idx="1"/>
           </p:nvPr>
         </p:nvSpPr>
         <p:spPr>
@@ -1257,12 +1319,12 @@
           </a:prstGeom>
         </p:spPr>
         <p:txBody>
-          <a:bodyPr anchorCtr="0" anchor="t" bIns="91425" lIns="91425" spcFirstLastPara="1" rIns="91425" wrap="square" tIns="91425">
+          <a:bodyPr spcFirstLastPara="1" wrap="square" lIns="91425" tIns="91425" rIns="91425" bIns="91425" anchor="t" anchorCtr="0">
             <a:noAutofit/>
           </a:bodyPr>
           <a:lstStyle/>
           <a:p>
-            <a:pPr indent="0" lvl="0" marL="0" rtl="0" algn="l">
+            <a:pPr marL="0" lvl="0" indent="0" algn="l" rtl="0">
               <a:spcBef>
                 <a:spcPts val="0"/>
               </a:spcBef>
@@ -1271,9 +1333,6 @@
               </a:spcAft>
               <a:buNone/>
             </a:pPr>
-            <a:r>
-              <a:t/>
-            </a:r>
             <a:endParaRPr/>
           </a:p>
         </p:txBody>
@@ -1287,11 +1346,11 @@
 </file>
 
 <file path=ppt/notesSlides/notesSlide7.xml><?xml version="1.0" encoding="utf-8"?>
-<p:notes xmlns:a="http://schemas.openxmlformats.org/drawingml/2006/main" xmlns:r="http://schemas.openxmlformats.org/officeDocument/2006/relationships" xmlns:mc="http://schemas.openxmlformats.org/markup-compatibility/2006" xmlns:mv="urn:schemas-microsoft-com:mac:vml" xmlns:p="http://schemas.openxmlformats.org/presentationml/2006/main" xmlns:c="http://schemas.openxmlformats.org/drawingml/2006/chart" xmlns:dgm="http://schemas.openxmlformats.org/drawingml/2006/diagram" xmlns:o="urn:schemas-microsoft-com:office:office" xmlns:v="urn:schemas-microsoft-com:vml" xmlns:pvml="urn:schemas-microsoft-com:office:powerpoint" xmlns:com="http://schemas.openxmlformats.org/drawingml/2006/compatibility" xmlns:p14="http://schemas.microsoft.com/office/powerpoint/2010/main" xmlns:p15="http://schemas.microsoft.com/office/powerpoint/2012/main" xmlns:ahyp="http://schemas.microsoft.com/office/drawing/2018/hyperlinkcolor" showMasterPhAnim="0" showMasterSp="0">
+<p:notes xmlns:a="http://schemas.openxmlformats.org/drawingml/2006/main" xmlns:r="http://schemas.openxmlformats.org/officeDocument/2006/relationships" xmlns:p="http://schemas.openxmlformats.org/presentationml/2006/main" showMasterSp="0" showMasterPhAnim="0">
   <p:cSld>
     <p:spTree>
       <p:nvGrpSpPr>
-        <p:cNvPr id="132" name="Shape 132"/>
+        <p:cNvPr id="1" name="Shape 132"/>
         <p:cNvGrpSpPr/>
         <p:nvPr/>
       </p:nvGrpSpPr>
@@ -1306,9 +1365,11 @@
       <p:sp>
         <p:nvSpPr>
           <p:cNvPr id="133" name="Google Shape;133;gd16f877427_0_13:notes"/>
-          <p:cNvSpPr/>
+          <p:cNvSpPr>
+            <a:spLocks noGrp="1" noRot="1" noChangeAspect="1"/>
+          </p:cNvSpPr>
           <p:nvPr>
-            <p:ph idx="2" type="sldImg"/>
+            <p:ph type="sldImg" idx="2"/>
           </p:nvPr>
         </p:nvSpPr>
         <p:spPr>
@@ -1317,9 +1378,13 @@
             <a:ext cx="4572300" cy="3429000"/>
           </a:xfrm>
           <a:custGeom>
-            <a:rect b="b" l="l" r="r" t="t"/>
+            <a:avLst/>
+            <a:gdLst/>
+            <a:ahLst/>
+            <a:cxnLst/>
+            <a:rect l="l" t="t" r="r" b="b"/>
             <a:pathLst>
-              <a:path extrusionOk="0" h="120000" w="120000">
+              <a:path w="120000" h="120000" extrusionOk="0">
                 <a:moveTo>
                   <a:pt x="0" y="0"/>
                 </a:moveTo>
@@ -1341,9 +1406,11 @@
       <p:sp>
         <p:nvSpPr>
           <p:cNvPr id="134" name="Google Shape;134;gd16f877427_0_13:notes"/>
-          <p:cNvSpPr txBox="1"/>
+          <p:cNvSpPr txBox="1">
+            <a:spLocks noGrp="1"/>
+          </p:cNvSpPr>
           <p:nvPr>
-            <p:ph idx="1" type="body"/>
+            <p:ph type="body" idx="1"/>
           </p:nvPr>
         </p:nvSpPr>
         <p:spPr>
@@ -1356,12 +1423,12 @@
           </a:prstGeom>
         </p:spPr>
         <p:txBody>
-          <a:bodyPr anchorCtr="0" anchor="t" bIns="91425" lIns="91425" spcFirstLastPara="1" rIns="91425" wrap="square" tIns="91425">
+          <a:bodyPr spcFirstLastPara="1" wrap="square" lIns="91425" tIns="91425" rIns="91425" bIns="91425" anchor="t" anchorCtr="0">
             <a:noAutofit/>
           </a:bodyPr>
           <a:lstStyle/>
           <a:p>
-            <a:pPr indent="0" lvl="0" marL="0" rtl="0" algn="l">
+            <a:pPr marL="0" lvl="0" indent="0" algn="l" rtl="0">
               <a:spcBef>
                 <a:spcPts val="0"/>
               </a:spcBef>
@@ -1370,9 +1437,6 @@
               </a:spcAft>
               <a:buNone/>
             </a:pPr>
-            <a:r>
-              <a:t/>
-            </a:r>
             <a:endParaRPr/>
           </a:p>
         </p:txBody>
@@ -1386,11 +1450,11 @@
 </file>
 
 <file path=ppt/notesSlides/notesSlide8.xml><?xml version="1.0" encoding="utf-8"?>
-<p:notes xmlns:a="http://schemas.openxmlformats.org/drawingml/2006/main" xmlns:r="http://schemas.openxmlformats.org/officeDocument/2006/relationships" xmlns:mc="http://schemas.openxmlformats.org/markup-compatibility/2006" xmlns:mv="urn:schemas-microsoft-com:mac:vml" xmlns:p="http://schemas.openxmlformats.org/presentationml/2006/main" xmlns:c="http://schemas.openxmlformats.org/drawingml/2006/chart" xmlns:dgm="http://schemas.openxmlformats.org/drawingml/2006/diagram" xmlns:o="urn:schemas-microsoft-com:office:office" xmlns:v="urn:schemas-microsoft-com:vml" xmlns:pvml="urn:schemas-microsoft-com:office:powerpoint" xmlns:com="http://schemas.openxmlformats.org/drawingml/2006/compatibility" xmlns:p14="http://schemas.microsoft.com/office/powerpoint/2010/main" xmlns:p15="http://schemas.microsoft.com/office/powerpoint/2012/main" xmlns:ahyp="http://schemas.microsoft.com/office/drawing/2018/hyperlinkcolor" showMasterPhAnim="0" showMasterSp="0">
+<p:notes xmlns:a="http://schemas.openxmlformats.org/drawingml/2006/main" xmlns:r="http://schemas.openxmlformats.org/officeDocument/2006/relationships" xmlns:p="http://schemas.openxmlformats.org/presentationml/2006/main" showMasterSp="0" showMasterPhAnim="0">
   <p:cSld>
     <p:spTree>
       <p:nvGrpSpPr>
-        <p:cNvPr id="141" name="Shape 141"/>
+        <p:cNvPr id="1" name="Shape 141"/>
         <p:cNvGrpSpPr/>
         <p:nvPr/>
       </p:nvGrpSpPr>
@@ -1405,9 +1469,11 @@
       <p:sp>
         <p:nvSpPr>
           <p:cNvPr id="142" name="Google Shape;142;gd16f877427_0_24:notes"/>
-          <p:cNvSpPr/>
+          <p:cNvSpPr>
+            <a:spLocks noGrp="1" noRot="1" noChangeAspect="1"/>
+          </p:cNvSpPr>
           <p:nvPr>
-            <p:ph idx="2" type="sldImg"/>
+            <p:ph type="sldImg" idx="2"/>
           </p:nvPr>
         </p:nvSpPr>
         <p:spPr>
@@ -1416,9 +1482,13 @@
             <a:ext cx="4572300" cy="3429000"/>
           </a:xfrm>
           <a:custGeom>
-            <a:rect b="b" l="l" r="r" t="t"/>
+            <a:avLst/>
+            <a:gdLst/>
+            <a:ahLst/>
+            <a:cxnLst/>
+            <a:rect l="l" t="t" r="r" b="b"/>
             <a:pathLst>
-              <a:path extrusionOk="0" h="120000" w="120000">
+              <a:path w="120000" h="120000" extrusionOk="0">
                 <a:moveTo>
                   <a:pt x="0" y="0"/>
                 </a:moveTo>
@@ -1440,9 +1510,11 @@
       <p:sp>
         <p:nvSpPr>
           <p:cNvPr id="143" name="Google Shape;143;gd16f877427_0_24:notes"/>
-          <p:cNvSpPr txBox="1"/>
+          <p:cNvSpPr txBox="1">
+            <a:spLocks noGrp="1"/>
+          </p:cNvSpPr>
           <p:nvPr>
-            <p:ph idx="1" type="body"/>
+            <p:ph type="body" idx="1"/>
           </p:nvPr>
         </p:nvSpPr>
         <p:spPr>
@@ -1455,12 +1527,12 @@
           </a:prstGeom>
         </p:spPr>
         <p:txBody>
-          <a:bodyPr anchorCtr="0" anchor="t" bIns="91425" lIns="91425" spcFirstLastPara="1" rIns="91425" wrap="square" tIns="91425">
+          <a:bodyPr spcFirstLastPara="1" wrap="square" lIns="91425" tIns="91425" rIns="91425" bIns="91425" anchor="t" anchorCtr="0">
             <a:noAutofit/>
           </a:bodyPr>
           <a:lstStyle/>
           <a:p>
-            <a:pPr indent="0" lvl="0" marL="0" rtl="0" algn="l">
+            <a:pPr marL="0" lvl="0" indent="0" algn="l" rtl="0">
               <a:spcBef>
                 <a:spcPts val="0"/>
               </a:spcBef>
@@ -1469,9 +1541,6 @@
               </a:spcAft>
               <a:buNone/>
             </a:pPr>
-            <a:r>
-              <a:t/>
-            </a:r>
             <a:endParaRPr/>
           </a:p>
         </p:txBody>
@@ -1485,11 +1554,11 @@
 </file>
 
 <file path=ppt/notesSlides/notesSlide9.xml><?xml version="1.0" encoding="utf-8"?>
-<p:notes xmlns:a="http://schemas.openxmlformats.org/drawingml/2006/main" xmlns:r="http://schemas.openxmlformats.org/officeDocument/2006/relationships" xmlns:mc="http://schemas.openxmlformats.org/markup-compatibility/2006" xmlns:mv="urn:schemas-microsoft-com:mac:vml" xmlns:p="http://schemas.openxmlformats.org/presentationml/2006/main" xmlns:c="http://schemas.openxmlformats.org/drawingml/2006/chart" xmlns:dgm="http://schemas.openxmlformats.org/drawingml/2006/diagram" xmlns:o="urn:schemas-microsoft-com:office:office" xmlns:v="urn:schemas-microsoft-com:vml" xmlns:pvml="urn:schemas-microsoft-com:office:powerpoint" xmlns:com="http://schemas.openxmlformats.org/drawingml/2006/compatibility" xmlns:p14="http://schemas.microsoft.com/office/powerpoint/2010/main" xmlns:p15="http://schemas.microsoft.com/office/powerpoint/2012/main" xmlns:ahyp="http://schemas.microsoft.com/office/drawing/2018/hyperlinkcolor" showMasterPhAnim="0" showMasterSp="0">
+<p:notes xmlns:a="http://schemas.openxmlformats.org/drawingml/2006/main" xmlns:r="http://schemas.openxmlformats.org/officeDocument/2006/relationships" xmlns:p="http://schemas.openxmlformats.org/presentationml/2006/main" showMasterSp="0" showMasterPhAnim="0">
   <p:cSld>
     <p:spTree>
       <p:nvGrpSpPr>
-        <p:cNvPr id="150" name="Shape 150"/>
+        <p:cNvPr id="1" name="Shape 150"/>
         <p:cNvGrpSpPr/>
         <p:nvPr/>
       </p:nvGrpSpPr>
@@ -1504,9 +1573,11 @@
       <p:sp>
         <p:nvSpPr>
           <p:cNvPr id="151" name="Google Shape;151;gd16f877427_0_36:notes"/>
-          <p:cNvSpPr/>
+          <p:cNvSpPr>
+            <a:spLocks noGrp="1" noRot="1" noChangeAspect="1"/>
+          </p:cNvSpPr>
           <p:nvPr>
-            <p:ph idx="2" type="sldImg"/>
+            <p:ph type="sldImg" idx="2"/>
           </p:nvPr>
         </p:nvSpPr>
         <p:spPr>
@@ -1515,9 +1586,13 @@
             <a:ext cx="4572300" cy="3429000"/>
           </a:xfrm>
           <a:custGeom>
-            <a:rect b="b" l="l" r="r" t="t"/>
+            <a:avLst/>
+            <a:gdLst/>
+            <a:ahLst/>
+            <a:cxnLst/>
+            <a:rect l="l" t="t" r="r" b="b"/>
             <a:pathLst>
-              <a:path extrusionOk="0" h="120000" w="120000">
+              <a:path w="120000" h="120000" extrusionOk="0">
                 <a:moveTo>
                   <a:pt x="0" y="0"/>
                 </a:moveTo>
@@ -1539,9 +1614,11 @@
       <p:sp>
         <p:nvSpPr>
           <p:cNvPr id="152" name="Google Shape;152;gd16f877427_0_36:notes"/>
-          <p:cNvSpPr txBox="1"/>
+          <p:cNvSpPr txBox="1">
+            <a:spLocks noGrp="1"/>
+          </p:cNvSpPr>
           <p:nvPr>
-            <p:ph idx="1" type="body"/>
+            <p:ph type="body" idx="1"/>
           </p:nvPr>
         </p:nvSpPr>
         <p:spPr>
@@ -1554,12 +1631,12 @@
           </a:prstGeom>
         </p:spPr>
         <p:txBody>
-          <a:bodyPr anchorCtr="0" anchor="t" bIns="91425" lIns="91425" spcFirstLastPara="1" rIns="91425" wrap="square" tIns="91425">
+          <a:bodyPr spcFirstLastPara="1" wrap="square" lIns="91425" tIns="91425" rIns="91425" bIns="91425" anchor="t" anchorCtr="0">
             <a:noAutofit/>
           </a:bodyPr>
           <a:lstStyle/>
           <a:p>
-            <a:pPr indent="0" lvl="0" marL="0" rtl="0" algn="l">
+            <a:pPr marL="0" lvl="0" indent="0" algn="l" rtl="0">
               <a:spcBef>
                 <a:spcPts val="0"/>
               </a:spcBef>
@@ -1568,9 +1645,6 @@
               </a:spcAft>
               <a:buNone/>
             </a:pPr>
-            <a:r>
-              <a:t/>
-            </a:r>
             <a:endParaRPr/>
           </a:p>
         </p:txBody>
@@ -1584,11 +1658,11 @@
 </file>
 
 <file path=ppt/slideLayouts/slideLayout1.xml><?xml version="1.0" encoding="utf-8"?>
-<p:sldLayout xmlns:a="http://schemas.openxmlformats.org/drawingml/2006/main" xmlns:r="http://schemas.openxmlformats.org/officeDocument/2006/relationships" xmlns:mc="http://schemas.openxmlformats.org/markup-compatibility/2006" xmlns:mv="urn:schemas-microsoft-com:mac:vml" xmlns:p="http://schemas.openxmlformats.org/presentationml/2006/main" xmlns:c="http://schemas.openxmlformats.org/drawingml/2006/chart" xmlns:dgm="http://schemas.openxmlformats.org/drawingml/2006/diagram" xmlns:o="urn:schemas-microsoft-com:office:office" xmlns:v="urn:schemas-microsoft-com:vml" xmlns:pvml="urn:schemas-microsoft-com:office:powerpoint" xmlns:com="http://schemas.openxmlformats.org/drawingml/2006/compatibility" xmlns:p14="http://schemas.microsoft.com/office/powerpoint/2010/main" xmlns:p15="http://schemas.microsoft.com/office/powerpoint/2012/main" xmlns:ahyp="http://schemas.microsoft.com/office/drawing/2018/hyperlinkcolor" matchingName="Title Slide" showMasterSp="0" type="title">
+<p:sldLayout xmlns:a="http://schemas.openxmlformats.org/drawingml/2006/main" xmlns:r="http://schemas.openxmlformats.org/officeDocument/2006/relationships" xmlns:p="http://schemas.openxmlformats.org/presentationml/2006/main" showMasterSp="0" matchingName="Title Slide" type="title">
   <p:cSld name="TITLE">
     <p:spTree>
       <p:nvGrpSpPr>
-        <p:cNvPr id="13" name="Shape 13"/>
+        <p:cNvPr id="1" name="Shape 13"/>
         <p:cNvGrpSpPr/>
         <p:nvPr/>
       </p:nvGrpSpPr>
@@ -1622,12 +1696,12 @@
           </a:ln>
         </p:spPr>
         <p:txBody>
-          <a:bodyPr anchorCtr="0" anchor="ctr" bIns="91425" lIns="91425" spcFirstLastPara="1" rIns="91425" wrap="square" tIns="91425">
+          <a:bodyPr spcFirstLastPara="1" wrap="square" lIns="91425" tIns="91425" rIns="91425" bIns="91425" anchor="ctr" anchorCtr="0">
             <a:noAutofit/>
           </a:bodyPr>
           <a:lstStyle/>
           <a:p>
-            <a:pPr indent="0" lvl="0" marL="0" rtl="0" algn="l">
+            <a:pPr marL="0" lvl="0" indent="0" algn="l" rtl="0">
               <a:spcBef>
                 <a:spcPts val="0"/>
               </a:spcBef>
@@ -1636,9 +1710,6 @@
               </a:spcAft>
               <a:buNone/>
             </a:pPr>
-            <a:r>
-              <a:t/>
-            </a:r>
             <a:endParaRPr/>
           </a:p>
         </p:txBody>
@@ -1646,7 +1717,9 @@
       <p:sp>
         <p:nvSpPr>
           <p:cNvPr id="15" name="Google Shape;15;p7"/>
-          <p:cNvSpPr txBox="1"/>
+          <p:cNvSpPr txBox="1">
+            <a:spLocks noGrp="1"/>
+          </p:cNvSpPr>
           <p:nvPr>
             <p:ph type="ctrTitle"/>
           </p:nvPr>
@@ -1665,7 +1738,7 @@
           </a:ln>
         </p:spPr>
         <p:txBody>
-          <a:bodyPr anchorCtr="0" anchor="b" bIns="45700" lIns="91425" spcFirstLastPara="1" rIns="91425" wrap="square" tIns="45700">
+          <a:bodyPr spcFirstLastPara="1" wrap="square" lIns="91425" tIns="45700" rIns="91425" bIns="45700" anchor="b" anchorCtr="0">
             <a:normAutofit/>
           </a:bodyPr>
           <a:lstStyle>
@@ -1780,15 +1853,19 @@
               <a:defRPr/>
             </a:lvl9pPr>
           </a:lstStyle>
-          <a:p/>
+          <a:p>
+            <a:endParaRPr/>
+          </a:p>
         </p:txBody>
       </p:sp>
       <p:sp>
         <p:nvSpPr>
           <p:cNvPr id="16" name="Google Shape;16;p7"/>
-          <p:cNvSpPr txBox="1"/>
+          <p:cNvSpPr txBox="1">
+            <a:spLocks noGrp="1"/>
+          </p:cNvSpPr>
           <p:nvPr>
-            <p:ph idx="1" type="subTitle"/>
+            <p:ph type="subTitle" idx="1"/>
           </p:nvPr>
         </p:nvSpPr>
         <p:spPr>
@@ -1805,7 +1882,7 @@
           </a:ln>
         </p:spPr>
         <p:txBody>
-          <a:bodyPr anchorCtr="0" anchor="t" bIns="45700" lIns="91425" spcFirstLastPara="1" rIns="91425" wrap="square" tIns="45700">
+          <a:bodyPr spcFirstLastPara="1" wrap="square" lIns="91425" tIns="45700" rIns="91425" bIns="45700" anchor="t" anchorCtr="0">
             <a:normAutofit/>
           </a:bodyPr>
           <a:lstStyle>
@@ -1956,7 +2033,9 @@
               <a:defRPr sz="2000"/>
             </a:lvl9pPr>
           </a:lstStyle>
-          <a:p/>
+          <a:p>
+            <a:endParaRPr/>
+          </a:p>
         </p:txBody>
       </p:sp>
       <p:cxnSp>
@@ -1974,23 +2053,25 @@
             <a:avLst/>
           </a:prstGeom>
           <a:noFill/>
-          <a:ln cap="flat" cmpd="sng" w="12700">
+          <a:ln w="12700" cap="flat" cmpd="sng">
             <a:solidFill>
               <a:srgbClr val="3F3F3F"/>
             </a:solidFill>
             <a:prstDash val="solid"/>
             <a:round/>
-            <a:headEnd len="sm" w="sm" type="none"/>
-            <a:tailEnd len="sm" w="sm" type="none"/>
+            <a:headEnd type="none" w="sm" len="sm"/>
+            <a:tailEnd type="none" w="sm" len="sm"/>
           </a:ln>
         </p:spPr>
       </p:cxnSp>
       <p:sp>
         <p:nvSpPr>
           <p:cNvPr id="18" name="Google Shape;18;p7"/>
-          <p:cNvSpPr txBox="1"/>
+          <p:cNvSpPr txBox="1">
+            <a:spLocks noGrp="1"/>
+          </p:cNvSpPr>
           <p:nvPr>
-            <p:ph idx="10" type="dt"/>
+            <p:ph type="dt" idx="10"/>
           </p:nvPr>
         </p:nvSpPr>
         <p:spPr>
@@ -2007,7 +2088,7 @@
           </a:ln>
         </p:spPr>
         <p:txBody>
-          <a:bodyPr anchorCtr="0" anchor="ctr" bIns="45700" lIns="91425" spcFirstLastPara="1" rIns="91425" wrap="square" tIns="45700">
+          <a:bodyPr spcFirstLastPara="1" wrap="square" lIns="91425" tIns="45700" rIns="91425" bIns="45700" anchor="ctr" anchorCtr="0">
             <a:noAutofit/>
           </a:bodyPr>
           <a:lstStyle>
@@ -2111,15 +2192,19 @@
               <a:defRPr/>
             </a:lvl9pPr>
           </a:lstStyle>
-          <a:p/>
+          <a:p>
+            <a:endParaRPr/>
+          </a:p>
         </p:txBody>
       </p:sp>
       <p:sp>
         <p:nvSpPr>
           <p:cNvPr id="19" name="Google Shape;19;p7"/>
-          <p:cNvSpPr txBox="1"/>
+          <p:cNvSpPr txBox="1">
+            <a:spLocks noGrp="1"/>
+          </p:cNvSpPr>
           <p:nvPr>
-            <p:ph idx="11" type="ftr"/>
+            <p:ph type="ftr" idx="11"/>
           </p:nvPr>
         </p:nvSpPr>
         <p:spPr>
@@ -2136,7 +2221,7 @@
           </a:ln>
         </p:spPr>
         <p:txBody>
-          <a:bodyPr anchorCtr="0" anchor="ctr" bIns="45700" lIns="91425" spcFirstLastPara="1" rIns="91425" wrap="square" tIns="45700">
+          <a:bodyPr spcFirstLastPara="1" wrap="square" lIns="91425" tIns="45700" rIns="91425" bIns="45700" anchor="ctr" anchorCtr="0">
             <a:noAutofit/>
           </a:bodyPr>
           <a:lstStyle>
@@ -2240,15 +2325,19 @@
               <a:defRPr/>
             </a:lvl9pPr>
           </a:lstStyle>
-          <a:p/>
+          <a:p>
+            <a:endParaRPr/>
+          </a:p>
         </p:txBody>
       </p:sp>
       <p:sp>
         <p:nvSpPr>
           <p:cNvPr id="20" name="Google Shape;20;p7"/>
-          <p:cNvSpPr txBox="1"/>
+          <p:cNvSpPr txBox="1">
+            <a:spLocks noGrp="1"/>
+          </p:cNvSpPr>
           <p:nvPr>
-            <p:ph idx="12" type="sldNum"/>
+            <p:ph type="sldNum" idx="12"/>
           </p:nvPr>
         </p:nvSpPr>
         <p:spPr>
@@ -2265,67 +2354,67 @@
           </a:ln>
         </p:spPr>
         <p:txBody>
-          <a:bodyPr anchorCtr="0" anchor="ctr" bIns="45700" lIns="91425" spcFirstLastPara="1" rIns="91425" wrap="square" tIns="45700">
+          <a:bodyPr spcFirstLastPara="1" wrap="square" lIns="91425" tIns="45700" rIns="91425" bIns="45700" anchor="ctr" anchorCtr="0">
             <a:noAutofit/>
           </a:bodyPr>
           <a:lstStyle>
-            <a:lvl1pPr indent="0" lvl="0" marL="0" algn="l">
+            <a:lvl1pPr marL="0" lvl="0" indent="0" algn="l">
               <a:spcBef>
                 <a:spcPts val="0"/>
               </a:spcBef>
               <a:buNone/>
               <a:defRPr/>
             </a:lvl1pPr>
-            <a:lvl2pPr indent="0" lvl="1" marL="0" algn="l">
+            <a:lvl2pPr marL="0" lvl="1" indent="0" algn="l">
               <a:spcBef>
                 <a:spcPts val="0"/>
               </a:spcBef>
               <a:buNone/>
               <a:defRPr/>
             </a:lvl2pPr>
-            <a:lvl3pPr indent="0" lvl="2" marL="0" algn="l">
+            <a:lvl3pPr marL="0" lvl="2" indent="0" algn="l">
               <a:spcBef>
                 <a:spcPts val="0"/>
               </a:spcBef>
               <a:buNone/>
               <a:defRPr/>
             </a:lvl3pPr>
-            <a:lvl4pPr indent="0" lvl="3" marL="0" algn="l">
+            <a:lvl4pPr marL="0" lvl="3" indent="0" algn="l">
               <a:spcBef>
                 <a:spcPts val="0"/>
               </a:spcBef>
               <a:buNone/>
               <a:defRPr/>
             </a:lvl4pPr>
-            <a:lvl5pPr indent="0" lvl="4" marL="0" algn="l">
+            <a:lvl5pPr marL="0" lvl="4" indent="0" algn="l">
               <a:spcBef>
                 <a:spcPts val="0"/>
               </a:spcBef>
               <a:buNone/>
               <a:defRPr/>
             </a:lvl5pPr>
-            <a:lvl6pPr indent="0" lvl="5" marL="0" algn="l">
+            <a:lvl6pPr marL="0" lvl="5" indent="0" algn="l">
               <a:spcBef>
                 <a:spcPts val="0"/>
               </a:spcBef>
               <a:buNone/>
               <a:defRPr/>
             </a:lvl6pPr>
-            <a:lvl7pPr indent="0" lvl="6" marL="0" algn="l">
+            <a:lvl7pPr marL="0" lvl="6" indent="0" algn="l">
               <a:spcBef>
                 <a:spcPts val="0"/>
               </a:spcBef>
               <a:buNone/>
               <a:defRPr/>
             </a:lvl7pPr>
-            <a:lvl8pPr indent="0" lvl="7" marL="0" algn="l">
+            <a:lvl8pPr marL="0" lvl="7" indent="0" algn="l">
               <a:spcBef>
                 <a:spcPts val="0"/>
               </a:spcBef>
               <a:buNone/>
               <a:defRPr/>
             </a:lvl8pPr>
-            <a:lvl9pPr indent="0" lvl="8" marL="0" algn="l">
+            <a:lvl9pPr marL="0" lvl="8" indent="0" algn="l">
               <a:spcBef>
                 <a:spcPts val="0"/>
               </a:spcBef>
@@ -2334,7 +2423,7 @@
             </a:lvl9pPr>
           </a:lstStyle>
           <a:p>
-            <a:pPr indent="0" lvl="0" marL="0" rtl="0" algn="l">
+            <a:pPr marL="0" lvl="0" indent="0" algn="l" rtl="0">
               <a:spcBef>
                 <a:spcPts val="0"/>
               </a:spcBef>
@@ -2360,11 +2449,11 @@
 </file>
 
 <file path=ppt/slideLayouts/slideLayout10.xml><?xml version="1.0" encoding="utf-8"?>
-<p:sldLayout xmlns:a="http://schemas.openxmlformats.org/drawingml/2006/main" xmlns:r="http://schemas.openxmlformats.org/officeDocument/2006/relationships" xmlns:mc="http://schemas.openxmlformats.org/markup-compatibility/2006" xmlns:mv="urn:schemas-microsoft-com:mac:vml" xmlns:p="http://schemas.openxmlformats.org/presentationml/2006/main" xmlns:c="http://schemas.openxmlformats.org/drawingml/2006/chart" xmlns:dgm="http://schemas.openxmlformats.org/drawingml/2006/diagram" xmlns:o="urn:schemas-microsoft-com:office:office" xmlns:v="urn:schemas-microsoft-com:vml" xmlns:pvml="urn:schemas-microsoft-com:office:powerpoint" xmlns:com="http://schemas.openxmlformats.org/drawingml/2006/compatibility" xmlns:p14="http://schemas.microsoft.com/office/powerpoint/2010/main" xmlns:p15="http://schemas.microsoft.com/office/powerpoint/2012/main" xmlns:ahyp="http://schemas.microsoft.com/office/drawing/2018/hyperlinkcolor" matchingName="Title and Vertical Text" type="vertTx">
+<p:sldLayout xmlns:a="http://schemas.openxmlformats.org/drawingml/2006/main" xmlns:r="http://schemas.openxmlformats.org/officeDocument/2006/relationships" xmlns:p="http://schemas.openxmlformats.org/presentationml/2006/main" matchingName="Title and Vertical Text" type="vertTx">
   <p:cSld name="VERTICAL_TEXT">
     <p:spTree>
       <p:nvGrpSpPr>
-        <p:cNvPr id="77" name="Shape 77"/>
+        <p:cNvPr id="1" name="Shape 77"/>
         <p:cNvGrpSpPr/>
         <p:nvPr/>
       </p:nvGrpSpPr>
@@ -2379,7 +2468,9 @@
       <p:sp>
         <p:nvSpPr>
           <p:cNvPr id="78" name="Google Shape;78;p16"/>
-          <p:cNvSpPr txBox="1"/>
+          <p:cNvSpPr txBox="1">
+            <a:spLocks noGrp="1"/>
+          </p:cNvSpPr>
           <p:nvPr>
             <p:ph type="title"/>
           </p:nvPr>
@@ -2398,7 +2489,7 @@
           </a:ln>
         </p:spPr>
         <p:txBody>
-          <a:bodyPr anchorCtr="0" anchor="b" bIns="45700" lIns="91425" spcFirstLastPara="1" rIns="91425" wrap="square" tIns="45700">
+          <a:bodyPr spcFirstLastPara="1" wrap="square" lIns="91425" tIns="45700" rIns="91425" bIns="45700" anchor="b" anchorCtr="0">
             <a:normAutofit/>
           </a:bodyPr>
           <a:lstStyle>
@@ -2508,15 +2599,19 @@
               <a:defRPr/>
             </a:lvl9pPr>
           </a:lstStyle>
-          <a:p/>
+          <a:p>
+            <a:endParaRPr/>
+          </a:p>
         </p:txBody>
       </p:sp>
       <p:sp>
         <p:nvSpPr>
           <p:cNvPr id="79" name="Google Shape;79;p16"/>
-          <p:cNvSpPr txBox="1"/>
+          <p:cNvSpPr txBox="1">
+            <a:spLocks noGrp="1"/>
+          </p:cNvSpPr>
           <p:nvPr>
-            <p:ph idx="1" type="body"/>
+            <p:ph type="body" idx="1"/>
           </p:nvPr>
         </p:nvSpPr>
         <p:spPr>
@@ -2533,11 +2628,11 @@
           </a:ln>
         </p:spPr>
         <p:txBody>
-          <a:bodyPr anchorCtr="0" anchor="t" bIns="0" lIns="45700" spcFirstLastPara="1" rIns="45700" wrap="square" tIns="0">
+          <a:bodyPr spcFirstLastPara="1" wrap="square" lIns="45700" tIns="0" rIns="45700" bIns="0" anchor="t" anchorCtr="0">
             <a:normAutofit/>
           </a:bodyPr>
           <a:lstStyle>
-            <a:lvl1pPr indent="-342900" lvl="0" marL="457200" algn="l">
+            <a:lvl1pPr marL="457200" lvl="0" indent="-342900" algn="l">
               <a:lnSpc>
                 <a:spcPct val="110000"/>
               </a:lnSpc>
@@ -2551,7 +2646,7 @@
               <a:buChar char=" "/>
               <a:defRPr/>
             </a:lvl1pPr>
-            <a:lvl2pPr indent="-342900" lvl="1" marL="914400" algn="l">
+            <a:lvl2pPr marL="914400" lvl="1" indent="-342900" algn="l">
               <a:lnSpc>
                 <a:spcPct val="100000"/>
               </a:lnSpc>
@@ -2568,7 +2663,7 @@
               <a:buChar char="◦"/>
               <a:defRPr/>
             </a:lvl2pPr>
-            <a:lvl3pPr indent="-342900" lvl="2" marL="1371600" algn="l">
+            <a:lvl3pPr marL="1371600" lvl="2" indent="-342900" algn="l">
               <a:lnSpc>
                 <a:spcPct val="100000"/>
               </a:lnSpc>
@@ -2585,7 +2680,7 @@
               <a:buChar char="◦"/>
               <a:defRPr/>
             </a:lvl3pPr>
-            <a:lvl4pPr indent="-342900" lvl="3" marL="1828800" algn="l">
+            <a:lvl4pPr marL="1828800" lvl="3" indent="-342900" algn="l">
               <a:lnSpc>
                 <a:spcPct val="100000"/>
               </a:lnSpc>
@@ -2602,7 +2697,7 @@
               <a:buChar char="◦"/>
               <a:defRPr/>
             </a:lvl4pPr>
-            <a:lvl5pPr indent="-342900" lvl="4" marL="2286000" algn="l">
+            <a:lvl5pPr marL="2286000" lvl="4" indent="-342900" algn="l">
               <a:lnSpc>
                 <a:spcPct val="100000"/>
               </a:lnSpc>
@@ -2619,7 +2714,7 @@
               <a:buChar char="◦"/>
               <a:defRPr/>
             </a:lvl5pPr>
-            <a:lvl6pPr indent="-342900" lvl="5" marL="2743200" algn="l">
+            <a:lvl6pPr marL="2743200" lvl="5" indent="-342900" algn="l">
               <a:lnSpc>
                 <a:spcPct val="90000"/>
               </a:lnSpc>
@@ -2633,7 +2728,7 @@
               <a:buChar char="◦"/>
               <a:defRPr/>
             </a:lvl6pPr>
-            <a:lvl7pPr indent="-342900" lvl="6" marL="3200400" algn="l">
+            <a:lvl7pPr marL="3200400" lvl="6" indent="-342900" algn="l">
               <a:lnSpc>
                 <a:spcPct val="90000"/>
               </a:lnSpc>
@@ -2647,7 +2742,7 @@
               <a:buChar char="◦"/>
               <a:defRPr/>
             </a:lvl7pPr>
-            <a:lvl8pPr indent="-342900" lvl="7" marL="3657600" algn="l">
+            <a:lvl8pPr marL="3657600" lvl="7" indent="-342900" algn="l">
               <a:lnSpc>
                 <a:spcPct val="90000"/>
               </a:lnSpc>
@@ -2661,7 +2756,7 @@
               <a:buChar char="◦"/>
               <a:defRPr/>
             </a:lvl8pPr>
-            <a:lvl9pPr indent="-342900" lvl="8" marL="4114800" algn="l">
+            <a:lvl9pPr marL="4114800" lvl="8" indent="-342900" algn="l">
               <a:lnSpc>
                 <a:spcPct val="90000"/>
               </a:lnSpc>
@@ -2676,15 +2771,19 @@
               <a:defRPr/>
             </a:lvl9pPr>
           </a:lstStyle>
-          <a:p/>
+          <a:p>
+            <a:endParaRPr/>
+          </a:p>
         </p:txBody>
       </p:sp>
       <p:sp>
         <p:nvSpPr>
           <p:cNvPr id="80" name="Google Shape;80;p16"/>
-          <p:cNvSpPr txBox="1"/>
+          <p:cNvSpPr txBox="1">
+            <a:spLocks noGrp="1"/>
+          </p:cNvSpPr>
           <p:nvPr>
-            <p:ph idx="10" type="dt"/>
+            <p:ph type="dt" idx="10"/>
           </p:nvPr>
         </p:nvSpPr>
         <p:spPr>
@@ -2701,7 +2800,7 @@
           </a:ln>
         </p:spPr>
         <p:txBody>
-          <a:bodyPr anchorCtr="0" anchor="ctr" bIns="45700" lIns="91425" spcFirstLastPara="1" rIns="91425" wrap="square" tIns="45700">
+          <a:bodyPr spcFirstLastPara="1" wrap="square" lIns="91425" tIns="45700" rIns="91425" bIns="45700" anchor="ctr" anchorCtr="0">
             <a:noAutofit/>
           </a:bodyPr>
           <a:lstStyle>
@@ -2805,15 +2904,19 @@
               <a:defRPr/>
             </a:lvl9pPr>
           </a:lstStyle>
-          <a:p/>
+          <a:p>
+            <a:endParaRPr/>
+          </a:p>
         </p:txBody>
       </p:sp>
       <p:sp>
         <p:nvSpPr>
           <p:cNvPr id="81" name="Google Shape;81;p16"/>
-          <p:cNvSpPr txBox="1"/>
+          <p:cNvSpPr txBox="1">
+            <a:spLocks noGrp="1"/>
+          </p:cNvSpPr>
           <p:nvPr>
-            <p:ph idx="11" type="ftr"/>
+            <p:ph type="ftr" idx="11"/>
           </p:nvPr>
         </p:nvSpPr>
         <p:spPr>
@@ -2830,7 +2933,7 @@
           </a:ln>
         </p:spPr>
         <p:txBody>
-          <a:bodyPr anchorCtr="0" anchor="ctr" bIns="45700" lIns="91425" spcFirstLastPara="1" rIns="91425" wrap="square" tIns="45700">
+          <a:bodyPr spcFirstLastPara="1" wrap="square" lIns="91425" tIns="45700" rIns="91425" bIns="45700" anchor="ctr" anchorCtr="0">
             <a:noAutofit/>
           </a:bodyPr>
           <a:lstStyle>
@@ -2934,15 +3037,19 @@
               <a:defRPr/>
             </a:lvl9pPr>
           </a:lstStyle>
-          <a:p/>
+          <a:p>
+            <a:endParaRPr/>
+          </a:p>
         </p:txBody>
       </p:sp>
       <p:sp>
         <p:nvSpPr>
           <p:cNvPr id="82" name="Google Shape;82;p16"/>
-          <p:cNvSpPr txBox="1"/>
+          <p:cNvSpPr txBox="1">
+            <a:spLocks noGrp="1"/>
+          </p:cNvSpPr>
           <p:nvPr>
-            <p:ph idx="12" type="sldNum"/>
+            <p:ph type="sldNum" idx="12"/>
           </p:nvPr>
         </p:nvSpPr>
         <p:spPr>
@@ -2959,67 +3066,67 @@
           </a:ln>
         </p:spPr>
         <p:txBody>
-          <a:bodyPr anchorCtr="0" anchor="ctr" bIns="45700" lIns="91425" spcFirstLastPara="1" rIns="91425" wrap="square" tIns="45700">
+          <a:bodyPr spcFirstLastPara="1" wrap="square" lIns="91425" tIns="45700" rIns="91425" bIns="45700" anchor="ctr" anchorCtr="0">
             <a:noAutofit/>
           </a:bodyPr>
           <a:lstStyle>
-            <a:lvl1pPr indent="0" lvl="0" marL="0" algn="l">
+            <a:lvl1pPr marL="0" lvl="0" indent="0" algn="l">
               <a:spcBef>
                 <a:spcPts val="0"/>
               </a:spcBef>
               <a:buNone/>
               <a:defRPr/>
             </a:lvl1pPr>
-            <a:lvl2pPr indent="0" lvl="1" marL="0" algn="l">
+            <a:lvl2pPr marL="0" lvl="1" indent="0" algn="l">
               <a:spcBef>
                 <a:spcPts val="0"/>
               </a:spcBef>
               <a:buNone/>
               <a:defRPr/>
             </a:lvl2pPr>
-            <a:lvl3pPr indent="0" lvl="2" marL="0" algn="l">
+            <a:lvl3pPr marL="0" lvl="2" indent="0" algn="l">
               <a:spcBef>
                 <a:spcPts val="0"/>
               </a:spcBef>
               <a:buNone/>
               <a:defRPr/>
             </a:lvl3pPr>
-            <a:lvl4pPr indent="0" lvl="3" marL="0" algn="l">
+            <a:lvl4pPr marL="0" lvl="3" indent="0" algn="l">
               <a:spcBef>
                 <a:spcPts val="0"/>
               </a:spcBef>
               <a:buNone/>
               <a:defRPr/>
             </a:lvl4pPr>
-            <a:lvl5pPr indent="0" lvl="4" marL="0" algn="l">
+            <a:lvl5pPr marL="0" lvl="4" indent="0" algn="l">
               <a:spcBef>
                 <a:spcPts val="0"/>
               </a:spcBef>
               <a:buNone/>
               <a:defRPr/>
             </a:lvl5pPr>
-            <a:lvl6pPr indent="0" lvl="5" marL="0" algn="l">
+            <a:lvl6pPr marL="0" lvl="5" indent="0" algn="l">
               <a:spcBef>
                 <a:spcPts val="0"/>
               </a:spcBef>
               <a:buNone/>
               <a:defRPr/>
             </a:lvl6pPr>
-            <a:lvl7pPr indent="0" lvl="6" marL="0" algn="l">
+            <a:lvl7pPr marL="0" lvl="6" indent="0" algn="l">
               <a:spcBef>
                 <a:spcPts val="0"/>
               </a:spcBef>
               <a:buNone/>
               <a:defRPr/>
             </a:lvl7pPr>
-            <a:lvl8pPr indent="0" lvl="7" marL="0" algn="l">
+            <a:lvl8pPr marL="0" lvl="7" indent="0" algn="l">
               <a:spcBef>
                 <a:spcPts val="0"/>
               </a:spcBef>
               <a:buNone/>
               <a:defRPr/>
             </a:lvl8pPr>
-            <a:lvl9pPr indent="0" lvl="8" marL="0" algn="l">
+            <a:lvl9pPr marL="0" lvl="8" indent="0" algn="l">
               <a:spcBef>
                 <a:spcPts val="0"/>
               </a:spcBef>
@@ -3028,7 +3135,7 @@
             </a:lvl9pPr>
           </a:lstStyle>
           <a:p>
-            <a:pPr indent="0" lvl="0" marL="0" rtl="0" algn="l">
+            <a:pPr marL="0" lvl="0" indent="0" algn="l" rtl="0">
               <a:spcBef>
                 <a:spcPts val="0"/>
               </a:spcBef>
@@ -3054,11 +3161,11 @@
 </file>
 
 <file path=ppt/slideLayouts/slideLayout11.xml><?xml version="1.0" encoding="utf-8"?>
-<p:sldLayout xmlns:a="http://schemas.openxmlformats.org/drawingml/2006/main" xmlns:r="http://schemas.openxmlformats.org/officeDocument/2006/relationships" xmlns:mc="http://schemas.openxmlformats.org/markup-compatibility/2006" xmlns:mv="urn:schemas-microsoft-com:mac:vml" xmlns:p="http://schemas.openxmlformats.org/presentationml/2006/main" xmlns:c="http://schemas.openxmlformats.org/drawingml/2006/chart" xmlns:dgm="http://schemas.openxmlformats.org/drawingml/2006/diagram" xmlns:o="urn:schemas-microsoft-com:office:office" xmlns:v="urn:schemas-microsoft-com:vml" xmlns:pvml="urn:schemas-microsoft-com:office:powerpoint" xmlns:com="http://schemas.openxmlformats.org/drawingml/2006/compatibility" xmlns:p14="http://schemas.microsoft.com/office/powerpoint/2010/main" xmlns:p15="http://schemas.microsoft.com/office/powerpoint/2012/main" xmlns:ahyp="http://schemas.microsoft.com/office/drawing/2018/hyperlinkcolor" matchingName="Vertical Title and Text" showMasterSp="0" type="vertTitleAndTx">
+<p:sldLayout xmlns:a="http://schemas.openxmlformats.org/drawingml/2006/main" xmlns:r="http://schemas.openxmlformats.org/officeDocument/2006/relationships" xmlns:p="http://schemas.openxmlformats.org/presentationml/2006/main" showMasterSp="0" matchingName="Vertical Title and Text" type="vertTitleAndTx">
   <p:cSld name="VERTICAL_TITLE_AND_VERTICAL_TEXT">
     <p:spTree>
       <p:nvGrpSpPr>
-        <p:cNvPr id="83" name="Shape 83"/>
+        <p:cNvPr id="1" name="Shape 83"/>
         <p:cNvGrpSpPr/>
         <p:nvPr/>
       </p:nvGrpSpPr>
@@ -3092,12 +3199,12 @@
           </a:ln>
         </p:spPr>
         <p:txBody>
-          <a:bodyPr anchorCtr="0" anchor="ctr" bIns="91425" lIns="91425" spcFirstLastPara="1" rIns="91425" wrap="square" tIns="91425">
+          <a:bodyPr spcFirstLastPara="1" wrap="square" lIns="91425" tIns="91425" rIns="91425" bIns="91425" anchor="ctr" anchorCtr="0">
             <a:noAutofit/>
           </a:bodyPr>
           <a:lstStyle/>
           <a:p>
-            <a:pPr indent="0" lvl="0" marL="0" rtl="0" algn="l">
+            <a:pPr marL="0" lvl="0" indent="0" algn="l" rtl="0">
               <a:spcBef>
                 <a:spcPts val="0"/>
               </a:spcBef>
@@ -3106,9 +3213,6 @@
               </a:spcAft>
               <a:buNone/>
             </a:pPr>
-            <a:r>
-              <a:t/>
-            </a:r>
             <a:endParaRPr/>
           </a:p>
         </p:txBody>
@@ -3116,7 +3220,9 @@
       <p:sp>
         <p:nvSpPr>
           <p:cNvPr id="85" name="Google Shape;85;p17"/>
-          <p:cNvSpPr txBox="1"/>
+          <p:cNvSpPr txBox="1">
+            <a:spLocks noGrp="1"/>
+          </p:cNvSpPr>
           <p:nvPr>
             <p:ph type="title"/>
           </p:nvPr>
@@ -3135,7 +3241,7 @@
           </a:ln>
         </p:spPr>
         <p:txBody>
-          <a:bodyPr anchorCtr="0" anchor="b" bIns="45700" lIns="91425" spcFirstLastPara="1" rIns="91425" wrap="square" tIns="45700">
+          <a:bodyPr spcFirstLastPara="1" wrap="square" lIns="91425" tIns="45700" rIns="91425" bIns="45700" anchor="b" anchorCtr="0">
             <a:normAutofit/>
           </a:bodyPr>
           <a:lstStyle>
@@ -3245,15 +3351,19 @@
               <a:defRPr/>
             </a:lvl9pPr>
           </a:lstStyle>
-          <a:p/>
+          <a:p>
+            <a:endParaRPr/>
+          </a:p>
         </p:txBody>
       </p:sp>
       <p:sp>
         <p:nvSpPr>
           <p:cNvPr id="86" name="Google Shape;86;p17"/>
-          <p:cNvSpPr txBox="1"/>
+          <p:cNvSpPr txBox="1">
+            <a:spLocks noGrp="1"/>
+          </p:cNvSpPr>
           <p:nvPr>
-            <p:ph idx="1" type="body"/>
+            <p:ph type="body" idx="1"/>
           </p:nvPr>
         </p:nvSpPr>
         <p:spPr>
@@ -3270,11 +3380,11 @@
           </a:ln>
         </p:spPr>
         <p:txBody>
-          <a:bodyPr anchorCtr="0" anchor="t" bIns="0" lIns="45700" spcFirstLastPara="1" rIns="45700" wrap="square" tIns="0">
+          <a:bodyPr spcFirstLastPara="1" wrap="square" lIns="45700" tIns="0" rIns="45700" bIns="0" anchor="t" anchorCtr="0">
             <a:normAutofit/>
           </a:bodyPr>
           <a:lstStyle>
-            <a:lvl1pPr indent="-342900" lvl="0" marL="457200" algn="l">
+            <a:lvl1pPr marL="457200" lvl="0" indent="-342900" algn="l">
               <a:lnSpc>
                 <a:spcPct val="110000"/>
               </a:lnSpc>
@@ -3288,7 +3398,7 @@
               <a:buChar char=" "/>
               <a:defRPr/>
             </a:lvl1pPr>
-            <a:lvl2pPr indent="-342900" lvl="1" marL="914400" algn="l">
+            <a:lvl2pPr marL="914400" lvl="1" indent="-342900" algn="l">
               <a:lnSpc>
                 <a:spcPct val="100000"/>
               </a:lnSpc>
@@ -3305,7 +3415,7 @@
               <a:buChar char="◦"/>
               <a:defRPr/>
             </a:lvl2pPr>
-            <a:lvl3pPr indent="-342900" lvl="2" marL="1371600" algn="l">
+            <a:lvl3pPr marL="1371600" lvl="2" indent="-342900" algn="l">
               <a:lnSpc>
                 <a:spcPct val="100000"/>
               </a:lnSpc>
@@ -3322,7 +3432,7 @@
               <a:buChar char="◦"/>
               <a:defRPr/>
             </a:lvl3pPr>
-            <a:lvl4pPr indent="-342900" lvl="3" marL="1828800" algn="l">
+            <a:lvl4pPr marL="1828800" lvl="3" indent="-342900" algn="l">
               <a:lnSpc>
                 <a:spcPct val="100000"/>
               </a:lnSpc>
@@ -3339,7 +3449,7 @@
               <a:buChar char="◦"/>
               <a:defRPr/>
             </a:lvl4pPr>
-            <a:lvl5pPr indent="-342900" lvl="4" marL="2286000" algn="l">
+            <a:lvl5pPr marL="2286000" lvl="4" indent="-342900" algn="l">
               <a:lnSpc>
                 <a:spcPct val="100000"/>
               </a:lnSpc>
@@ -3356,7 +3466,7 @@
               <a:buChar char="◦"/>
               <a:defRPr/>
             </a:lvl5pPr>
-            <a:lvl6pPr indent="-342900" lvl="5" marL="2743200" algn="l">
+            <a:lvl6pPr marL="2743200" lvl="5" indent="-342900" algn="l">
               <a:lnSpc>
                 <a:spcPct val="90000"/>
               </a:lnSpc>
@@ -3370,7 +3480,7 @@
               <a:buChar char="◦"/>
               <a:defRPr/>
             </a:lvl6pPr>
-            <a:lvl7pPr indent="-342900" lvl="6" marL="3200400" algn="l">
+            <a:lvl7pPr marL="3200400" lvl="6" indent="-342900" algn="l">
               <a:lnSpc>
                 <a:spcPct val="90000"/>
               </a:lnSpc>
@@ -3384,7 +3494,7 @@
               <a:buChar char="◦"/>
               <a:defRPr/>
             </a:lvl7pPr>
-            <a:lvl8pPr indent="-342900" lvl="7" marL="3657600" algn="l">
+            <a:lvl8pPr marL="3657600" lvl="7" indent="-342900" algn="l">
               <a:lnSpc>
                 <a:spcPct val="90000"/>
               </a:lnSpc>
@@ -3398,7 +3508,7 @@
               <a:buChar char="◦"/>
               <a:defRPr/>
             </a:lvl8pPr>
-            <a:lvl9pPr indent="-342900" lvl="8" marL="4114800" algn="l">
+            <a:lvl9pPr marL="4114800" lvl="8" indent="-342900" algn="l">
               <a:lnSpc>
                 <a:spcPct val="90000"/>
               </a:lnSpc>
@@ -3413,15 +3523,19 @@
               <a:defRPr/>
             </a:lvl9pPr>
           </a:lstStyle>
-          <a:p/>
+          <a:p>
+            <a:endParaRPr/>
+          </a:p>
         </p:txBody>
       </p:sp>
       <p:sp>
         <p:nvSpPr>
           <p:cNvPr id="87" name="Google Shape;87;p17"/>
-          <p:cNvSpPr txBox="1"/>
+          <p:cNvSpPr txBox="1">
+            <a:spLocks noGrp="1"/>
+          </p:cNvSpPr>
           <p:nvPr>
-            <p:ph idx="10" type="dt"/>
+            <p:ph type="dt" idx="10"/>
           </p:nvPr>
         </p:nvSpPr>
         <p:spPr>
@@ -3438,7 +3552,7 @@
           </a:ln>
         </p:spPr>
         <p:txBody>
-          <a:bodyPr anchorCtr="0" anchor="ctr" bIns="45700" lIns="91425" spcFirstLastPara="1" rIns="91425" wrap="square" tIns="45700">
+          <a:bodyPr spcFirstLastPara="1" wrap="square" lIns="91425" tIns="45700" rIns="91425" bIns="45700" anchor="ctr" anchorCtr="0">
             <a:noAutofit/>
           </a:bodyPr>
           <a:lstStyle>
@@ -3542,15 +3656,19 @@
               <a:defRPr/>
             </a:lvl9pPr>
           </a:lstStyle>
-          <a:p/>
+          <a:p>
+            <a:endParaRPr/>
+          </a:p>
         </p:txBody>
       </p:sp>
       <p:sp>
         <p:nvSpPr>
           <p:cNvPr id="88" name="Google Shape;88;p17"/>
-          <p:cNvSpPr txBox="1"/>
+          <p:cNvSpPr txBox="1">
+            <a:spLocks noGrp="1"/>
+          </p:cNvSpPr>
           <p:nvPr>
-            <p:ph idx="11" type="ftr"/>
+            <p:ph type="ftr" idx="11"/>
           </p:nvPr>
         </p:nvSpPr>
         <p:spPr>
@@ -3567,7 +3685,7 @@
           </a:ln>
         </p:spPr>
         <p:txBody>
-          <a:bodyPr anchorCtr="0" anchor="ctr" bIns="45700" lIns="91425" spcFirstLastPara="1" rIns="91425" wrap="square" tIns="45700">
+          <a:bodyPr spcFirstLastPara="1" wrap="square" lIns="91425" tIns="45700" rIns="91425" bIns="45700" anchor="ctr" anchorCtr="0">
             <a:noAutofit/>
           </a:bodyPr>
           <a:lstStyle>
@@ -3671,15 +3789,19 @@
               <a:defRPr/>
             </a:lvl9pPr>
           </a:lstStyle>
-          <a:p/>
+          <a:p>
+            <a:endParaRPr/>
+          </a:p>
         </p:txBody>
       </p:sp>
       <p:sp>
         <p:nvSpPr>
           <p:cNvPr id="89" name="Google Shape;89;p17"/>
-          <p:cNvSpPr txBox="1"/>
+          <p:cNvSpPr txBox="1">
+            <a:spLocks noGrp="1"/>
+          </p:cNvSpPr>
           <p:nvPr>
-            <p:ph idx="12" type="sldNum"/>
+            <p:ph type="sldNum" idx="12"/>
           </p:nvPr>
         </p:nvSpPr>
         <p:spPr>
@@ -3696,67 +3818,67 @@
           </a:ln>
         </p:spPr>
         <p:txBody>
-          <a:bodyPr anchorCtr="0" anchor="ctr" bIns="45700" lIns="91425" spcFirstLastPara="1" rIns="91425" wrap="square" tIns="45700">
+          <a:bodyPr spcFirstLastPara="1" wrap="square" lIns="91425" tIns="45700" rIns="91425" bIns="45700" anchor="ctr" anchorCtr="0">
             <a:noAutofit/>
           </a:bodyPr>
           <a:lstStyle>
-            <a:lvl1pPr indent="0" lvl="0" marL="0" algn="l">
+            <a:lvl1pPr marL="0" lvl="0" indent="0" algn="l">
               <a:spcBef>
                 <a:spcPts val="0"/>
               </a:spcBef>
               <a:buNone/>
               <a:defRPr/>
             </a:lvl1pPr>
-            <a:lvl2pPr indent="0" lvl="1" marL="0" algn="l">
+            <a:lvl2pPr marL="0" lvl="1" indent="0" algn="l">
               <a:spcBef>
                 <a:spcPts val="0"/>
               </a:spcBef>
               <a:buNone/>
               <a:defRPr/>
             </a:lvl2pPr>
-            <a:lvl3pPr indent="0" lvl="2" marL="0" algn="l">
+            <a:lvl3pPr marL="0" lvl="2" indent="0" algn="l">
               <a:spcBef>
                 <a:spcPts val="0"/>
               </a:spcBef>
               <a:buNone/>
               <a:defRPr/>
             </a:lvl3pPr>
-            <a:lvl4pPr indent="0" lvl="3" marL="0" algn="l">
+            <a:lvl4pPr marL="0" lvl="3" indent="0" algn="l">
               <a:spcBef>
                 <a:spcPts val="0"/>
               </a:spcBef>
               <a:buNone/>
               <a:defRPr/>
             </a:lvl4pPr>
-            <a:lvl5pPr indent="0" lvl="4" marL="0" algn="l">
+            <a:lvl5pPr marL="0" lvl="4" indent="0" algn="l">
               <a:spcBef>
                 <a:spcPts val="0"/>
               </a:spcBef>
               <a:buNone/>
               <a:defRPr/>
             </a:lvl5pPr>
-            <a:lvl6pPr indent="0" lvl="5" marL="0" algn="l">
+            <a:lvl6pPr marL="0" lvl="5" indent="0" algn="l">
               <a:spcBef>
                 <a:spcPts val="0"/>
               </a:spcBef>
               <a:buNone/>
               <a:defRPr/>
             </a:lvl6pPr>
-            <a:lvl7pPr indent="0" lvl="6" marL="0" algn="l">
+            <a:lvl7pPr marL="0" lvl="6" indent="0" algn="l">
               <a:spcBef>
                 <a:spcPts val="0"/>
               </a:spcBef>
               <a:buNone/>
               <a:defRPr/>
             </a:lvl7pPr>
-            <a:lvl8pPr indent="0" lvl="7" marL="0" algn="l">
+            <a:lvl8pPr marL="0" lvl="7" indent="0" algn="l">
               <a:spcBef>
                 <a:spcPts val="0"/>
               </a:spcBef>
               <a:buNone/>
               <a:defRPr/>
             </a:lvl8pPr>
-            <a:lvl9pPr indent="0" lvl="8" marL="0" algn="l">
+            <a:lvl9pPr marL="0" lvl="8" indent="0" algn="l">
               <a:spcBef>
                 <a:spcPts val="0"/>
               </a:spcBef>
@@ -3765,7 +3887,7 @@
             </a:lvl9pPr>
           </a:lstStyle>
           <a:p>
-            <a:pPr indent="0" lvl="0" marL="0" rtl="0" algn="l">
+            <a:pPr marL="0" lvl="0" indent="0" algn="l" rtl="0">
               <a:spcBef>
                 <a:spcPts val="0"/>
               </a:spcBef>
@@ -3791,11 +3913,11 @@
 </file>
 
 <file path=ppt/slideLayouts/slideLayout2.xml><?xml version="1.0" encoding="utf-8"?>
-<p:sldLayout xmlns:a="http://schemas.openxmlformats.org/drawingml/2006/main" xmlns:r="http://schemas.openxmlformats.org/officeDocument/2006/relationships" xmlns:mc="http://schemas.openxmlformats.org/markup-compatibility/2006" xmlns:mv="urn:schemas-microsoft-com:mac:vml" xmlns:p="http://schemas.openxmlformats.org/presentationml/2006/main" xmlns:c="http://schemas.openxmlformats.org/drawingml/2006/chart" xmlns:dgm="http://schemas.openxmlformats.org/drawingml/2006/diagram" xmlns:o="urn:schemas-microsoft-com:office:office" xmlns:v="urn:schemas-microsoft-com:vml" xmlns:pvml="urn:schemas-microsoft-com:office:powerpoint" xmlns:com="http://schemas.openxmlformats.org/drawingml/2006/compatibility" xmlns:p14="http://schemas.microsoft.com/office/powerpoint/2010/main" xmlns:p15="http://schemas.microsoft.com/office/powerpoint/2012/main" xmlns:ahyp="http://schemas.microsoft.com/office/drawing/2018/hyperlinkcolor" matchingName="Title and Content" type="obj">
+<p:sldLayout xmlns:a="http://schemas.openxmlformats.org/drawingml/2006/main" xmlns:r="http://schemas.openxmlformats.org/officeDocument/2006/relationships" xmlns:p="http://schemas.openxmlformats.org/presentationml/2006/main" matchingName="Title and Content" type="obj">
   <p:cSld name="OBJECT">
     <p:spTree>
       <p:nvGrpSpPr>
-        <p:cNvPr id="21" name="Shape 21"/>
+        <p:cNvPr id="1" name="Shape 21"/>
         <p:cNvGrpSpPr/>
         <p:nvPr/>
       </p:nvGrpSpPr>
@@ -3810,7 +3932,9 @@
       <p:sp>
         <p:nvSpPr>
           <p:cNvPr id="22" name="Google Shape;22;p8"/>
-          <p:cNvSpPr txBox="1"/>
+          <p:cNvSpPr txBox="1">
+            <a:spLocks noGrp="1"/>
+          </p:cNvSpPr>
           <p:nvPr>
             <p:ph type="title"/>
           </p:nvPr>
@@ -3829,7 +3953,7 @@
           </a:ln>
         </p:spPr>
         <p:txBody>
-          <a:bodyPr anchorCtr="0" anchor="b" bIns="45700" lIns="91425" spcFirstLastPara="1" rIns="91425" wrap="square" tIns="45700">
+          <a:bodyPr spcFirstLastPara="1" wrap="square" lIns="91425" tIns="45700" rIns="91425" bIns="45700" anchor="b" anchorCtr="0">
             <a:normAutofit/>
           </a:bodyPr>
           <a:lstStyle>
@@ -3939,15 +4063,19 @@
               <a:defRPr/>
             </a:lvl9pPr>
           </a:lstStyle>
-          <a:p/>
+          <a:p>
+            <a:endParaRPr/>
+          </a:p>
         </p:txBody>
       </p:sp>
       <p:sp>
         <p:nvSpPr>
           <p:cNvPr id="23" name="Google Shape;23;p8"/>
-          <p:cNvSpPr txBox="1"/>
+          <p:cNvSpPr txBox="1">
+            <a:spLocks noGrp="1"/>
+          </p:cNvSpPr>
           <p:nvPr>
-            <p:ph idx="1" type="body"/>
+            <p:ph type="body" idx="1"/>
           </p:nvPr>
         </p:nvSpPr>
         <p:spPr>
@@ -3964,11 +4092,11 @@
           </a:ln>
         </p:spPr>
         <p:txBody>
-          <a:bodyPr anchorCtr="0" anchor="t" bIns="45700" lIns="0" spcFirstLastPara="1" rIns="0" wrap="square" tIns="45700">
+          <a:bodyPr spcFirstLastPara="1" wrap="square" lIns="0" tIns="45700" rIns="0" bIns="45700" anchor="t" anchorCtr="0">
             <a:normAutofit/>
           </a:bodyPr>
           <a:lstStyle>
-            <a:lvl1pPr indent="-342900" lvl="0" marL="457200" algn="l">
+            <a:lvl1pPr marL="457200" lvl="0" indent="-342900" algn="l">
               <a:lnSpc>
                 <a:spcPct val="110000"/>
               </a:lnSpc>
@@ -3982,7 +4110,7 @@
               <a:buChar char=" "/>
               <a:defRPr/>
             </a:lvl1pPr>
-            <a:lvl2pPr indent="-342900" lvl="1" marL="914400" algn="l">
+            <a:lvl2pPr marL="914400" lvl="1" indent="-342900" algn="l">
               <a:lnSpc>
                 <a:spcPct val="100000"/>
               </a:lnSpc>
@@ -3999,7 +4127,7 @@
               <a:buChar char="◦"/>
               <a:defRPr/>
             </a:lvl2pPr>
-            <a:lvl3pPr indent="-342900" lvl="2" marL="1371600" algn="l">
+            <a:lvl3pPr marL="1371600" lvl="2" indent="-342900" algn="l">
               <a:lnSpc>
                 <a:spcPct val="100000"/>
               </a:lnSpc>
@@ -4016,7 +4144,7 @@
               <a:buChar char="◦"/>
               <a:defRPr/>
             </a:lvl3pPr>
-            <a:lvl4pPr indent="-342900" lvl="3" marL="1828800" algn="l">
+            <a:lvl4pPr marL="1828800" lvl="3" indent="-342900" algn="l">
               <a:lnSpc>
                 <a:spcPct val="100000"/>
               </a:lnSpc>
@@ -4033,7 +4161,7 @@
               <a:buChar char="◦"/>
               <a:defRPr/>
             </a:lvl4pPr>
-            <a:lvl5pPr indent="-342900" lvl="4" marL="2286000" algn="l">
+            <a:lvl5pPr marL="2286000" lvl="4" indent="-342900" algn="l">
               <a:lnSpc>
                 <a:spcPct val="100000"/>
               </a:lnSpc>
@@ -4050,7 +4178,7 @@
               <a:buChar char="◦"/>
               <a:defRPr/>
             </a:lvl5pPr>
-            <a:lvl6pPr indent="-342900" lvl="5" marL="2743200" algn="l">
+            <a:lvl6pPr marL="2743200" lvl="5" indent="-342900" algn="l">
               <a:lnSpc>
                 <a:spcPct val="90000"/>
               </a:lnSpc>
@@ -4064,7 +4192,7 @@
               <a:buChar char="◦"/>
               <a:defRPr/>
             </a:lvl6pPr>
-            <a:lvl7pPr indent="-342900" lvl="6" marL="3200400" algn="l">
+            <a:lvl7pPr marL="3200400" lvl="6" indent="-342900" algn="l">
               <a:lnSpc>
                 <a:spcPct val="90000"/>
               </a:lnSpc>
@@ -4078,7 +4206,7 @@
               <a:buChar char="◦"/>
               <a:defRPr/>
             </a:lvl7pPr>
-            <a:lvl8pPr indent="-342900" lvl="7" marL="3657600" algn="l">
+            <a:lvl8pPr marL="3657600" lvl="7" indent="-342900" algn="l">
               <a:lnSpc>
                 <a:spcPct val="90000"/>
               </a:lnSpc>
@@ -4092,7 +4220,7 @@
               <a:buChar char="◦"/>
               <a:defRPr/>
             </a:lvl8pPr>
-            <a:lvl9pPr indent="-342900" lvl="8" marL="4114800" algn="l">
+            <a:lvl9pPr marL="4114800" lvl="8" indent="-342900" algn="l">
               <a:lnSpc>
                 <a:spcPct val="90000"/>
               </a:lnSpc>
@@ -4107,15 +4235,19 @@
               <a:defRPr/>
             </a:lvl9pPr>
           </a:lstStyle>
-          <a:p/>
+          <a:p>
+            <a:endParaRPr/>
+          </a:p>
         </p:txBody>
       </p:sp>
       <p:sp>
         <p:nvSpPr>
           <p:cNvPr id="24" name="Google Shape;24;p8"/>
-          <p:cNvSpPr txBox="1"/>
+          <p:cNvSpPr txBox="1">
+            <a:spLocks noGrp="1"/>
+          </p:cNvSpPr>
           <p:nvPr>
-            <p:ph idx="10" type="dt"/>
+            <p:ph type="dt" idx="10"/>
           </p:nvPr>
         </p:nvSpPr>
         <p:spPr>
@@ -4132,7 +4264,7 @@
           </a:ln>
         </p:spPr>
         <p:txBody>
-          <a:bodyPr anchorCtr="0" anchor="ctr" bIns="45700" lIns="91425" spcFirstLastPara="1" rIns="91425" wrap="square" tIns="45700">
+          <a:bodyPr spcFirstLastPara="1" wrap="square" lIns="91425" tIns="45700" rIns="91425" bIns="45700" anchor="ctr" anchorCtr="0">
             <a:noAutofit/>
           </a:bodyPr>
           <a:lstStyle>
@@ -4236,15 +4368,19 @@
               <a:defRPr/>
             </a:lvl9pPr>
           </a:lstStyle>
-          <a:p/>
+          <a:p>
+            <a:endParaRPr/>
+          </a:p>
         </p:txBody>
       </p:sp>
       <p:sp>
         <p:nvSpPr>
           <p:cNvPr id="25" name="Google Shape;25;p8"/>
-          <p:cNvSpPr txBox="1"/>
+          <p:cNvSpPr txBox="1">
+            <a:spLocks noGrp="1"/>
+          </p:cNvSpPr>
           <p:nvPr>
-            <p:ph idx="11" type="ftr"/>
+            <p:ph type="ftr" idx="11"/>
           </p:nvPr>
         </p:nvSpPr>
         <p:spPr>
@@ -4261,7 +4397,7 @@
           </a:ln>
         </p:spPr>
         <p:txBody>
-          <a:bodyPr anchorCtr="0" anchor="ctr" bIns="45700" lIns="91425" spcFirstLastPara="1" rIns="91425" wrap="square" tIns="45700">
+          <a:bodyPr spcFirstLastPara="1" wrap="square" lIns="91425" tIns="45700" rIns="91425" bIns="45700" anchor="ctr" anchorCtr="0">
             <a:noAutofit/>
           </a:bodyPr>
           <a:lstStyle>
@@ -4365,15 +4501,19 @@
               <a:defRPr/>
             </a:lvl9pPr>
           </a:lstStyle>
-          <a:p/>
+          <a:p>
+            <a:endParaRPr/>
+          </a:p>
         </p:txBody>
       </p:sp>
       <p:sp>
         <p:nvSpPr>
           <p:cNvPr id="26" name="Google Shape;26;p8"/>
-          <p:cNvSpPr txBox="1"/>
+          <p:cNvSpPr txBox="1">
+            <a:spLocks noGrp="1"/>
+          </p:cNvSpPr>
           <p:nvPr>
-            <p:ph idx="12" type="sldNum"/>
+            <p:ph type="sldNum" idx="12"/>
           </p:nvPr>
         </p:nvSpPr>
         <p:spPr>
@@ -4390,67 +4530,67 @@
           </a:ln>
         </p:spPr>
         <p:txBody>
-          <a:bodyPr anchorCtr="0" anchor="ctr" bIns="45700" lIns="91425" spcFirstLastPara="1" rIns="91425" wrap="square" tIns="45700">
+          <a:bodyPr spcFirstLastPara="1" wrap="square" lIns="91425" tIns="45700" rIns="91425" bIns="45700" anchor="ctr" anchorCtr="0">
             <a:noAutofit/>
           </a:bodyPr>
           <a:lstStyle>
-            <a:lvl1pPr indent="0" lvl="0" marL="0" algn="l">
+            <a:lvl1pPr marL="0" lvl="0" indent="0" algn="l">
               <a:spcBef>
                 <a:spcPts val="0"/>
               </a:spcBef>
               <a:buNone/>
               <a:defRPr/>
             </a:lvl1pPr>
-            <a:lvl2pPr indent="0" lvl="1" marL="0" algn="l">
+            <a:lvl2pPr marL="0" lvl="1" indent="0" algn="l">
               <a:spcBef>
                 <a:spcPts val="0"/>
               </a:spcBef>
               <a:buNone/>
               <a:defRPr/>
             </a:lvl2pPr>
-            <a:lvl3pPr indent="0" lvl="2" marL="0" algn="l">
+            <a:lvl3pPr marL="0" lvl="2" indent="0" algn="l">
               <a:spcBef>
                 <a:spcPts val="0"/>
               </a:spcBef>
               <a:buNone/>
               <a:defRPr/>
             </a:lvl3pPr>
-            <a:lvl4pPr indent="0" lvl="3" marL="0" algn="l">
+            <a:lvl4pPr marL="0" lvl="3" indent="0" algn="l">
               <a:spcBef>
                 <a:spcPts val="0"/>
               </a:spcBef>
               <a:buNone/>
               <a:defRPr/>
             </a:lvl4pPr>
-            <a:lvl5pPr indent="0" lvl="4" marL="0" algn="l">
+            <a:lvl5pPr marL="0" lvl="4" indent="0" algn="l">
               <a:spcBef>
                 <a:spcPts val="0"/>
               </a:spcBef>
               <a:buNone/>
               <a:defRPr/>
             </a:lvl5pPr>
-            <a:lvl6pPr indent="0" lvl="5" marL="0" algn="l">
+            <a:lvl6pPr marL="0" lvl="5" indent="0" algn="l">
               <a:spcBef>
                 <a:spcPts val="0"/>
               </a:spcBef>
               <a:buNone/>
               <a:defRPr/>
             </a:lvl6pPr>
-            <a:lvl7pPr indent="0" lvl="6" marL="0" algn="l">
+            <a:lvl7pPr marL="0" lvl="6" indent="0" algn="l">
               <a:spcBef>
                 <a:spcPts val="0"/>
               </a:spcBef>
               <a:buNone/>
               <a:defRPr/>
             </a:lvl7pPr>
-            <a:lvl8pPr indent="0" lvl="7" marL="0" algn="l">
+            <a:lvl8pPr marL="0" lvl="7" indent="0" algn="l">
               <a:spcBef>
                 <a:spcPts val="0"/>
               </a:spcBef>
               <a:buNone/>
               <a:defRPr/>
             </a:lvl8pPr>
-            <a:lvl9pPr indent="0" lvl="8" marL="0" algn="l">
+            <a:lvl9pPr marL="0" lvl="8" indent="0" algn="l">
               <a:spcBef>
                 <a:spcPts val="0"/>
               </a:spcBef>
@@ -4459,7 +4599,7 @@
             </a:lvl9pPr>
           </a:lstStyle>
           <a:p>
-            <a:pPr indent="0" lvl="0" marL="0" rtl="0" algn="l">
+            <a:pPr marL="0" lvl="0" indent="0" algn="l" rtl="0">
               <a:spcBef>
                 <a:spcPts val="0"/>
               </a:spcBef>
@@ -4485,18 +4625,19 @@
 </file>
 
 <file path=ppt/slideLayouts/slideLayout3.xml><?xml version="1.0" encoding="utf-8"?>
-<p:sldLayout xmlns:a="http://schemas.openxmlformats.org/drawingml/2006/main" xmlns:r="http://schemas.openxmlformats.org/officeDocument/2006/relationships" xmlns:mc="http://schemas.openxmlformats.org/markup-compatibility/2006" xmlns:mv="urn:schemas-microsoft-com:mac:vml" xmlns:p="http://schemas.openxmlformats.org/presentationml/2006/main" xmlns:c="http://schemas.openxmlformats.org/drawingml/2006/chart" xmlns:dgm="http://schemas.openxmlformats.org/drawingml/2006/diagram" xmlns:o="urn:schemas-microsoft-com:office:office" xmlns:v="urn:schemas-microsoft-com:vml" xmlns:pvml="urn:schemas-microsoft-com:office:powerpoint" xmlns:com="http://schemas.openxmlformats.org/drawingml/2006/compatibility" xmlns:p14="http://schemas.microsoft.com/office/powerpoint/2010/main" xmlns:p15="http://schemas.microsoft.com/office/powerpoint/2012/main" xmlns:ahyp="http://schemas.microsoft.com/office/drawing/2018/hyperlinkcolor" matchingName="Section Header" showMasterSp="0" type="secHead">
+<p:sldLayout xmlns:a="http://schemas.openxmlformats.org/drawingml/2006/main" xmlns:r="http://schemas.openxmlformats.org/officeDocument/2006/relationships" xmlns:p="http://schemas.openxmlformats.org/presentationml/2006/main" showMasterSp="0" matchingName="Section Header" type="secHead">
   <p:cSld name="SECTION_HEADER">
     <p:bg>
       <p:bgPr>
         <a:solidFill>
           <a:schemeClr val="lt1"/>
         </a:solidFill>
+        <a:effectLst/>
       </p:bgPr>
     </p:bg>
     <p:spTree>
       <p:nvGrpSpPr>
-        <p:cNvPr id="27" name="Shape 27"/>
+        <p:cNvPr id="1" name="Shape 27"/>
         <p:cNvGrpSpPr/>
         <p:nvPr/>
       </p:nvGrpSpPr>
@@ -4530,12 +4671,12 @@
           </a:ln>
         </p:spPr>
         <p:txBody>
-          <a:bodyPr anchorCtr="0" anchor="ctr" bIns="91425" lIns="91425" spcFirstLastPara="1" rIns="91425" wrap="square" tIns="91425">
+          <a:bodyPr spcFirstLastPara="1" wrap="square" lIns="91425" tIns="91425" rIns="91425" bIns="91425" anchor="ctr" anchorCtr="0">
             <a:noAutofit/>
           </a:bodyPr>
           <a:lstStyle/>
           <a:p>
-            <a:pPr indent="0" lvl="0" marL="0" rtl="0" algn="l">
+            <a:pPr marL="0" lvl="0" indent="0" algn="l" rtl="0">
               <a:spcBef>
                 <a:spcPts val="0"/>
               </a:spcBef>
@@ -4544,9 +4685,6 @@
               </a:spcAft>
               <a:buNone/>
             </a:pPr>
-            <a:r>
-              <a:t/>
-            </a:r>
             <a:endParaRPr/>
           </a:p>
         </p:txBody>
@@ -4554,7 +4692,9 @@
       <p:sp>
         <p:nvSpPr>
           <p:cNvPr id="29" name="Google Shape;29;p9"/>
-          <p:cNvSpPr txBox="1"/>
+          <p:cNvSpPr txBox="1">
+            <a:spLocks noGrp="1"/>
+          </p:cNvSpPr>
           <p:nvPr>
             <p:ph type="title"/>
           </p:nvPr>
@@ -4573,7 +4713,7 @@
           </a:ln>
         </p:spPr>
         <p:txBody>
-          <a:bodyPr anchorCtr="0" anchor="b" bIns="45700" lIns="91425" spcFirstLastPara="1" rIns="91425" wrap="square" tIns="45700">
+          <a:bodyPr spcFirstLastPara="1" wrap="square" lIns="91425" tIns="45700" rIns="91425" bIns="45700" anchor="b" anchorCtr="0">
             <a:normAutofit/>
           </a:bodyPr>
           <a:lstStyle>
@@ -4593,7 +4733,7 @@
               <a:buSzPts val="8000"/>
               <a:buFont typeface="Bookman Old Style"/>
               <a:buNone/>
-              <a:defRPr b="0" sz="8000">
+              <a:defRPr sz="8000" b="0">
                 <a:solidFill>
                   <a:srgbClr val="262626"/>
                 </a:solidFill>
@@ -4688,15 +4828,19 @@
               <a:defRPr/>
             </a:lvl9pPr>
           </a:lstStyle>
-          <a:p/>
+          <a:p>
+            <a:endParaRPr/>
+          </a:p>
         </p:txBody>
       </p:sp>
       <p:sp>
         <p:nvSpPr>
           <p:cNvPr id="30" name="Google Shape;30;p9"/>
-          <p:cNvSpPr txBox="1"/>
+          <p:cNvSpPr txBox="1">
+            <a:spLocks noGrp="1"/>
+          </p:cNvSpPr>
           <p:nvPr>
-            <p:ph idx="1" type="body"/>
+            <p:ph type="body" idx="1"/>
           </p:nvPr>
         </p:nvSpPr>
         <p:spPr>
@@ -4713,11 +4857,11 @@
           </a:ln>
         </p:spPr>
         <p:txBody>
-          <a:bodyPr anchorCtr="0" anchor="t" bIns="45700" lIns="91425" spcFirstLastPara="1" rIns="91425" wrap="square" tIns="45700">
+          <a:bodyPr spcFirstLastPara="1" wrap="square" lIns="91425" tIns="45700" rIns="91425" bIns="45700" anchor="t" anchorCtr="0">
             <a:normAutofit/>
           </a:bodyPr>
           <a:lstStyle>
-            <a:lvl1pPr indent="-228600" lvl="0" marL="457200" algn="l">
+            <a:lvl1pPr marL="457200" lvl="0" indent="-228600" algn="l">
               <a:lnSpc>
                 <a:spcPct val="110000"/>
               </a:lnSpc>
@@ -4739,7 +4883,7 @@
                 <a:sym typeface="Libre Franklin"/>
               </a:defRPr>
             </a:lvl1pPr>
-            <a:lvl2pPr indent="-228600" lvl="1" marL="914400" algn="l">
+            <a:lvl2pPr marL="914400" lvl="1" indent="-228600" algn="l">
               <a:lnSpc>
                 <a:spcPct val="100000"/>
               </a:lnSpc>
@@ -4760,7 +4904,7 @@
                 </a:solidFill>
               </a:defRPr>
             </a:lvl2pPr>
-            <a:lvl3pPr indent="-228600" lvl="2" marL="1371600" algn="l">
+            <a:lvl3pPr marL="1371600" lvl="2" indent="-228600" algn="l">
               <a:lnSpc>
                 <a:spcPct val="100000"/>
               </a:lnSpc>
@@ -4781,7 +4925,7 @@
                 </a:solidFill>
               </a:defRPr>
             </a:lvl3pPr>
-            <a:lvl4pPr indent="-228600" lvl="3" marL="1828800" algn="l">
+            <a:lvl4pPr marL="1828800" lvl="3" indent="-228600" algn="l">
               <a:lnSpc>
                 <a:spcPct val="100000"/>
               </a:lnSpc>
@@ -4802,7 +4946,7 @@
                 </a:solidFill>
               </a:defRPr>
             </a:lvl4pPr>
-            <a:lvl5pPr indent="-228600" lvl="4" marL="2286000" algn="l">
+            <a:lvl5pPr marL="2286000" lvl="4" indent="-228600" algn="l">
               <a:lnSpc>
                 <a:spcPct val="100000"/>
               </a:lnSpc>
@@ -4823,7 +4967,7 @@
                 </a:solidFill>
               </a:defRPr>
             </a:lvl5pPr>
-            <a:lvl6pPr indent="-228600" lvl="5" marL="2743200" algn="l">
+            <a:lvl6pPr marL="2743200" lvl="5" indent="-228600" algn="l">
               <a:lnSpc>
                 <a:spcPct val="90000"/>
               </a:lnSpc>
@@ -4841,7 +4985,7 @@
                 </a:solidFill>
               </a:defRPr>
             </a:lvl6pPr>
-            <a:lvl7pPr indent="-228600" lvl="6" marL="3200400" algn="l">
+            <a:lvl7pPr marL="3200400" lvl="6" indent="-228600" algn="l">
               <a:lnSpc>
                 <a:spcPct val="90000"/>
               </a:lnSpc>
@@ -4859,7 +5003,7 @@
                 </a:solidFill>
               </a:defRPr>
             </a:lvl7pPr>
-            <a:lvl8pPr indent="-228600" lvl="7" marL="3657600" algn="l">
+            <a:lvl8pPr marL="3657600" lvl="7" indent="-228600" algn="l">
               <a:lnSpc>
                 <a:spcPct val="90000"/>
               </a:lnSpc>
@@ -4877,7 +5021,7 @@
                 </a:solidFill>
               </a:defRPr>
             </a:lvl8pPr>
-            <a:lvl9pPr indent="-228600" lvl="8" marL="4114800" algn="l">
+            <a:lvl9pPr marL="4114800" lvl="8" indent="-228600" algn="l">
               <a:lnSpc>
                 <a:spcPct val="90000"/>
               </a:lnSpc>
@@ -4896,7 +5040,9 @@
               </a:defRPr>
             </a:lvl9pPr>
           </a:lstStyle>
-          <a:p/>
+          <a:p>
+            <a:endParaRPr/>
+          </a:p>
         </p:txBody>
       </p:sp>
       <p:cxnSp>
@@ -4914,23 +5060,25 @@
             <a:avLst/>
           </a:prstGeom>
           <a:noFill/>
-          <a:ln cap="flat" cmpd="sng" w="12700">
+          <a:ln w="12700" cap="flat" cmpd="sng">
             <a:solidFill>
               <a:srgbClr val="3F3F3F"/>
             </a:solidFill>
             <a:prstDash val="solid"/>
             <a:round/>
-            <a:headEnd len="sm" w="sm" type="none"/>
-            <a:tailEnd len="sm" w="sm" type="none"/>
+            <a:headEnd type="none" w="sm" len="sm"/>
+            <a:tailEnd type="none" w="sm" len="sm"/>
           </a:ln>
         </p:spPr>
       </p:cxnSp>
       <p:sp>
         <p:nvSpPr>
           <p:cNvPr id="32" name="Google Shape;32;p9"/>
-          <p:cNvSpPr txBox="1"/>
+          <p:cNvSpPr txBox="1">
+            <a:spLocks noGrp="1"/>
+          </p:cNvSpPr>
           <p:nvPr>
-            <p:ph idx="10" type="dt"/>
+            <p:ph type="dt" idx="10"/>
           </p:nvPr>
         </p:nvSpPr>
         <p:spPr>
@@ -4947,7 +5095,7 @@
           </a:ln>
         </p:spPr>
         <p:txBody>
-          <a:bodyPr anchorCtr="0" anchor="ctr" bIns="45700" lIns="91425" spcFirstLastPara="1" rIns="91425" wrap="square" tIns="45700">
+          <a:bodyPr spcFirstLastPara="1" wrap="square" lIns="91425" tIns="45700" rIns="91425" bIns="45700" anchor="ctr" anchorCtr="0">
             <a:noAutofit/>
           </a:bodyPr>
           <a:lstStyle>
@@ -5051,15 +5199,19 @@
               <a:defRPr/>
             </a:lvl9pPr>
           </a:lstStyle>
-          <a:p/>
+          <a:p>
+            <a:endParaRPr/>
+          </a:p>
         </p:txBody>
       </p:sp>
       <p:sp>
         <p:nvSpPr>
           <p:cNvPr id="33" name="Google Shape;33;p9"/>
-          <p:cNvSpPr txBox="1"/>
+          <p:cNvSpPr txBox="1">
+            <a:spLocks noGrp="1"/>
+          </p:cNvSpPr>
           <p:nvPr>
-            <p:ph idx="11" type="ftr"/>
+            <p:ph type="ftr" idx="11"/>
           </p:nvPr>
         </p:nvSpPr>
         <p:spPr>
@@ -5076,7 +5228,7 @@
           </a:ln>
         </p:spPr>
         <p:txBody>
-          <a:bodyPr anchorCtr="0" anchor="ctr" bIns="45700" lIns="91425" spcFirstLastPara="1" rIns="91425" wrap="square" tIns="45700">
+          <a:bodyPr spcFirstLastPara="1" wrap="square" lIns="91425" tIns="45700" rIns="91425" bIns="45700" anchor="ctr" anchorCtr="0">
             <a:noAutofit/>
           </a:bodyPr>
           <a:lstStyle>
@@ -5180,15 +5332,19 @@
               <a:defRPr/>
             </a:lvl9pPr>
           </a:lstStyle>
-          <a:p/>
+          <a:p>
+            <a:endParaRPr/>
+          </a:p>
         </p:txBody>
       </p:sp>
       <p:sp>
         <p:nvSpPr>
           <p:cNvPr id="34" name="Google Shape;34;p9"/>
-          <p:cNvSpPr txBox="1"/>
+          <p:cNvSpPr txBox="1">
+            <a:spLocks noGrp="1"/>
+          </p:cNvSpPr>
           <p:nvPr>
-            <p:ph idx="12" type="sldNum"/>
+            <p:ph type="sldNum" idx="12"/>
           </p:nvPr>
         </p:nvSpPr>
         <p:spPr>
@@ -5205,67 +5361,67 @@
           </a:ln>
         </p:spPr>
         <p:txBody>
-          <a:bodyPr anchorCtr="0" anchor="ctr" bIns="45700" lIns="91425" spcFirstLastPara="1" rIns="91425" wrap="square" tIns="45700">
+          <a:bodyPr spcFirstLastPara="1" wrap="square" lIns="91425" tIns="45700" rIns="91425" bIns="45700" anchor="ctr" anchorCtr="0">
             <a:noAutofit/>
           </a:bodyPr>
           <a:lstStyle>
-            <a:lvl1pPr indent="0" lvl="0" marL="0" algn="l">
+            <a:lvl1pPr marL="0" lvl="0" indent="0" algn="l">
               <a:spcBef>
                 <a:spcPts val="0"/>
               </a:spcBef>
               <a:buNone/>
               <a:defRPr/>
             </a:lvl1pPr>
-            <a:lvl2pPr indent="0" lvl="1" marL="0" algn="l">
+            <a:lvl2pPr marL="0" lvl="1" indent="0" algn="l">
               <a:spcBef>
                 <a:spcPts val="0"/>
               </a:spcBef>
               <a:buNone/>
               <a:defRPr/>
             </a:lvl2pPr>
-            <a:lvl3pPr indent="0" lvl="2" marL="0" algn="l">
+            <a:lvl3pPr marL="0" lvl="2" indent="0" algn="l">
               <a:spcBef>
                 <a:spcPts val="0"/>
               </a:spcBef>
               <a:buNone/>
               <a:defRPr/>
             </a:lvl3pPr>
-            <a:lvl4pPr indent="0" lvl="3" marL="0" algn="l">
+            <a:lvl4pPr marL="0" lvl="3" indent="0" algn="l">
               <a:spcBef>
                 <a:spcPts val="0"/>
               </a:spcBef>
               <a:buNone/>
               <a:defRPr/>
             </a:lvl4pPr>
-            <a:lvl5pPr indent="0" lvl="4" marL="0" algn="l">
+            <a:lvl5pPr marL="0" lvl="4" indent="0" algn="l">
               <a:spcBef>
                 <a:spcPts val="0"/>
               </a:spcBef>
               <a:buNone/>
               <a:defRPr/>
             </a:lvl5pPr>
-            <a:lvl6pPr indent="0" lvl="5" marL="0" algn="l">
+            <a:lvl6pPr marL="0" lvl="5" indent="0" algn="l">
               <a:spcBef>
                 <a:spcPts val="0"/>
               </a:spcBef>
               <a:buNone/>
               <a:defRPr/>
             </a:lvl6pPr>
-            <a:lvl7pPr indent="0" lvl="6" marL="0" algn="l">
+            <a:lvl7pPr marL="0" lvl="6" indent="0" algn="l">
               <a:spcBef>
                 <a:spcPts val="0"/>
               </a:spcBef>
               <a:buNone/>
               <a:defRPr/>
             </a:lvl7pPr>
-            <a:lvl8pPr indent="0" lvl="7" marL="0" algn="l">
+            <a:lvl8pPr marL="0" lvl="7" indent="0" algn="l">
               <a:spcBef>
                 <a:spcPts val="0"/>
               </a:spcBef>
               <a:buNone/>
               <a:defRPr/>
             </a:lvl8pPr>
-            <a:lvl9pPr indent="0" lvl="8" marL="0" algn="l">
+            <a:lvl9pPr marL="0" lvl="8" indent="0" algn="l">
               <a:spcBef>
                 <a:spcPts val="0"/>
               </a:spcBef>
@@ -5274,7 +5430,7 @@
             </a:lvl9pPr>
           </a:lstStyle>
           <a:p>
-            <a:pPr indent="0" lvl="0" marL="0" rtl="0" algn="l">
+            <a:pPr marL="0" lvl="0" indent="0" algn="l" rtl="0">
               <a:spcBef>
                 <a:spcPts val="0"/>
               </a:spcBef>
@@ -5300,11 +5456,11 @@
 </file>
 
 <file path=ppt/slideLayouts/slideLayout4.xml><?xml version="1.0" encoding="utf-8"?>
-<p:sldLayout xmlns:a="http://schemas.openxmlformats.org/drawingml/2006/main" xmlns:r="http://schemas.openxmlformats.org/officeDocument/2006/relationships" xmlns:mc="http://schemas.openxmlformats.org/markup-compatibility/2006" xmlns:mv="urn:schemas-microsoft-com:mac:vml" xmlns:p="http://schemas.openxmlformats.org/presentationml/2006/main" xmlns:c="http://schemas.openxmlformats.org/drawingml/2006/chart" xmlns:dgm="http://schemas.openxmlformats.org/drawingml/2006/diagram" xmlns:o="urn:schemas-microsoft-com:office:office" xmlns:v="urn:schemas-microsoft-com:vml" xmlns:pvml="urn:schemas-microsoft-com:office:powerpoint" xmlns:com="http://schemas.openxmlformats.org/drawingml/2006/compatibility" xmlns:p14="http://schemas.microsoft.com/office/powerpoint/2010/main" xmlns:p15="http://schemas.microsoft.com/office/powerpoint/2012/main" xmlns:ahyp="http://schemas.microsoft.com/office/drawing/2018/hyperlinkcolor" matchingName="Two Content" type="twoObj">
+<p:sldLayout xmlns:a="http://schemas.openxmlformats.org/drawingml/2006/main" xmlns:r="http://schemas.openxmlformats.org/officeDocument/2006/relationships" xmlns:p="http://schemas.openxmlformats.org/presentationml/2006/main" matchingName="Two Content" type="twoObj">
   <p:cSld name="TWO_OBJECTS">
     <p:spTree>
       <p:nvGrpSpPr>
-        <p:cNvPr id="35" name="Shape 35"/>
+        <p:cNvPr id="1" name="Shape 35"/>
         <p:cNvGrpSpPr/>
         <p:nvPr/>
       </p:nvGrpSpPr>
@@ -5319,7 +5475,9 @@
       <p:sp>
         <p:nvSpPr>
           <p:cNvPr id="36" name="Google Shape;36;p10"/>
-          <p:cNvSpPr txBox="1"/>
+          <p:cNvSpPr txBox="1">
+            <a:spLocks noGrp="1"/>
+          </p:cNvSpPr>
           <p:nvPr>
             <p:ph type="title"/>
           </p:nvPr>
@@ -5338,7 +5496,7 @@
           </a:ln>
         </p:spPr>
         <p:txBody>
-          <a:bodyPr anchorCtr="0" anchor="b" bIns="45700" lIns="91425" spcFirstLastPara="1" rIns="91425" wrap="square" tIns="45700">
+          <a:bodyPr spcFirstLastPara="1" wrap="square" lIns="91425" tIns="45700" rIns="91425" bIns="45700" anchor="b" anchorCtr="0">
             <a:normAutofit/>
           </a:bodyPr>
           <a:lstStyle>
@@ -5448,15 +5606,19 @@
               <a:defRPr/>
             </a:lvl9pPr>
           </a:lstStyle>
-          <a:p/>
+          <a:p>
+            <a:endParaRPr/>
+          </a:p>
         </p:txBody>
       </p:sp>
       <p:sp>
         <p:nvSpPr>
           <p:cNvPr id="37" name="Google Shape;37;p10"/>
-          <p:cNvSpPr txBox="1"/>
+          <p:cNvSpPr txBox="1">
+            <a:spLocks noGrp="1"/>
+          </p:cNvSpPr>
           <p:nvPr>
-            <p:ph idx="1" type="body"/>
+            <p:ph type="body" idx="1"/>
           </p:nvPr>
         </p:nvSpPr>
         <p:spPr>
@@ -5473,11 +5635,11 @@
           </a:ln>
         </p:spPr>
         <p:txBody>
-          <a:bodyPr anchorCtr="0" anchor="t" bIns="45700" lIns="0" spcFirstLastPara="1" rIns="0" wrap="square" tIns="45700">
+          <a:bodyPr spcFirstLastPara="1" wrap="square" lIns="0" tIns="45700" rIns="0" bIns="45700" anchor="t" anchorCtr="0">
             <a:normAutofit/>
           </a:bodyPr>
           <a:lstStyle>
-            <a:lvl1pPr indent="-342900" lvl="0" marL="457200" algn="l">
+            <a:lvl1pPr marL="457200" lvl="0" indent="-342900" algn="l">
               <a:lnSpc>
                 <a:spcPct val="110000"/>
               </a:lnSpc>
@@ -5491,7 +5653,7 @@
               <a:buChar char=" "/>
               <a:defRPr/>
             </a:lvl1pPr>
-            <a:lvl2pPr indent="-342900" lvl="1" marL="914400" algn="l">
+            <a:lvl2pPr marL="914400" lvl="1" indent="-342900" algn="l">
               <a:lnSpc>
                 <a:spcPct val="100000"/>
               </a:lnSpc>
@@ -5508,7 +5670,7 @@
               <a:buChar char="◦"/>
               <a:defRPr/>
             </a:lvl2pPr>
-            <a:lvl3pPr indent="-342900" lvl="2" marL="1371600" algn="l">
+            <a:lvl3pPr marL="1371600" lvl="2" indent="-342900" algn="l">
               <a:lnSpc>
                 <a:spcPct val="100000"/>
               </a:lnSpc>
@@ -5525,7 +5687,7 @@
               <a:buChar char="◦"/>
               <a:defRPr/>
             </a:lvl3pPr>
-            <a:lvl4pPr indent="-342900" lvl="3" marL="1828800" algn="l">
+            <a:lvl4pPr marL="1828800" lvl="3" indent="-342900" algn="l">
               <a:lnSpc>
                 <a:spcPct val="100000"/>
               </a:lnSpc>
@@ -5542,7 +5704,7 @@
               <a:buChar char="◦"/>
               <a:defRPr/>
             </a:lvl4pPr>
-            <a:lvl5pPr indent="-342900" lvl="4" marL="2286000" algn="l">
+            <a:lvl5pPr marL="2286000" lvl="4" indent="-342900" algn="l">
               <a:lnSpc>
                 <a:spcPct val="100000"/>
               </a:lnSpc>
@@ -5559,7 +5721,7 @@
               <a:buChar char="◦"/>
               <a:defRPr/>
             </a:lvl5pPr>
-            <a:lvl6pPr indent="-342900" lvl="5" marL="2743200" algn="l">
+            <a:lvl6pPr marL="2743200" lvl="5" indent="-342900" algn="l">
               <a:lnSpc>
                 <a:spcPct val="90000"/>
               </a:lnSpc>
@@ -5573,7 +5735,7 @@
               <a:buChar char="◦"/>
               <a:defRPr/>
             </a:lvl6pPr>
-            <a:lvl7pPr indent="-342900" lvl="6" marL="3200400" algn="l">
+            <a:lvl7pPr marL="3200400" lvl="6" indent="-342900" algn="l">
               <a:lnSpc>
                 <a:spcPct val="90000"/>
               </a:lnSpc>
@@ -5587,7 +5749,7 @@
               <a:buChar char="◦"/>
               <a:defRPr/>
             </a:lvl7pPr>
-            <a:lvl8pPr indent="-342900" lvl="7" marL="3657600" algn="l">
+            <a:lvl8pPr marL="3657600" lvl="7" indent="-342900" algn="l">
               <a:lnSpc>
                 <a:spcPct val="90000"/>
               </a:lnSpc>
@@ -5601,7 +5763,7 @@
               <a:buChar char="◦"/>
               <a:defRPr/>
             </a:lvl8pPr>
-            <a:lvl9pPr indent="-342900" lvl="8" marL="4114800" algn="l">
+            <a:lvl9pPr marL="4114800" lvl="8" indent="-342900" algn="l">
               <a:lnSpc>
                 <a:spcPct val="90000"/>
               </a:lnSpc>
@@ -5616,15 +5778,19 @@
               <a:defRPr/>
             </a:lvl9pPr>
           </a:lstStyle>
-          <a:p/>
+          <a:p>
+            <a:endParaRPr/>
+          </a:p>
         </p:txBody>
       </p:sp>
       <p:sp>
         <p:nvSpPr>
           <p:cNvPr id="38" name="Google Shape;38;p10"/>
-          <p:cNvSpPr txBox="1"/>
+          <p:cNvSpPr txBox="1">
+            <a:spLocks noGrp="1"/>
+          </p:cNvSpPr>
           <p:nvPr>
-            <p:ph idx="2" type="body"/>
+            <p:ph type="body" idx="2"/>
           </p:nvPr>
         </p:nvSpPr>
         <p:spPr>
@@ -5641,11 +5807,11 @@
           </a:ln>
         </p:spPr>
         <p:txBody>
-          <a:bodyPr anchorCtr="0" anchor="t" bIns="45700" lIns="0" spcFirstLastPara="1" rIns="0" wrap="square" tIns="45700">
+          <a:bodyPr spcFirstLastPara="1" wrap="square" lIns="0" tIns="45700" rIns="0" bIns="45700" anchor="t" anchorCtr="0">
             <a:normAutofit/>
           </a:bodyPr>
           <a:lstStyle>
-            <a:lvl1pPr indent="-342900" lvl="0" marL="457200" algn="l">
+            <a:lvl1pPr marL="457200" lvl="0" indent="-342900" algn="l">
               <a:lnSpc>
                 <a:spcPct val="110000"/>
               </a:lnSpc>
@@ -5659,7 +5825,7 @@
               <a:buChar char=" "/>
               <a:defRPr/>
             </a:lvl1pPr>
-            <a:lvl2pPr indent="-342900" lvl="1" marL="914400" algn="l">
+            <a:lvl2pPr marL="914400" lvl="1" indent="-342900" algn="l">
               <a:lnSpc>
                 <a:spcPct val="100000"/>
               </a:lnSpc>
@@ -5676,7 +5842,7 @@
               <a:buChar char="◦"/>
               <a:defRPr/>
             </a:lvl2pPr>
-            <a:lvl3pPr indent="-342900" lvl="2" marL="1371600" algn="l">
+            <a:lvl3pPr marL="1371600" lvl="2" indent="-342900" algn="l">
               <a:lnSpc>
                 <a:spcPct val="100000"/>
               </a:lnSpc>
@@ -5693,7 +5859,7 @@
               <a:buChar char="◦"/>
               <a:defRPr/>
             </a:lvl3pPr>
-            <a:lvl4pPr indent="-342900" lvl="3" marL="1828800" algn="l">
+            <a:lvl4pPr marL="1828800" lvl="3" indent="-342900" algn="l">
               <a:lnSpc>
                 <a:spcPct val="100000"/>
               </a:lnSpc>
@@ -5710,7 +5876,7 @@
               <a:buChar char="◦"/>
               <a:defRPr/>
             </a:lvl4pPr>
-            <a:lvl5pPr indent="-342900" lvl="4" marL="2286000" algn="l">
+            <a:lvl5pPr marL="2286000" lvl="4" indent="-342900" algn="l">
               <a:lnSpc>
                 <a:spcPct val="100000"/>
               </a:lnSpc>
@@ -5727,7 +5893,7 @@
               <a:buChar char="◦"/>
               <a:defRPr/>
             </a:lvl5pPr>
-            <a:lvl6pPr indent="-342900" lvl="5" marL="2743200" algn="l">
+            <a:lvl6pPr marL="2743200" lvl="5" indent="-342900" algn="l">
               <a:lnSpc>
                 <a:spcPct val="90000"/>
               </a:lnSpc>
@@ -5741,7 +5907,7 @@
               <a:buChar char="◦"/>
               <a:defRPr/>
             </a:lvl6pPr>
-            <a:lvl7pPr indent="-342900" lvl="6" marL="3200400" algn="l">
+            <a:lvl7pPr marL="3200400" lvl="6" indent="-342900" algn="l">
               <a:lnSpc>
                 <a:spcPct val="90000"/>
               </a:lnSpc>
@@ -5755,7 +5921,7 @@
               <a:buChar char="◦"/>
               <a:defRPr/>
             </a:lvl7pPr>
-            <a:lvl8pPr indent="-342900" lvl="7" marL="3657600" algn="l">
+            <a:lvl8pPr marL="3657600" lvl="7" indent="-342900" algn="l">
               <a:lnSpc>
                 <a:spcPct val="90000"/>
               </a:lnSpc>
@@ -5769,7 +5935,7 @@
               <a:buChar char="◦"/>
               <a:defRPr/>
             </a:lvl8pPr>
-            <a:lvl9pPr indent="-342900" lvl="8" marL="4114800" algn="l">
+            <a:lvl9pPr marL="4114800" lvl="8" indent="-342900" algn="l">
               <a:lnSpc>
                 <a:spcPct val="90000"/>
               </a:lnSpc>
@@ -5784,15 +5950,19 @@
               <a:defRPr/>
             </a:lvl9pPr>
           </a:lstStyle>
-          <a:p/>
+          <a:p>
+            <a:endParaRPr/>
+          </a:p>
         </p:txBody>
       </p:sp>
       <p:sp>
         <p:nvSpPr>
           <p:cNvPr id="39" name="Google Shape;39;p10"/>
-          <p:cNvSpPr txBox="1"/>
+          <p:cNvSpPr txBox="1">
+            <a:spLocks noGrp="1"/>
+          </p:cNvSpPr>
           <p:nvPr>
-            <p:ph idx="10" type="dt"/>
+            <p:ph type="dt" idx="10"/>
           </p:nvPr>
         </p:nvSpPr>
         <p:spPr>
@@ -5809,7 +5979,7 @@
           </a:ln>
         </p:spPr>
         <p:txBody>
-          <a:bodyPr anchorCtr="0" anchor="ctr" bIns="45700" lIns="91425" spcFirstLastPara="1" rIns="91425" wrap="square" tIns="45700">
+          <a:bodyPr spcFirstLastPara="1" wrap="square" lIns="91425" tIns="45700" rIns="91425" bIns="45700" anchor="ctr" anchorCtr="0">
             <a:noAutofit/>
           </a:bodyPr>
           <a:lstStyle>
@@ -5913,15 +6083,19 @@
               <a:defRPr/>
             </a:lvl9pPr>
           </a:lstStyle>
-          <a:p/>
+          <a:p>
+            <a:endParaRPr/>
+          </a:p>
         </p:txBody>
       </p:sp>
       <p:sp>
         <p:nvSpPr>
           <p:cNvPr id="40" name="Google Shape;40;p10"/>
-          <p:cNvSpPr txBox="1"/>
+          <p:cNvSpPr txBox="1">
+            <a:spLocks noGrp="1"/>
+          </p:cNvSpPr>
           <p:nvPr>
-            <p:ph idx="11" type="ftr"/>
+            <p:ph type="ftr" idx="11"/>
           </p:nvPr>
         </p:nvSpPr>
         <p:spPr>
@@ -5938,7 +6112,7 @@
           </a:ln>
         </p:spPr>
         <p:txBody>
-          <a:bodyPr anchorCtr="0" anchor="ctr" bIns="45700" lIns="91425" spcFirstLastPara="1" rIns="91425" wrap="square" tIns="45700">
+          <a:bodyPr spcFirstLastPara="1" wrap="square" lIns="91425" tIns="45700" rIns="91425" bIns="45700" anchor="ctr" anchorCtr="0">
             <a:noAutofit/>
           </a:bodyPr>
           <a:lstStyle>
@@ -6042,15 +6216,19 @@
               <a:defRPr/>
             </a:lvl9pPr>
           </a:lstStyle>
-          <a:p/>
+          <a:p>
+            <a:endParaRPr/>
+          </a:p>
         </p:txBody>
       </p:sp>
       <p:sp>
         <p:nvSpPr>
           <p:cNvPr id="41" name="Google Shape;41;p10"/>
-          <p:cNvSpPr txBox="1"/>
+          <p:cNvSpPr txBox="1">
+            <a:spLocks noGrp="1"/>
+          </p:cNvSpPr>
           <p:nvPr>
-            <p:ph idx="12" type="sldNum"/>
+            <p:ph type="sldNum" idx="12"/>
           </p:nvPr>
         </p:nvSpPr>
         <p:spPr>
@@ -6067,67 +6245,67 @@
           </a:ln>
         </p:spPr>
         <p:txBody>
-          <a:bodyPr anchorCtr="0" anchor="ctr" bIns="45700" lIns="91425" spcFirstLastPara="1" rIns="91425" wrap="square" tIns="45700">
+          <a:bodyPr spcFirstLastPara="1" wrap="square" lIns="91425" tIns="45700" rIns="91425" bIns="45700" anchor="ctr" anchorCtr="0">
             <a:noAutofit/>
           </a:bodyPr>
           <a:lstStyle>
-            <a:lvl1pPr indent="0" lvl="0" marL="0" algn="l">
+            <a:lvl1pPr marL="0" lvl="0" indent="0" algn="l">
               <a:spcBef>
                 <a:spcPts val="0"/>
               </a:spcBef>
               <a:buNone/>
               <a:defRPr/>
             </a:lvl1pPr>
-            <a:lvl2pPr indent="0" lvl="1" marL="0" algn="l">
+            <a:lvl2pPr marL="0" lvl="1" indent="0" algn="l">
               <a:spcBef>
                 <a:spcPts val="0"/>
               </a:spcBef>
               <a:buNone/>
               <a:defRPr/>
             </a:lvl2pPr>
-            <a:lvl3pPr indent="0" lvl="2" marL="0" algn="l">
+            <a:lvl3pPr marL="0" lvl="2" indent="0" algn="l">
               <a:spcBef>
                 <a:spcPts val="0"/>
               </a:spcBef>
               <a:buNone/>
               <a:defRPr/>
             </a:lvl3pPr>
-            <a:lvl4pPr indent="0" lvl="3" marL="0" algn="l">
+            <a:lvl4pPr marL="0" lvl="3" indent="0" algn="l">
               <a:spcBef>
                 <a:spcPts val="0"/>
               </a:spcBef>
               <a:buNone/>
               <a:defRPr/>
             </a:lvl4pPr>
-            <a:lvl5pPr indent="0" lvl="4" marL="0" algn="l">
+            <a:lvl5pPr marL="0" lvl="4" indent="0" algn="l">
               <a:spcBef>
                 <a:spcPts val="0"/>
               </a:spcBef>
               <a:buNone/>
               <a:defRPr/>
             </a:lvl5pPr>
-            <a:lvl6pPr indent="0" lvl="5" marL="0" algn="l">
+            <a:lvl6pPr marL="0" lvl="5" indent="0" algn="l">
               <a:spcBef>
                 <a:spcPts val="0"/>
               </a:spcBef>
               <a:buNone/>
               <a:defRPr/>
             </a:lvl6pPr>
-            <a:lvl7pPr indent="0" lvl="6" marL="0" algn="l">
+            <a:lvl7pPr marL="0" lvl="6" indent="0" algn="l">
               <a:spcBef>
                 <a:spcPts val="0"/>
               </a:spcBef>
               <a:buNone/>
               <a:defRPr/>
             </a:lvl7pPr>
-            <a:lvl8pPr indent="0" lvl="7" marL="0" algn="l">
+            <a:lvl8pPr marL="0" lvl="7" indent="0" algn="l">
               <a:spcBef>
                 <a:spcPts val="0"/>
               </a:spcBef>
               <a:buNone/>
               <a:defRPr/>
             </a:lvl8pPr>
-            <a:lvl9pPr indent="0" lvl="8" marL="0" algn="l">
+            <a:lvl9pPr marL="0" lvl="8" indent="0" algn="l">
               <a:spcBef>
                 <a:spcPts val="0"/>
               </a:spcBef>
@@ -6136,7 +6314,7 @@
             </a:lvl9pPr>
           </a:lstStyle>
           <a:p>
-            <a:pPr indent="0" lvl="0" marL="0" rtl="0" algn="l">
+            <a:pPr marL="0" lvl="0" indent="0" algn="l" rtl="0">
               <a:spcBef>
                 <a:spcPts val="0"/>
               </a:spcBef>
@@ -6162,11 +6340,11 @@
 </file>
 
 <file path=ppt/slideLayouts/slideLayout5.xml><?xml version="1.0" encoding="utf-8"?>
-<p:sldLayout xmlns:a="http://schemas.openxmlformats.org/drawingml/2006/main" xmlns:r="http://schemas.openxmlformats.org/officeDocument/2006/relationships" xmlns:mc="http://schemas.openxmlformats.org/markup-compatibility/2006" xmlns:mv="urn:schemas-microsoft-com:mac:vml" xmlns:p="http://schemas.openxmlformats.org/presentationml/2006/main" xmlns:c="http://schemas.openxmlformats.org/drawingml/2006/chart" xmlns:dgm="http://schemas.openxmlformats.org/drawingml/2006/diagram" xmlns:o="urn:schemas-microsoft-com:office:office" xmlns:v="urn:schemas-microsoft-com:vml" xmlns:pvml="urn:schemas-microsoft-com:office:powerpoint" xmlns:com="http://schemas.openxmlformats.org/drawingml/2006/compatibility" xmlns:p14="http://schemas.microsoft.com/office/powerpoint/2010/main" xmlns:p15="http://schemas.microsoft.com/office/powerpoint/2012/main" xmlns:ahyp="http://schemas.microsoft.com/office/drawing/2018/hyperlinkcolor" matchingName="Comparison" type="twoTxTwoObj">
+<p:sldLayout xmlns:a="http://schemas.openxmlformats.org/drawingml/2006/main" xmlns:r="http://schemas.openxmlformats.org/officeDocument/2006/relationships" xmlns:p="http://schemas.openxmlformats.org/presentationml/2006/main" matchingName="Comparison" type="twoTxTwoObj">
   <p:cSld name="TWO_OBJECTS_WITH_TEXT">
     <p:spTree>
       <p:nvGrpSpPr>
-        <p:cNvPr id="42" name="Shape 42"/>
+        <p:cNvPr id="1" name="Shape 42"/>
         <p:cNvGrpSpPr/>
         <p:nvPr/>
       </p:nvGrpSpPr>
@@ -6181,7 +6359,9 @@
       <p:sp>
         <p:nvSpPr>
           <p:cNvPr id="43" name="Google Shape;43;p11"/>
-          <p:cNvSpPr txBox="1"/>
+          <p:cNvSpPr txBox="1">
+            <a:spLocks noGrp="1"/>
+          </p:cNvSpPr>
           <p:nvPr>
             <p:ph type="title"/>
           </p:nvPr>
@@ -6200,7 +6380,7 @@
           </a:ln>
         </p:spPr>
         <p:txBody>
-          <a:bodyPr anchorCtr="0" anchor="b" bIns="45700" lIns="91425" spcFirstLastPara="1" rIns="91425" wrap="square" tIns="45700">
+          <a:bodyPr spcFirstLastPara="1" wrap="square" lIns="91425" tIns="45700" rIns="91425" bIns="45700" anchor="b" anchorCtr="0">
             <a:normAutofit/>
           </a:bodyPr>
           <a:lstStyle>
@@ -6310,15 +6490,19 @@
               <a:defRPr/>
             </a:lvl9pPr>
           </a:lstStyle>
-          <a:p/>
+          <a:p>
+            <a:endParaRPr/>
+          </a:p>
         </p:txBody>
       </p:sp>
       <p:sp>
         <p:nvSpPr>
           <p:cNvPr id="44" name="Google Shape;44;p11"/>
-          <p:cNvSpPr txBox="1"/>
+          <p:cNvSpPr txBox="1">
+            <a:spLocks noGrp="1"/>
+          </p:cNvSpPr>
           <p:nvPr>
-            <p:ph idx="1" type="body"/>
+            <p:ph type="body" idx="1"/>
           </p:nvPr>
         </p:nvSpPr>
         <p:spPr>
@@ -6335,11 +6519,11 @@
           </a:ln>
         </p:spPr>
         <p:txBody>
-          <a:bodyPr anchorCtr="0" anchor="ctr" bIns="45700" lIns="91425" spcFirstLastPara="1" rIns="91425" wrap="square" tIns="45700">
+          <a:bodyPr spcFirstLastPara="1" wrap="square" lIns="91425" tIns="45700" rIns="91425" bIns="45700" anchor="ctr" anchorCtr="0">
             <a:normAutofit/>
           </a:bodyPr>
           <a:lstStyle>
-            <a:lvl1pPr indent="-228600" lvl="0" marL="457200" algn="l">
+            <a:lvl1pPr marL="457200" lvl="0" indent="-228600" algn="l">
               <a:lnSpc>
                 <a:spcPct val="110000"/>
               </a:lnSpc>
@@ -6351,13 +6535,13 @@
               </a:spcAft>
               <a:buSzPts val="2000"/>
               <a:buNone/>
-              <a:defRPr b="0" sz="2000" cap="none">
+              <a:defRPr sz="2000" b="0" cap="none">
                 <a:solidFill>
                   <a:schemeClr val="dk1"/>
                 </a:solidFill>
               </a:defRPr>
             </a:lvl1pPr>
-            <a:lvl2pPr indent="-228600" lvl="1" marL="914400" algn="l">
+            <a:lvl2pPr marL="914400" lvl="1" indent="-228600" algn="l">
               <a:lnSpc>
                 <a:spcPct val="100000"/>
               </a:lnSpc>
@@ -6372,9 +6556,9 @@
               </a:buClr>
               <a:buSzPts val="2000"/>
               <a:buNone/>
-              <a:defRPr b="1" sz="2000"/>
+              <a:defRPr sz="2000" b="1"/>
             </a:lvl2pPr>
-            <a:lvl3pPr indent="-228600" lvl="2" marL="1371600" algn="l">
+            <a:lvl3pPr marL="1371600" lvl="2" indent="-228600" algn="l">
               <a:lnSpc>
                 <a:spcPct val="100000"/>
               </a:lnSpc>
@@ -6389,9 +6573,9 @@
               </a:buClr>
               <a:buSzPts val="1800"/>
               <a:buNone/>
-              <a:defRPr b="1" sz="1800"/>
+              <a:defRPr sz="1800" b="1"/>
             </a:lvl3pPr>
-            <a:lvl4pPr indent="-228600" lvl="3" marL="1828800" algn="l">
+            <a:lvl4pPr marL="1828800" lvl="3" indent="-228600" algn="l">
               <a:lnSpc>
                 <a:spcPct val="100000"/>
               </a:lnSpc>
@@ -6406,9 +6590,9 @@
               </a:buClr>
               <a:buSzPts val="1600"/>
               <a:buNone/>
-              <a:defRPr b="1" sz="1600"/>
+              <a:defRPr sz="1600" b="1"/>
             </a:lvl4pPr>
-            <a:lvl5pPr indent="-228600" lvl="4" marL="2286000" algn="l">
+            <a:lvl5pPr marL="2286000" lvl="4" indent="-228600" algn="l">
               <a:lnSpc>
                 <a:spcPct val="100000"/>
               </a:lnSpc>
@@ -6423,9 +6607,9 @@
               </a:buClr>
               <a:buSzPts val="1600"/>
               <a:buNone/>
-              <a:defRPr b="1" sz="1600"/>
+              <a:defRPr sz="1600" b="1"/>
             </a:lvl5pPr>
-            <a:lvl6pPr indent="-228600" lvl="5" marL="2743200" algn="l">
+            <a:lvl6pPr marL="2743200" lvl="5" indent="-228600" algn="l">
               <a:lnSpc>
                 <a:spcPct val="90000"/>
               </a:lnSpc>
@@ -6437,9 +6621,9 @@
               </a:spcAft>
               <a:buSzPts val="1600"/>
               <a:buNone/>
-              <a:defRPr b="1" sz="1600"/>
+              <a:defRPr sz="1600" b="1"/>
             </a:lvl6pPr>
-            <a:lvl7pPr indent="-228600" lvl="6" marL="3200400" algn="l">
+            <a:lvl7pPr marL="3200400" lvl="6" indent="-228600" algn="l">
               <a:lnSpc>
                 <a:spcPct val="90000"/>
               </a:lnSpc>
@@ -6451,9 +6635,9 @@
               </a:spcAft>
               <a:buSzPts val="1600"/>
               <a:buNone/>
-              <a:defRPr b="1" sz="1600"/>
+              <a:defRPr sz="1600" b="1"/>
             </a:lvl7pPr>
-            <a:lvl8pPr indent="-228600" lvl="7" marL="3657600" algn="l">
+            <a:lvl8pPr marL="3657600" lvl="7" indent="-228600" algn="l">
               <a:lnSpc>
                 <a:spcPct val="90000"/>
               </a:lnSpc>
@@ -6465,9 +6649,9 @@
               </a:spcAft>
               <a:buSzPts val="1600"/>
               <a:buNone/>
-              <a:defRPr b="1" sz="1600"/>
+              <a:defRPr sz="1600" b="1"/>
             </a:lvl8pPr>
-            <a:lvl9pPr indent="-228600" lvl="8" marL="4114800" algn="l">
+            <a:lvl9pPr marL="4114800" lvl="8" indent="-228600" algn="l">
               <a:lnSpc>
                 <a:spcPct val="90000"/>
               </a:lnSpc>
@@ -6479,18 +6663,22 @@
               </a:spcAft>
               <a:buSzPts val="1600"/>
               <a:buNone/>
-              <a:defRPr b="1" sz="1600"/>
+              <a:defRPr sz="1600" b="1"/>
             </a:lvl9pPr>
           </a:lstStyle>
-          <a:p/>
+          <a:p>
+            <a:endParaRPr/>
+          </a:p>
         </p:txBody>
       </p:sp>
       <p:sp>
         <p:nvSpPr>
           <p:cNvPr id="45" name="Google Shape;45;p11"/>
-          <p:cNvSpPr txBox="1"/>
+          <p:cNvSpPr txBox="1">
+            <a:spLocks noGrp="1"/>
+          </p:cNvSpPr>
           <p:nvPr>
-            <p:ph idx="2" type="body"/>
+            <p:ph type="body" idx="2"/>
           </p:nvPr>
         </p:nvSpPr>
         <p:spPr>
@@ -6507,11 +6695,11 @@
           </a:ln>
         </p:spPr>
         <p:txBody>
-          <a:bodyPr anchorCtr="0" anchor="t" bIns="45700" lIns="0" spcFirstLastPara="1" rIns="0" wrap="square" tIns="45700">
+          <a:bodyPr spcFirstLastPara="1" wrap="square" lIns="0" tIns="45700" rIns="0" bIns="45700" anchor="t" anchorCtr="0">
             <a:normAutofit/>
           </a:bodyPr>
           <a:lstStyle>
-            <a:lvl1pPr indent="-342900" lvl="0" marL="457200" algn="l">
+            <a:lvl1pPr marL="457200" lvl="0" indent="-342900" algn="l">
               <a:lnSpc>
                 <a:spcPct val="110000"/>
               </a:lnSpc>
@@ -6525,7 +6713,7 @@
               <a:buChar char=" "/>
               <a:defRPr/>
             </a:lvl1pPr>
-            <a:lvl2pPr indent="-342900" lvl="1" marL="914400" algn="l">
+            <a:lvl2pPr marL="914400" lvl="1" indent="-342900" algn="l">
               <a:lnSpc>
                 <a:spcPct val="100000"/>
               </a:lnSpc>
@@ -6542,7 +6730,7 @@
               <a:buChar char="◦"/>
               <a:defRPr/>
             </a:lvl2pPr>
-            <a:lvl3pPr indent="-342900" lvl="2" marL="1371600" algn="l">
+            <a:lvl3pPr marL="1371600" lvl="2" indent="-342900" algn="l">
               <a:lnSpc>
                 <a:spcPct val="100000"/>
               </a:lnSpc>
@@ -6559,7 +6747,7 @@
               <a:buChar char="◦"/>
               <a:defRPr/>
             </a:lvl3pPr>
-            <a:lvl4pPr indent="-342900" lvl="3" marL="1828800" algn="l">
+            <a:lvl4pPr marL="1828800" lvl="3" indent="-342900" algn="l">
               <a:lnSpc>
                 <a:spcPct val="100000"/>
               </a:lnSpc>
@@ -6576,7 +6764,7 @@
               <a:buChar char="◦"/>
               <a:defRPr/>
             </a:lvl4pPr>
-            <a:lvl5pPr indent="-342900" lvl="4" marL="2286000" algn="l">
+            <a:lvl5pPr marL="2286000" lvl="4" indent="-342900" algn="l">
               <a:lnSpc>
                 <a:spcPct val="100000"/>
               </a:lnSpc>
@@ -6593,7 +6781,7 @@
               <a:buChar char="◦"/>
               <a:defRPr/>
             </a:lvl5pPr>
-            <a:lvl6pPr indent="-342900" lvl="5" marL="2743200" algn="l">
+            <a:lvl6pPr marL="2743200" lvl="5" indent="-342900" algn="l">
               <a:lnSpc>
                 <a:spcPct val="90000"/>
               </a:lnSpc>
@@ -6607,7 +6795,7 @@
               <a:buChar char="◦"/>
               <a:defRPr/>
             </a:lvl6pPr>
-            <a:lvl7pPr indent="-342900" lvl="6" marL="3200400" algn="l">
+            <a:lvl7pPr marL="3200400" lvl="6" indent="-342900" algn="l">
               <a:lnSpc>
                 <a:spcPct val="90000"/>
               </a:lnSpc>
@@ -6621,7 +6809,7 @@
               <a:buChar char="◦"/>
               <a:defRPr/>
             </a:lvl7pPr>
-            <a:lvl8pPr indent="-342900" lvl="7" marL="3657600" algn="l">
+            <a:lvl8pPr marL="3657600" lvl="7" indent="-342900" algn="l">
               <a:lnSpc>
                 <a:spcPct val="90000"/>
               </a:lnSpc>
@@ -6635,7 +6823,7 @@
               <a:buChar char="◦"/>
               <a:defRPr/>
             </a:lvl8pPr>
-            <a:lvl9pPr indent="-342900" lvl="8" marL="4114800" algn="l">
+            <a:lvl9pPr marL="4114800" lvl="8" indent="-342900" algn="l">
               <a:lnSpc>
                 <a:spcPct val="90000"/>
               </a:lnSpc>
@@ -6650,15 +6838,19 @@
               <a:defRPr/>
             </a:lvl9pPr>
           </a:lstStyle>
-          <a:p/>
+          <a:p>
+            <a:endParaRPr/>
+          </a:p>
         </p:txBody>
       </p:sp>
       <p:sp>
         <p:nvSpPr>
           <p:cNvPr id="46" name="Google Shape;46;p11"/>
-          <p:cNvSpPr txBox="1"/>
+          <p:cNvSpPr txBox="1">
+            <a:spLocks noGrp="1"/>
+          </p:cNvSpPr>
           <p:nvPr>
-            <p:ph idx="3" type="body"/>
+            <p:ph type="body" idx="3"/>
           </p:nvPr>
         </p:nvSpPr>
         <p:spPr>
@@ -6675,11 +6867,11 @@
           </a:ln>
         </p:spPr>
         <p:txBody>
-          <a:bodyPr anchorCtr="0" anchor="ctr" bIns="45700" lIns="91425" spcFirstLastPara="1" rIns="91425" wrap="square" tIns="45700">
+          <a:bodyPr spcFirstLastPara="1" wrap="square" lIns="91425" tIns="45700" rIns="91425" bIns="45700" anchor="ctr" anchorCtr="0">
             <a:normAutofit/>
           </a:bodyPr>
           <a:lstStyle>
-            <a:lvl1pPr indent="-228600" lvl="0" marL="457200" algn="l">
+            <a:lvl1pPr marL="457200" lvl="0" indent="-228600" algn="l">
               <a:lnSpc>
                 <a:spcPct val="110000"/>
               </a:lnSpc>
@@ -6691,13 +6883,13 @@
               </a:spcAft>
               <a:buSzPts val="2000"/>
               <a:buNone/>
-              <a:defRPr b="0" sz="2000" cap="none">
+              <a:defRPr sz="2000" b="0" cap="none">
                 <a:solidFill>
                   <a:schemeClr val="dk1"/>
                 </a:solidFill>
               </a:defRPr>
             </a:lvl1pPr>
-            <a:lvl2pPr indent="-228600" lvl="1" marL="914400" algn="l">
+            <a:lvl2pPr marL="914400" lvl="1" indent="-228600" algn="l">
               <a:lnSpc>
                 <a:spcPct val="100000"/>
               </a:lnSpc>
@@ -6712,9 +6904,9 @@
               </a:buClr>
               <a:buSzPts val="2000"/>
               <a:buNone/>
-              <a:defRPr b="1" sz="2000"/>
+              <a:defRPr sz="2000" b="1"/>
             </a:lvl2pPr>
-            <a:lvl3pPr indent="-228600" lvl="2" marL="1371600" algn="l">
+            <a:lvl3pPr marL="1371600" lvl="2" indent="-228600" algn="l">
               <a:lnSpc>
                 <a:spcPct val="100000"/>
               </a:lnSpc>
@@ -6729,9 +6921,9 @@
               </a:buClr>
               <a:buSzPts val="1800"/>
               <a:buNone/>
-              <a:defRPr b="1" sz="1800"/>
+              <a:defRPr sz="1800" b="1"/>
             </a:lvl3pPr>
-            <a:lvl4pPr indent="-228600" lvl="3" marL="1828800" algn="l">
+            <a:lvl4pPr marL="1828800" lvl="3" indent="-228600" algn="l">
               <a:lnSpc>
                 <a:spcPct val="100000"/>
               </a:lnSpc>
@@ -6746,9 +6938,9 @@
               </a:buClr>
               <a:buSzPts val="1600"/>
               <a:buNone/>
-              <a:defRPr b="1" sz="1600"/>
+              <a:defRPr sz="1600" b="1"/>
             </a:lvl4pPr>
-            <a:lvl5pPr indent="-228600" lvl="4" marL="2286000" algn="l">
+            <a:lvl5pPr marL="2286000" lvl="4" indent="-228600" algn="l">
               <a:lnSpc>
                 <a:spcPct val="100000"/>
               </a:lnSpc>
@@ -6763,9 +6955,9 @@
               </a:buClr>
               <a:buSzPts val="1600"/>
               <a:buNone/>
-              <a:defRPr b="1" sz="1600"/>
+              <a:defRPr sz="1600" b="1"/>
             </a:lvl5pPr>
-            <a:lvl6pPr indent="-228600" lvl="5" marL="2743200" algn="l">
+            <a:lvl6pPr marL="2743200" lvl="5" indent="-228600" algn="l">
               <a:lnSpc>
                 <a:spcPct val="90000"/>
               </a:lnSpc>
@@ -6777,9 +6969,9 @@
               </a:spcAft>
               <a:buSzPts val="1600"/>
               <a:buNone/>
-              <a:defRPr b="1" sz="1600"/>
+              <a:defRPr sz="1600" b="1"/>
             </a:lvl6pPr>
-            <a:lvl7pPr indent="-228600" lvl="6" marL="3200400" algn="l">
+            <a:lvl7pPr marL="3200400" lvl="6" indent="-228600" algn="l">
               <a:lnSpc>
                 <a:spcPct val="90000"/>
               </a:lnSpc>
@@ -6791,9 +6983,9 @@
               </a:spcAft>
               <a:buSzPts val="1600"/>
               <a:buNone/>
-              <a:defRPr b="1" sz="1600"/>
+              <a:defRPr sz="1600" b="1"/>
             </a:lvl7pPr>
-            <a:lvl8pPr indent="-228600" lvl="7" marL="3657600" algn="l">
+            <a:lvl8pPr marL="3657600" lvl="7" indent="-228600" algn="l">
               <a:lnSpc>
                 <a:spcPct val="90000"/>
               </a:lnSpc>
@@ -6805,9 +6997,9 @@
               </a:spcAft>
               <a:buSzPts val="1600"/>
               <a:buNone/>
-              <a:defRPr b="1" sz="1600"/>
+              <a:defRPr sz="1600" b="1"/>
             </a:lvl8pPr>
-            <a:lvl9pPr indent="-228600" lvl="8" marL="4114800" algn="l">
+            <a:lvl9pPr marL="4114800" lvl="8" indent="-228600" algn="l">
               <a:lnSpc>
                 <a:spcPct val="90000"/>
               </a:lnSpc>
@@ -6819,18 +7011,22 @@
               </a:spcAft>
               <a:buSzPts val="1600"/>
               <a:buNone/>
-              <a:defRPr b="1" sz="1600"/>
+              <a:defRPr sz="1600" b="1"/>
             </a:lvl9pPr>
           </a:lstStyle>
-          <a:p/>
+          <a:p>
+            <a:endParaRPr/>
+          </a:p>
         </p:txBody>
       </p:sp>
       <p:sp>
         <p:nvSpPr>
           <p:cNvPr id="47" name="Google Shape;47;p11"/>
-          <p:cNvSpPr txBox="1"/>
+          <p:cNvSpPr txBox="1">
+            <a:spLocks noGrp="1"/>
+          </p:cNvSpPr>
           <p:nvPr>
-            <p:ph idx="4" type="body"/>
+            <p:ph type="body" idx="4"/>
           </p:nvPr>
         </p:nvSpPr>
         <p:spPr>
@@ -6847,11 +7043,11 @@
           </a:ln>
         </p:spPr>
         <p:txBody>
-          <a:bodyPr anchorCtr="0" anchor="t" bIns="45700" lIns="0" spcFirstLastPara="1" rIns="0" wrap="square" tIns="45700">
+          <a:bodyPr spcFirstLastPara="1" wrap="square" lIns="0" tIns="45700" rIns="0" bIns="45700" anchor="t" anchorCtr="0">
             <a:normAutofit/>
           </a:bodyPr>
           <a:lstStyle>
-            <a:lvl1pPr indent="-342900" lvl="0" marL="457200" algn="l">
+            <a:lvl1pPr marL="457200" lvl="0" indent="-342900" algn="l">
               <a:lnSpc>
                 <a:spcPct val="110000"/>
               </a:lnSpc>
@@ -6865,7 +7061,7 @@
               <a:buChar char=" "/>
               <a:defRPr/>
             </a:lvl1pPr>
-            <a:lvl2pPr indent="-342900" lvl="1" marL="914400" algn="l">
+            <a:lvl2pPr marL="914400" lvl="1" indent="-342900" algn="l">
               <a:lnSpc>
                 <a:spcPct val="100000"/>
               </a:lnSpc>
@@ -6882,7 +7078,7 @@
               <a:buChar char="◦"/>
               <a:defRPr/>
             </a:lvl2pPr>
-            <a:lvl3pPr indent="-342900" lvl="2" marL="1371600" algn="l">
+            <a:lvl3pPr marL="1371600" lvl="2" indent="-342900" algn="l">
               <a:lnSpc>
                 <a:spcPct val="100000"/>
               </a:lnSpc>
@@ -6899,7 +7095,7 @@
               <a:buChar char="◦"/>
               <a:defRPr/>
             </a:lvl3pPr>
-            <a:lvl4pPr indent="-342900" lvl="3" marL="1828800" algn="l">
+            <a:lvl4pPr marL="1828800" lvl="3" indent="-342900" algn="l">
               <a:lnSpc>
                 <a:spcPct val="100000"/>
               </a:lnSpc>
@@ -6916,7 +7112,7 @@
               <a:buChar char="◦"/>
               <a:defRPr/>
             </a:lvl4pPr>
-            <a:lvl5pPr indent="-342900" lvl="4" marL="2286000" algn="l">
+            <a:lvl5pPr marL="2286000" lvl="4" indent="-342900" algn="l">
               <a:lnSpc>
                 <a:spcPct val="100000"/>
               </a:lnSpc>
@@ -6933,7 +7129,7 @@
               <a:buChar char="◦"/>
               <a:defRPr/>
             </a:lvl5pPr>
-            <a:lvl6pPr indent="-342900" lvl="5" marL="2743200" algn="l">
+            <a:lvl6pPr marL="2743200" lvl="5" indent="-342900" algn="l">
               <a:lnSpc>
                 <a:spcPct val="90000"/>
               </a:lnSpc>
@@ -6947,7 +7143,7 @@
               <a:buChar char="◦"/>
               <a:defRPr/>
             </a:lvl6pPr>
-            <a:lvl7pPr indent="-342900" lvl="6" marL="3200400" algn="l">
+            <a:lvl7pPr marL="3200400" lvl="6" indent="-342900" algn="l">
               <a:lnSpc>
                 <a:spcPct val="90000"/>
               </a:lnSpc>
@@ -6961,7 +7157,7 @@
               <a:buChar char="◦"/>
               <a:defRPr/>
             </a:lvl7pPr>
-            <a:lvl8pPr indent="-342900" lvl="7" marL="3657600" algn="l">
+            <a:lvl8pPr marL="3657600" lvl="7" indent="-342900" algn="l">
               <a:lnSpc>
                 <a:spcPct val="90000"/>
               </a:lnSpc>
@@ -6975,7 +7171,7 @@
               <a:buChar char="◦"/>
               <a:defRPr/>
             </a:lvl8pPr>
-            <a:lvl9pPr indent="-342900" lvl="8" marL="4114800" algn="l">
+            <a:lvl9pPr marL="4114800" lvl="8" indent="-342900" algn="l">
               <a:lnSpc>
                 <a:spcPct val="90000"/>
               </a:lnSpc>
@@ -6990,15 +7186,19 @@
               <a:defRPr/>
             </a:lvl9pPr>
           </a:lstStyle>
-          <a:p/>
+          <a:p>
+            <a:endParaRPr/>
+          </a:p>
         </p:txBody>
       </p:sp>
       <p:sp>
         <p:nvSpPr>
           <p:cNvPr id="48" name="Google Shape;48;p11"/>
-          <p:cNvSpPr txBox="1"/>
+          <p:cNvSpPr txBox="1">
+            <a:spLocks noGrp="1"/>
+          </p:cNvSpPr>
           <p:nvPr>
-            <p:ph idx="10" type="dt"/>
+            <p:ph type="dt" idx="10"/>
           </p:nvPr>
         </p:nvSpPr>
         <p:spPr>
@@ -7015,7 +7215,7 @@
           </a:ln>
         </p:spPr>
         <p:txBody>
-          <a:bodyPr anchorCtr="0" anchor="ctr" bIns="45700" lIns="91425" spcFirstLastPara="1" rIns="91425" wrap="square" tIns="45700">
+          <a:bodyPr spcFirstLastPara="1" wrap="square" lIns="91425" tIns="45700" rIns="91425" bIns="45700" anchor="ctr" anchorCtr="0">
             <a:noAutofit/>
           </a:bodyPr>
           <a:lstStyle>
@@ -7119,15 +7319,19 @@
               <a:defRPr/>
             </a:lvl9pPr>
           </a:lstStyle>
-          <a:p/>
+          <a:p>
+            <a:endParaRPr/>
+          </a:p>
         </p:txBody>
       </p:sp>
       <p:sp>
         <p:nvSpPr>
           <p:cNvPr id="49" name="Google Shape;49;p11"/>
-          <p:cNvSpPr txBox="1"/>
+          <p:cNvSpPr txBox="1">
+            <a:spLocks noGrp="1"/>
+          </p:cNvSpPr>
           <p:nvPr>
-            <p:ph idx="11" type="ftr"/>
+            <p:ph type="ftr" idx="11"/>
           </p:nvPr>
         </p:nvSpPr>
         <p:spPr>
@@ -7144,7 +7348,7 @@
           </a:ln>
         </p:spPr>
         <p:txBody>
-          <a:bodyPr anchorCtr="0" anchor="ctr" bIns="45700" lIns="91425" spcFirstLastPara="1" rIns="91425" wrap="square" tIns="45700">
+          <a:bodyPr spcFirstLastPara="1" wrap="square" lIns="91425" tIns="45700" rIns="91425" bIns="45700" anchor="ctr" anchorCtr="0">
             <a:noAutofit/>
           </a:bodyPr>
           <a:lstStyle>
@@ -7248,15 +7452,19 @@
               <a:defRPr/>
             </a:lvl9pPr>
           </a:lstStyle>
-          <a:p/>
+          <a:p>
+            <a:endParaRPr/>
+          </a:p>
         </p:txBody>
       </p:sp>
       <p:sp>
         <p:nvSpPr>
           <p:cNvPr id="50" name="Google Shape;50;p11"/>
-          <p:cNvSpPr txBox="1"/>
+          <p:cNvSpPr txBox="1">
+            <a:spLocks noGrp="1"/>
+          </p:cNvSpPr>
           <p:nvPr>
-            <p:ph idx="12" type="sldNum"/>
+            <p:ph type="sldNum" idx="12"/>
           </p:nvPr>
         </p:nvSpPr>
         <p:spPr>
@@ -7273,67 +7481,67 @@
           </a:ln>
         </p:spPr>
         <p:txBody>
-          <a:bodyPr anchorCtr="0" anchor="ctr" bIns="45700" lIns="91425" spcFirstLastPara="1" rIns="91425" wrap="square" tIns="45700">
+          <a:bodyPr spcFirstLastPara="1" wrap="square" lIns="91425" tIns="45700" rIns="91425" bIns="45700" anchor="ctr" anchorCtr="0">
             <a:noAutofit/>
           </a:bodyPr>
           <a:lstStyle>
-            <a:lvl1pPr indent="0" lvl="0" marL="0" algn="l">
+            <a:lvl1pPr marL="0" lvl="0" indent="0" algn="l">
               <a:spcBef>
                 <a:spcPts val="0"/>
               </a:spcBef>
               <a:buNone/>
               <a:defRPr/>
             </a:lvl1pPr>
-            <a:lvl2pPr indent="0" lvl="1" marL="0" algn="l">
+            <a:lvl2pPr marL="0" lvl="1" indent="0" algn="l">
               <a:spcBef>
                 <a:spcPts val="0"/>
               </a:spcBef>
               <a:buNone/>
               <a:defRPr/>
             </a:lvl2pPr>
-            <a:lvl3pPr indent="0" lvl="2" marL="0" algn="l">
+            <a:lvl3pPr marL="0" lvl="2" indent="0" algn="l">
               <a:spcBef>
                 <a:spcPts val="0"/>
               </a:spcBef>
               <a:buNone/>
               <a:defRPr/>
             </a:lvl3pPr>
-            <a:lvl4pPr indent="0" lvl="3" marL="0" algn="l">
+            <a:lvl4pPr marL="0" lvl="3" indent="0" algn="l">
               <a:spcBef>
                 <a:spcPts val="0"/>
               </a:spcBef>
               <a:buNone/>
               <a:defRPr/>
             </a:lvl4pPr>
-            <a:lvl5pPr indent="0" lvl="4" marL="0" algn="l">
+            <a:lvl5pPr marL="0" lvl="4" indent="0" algn="l">
               <a:spcBef>
                 <a:spcPts val="0"/>
               </a:spcBef>
               <a:buNone/>
               <a:defRPr/>
             </a:lvl5pPr>
-            <a:lvl6pPr indent="0" lvl="5" marL="0" algn="l">
+            <a:lvl6pPr marL="0" lvl="5" indent="0" algn="l">
               <a:spcBef>
                 <a:spcPts val="0"/>
               </a:spcBef>
               <a:buNone/>
               <a:defRPr/>
             </a:lvl6pPr>
-            <a:lvl7pPr indent="0" lvl="6" marL="0" algn="l">
+            <a:lvl7pPr marL="0" lvl="6" indent="0" algn="l">
               <a:spcBef>
                 <a:spcPts val="0"/>
               </a:spcBef>
               <a:buNone/>
               <a:defRPr/>
             </a:lvl7pPr>
-            <a:lvl8pPr indent="0" lvl="7" marL="0" algn="l">
+            <a:lvl8pPr marL="0" lvl="7" indent="0" algn="l">
               <a:spcBef>
                 <a:spcPts val="0"/>
               </a:spcBef>
               <a:buNone/>
               <a:defRPr/>
             </a:lvl8pPr>
-            <a:lvl9pPr indent="0" lvl="8" marL="0" algn="l">
+            <a:lvl9pPr marL="0" lvl="8" indent="0" algn="l">
               <a:spcBef>
                 <a:spcPts val="0"/>
               </a:spcBef>
@@ -7342,7 +7550,7 @@
             </a:lvl9pPr>
           </a:lstStyle>
           <a:p>
-            <a:pPr indent="0" lvl="0" marL="0" rtl="0" algn="l">
+            <a:pPr marL="0" lvl="0" indent="0" algn="l" rtl="0">
               <a:spcBef>
                 <a:spcPts val="0"/>
               </a:spcBef>
@@ -7368,11 +7576,11 @@
 </file>
 
 <file path=ppt/slideLayouts/slideLayout6.xml><?xml version="1.0" encoding="utf-8"?>
-<p:sldLayout xmlns:a="http://schemas.openxmlformats.org/drawingml/2006/main" xmlns:r="http://schemas.openxmlformats.org/officeDocument/2006/relationships" xmlns:mc="http://schemas.openxmlformats.org/markup-compatibility/2006" xmlns:mv="urn:schemas-microsoft-com:mac:vml" xmlns:p="http://schemas.openxmlformats.org/presentationml/2006/main" xmlns:c="http://schemas.openxmlformats.org/drawingml/2006/chart" xmlns:dgm="http://schemas.openxmlformats.org/drawingml/2006/diagram" xmlns:o="urn:schemas-microsoft-com:office:office" xmlns:v="urn:schemas-microsoft-com:vml" xmlns:pvml="urn:schemas-microsoft-com:office:powerpoint" xmlns:com="http://schemas.openxmlformats.org/drawingml/2006/compatibility" xmlns:p14="http://schemas.microsoft.com/office/powerpoint/2010/main" xmlns:p15="http://schemas.microsoft.com/office/powerpoint/2012/main" xmlns:ahyp="http://schemas.microsoft.com/office/drawing/2018/hyperlinkcolor" matchingName="Title Only" type="titleOnly">
+<p:sldLayout xmlns:a="http://schemas.openxmlformats.org/drawingml/2006/main" xmlns:r="http://schemas.openxmlformats.org/officeDocument/2006/relationships" xmlns:p="http://schemas.openxmlformats.org/presentationml/2006/main" matchingName="Title Only" type="titleOnly">
   <p:cSld name="TITLE_ONLY">
     <p:spTree>
       <p:nvGrpSpPr>
-        <p:cNvPr id="51" name="Shape 51"/>
+        <p:cNvPr id="1" name="Shape 51"/>
         <p:cNvGrpSpPr/>
         <p:nvPr/>
       </p:nvGrpSpPr>
@@ -7387,7 +7595,9 @@
       <p:sp>
         <p:nvSpPr>
           <p:cNvPr id="52" name="Google Shape;52;p12"/>
-          <p:cNvSpPr txBox="1"/>
+          <p:cNvSpPr txBox="1">
+            <a:spLocks noGrp="1"/>
+          </p:cNvSpPr>
           <p:nvPr>
             <p:ph type="title"/>
           </p:nvPr>
@@ -7406,7 +7616,7 @@
           </a:ln>
         </p:spPr>
         <p:txBody>
-          <a:bodyPr anchorCtr="0" anchor="b" bIns="45700" lIns="91425" spcFirstLastPara="1" rIns="91425" wrap="square" tIns="45700">
+          <a:bodyPr spcFirstLastPara="1" wrap="square" lIns="91425" tIns="45700" rIns="91425" bIns="45700" anchor="b" anchorCtr="0">
             <a:normAutofit/>
           </a:bodyPr>
           <a:lstStyle>
@@ -7516,15 +7726,19 @@
               <a:defRPr/>
             </a:lvl9pPr>
           </a:lstStyle>
-          <a:p/>
+          <a:p>
+            <a:endParaRPr/>
+          </a:p>
         </p:txBody>
       </p:sp>
       <p:sp>
         <p:nvSpPr>
           <p:cNvPr id="53" name="Google Shape;53;p12"/>
-          <p:cNvSpPr txBox="1"/>
+          <p:cNvSpPr txBox="1">
+            <a:spLocks noGrp="1"/>
+          </p:cNvSpPr>
           <p:nvPr>
-            <p:ph idx="10" type="dt"/>
+            <p:ph type="dt" idx="10"/>
           </p:nvPr>
         </p:nvSpPr>
         <p:spPr>
@@ -7541,7 +7755,7 @@
           </a:ln>
         </p:spPr>
         <p:txBody>
-          <a:bodyPr anchorCtr="0" anchor="ctr" bIns="45700" lIns="91425" spcFirstLastPara="1" rIns="91425" wrap="square" tIns="45700">
+          <a:bodyPr spcFirstLastPara="1" wrap="square" lIns="91425" tIns="45700" rIns="91425" bIns="45700" anchor="ctr" anchorCtr="0">
             <a:noAutofit/>
           </a:bodyPr>
           <a:lstStyle>
@@ -7645,15 +7859,19 @@
               <a:defRPr/>
             </a:lvl9pPr>
           </a:lstStyle>
-          <a:p/>
+          <a:p>
+            <a:endParaRPr/>
+          </a:p>
         </p:txBody>
       </p:sp>
       <p:sp>
         <p:nvSpPr>
           <p:cNvPr id="54" name="Google Shape;54;p12"/>
-          <p:cNvSpPr txBox="1"/>
+          <p:cNvSpPr txBox="1">
+            <a:spLocks noGrp="1"/>
+          </p:cNvSpPr>
           <p:nvPr>
-            <p:ph idx="11" type="ftr"/>
+            <p:ph type="ftr" idx="11"/>
           </p:nvPr>
         </p:nvSpPr>
         <p:spPr>
@@ -7670,7 +7888,7 @@
           </a:ln>
         </p:spPr>
         <p:txBody>
-          <a:bodyPr anchorCtr="0" anchor="ctr" bIns="45700" lIns="91425" spcFirstLastPara="1" rIns="91425" wrap="square" tIns="45700">
+          <a:bodyPr spcFirstLastPara="1" wrap="square" lIns="91425" tIns="45700" rIns="91425" bIns="45700" anchor="ctr" anchorCtr="0">
             <a:noAutofit/>
           </a:bodyPr>
           <a:lstStyle>
@@ -7774,15 +7992,19 @@
               <a:defRPr/>
             </a:lvl9pPr>
           </a:lstStyle>
-          <a:p/>
+          <a:p>
+            <a:endParaRPr/>
+          </a:p>
         </p:txBody>
       </p:sp>
       <p:sp>
         <p:nvSpPr>
           <p:cNvPr id="55" name="Google Shape;55;p12"/>
-          <p:cNvSpPr txBox="1"/>
+          <p:cNvSpPr txBox="1">
+            <a:spLocks noGrp="1"/>
+          </p:cNvSpPr>
           <p:nvPr>
-            <p:ph idx="12" type="sldNum"/>
+            <p:ph type="sldNum" idx="12"/>
           </p:nvPr>
         </p:nvSpPr>
         <p:spPr>
@@ -7799,67 +8021,67 @@
           </a:ln>
         </p:spPr>
         <p:txBody>
-          <a:bodyPr anchorCtr="0" anchor="ctr" bIns="45700" lIns="91425" spcFirstLastPara="1" rIns="91425" wrap="square" tIns="45700">
+          <a:bodyPr spcFirstLastPara="1" wrap="square" lIns="91425" tIns="45700" rIns="91425" bIns="45700" anchor="ctr" anchorCtr="0">
             <a:noAutofit/>
           </a:bodyPr>
           <a:lstStyle>
-            <a:lvl1pPr indent="0" lvl="0" marL="0" algn="l">
+            <a:lvl1pPr marL="0" lvl="0" indent="0" algn="l">
               <a:spcBef>
                 <a:spcPts val="0"/>
               </a:spcBef>
               <a:buNone/>
               <a:defRPr/>
             </a:lvl1pPr>
-            <a:lvl2pPr indent="0" lvl="1" marL="0" algn="l">
+            <a:lvl2pPr marL="0" lvl="1" indent="0" algn="l">
               <a:spcBef>
                 <a:spcPts val="0"/>
               </a:spcBef>
               <a:buNone/>
               <a:defRPr/>
             </a:lvl2pPr>
-            <a:lvl3pPr indent="0" lvl="2" marL="0" algn="l">
+            <a:lvl3pPr marL="0" lvl="2" indent="0" algn="l">
               <a:spcBef>
                 <a:spcPts val="0"/>
               </a:spcBef>
               <a:buNone/>
               <a:defRPr/>
             </a:lvl3pPr>
-            <a:lvl4pPr indent="0" lvl="3" marL="0" algn="l">
+            <a:lvl4pPr marL="0" lvl="3" indent="0" algn="l">
               <a:spcBef>
                 <a:spcPts val="0"/>
               </a:spcBef>
               <a:buNone/>
               <a:defRPr/>
             </a:lvl4pPr>
-            <a:lvl5pPr indent="0" lvl="4" marL="0" algn="l">
+            <a:lvl5pPr marL="0" lvl="4" indent="0" algn="l">
               <a:spcBef>
                 <a:spcPts val="0"/>
               </a:spcBef>
               <a:buNone/>
               <a:defRPr/>
             </a:lvl5pPr>
-            <a:lvl6pPr indent="0" lvl="5" marL="0" algn="l">
+            <a:lvl6pPr marL="0" lvl="5" indent="0" algn="l">
               <a:spcBef>
                 <a:spcPts val="0"/>
               </a:spcBef>
               <a:buNone/>
               <a:defRPr/>
             </a:lvl6pPr>
-            <a:lvl7pPr indent="0" lvl="6" marL="0" algn="l">
+            <a:lvl7pPr marL="0" lvl="6" indent="0" algn="l">
               <a:spcBef>
                 <a:spcPts val="0"/>
               </a:spcBef>
               <a:buNone/>
               <a:defRPr/>
             </a:lvl7pPr>
-            <a:lvl8pPr indent="0" lvl="7" marL="0" algn="l">
+            <a:lvl8pPr marL="0" lvl="7" indent="0" algn="l">
               <a:spcBef>
                 <a:spcPts val="0"/>
               </a:spcBef>
               <a:buNone/>
               <a:defRPr/>
             </a:lvl8pPr>
-            <a:lvl9pPr indent="0" lvl="8" marL="0" algn="l">
+            <a:lvl9pPr marL="0" lvl="8" indent="0" algn="l">
               <a:spcBef>
                 <a:spcPts val="0"/>
               </a:spcBef>
@@ -7868,7 +8090,7 @@
             </a:lvl9pPr>
           </a:lstStyle>
           <a:p>
-            <a:pPr indent="0" lvl="0" marL="0" rtl="0" algn="l">
+            <a:pPr marL="0" lvl="0" indent="0" algn="l" rtl="0">
               <a:spcBef>
                 <a:spcPts val="0"/>
               </a:spcBef>
@@ -7894,11 +8116,11 @@
 </file>
 
 <file path=ppt/slideLayouts/slideLayout7.xml><?xml version="1.0" encoding="utf-8"?>
-<p:sldLayout xmlns:a="http://schemas.openxmlformats.org/drawingml/2006/main" xmlns:r="http://schemas.openxmlformats.org/officeDocument/2006/relationships" xmlns:mc="http://schemas.openxmlformats.org/markup-compatibility/2006" xmlns:mv="urn:schemas-microsoft-com:mac:vml" xmlns:p="http://schemas.openxmlformats.org/presentationml/2006/main" xmlns:c="http://schemas.openxmlformats.org/drawingml/2006/chart" xmlns:dgm="http://schemas.openxmlformats.org/drawingml/2006/diagram" xmlns:o="urn:schemas-microsoft-com:office:office" xmlns:v="urn:schemas-microsoft-com:vml" xmlns:pvml="urn:schemas-microsoft-com:office:powerpoint" xmlns:com="http://schemas.openxmlformats.org/drawingml/2006/compatibility" xmlns:p14="http://schemas.microsoft.com/office/powerpoint/2010/main" xmlns:p15="http://schemas.microsoft.com/office/powerpoint/2012/main" xmlns:ahyp="http://schemas.microsoft.com/office/drawing/2018/hyperlinkcolor" matchingName="Blank" showMasterSp="0" type="blank">
+<p:sldLayout xmlns:a="http://schemas.openxmlformats.org/drawingml/2006/main" xmlns:r="http://schemas.openxmlformats.org/officeDocument/2006/relationships" xmlns:p="http://schemas.openxmlformats.org/presentationml/2006/main" showMasterSp="0" matchingName="Blank" type="blank">
   <p:cSld name="BLANK">
     <p:spTree>
       <p:nvGrpSpPr>
-        <p:cNvPr id="56" name="Shape 56"/>
+        <p:cNvPr id="1" name="Shape 56"/>
         <p:cNvGrpSpPr/>
         <p:nvPr/>
       </p:nvGrpSpPr>
@@ -7932,12 +8154,12 @@
           </a:ln>
         </p:spPr>
         <p:txBody>
-          <a:bodyPr anchorCtr="0" anchor="ctr" bIns="91425" lIns="91425" spcFirstLastPara="1" rIns="91425" wrap="square" tIns="91425">
+          <a:bodyPr spcFirstLastPara="1" wrap="square" lIns="91425" tIns="91425" rIns="91425" bIns="91425" anchor="ctr" anchorCtr="0">
             <a:noAutofit/>
           </a:bodyPr>
           <a:lstStyle/>
           <a:p>
-            <a:pPr indent="0" lvl="0" marL="0" rtl="0" algn="l">
+            <a:pPr marL="0" lvl="0" indent="0" algn="l" rtl="0">
               <a:spcBef>
                 <a:spcPts val="0"/>
               </a:spcBef>
@@ -7946,9 +8168,6 @@
               </a:spcAft>
               <a:buNone/>
             </a:pPr>
-            <a:r>
-              <a:t/>
-            </a:r>
             <a:endParaRPr/>
           </a:p>
         </p:txBody>
@@ -7956,9 +8175,11 @@
       <p:sp>
         <p:nvSpPr>
           <p:cNvPr id="58" name="Google Shape;58;p13"/>
-          <p:cNvSpPr txBox="1"/>
+          <p:cNvSpPr txBox="1">
+            <a:spLocks noGrp="1"/>
+          </p:cNvSpPr>
           <p:nvPr>
-            <p:ph idx="10" type="dt"/>
+            <p:ph type="dt" idx="10"/>
           </p:nvPr>
         </p:nvSpPr>
         <p:spPr>
@@ -7975,7 +8196,7 @@
           </a:ln>
         </p:spPr>
         <p:txBody>
-          <a:bodyPr anchorCtr="0" anchor="ctr" bIns="45700" lIns="91425" spcFirstLastPara="1" rIns="91425" wrap="square" tIns="45700">
+          <a:bodyPr spcFirstLastPara="1" wrap="square" lIns="91425" tIns="45700" rIns="91425" bIns="45700" anchor="ctr" anchorCtr="0">
             <a:noAutofit/>
           </a:bodyPr>
           <a:lstStyle>
@@ -8079,15 +8300,19 @@
               <a:defRPr/>
             </a:lvl9pPr>
           </a:lstStyle>
-          <a:p/>
+          <a:p>
+            <a:endParaRPr/>
+          </a:p>
         </p:txBody>
       </p:sp>
       <p:sp>
         <p:nvSpPr>
           <p:cNvPr id="59" name="Google Shape;59;p13"/>
-          <p:cNvSpPr txBox="1"/>
+          <p:cNvSpPr txBox="1">
+            <a:spLocks noGrp="1"/>
+          </p:cNvSpPr>
           <p:nvPr>
-            <p:ph idx="11" type="ftr"/>
+            <p:ph type="ftr" idx="11"/>
           </p:nvPr>
         </p:nvSpPr>
         <p:spPr>
@@ -8104,7 +8329,7 @@
           </a:ln>
         </p:spPr>
         <p:txBody>
-          <a:bodyPr anchorCtr="0" anchor="ctr" bIns="45700" lIns="91425" spcFirstLastPara="1" rIns="91425" wrap="square" tIns="45700">
+          <a:bodyPr spcFirstLastPara="1" wrap="square" lIns="91425" tIns="45700" rIns="91425" bIns="45700" anchor="ctr" anchorCtr="0">
             <a:noAutofit/>
           </a:bodyPr>
           <a:lstStyle>
@@ -8208,15 +8433,19 @@
               <a:defRPr/>
             </a:lvl9pPr>
           </a:lstStyle>
-          <a:p/>
+          <a:p>
+            <a:endParaRPr/>
+          </a:p>
         </p:txBody>
       </p:sp>
       <p:sp>
         <p:nvSpPr>
           <p:cNvPr id="60" name="Google Shape;60;p13"/>
-          <p:cNvSpPr txBox="1"/>
+          <p:cNvSpPr txBox="1">
+            <a:spLocks noGrp="1"/>
+          </p:cNvSpPr>
           <p:nvPr>
-            <p:ph idx="12" type="sldNum"/>
+            <p:ph type="sldNum" idx="12"/>
           </p:nvPr>
         </p:nvSpPr>
         <p:spPr>
@@ -8233,67 +8462,67 @@
           </a:ln>
         </p:spPr>
         <p:txBody>
-          <a:bodyPr anchorCtr="0" anchor="ctr" bIns="45700" lIns="91425" spcFirstLastPara="1" rIns="91425" wrap="square" tIns="45700">
+          <a:bodyPr spcFirstLastPara="1" wrap="square" lIns="91425" tIns="45700" rIns="91425" bIns="45700" anchor="ctr" anchorCtr="0">
             <a:noAutofit/>
           </a:bodyPr>
           <a:lstStyle>
-            <a:lvl1pPr indent="0" lvl="0" marL="0" algn="l">
+            <a:lvl1pPr marL="0" lvl="0" indent="0" algn="l">
               <a:spcBef>
                 <a:spcPts val="0"/>
               </a:spcBef>
               <a:buNone/>
               <a:defRPr/>
             </a:lvl1pPr>
-            <a:lvl2pPr indent="0" lvl="1" marL="0" algn="l">
+            <a:lvl2pPr marL="0" lvl="1" indent="0" algn="l">
               <a:spcBef>
                 <a:spcPts val="0"/>
               </a:spcBef>
               <a:buNone/>
               <a:defRPr/>
             </a:lvl2pPr>
-            <a:lvl3pPr indent="0" lvl="2" marL="0" algn="l">
+            <a:lvl3pPr marL="0" lvl="2" indent="0" algn="l">
               <a:spcBef>
                 <a:spcPts val="0"/>
               </a:spcBef>
               <a:buNone/>
               <a:defRPr/>
             </a:lvl3pPr>
-            <a:lvl4pPr indent="0" lvl="3" marL="0" algn="l">
+            <a:lvl4pPr marL="0" lvl="3" indent="0" algn="l">
               <a:spcBef>
                 <a:spcPts val="0"/>
               </a:spcBef>
               <a:buNone/>
               <a:defRPr/>
             </a:lvl4pPr>
-            <a:lvl5pPr indent="0" lvl="4" marL="0" algn="l">
+            <a:lvl5pPr marL="0" lvl="4" indent="0" algn="l">
               <a:spcBef>
                 <a:spcPts val="0"/>
               </a:spcBef>
               <a:buNone/>
               <a:defRPr/>
             </a:lvl5pPr>
-            <a:lvl6pPr indent="0" lvl="5" marL="0" algn="l">
+            <a:lvl6pPr marL="0" lvl="5" indent="0" algn="l">
               <a:spcBef>
                 <a:spcPts val="0"/>
               </a:spcBef>
               <a:buNone/>
               <a:defRPr/>
             </a:lvl6pPr>
-            <a:lvl7pPr indent="0" lvl="6" marL="0" algn="l">
+            <a:lvl7pPr marL="0" lvl="6" indent="0" algn="l">
               <a:spcBef>
                 <a:spcPts val="0"/>
               </a:spcBef>
               <a:buNone/>
               <a:defRPr/>
             </a:lvl7pPr>
-            <a:lvl8pPr indent="0" lvl="7" marL="0" algn="l">
+            <a:lvl8pPr marL="0" lvl="7" indent="0" algn="l">
               <a:spcBef>
                 <a:spcPts val="0"/>
               </a:spcBef>
               <a:buNone/>
               <a:defRPr/>
             </a:lvl8pPr>
-            <a:lvl9pPr indent="0" lvl="8" marL="0" algn="l">
+            <a:lvl9pPr marL="0" lvl="8" indent="0" algn="l">
               <a:spcBef>
                 <a:spcPts val="0"/>
               </a:spcBef>
@@ -8302,7 +8531,7 @@
             </a:lvl9pPr>
           </a:lstStyle>
           <a:p>
-            <a:pPr indent="0" lvl="0" marL="0" rtl="0" algn="l">
+            <a:pPr marL="0" lvl="0" indent="0" algn="l" rtl="0">
               <a:spcBef>
                 <a:spcPts val="0"/>
               </a:spcBef>
@@ -8328,11 +8557,11 @@
 </file>
 
 <file path=ppt/slideLayouts/slideLayout8.xml><?xml version="1.0" encoding="utf-8"?>
-<p:sldLayout xmlns:a="http://schemas.openxmlformats.org/drawingml/2006/main" xmlns:r="http://schemas.openxmlformats.org/officeDocument/2006/relationships" xmlns:mc="http://schemas.openxmlformats.org/markup-compatibility/2006" xmlns:mv="urn:schemas-microsoft-com:mac:vml" xmlns:p="http://schemas.openxmlformats.org/presentationml/2006/main" xmlns:c="http://schemas.openxmlformats.org/drawingml/2006/chart" xmlns:dgm="http://schemas.openxmlformats.org/drawingml/2006/diagram" xmlns:o="urn:schemas-microsoft-com:office:office" xmlns:v="urn:schemas-microsoft-com:vml" xmlns:pvml="urn:schemas-microsoft-com:office:powerpoint" xmlns:com="http://schemas.openxmlformats.org/drawingml/2006/compatibility" xmlns:p14="http://schemas.microsoft.com/office/powerpoint/2010/main" xmlns:p15="http://schemas.microsoft.com/office/powerpoint/2012/main" xmlns:ahyp="http://schemas.microsoft.com/office/drawing/2018/hyperlinkcolor" matchingName="Content with Caption" showMasterSp="0" type="objTx">
+<p:sldLayout xmlns:a="http://schemas.openxmlformats.org/drawingml/2006/main" xmlns:r="http://schemas.openxmlformats.org/officeDocument/2006/relationships" xmlns:p="http://schemas.openxmlformats.org/presentationml/2006/main" showMasterSp="0" matchingName="Content with Caption" type="objTx">
   <p:cSld name="OBJECT_WITH_CAPTION_TEXT">
     <p:spTree>
       <p:nvGrpSpPr>
-        <p:cNvPr id="61" name="Shape 61"/>
+        <p:cNvPr id="1" name="Shape 61"/>
         <p:cNvGrpSpPr/>
         <p:nvPr/>
       </p:nvGrpSpPr>
@@ -8366,12 +8595,12 @@
           </a:ln>
         </p:spPr>
         <p:txBody>
-          <a:bodyPr anchorCtr="0" anchor="ctr" bIns="91425" lIns="91425" spcFirstLastPara="1" rIns="91425" wrap="square" tIns="91425">
+          <a:bodyPr spcFirstLastPara="1" wrap="square" lIns="91425" tIns="91425" rIns="91425" bIns="91425" anchor="ctr" anchorCtr="0">
             <a:noAutofit/>
           </a:bodyPr>
           <a:lstStyle/>
           <a:p>
-            <a:pPr indent="0" lvl="0" marL="0" rtl="0" algn="l">
+            <a:pPr marL="0" lvl="0" indent="0" algn="l" rtl="0">
               <a:spcBef>
                 <a:spcPts val="0"/>
               </a:spcBef>
@@ -8380,9 +8609,6 @@
               </a:spcAft>
               <a:buNone/>
             </a:pPr>
-            <a:r>
-              <a:t/>
-            </a:r>
             <a:endParaRPr/>
           </a:p>
         </p:txBody>
@@ -8390,7 +8616,9 @@
       <p:sp>
         <p:nvSpPr>
           <p:cNvPr id="63" name="Google Shape;63;p14"/>
-          <p:cNvSpPr txBox="1"/>
+          <p:cNvSpPr txBox="1">
+            <a:spLocks noGrp="1"/>
+          </p:cNvSpPr>
           <p:nvPr>
             <p:ph type="title"/>
           </p:nvPr>
@@ -8409,7 +8637,7 @@
           </a:ln>
         </p:spPr>
         <p:txBody>
-          <a:bodyPr anchorCtr="0" anchor="b" bIns="45700" lIns="91425" spcFirstLastPara="1" rIns="91425" wrap="square" tIns="45700">
+          <a:bodyPr spcFirstLastPara="1" wrap="square" lIns="91425" tIns="45700" rIns="91425" bIns="45700" anchor="b" anchorCtr="0">
             <a:normAutofit/>
           </a:bodyPr>
           <a:lstStyle>
@@ -8429,7 +8657,7 @@
               <a:buSzPts val="3600"/>
               <a:buFont typeface="Bookman Old Style"/>
               <a:buNone/>
-              <a:defRPr b="0" sz="3600">
+              <a:defRPr sz="3600" b="0">
                 <a:solidFill>
                   <a:srgbClr val="FFFFFF"/>
                 </a:solidFill>
@@ -8524,15 +8752,19 @@
               <a:defRPr/>
             </a:lvl9pPr>
           </a:lstStyle>
-          <a:p/>
+          <a:p>
+            <a:endParaRPr/>
+          </a:p>
         </p:txBody>
       </p:sp>
       <p:sp>
         <p:nvSpPr>
           <p:cNvPr id="64" name="Google Shape;64;p14"/>
-          <p:cNvSpPr txBox="1"/>
+          <p:cNvSpPr txBox="1">
+            <a:spLocks noGrp="1"/>
+          </p:cNvSpPr>
           <p:nvPr>
-            <p:ph idx="1" type="body"/>
+            <p:ph type="body" idx="1"/>
           </p:nvPr>
         </p:nvSpPr>
         <p:spPr>
@@ -8549,11 +8781,11 @@
           </a:ln>
         </p:spPr>
         <p:txBody>
-          <a:bodyPr anchorCtr="0" anchor="t" bIns="45700" lIns="0" spcFirstLastPara="1" rIns="0" wrap="square" tIns="45700">
+          <a:bodyPr spcFirstLastPara="1" wrap="square" lIns="0" tIns="45700" rIns="0" bIns="45700" anchor="t" anchorCtr="0">
             <a:normAutofit/>
           </a:bodyPr>
           <a:lstStyle>
-            <a:lvl1pPr indent="-342900" lvl="0" marL="457200" algn="l">
+            <a:lvl1pPr marL="457200" lvl="0" indent="-342900" algn="l">
               <a:lnSpc>
                 <a:spcPct val="110000"/>
               </a:lnSpc>
@@ -8567,7 +8799,7 @@
               <a:buChar char=" "/>
               <a:defRPr/>
             </a:lvl1pPr>
-            <a:lvl2pPr indent="-342900" lvl="1" marL="914400" algn="l">
+            <a:lvl2pPr marL="914400" lvl="1" indent="-342900" algn="l">
               <a:lnSpc>
                 <a:spcPct val="100000"/>
               </a:lnSpc>
@@ -8584,7 +8816,7 @@
               <a:buChar char="◦"/>
               <a:defRPr/>
             </a:lvl2pPr>
-            <a:lvl3pPr indent="-342900" lvl="2" marL="1371600" algn="l">
+            <a:lvl3pPr marL="1371600" lvl="2" indent="-342900" algn="l">
               <a:lnSpc>
                 <a:spcPct val="100000"/>
               </a:lnSpc>
@@ -8601,7 +8833,7 @@
               <a:buChar char="◦"/>
               <a:defRPr/>
             </a:lvl3pPr>
-            <a:lvl4pPr indent="-342900" lvl="3" marL="1828800" algn="l">
+            <a:lvl4pPr marL="1828800" lvl="3" indent="-342900" algn="l">
               <a:lnSpc>
                 <a:spcPct val="100000"/>
               </a:lnSpc>
@@ -8618,7 +8850,7 @@
               <a:buChar char="◦"/>
               <a:defRPr/>
             </a:lvl4pPr>
-            <a:lvl5pPr indent="-342900" lvl="4" marL="2286000" algn="l">
+            <a:lvl5pPr marL="2286000" lvl="4" indent="-342900" algn="l">
               <a:lnSpc>
                 <a:spcPct val="100000"/>
               </a:lnSpc>
@@ -8635,7 +8867,7 @@
               <a:buChar char="◦"/>
               <a:defRPr/>
             </a:lvl5pPr>
-            <a:lvl6pPr indent="-342900" lvl="5" marL="2743200" algn="l">
+            <a:lvl6pPr marL="2743200" lvl="5" indent="-342900" algn="l">
               <a:lnSpc>
                 <a:spcPct val="90000"/>
               </a:lnSpc>
@@ -8649,7 +8881,7 @@
               <a:buChar char="◦"/>
               <a:defRPr/>
             </a:lvl6pPr>
-            <a:lvl7pPr indent="-342900" lvl="6" marL="3200400" algn="l">
+            <a:lvl7pPr marL="3200400" lvl="6" indent="-342900" algn="l">
               <a:lnSpc>
                 <a:spcPct val="90000"/>
               </a:lnSpc>
@@ -8663,7 +8895,7 @@
               <a:buChar char="◦"/>
               <a:defRPr/>
             </a:lvl7pPr>
-            <a:lvl8pPr indent="-342900" lvl="7" marL="3657600" algn="l">
+            <a:lvl8pPr marL="3657600" lvl="7" indent="-342900" algn="l">
               <a:lnSpc>
                 <a:spcPct val="90000"/>
               </a:lnSpc>
@@ -8677,7 +8909,7 @@
               <a:buChar char="◦"/>
               <a:defRPr/>
             </a:lvl8pPr>
-            <a:lvl9pPr indent="-342900" lvl="8" marL="4114800" algn="l">
+            <a:lvl9pPr marL="4114800" lvl="8" indent="-342900" algn="l">
               <a:lnSpc>
                 <a:spcPct val="90000"/>
               </a:lnSpc>
@@ -8692,15 +8924,19 @@
               <a:defRPr/>
             </a:lvl9pPr>
           </a:lstStyle>
-          <a:p/>
+          <a:p>
+            <a:endParaRPr/>
+          </a:p>
         </p:txBody>
       </p:sp>
       <p:sp>
         <p:nvSpPr>
           <p:cNvPr id="65" name="Google Shape;65;p14"/>
-          <p:cNvSpPr txBox="1"/>
+          <p:cNvSpPr txBox="1">
+            <a:spLocks noGrp="1"/>
+          </p:cNvSpPr>
           <p:nvPr>
-            <p:ph idx="2" type="body"/>
+            <p:ph type="body" idx="2"/>
           </p:nvPr>
         </p:nvSpPr>
         <p:spPr>
@@ -8717,11 +8953,11 @@
           </a:ln>
         </p:spPr>
         <p:txBody>
-          <a:bodyPr anchorCtr="0" anchor="t" bIns="45700" lIns="91425" spcFirstLastPara="1" rIns="91425" wrap="square" tIns="45700">
+          <a:bodyPr spcFirstLastPara="1" wrap="square" lIns="91425" tIns="45700" rIns="91425" bIns="45700" anchor="t" anchorCtr="0">
             <a:normAutofit/>
           </a:bodyPr>
           <a:lstStyle>
-            <a:lvl1pPr indent="-228600" lvl="0" marL="457200" algn="l">
+            <a:lvl1pPr marL="457200" lvl="0" indent="-228600" algn="l">
               <a:lnSpc>
                 <a:spcPct val="110000"/>
               </a:lnSpc>
@@ -8739,7 +8975,7 @@
                 </a:solidFill>
               </a:defRPr>
             </a:lvl1pPr>
-            <a:lvl2pPr indent="-228600" lvl="1" marL="914400" algn="l">
+            <a:lvl2pPr marL="914400" lvl="1" indent="-228600" algn="l">
               <a:lnSpc>
                 <a:spcPct val="100000"/>
               </a:lnSpc>
@@ -8756,7 +8992,7 @@
               <a:buNone/>
               <a:defRPr sz="1200"/>
             </a:lvl2pPr>
-            <a:lvl3pPr indent="-228600" lvl="2" marL="1371600" algn="l">
+            <a:lvl3pPr marL="1371600" lvl="2" indent="-228600" algn="l">
               <a:lnSpc>
                 <a:spcPct val="100000"/>
               </a:lnSpc>
@@ -8773,7 +9009,7 @@
               <a:buNone/>
               <a:defRPr sz="1000"/>
             </a:lvl3pPr>
-            <a:lvl4pPr indent="-228600" lvl="3" marL="1828800" algn="l">
+            <a:lvl4pPr marL="1828800" lvl="3" indent="-228600" algn="l">
               <a:lnSpc>
                 <a:spcPct val="100000"/>
               </a:lnSpc>
@@ -8790,7 +9026,7 @@
               <a:buNone/>
               <a:defRPr sz="900"/>
             </a:lvl4pPr>
-            <a:lvl5pPr indent="-228600" lvl="4" marL="2286000" algn="l">
+            <a:lvl5pPr marL="2286000" lvl="4" indent="-228600" algn="l">
               <a:lnSpc>
                 <a:spcPct val="100000"/>
               </a:lnSpc>
@@ -8807,7 +9043,7 @@
               <a:buNone/>
               <a:defRPr sz="900"/>
             </a:lvl5pPr>
-            <a:lvl6pPr indent="-228600" lvl="5" marL="2743200" algn="l">
+            <a:lvl6pPr marL="2743200" lvl="5" indent="-228600" algn="l">
               <a:lnSpc>
                 <a:spcPct val="90000"/>
               </a:lnSpc>
@@ -8821,7 +9057,7 @@
               <a:buNone/>
               <a:defRPr sz="900"/>
             </a:lvl6pPr>
-            <a:lvl7pPr indent="-228600" lvl="6" marL="3200400" algn="l">
+            <a:lvl7pPr marL="3200400" lvl="6" indent="-228600" algn="l">
               <a:lnSpc>
                 <a:spcPct val="90000"/>
               </a:lnSpc>
@@ -8835,7 +9071,7 @@
               <a:buNone/>
               <a:defRPr sz="900"/>
             </a:lvl7pPr>
-            <a:lvl8pPr indent="-228600" lvl="7" marL="3657600" algn="l">
+            <a:lvl8pPr marL="3657600" lvl="7" indent="-228600" algn="l">
               <a:lnSpc>
                 <a:spcPct val="90000"/>
               </a:lnSpc>
@@ -8849,7 +9085,7 @@
               <a:buNone/>
               <a:defRPr sz="900"/>
             </a:lvl8pPr>
-            <a:lvl9pPr indent="-228600" lvl="8" marL="4114800" algn="l">
+            <a:lvl9pPr marL="4114800" lvl="8" indent="-228600" algn="l">
               <a:lnSpc>
                 <a:spcPct val="90000"/>
               </a:lnSpc>
@@ -8864,15 +9100,19 @@
               <a:defRPr sz="900"/>
             </a:lvl9pPr>
           </a:lstStyle>
-          <a:p/>
+          <a:p>
+            <a:endParaRPr/>
+          </a:p>
         </p:txBody>
       </p:sp>
       <p:sp>
         <p:nvSpPr>
           <p:cNvPr id="66" name="Google Shape;66;p14"/>
-          <p:cNvSpPr txBox="1"/>
+          <p:cNvSpPr txBox="1">
+            <a:spLocks noGrp="1"/>
+          </p:cNvSpPr>
           <p:nvPr>
-            <p:ph idx="10" type="dt"/>
+            <p:ph type="dt" idx="10"/>
           </p:nvPr>
         </p:nvSpPr>
         <p:spPr>
@@ -8889,7 +9129,7 @@
           </a:ln>
         </p:spPr>
         <p:txBody>
-          <a:bodyPr anchorCtr="0" anchor="ctr" bIns="45700" lIns="91425" spcFirstLastPara="1" rIns="91425" wrap="square" tIns="45700">
+          <a:bodyPr spcFirstLastPara="1" wrap="square" lIns="91425" tIns="45700" rIns="91425" bIns="45700" anchor="ctr" anchorCtr="0">
             <a:noAutofit/>
           </a:bodyPr>
           <a:lstStyle>
@@ -8993,15 +9233,19 @@
               <a:defRPr/>
             </a:lvl9pPr>
           </a:lstStyle>
-          <a:p/>
+          <a:p>
+            <a:endParaRPr/>
+          </a:p>
         </p:txBody>
       </p:sp>
       <p:sp>
         <p:nvSpPr>
           <p:cNvPr id="67" name="Google Shape;67;p14"/>
-          <p:cNvSpPr txBox="1"/>
+          <p:cNvSpPr txBox="1">
+            <a:spLocks noGrp="1"/>
+          </p:cNvSpPr>
           <p:nvPr>
-            <p:ph idx="11" type="ftr"/>
+            <p:ph type="ftr" idx="11"/>
           </p:nvPr>
         </p:nvSpPr>
         <p:spPr>
@@ -9018,7 +9262,7 @@
           </a:ln>
         </p:spPr>
         <p:txBody>
-          <a:bodyPr anchorCtr="0" anchor="ctr" bIns="45700" lIns="91425" spcFirstLastPara="1" rIns="91425" wrap="square" tIns="45700">
+          <a:bodyPr spcFirstLastPara="1" wrap="square" lIns="91425" tIns="45700" rIns="91425" bIns="45700" anchor="ctr" anchorCtr="0">
             <a:noAutofit/>
           </a:bodyPr>
           <a:lstStyle>
@@ -9126,15 +9370,19 @@
               <a:defRPr/>
             </a:lvl9pPr>
           </a:lstStyle>
-          <a:p/>
+          <a:p>
+            <a:endParaRPr/>
+          </a:p>
         </p:txBody>
       </p:sp>
       <p:sp>
         <p:nvSpPr>
           <p:cNvPr id="68" name="Google Shape;68;p14"/>
-          <p:cNvSpPr txBox="1"/>
+          <p:cNvSpPr txBox="1">
+            <a:spLocks noGrp="1"/>
+          </p:cNvSpPr>
           <p:nvPr>
-            <p:ph idx="12" type="sldNum"/>
+            <p:ph type="sldNum" idx="12"/>
           </p:nvPr>
         </p:nvSpPr>
         <p:spPr>
@@ -9151,16 +9399,16 @@
           </a:ln>
         </p:spPr>
         <p:txBody>
-          <a:bodyPr anchorCtr="0" anchor="ctr" bIns="45700" lIns="91425" spcFirstLastPara="1" rIns="91425" wrap="square" tIns="45700">
+          <a:bodyPr spcFirstLastPara="1" wrap="square" lIns="91425" tIns="45700" rIns="91425" bIns="45700" anchor="ctr" anchorCtr="0">
             <a:noAutofit/>
           </a:bodyPr>
           <a:lstStyle>
-            <a:lvl1pPr indent="0" lvl="0" marL="0" algn="l">
-              <a:spcBef>
-                <a:spcPts val="0"/>
-              </a:spcBef>
-              <a:buNone/>
-              <a:defRPr b="0" i="0" sz="800" u="none" cap="none" strike="noStrike">
+            <a:lvl1pPr marL="0" lvl="0" indent="0" algn="l">
+              <a:spcBef>
+                <a:spcPts val="0"/>
+              </a:spcBef>
+              <a:buNone/>
+              <a:defRPr sz="800" b="0" i="0" u="none" strike="noStrike" cap="none">
                 <a:solidFill>
                   <a:schemeClr val="dk2"/>
                 </a:solidFill>
@@ -9170,12 +9418,12 @@
                 <a:sym typeface="Libre Franklin"/>
               </a:defRPr>
             </a:lvl1pPr>
-            <a:lvl2pPr indent="0" lvl="1" marL="0" algn="l">
-              <a:spcBef>
-                <a:spcPts val="0"/>
-              </a:spcBef>
-              <a:buNone/>
-              <a:defRPr b="0" i="0" sz="800" u="none" cap="none" strike="noStrike">
+            <a:lvl2pPr marL="0" lvl="1" indent="0" algn="l">
+              <a:spcBef>
+                <a:spcPts val="0"/>
+              </a:spcBef>
+              <a:buNone/>
+              <a:defRPr sz="800" b="0" i="0" u="none" strike="noStrike" cap="none">
                 <a:solidFill>
                   <a:schemeClr val="dk2"/>
                 </a:solidFill>
@@ -9185,12 +9433,12 @@
                 <a:sym typeface="Libre Franklin"/>
               </a:defRPr>
             </a:lvl2pPr>
-            <a:lvl3pPr indent="0" lvl="2" marL="0" algn="l">
-              <a:spcBef>
-                <a:spcPts val="0"/>
-              </a:spcBef>
-              <a:buNone/>
-              <a:defRPr b="0" i="0" sz="800" u="none" cap="none" strike="noStrike">
+            <a:lvl3pPr marL="0" lvl="2" indent="0" algn="l">
+              <a:spcBef>
+                <a:spcPts val="0"/>
+              </a:spcBef>
+              <a:buNone/>
+              <a:defRPr sz="800" b="0" i="0" u="none" strike="noStrike" cap="none">
                 <a:solidFill>
                   <a:schemeClr val="dk2"/>
                 </a:solidFill>
@@ -9200,12 +9448,12 @@
                 <a:sym typeface="Libre Franklin"/>
               </a:defRPr>
             </a:lvl3pPr>
-            <a:lvl4pPr indent="0" lvl="3" marL="0" algn="l">
-              <a:spcBef>
-                <a:spcPts val="0"/>
-              </a:spcBef>
-              <a:buNone/>
-              <a:defRPr b="0" i="0" sz="800" u="none" cap="none" strike="noStrike">
+            <a:lvl4pPr marL="0" lvl="3" indent="0" algn="l">
+              <a:spcBef>
+                <a:spcPts val="0"/>
+              </a:spcBef>
+              <a:buNone/>
+              <a:defRPr sz="800" b="0" i="0" u="none" strike="noStrike" cap="none">
                 <a:solidFill>
                   <a:schemeClr val="dk2"/>
                 </a:solidFill>
@@ -9215,12 +9463,12 @@
                 <a:sym typeface="Libre Franklin"/>
               </a:defRPr>
             </a:lvl4pPr>
-            <a:lvl5pPr indent="0" lvl="4" marL="0" algn="l">
-              <a:spcBef>
-                <a:spcPts val="0"/>
-              </a:spcBef>
-              <a:buNone/>
-              <a:defRPr b="0" i="0" sz="800" u="none" cap="none" strike="noStrike">
+            <a:lvl5pPr marL="0" lvl="4" indent="0" algn="l">
+              <a:spcBef>
+                <a:spcPts val="0"/>
+              </a:spcBef>
+              <a:buNone/>
+              <a:defRPr sz="800" b="0" i="0" u="none" strike="noStrike" cap="none">
                 <a:solidFill>
                   <a:schemeClr val="dk2"/>
                 </a:solidFill>
@@ -9230,12 +9478,12 @@
                 <a:sym typeface="Libre Franklin"/>
               </a:defRPr>
             </a:lvl5pPr>
-            <a:lvl6pPr indent="0" lvl="5" marL="0" algn="l">
-              <a:spcBef>
-                <a:spcPts val="0"/>
-              </a:spcBef>
-              <a:buNone/>
-              <a:defRPr b="0" i="0" sz="800" u="none" cap="none" strike="noStrike">
+            <a:lvl6pPr marL="0" lvl="5" indent="0" algn="l">
+              <a:spcBef>
+                <a:spcPts val="0"/>
+              </a:spcBef>
+              <a:buNone/>
+              <a:defRPr sz="800" b="0" i="0" u="none" strike="noStrike" cap="none">
                 <a:solidFill>
                   <a:schemeClr val="dk2"/>
                 </a:solidFill>
@@ -9245,12 +9493,12 @@
                 <a:sym typeface="Libre Franklin"/>
               </a:defRPr>
             </a:lvl6pPr>
-            <a:lvl7pPr indent="0" lvl="6" marL="0" algn="l">
-              <a:spcBef>
-                <a:spcPts val="0"/>
-              </a:spcBef>
-              <a:buNone/>
-              <a:defRPr b="0" i="0" sz="800" u="none" cap="none" strike="noStrike">
+            <a:lvl7pPr marL="0" lvl="6" indent="0" algn="l">
+              <a:spcBef>
+                <a:spcPts val="0"/>
+              </a:spcBef>
+              <a:buNone/>
+              <a:defRPr sz="800" b="0" i="0" u="none" strike="noStrike" cap="none">
                 <a:solidFill>
                   <a:schemeClr val="dk2"/>
                 </a:solidFill>
@@ -9260,12 +9508,12 @@
                 <a:sym typeface="Libre Franklin"/>
               </a:defRPr>
             </a:lvl7pPr>
-            <a:lvl8pPr indent="0" lvl="7" marL="0" algn="l">
-              <a:spcBef>
-                <a:spcPts val="0"/>
-              </a:spcBef>
-              <a:buNone/>
-              <a:defRPr b="0" i="0" sz="800" u="none" cap="none" strike="noStrike">
+            <a:lvl8pPr marL="0" lvl="7" indent="0" algn="l">
+              <a:spcBef>
+                <a:spcPts val="0"/>
+              </a:spcBef>
+              <a:buNone/>
+              <a:defRPr sz="800" b="0" i="0" u="none" strike="noStrike" cap="none">
                 <a:solidFill>
                   <a:schemeClr val="dk2"/>
                 </a:solidFill>
@@ -9275,12 +9523,12 @@
                 <a:sym typeface="Libre Franklin"/>
               </a:defRPr>
             </a:lvl8pPr>
-            <a:lvl9pPr indent="0" lvl="8" marL="0" algn="l">
-              <a:spcBef>
-                <a:spcPts val="0"/>
-              </a:spcBef>
-              <a:buNone/>
-              <a:defRPr b="0" i="0" sz="800" u="none" cap="none" strike="noStrike">
+            <a:lvl9pPr marL="0" lvl="8" indent="0" algn="l">
+              <a:spcBef>
+                <a:spcPts val="0"/>
+              </a:spcBef>
+              <a:buNone/>
+              <a:defRPr sz="800" b="0" i="0" u="none" strike="noStrike" cap="none">
                 <a:solidFill>
                   <a:schemeClr val="dk2"/>
                 </a:solidFill>
@@ -9292,7 +9540,7 @@
             </a:lvl9pPr>
           </a:lstStyle>
           <a:p>
-            <a:pPr indent="0" lvl="0" marL="0" rtl="0" algn="l">
+            <a:pPr marL="0" lvl="0" indent="0" algn="l" rtl="0">
               <a:spcBef>
                 <a:spcPts val="0"/>
               </a:spcBef>
@@ -9318,11 +9566,11 @@
 </file>
 
 <file path=ppt/slideLayouts/slideLayout9.xml><?xml version="1.0" encoding="utf-8"?>
-<p:sldLayout xmlns:a="http://schemas.openxmlformats.org/drawingml/2006/main" xmlns:r="http://schemas.openxmlformats.org/officeDocument/2006/relationships" xmlns:mc="http://schemas.openxmlformats.org/markup-compatibility/2006" xmlns:mv="urn:schemas-microsoft-com:mac:vml" xmlns:p="http://schemas.openxmlformats.org/presentationml/2006/main" xmlns:c="http://schemas.openxmlformats.org/drawingml/2006/chart" xmlns:dgm="http://schemas.openxmlformats.org/drawingml/2006/diagram" xmlns:o="urn:schemas-microsoft-com:office:office" xmlns:v="urn:schemas-microsoft-com:vml" xmlns:pvml="urn:schemas-microsoft-com:office:powerpoint" xmlns:com="http://schemas.openxmlformats.org/drawingml/2006/compatibility" xmlns:p14="http://schemas.microsoft.com/office/powerpoint/2010/main" xmlns:p15="http://schemas.microsoft.com/office/powerpoint/2012/main" xmlns:ahyp="http://schemas.microsoft.com/office/drawing/2018/hyperlinkcolor" matchingName="Picture with Caption" showMasterSp="0" type="picTx">
+<p:sldLayout xmlns:a="http://schemas.openxmlformats.org/drawingml/2006/main" xmlns:r="http://schemas.openxmlformats.org/officeDocument/2006/relationships" xmlns:p="http://schemas.openxmlformats.org/presentationml/2006/main" showMasterSp="0" matchingName="Picture with Caption" type="picTx">
   <p:cSld name="PICTURE_WITH_CAPTION_TEXT">
     <p:spTree>
       <p:nvGrpSpPr>
-        <p:cNvPr id="69" name="Shape 69"/>
+        <p:cNvPr id="1" name="Shape 69"/>
         <p:cNvGrpSpPr/>
         <p:nvPr/>
       </p:nvGrpSpPr>
@@ -9356,12 +9604,12 @@
           </a:ln>
         </p:spPr>
         <p:txBody>
-          <a:bodyPr anchorCtr="0" anchor="ctr" bIns="91425" lIns="91425" spcFirstLastPara="1" rIns="91425" wrap="square" tIns="91425">
+          <a:bodyPr spcFirstLastPara="1" wrap="square" lIns="91425" tIns="91425" rIns="91425" bIns="91425" anchor="ctr" anchorCtr="0">
             <a:noAutofit/>
           </a:bodyPr>
           <a:lstStyle/>
           <a:p>
-            <a:pPr indent="0" lvl="0" marL="0" rtl="0" algn="l">
+            <a:pPr marL="0" lvl="0" indent="0" algn="l" rtl="0">
               <a:spcBef>
                 <a:spcPts val="0"/>
               </a:spcBef>
@@ -9370,9 +9618,6 @@
               </a:spcAft>
               <a:buNone/>
             </a:pPr>
-            <a:r>
-              <a:t/>
-            </a:r>
             <a:endParaRPr/>
           </a:p>
         </p:txBody>
@@ -9380,9 +9625,11 @@
       <p:sp>
         <p:nvSpPr>
           <p:cNvPr id="71" name="Google Shape;71;p15"/>
-          <p:cNvSpPr/>
+          <p:cNvSpPr>
+            <a:spLocks noGrp="1"/>
+          </p:cNvSpPr>
           <p:nvPr>
-            <p:ph idx="2" type="pic"/>
+            <p:ph type="pic" idx="2"/>
           </p:nvPr>
         </p:nvSpPr>
         <p:spPr>
@@ -9401,11 +9648,11 @@
           </a:ln>
         </p:spPr>
         <p:txBody>
-          <a:bodyPr anchorCtr="0" anchor="t" bIns="45700" lIns="457200" spcFirstLastPara="1" rIns="0" wrap="square" tIns="457200">
+          <a:bodyPr spcFirstLastPara="1" wrap="square" lIns="457200" tIns="457200" rIns="0" bIns="45700" anchor="t" anchorCtr="0">
             <a:normAutofit/>
           </a:bodyPr>
           <a:lstStyle>
-            <a:lvl1pPr lvl="0" marR="0" rtl="0" algn="l">
+            <a:lvl1pPr marR="0" lvl="0" algn="l" rtl="0">
               <a:lnSpc>
                 <a:spcPct val="110000"/>
               </a:lnSpc>
@@ -9421,7 +9668,7 @@
               <a:buSzPts val="3200"/>
               <a:buFont typeface="Calibri"/>
               <a:buNone/>
-              <a:defRPr b="0" i="0" sz="3200" u="none" cap="none" strike="noStrike">
+              <a:defRPr sz="3200" b="0" i="0" u="none" strike="noStrike" cap="none">
                 <a:solidFill>
                   <a:srgbClr val="3F3F3F"/>
                 </a:solidFill>
@@ -9431,7 +9678,7 @@
                 <a:sym typeface="Libre Franklin"/>
               </a:defRPr>
             </a:lvl1pPr>
-            <a:lvl2pPr lvl="1" marR="0" rtl="0" algn="l">
+            <a:lvl2pPr marR="0" lvl="1" algn="l" rtl="0">
               <a:lnSpc>
                 <a:spcPct val="100000"/>
               </a:lnSpc>
@@ -9447,7 +9694,7 @@
               <a:buSzPts val="2800"/>
               <a:buFont typeface="Calibri"/>
               <a:buNone/>
-              <a:defRPr b="0" i="0" sz="2800" u="none" cap="none" strike="noStrike">
+              <a:defRPr sz="2800" b="0" i="0" u="none" strike="noStrike" cap="none">
                 <a:solidFill>
                   <a:srgbClr val="3F3F3F"/>
                 </a:solidFill>
@@ -9457,7 +9704,7 @@
                 <a:sym typeface="Libre Franklin"/>
               </a:defRPr>
             </a:lvl2pPr>
-            <a:lvl3pPr lvl="2" marR="0" rtl="0" algn="l">
+            <a:lvl3pPr marR="0" lvl="2" algn="l" rtl="0">
               <a:lnSpc>
                 <a:spcPct val="100000"/>
               </a:lnSpc>
@@ -9473,7 +9720,7 @@
               <a:buSzPts val="2400"/>
               <a:buFont typeface="Calibri"/>
               <a:buNone/>
-              <a:defRPr b="0" i="0" sz="2400" u="none" cap="none" strike="noStrike">
+              <a:defRPr sz="2400" b="0" i="0" u="none" strike="noStrike" cap="none">
                 <a:solidFill>
                   <a:srgbClr val="3F3F3F"/>
                 </a:solidFill>
@@ -9483,7 +9730,7 @@
                 <a:sym typeface="Libre Franklin"/>
               </a:defRPr>
             </a:lvl3pPr>
-            <a:lvl4pPr lvl="3" marR="0" rtl="0" algn="l">
+            <a:lvl4pPr marR="0" lvl="3" algn="l" rtl="0">
               <a:lnSpc>
                 <a:spcPct val="100000"/>
               </a:lnSpc>
@@ -9499,7 +9746,7 @@
               <a:buSzPts val="2000"/>
               <a:buFont typeface="Calibri"/>
               <a:buNone/>
-              <a:defRPr b="0" i="0" sz="2000" u="none" cap="none" strike="noStrike">
+              <a:defRPr sz="2000" b="0" i="0" u="none" strike="noStrike" cap="none">
                 <a:solidFill>
                   <a:srgbClr val="3F3F3F"/>
                 </a:solidFill>
@@ -9509,7 +9756,7 @@
                 <a:sym typeface="Libre Franklin"/>
               </a:defRPr>
             </a:lvl4pPr>
-            <a:lvl5pPr lvl="4" marR="0" rtl="0" algn="l">
+            <a:lvl5pPr marR="0" lvl="4" algn="l" rtl="0">
               <a:lnSpc>
                 <a:spcPct val="100000"/>
               </a:lnSpc>
@@ -9525,7 +9772,7 @@
               <a:buSzPts val="2000"/>
               <a:buFont typeface="Calibri"/>
               <a:buNone/>
-              <a:defRPr b="0" i="0" sz="2000" u="none" cap="none" strike="noStrike">
+              <a:defRPr sz="2000" b="0" i="0" u="none" strike="noStrike" cap="none">
                 <a:solidFill>
                   <a:srgbClr val="3F3F3F"/>
                 </a:solidFill>
@@ -9535,7 +9782,7 @@
                 <a:sym typeface="Libre Franklin"/>
               </a:defRPr>
             </a:lvl5pPr>
-            <a:lvl6pPr lvl="5" marR="0" rtl="0" algn="l">
+            <a:lvl6pPr marR="0" lvl="5" algn="l" rtl="0">
               <a:lnSpc>
                 <a:spcPct val="90000"/>
               </a:lnSpc>
@@ -9551,7 +9798,7 @@
               <a:buSzPts val="2000"/>
               <a:buFont typeface="Calibri"/>
               <a:buNone/>
-              <a:defRPr b="0" i="0" sz="2000" u="none" cap="none" strike="noStrike">
+              <a:defRPr sz="2000" b="0" i="0" u="none" strike="noStrike" cap="none">
                 <a:solidFill>
                   <a:srgbClr val="3F3F3F"/>
                 </a:solidFill>
@@ -9561,7 +9808,7 @@
                 <a:sym typeface="Libre Franklin"/>
               </a:defRPr>
             </a:lvl6pPr>
-            <a:lvl7pPr lvl="6" marR="0" rtl="0" algn="l">
+            <a:lvl7pPr marR="0" lvl="6" algn="l" rtl="0">
               <a:lnSpc>
                 <a:spcPct val="90000"/>
               </a:lnSpc>
@@ -9577,7 +9824,7 @@
               <a:buSzPts val="2000"/>
               <a:buFont typeface="Calibri"/>
               <a:buNone/>
-              <a:defRPr b="0" i="0" sz="2000" u="none" cap="none" strike="noStrike">
+              <a:defRPr sz="2000" b="0" i="0" u="none" strike="noStrike" cap="none">
                 <a:solidFill>
                   <a:srgbClr val="3F3F3F"/>
                 </a:solidFill>
@@ -9587,7 +9834,7 @@
                 <a:sym typeface="Libre Franklin"/>
               </a:defRPr>
             </a:lvl7pPr>
-            <a:lvl8pPr lvl="7" marR="0" rtl="0" algn="l">
+            <a:lvl8pPr marR="0" lvl="7" algn="l" rtl="0">
               <a:lnSpc>
                 <a:spcPct val="90000"/>
               </a:lnSpc>
@@ -9603,7 +9850,7 @@
               <a:buSzPts val="2000"/>
               <a:buFont typeface="Calibri"/>
               <a:buNone/>
-              <a:defRPr b="0" i="0" sz="2000" u="none" cap="none" strike="noStrike">
+              <a:defRPr sz="2000" b="0" i="0" u="none" strike="noStrike" cap="none">
                 <a:solidFill>
                   <a:srgbClr val="3F3F3F"/>
                 </a:solidFill>
@@ -9613,7 +9860,7 @@
                 <a:sym typeface="Libre Franklin"/>
               </a:defRPr>
             </a:lvl8pPr>
-            <a:lvl9pPr lvl="8" marR="0" rtl="0" algn="l">
+            <a:lvl9pPr marR="0" lvl="8" algn="l" rtl="0">
               <a:lnSpc>
                 <a:spcPct val="90000"/>
               </a:lnSpc>
@@ -9629,7 +9876,7 @@
               <a:buSzPts val="2000"/>
               <a:buFont typeface="Calibri"/>
               <a:buNone/>
-              <a:defRPr b="0" i="0" sz="2000" u="none" cap="none" strike="noStrike">
+              <a:defRPr sz="2000" b="0" i="0" u="none" strike="noStrike" cap="none">
                 <a:solidFill>
                   <a:srgbClr val="3F3F3F"/>
                 </a:solidFill>
@@ -9640,13 +9887,17 @@
               </a:defRPr>
             </a:lvl9pPr>
           </a:lstStyle>
-          <a:p/>
+          <a:p>
+            <a:endParaRPr/>
+          </a:p>
         </p:txBody>
       </p:sp>
       <p:sp>
         <p:nvSpPr>
           <p:cNvPr id="72" name="Google Shape;72;p15"/>
-          <p:cNvSpPr txBox="1"/>
+          <p:cNvSpPr txBox="1">
+            <a:spLocks noGrp="1"/>
+          </p:cNvSpPr>
           <p:nvPr>
             <p:ph type="title"/>
           </p:nvPr>
@@ -9665,7 +9916,7 @@
           </a:ln>
         </p:spPr>
         <p:txBody>
-          <a:bodyPr anchorCtr="0" anchor="b" bIns="0" lIns="91425" spcFirstLastPara="1" rIns="91425" wrap="square" tIns="0">
+          <a:bodyPr spcFirstLastPara="1" wrap="square" lIns="91425" tIns="0" rIns="91425" bIns="0" anchor="b" anchorCtr="0">
             <a:noAutofit/>
           </a:bodyPr>
           <a:lstStyle>
@@ -9685,7 +9936,7 @@
               <a:buSzPts val="3600"/>
               <a:buFont typeface="Bookman Old Style"/>
               <a:buNone/>
-              <a:defRPr b="0" sz="3600">
+              <a:defRPr sz="3600" b="0">
                 <a:solidFill>
                   <a:srgbClr val="FFFFFF"/>
                 </a:solidFill>
@@ -9780,15 +10031,19 @@
               <a:defRPr/>
             </a:lvl9pPr>
           </a:lstStyle>
-          <a:p/>
+          <a:p>
+            <a:endParaRPr/>
+          </a:p>
         </p:txBody>
       </p:sp>
       <p:sp>
         <p:nvSpPr>
           <p:cNvPr id="73" name="Google Shape;73;p15"/>
-          <p:cNvSpPr txBox="1"/>
+          <p:cNvSpPr txBox="1">
+            <a:spLocks noGrp="1"/>
+          </p:cNvSpPr>
           <p:nvPr>
-            <p:ph idx="1" type="body"/>
+            <p:ph type="body" idx="1"/>
           </p:nvPr>
         </p:nvSpPr>
         <p:spPr>
@@ -9805,11 +10060,11 @@
           </a:ln>
         </p:spPr>
         <p:txBody>
-          <a:bodyPr anchorCtr="0" anchor="t" bIns="0" lIns="91425" spcFirstLastPara="1" rIns="91425" wrap="square" tIns="0">
+          <a:bodyPr spcFirstLastPara="1" wrap="square" lIns="91425" tIns="0" rIns="91425" bIns="0" anchor="t" anchorCtr="0">
             <a:normAutofit/>
           </a:bodyPr>
           <a:lstStyle>
-            <a:lvl1pPr indent="-228600" lvl="0" marL="457200" algn="l">
+            <a:lvl1pPr marL="457200" lvl="0" indent="-228600" algn="l">
               <a:lnSpc>
                 <a:spcPct val="110000"/>
               </a:lnSpc>
@@ -9827,7 +10082,7 @@
                 </a:solidFill>
               </a:defRPr>
             </a:lvl1pPr>
-            <a:lvl2pPr indent="-228600" lvl="1" marL="914400" algn="l">
+            <a:lvl2pPr marL="914400" lvl="1" indent="-228600" algn="l">
               <a:lnSpc>
                 <a:spcPct val="100000"/>
               </a:lnSpc>
@@ -9844,7 +10099,7 @@
               <a:buNone/>
               <a:defRPr sz="1200"/>
             </a:lvl2pPr>
-            <a:lvl3pPr indent="-228600" lvl="2" marL="1371600" algn="l">
+            <a:lvl3pPr marL="1371600" lvl="2" indent="-228600" algn="l">
               <a:lnSpc>
                 <a:spcPct val="100000"/>
               </a:lnSpc>
@@ -9861,7 +10116,7 @@
               <a:buNone/>
               <a:defRPr sz="1000"/>
             </a:lvl3pPr>
-            <a:lvl4pPr indent="-228600" lvl="3" marL="1828800" algn="l">
+            <a:lvl4pPr marL="1828800" lvl="3" indent="-228600" algn="l">
               <a:lnSpc>
                 <a:spcPct val="100000"/>
               </a:lnSpc>
@@ -9878,7 +10133,7 @@
               <a:buNone/>
               <a:defRPr sz="900"/>
             </a:lvl4pPr>
-            <a:lvl5pPr indent="-228600" lvl="4" marL="2286000" algn="l">
+            <a:lvl5pPr marL="2286000" lvl="4" indent="-228600" algn="l">
               <a:lnSpc>
                 <a:spcPct val="100000"/>
               </a:lnSpc>
@@ -9895,7 +10150,7 @@
               <a:buNone/>
               <a:defRPr sz="900"/>
             </a:lvl5pPr>
-            <a:lvl6pPr indent="-228600" lvl="5" marL="2743200" algn="l">
+            <a:lvl6pPr marL="2743200" lvl="5" indent="-228600" algn="l">
               <a:lnSpc>
                 <a:spcPct val="90000"/>
               </a:lnSpc>
@@ -9909,7 +10164,7 @@
               <a:buNone/>
               <a:defRPr sz="900"/>
             </a:lvl6pPr>
-            <a:lvl7pPr indent="-228600" lvl="6" marL="3200400" algn="l">
+            <a:lvl7pPr marL="3200400" lvl="6" indent="-228600" algn="l">
               <a:lnSpc>
                 <a:spcPct val="90000"/>
               </a:lnSpc>
@@ -9923,7 +10178,7 @@
               <a:buNone/>
               <a:defRPr sz="900"/>
             </a:lvl7pPr>
-            <a:lvl8pPr indent="-228600" lvl="7" marL="3657600" algn="l">
+            <a:lvl8pPr marL="3657600" lvl="7" indent="-228600" algn="l">
               <a:lnSpc>
                 <a:spcPct val="90000"/>
               </a:lnSpc>
@@ -9937,7 +10192,7 @@
               <a:buNone/>
               <a:defRPr sz="900"/>
             </a:lvl8pPr>
-            <a:lvl9pPr indent="-228600" lvl="8" marL="4114800" algn="l">
+            <a:lvl9pPr marL="4114800" lvl="8" indent="-228600" algn="l">
               <a:lnSpc>
                 <a:spcPct val="90000"/>
               </a:lnSpc>
@@ -9952,15 +10207,19 @@
               <a:defRPr sz="900"/>
             </a:lvl9pPr>
           </a:lstStyle>
-          <a:p/>
+          <a:p>
+            <a:endParaRPr/>
+          </a:p>
         </p:txBody>
       </p:sp>
       <p:sp>
         <p:nvSpPr>
           <p:cNvPr id="74" name="Google Shape;74;p15"/>
-          <p:cNvSpPr txBox="1"/>
+          <p:cNvSpPr txBox="1">
+            <a:spLocks noGrp="1"/>
+          </p:cNvSpPr>
           <p:nvPr>
-            <p:ph idx="10" type="dt"/>
+            <p:ph type="dt" idx="10"/>
           </p:nvPr>
         </p:nvSpPr>
         <p:spPr>
@@ -9977,7 +10236,7 @@
           </a:ln>
         </p:spPr>
         <p:txBody>
-          <a:bodyPr anchorCtr="0" anchor="ctr" bIns="45700" lIns="91425" spcFirstLastPara="1" rIns="91425" wrap="square" tIns="45700">
+          <a:bodyPr spcFirstLastPara="1" wrap="square" lIns="91425" tIns="45700" rIns="91425" bIns="45700" anchor="ctr" anchorCtr="0">
             <a:noAutofit/>
           </a:bodyPr>
           <a:lstStyle>
@@ -10081,15 +10340,19 @@
               <a:defRPr/>
             </a:lvl9pPr>
           </a:lstStyle>
-          <a:p/>
+          <a:p>
+            <a:endParaRPr/>
+          </a:p>
         </p:txBody>
       </p:sp>
       <p:sp>
         <p:nvSpPr>
           <p:cNvPr id="75" name="Google Shape;75;p15"/>
-          <p:cNvSpPr txBox="1"/>
+          <p:cNvSpPr txBox="1">
+            <a:spLocks noGrp="1"/>
+          </p:cNvSpPr>
           <p:nvPr>
-            <p:ph idx="11" type="ftr"/>
+            <p:ph type="ftr" idx="11"/>
           </p:nvPr>
         </p:nvSpPr>
         <p:spPr>
@@ -10106,7 +10369,7 @@
           </a:ln>
         </p:spPr>
         <p:txBody>
-          <a:bodyPr anchorCtr="0" anchor="ctr" bIns="45700" lIns="91425" spcFirstLastPara="1" rIns="91425" wrap="square" tIns="45700">
+          <a:bodyPr spcFirstLastPara="1" wrap="square" lIns="91425" tIns="45700" rIns="91425" bIns="45700" anchor="ctr" anchorCtr="0">
             <a:noAutofit/>
           </a:bodyPr>
           <a:lstStyle>
@@ -10210,15 +10473,19 @@
               <a:defRPr/>
             </a:lvl9pPr>
           </a:lstStyle>
-          <a:p/>
+          <a:p>
+            <a:endParaRPr/>
+          </a:p>
         </p:txBody>
       </p:sp>
       <p:sp>
         <p:nvSpPr>
           <p:cNvPr id="76" name="Google Shape;76;p15"/>
-          <p:cNvSpPr txBox="1"/>
+          <p:cNvSpPr txBox="1">
+            <a:spLocks noGrp="1"/>
+          </p:cNvSpPr>
           <p:nvPr>
-            <p:ph idx="12" type="sldNum"/>
+            <p:ph type="sldNum" idx="12"/>
           </p:nvPr>
         </p:nvSpPr>
         <p:spPr>
@@ -10235,67 +10502,67 @@
           </a:ln>
         </p:spPr>
         <p:txBody>
-          <a:bodyPr anchorCtr="0" anchor="ctr" bIns="45700" lIns="91425" spcFirstLastPara="1" rIns="91425" wrap="square" tIns="45700">
+          <a:bodyPr spcFirstLastPara="1" wrap="square" lIns="91425" tIns="45700" rIns="91425" bIns="45700" anchor="ctr" anchorCtr="0">
             <a:noAutofit/>
           </a:bodyPr>
           <a:lstStyle>
-            <a:lvl1pPr indent="0" lvl="0" marL="0" algn="l">
+            <a:lvl1pPr marL="0" lvl="0" indent="0" algn="l">
               <a:spcBef>
                 <a:spcPts val="0"/>
               </a:spcBef>
               <a:buNone/>
               <a:defRPr/>
             </a:lvl1pPr>
-            <a:lvl2pPr indent="0" lvl="1" marL="0" algn="l">
+            <a:lvl2pPr marL="0" lvl="1" indent="0" algn="l">
               <a:spcBef>
                 <a:spcPts val="0"/>
               </a:spcBef>
               <a:buNone/>
               <a:defRPr/>
             </a:lvl2pPr>
-            <a:lvl3pPr indent="0" lvl="2" marL="0" algn="l">
+            <a:lvl3pPr marL="0" lvl="2" indent="0" algn="l">
               <a:spcBef>
                 <a:spcPts val="0"/>
               </a:spcBef>
               <a:buNone/>
               <a:defRPr/>
             </a:lvl3pPr>
-            <a:lvl4pPr indent="0" lvl="3" marL="0" algn="l">
+            <a:lvl4pPr marL="0" lvl="3" indent="0" algn="l">
               <a:spcBef>
                 <a:spcPts val="0"/>
               </a:spcBef>
               <a:buNone/>
               <a:defRPr/>
             </a:lvl4pPr>
-            <a:lvl5pPr indent="0" lvl="4" marL="0" algn="l">
+            <a:lvl5pPr marL="0" lvl="4" indent="0" algn="l">
               <a:spcBef>
                 <a:spcPts val="0"/>
               </a:spcBef>
               <a:buNone/>
               <a:defRPr/>
             </a:lvl5pPr>
-            <a:lvl6pPr indent="0" lvl="5" marL="0" algn="l">
+            <a:lvl6pPr marL="0" lvl="5" indent="0" algn="l">
               <a:spcBef>
                 <a:spcPts val="0"/>
               </a:spcBef>
               <a:buNone/>
               <a:defRPr/>
             </a:lvl6pPr>
-            <a:lvl7pPr indent="0" lvl="6" marL="0" algn="l">
+            <a:lvl7pPr marL="0" lvl="6" indent="0" algn="l">
               <a:spcBef>
                 <a:spcPts val="0"/>
               </a:spcBef>
               <a:buNone/>
               <a:defRPr/>
             </a:lvl7pPr>
-            <a:lvl8pPr indent="0" lvl="7" marL="0" algn="l">
+            <a:lvl8pPr marL="0" lvl="7" indent="0" algn="l">
               <a:spcBef>
                 <a:spcPts val="0"/>
               </a:spcBef>
               <a:buNone/>
               <a:defRPr/>
             </a:lvl8pPr>
-            <a:lvl9pPr indent="0" lvl="8" marL="0" algn="l">
+            <a:lvl9pPr marL="0" lvl="8" indent="0" algn="l">
               <a:spcBef>
                 <a:spcPts val="0"/>
               </a:spcBef>
@@ -10304,7 +10571,7 @@
             </a:lvl9pPr>
           </a:lstStyle>
           <a:p>
-            <a:pPr indent="0" lvl="0" marL="0" rtl="0" algn="l">
+            <a:pPr marL="0" lvl="0" indent="0" algn="l" rtl="0">
               <a:spcBef>
                 <a:spcPts val="0"/>
               </a:spcBef>
@@ -10330,18 +10597,19 @@
 </file>
 
 <file path=ppt/slideMasters/slideMaster1.xml><?xml version="1.0" encoding="utf-8"?>
-<p:sldMaster xmlns:a="http://schemas.openxmlformats.org/drawingml/2006/main" xmlns:r="http://schemas.openxmlformats.org/officeDocument/2006/relationships" xmlns:mc="http://schemas.openxmlformats.org/markup-compatibility/2006" xmlns:mv="urn:schemas-microsoft-com:mac:vml" xmlns:p="http://schemas.openxmlformats.org/presentationml/2006/main" xmlns:c="http://schemas.openxmlformats.org/drawingml/2006/chart" xmlns:dgm="http://schemas.openxmlformats.org/drawingml/2006/diagram" xmlns:o="urn:schemas-microsoft-com:office:office" xmlns:v="urn:schemas-microsoft-com:vml" xmlns:pvml="urn:schemas-microsoft-com:office:powerpoint" xmlns:com="http://schemas.openxmlformats.org/drawingml/2006/compatibility" xmlns:p14="http://schemas.microsoft.com/office/powerpoint/2010/main" xmlns:p15="http://schemas.microsoft.com/office/powerpoint/2012/main" xmlns:ahyp="http://schemas.microsoft.com/office/drawing/2018/hyperlinkcolor">
+<p:sldMaster xmlns:a="http://schemas.openxmlformats.org/drawingml/2006/main" xmlns:r="http://schemas.openxmlformats.org/officeDocument/2006/relationships" xmlns:p="http://schemas.openxmlformats.org/presentationml/2006/main">
   <p:cSld>
     <p:bg>
       <p:bgPr>
         <a:solidFill>
           <a:schemeClr val="lt1"/>
         </a:solidFill>
+        <a:effectLst/>
       </p:bgPr>
     </p:bg>
     <p:spTree>
       <p:nvGrpSpPr>
-        <p:cNvPr id="5" name="Shape 5"/>
+        <p:cNvPr id="1" name="Shape 5"/>
         <p:cNvGrpSpPr/>
         <p:nvPr/>
       </p:nvGrpSpPr>
@@ -10375,12 +10643,12 @@
           </a:ln>
         </p:spPr>
         <p:txBody>
-          <a:bodyPr anchorCtr="0" anchor="ctr" bIns="91425" lIns="91425" spcFirstLastPara="1" rIns="91425" wrap="square" tIns="91425">
+          <a:bodyPr spcFirstLastPara="1" wrap="square" lIns="91425" tIns="91425" rIns="91425" bIns="91425" anchor="ctr" anchorCtr="0">
             <a:noAutofit/>
           </a:bodyPr>
           <a:lstStyle/>
           <a:p>
-            <a:pPr indent="0" lvl="0" marL="0" rtl="0" algn="l">
+            <a:pPr marL="0" lvl="0" indent="0" algn="l" rtl="0">
               <a:spcBef>
                 <a:spcPts val="0"/>
               </a:spcBef>
@@ -10389,9 +10657,6 @@
               </a:spcAft>
               <a:buNone/>
             </a:pPr>
-            <a:r>
-              <a:t/>
-            </a:r>
             <a:endParaRPr/>
           </a:p>
         </p:txBody>
@@ -10399,7 +10664,9 @@
       <p:sp>
         <p:nvSpPr>
           <p:cNvPr id="7" name="Google Shape;7;p6"/>
-          <p:cNvSpPr txBox="1"/>
+          <p:cNvSpPr txBox="1">
+            <a:spLocks noGrp="1"/>
+          </p:cNvSpPr>
           <p:nvPr>
             <p:ph type="title"/>
           </p:nvPr>
@@ -10418,11 +10685,11 @@
           </a:ln>
         </p:spPr>
         <p:txBody>
-          <a:bodyPr anchorCtr="0" anchor="b" bIns="45700" lIns="91425" spcFirstLastPara="1" rIns="91425" wrap="square" tIns="45700">
+          <a:bodyPr spcFirstLastPara="1" wrap="square" lIns="91425" tIns="45700" rIns="91425" bIns="45700" anchor="b" anchorCtr="0">
             <a:normAutofit/>
           </a:bodyPr>
           <a:lstStyle>
-            <a:lvl1pPr lvl="0" marR="0" rtl="0" algn="l">
+            <a:lvl1pPr marR="0" lvl="0" algn="l" rtl="0">
               <a:lnSpc>
                 <a:spcPct val="90000"/>
               </a:lnSpc>
@@ -10438,7 +10705,7 @@
               <a:buSzPts val="4700"/>
               <a:buFont typeface="Bookman Old Style"/>
               <a:buNone/>
-              <a:defRPr b="0" i="0" sz="4700" u="none" cap="none" strike="noStrike">
+              <a:defRPr sz="4700" b="0" i="0" u="none" strike="noStrike" cap="none">
                 <a:solidFill>
                   <a:srgbClr val="3F3F3F"/>
                 </a:solidFill>
@@ -10537,15 +10804,19 @@
               <a:defRPr sz="1800"/>
             </a:lvl9pPr>
           </a:lstStyle>
-          <a:p/>
+          <a:p>
+            <a:endParaRPr/>
+          </a:p>
         </p:txBody>
       </p:sp>
       <p:sp>
         <p:nvSpPr>
           <p:cNvPr id="8" name="Google Shape;8;p6"/>
-          <p:cNvSpPr txBox="1"/>
+          <p:cNvSpPr txBox="1">
+            <a:spLocks noGrp="1"/>
+          </p:cNvSpPr>
           <p:nvPr>
-            <p:ph idx="1" type="body"/>
+            <p:ph type="body" idx="1"/>
           </p:nvPr>
         </p:nvSpPr>
         <p:spPr>
@@ -10562,11 +10833,11 @@
           </a:ln>
         </p:spPr>
         <p:txBody>
-          <a:bodyPr anchorCtr="0" anchor="t" bIns="45700" lIns="0" spcFirstLastPara="1" rIns="0" wrap="square" tIns="45700">
+          <a:bodyPr spcFirstLastPara="1" wrap="square" lIns="0" tIns="45700" rIns="0" bIns="45700" anchor="t" anchorCtr="0">
             <a:normAutofit/>
           </a:bodyPr>
           <a:lstStyle>
-            <a:lvl1pPr indent="-349250" lvl="0" marL="457200" marR="0" rtl="0" algn="l">
+            <a:lvl1pPr marL="457200" marR="0" lvl="0" indent="-349250" algn="l" rtl="0">
               <a:lnSpc>
                 <a:spcPct val="110000"/>
               </a:lnSpc>
@@ -10582,7 +10853,7 @@
               <a:buSzPts val="1900"/>
               <a:buFont typeface="Calibri"/>
               <a:buChar char=" "/>
-              <a:defRPr b="0" i="0" sz="1900" u="none" cap="none" strike="noStrike">
+              <a:defRPr sz="1900" b="0" i="0" u="none" strike="noStrike" cap="none">
                 <a:solidFill>
                   <a:srgbClr val="3F3F3F"/>
                 </a:solidFill>
@@ -10592,7 +10863,7 @@
                 <a:sym typeface="Libre Franklin"/>
               </a:defRPr>
             </a:lvl1pPr>
-            <a:lvl2pPr indent="-336550" lvl="1" marL="914400" marR="0" rtl="0" algn="l">
+            <a:lvl2pPr marL="914400" marR="0" lvl="1" indent="-336550" algn="l" rtl="0">
               <a:lnSpc>
                 <a:spcPct val="100000"/>
               </a:lnSpc>
@@ -10608,7 +10879,7 @@
               <a:buSzPts val="1700"/>
               <a:buFont typeface="Calibri"/>
               <a:buChar char="◦"/>
-              <a:defRPr b="0" i="0" sz="1700" u="none" cap="none" strike="noStrike">
+              <a:defRPr sz="1700" b="0" i="0" u="none" strike="noStrike" cap="none">
                 <a:solidFill>
                   <a:srgbClr val="3F3F3F"/>
                 </a:solidFill>
@@ -10618,7 +10889,7 @@
                 <a:sym typeface="Libre Franklin"/>
               </a:defRPr>
             </a:lvl2pPr>
-            <a:lvl3pPr indent="-311150" lvl="2" marL="1371600" marR="0" rtl="0" algn="l">
+            <a:lvl3pPr marL="1371600" marR="0" lvl="2" indent="-311150" algn="l" rtl="0">
               <a:lnSpc>
                 <a:spcPct val="100000"/>
               </a:lnSpc>
@@ -10634,7 +10905,7 @@
               <a:buSzPts val="1300"/>
               <a:buFont typeface="Calibri"/>
               <a:buChar char="◦"/>
-              <a:defRPr b="0" i="0" sz="1300" u="none" cap="none" strike="noStrike">
+              <a:defRPr sz="1300" b="0" i="0" u="none" strike="noStrike" cap="none">
                 <a:solidFill>
                   <a:srgbClr val="3F3F3F"/>
                 </a:solidFill>
@@ -10644,7 +10915,7 @@
                 <a:sym typeface="Libre Franklin"/>
               </a:defRPr>
             </a:lvl3pPr>
-            <a:lvl4pPr indent="-311150" lvl="3" marL="1828800" marR="0" rtl="0" algn="l">
+            <a:lvl4pPr marL="1828800" marR="0" lvl="3" indent="-311150" algn="l" rtl="0">
               <a:lnSpc>
                 <a:spcPct val="100000"/>
               </a:lnSpc>
@@ -10660,7 +10931,7 @@
               <a:buSzPts val="1300"/>
               <a:buFont typeface="Calibri"/>
               <a:buChar char="◦"/>
-              <a:defRPr b="0" i="0" sz="1300" u="none" cap="none" strike="noStrike">
+              <a:defRPr sz="1300" b="0" i="0" u="none" strike="noStrike" cap="none">
                 <a:solidFill>
                   <a:srgbClr val="3F3F3F"/>
                 </a:solidFill>
@@ -10670,7 +10941,7 @@
                 <a:sym typeface="Libre Franklin"/>
               </a:defRPr>
             </a:lvl4pPr>
-            <a:lvl5pPr indent="-311150" lvl="4" marL="2286000" marR="0" rtl="0" algn="l">
+            <a:lvl5pPr marL="2286000" marR="0" lvl="4" indent="-311150" algn="l" rtl="0">
               <a:lnSpc>
                 <a:spcPct val="100000"/>
               </a:lnSpc>
@@ -10686,7 +10957,7 @@
               <a:buSzPts val="1300"/>
               <a:buFont typeface="Calibri"/>
               <a:buChar char="◦"/>
-              <a:defRPr b="0" i="0" sz="1300" u="none" cap="none" strike="noStrike">
+              <a:defRPr sz="1300" b="0" i="0" u="none" strike="noStrike" cap="none">
                 <a:solidFill>
                   <a:srgbClr val="3F3F3F"/>
                 </a:solidFill>
@@ -10696,7 +10967,7 @@
                 <a:sym typeface="Libre Franklin"/>
               </a:defRPr>
             </a:lvl5pPr>
-            <a:lvl6pPr indent="-317500" lvl="5" marL="2743200" marR="0" rtl="0" algn="l">
+            <a:lvl6pPr marL="2743200" marR="0" lvl="5" indent="-317500" algn="l" rtl="0">
               <a:lnSpc>
                 <a:spcPct val="90000"/>
               </a:lnSpc>
@@ -10712,7 +10983,7 @@
               <a:buSzPts val="1400"/>
               <a:buFont typeface="Calibri"/>
               <a:buChar char="◦"/>
-              <a:defRPr b="0" i="0" sz="1400" u="none" cap="none" strike="noStrike">
+              <a:defRPr sz="1400" b="0" i="0" u="none" strike="noStrike" cap="none">
                 <a:solidFill>
                   <a:srgbClr val="3F3F3F"/>
                 </a:solidFill>
@@ -10722,7 +10993,7 @@
                 <a:sym typeface="Libre Franklin"/>
               </a:defRPr>
             </a:lvl6pPr>
-            <a:lvl7pPr indent="-317500" lvl="6" marL="3200400" marR="0" rtl="0" algn="l">
+            <a:lvl7pPr marL="3200400" marR="0" lvl="6" indent="-317500" algn="l" rtl="0">
               <a:lnSpc>
                 <a:spcPct val="90000"/>
               </a:lnSpc>
@@ -10738,7 +11009,7 @@
               <a:buSzPts val="1400"/>
               <a:buFont typeface="Calibri"/>
               <a:buChar char="◦"/>
-              <a:defRPr b="0" i="0" sz="1400" u="none" cap="none" strike="noStrike">
+              <a:defRPr sz="1400" b="0" i="0" u="none" strike="noStrike" cap="none">
                 <a:solidFill>
                   <a:srgbClr val="3F3F3F"/>
                 </a:solidFill>
@@ -10748,7 +11019,7 @@
                 <a:sym typeface="Libre Franklin"/>
               </a:defRPr>
             </a:lvl7pPr>
-            <a:lvl8pPr indent="-317500" lvl="7" marL="3657600" marR="0" rtl="0" algn="l">
+            <a:lvl8pPr marL="3657600" marR="0" lvl="7" indent="-317500" algn="l" rtl="0">
               <a:lnSpc>
                 <a:spcPct val="90000"/>
               </a:lnSpc>
@@ -10764,7 +11035,7 @@
               <a:buSzPts val="1400"/>
               <a:buFont typeface="Calibri"/>
               <a:buChar char="◦"/>
-              <a:defRPr b="0" i="0" sz="1400" u="none" cap="none" strike="noStrike">
+              <a:defRPr sz="1400" b="0" i="0" u="none" strike="noStrike" cap="none">
                 <a:solidFill>
                   <a:srgbClr val="3F3F3F"/>
                 </a:solidFill>
@@ -10774,7 +11045,7 @@
                 <a:sym typeface="Libre Franklin"/>
               </a:defRPr>
             </a:lvl8pPr>
-            <a:lvl9pPr indent="-317500" lvl="8" marL="4114800" marR="0" rtl="0" algn="l">
+            <a:lvl9pPr marL="4114800" marR="0" lvl="8" indent="-317500" algn="l" rtl="0">
               <a:lnSpc>
                 <a:spcPct val="90000"/>
               </a:lnSpc>
@@ -10790,7 +11061,7 @@
               <a:buSzPts val="1400"/>
               <a:buFont typeface="Calibri"/>
               <a:buChar char="◦"/>
-              <a:defRPr b="0" i="0" sz="1400" u="none" cap="none" strike="noStrike">
+              <a:defRPr sz="1400" b="0" i="0" u="none" strike="noStrike" cap="none">
                 <a:solidFill>
                   <a:srgbClr val="3F3F3F"/>
                 </a:solidFill>
@@ -10801,15 +11072,19 @@
               </a:defRPr>
             </a:lvl9pPr>
           </a:lstStyle>
-          <a:p/>
+          <a:p>
+            <a:endParaRPr/>
+          </a:p>
         </p:txBody>
       </p:sp>
       <p:sp>
         <p:nvSpPr>
           <p:cNvPr id="9" name="Google Shape;9;p6"/>
-          <p:cNvSpPr txBox="1"/>
+          <p:cNvSpPr txBox="1">
+            <a:spLocks noGrp="1"/>
+          </p:cNvSpPr>
           <p:nvPr>
-            <p:ph idx="10" type="dt"/>
+            <p:ph type="dt" idx="10"/>
           </p:nvPr>
         </p:nvSpPr>
         <p:spPr>
@@ -10826,20 +11101,20 @@
           </a:ln>
         </p:spPr>
         <p:txBody>
-          <a:bodyPr anchorCtr="0" anchor="ctr" bIns="45700" lIns="91425" spcFirstLastPara="1" rIns="91425" wrap="square" tIns="45700">
+          <a:bodyPr spcFirstLastPara="1" wrap="square" lIns="91425" tIns="45700" rIns="91425" bIns="45700" anchor="ctr" anchorCtr="0">
             <a:noAutofit/>
           </a:bodyPr>
           <a:lstStyle>
-            <a:lvl1pPr lvl="0" marR="0" rtl="0" algn="r">
-              <a:spcBef>
-                <a:spcPts val="0"/>
-              </a:spcBef>
-              <a:spcAft>
-                <a:spcPts val="0"/>
-              </a:spcAft>
-              <a:buSzPts val="1400"/>
-              <a:buNone/>
-              <a:defRPr b="0" i="0" sz="800" u="none" cap="none" strike="noStrike">
+            <a:lvl1pPr marR="0" lvl="0" algn="r" rtl="0">
+              <a:spcBef>
+                <a:spcPts val="0"/>
+              </a:spcBef>
+              <a:spcAft>
+                <a:spcPts val="0"/>
+              </a:spcAft>
+              <a:buSzPts val="1400"/>
+              <a:buNone/>
+              <a:defRPr sz="800" b="0" i="0" u="none" strike="noStrike" cap="none">
                 <a:solidFill>
                   <a:srgbClr val="FFFFFF"/>
                 </a:solidFill>
@@ -10849,16 +11124,16 @@
                 <a:sym typeface="Libre Franklin"/>
               </a:defRPr>
             </a:lvl1pPr>
-            <a:lvl2pPr lvl="1" marR="0" rtl="0" algn="l">
-              <a:spcBef>
-                <a:spcPts val="0"/>
-              </a:spcBef>
-              <a:spcAft>
-                <a:spcPts val="0"/>
-              </a:spcAft>
-              <a:buSzPts val="1400"/>
-              <a:buNone/>
-              <a:defRPr b="0" i="0" sz="1800" u="none" cap="none" strike="noStrike">
+            <a:lvl2pPr marR="0" lvl="1" algn="l" rtl="0">
+              <a:spcBef>
+                <a:spcPts val="0"/>
+              </a:spcBef>
+              <a:spcAft>
+                <a:spcPts val="0"/>
+              </a:spcAft>
+              <a:buSzPts val="1400"/>
+              <a:buNone/>
+              <a:defRPr sz="1800" b="0" i="0" u="none" strike="noStrike" cap="none">
                 <a:solidFill>
                   <a:schemeClr val="dk1"/>
                 </a:solidFill>
@@ -10868,16 +11143,16 @@
                 <a:sym typeface="Libre Franklin"/>
               </a:defRPr>
             </a:lvl2pPr>
-            <a:lvl3pPr lvl="2" marR="0" rtl="0" algn="l">
-              <a:spcBef>
-                <a:spcPts val="0"/>
-              </a:spcBef>
-              <a:spcAft>
-                <a:spcPts val="0"/>
-              </a:spcAft>
-              <a:buSzPts val="1400"/>
-              <a:buNone/>
-              <a:defRPr b="0" i="0" sz="1800" u="none" cap="none" strike="noStrike">
+            <a:lvl3pPr marR="0" lvl="2" algn="l" rtl="0">
+              <a:spcBef>
+                <a:spcPts val="0"/>
+              </a:spcBef>
+              <a:spcAft>
+                <a:spcPts val="0"/>
+              </a:spcAft>
+              <a:buSzPts val="1400"/>
+              <a:buNone/>
+              <a:defRPr sz="1800" b="0" i="0" u="none" strike="noStrike" cap="none">
                 <a:solidFill>
                   <a:schemeClr val="dk1"/>
                 </a:solidFill>
@@ -10887,16 +11162,16 @@
                 <a:sym typeface="Libre Franklin"/>
               </a:defRPr>
             </a:lvl3pPr>
-            <a:lvl4pPr lvl="3" marR="0" rtl="0" algn="l">
-              <a:spcBef>
-                <a:spcPts val="0"/>
-              </a:spcBef>
-              <a:spcAft>
-                <a:spcPts val="0"/>
-              </a:spcAft>
-              <a:buSzPts val="1400"/>
-              <a:buNone/>
-              <a:defRPr b="0" i="0" sz="1800" u="none" cap="none" strike="noStrike">
+            <a:lvl4pPr marR="0" lvl="3" algn="l" rtl="0">
+              <a:spcBef>
+                <a:spcPts val="0"/>
+              </a:spcBef>
+              <a:spcAft>
+                <a:spcPts val="0"/>
+              </a:spcAft>
+              <a:buSzPts val="1400"/>
+              <a:buNone/>
+              <a:defRPr sz="1800" b="0" i="0" u="none" strike="noStrike" cap="none">
                 <a:solidFill>
                   <a:schemeClr val="dk1"/>
                 </a:solidFill>
@@ -10906,16 +11181,16 @@
                 <a:sym typeface="Libre Franklin"/>
               </a:defRPr>
             </a:lvl4pPr>
-            <a:lvl5pPr lvl="4" marR="0" rtl="0" algn="l">
-              <a:spcBef>
-                <a:spcPts val="0"/>
-              </a:spcBef>
-              <a:spcAft>
-                <a:spcPts val="0"/>
-              </a:spcAft>
-              <a:buSzPts val="1400"/>
-              <a:buNone/>
-              <a:defRPr b="0" i="0" sz="1800" u="none" cap="none" strike="noStrike">
+            <a:lvl5pPr marR="0" lvl="4" algn="l" rtl="0">
+              <a:spcBef>
+                <a:spcPts val="0"/>
+              </a:spcBef>
+              <a:spcAft>
+                <a:spcPts val="0"/>
+              </a:spcAft>
+              <a:buSzPts val="1400"/>
+              <a:buNone/>
+              <a:defRPr sz="1800" b="0" i="0" u="none" strike="noStrike" cap="none">
                 <a:solidFill>
                   <a:schemeClr val="dk1"/>
                 </a:solidFill>
@@ -10925,16 +11200,16 @@
                 <a:sym typeface="Libre Franklin"/>
               </a:defRPr>
             </a:lvl5pPr>
-            <a:lvl6pPr lvl="5" marR="0" rtl="0" algn="l">
-              <a:spcBef>
-                <a:spcPts val="0"/>
-              </a:spcBef>
-              <a:spcAft>
-                <a:spcPts val="0"/>
-              </a:spcAft>
-              <a:buSzPts val="1400"/>
-              <a:buNone/>
-              <a:defRPr b="0" i="0" sz="1800" u="none" cap="none" strike="noStrike">
+            <a:lvl6pPr marR="0" lvl="5" algn="l" rtl="0">
+              <a:spcBef>
+                <a:spcPts val="0"/>
+              </a:spcBef>
+              <a:spcAft>
+                <a:spcPts val="0"/>
+              </a:spcAft>
+              <a:buSzPts val="1400"/>
+              <a:buNone/>
+              <a:defRPr sz="1800" b="0" i="0" u="none" strike="noStrike" cap="none">
                 <a:solidFill>
                   <a:schemeClr val="dk1"/>
                 </a:solidFill>
@@ -10944,16 +11219,16 @@
                 <a:sym typeface="Libre Franklin"/>
               </a:defRPr>
             </a:lvl6pPr>
-            <a:lvl7pPr lvl="6" marR="0" rtl="0" algn="l">
-              <a:spcBef>
-                <a:spcPts val="0"/>
-              </a:spcBef>
-              <a:spcAft>
-                <a:spcPts val="0"/>
-              </a:spcAft>
-              <a:buSzPts val="1400"/>
-              <a:buNone/>
-              <a:defRPr b="0" i="0" sz="1800" u="none" cap="none" strike="noStrike">
+            <a:lvl7pPr marR="0" lvl="6" algn="l" rtl="0">
+              <a:spcBef>
+                <a:spcPts val="0"/>
+              </a:spcBef>
+              <a:spcAft>
+                <a:spcPts val="0"/>
+              </a:spcAft>
+              <a:buSzPts val="1400"/>
+              <a:buNone/>
+              <a:defRPr sz="1800" b="0" i="0" u="none" strike="noStrike" cap="none">
                 <a:solidFill>
                   <a:schemeClr val="dk1"/>
                 </a:solidFill>
@@ -10963,16 +11238,16 @@
                 <a:sym typeface="Libre Franklin"/>
               </a:defRPr>
             </a:lvl7pPr>
-            <a:lvl8pPr lvl="7" marR="0" rtl="0" algn="l">
-              <a:spcBef>
-                <a:spcPts val="0"/>
-              </a:spcBef>
-              <a:spcAft>
-                <a:spcPts val="0"/>
-              </a:spcAft>
-              <a:buSzPts val="1400"/>
-              <a:buNone/>
-              <a:defRPr b="0" i="0" sz="1800" u="none" cap="none" strike="noStrike">
+            <a:lvl8pPr marR="0" lvl="7" algn="l" rtl="0">
+              <a:spcBef>
+                <a:spcPts val="0"/>
+              </a:spcBef>
+              <a:spcAft>
+                <a:spcPts val="0"/>
+              </a:spcAft>
+              <a:buSzPts val="1400"/>
+              <a:buNone/>
+              <a:defRPr sz="1800" b="0" i="0" u="none" strike="noStrike" cap="none">
                 <a:solidFill>
                   <a:schemeClr val="dk1"/>
                 </a:solidFill>
@@ -10982,16 +11257,16 @@
                 <a:sym typeface="Libre Franklin"/>
               </a:defRPr>
             </a:lvl8pPr>
-            <a:lvl9pPr lvl="8" marR="0" rtl="0" algn="l">
-              <a:spcBef>
-                <a:spcPts val="0"/>
-              </a:spcBef>
-              <a:spcAft>
-                <a:spcPts val="0"/>
-              </a:spcAft>
-              <a:buSzPts val="1400"/>
-              <a:buNone/>
-              <a:defRPr b="0" i="0" sz="1800" u="none" cap="none" strike="noStrike">
+            <a:lvl9pPr marR="0" lvl="8" algn="l" rtl="0">
+              <a:spcBef>
+                <a:spcPts val="0"/>
+              </a:spcBef>
+              <a:spcAft>
+                <a:spcPts val="0"/>
+              </a:spcAft>
+              <a:buSzPts val="1400"/>
+              <a:buNone/>
+              <a:defRPr sz="1800" b="0" i="0" u="none" strike="noStrike" cap="none">
                 <a:solidFill>
                   <a:schemeClr val="dk1"/>
                 </a:solidFill>
@@ -11002,15 +11277,19 @@
               </a:defRPr>
             </a:lvl9pPr>
           </a:lstStyle>
-          <a:p/>
+          <a:p>
+            <a:endParaRPr/>
+          </a:p>
         </p:txBody>
       </p:sp>
       <p:sp>
         <p:nvSpPr>
           <p:cNvPr id="10" name="Google Shape;10;p6"/>
-          <p:cNvSpPr txBox="1"/>
+          <p:cNvSpPr txBox="1">
+            <a:spLocks noGrp="1"/>
+          </p:cNvSpPr>
           <p:nvPr>
-            <p:ph idx="11" type="ftr"/>
+            <p:ph type="ftr" idx="11"/>
           </p:nvPr>
         </p:nvSpPr>
         <p:spPr>
@@ -11027,20 +11306,20 @@
           </a:ln>
         </p:spPr>
         <p:txBody>
-          <a:bodyPr anchorCtr="0" anchor="ctr" bIns="45700" lIns="91425" spcFirstLastPara="1" rIns="91425" wrap="square" tIns="45700">
+          <a:bodyPr spcFirstLastPara="1" wrap="square" lIns="91425" tIns="45700" rIns="91425" bIns="45700" anchor="ctr" anchorCtr="0">
             <a:noAutofit/>
           </a:bodyPr>
           <a:lstStyle>
-            <a:lvl1pPr lvl="0" marR="0" rtl="0" algn="l">
-              <a:spcBef>
-                <a:spcPts val="0"/>
-              </a:spcBef>
-              <a:spcAft>
-                <a:spcPts val="0"/>
-              </a:spcAft>
-              <a:buSzPts val="1400"/>
-              <a:buNone/>
-              <a:defRPr b="0" i="0" sz="800" u="none" cap="none" strike="noStrike">
+            <a:lvl1pPr marR="0" lvl="0" algn="l" rtl="0">
+              <a:spcBef>
+                <a:spcPts val="0"/>
+              </a:spcBef>
+              <a:spcAft>
+                <a:spcPts val="0"/>
+              </a:spcAft>
+              <a:buSzPts val="1400"/>
+              <a:buNone/>
+              <a:defRPr sz="800" b="0" i="0" u="none" strike="noStrike" cap="none">
                 <a:solidFill>
                   <a:srgbClr val="FFFFFF"/>
                 </a:solidFill>
@@ -11050,16 +11329,16 @@
                 <a:sym typeface="Libre Franklin"/>
               </a:defRPr>
             </a:lvl1pPr>
-            <a:lvl2pPr lvl="1" marR="0" rtl="0" algn="l">
-              <a:spcBef>
-                <a:spcPts val="0"/>
-              </a:spcBef>
-              <a:spcAft>
-                <a:spcPts val="0"/>
-              </a:spcAft>
-              <a:buSzPts val="1400"/>
-              <a:buNone/>
-              <a:defRPr b="0" i="0" sz="1800" u="none" cap="none" strike="noStrike">
+            <a:lvl2pPr marR="0" lvl="1" algn="l" rtl="0">
+              <a:spcBef>
+                <a:spcPts val="0"/>
+              </a:spcBef>
+              <a:spcAft>
+                <a:spcPts val="0"/>
+              </a:spcAft>
+              <a:buSzPts val="1400"/>
+              <a:buNone/>
+              <a:defRPr sz="1800" b="0" i="0" u="none" strike="noStrike" cap="none">
                 <a:solidFill>
                   <a:schemeClr val="dk1"/>
                 </a:solidFill>
@@ -11069,16 +11348,16 @@
                 <a:sym typeface="Libre Franklin"/>
               </a:defRPr>
             </a:lvl2pPr>
-            <a:lvl3pPr lvl="2" marR="0" rtl="0" algn="l">
-              <a:spcBef>
-                <a:spcPts val="0"/>
-              </a:spcBef>
-              <a:spcAft>
-                <a:spcPts val="0"/>
-              </a:spcAft>
-              <a:buSzPts val="1400"/>
-              <a:buNone/>
-              <a:defRPr b="0" i="0" sz="1800" u="none" cap="none" strike="noStrike">
+            <a:lvl3pPr marR="0" lvl="2" algn="l" rtl="0">
+              <a:spcBef>
+                <a:spcPts val="0"/>
+              </a:spcBef>
+              <a:spcAft>
+                <a:spcPts val="0"/>
+              </a:spcAft>
+              <a:buSzPts val="1400"/>
+              <a:buNone/>
+              <a:defRPr sz="1800" b="0" i="0" u="none" strike="noStrike" cap="none">
                 <a:solidFill>
                   <a:schemeClr val="dk1"/>
                 </a:solidFill>
@@ -11088,16 +11367,16 @@
                 <a:sym typeface="Libre Franklin"/>
               </a:defRPr>
             </a:lvl3pPr>
-            <a:lvl4pPr lvl="3" marR="0" rtl="0" algn="l">
-              <a:spcBef>
-                <a:spcPts val="0"/>
-              </a:spcBef>
-              <a:spcAft>
-                <a:spcPts val="0"/>
-              </a:spcAft>
-              <a:buSzPts val="1400"/>
-              <a:buNone/>
-              <a:defRPr b="0" i="0" sz="1800" u="none" cap="none" strike="noStrike">
+            <a:lvl4pPr marR="0" lvl="3" algn="l" rtl="0">
+              <a:spcBef>
+                <a:spcPts val="0"/>
+              </a:spcBef>
+              <a:spcAft>
+                <a:spcPts val="0"/>
+              </a:spcAft>
+              <a:buSzPts val="1400"/>
+              <a:buNone/>
+              <a:defRPr sz="1800" b="0" i="0" u="none" strike="noStrike" cap="none">
                 <a:solidFill>
                   <a:schemeClr val="dk1"/>
                 </a:solidFill>
@@ -11107,16 +11386,16 @@
                 <a:sym typeface="Libre Franklin"/>
               </a:defRPr>
             </a:lvl4pPr>
-            <a:lvl5pPr lvl="4" marR="0" rtl="0" algn="l">
-              <a:spcBef>
-                <a:spcPts val="0"/>
-              </a:spcBef>
-              <a:spcAft>
-                <a:spcPts val="0"/>
-              </a:spcAft>
-              <a:buSzPts val="1400"/>
-              <a:buNone/>
-              <a:defRPr b="0" i="0" sz="1800" u="none" cap="none" strike="noStrike">
+            <a:lvl5pPr marR="0" lvl="4" algn="l" rtl="0">
+              <a:spcBef>
+                <a:spcPts val="0"/>
+              </a:spcBef>
+              <a:spcAft>
+                <a:spcPts val="0"/>
+              </a:spcAft>
+              <a:buSzPts val="1400"/>
+              <a:buNone/>
+              <a:defRPr sz="1800" b="0" i="0" u="none" strike="noStrike" cap="none">
                 <a:solidFill>
                   <a:schemeClr val="dk1"/>
                 </a:solidFill>
@@ -11126,16 +11405,16 @@
                 <a:sym typeface="Libre Franklin"/>
               </a:defRPr>
             </a:lvl5pPr>
-            <a:lvl6pPr lvl="5" marR="0" rtl="0" algn="l">
-              <a:spcBef>
-                <a:spcPts val="0"/>
-              </a:spcBef>
-              <a:spcAft>
-                <a:spcPts val="0"/>
-              </a:spcAft>
-              <a:buSzPts val="1400"/>
-              <a:buNone/>
-              <a:defRPr b="0" i="0" sz="1800" u="none" cap="none" strike="noStrike">
+            <a:lvl6pPr marR="0" lvl="5" algn="l" rtl="0">
+              <a:spcBef>
+                <a:spcPts val="0"/>
+              </a:spcBef>
+              <a:spcAft>
+                <a:spcPts val="0"/>
+              </a:spcAft>
+              <a:buSzPts val="1400"/>
+              <a:buNone/>
+              <a:defRPr sz="1800" b="0" i="0" u="none" strike="noStrike" cap="none">
                 <a:solidFill>
                   <a:schemeClr val="dk1"/>
                 </a:solidFill>
@@ -11145,16 +11424,16 @@
                 <a:sym typeface="Libre Franklin"/>
               </a:defRPr>
             </a:lvl6pPr>
-            <a:lvl7pPr lvl="6" marR="0" rtl="0" algn="l">
-              <a:spcBef>
-                <a:spcPts val="0"/>
-              </a:spcBef>
-              <a:spcAft>
-                <a:spcPts val="0"/>
-              </a:spcAft>
-              <a:buSzPts val="1400"/>
-              <a:buNone/>
-              <a:defRPr b="0" i="0" sz="1800" u="none" cap="none" strike="noStrike">
+            <a:lvl7pPr marR="0" lvl="6" algn="l" rtl="0">
+              <a:spcBef>
+                <a:spcPts val="0"/>
+              </a:spcBef>
+              <a:spcAft>
+                <a:spcPts val="0"/>
+              </a:spcAft>
+              <a:buSzPts val="1400"/>
+              <a:buNone/>
+              <a:defRPr sz="1800" b="0" i="0" u="none" strike="noStrike" cap="none">
                 <a:solidFill>
                   <a:schemeClr val="dk1"/>
                 </a:solidFill>
@@ -11164,16 +11443,16 @@
                 <a:sym typeface="Libre Franklin"/>
               </a:defRPr>
             </a:lvl7pPr>
-            <a:lvl8pPr lvl="7" marR="0" rtl="0" algn="l">
-              <a:spcBef>
-                <a:spcPts val="0"/>
-              </a:spcBef>
-              <a:spcAft>
-                <a:spcPts val="0"/>
-              </a:spcAft>
-              <a:buSzPts val="1400"/>
-              <a:buNone/>
-              <a:defRPr b="0" i="0" sz="1800" u="none" cap="none" strike="noStrike">
+            <a:lvl8pPr marR="0" lvl="7" algn="l" rtl="0">
+              <a:spcBef>
+                <a:spcPts val="0"/>
+              </a:spcBef>
+              <a:spcAft>
+                <a:spcPts val="0"/>
+              </a:spcAft>
+              <a:buSzPts val="1400"/>
+              <a:buNone/>
+              <a:defRPr sz="1800" b="0" i="0" u="none" strike="noStrike" cap="none">
                 <a:solidFill>
                   <a:schemeClr val="dk1"/>
                 </a:solidFill>
@@ -11183,16 +11462,16 @@
                 <a:sym typeface="Libre Franklin"/>
               </a:defRPr>
             </a:lvl8pPr>
-            <a:lvl9pPr lvl="8" marR="0" rtl="0" algn="l">
-              <a:spcBef>
-                <a:spcPts val="0"/>
-              </a:spcBef>
-              <a:spcAft>
-                <a:spcPts val="0"/>
-              </a:spcAft>
-              <a:buSzPts val="1400"/>
-              <a:buNone/>
-              <a:defRPr b="0" i="0" sz="1800" u="none" cap="none" strike="noStrike">
+            <a:lvl9pPr marR="0" lvl="8" algn="l" rtl="0">
+              <a:spcBef>
+                <a:spcPts val="0"/>
+              </a:spcBef>
+              <a:spcAft>
+                <a:spcPts val="0"/>
+              </a:spcAft>
+              <a:buSzPts val="1400"/>
+              <a:buNone/>
+              <a:defRPr sz="1800" b="0" i="0" u="none" strike="noStrike" cap="none">
                 <a:solidFill>
                   <a:schemeClr val="dk1"/>
                 </a:solidFill>
@@ -11203,15 +11482,19 @@
               </a:defRPr>
             </a:lvl9pPr>
           </a:lstStyle>
-          <a:p/>
+          <a:p>
+            <a:endParaRPr/>
+          </a:p>
         </p:txBody>
       </p:sp>
       <p:sp>
         <p:nvSpPr>
           <p:cNvPr id="11" name="Google Shape;11;p6"/>
-          <p:cNvSpPr txBox="1"/>
+          <p:cNvSpPr txBox="1">
+            <a:spLocks noGrp="1"/>
+          </p:cNvSpPr>
           <p:nvPr>
-            <p:ph idx="12" type="sldNum"/>
+            <p:ph type="sldNum" idx="12"/>
           </p:nvPr>
         </p:nvSpPr>
         <p:spPr>
@@ -11228,16 +11511,16 @@
           </a:ln>
         </p:spPr>
         <p:txBody>
-          <a:bodyPr anchorCtr="0" anchor="ctr" bIns="45700" lIns="91425" spcFirstLastPara="1" rIns="91425" wrap="square" tIns="45700">
+          <a:bodyPr spcFirstLastPara="1" wrap="square" lIns="91425" tIns="45700" rIns="91425" bIns="45700" anchor="ctr" anchorCtr="0">
             <a:noAutofit/>
           </a:bodyPr>
           <a:lstStyle>
-            <a:lvl1pPr indent="0" lvl="0" marL="0" marR="0" rtl="0" algn="l">
-              <a:spcBef>
-                <a:spcPts val="0"/>
-              </a:spcBef>
-              <a:buNone/>
-              <a:defRPr b="0" i="0" sz="800" u="none" cap="none" strike="noStrike">
+            <a:lvl1pPr marL="0" marR="0" lvl="0" indent="0" algn="l" rtl="0">
+              <a:spcBef>
+                <a:spcPts val="0"/>
+              </a:spcBef>
+              <a:buNone/>
+              <a:defRPr sz="800" b="0" i="0" u="none" strike="noStrike" cap="none">
                 <a:solidFill>
                   <a:srgbClr val="FFFFFF"/>
                 </a:solidFill>
@@ -11247,12 +11530,12 @@
                 <a:sym typeface="Libre Franklin"/>
               </a:defRPr>
             </a:lvl1pPr>
-            <a:lvl2pPr indent="0" lvl="1" marL="0" marR="0" rtl="0" algn="l">
-              <a:spcBef>
-                <a:spcPts val="0"/>
-              </a:spcBef>
-              <a:buNone/>
-              <a:defRPr b="0" i="0" sz="800" u="none" cap="none" strike="noStrike">
+            <a:lvl2pPr marL="0" marR="0" lvl="1" indent="0" algn="l" rtl="0">
+              <a:spcBef>
+                <a:spcPts val="0"/>
+              </a:spcBef>
+              <a:buNone/>
+              <a:defRPr sz="800" b="0" i="0" u="none" strike="noStrike" cap="none">
                 <a:solidFill>
                   <a:srgbClr val="FFFFFF"/>
                 </a:solidFill>
@@ -11262,12 +11545,12 @@
                 <a:sym typeface="Libre Franklin"/>
               </a:defRPr>
             </a:lvl2pPr>
-            <a:lvl3pPr indent="0" lvl="2" marL="0" marR="0" rtl="0" algn="l">
-              <a:spcBef>
-                <a:spcPts val="0"/>
-              </a:spcBef>
-              <a:buNone/>
-              <a:defRPr b="0" i="0" sz="800" u="none" cap="none" strike="noStrike">
+            <a:lvl3pPr marL="0" marR="0" lvl="2" indent="0" algn="l" rtl="0">
+              <a:spcBef>
+                <a:spcPts val="0"/>
+              </a:spcBef>
+              <a:buNone/>
+              <a:defRPr sz="800" b="0" i="0" u="none" strike="noStrike" cap="none">
                 <a:solidFill>
                   <a:srgbClr val="FFFFFF"/>
                 </a:solidFill>
@@ -11277,12 +11560,12 @@
                 <a:sym typeface="Libre Franklin"/>
               </a:defRPr>
             </a:lvl3pPr>
-            <a:lvl4pPr indent="0" lvl="3" marL="0" marR="0" rtl="0" algn="l">
-              <a:spcBef>
-                <a:spcPts val="0"/>
-              </a:spcBef>
-              <a:buNone/>
-              <a:defRPr b="0" i="0" sz="800" u="none" cap="none" strike="noStrike">
+            <a:lvl4pPr marL="0" marR="0" lvl="3" indent="0" algn="l" rtl="0">
+              <a:spcBef>
+                <a:spcPts val="0"/>
+              </a:spcBef>
+              <a:buNone/>
+              <a:defRPr sz="800" b="0" i="0" u="none" strike="noStrike" cap="none">
                 <a:solidFill>
                   <a:srgbClr val="FFFFFF"/>
                 </a:solidFill>
@@ -11292,12 +11575,12 @@
                 <a:sym typeface="Libre Franklin"/>
               </a:defRPr>
             </a:lvl4pPr>
-            <a:lvl5pPr indent="0" lvl="4" marL="0" marR="0" rtl="0" algn="l">
-              <a:spcBef>
-                <a:spcPts val="0"/>
-              </a:spcBef>
-              <a:buNone/>
-              <a:defRPr b="0" i="0" sz="800" u="none" cap="none" strike="noStrike">
+            <a:lvl5pPr marL="0" marR="0" lvl="4" indent="0" algn="l" rtl="0">
+              <a:spcBef>
+                <a:spcPts val="0"/>
+              </a:spcBef>
+              <a:buNone/>
+              <a:defRPr sz="800" b="0" i="0" u="none" strike="noStrike" cap="none">
                 <a:solidFill>
                   <a:srgbClr val="FFFFFF"/>
                 </a:solidFill>
@@ -11307,12 +11590,12 @@
                 <a:sym typeface="Libre Franklin"/>
               </a:defRPr>
             </a:lvl5pPr>
-            <a:lvl6pPr indent="0" lvl="5" marL="0" marR="0" rtl="0" algn="l">
-              <a:spcBef>
-                <a:spcPts val="0"/>
-              </a:spcBef>
-              <a:buNone/>
-              <a:defRPr b="0" i="0" sz="800" u="none" cap="none" strike="noStrike">
+            <a:lvl6pPr marL="0" marR="0" lvl="5" indent="0" algn="l" rtl="0">
+              <a:spcBef>
+                <a:spcPts val="0"/>
+              </a:spcBef>
+              <a:buNone/>
+              <a:defRPr sz="800" b="0" i="0" u="none" strike="noStrike" cap="none">
                 <a:solidFill>
                   <a:srgbClr val="FFFFFF"/>
                 </a:solidFill>
@@ -11322,12 +11605,12 @@
                 <a:sym typeface="Libre Franklin"/>
               </a:defRPr>
             </a:lvl6pPr>
-            <a:lvl7pPr indent="0" lvl="6" marL="0" marR="0" rtl="0" algn="l">
-              <a:spcBef>
-                <a:spcPts val="0"/>
-              </a:spcBef>
-              <a:buNone/>
-              <a:defRPr b="0" i="0" sz="800" u="none" cap="none" strike="noStrike">
+            <a:lvl7pPr marL="0" marR="0" lvl="6" indent="0" algn="l" rtl="0">
+              <a:spcBef>
+                <a:spcPts val="0"/>
+              </a:spcBef>
+              <a:buNone/>
+              <a:defRPr sz="800" b="0" i="0" u="none" strike="noStrike" cap="none">
                 <a:solidFill>
                   <a:srgbClr val="FFFFFF"/>
                 </a:solidFill>
@@ -11337,12 +11620,12 @@
                 <a:sym typeface="Libre Franklin"/>
               </a:defRPr>
             </a:lvl7pPr>
-            <a:lvl8pPr indent="0" lvl="7" marL="0" marR="0" rtl="0" algn="l">
-              <a:spcBef>
-                <a:spcPts val="0"/>
-              </a:spcBef>
-              <a:buNone/>
-              <a:defRPr b="0" i="0" sz="800" u="none" cap="none" strike="noStrike">
+            <a:lvl8pPr marL="0" marR="0" lvl="7" indent="0" algn="l" rtl="0">
+              <a:spcBef>
+                <a:spcPts val="0"/>
+              </a:spcBef>
+              <a:buNone/>
+              <a:defRPr sz="800" b="0" i="0" u="none" strike="noStrike" cap="none">
                 <a:solidFill>
                   <a:srgbClr val="FFFFFF"/>
                 </a:solidFill>
@@ -11352,12 +11635,12 @@
                 <a:sym typeface="Libre Franklin"/>
               </a:defRPr>
             </a:lvl8pPr>
-            <a:lvl9pPr indent="0" lvl="8" marL="0" marR="0" rtl="0" algn="l">
-              <a:spcBef>
-                <a:spcPts val="0"/>
-              </a:spcBef>
-              <a:buNone/>
-              <a:defRPr b="0" i="0" sz="800" u="none" cap="none" strike="noStrike">
+            <a:lvl9pPr marL="0" marR="0" lvl="8" indent="0" algn="l" rtl="0">
+              <a:spcBef>
+                <a:spcPts val="0"/>
+              </a:spcBef>
+              <a:buNone/>
+              <a:defRPr sz="800" b="0" i="0" u="none" strike="noStrike" cap="none">
                 <a:solidFill>
                   <a:srgbClr val="FFFFFF"/>
                 </a:solidFill>
@@ -11369,7 +11652,7 @@
             </a:lvl9pPr>
           </a:lstStyle>
           <a:p>
-            <a:pPr indent="0" lvl="0" marL="0" rtl="0" algn="l">
+            <a:pPr marL="0" lvl="0" indent="0" algn="l" rtl="0">
               <a:spcBef>
                 <a:spcPts val="0"/>
               </a:spcBef>
@@ -11401,20 +11684,20 @@
             <a:avLst/>
           </a:prstGeom>
           <a:noFill/>
-          <a:ln cap="flat" cmpd="sng" w="12700">
+          <a:ln w="12700" cap="flat" cmpd="sng">
             <a:solidFill>
               <a:srgbClr val="3F3F3F"/>
             </a:solidFill>
             <a:prstDash val="solid"/>
             <a:round/>
-            <a:headEnd len="sm" w="sm" type="none"/>
-            <a:tailEnd len="sm" w="sm" type="none"/>
+            <a:headEnd type="none" w="sm" len="sm"/>
+            <a:tailEnd type="none" w="sm" len="sm"/>
           </a:ln>
         </p:spPr>
       </p:cxnSp>
     </p:spTree>
   </p:cSld>
-  <p:clrMap accent1="accent1" accent2="accent2" accent3="accent3" accent4="accent4" accent5="accent5" accent6="accent6" bg1="lt1" bg2="dk2" tx1="dk1" tx2="lt2" folHlink="folHlink" hlink="hlink"/>
+  <p:clrMap bg1="lt1" tx1="dk1" bg2="dk2" tx2="lt2" accent1="accent1" accent2="accent2" accent3="accent3" accent4="accent4" accent5="accent5" accent6="accent6" hlink="hlink" folHlink="folHlink"/>
   <p:sldLayoutIdLst>
     <p:sldLayoutId id="2147483649" r:id="rId1"/>
     <p:sldLayoutId id="2147483650" r:id="rId2"/>
@@ -11428,10 +11711,10 @@
     <p:sldLayoutId id="2147483658" r:id="rId10"/>
     <p:sldLayoutId id="2147483659" r:id="rId11"/>
   </p:sldLayoutIdLst>
-  <p:hf dt="0" ftr="0" hdr="0" sldNum="0"/>
+  <p:hf sldNum="0" hdr="0" ftr="0" dt="0"/>
   <p:txStyles>
     <p:titleStyle>
-      <a:defPPr lvl="0" marR="0" rtl="0" algn="l">
+      <a:defPPr marR="0" lvl="0" algn="l" rtl="0">
         <a:lnSpc>
           <a:spcPct val="100000"/>
         </a:lnSpc>
@@ -11442,7 +11725,7 @@
           <a:spcPts val="0"/>
         </a:spcAft>
       </a:defPPr>
-      <a:lvl1pPr lvl="0" marR="0" rtl="0" algn="l">
+      <a:lvl1pPr marR="0" lvl="0" algn="l" rtl="0">
         <a:lnSpc>
           <a:spcPct val="100000"/>
         </a:lnSpc>
@@ -11456,7 +11739,7 @@
           <a:srgbClr val="000000"/>
         </a:buClr>
         <a:buFont typeface="Arial"/>
-        <a:defRPr b="0" i="0" sz="1400" u="none" cap="none" strike="noStrike">
+        <a:defRPr sz="1400" b="0" i="0" u="none" strike="noStrike" cap="none">
           <a:solidFill>
             <a:srgbClr val="000000"/>
           </a:solidFill>
@@ -11466,7 +11749,7 @@
           <a:sym typeface="Arial"/>
         </a:defRPr>
       </a:lvl1pPr>
-      <a:lvl2pPr lvl="1" marR="0" rtl="0" algn="l">
+      <a:lvl2pPr marR="0" lvl="1" algn="l" rtl="0">
         <a:lnSpc>
           <a:spcPct val="100000"/>
         </a:lnSpc>
@@ -11480,7 +11763,7 @@
           <a:srgbClr val="000000"/>
         </a:buClr>
         <a:buFont typeface="Arial"/>
-        <a:defRPr b="0" i="0" sz="1400" u="none" cap="none" strike="noStrike">
+        <a:defRPr sz="1400" b="0" i="0" u="none" strike="noStrike" cap="none">
           <a:solidFill>
             <a:srgbClr val="000000"/>
           </a:solidFill>
@@ -11490,7 +11773,7 @@
           <a:sym typeface="Arial"/>
         </a:defRPr>
       </a:lvl2pPr>
-      <a:lvl3pPr lvl="2" marR="0" rtl="0" algn="l">
+      <a:lvl3pPr marR="0" lvl="2" algn="l" rtl="0">
         <a:lnSpc>
           <a:spcPct val="100000"/>
         </a:lnSpc>
@@ -11504,7 +11787,7 @@
           <a:srgbClr val="000000"/>
         </a:buClr>
         <a:buFont typeface="Arial"/>
-        <a:defRPr b="0" i="0" sz="1400" u="none" cap="none" strike="noStrike">
+        <a:defRPr sz="1400" b="0" i="0" u="none" strike="noStrike" cap="none">
           <a:solidFill>
             <a:srgbClr val="000000"/>
           </a:solidFill>
@@ -11514,7 +11797,7 @@
           <a:sym typeface="Arial"/>
         </a:defRPr>
       </a:lvl3pPr>
-      <a:lvl4pPr lvl="3" marR="0" rtl="0" algn="l">
+      <a:lvl4pPr marR="0" lvl="3" algn="l" rtl="0">
         <a:lnSpc>
           <a:spcPct val="100000"/>
         </a:lnSpc>
@@ -11528,7 +11811,7 @@
           <a:srgbClr val="000000"/>
         </a:buClr>
         <a:buFont typeface="Arial"/>
-        <a:defRPr b="0" i="0" sz="1400" u="none" cap="none" strike="noStrike">
+        <a:defRPr sz="1400" b="0" i="0" u="none" strike="noStrike" cap="none">
           <a:solidFill>
             <a:srgbClr val="000000"/>
           </a:solidFill>
@@ -11538,7 +11821,7 @@
           <a:sym typeface="Arial"/>
         </a:defRPr>
       </a:lvl4pPr>
-      <a:lvl5pPr lvl="4" marR="0" rtl="0" algn="l">
+      <a:lvl5pPr marR="0" lvl="4" algn="l" rtl="0">
         <a:lnSpc>
           <a:spcPct val="100000"/>
         </a:lnSpc>
@@ -11552,7 +11835,7 @@
           <a:srgbClr val="000000"/>
         </a:buClr>
         <a:buFont typeface="Arial"/>
-        <a:defRPr b="0" i="0" sz="1400" u="none" cap="none" strike="noStrike">
+        <a:defRPr sz="1400" b="0" i="0" u="none" strike="noStrike" cap="none">
           <a:solidFill>
             <a:srgbClr val="000000"/>
           </a:solidFill>
@@ -11562,7 +11845,7 @@
           <a:sym typeface="Arial"/>
         </a:defRPr>
       </a:lvl5pPr>
-      <a:lvl6pPr lvl="5" marR="0" rtl="0" algn="l">
+      <a:lvl6pPr marR="0" lvl="5" algn="l" rtl="0">
         <a:lnSpc>
           <a:spcPct val="100000"/>
         </a:lnSpc>
@@ -11576,7 +11859,7 @@
           <a:srgbClr val="000000"/>
         </a:buClr>
         <a:buFont typeface="Arial"/>
-        <a:defRPr b="0" i="0" sz="1400" u="none" cap="none" strike="noStrike">
+        <a:defRPr sz="1400" b="0" i="0" u="none" strike="noStrike" cap="none">
           <a:solidFill>
             <a:srgbClr val="000000"/>
           </a:solidFill>
@@ -11586,7 +11869,7 @@
           <a:sym typeface="Arial"/>
         </a:defRPr>
       </a:lvl6pPr>
-      <a:lvl7pPr lvl="6" marR="0" rtl="0" algn="l">
+      <a:lvl7pPr marR="0" lvl="6" algn="l" rtl="0">
         <a:lnSpc>
           <a:spcPct val="100000"/>
         </a:lnSpc>
@@ -11600,7 +11883,7 @@
           <a:srgbClr val="000000"/>
         </a:buClr>
         <a:buFont typeface="Arial"/>
-        <a:defRPr b="0" i="0" sz="1400" u="none" cap="none" strike="noStrike">
+        <a:defRPr sz="1400" b="0" i="0" u="none" strike="noStrike" cap="none">
           <a:solidFill>
             <a:srgbClr val="000000"/>
           </a:solidFill>
@@ -11610,7 +11893,7 @@
           <a:sym typeface="Arial"/>
         </a:defRPr>
       </a:lvl7pPr>
-      <a:lvl8pPr lvl="7" marR="0" rtl="0" algn="l">
+      <a:lvl8pPr marR="0" lvl="7" algn="l" rtl="0">
         <a:lnSpc>
           <a:spcPct val="100000"/>
         </a:lnSpc>
@@ -11624,7 +11907,7 @@
           <a:srgbClr val="000000"/>
         </a:buClr>
         <a:buFont typeface="Arial"/>
-        <a:defRPr b="0" i="0" sz="1400" u="none" cap="none" strike="noStrike">
+        <a:defRPr sz="1400" b="0" i="0" u="none" strike="noStrike" cap="none">
           <a:solidFill>
             <a:srgbClr val="000000"/>
           </a:solidFill>
@@ -11634,7 +11917,7 @@
           <a:sym typeface="Arial"/>
         </a:defRPr>
       </a:lvl8pPr>
-      <a:lvl9pPr lvl="8" marR="0" rtl="0" algn="l">
+      <a:lvl9pPr marR="0" lvl="8" algn="l" rtl="0">
         <a:lnSpc>
           <a:spcPct val="100000"/>
         </a:lnSpc>
@@ -11648,7 +11931,7 @@
           <a:srgbClr val="000000"/>
         </a:buClr>
         <a:buFont typeface="Arial"/>
-        <a:defRPr b="0" i="0" sz="1400" u="none" cap="none" strike="noStrike">
+        <a:defRPr sz="1400" b="0" i="0" u="none" strike="noStrike" cap="none">
           <a:solidFill>
             <a:srgbClr val="000000"/>
           </a:solidFill>
@@ -11660,7 +11943,7 @@
       </a:lvl9pPr>
     </p:titleStyle>
     <p:bodyStyle>
-      <a:defPPr lvl="0" marR="0" rtl="0" algn="l">
+      <a:defPPr marR="0" lvl="0" algn="l" rtl="0">
         <a:lnSpc>
           <a:spcPct val="100000"/>
         </a:lnSpc>
@@ -11671,7 +11954,7 @@
           <a:spcPts val="0"/>
         </a:spcAft>
       </a:defPPr>
-      <a:lvl1pPr lvl="0" marR="0" rtl="0" algn="l">
+      <a:lvl1pPr marR="0" lvl="0" algn="l" rtl="0">
         <a:lnSpc>
           <a:spcPct val="100000"/>
         </a:lnSpc>
@@ -11685,7 +11968,7 @@
           <a:srgbClr val="000000"/>
         </a:buClr>
         <a:buFont typeface="Arial"/>
-        <a:defRPr b="0" i="0" sz="1400" u="none" cap="none" strike="noStrike">
+        <a:defRPr sz="1400" b="0" i="0" u="none" strike="noStrike" cap="none">
           <a:solidFill>
             <a:srgbClr val="000000"/>
           </a:solidFill>
@@ -11695,7 +11978,7 @@
           <a:sym typeface="Arial"/>
         </a:defRPr>
       </a:lvl1pPr>
-      <a:lvl2pPr lvl="1" marR="0" rtl="0" algn="l">
+      <a:lvl2pPr marR="0" lvl="1" algn="l" rtl="0">
         <a:lnSpc>
           <a:spcPct val="100000"/>
         </a:lnSpc>
@@ -11709,7 +11992,7 @@
           <a:srgbClr val="000000"/>
         </a:buClr>
         <a:buFont typeface="Arial"/>
-        <a:defRPr b="0" i="0" sz="1400" u="none" cap="none" strike="noStrike">
+        <a:defRPr sz="1400" b="0" i="0" u="none" strike="noStrike" cap="none">
           <a:solidFill>
             <a:srgbClr val="000000"/>
           </a:solidFill>
@@ -11719,7 +12002,7 @@
           <a:sym typeface="Arial"/>
         </a:defRPr>
       </a:lvl2pPr>
-      <a:lvl3pPr lvl="2" marR="0" rtl="0" algn="l">
+      <a:lvl3pPr marR="0" lvl="2" algn="l" rtl="0">
         <a:lnSpc>
           <a:spcPct val="100000"/>
         </a:lnSpc>
@@ -11733,7 +12016,7 @@
           <a:srgbClr val="000000"/>
         </a:buClr>
         <a:buFont typeface="Arial"/>
-        <a:defRPr b="0" i="0" sz="1400" u="none" cap="none" strike="noStrike">
+        <a:defRPr sz="1400" b="0" i="0" u="none" strike="noStrike" cap="none">
           <a:solidFill>
             <a:srgbClr val="000000"/>
           </a:solidFill>
@@ -11743,7 +12026,7 @@
           <a:sym typeface="Arial"/>
         </a:defRPr>
       </a:lvl3pPr>
-      <a:lvl4pPr lvl="3" marR="0" rtl="0" algn="l">
+      <a:lvl4pPr marR="0" lvl="3" algn="l" rtl="0">
         <a:lnSpc>
           <a:spcPct val="100000"/>
         </a:lnSpc>
@@ -11757,7 +12040,7 @@
           <a:srgbClr val="000000"/>
         </a:buClr>
         <a:buFont typeface="Arial"/>
-        <a:defRPr b="0" i="0" sz="1400" u="none" cap="none" strike="noStrike">
+        <a:defRPr sz="1400" b="0" i="0" u="none" strike="noStrike" cap="none">
           <a:solidFill>
             <a:srgbClr val="000000"/>
           </a:solidFill>
@@ -11767,7 +12050,7 @@
           <a:sym typeface="Arial"/>
         </a:defRPr>
       </a:lvl4pPr>
-      <a:lvl5pPr lvl="4" marR="0" rtl="0" algn="l">
+      <a:lvl5pPr marR="0" lvl="4" algn="l" rtl="0">
         <a:lnSpc>
           <a:spcPct val="100000"/>
         </a:lnSpc>
@@ -11781,7 +12064,7 @@
           <a:srgbClr val="000000"/>
         </a:buClr>
         <a:buFont typeface="Arial"/>
-        <a:defRPr b="0" i="0" sz="1400" u="none" cap="none" strike="noStrike">
+        <a:defRPr sz="1400" b="0" i="0" u="none" strike="noStrike" cap="none">
           <a:solidFill>
             <a:srgbClr val="000000"/>
           </a:solidFill>
@@ -11791,7 +12074,7 @@
           <a:sym typeface="Arial"/>
         </a:defRPr>
       </a:lvl5pPr>
-      <a:lvl6pPr lvl="5" marR="0" rtl="0" algn="l">
+      <a:lvl6pPr marR="0" lvl="5" algn="l" rtl="0">
         <a:lnSpc>
           <a:spcPct val="100000"/>
         </a:lnSpc>
@@ -11805,7 +12088,7 @@
           <a:srgbClr val="000000"/>
         </a:buClr>
         <a:buFont typeface="Arial"/>
-        <a:defRPr b="0" i="0" sz="1400" u="none" cap="none" strike="noStrike">
+        <a:defRPr sz="1400" b="0" i="0" u="none" strike="noStrike" cap="none">
           <a:solidFill>
             <a:srgbClr val="000000"/>
           </a:solidFill>
@@ -11815,7 +12098,7 @@
           <a:sym typeface="Arial"/>
         </a:defRPr>
       </a:lvl6pPr>
-      <a:lvl7pPr lvl="6" marR="0" rtl="0" algn="l">
+      <a:lvl7pPr marR="0" lvl="6" algn="l" rtl="0">
         <a:lnSpc>
           <a:spcPct val="100000"/>
         </a:lnSpc>
@@ -11829,7 +12112,7 @@
           <a:srgbClr val="000000"/>
         </a:buClr>
         <a:buFont typeface="Arial"/>
-        <a:defRPr b="0" i="0" sz="1400" u="none" cap="none" strike="noStrike">
+        <a:defRPr sz="1400" b="0" i="0" u="none" strike="noStrike" cap="none">
           <a:solidFill>
             <a:srgbClr val="000000"/>
           </a:solidFill>
@@ -11839,7 +12122,7 @@
           <a:sym typeface="Arial"/>
         </a:defRPr>
       </a:lvl7pPr>
-      <a:lvl8pPr lvl="7" marR="0" rtl="0" algn="l">
+      <a:lvl8pPr marR="0" lvl="7" algn="l" rtl="0">
         <a:lnSpc>
           <a:spcPct val="100000"/>
         </a:lnSpc>
@@ -11853,7 +12136,7 @@
           <a:srgbClr val="000000"/>
         </a:buClr>
         <a:buFont typeface="Arial"/>
-        <a:defRPr b="0" i="0" sz="1400" u="none" cap="none" strike="noStrike">
+        <a:defRPr sz="1400" b="0" i="0" u="none" strike="noStrike" cap="none">
           <a:solidFill>
             <a:srgbClr val="000000"/>
           </a:solidFill>
@@ -11863,7 +12146,7 @@
           <a:sym typeface="Arial"/>
         </a:defRPr>
       </a:lvl8pPr>
-      <a:lvl9pPr lvl="8" marR="0" rtl="0" algn="l">
+      <a:lvl9pPr marR="0" lvl="8" algn="l" rtl="0">
         <a:lnSpc>
           <a:spcPct val="100000"/>
         </a:lnSpc>
@@ -11877,7 +12160,7 @@
           <a:srgbClr val="000000"/>
         </a:buClr>
         <a:buFont typeface="Arial"/>
-        <a:defRPr b="0" i="0" sz="1400" u="none" cap="none" strike="noStrike">
+        <a:defRPr sz="1400" b="0" i="0" u="none" strike="noStrike" cap="none">
           <a:solidFill>
             <a:srgbClr val="000000"/>
           </a:solidFill>
@@ -11889,7 +12172,7 @@
       </a:lvl9pPr>
     </p:bodyStyle>
     <p:otherStyle>
-      <a:defPPr lvl="0" marR="0" rtl="0" algn="l">
+      <a:defPPr marR="0" lvl="0" algn="l" rtl="0">
         <a:lnSpc>
           <a:spcPct val="100000"/>
         </a:lnSpc>
@@ -11900,7 +12183,7 @@
           <a:spcPts val="0"/>
         </a:spcAft>
       </a:defPPr>
-      <a:lvl1pPr lvl="0" marR="0" rtl="0" algn="l">
+      <a:lvl1pPr marR="0" lvl="0" algn="l" rtl="0">
         <a:lnSpc>
           <a:spcPct val="100000"/>
         </a:lnSpc>
@@ -11914,7 +12197,7 @@
           <a:srgbClr val="000000"/>
         </a:buClr>
         <a:buFont typeface="Arial"/>
-        <a:defRPr b="0" i="0" sz="1400" u="none" cap="none" strike="noStrike">
+        <a:defRPr sz="1400" b="0" i="0" u="none" strike="noStrike" cap="none">
           <a:solidFill>
             <a:srgbClr val="000000"/>
           </a:solidFill>
@@ -11924,7 +12207,7 @@
           <a:sym typeface="Arial"/>
         </a:defRPr>
       </a:lvl1pPr>
-      <a:lvl2pPr lvl="1" marR="0" rtl="0" algn="l">
+      <a:lvl2pPr marR="0" lvl="1" algn="l" rtl="0">
         <a:lnSpc>
           <a:spcPct val="100000"/>
         </a:lnSpc>
@@ -11938,7 +12221,7 @@
           <a:srgbClr val="000000"/>
         </a:buClr>
         <a:buFont typeface="Arial"/>
-        <a:defRPr b="0" i="0" sz="1400" u="none" cap="none" strike="noStrike">
+        <a:defRPr sz="1400" b="0" i="0" u="none" strike="noStrike" cap="none">
           <a:solidFill>
             <a:srgbClr val="000000"/>
           </a:solidFill>
@@ -11948,7 +12231,7 @@
           <a:sym typeface="Arial"/>
         </a:defRPr>
       </a:lvl2pPr>
-      <a:lvl3pPr lvl="2" marR="0" rtl="0" algn="l">
+      <a:lvl3pPr marR="0" lvl="2" algn="l" rtl="0">
         <a:lnSpc>
           <a:spcPct val="100000"/>
         </a:lnSpc>
@@ -11962,7 +12245,7 @@
           <a:srgbClr val="000000"/>
         </a:buClr>
         <a:buFont typeface="Arial"/>
-        <a:defRPr b="0" i="0" sz="1400" u="none" cap="none" strike="noStrike">
+        <a:defRPr sz="1400" b="0" i="0" u="none" strike="noStrike" cap="none">
           <a:solidFill>
             <a:srgbClr val="000000"/>
           </a:solidFill>
@@ -11972,7 +12255,7 @@
           <a:sym typeface="Arial"/>
         </a:defRPr>
       </a:lvl3pPr>
-      <a:lvl4pPr lvl="3" marR="0" rtl="0" algn="l">
+      <a:lvl4pPr marR="0" lvl="3" algn="l" rtl="0">
         <a:lnSpc>
           <a:spcPct val="100000"/>
         </a:lnSpc>
@@ -11986,7 +12269,7 @@
           <a:srgbClr val="000000"/>
         </a:buClr>
         <a:buFont typeface="Arial"/>
-        <a:defRPr b="0" i="0" sz="1400" u="none" cap="none" strike="noStrike">
+        <a:defRPr sz="1400" b="0" i="0" u="none" strike="noStrike" cap="none">
           <a:solidFill>
             <a:srgbClr val="000000"/>
           </a:solidFill>
@@ -11996,7 +12279,7 @@
           <a:sym typeface="Arial"/>
         </a:defRPr>
       </a:lvl4pPr>
-      <a:lvl5pPr lvl="4" marR="0" rtl="0" algn="l">
+      <a:lvl5pPr marR="0" lvl="4" algn="l" rtl="0">
         <a:lnSpc>
           <a:spcPct val="100000"/>
         </a:lnSpc>
@@ -12010,7 +12293,7 @@
           <a:srgbClr val="000000"/>
         </a:buClr>
         <a:buFont typeface="Arial"/>
-        <a:defRPr b="0" i="0" sz="1400" u="none" cap="none" strike="noStrike">
+        <a:defRPr sz="1400" b="0" i="0" u="none" strike="noStrike" cap="none">
           <a:solidFill>
             <a:srgbClr val="000000"/>
           </a:solidFill>
@@ -12020,7 +12303,7 @@
           <a:sym typeface="Arial"/>
         </a:defRPr>
       </a:lvl5pPr>
-      <a:lvl6pPr lvl="5" marR="0" rtl="0" algn="l">
+      <a:lvl6pPr marR="0" lvl="5" algn="l" rtl="0">
         <a:lnSpc>
           <a:spcPct val="100000"/>
         </a:lnSpc>
@@ -12034,7 +12317,7 @@
           <a:srgbClr val="000000"/>
         </a:buClr>
         <a:buFont typeface="Arial"/>
-        <a:defRPr b="0" i="0" sz="1400" u="none" cap="none" strike="noStrike">
+        <a:defRPr sz="1400" b="0" i="0" u="none" strike="noStrike" cap="none">
           <a:solidFill>
             <a:srgbClr val="000000"/>
           </a:solidFill>
@@ -12044,7 +12327,7 @@
           <a:sym typeface="Arial"/>
         </a:defRPr>
       </a:lvl6pPr>
-      <a:lvl7pPr lvl="6" marR="0" rtl="0" algn="l">
+      <a:lvl7pPr marR="0" lvl="6" algn="l" rtl="0">
         <a:lnSpc>
           <a:spcPct val="100000"/>
         </a:lnSpc>
@@ -12058,7 +12341,7 @@
           <a:srgbClr val="000000"/>
         </a:buClr>
         <a:buFont typeface="Arial"/>
-        <a:defRPr b="0" i="0" sz="1400" u="none" cap="none" strike="noStrike">
+        <a:defRPr sz="1400" b="0" i="0" u="none" strike="noStrike" cap="none">
           <a:solidFill>
             <a:srgbClr val="000000"/>
           </a:solidFill>
@@ -12068,7 +12351,7 @@
           <a:sym typeface="Arial"/>
         </a:defRPr>
       </a:lvl7pPr>
-      <a:lvl8pPr lvl="7" marR="0" rtl="0" algn="l">
+      <a:lvl8pPr marR="0" lvl="7" algn="l" rtl="0">
         <a:lnSpc>
           <a:spcPct val="100000"/>
         </a:lnSpc>
@@ -12082,7 +12365,7 @@
           <a:srgbClr val="000000"/>
         </a:buClr>
         <a:buFont typeface="Arial"/>
-        <a:defRPr b="0" i="0" sz="1400" u="none" cap="none" strike="noStrike">
+        <a:defRPr sz="1400" b="0" i="0" u="none" strike="noStrike" cap="none">
           <a:solidFill>
             <a:srgbClr val="000000"/>
           </a:solidFill>
@@ -12092,7 +12375,7 @@
           <a:sym typeface="Arial"/>
         </a:defRPr>
       </a:lvl8pPr>
-      <a:lvl9pPr lvl="8" marR="0" rtl="0" algn="l">
+      <a:lvl9pPr marR="0" lvl="8" algn="l" rtl="0">
         <a:lnSpc>
           <a:spcPct val="100000"/>
         </a:lnSpc>
@@ -12106,7 +12389,7 @@
           <a:srgbClr val="000000"/>
         </a:buClr>
         <a:buFont typeface="Arial"/>
-        <a:defRPr b="0" i="0" sz="1400" u="none" cap="none" strike="noStrike">
+        <a:defRPr sz="1400" b="0" i="0" u="none" strike="noStrike" cap="none">
           <a:solidFill>
             <a:srgbClr val="000000"/>
           </a:solidFill>
@@ -12122,18 +12405,19 @@
 </file>
 
 <file path=ppt/slides/slide1.xml><?xml version="1.0" encoding="utf-8"?>
-<p:sld xmlns:a="http://schemas.openxmlformats.org/drawingml/2006/main" xmlns:r="http://schemas.openxmlformats.org/officeDocument/2006/relationships" xmlns:mc="http://schemas.openxmlformats.org/markup-compatibility/2006" xmlns:mv="urn:schemas-microsoft-com:mac:vml" xmlns:p="http://schemas.openxmlformats.org/presentationml/2006/main" xmlns:c="http://schemas.openxmlformats.org/drawingml/2006/chart" xmlns:dgm="http://schemas.openxmlformats.org/drawingml/2006/diagram" xmlns:o="urn:schemas-microsoft-com:office:office" xmlns:v="urn:schemas-microsoft-com:vml" xmlns:pvml="urn:schemas-microsoft-com:office:powerpoint" xmlns:com="http://schemas.openxmlformats.org/drawingml/2006/compatibility" xmlns:p14="http://schemas.microsoft.com/office/powerpoint/2010/main" xmlns:p15="http://schemas.microsoft.com/office/powerpoint/2012/main" xmlns:ahyp="http://schemas.microsoft.com/office/drawing/2018/hyperlinkcolor">
+<p:sld xmlns:a="http://schemas.openxmlformats.org/drawingml/2006/main" xmlns:r="http://schemas.openxmlformats.org/officeDocument/2006/relationships" xmlns:p="http://schemas.openxmlformats.org/presentationml/2006/main">
   <p:cSld>
     <p:bg>
       <p:bgPr>
         <a:solidFill>
           <a:schemeClr val="lt1"/>
         </a:solidFill>
+        <a:effectLst/>
       </p:bgPr>
     </p:bg>
     <p:spTree>
       <p:nvGrpSpPr>
-        <p:cNvPr id="93" name="Shape 93"/>
+        <p:cNvPr id="1" name="Shape 93"/>
         <p:cNvGrpSpPr/>
         <p:nvPr/>
       </p:nvGrpSpPr>
@@ -12167,12 +12451,12 @@
           </a:ln>
         </p:spPr>
         <p:txBody>
-          <a:bodyPr anchorCtr="0" anchor="ctr" bIns="45700" lIns="91425" spcFirstLastPara="1" rIns="91425" wrap="square" tIns="45700">
+          <a:bodyPr spcFirstLastPara="1" wrap="square" lIns="91425" tIns="45700" rIns="91425" bIns="45700" anchor="ctr" anchorCtr="0">
             <a:noAutofit/>
           </a:bodyPr>
           <a:lstStyle/>
           <a:p>
-            <a:pPr indent="0" lvl="0" marL="0" marR="0" rtl="0" algn="ctr">
+            <a:pPr marL="0" marR="0" lvl="0" indent="0" algn="ctr" rtl="0">
               <a:spcBef>
                 <a:spcPts val="0"/>
               </a:spcBef>
@@ -12181,10 +12465,7 @@
               </a:spcAft>
               <a:buNone/>
             </a:pPr>
-            <a:r>
-              <a:t/>
-            </a:r>
-            <a:endParaRPr b="0" i="0" sz="1800" u="none" cap="none" strike="noStrike">
+            <a:endParaRPr sz="1800" b="0" i="0" u="none" strike="noStrike" cap="none">
               <a:solidFill>
                 <a:schemeClr val="lt1"/>
               </a:solidFill>
@@ -12199,7 +12480,9 @@
       <p:sp>
         <p:nvSpPr>
           <p:cNvPr id="95" name="Google Shape;95;p1"/>
-          <p:cNvSpPr txBox="1"/>
+          <p:cNvSpPr txBox="1">
+            <a:spLocks noGrp="1"/>
+          </p:cNvSpPr>
           <p:nvPr>
             <p:ph type="ctrTitle"/>
           </p:nvPr>
@@ -12218,12 +12501,12 @@
           </a:ln>
         </p:spPr>
         <p:txBody>
-          <a:bodyPr anchorCtr="0" anchor="b" bIns="45700" lIns="91425" spcFirstLastPara="1" rIns="91425" wrap="square" tIns="45700">
+          <a:bodyPr spcFirstLastPara="1" wrap="square" lIns="91425" tIns="45700" rIns="91425" bIns="45700" anchor="b" anchorCtr="0">
             <a:normAutofit/>
           </a:bodyPr>
           <a:lstStyle/>
           <a:p>
-            <a:pPr indent="0" lvl="0" marL="0" rtl="0" algn="l">
+            <a:pPr marL="0" lvl="0" indent="0" algn="l" rtl="0">
               <a:lnSpc>
                 <a:spcPct val="90000"/>
               </a:lnSpc>
@@ -12251,9 +12534,11 @@
       <p:sp>
         <p:nvSpPr>
           <p:cNvPr id="96" name="Google Shape;96;p1"/>
-          <p:cNvSpPr txBox="1"/>
+          <p:cNvSpPr txBox="1">
+            <a:spLocks noGrp="1"/>
+          </p:cNvSpPr>
           <p:nvPr>
-            <p:ph idx="1" type="subTitle"/>
+            <p:ph type="subTitle" idx="1"/>
           </p:nvPr>
         </p:nvSpPr>
         <p:spPr>
@@ -12270,12 +12555,12 @@
           </a:ln>
         </p:spPr>
         <p:txBody>
-          <a:bodyPr anchorCtr="0" anchor="t" bIns="45700" lIns="91425" spcFirstLastPara="1" rIns="91425" wrap="square" tIns="45700">
+          <a:bodyPr spcFirstLastPara="1" wrap="square" lIns="91425" tIns="45700" rIns="91425" bIns="45700" anchor="t" anchorCtr="0">
             <a:normAutofit/>
           </a:bodyPr>
           <a:lstStyle/>
           <a:p>
-            <a:pPr indent="0" lvl="0" marL="0" rtl="0" algn="l">
+            <a:pPr marL="0" lvl="0" indent="0" algn="l" rtl="0">
               <a:lnSpc>
                 <a:spcPct val="110000"/>
               </a:lnSpc>
@@ -12288,16 +12573,13 @@
               <a:buSzPts val="2400"/>
               <a:buNone/>
             </a:pPr>
-            <a:r>
-              <a:t/>
-            </a:r>
             <a:endParaRPr/>
           </a:p>
         </p:txBody>
       </p:sp>
       <p:pic>
         <p:nvPicPr>
-          <p:cNvPr descr="A picture containing building, sitting, bench, side&#10;&#10;Description automatically generated" id="97" name="Google Shape;97;p1"/>
+          <p:cNvPr id="97" name="Google Shape;97;p1" descr="A picture containing building, sitting, bench, side&#10;&#10;Description automatically generated"/>
           <p:cNvPicPr preferRelativeResize="0"/>
           <p:nvPr/>
         </p:nvPicPr>
@@ -12305,7 +12587,7 @@
           <a:blip r:embed="rId3">
             <a:alphaModFix/>
           </a:blip>
-          <a:srcRect b="0" l="0" r="0" t="0"/>
+          <a:srcRect/>
           <a:stretch/>
         </p:blipFill>
         <p:spPr>
@@ -12337,14 +12619,14 @@
             <a:avLst/>
           </a:prstGeom>
           <a:noFill/>
-          <a:ln cap="flat" cmpd="sng" w="12700">
+          <a:ln w="12700" cap="flat" cmpd="sng">
             <a:solidFill>
               <a:srgbClr val="3F3F3F"/>
             </a:solidFill>
             <a:prstDash val="solid"/>
             <a:round/>
-            <a:headEnd len="sm" w="sm" type="none"/>
-            <a:tailEnd len="sm" w="sm" type="none"/>
+            <a:headEnd type="none" w="sm" len="sm"/>
+            <a:tailEnd type="none" w="sm" len="sm"/>
           </a:ln>
         </p:spPr>
       </p:cxnSp>
@@ -12357,11 +12639,11 @@
 </file>
 
 <file path=ppt/slides/slide2.xml><?xml version="1.0" encoding="utf-8"?>
-<p:sld xmlns:a="http://schemas.openxmlformats.org/drawingml/2006/main" xmlns:r="http://schemas.openxmlformats.org/officeDocument/2006/relationships" xmlns:mc="http://schemas.openxmlformats.org/markup-compatibility/2006" xmlns:mv="urn:schemas-microsoft-com:mac:vml" xmlns:p="http://schemas.openxmlformats.org/presentationml/2006/main" xmlns:c="http://schemas.openxmlformats.org/drawingml/2006/chart" xmlns:dgm="http://schemas.openxmlformats.org/drawingml/2006/diagram" xmlns:o="urn:schemas-microsoft-com:office:office" xmlns:v="urn:schemas-microsoft-com:vml" xmlns:pvml="urn:schemas-microsoft-com:office:powerpoint" xmlns:com="http://schemas.openxmlformats.org/drawingml/2006/compatibility" xmlns:p14="http://schemas.microsoft.com/office/powerpoint/2010/main" xmlns:p15="http://schemas.microsoft.com/office/powerpoint/2012/main" xmlns:ahyp="http://schemas.microsoft.com/office/drawing/2018/hyperlinkcolor">
+<p:sld xmlns:a="http://schemas.openxmlformats.org/drawingml/2006/main" xmlns:r="http://schemas.openxmlformats.org/officeDocument/2006/relationships" xmlns:p="http://schemas.openxmlformats.org/presentationml/2006/main">
   <p:cSld>
     <p:spTree>
       <p:nvGrpSpPr>
-        <p:cNvPr id="102" name="Shape 102"/>
+        <p:cNvPr id="1" name="Shape 102"/>
         <p:cNvGrpSpPr/>
         <p:nvPr/>
       </p:nvGrpSpPr>
@@ -12376,7 +12658,9 @@
       <p:sp>
         <p:nvSpPr>
           <p:cNvPr id="103" name="Google Shape;103;p2"/>
-          <p:cNvSpPr txBox="1"/>
+          <p:cNvSpPr txBox="1">
+            <a:spLocks noGrp="1"/>
+          </p:cNvSpPr>
           <p:nvPr>
             <p:ph type="title"/>
           </p:nvPr>
@@ -12395,12 +12679,12 @@
           </a:ln>
         </p:spPr>
         <p:txBody>
-          <a:bodyPr anchorCtr="0" anchor="b" bIns="45700" lIns="91425" spcFirstLastPara="1" rIns="91425" wrap="square" tIns="45700">
+          <a:bodyPr spcFirstLastPara="1" wrap="square" lIns="91425" tIns="45700" rIns="91425" bIns="45700" anchor="b" anchorCtr="0">
             <a:normAutofit/>
           </a:bodyPr>
           <a:lstStyle/>
           <a:p>
-            <a:pPr indent="0" lvl="0" marL="0" rtl="0" algn="l">
+            <a:pPr marL="0" lvl="0" indent="0" algn="l" rtl="0">
               <a:lnSpc>
                 <a:spcPct val="90000"/>
               </a:lnSpc>
@@ -12428,9 +12712,11 @@
       <p:sp>
         <p:nvSpPr>
           <p:cNvPr id="104" name="Google Shape;104;p2"/>
-          <p:cNvSpPr txBox="1"/>
+          <p:cNvSpPr txBox="1">
+            <a:spLocks noGrp="1"/>
+          </p:cNvSpPr>
           <p:nvPr>
-            <p:ph idx="1" type="body"/>
+            <p:ph type="body" idx="1"/>
           </p:nvPr>
         </p:nvSpPr>
         <p:spPr>
@@ -12447,12 +12733,12 @@
           </a:ln>
         </p:spPr>
         <p:txBody>
-          <a:bodyPr anchorCtr="0" anchor="t" bIns="45700" lIns="0" spcFirstLastPara="1" rIns="0" wrap="square" tIns="45700">
+          <a:bodyPr spcFirstLastPara="1" wrap="square" lIns="0" tIns="45700" rIns="0" bIns="45700" anchor="t" anchorCtr="0">
             <a:normAutofit/>
           </a:bodyPr>
           <a:lstStyle/>
           <a:p>
-            <a:pPr indent="-120650" lvl="0" marL="91440" rtl="0" algn="l">
+            <a:pPr marL="91440" lvl="0" indent="-120650" algn="l" rtl="0">
               <a:lnSpc>
                 <a:spcPct val="110000"/>
               </a:lnSpc>
@@ -12472,7 +12758,7 @@
             <a:endParaRPr/>
           </a:p>
           <a:p>
-            <a:pPr indent="0" lvl="0" marL="91440" rtl="0" algn="l">
+            <a:pPr marL="91440" lvl="0" indent="0" algn="l" rtl="0">
               <a:lnSpc>
                 <a:spcPct val="110000"/>
               </a:lnSpc>
@@ -12485,13 +12771,10 @@
               <a:buSzPts val="1900"/>
               <a:buNone/>
             </a:pPr>
-            <a:r>
-              <a:t/>
-            </a:r>
             <a:endParaRPr/>
           </a:p>
           <a:p>
-            <a:pPr indent="-120650" lvl="0" marL="91440" rtl="0" algn="l">
+            <a:pPr marL="91440" lvl="0" indent="-120650" algn="l" rtl="0">
               <a:lnSpc>
                 <a:spcPct val="110000"/>
               </a:lnSpc>
@@ -12521,11 +12804,11 @@
 </file>
 
 <file path=ppt/slides/slide3.xml><?xml version="1.0" encoding="utf-8"?>
-<p:sld xmlns:a="http://schemas.openxmlformats.org/drawingml/2006/main" xmlns:r="http://schemas.openxmlformats.org/officeDocument/2006/relationships" xmlns:mc="http://schemas.openxmlformats.org/markup-compatibility/2006" xmlns:mv="urn:schemas-microsoft-com:mac:vml" xmlns:p="http://schemas.openxmlformats.org/presentationml/2006/main" xmlns:c="http://schemas.openxmlformats.org/drawingml/2006/chart" xmlns:dgm="http://schemas.openxmlformats.org/drawingml/2006/diagram" xmlns:o="urn:schemas-microsoft-com:office:office" xmlns:v="urn:schemas-microsoft-com:vml" xmlns:pvml="urn:schemas-microsoft-com:office:powerpoint" xmlns:com="http://schemas.openxmlformats.org/drawingml/2006/compatibility" xmlns:p14="http://schemas.microsoft.com/office/powerpoint/2010/main" xmlns:p15="http://schemas.microsoft.com/office/powerpoint/2012/main" xmlns:ahyp="http://schemas.microsoft.com/office/drawing/2018/hyperlinkcolor">
+<p:sld xmlns:a="http://schemas.openxmlformats.org/drawingml/2006/main" xmlns:r="http://schemas.openxmlformats.org/officeDocument/2006/relationships" xmlns:p="http://schemas.openxmlformats.org/presentationml/2006/main">
   <p:cSld>
     <p:spTree>
       <p:nvGrpSpPr>
-        <p:cNvPr id="108" name="Shape 108"/>
+        <p:cNvPr id="1" name="Shape 108"/>
         <p:cNvGrpSpPr/>
         <p:nvPr/>
       </p:nvGrpSpPr>
@@ -12540,7 +12823,9 @@
       <p:sp>
         <p:nvSpPr>
           <p:cNvPr id="109" name="Google Shape;109;p3"/>
-          <p:cNvSpPr txBox="1"/>
+          <p:cNvSpPr txBox="1">
+            <a:spLocks noGrp="1"/>
+          </p:cNvSpPr>
           <p:nvPr>
             <p:ph type="title"/>
           </p:nvPr>
@@ -12559,12 +12844,12 @@
           </a:ln>
         </p:spPr>
         <p:txBody>
-          <a:bodyPr anchorCtr="0" anchor="b" bIns="45700" lIns="91425" spcFirstLastPara="1" rIns="91425" wrap="square" tIns="45700">
+          <a:bodyPr spcFirstLastPara="1" wrap="square" lIns="91425" tIns="45700" rIns="91425" bIns="45700" anchor="b" anchorCtr="0">
             <a:normAutofit/>
           </a:bodyPr>
           <a:lstStyle/>
           <a:p>
-            <a:pPr indent="0" lvl="0" marL="0" rtl="0" algn="l">
+            <a:pPr marL="0" lvl="0" indent="0" algn="l" rtl="0">
               <a:lnSpc>
                 <a:spcPct val="90000"/>
               </a:lnSpc>
@@ -12582,19 +12867,21 @@
               <a:buNone/>
             </a:pPr>
             <a:r>
-              <a:rPr lang="en-US"/>
+              <a:rPr lang="en-US" dirty="0"/>
               <a:t>Source of Data</a:t>
             </a:r>
-            <a:endParaRPr/>
+            <a:endParaRPr dirty="0"/>
           </a:p>
         </p:txBody>
       </p:sp>
       <p:sp>
         <p:nvSpPr>
           <p:cNvPr id="110" name="Google Shape;110;p3"/>
-          <p:cNvSpPr txBox="1"/>
+          <p:cNvSpPr txBox="1">
+            <a:spLocks noGrp="1"/>
+          </p:cNvSpPr>
           <p:nvPr>
-            <p:ph idx="1" type="body"/>
+            <p:ph type="body" idx="1"/>
           </p:nvPr>
         </p:nvSpPr>
         <p:spPr>
@@ -12611,12 +12898,12 @@
           </a:ln>
         </p:spPr>
         <p:txBody>
-          <a:bodyPr anchorCtr="0" anchor="t" bIns="45700" lIns="0" spcFirstLastPara="1" rIns="0" wrap="square" tIns="45700">
+          <a:bodyPr spcFirstLastPara="1" wrap="square" lIns="0" tIns="45700" rIns="0" bIns="45700" anchor="t" anchorCtr="0">
             <a:normAutofit/>
           </a:bodyPr>
           <a:lstStyle/>
           <a:p>
-            <a:pPr indent="0" lvl="0" marL="91440" rtl="0" algn="l">
+            <a:pPr marL="91440" lvl="0" indent="0" algn="l" rtl="0">
               <a:lnSpc>
                 <a:spcPct val="110000"/>
               </a:lnSpc>
@@ -12630,9 +12917,118 @@
               <a:buNone/>
             </a:pPr>
             <a:r>
-              <a:t/>
+              <a:rPr lang="en-US" dirty="0"/>
+              <a:t>Postgres database that consists of two tables of Los Angeles Real Estate data. </a:t>
             </a:r>
-            <a:endParaRPr/>
+          </a:p>
+          <a:p>
+            <a:pPr marL="91440" lvl="0" indent="0" algn="l" rtl="0">
+              <a:lnSpc>
+                <a:spcPct val="110000"/>
+              </a:lnSpc>
+              <a:spcBef>
+                <a:spcPts val="0"/>
+              </a:spcBef>
+              <a:spcAft>
+                <a:spcPts val="0"/>
+              </a:spcAft>
+              <a:buSzPts val="1900"/>
+              <a:buNone/>
+            </a:pPr>
+            <a:endParaRPr lang="en-US" dirty="0"/>
+          </a:p>
+          <a:p>
+            <a:pPr marL="91440" indent="0">
+              <a:spcBef>
+                <a:spcPts val="0"/>
+              </a:spcBef>
+              <a:buSzPts val="1900"/>
+              <a:buNone/>
+            </a:pPr>
+            <a:r>
+              <a:rPr lang="en-US" dirty="0"/>
+              <a:t>Sales Table</a:t>
+            </a:r>
+          </a:p>
+          <a:p>
+            <a:pPr marL="434340">
+              <a:spcBef>
+                <a:spcPts val="0"/>
+              </a:spcBef>
+              <a:buSzPts val="1900"/>
+              <a:buFont typeface="Wingdings" panose="05000000000000000000" pitchFamily="2" charset="2"/>
+              <a:buChar char="§"/>
+            </a:pPr>
+            <a:r>
+              <a:rPr lang="en-US" dirty="0"/>
+              <a:t>45 Columns</a:t>
+            </a:r>
+          </a:p>
+          <a:p>
+            <a:pPr marL="434340">
+              <a:spcBef>
+                <a:spcPts val="0"/>
+              </a:spcBef>
+              <a:buSzPts val="1900"/>
+              <a:buFont typeface="Wingdings" panose="05000000000000000000" pitchFamily="2" charset="2"/>
+              <a:buChar char="§"/>
+            </a:pPr>
+            <a:r>
+              <a:rPr lang="en-US" dirty="0"/>
+              <a:t>6829 Rows</a:t>
+            </a:r>
+          </a:p>
+          <a:p>
+            <a:pPr marL="91440" indent="0">
+              <a:spcBef>
+                <a:spcPts val="0"/>
+              </a:spcBef>
+              <a:buSzPts val="1900"/>
+              <a:buNone/>
+            </a:pPr>
+            <a:endParaRPr lang="en-US" dirty="0"/>
+          </a:p>
+          <a:p>
+            <a:pPr marL="91440" indent="0">
+              <a:spcBef>
+                <a:spcPts val="0"/>
+              </a:spcBef>
+              <a:buSzPts val="1900"/>
+              <a:buNone/>
+            </a:pPr>
+            <a:r>
+              <a:rPr lang="en-US" dirty="0"/>
+              <a:t>Total Table</a:t>
+            </a:r>
+          </a:p>
+          <a:p>
+            <a:pPr marL="434340">
+              <a:spcBef>
+                <a:spcPts val="0"/>
+              </a:spcBef>
+              <a:buSzPts val="1900"/>
+              <a:buFont typeface="Wingdings" panose="05000000000000000000" pitchFamily="2" charset="2"/>
+              <a:buChar char="§"/>
+            </a:pPr>
+            <a:r>
+              <a:rPr lang="en-US" dirty="0"/>
+              <a:t>52 Columns</a:t>
+            </a:r>
+          </a:p>
+          <a:p>
+            <a:pPr marL="434340">
+              <a:spcBef>
+                <a:spcPts val="0"/>
+              </a:spcBef>
+              <a:buSzPts val="1900"/>
+              <a:buFont typeface="Wingdings" panose="05000000000000000000" pitchFamily="2" charset="2"/>
+              <a:buChar char="§"/>
+            </a:pPr>
+            <a:r>
+              <a:rPr lang="en-US" dirty="0"/>
+              <a:t>39310</a:t>
+            </a:r>
+            <a:endParaRPr dirty="0"/>
           </a:p>
         </p:txBody>
       </p:sp>
@@ -12645,11 +13041,11 @@
 </file>
 
 <file path=ppt/slides/slide4.xml><?xml version="1.0" encoding="utf-8"?>
-<p:sld xmlns:a="http://schemas.openxmlformats.org/drawingml/2006/main" xmlns:r="http://schemas.openxmlformats.org/officeDocument/2006/relationships" xmlns:mc="http://schemas.openxmlformats.org/markup-compatibility/2006" xmlns:mv="urn:schemas-microsoft-com:mac:vml" xmlns:p="http://schemas.openxmlformats.org/presentationml/2006/main" xmlns:c="http://schemas.openxmlformats.org/drawingml/2006/chart" xmlns:dgm="http://schemas.openxmlformats.org/drawingml/2006/diagram" xmlns:o="urn:schemas-microsoft-com:office:office" xmlns:v="urn:schemas-microsoft-com:vml" xmlns:pvml="urn:schemas-microsoft-com:office:powerpoint" xmlns:com="http://schemas.openxmlformats.org/drawingml/2006/compatibility" xmlns:p14="http://schemas.microsoft.com/office/powerpoint/2010/main" xmlns:p15="http://schemas.microsoft.com/office/powerpoint/2012/main" xmlns:ahyp="http://schemas.microsoft.com/office/drawing/2018/hyperlinkcolor">
+<p:sld xmlns:a="http://schemas.openxmlformats.org/drawingml/2006/main" xmlns:r="http://schemas.openxmlformats.org/officeDocument/2006/relationships" xmlns:p="http://schemas.openxmlformats.org/presentationml/2006/main">
   <p:cSld>
     <p:spTree>
       <p:nvGrpSpPr>
-        <p:cNvPr id="114" name="Shape 114"/>
+        <p:cNvPr id="1" name="Shape 114"/>
         <p:cNvGrpSpPr/>
         <p:nvPr/>
       </p:nvGrpSpPr>
@@ -12664,7 +13060,9 @@
       <p:sp>
         <p:nvSpPr>
           <p:cNvPr id="115" name="Google Shape;115;p4"/>
-          <p:cNvSpPr txBox="1"/>
+          <p:cNvSpPr txBox="1">
+            <a:spLocks noGrp="1"/>
+          </p:cNvSpPr>
           <p:nvPr>
             <p:ph type="title"/>
           </p:nvPr>
@@ -12683,12 +13081,12 @@
           </a:ln>
         </p:spPr>
         <p:txBody>
-          <a:bodyPr anchorCtr="0" anchor="b" bIns="45700" lIns="91425" spcFirstLastPara="1" rIns="91425" wrap="square" tIns="45700">
+          <a:bodyPr spcFirstLastPara="1" wrap="square" lIns="91425" tIns="45700" rIns="91425" bIns="45700" anchor="b" anchorCtr="0">
             <a:normAutofit/>
           </a:bodyPr>
           <a:lstStyle/>
           <a:p>
-            <a:pPr indent="0" lvl="0" marL="0" rtl="0" algn="l">
+            <a:pPr marL="0" lvl="0" indent="0" algn="l" rtl="0">
               <a:lnSpc>
                 <a:spcPct val="90000"/>
               </a:lnSpc>
@@ -12716,9 +13114,11 @@
       <p:sp>
         <p:nvSpPr>
           <p:cNvPr id="116" name="Google Shape;116;p4"/>
-          <p:cNvSpPr txBox="1"/>
+          <p:cNvSpPr txBox="1">
+            <a:spLocks noGrp="1"/>
+          </p:cNvSpPr>
           <p:nvPr>
-            <p:ph idx="1" type="body"/>
+            <p:ph type="body" idx="1"/>
           </p:nvPr>
         </p:nvSpPr>
         <p:spPr>
@@ -12735,12 +13135,12 @@
           </a:ln>
         </p:spPr>
         <p:txBody>
-          <a:bodyPr anchorCtr="0" anchor="t" bIns="45700" lIns="0" spcFirstLastPara="1" rIns="0" wrap="square" tIns="45700">
+          <a:bodyPr spcFirstLastPara="1" wrap="square" lIns="0" tIns="45700" rIns="0" bIns="45700" anchor="t" anchorCtr="0">
             <a:normAutofit/>
           </a:bodyPr>
           <a:lstStyle/>
           <a:p>
-            <a:pPr indent="-120650" lvl="0" marL="91440" rtl="0" algn="l">
+            <a:pPr marL="91440" lvl="0" indent="-120650" algn="l" rtl="0">
               <a:lnSpc>
                 <a:spcPct val="110000"/>
               </a:lnSpc>
@@ -12760,7 +13160,7 @@
             <a:endParaRPr/>
           </a:p>
           <a:p>
-            <a:pPr indent="-120650" lvl="0" marL="91440" rtl="0" algn="l">
+            <a:pPr marL="91440" lvl="0" indent="-120650" algn="l" rtl="0">
               <a:lnSpc>
                 <a:spcPct val="110000"/>
               </a:lnSpc>
@@ -12780,7 +13180,7 @@
             <a:endParaRPr/>
           </a:p>
           <a:p>
-            <a:pPr indent="0" lvl="0" marL="0" rtl="0" algn="l">
+            <a:pPr marL="0" lvl="0" indent="0" algn="l" rtl="0">
               <a:lnSpc>
                 <a:spcPct val="110000"/>
               </a:lnSpc>
@@ -12800,7 +13200,7 @@
             <a:endParaRPr/>
           </a:p>
           <a:p>
-            <a:pPr indent="0" lvl="0" marL="91440" rtl="0" algn="l">
+            <a:pPr marL="91440" lvl="0" indent="0" algn="l" rtl="0">
               <a:lnSpc>
                 <a:spcPct val="110000"/>
               </a:lnSpc>
@@ -12813,9 +13213,6 @@
               <a:buSzPts val="1900"/>
               <a:buNone/>
             </a:pPr>
-            <a:r>
-              <a:t/>
-            </a:r>
             <a:endParaRPr/>
           </a:p>
         </p:txBody>
@@ -12829,11 +13226,11 @@
 </file>
 
 <file path=ppt/slides/slide5.xml><?xml version="1.0" encoding="utf-8"?>
-<p:sld xmlns:a="http://schemas.openxmlformats.org/drawingml/2006/main" xmlns:r="http://schemas.openxmlformats.org/officeDocument/2006/relationships" xmlns:mc="http://schemas.openxmlformats.org/markup-compatibility/2006" xmlns:mv="urn:schemas-microsoft-com:mac:vml" xmlns:p="http://schemas.openxmlformats.org/presentationml/2006/main" xmlns:c="http://schemas.openxmlformats.org/drawingml/2006/chart" xmlns:dgm="http://schemas.openxmlformats.org/drawingml/2006/diagram" xmlns:o="urn:schemas-microsoft-com:office:office" xmlns:v="urn:schemas-microsoft-com:vml" xmlns:pvml="urn:schemas-microsoft-com:office:powerpoint" xmlns:com="http://schemas.openxmlformats.org/drawingml/2006/compatibility" xmlns:p14="http://schemas.microsoft.com/office/powerpoint/2010/main" xmlns:p15="http://schemas.microsoft.com/office/powerpoint/2012/main" xmlns:ahyp="http://schemas.microsoft.com/office/drawing/2018/hyperlinkcolor">
+<p:sld xmlns:a="http://schemas.openxmlformats.org/drawingml/2006/main" xmlns:r="http://schemas.openxmlformats.org/officeDocument/2006/relationships" xmlns:p="http://schemas.openxmlformats.org/presentationml/2006/main">
   <p:cSld>
     <p:spTree>
       <p:nvGrpSpPr>
-        <p:cNvPr id="120" name="Shape 120"/>
+        <p:cNvPr id="1" name="Shape 120"/>
         <p:cNvGrpSpPr/>
         <p:nvPr/>
       </p:nvGrpSpPr>
@@ -12848,7 +13245,9 @@
       <p:sp>
         <p:nvSpPr>
           <p:cNvPr id="121" name="Google Shape;121;p5"/>
-          <p:cNvSpPr txBox="1"/>
+          <p:cNvSpPr txBox="1">
+            <a:spLocks noGrp="1"/>
+          </p:cNvSpPr>
           <p:nvPr>
             <p:ph type="title"/>
           </p:nvPr>
@@ -12867,12 +13266,12 @@
           </a:ln>
         </p:spPr>
         <p:txBody>
-          <a:bodyPr anchorCtr="0" anchor="b" bIns="45700" lIns="91425" spcFirstLastPara="1" rIns="91425" wrap="square" tIns="45700">
+          <a:bodyPr spcFirstLastPara="1" wrap="square" lIns="91425" tIns="45700" rIns="91425" bIns="45700" anchor="b" anchorCtr="0">
             <a:normAutofit/>
           </a:bodyPr>
           <a:lstStyle/>
           <a:p>
-            <a:pPr indent="0" lvl="0" marL="0" rtl="0" algn="l">
+            <a:pPr marL="0" lvl="0" indent="0" algn="l" rtl="0">
               <a:lnSpc>
                 <a:spcPct val="90000"/>
               </a:lnSpc>
@@ -12889,9 +13288,6 @@
               <a:buFont typeface="Bookman Old Style"/>
               <a:buNone/>
             </a:pPr>
-            <a:r>
-              <a:t/>
-            </a:r>
             <a:endParaRPr/>
           </a:p>
         </p:txBody>
@@ -12899,9 +13295,11 @@
       <p:sp>
         <p:nvSpPr>
           <p:cNvPr id="122" name="Google Shape;122;p5"/>
-          <p:cNvSpPr txBox="1"/>
+          <p:cNvSpPr txBox="1">
+            <a:spLocks noGrp="1"/>
+          </p:cNvSpPr>
           <p:nvPr>
-            <p:ph idx="1" type="body"/>
+            <p:ph type="body" idx="1"/>
           </p:nvPr>
         </p:nvSpPr>
         <p:spPr>
@@ -12918,12 +13316,12 @@
           </a:ln>
         </p:spPr>
         <p:txBody>
-          <a:bodyPr anchorCtr="0" anchor="t" bIns="45700" lIns="0" spcFirstLastPara="1" rIns="0" wrap="square" tIns="45700">
+          <a:bodyPr spcFirstLastPara="1" wrap="square" lIns="0" tIns="45700" rIns="0" bIns="45700" anchor="t" anchorCtr="0">
             <a:normAutofit/>
           </a:bodyPr>
           <a:lstStyle/>
           <a:p>
-            <a:pPr indent="-120650" lvl="0" marL="91440" rtl="0" algn="l">
+            <a:pPr marL="91440" lvl="0" indent="-120650" algn="l" rtl="0">
               <a:lnSpc>
                 <a:spcPct val="110000"/>
               </a:lnSpc>
@@ -12943,7 +13341,7 @@
             <a:endParaRPr/>
           </a:p>
           <a:p>
-            <a:pPr indent="0" lvl="0" marL="0" rtl="0" algn="l">
+            <a:pPr marL="0" lvl="0" indent="0" algn="l" rtl="0">
               <a:lnSpc>
                 <a:spcPct val="110000"/>
               </a:lnSpc>
@@ -12963,7 +13361,7 @@
             <a:endParaRPr/>
           </a:p>
           <a:p>
-            <a:pPr indent="0" lvl="0" marL="0" rtl="0" algn="l">
+            <a:pPr marL="0" lvl="0" indent="0" algn="l" rtl="0">
               <a:lnSpc>
                 <a:spcPct val="110000"/>
               </a:lnSpc>
@@ -12983,7 +13381,7 @@
             <a:endParaRPr/>
           </a:p>
           <a:p>
-            <a:pPr indent="0" lvl="0" marL="91440" rtl="0" algn="l">
+            <a:pPr marL="91440" lvl="0" indent="0" algn="l" rtl="0">
               <a:lnSpc>
                 <a:spcPct val="110000"/>
               </a:lnSpc>
@@ -12996,13 +13394,10 @@
               <a:buSzPts val="1900"/>
               <a:buNone/>
             </a:pPr>
-            <a:r>
-              <a:t/>
-            </a:r>
             <a:endParaRPr/>
           </a:p>
           <a:p>
-            <a:pPr indent="0" lvl="0" marL="0" rtl="0" algn="l">
+            <a:pPr marL="0" lvl="0" indent="0" algn="l" rtl="0">
               <a:lnSpc>
                 <a:spcPct val="110000"/>
               </a:lnSpc>
@@ -13015,9 +13410,6 @@
               <a:buSzPts val="1900"/>
               <a:buNone/>
             </a:pPr>
-            <a:r>
-              <a:t/>
-            </a:r>
             <a:endParaRPr/>
           </a:p>
         </p:txBody>
@@ -13031,11 +13423,11 @@
 </file>
 
 <file path=ppt/slides/slide6.xml><?xml version="1.0" encoding="utf-8"?>
-<p:sld xmlns:a="http://schemas.openxmlformats.org/drawingml/2006/main" xmlns:r="http://schemas.openxmlformats.org/officeDocument/2006/relationships" xmlns:mc="http://schemas.openxmlformats.org/markup-compatibility/2006" xmlns:mv="urn:schemas-microsoft-com:mac:vml" xmlns:p="http://schemas.openxmlformats.org/presentationml/2006/main" xmlns:c="http://schemas.openxmlformats.org/drawingml/2006/chart" xmlns:dgm="http://schemas.openxmlformats.org/drawingml/2006/diagram" xmlns:o="urn:schemas-microsoft-com:office:office" xmlns:v="urn:schemas-microsoft-com:vml" xmlns:pvml="urn:schemas-microsoft-com:office:powerpoint" xmlns:com="http://schemas.openxmlformats.org/drawingml/2006/compatibility" xmlns:p14="http://schemas.microsoft.com/office/powerpoint/2010/main" xmlns:p15="http://schemas.microsoft.com/office/powerpoint/2012/main" xmlns:ahyp="http://schemas.microsoft.com/office/drawing/2018/hyperlinkcolor">
+<p:sld xmlns:a="http://schemas.openxmlformats.org/drawingml/2006/main" xmlns:r="http://schemas.openxmlformats.org/officeDocument/2006/relationships" xmlns:p="http://schemas.openxmlformats.org/presentationml/2006/main">
   <p:cSld>
     <p:spTree>
       <p:nvGrpSpPr>
-        <p:cNvPr id="126" name="Shape 126"/>
+        <p:cNvPr id="1" name="Shape 126"/>
         <p:cNvGrpSpPr/>
         <p:nvPr/>
       </p:nvGrpSpPr>
@@ -13050,7 +13442,9 @@
       <p:sp>
         <p:nvSpPr>
           <p:cNvPr id="127" name="Google Shape;127;gd16f877427_0_6"/>
-          <p:cNvSpPr txBox="1"/>
+          <p:cNvSpPr txBox="1">
+            <a:spLocks noGrp="1"/>
+          </p:cNvSpPr>
           <p:nvPr>
             <p:ph type="title"/>
           </p:nvPr>
@@ -13065,12 +13459,12 @@
           </a:prstGeom>
         </p:spPr>
         <p:txBody>
-          <a:bodyPr anchorCtr="0" anchor="b" bIns="45700" lIns="91425" spcFirstLastPara="1" rIns="91425" wrap="square" tIns="45700">
+          <a:bodyPr spcFirstLastPara="1" wrap="square" lIns="91425" tIns="45700" rIns="91425" bIns="45700" anchor="b" anchorCtr="0">
             <a:normAutofit/>
           </a:bodyPr>
           <a:lstStyle/>
           <a:p>
-            <a:pPr indent="0" lvl="0" marL="0" rtl="0" algn="l">
+            <a:pPr marL="0" lvl="0" indent="0" algn="l" rtl="0">
               <a:spcBef>
                 <a:spcPts val="0"/>
               </a:spcBef>
@@ -13090,9 +13484,11 @@
       <p:sp>
         <p:nvSpPr>
           <p:cNvPr id="128" name="Google Shape;128;gd16f877427_0_6"/>
-          <p:cNvSpPr txBox="1"/>
+          <p:cNvSpPr txBox="1">
+            <a:spLocks noGrp="1"/>
+          </p:cNvSpPr>
           <p:nvPr>
-            <p:ph idx="2" type="body"/>
+            <p:ph type="body" idx="2"/>
           </p:nvPr>
         </p:nvSpPr>
         <p:spPr>
@@ -13105,12 +13501,12 @@
           </a:prstGeom>
         </p:spPr>
         <p:txBody>
-          <a:bodyPr anchorCtr="0" anchor="t" bIns="45700" lIns="91425" spcFirstLastPara="1" rIns="91425" wrap="square" tIns="45700">
+          <a:bodyPr spcFirstLastPara="1" wrap="square" lIns="91425" tIns="45700" rIns="91425" bIns="45700" anchor="t" anchorCtr="0">
             <a:normAutofit/>
           </a:bodyPr>
           <a:lstStyle/>
           <a:p>
-            <a:pPr indent="0" lvl="0" marL="0" rtl="0" algn="l">
+            <a:pPr marL="0" lvl="0" indent="0" algn="l" rtl="0">
               <a:spcBef>
                 <a:spcPts val="1200"/>
               </a:spcBef>
@@ -13133,15 +13529,7 @@
             </a:r>
             <a:r>
               <a:rPr lang="en-US"/>
-              <a:t>show the accuracy of the machine learning model in predicting house sales. If house and condo sales show a different </a:t>
-            </a:r>
-            <a:r>
-              <a:rPr lang="en-US"/>
-              <a:t>short</a:t>
-            </a:r>
-            <a:r>
-              <a:rPr lang="en-US"/>
-              <a:t> they will be split into individual maps. </a:t>
+              <a:t>show the accuracy of the machine learning model in predicting house sales. If house and condo sales show a different short they will be split into individual maps. </a:t>
             </a:r>
             <a:endParaRPr/>
           </a:p>
@@ -13157,7 +13545,7 @@
           <a:blip r:embed="rId3">
             <a:alphaModFix/>
           </a:blip>
-          <a:srcRect b="0" l="0" r="52482" t="0"/>
+          <a:srcRect r="52482"/>
           <a:stretch/>
         </p:blipFill>
         <p:spPr>
@@ -13194,12 +13582,12 @@
           </a:ln>
         </p:spPr>
         <p:txBody>
-          <a:bodyPr anchorCtr="0" anchor="t" bIns="91425" lIns="91425" spcFirstLastPara="1" rIns="91425" wrap="square" tIns="91425">
+          <a:bodyPr spcFirstLastPara="1" wrap="square" lIns="91425" tIns="91425" rIns="91425" bIns="91425" anchor="t" anchorCtr="0">
             <a:spAutoFit/>
           </a:bodyPr>
           <a:lstStyle/>
           <a:p>
-            <a:pPr indent="0" lvl="0" marL="0" rtl="0" algn="l">
+            <a:pPr marL="0" lvl="0" indent="0" algn="l" rtl="0">
               <a:lnSpc>
                 <a:spcPct val="110000"/>
               </a:lnSpc>
@@ -13212,7 +13600,7 @@
               <a:buNone/>
             </a:pPr>
             <a:r>
-              <a:rPr b="1" lang="en-US" sz="1900">
+              <a:rPr lang="en-US" sz="1900" b="1">
                 <a:solidFill>
                   <a:srgbClr val="3F3F3F"/>
                 </a:solidFill>
@@ -13247,12 +13635,12 @@
           </a:ln>
         </p:spPr>
         <p:txBody>
-          <a:bodyPr anchorCtr="0" anchor="t" bIns="91425" lIns="91425" spcFirstLastPara="1" rIns="91425" wrap="square" tIns="91425">
+          <a:bodyPr spcFirstLastPara="1" wrap="square" lIns="91425" tIns="91425" rIns="91425" bIns="91425" anchor="t" anchorCtr="0">
             <a:spAutoFit/>
           </a:bodyPr>
           <a:lstStyle/>
           <a:p>
-            <a:pPr indent="0" lvl="0" marL="0" rtl="0" algn="l">
+            <a:pPr marL="0" lvl="0" indent="0" algn="l" rtl="0">
               <a:spcBef>
                 <a:spcPts val="0"/>
               </a:spcBef>
@@ -13262,7 +13650,7 @@
               <a:buNone/>
             </a:pPr>
             <a:r>
-              <a:rPr i="1" lang="en-US">
+              <a:rPr lang="en-US" i="1">
                 <a:latin typeface="Libre Franklin"/>
                 <a:ea typeface="Libre Franklin"/>
                 <a:cs typeface="Libre Franklin"/>
@@ -13288,11 +13676,11 @@
 </file>
 
 <file path=ppt/slides/slide7.xml><?xml version="1.0" encoding="utf-8"?>
-<p:sld xmlns:a="http://schemas.openxmlformats.org/drawingml/2006/main" xmlns:r="http://schemas.openxmlformats.org/officeDocument/2006/relationships" xmlns:mc="http://schemas.openxmlformats.org/markup-compatibility/2006" xmlns:mv="urn:schemas-microsoft-com:mac:vml" xmlns:p="http://schemas.openxmlformats.org/presentationml/2006/main" xmlns:c="http://schemas.openxmlformats.org/drawingml/2006/chart" xmlns:dgm="http://schemas.openxmlformats.org/drawingml/2006/diagram" xmlns:o="urn:schemas-microsoft-com:office:office" xmlns:v="urn:schemas-microsoft-com:vml" xmlns:pvml="urn:schemas-microsoft-com:office:powerpoint" xmlns:com="http://schemas.openxmlformats.org/drawingml/2006/compatibility" xmlns:p14="http://schemas.microsoft.com/office/powerpoint/2010/main" xmlns:p15="http://schemas.microsoft.com/office/powerpoint/2012/main" xmlns:ahyp="http://schemas.microsoft.com/office/drawing/2018/hyperlinkcolor">
+<p:sld xmlns:a="http://schemas.openxmlformats.org/drawingml/2006/main" xmlns:r="http://schemas.openxmlformats.org/officeDocument/2006/relationships" xmlns:p="http://schemas.openxmlformats.org/presentationml/2006/main">
   <p:cSld>
     <p:spTree>
       <p:nvGrpSpPr>
-        <p:cNvPr id="135" name="Shape 135"/>
+        <p:cNvPr id="1" name="Shape 135"/>
         <p:cNvGrpSpPr/>
         <p:nvPr/>
       </p:nvGrpSpPr>
@@ -13307,7 +13695,9 @@
       <p:sp>
         <p:nvSpPr>
           <p:cNvPr id="136" name="Google Shape;136;gd16f877427_0_13"/>
-          <p:cNvSpPr txBox="1"/>
+          <p:cNvSpPr txBox="1">
+            <a:spLocks noGrp="1"/>
+          </p:cNvSpPr>
           <p:nvPr>
             <p:ph type="title"/>
           </p:nvPr>
@@ -13322,12 +13712,12 @@
           </a:prstGeom>
         </p:spPr>
         <p:txBody>
-          <a:bodyPr anchorCtr="0" anchor="b" bIns="45700" lIns="91425" spcFirstLastPara="1" rIns="91425" wrap="square" tIns="45700">
+          <a:bodyPr spcFirstLastPara="1" wrap="square" lIns="91425" tIns="45700" rIns="91425" bIns="45700" anchor="b" anchorCtr="0">
             <a:normAutofit/>
           </a:bodyPr>
           <a:lstStyle/>
           <a:p>
-            <a:pPr indent="0" lvl="0" marL="0" rtl="0" algn="l">
+            <a:pPr marL="0" lvl="0" indent="0" algn="l" rtl="0">
               <a:spcBef>
                 <a:spcPts val="0"/>
               </a:spcBef>
@@ -13347,9 +13737,11 @@
       <p:sp>
         <p:nvSpPr>
           <p:cNvPr id="137" name="Google Shape;137;gd16f877427_0_13"/>
-          <p:cNvSpPr txBox="1"/>
+          <p:cNvSpPr txBox="1">
+            <a:spLocks noGrp="1"/>
+          </p:cNvSpPr>
           <p:nvPr>
-            <p:ph idx="2" type="body"/>
+            <p:ph type="body" idx="2"/>
           </p:nvPr>
         </p:nvSpPr>
         <p:spPr>
@@ -13362,12 +13754,12 @@
           </a:prstGeom>
         </p:spPr>
         <p:txBody>
-          <a:bodyPr anchorCtr="0" anchor="t" bIns="45700" lIns="91425" spcFirstLastPara="1" rIns="91425" wrap="square" tIns="45700">
+          <a:bodyPr spcFirstLastPara="1" wrap="square" lIns="91425" tIns="45700" rIns="91425" bIns="45700" anchor="t" anchorCtr="0">
             <a:normAutofit/>
           </a:bodyPr>
           <a:lstStyle/>
           <a:p>
-            <a:pPr indent="0" lvl="0" marL="0" rtl="0" algn="l">
+            <a:pPr marL="0" lvl="0" indent="0" algn="l" rtl="0">
               <a:spcBef>
                 <a:spcPts val="1200"/>
               </a:spcBef>
@@ -13378,15 +13770,7 @@
             </a:pPr>
             <a:r>
               <a:rPr lang="en-US"/>
-              <a:t>Each house sold will be mapped and colored according to whether the model accurately </a:t>
-            </a:r>
-            <a:r>
-              <a:rPr lang="en-US"/>
-              <a:t>predicted</a:t>
-            </a:r>
-            <a:r>
-              <a:rPr lang="en-US"/>
-              <a:t> the sale. </a:t>
+              <a:t>Each house sold will be mapped and colored according to whether the model accurately predicted the sale. </a:t>
             </a:r>
             <a:endParaRPr/>
           </a:p>
@@ -13402,7 +13786,7 @@
           <a:blip r:embed="rId3">
             <a:alphaModFix/>
           </a:blip>
-          <a:srcRect b="0" l="49718" r="0" t="0"/>
+          <a:srcRect l="49718"/>
           <a:stretch/>
         </p:blipFill>
         <p:spPr>
@@ -13439,12 +13823,12 @@
           </a:ln>
         </p:spPr>
         <p:txBody>
-          <a:bodyPr anchorCtr="0" anchor="t" bIns="91425" lIns="91425" spcFirstLastPara="1" rIns="91425" wrap="square" tIns="91425">
+          <a:bodyPr spcFirstLastPara="1" wrap="square" lIns="91425" tIns="91425" rIns="91425" bIns="91425" anchor="t" anchorCtr="0">
             <a:spAutoFit/>
           </a:bodyPr>
           <a:lstStyle/>
           <a:p>
-            <a:pPr indent="0" lvl="0" marL="0" rtl="0" algn="l">
+            <a:pPr marL="0" lvl="0" indent="0" algn="l" rtl="0">
               <a:lnSpc>
                 <a:spcPct val="110000"/>
               </a:lnSpc>
@@ -13457,7 +13841,7 @@
               <a:buNone/>
             </a:pPr>
             <a:r>
-              <a:rPr b="1" lang="en-US" sz="1900">
+              <a:rPr lang="en-US" sz="1900" b="1">
                 <a:solidFill>
                   <a:srgbClr val="3F3F3F"/>
                 </a:solidFill>
@@ -13492,12 +13876,12 @@
           </a:ln>
         </p:spPr>
         <p:txBody>
-          <a:bodyPr anchorCtr="0" anchor="t" bIns="91425" lIns="91425" spcFirstLastPara="1" rIns="91425" wrap="square" tIns="91425">
+          <a:bodyPr spcFirstLastPara="1" wrap="square" lIns="91425" tIns="91425" rIns="91425" bIns="91425" anchor="t" anchorCtr="0">
             <a:spAutoFit/>
           </a:bodyPr>
           <a:lstStyle/>
           <a:p>
-            <a:pPr indent="0" lvl="0" marL="0" rtl="0" algn="l">
+            <a:pPr marL="0" lvl="0" indent="0" algn="l" rtl="0">
               <a:spcBef>
                 <a:spcPts val="0"/>
               </a:spcBef>
@@ -13507,7 +13891,7 @@
               <a:buNone/>
             </a:pPr>
             <a:r>
-              <a:rPr i="1" lang="en-US">
+              <a:rPr lang="en-US" i="1">
                 <a:latin typeface="Libre Franklin"/>
                 <a:ea typeface="Libre Franklin"/>
                 <a:cs typeface="Libre Franklin"/>
@@ -13533,11 +13917,11 @@
 </file>
 
 <file path=ppt/slides/slide8.xml><?xml version="1.0" encoding="utf-8"?>
-<p:sld xmlns:a="http://schemas.openxmlformats.org/drawingml/2006/main" xmlns:r="http://schemas.openxmlformats.org/officeDocument/2006/relationships" xmlns:mc="http://schemas.openxmlformats.org/markup-compatibility/2006" xmlns:mv="urn:schemas-microsoft-com:mac:vml" xmlns:p="http://schemas.openxmlformats.org/presentationml/2006/main" xmlns:c="http://schemas.openxmlformats.org/drawingml/2006/chart" xmlns:dgm="http://schemas.openxmlformats.org/drawingml/2006/diagram" xmlns:o="urn:schemas-microsoft-com:office:office" xmlns:v="urn:schemas-microsoft-com:vml" xmlns:pvml="urn:schemas-microsoft-com:office:powerpoint" xmlns:com="http://schemas.openxmlformats.org/drawingml/2006/compatibility" xmlns:p14="http://schemas.microsoft.com/office/powerpoint/2010/main" xmlns:p15="http://schemas.microsoft.com/office/powerpoint/2012/main" xmlns:ahyp="http://schemas.microsoft.com/office/drawing/2018/hyperlinkcolor">
+<p:sld xmlns:a="http://schemas.openxmlformats.org/drawingml/2006/main" xmlns:r="http://schemas.openxmlformats.org/officeDocument/2006/relationships" xmlns:p="http://schemas.openxmlformats.org/presentationml/2006/main">
   <p:cSld>
     <p:spTree>
       <p:nvGrpSpPr>
-        <p:cNvPr id="144" name="Shape 144"/>
+        <p:cNvPr id="1" name="Shape 144"/>
         <p:cNvGrpSpPr/>
         <p:nvPr/>
       </p:nvGrpSpPr>
@@ -13552,7 +13936,9 @@
       <p:sp>
         <p:nvSpPr>
           <p:cNvPr id="145" name="Google Shape;145;gd16f877427_0_24"/>
-          <p:cNvSpPr txBox="1"/>
+          <p:cNvSpPr txBox="1">
+            <a:spLocks noGrp="1"/>
+          </p:cNvSpPr>
           <p:nvPr>
             <p:ph type="title"/>
           </p:nvPr>
@@ -13567,12 +13953,12 @@
           </a:prstGeom>
         </p:spPr>
         <p:txBody>
-          <a:bodyPr anchorCtr="0" anchor="b" bIns="45700" lIns="91425" spcFirstLastPara="1" rIns="91425" wrap="square" tIns="45700">
+          <a:bodyPr spcFirstLastPara="1" wrap="square" lIns="91425" tIns="45700" rIns="91425" bIns="45700" anchor="b" anchorCtr="0">
             <a:normAutofit/>
           </a:bodyPr>
           <a:lstStyle/>
           <a:p>
-            <a:pPr indent="0" lvl="0" marL="0" rtl="0" algn="l">
+            <a:pPr marL="0" lvl="0" indent="0" algn="l" rtl="0">
               <a:spcBef>
                 <a:spcPts val="0"/>
               </a:spcBef>
@@ -13592,9 +13978,11 @@
       <p:sp>
         <p:nvSpPr>
           <p:cNvPr id="146" name="Google Shape;146;gd16f877427_0_24"/>
-          <p:cNvSpPr txBox="1"/>
+          <p:cNvSpPr txBox="1">
+            <a:spLocks noGrp="1"/>
+          </p:cNvSpPr>
           <p:nvPr>
-            <p:ph idx="2" type="body"/>
+            <p:ph type="body" idx="2"/>
           </p:nvPr>
         </p:nvSpPr>
         <p:spPr>
@@ -13607,12 +13995,12 @@
           </a:prstGeom>
         </p:spPr>
         <p:txBody>
-          <a:bodyPr anchorCtr="0" anchor="t" bIns="45700" lIns="91425" spcFirstLastPara="1" rIns="91425" wrap="square" tIns="45700">
+          <a:bodyPr spcFirstLastPara="1" wrap="square" lIns="91425" tIns="45700" rIns="91425" bIns="45700" anchor="t" anchorCtr="0">
             <a:normAutofit/>
           </a:bodyPr>
           <a:lstStyle/>
           <a:p>
-            <a:pPr indent="0" lvl="0" marL="0" rtl="0" algn="l">
+            <a:pPr marL="0" lvl="0" indent="0" algn="l" rtl="0">
               <a:spcBef>
                 <a:spcPts val="1200"/>
               </a:spcBef>
@@ -13623,15 +14011,7 @@
             </a:pPr>
             <a:r>
               <a:rPr lang="en-US"/>
-              <a:t>A chart will show the model outcome </a:t>
-            </a:r>
-            <a:r>
-              <a:rPr lang="en-US"/>
-              <a:t>accuracy</a:t>
-            </a:r>
-            <a:r>
-              <a:rPr lang="en-US"/>
-              <a:t> (and/or other statistical metrics) for each neighborhood and house type. </a:t>
+              <a:t>A chart will show the model outcome accuracy (and/or other statistical metrics) for each neighborhood and house type. </a:t>
             </a:r>
             <a:endParaRPr/>
           </a:p>
@@ -13657,12 +14037,12 @@
           </a:ln>
         </p:spPr>
         <p:txBody>
-          <a:bodyPr anchorCtr="0" anchor="t" bIns="91425" lIns="91425" spcFirstLastPara="1" rIns="91425" wrap="square" tIns="91425">
+          <a:bodyPr spcFirstLastPara="1" wrap="square" lIns="91425" tIns="91425" rIns="91425" bIns="91425" anchor="t" anchorCtr="0">
             <a:spAutoFit/>
           </a:bodyPr>
           <a:lstStyle/>
           <a:p>
-            <a:pPr indent="0" lvl="0" marL="0" rtl="0" algn="l">
+            <a:pPr marL="0" lvl="0" indent="0" algn="l" rtl="0">
               <a:spcBef>
                 <a:spcPts val="0"/>
               </a:spcBef>
@@ -13671,9 +14051,6 @@
               </a:spcAft>
               <a:buNone/>
             </a:pPr>
-            <a:r>
-              <a:t/>
-            </a:r>
             <a:endParaRPr>
               <a:highlight>
                 <a:schemeClr val="dk1"/>
@@ -13734,12 +14111,12 @@
           </a:ln>
         </p:spPr>
         <p:txBody>
-          <a:bodyPr anchorCtr="0" anchor="t" bIns="91425" lIns="91425" spcFirstLastPara="1" rIns="91425" wrap="square" tIns="91425">
+          <a:bodyPr spcFirstLastPara="1" wrap="square" lIns="91425" tIns="91425" rIns="91425" bIns="91425" anchor="t" anchorCtr="0">
             <a:spAutoFit/>
           </a:bodyPr>
           <a:lstStyle/>
           <a:p>
-            <a:pPr indent="0" lvl="0" marL="0" rtl="0" algn="l">
+            <a:pPr marL="0" lvl="0" indent="0" algn="l" rtl="0">
               <a:spcBef>
                 <a:spcPts val="0"/>
               </a:spcBef>
@@ -13749,7 +14126,7 @@
               <a:buNone/>
             </a:pPr>
             <a:r>
-              <a:rPr i="1" lang="en-US">
+              <a:rPr lang="en-US" i="1">
                 <a:latin typeface="Libre Franklin"/>
                 <a:ea typeface="Libre Franklin"/>
                 <a:cs typeface="Libre Franklin"/>
@@ -13775,11 +14152,11 @@
 </file>
 
 <file path=ppt/slides/slide9.xml><?xml version="1.0" encoding="utf-8"?>
-<p:sld xmlns:a="http://schemas.openxmlformats.org/drawingml/2006/main" xmlns:r="http://schemas.openxmlformats.org/officeDocument/2006/relationships" xmlns:mc="http://schemas.openxmlformats.org/markup-compatibility/2006" xmlns:mv="urn:schemas-microsoft-com:mac:vml" xmlns:p="http://schemas.openxmlformats.org/presentationml/2006/main" xmlns:c="http://schemas.openxmlformats.org/drawingml/2006/chart" xmlns:dgm="http://schemas.openxmlformats.org/drawingml/2006/diagram" xmlns:o="urn:schemas-microsoft-com:office:office" xmlns:v="urn:schemas-microsoft-com:vml" xmlns:pvml="urn:schemas-microsoft-com:office:powerpoint" xmlns:com="http://schemas.openxmlformats.org/drawingml/2006/compatibility" xmlns:p14="http://schemas.microsoft.com/office/powerpoint/2010/main" xmlns:p15="http://schemas.microsoft.com/office/powerpoint/2012/main" xmlns:ahyp="http://schemas.microsoft.com/office/drawing/2018/hyperlinkcolor">
+<p:sld xmlns:a="http://schemas.openxmlformats.org/drawingml/2006/main" xmlns:r="http://schemas.openxmlformats.org/officeDocument/2006/relationships" xmlns:p="http://schemas.openxmlformats.org/presentationml/2006/main">
   <p:cSld>
     <p:spTree>
       <p:nvGrpSpPr>
-        <p:cNvPr id="153" name="Shape 153"/>
+        <p:cNvPr id="1" name="Shape 153"/>
         <p:cNvGrpSpPr/>
         <p:nvPr/>
       </p:nvGrpSpPr>
@@ -13794,7 +14171,9 @@
       <p:sp>
         <p:nvSpPr>
           <p:cNvPr id="154" name="Google Shape;154;gd16f877427_0_36"/>
-          <p:cNvSpPr txBox="1"/>
+          <p:cNvSpPr txBox="1">
+            <a:spLocks noGrp="1"/>
+          </p:cNvSpPr>
           <p:nvPr>
             <p:ph type="title"/>
           </p:nvPr>
@@ -13809,12 +14188,12 @@
           </a:prstGeom>
         </p:spPr>
         <p:txBody>
-          <a:bodyPr anchorCtr="0" anchor="b" bIns="45700" lIns="91425" spcFirstLastPara="1" rIns="91425" wrap="square" tIns="45700">
+          <a:bodyPr spcFirstLastPara="1" wrap="square" lIns="91425" tIns="45700" rIns="91425" bIns="45700" anchor="b" anchorCtr="0">
             <a:normAutofit/>
           </a:bodyPr>
           <a:lstStyle/>
           <a:p>
-            <a:pPr indent="0" lvl="0" marL="0" rtl="0" algn="l">
+            <a:pPr marL="0" lvl="0" indent="0" algn="l" rtl="0">
               <a:spcBef>
                 <a:spcPts val="0"/>
               </a:spcBef>
@@ -13834,9 +14213,11 @@
       <p:sp>
         <p:nvSpPr>
           <p:cNvPr id="155" name="Google Shape;155;gd16f877427_0_36"/>
-          <p:cNvSpPr txBox="1"/>
+          <p:cNvSpPr txBox="1">
+            <a:spLocks noGrp="1"/>
+          </p:cNvSpPr>
           <p:nvPr>
-            <p:ph idx="2" type="body"/>
+            <p:ph type="body" idx="2"/>
           </p:nvPr>
         </p:nvSpPr>
         <p:spPr>
@@ -13849,12 +14230,12 @@
           </a:prstGeom>
         </p:spPr>
         <p:txBody>
-          <a:bodyPr anchorCtr="0" anchor="t" bIns="45700" lIns="91425" spcFirstLastPara="1" rIns="91425" wrap="square" tIns="45700">
+          <a:bodyPr spcFirstLastPara="1" wrap="square" lIns="91425" tIns="45700" rIns="91425" bIns="45700" anchor="t" anchorCtr="0">
             <a:normAutofit/>
           </a:bodyPr>
           <a:lstStyle/>
           <a:p>
-            <a:pPr indent="0" lvl="0" marL="0" rtl="0" algn="l">
+            <a:pPr marL="0" lvl="0" indent="0" algn="l" rtl="0">
               <a:spcBef>
                 <a:spcPts val="1200"/>
               </a:spcBef>
@@ -13891,12 +14272,12 @@
           </a:ln>
         </p:spPr>
         <p:txBody>
-          <a:bodyPr anchorCtr="0" anchor="t" bIns="91425" lIns="91425" spcFirstLastPara="1" rIns="91425" wrap="square" tIns="91425">
+          <a:bodyPr spcFirstLastPara="1" wrap="square" lIns="91425" tIns="91425" rIns="91425" bIns="91425" anchor="t" anchorCtr="0">
             <a:spAutoFit/>
           </a:bodyPr>
           <a:lstStyle/>
           <a:p>
-            <a:pPr indent="0" lvl="0" marL="0" rtl="0" algn="l">
+            <a:pPr marL="0" lvl="0" indent="0" algn="l" rtl="0">
               <a:spcBef>
                 <a:spcPts val="0"/>
               </a:spcBef>
@@ -13905,9 +14286,6 @@
               </a:spcAft>
               <a:buNone/>
             </a:pPr>
-            <a:r>
-              <a:t/>
-            </a:r>
             <a:endParaRPr>
               <a:highlight>
                 <a:schemeClr val="dk1"/>
@@ -13940,12 +14318,12 @@
           </a:ln>
         </p:spPr>
         <p:txBody>
-          <a:bodyPr anchorCtr="0" anchor="t" bIns="91425" lIns="91425" spcFirstLastPara="1" rIns="91425" wrap="square" tIns="91425">
+          <a:bodyPr spcFirstLastPara="1" wrap="square" lIns="91425" tIns="91425" rIns="91425" bIns="91425" anchor="t" anchorCtr="0">
             <a:spAutoFit/>
           </a:bodyPr>
           <a:lstStyle/>
           <a:p>
-            <a:pPr indent="0" lvl="0" marL="0" rtl="0" algn="l">
+            <a:pPr marL="0" lvl="0" indent="0" algn="l" rtl="0">
               <a:spcBef>
                 <a:spcPts val="0"/>
               </a:spcBef>
@@ -13955,7 +14333,7 @@
               <a:buNone/>
             </a:pPr>
             <a:r>
-              <a:rPr i="1" lang="en-US">
+              <a:rPr lang="en-US" i="1">
                 <a:latin typeface="Libre Franklin"/>
                 <a:ea typeface="Libre Franklin"/>
                 <a:cs typeface="Libre Franklin"/>
@@ -13995,14 +14373,14 @@
             <a:avLst/>
           </a:prstGeom>
           <a:noFill/>
-          <a:ln cap="flat" cmpd="sng" w="9525">
+          <a:ln w="9525" cap="flat" cmpd="sng">
             <a:solidFill>
               <a:schemeClr val="dk1"/>
             </a:solidFill>
             <a:prstDash val="solid"/>
             <a:round/>
-            <a:headEnd len="sm" w="sm" type="none"/>
-            <a:tailEnd len="sm" w="sm" type="none"/>
+            <a:headEnd type="none" w="sm" len="sm"/>
+            <a:tailEnd type="none" w="sm" len="sm"/>
           </a:ln>
         </p:spPr>
       </p:pic>
@@ -14019,29 +14397,29 @@
           </a:xfrm>
           <a:prstGeom prst="parallelogram">
             <a:avLst>
-              <a:gd fmla="val 40303" name="adj"/>
+              <a:gd name="adj" fmla="val 40303"/>
             </a:avLst>
           </a:prstGeom>
           <a:solidFill>
             <a:schemeClr val="lt2"/>
           </a:solidFill>
-          <a:ln cap="flat" cmpd="sng" w="9525">
+          <a:ln w="9525" cap="flat" cmpd="sng">
             <a:solidFill>
               <a:schemeClr val="dk2"/>
             </a:solidFill>
             <a:prstDash val="solid"/>
             <a:round/>
-            <a:headEnd len="sm" w="sm" type="none"/>
-            <a:tailEnd len="sm" w="sm" type="none"/>
+            <a:headEnd type="none" w="sm" len="sm"/>
+            <a:tailEnd type="none" w="sm" len="sm"/>
           </a:ln>
         </p:spPr>
         <p:txBody>
-          <a:bodyPr anchorCtr="0" anchor="ctr" bIns="91425" lIns="91425" spcFirstLastPara="1" rIns="91425" wrap="square" tIns="91425">
+          <a:bodyPr spcFirstLastPara="1" wrap="square" lIns="91425" tIns="91425" rIns="91425" bIns="91425" anchor="ctr" anchorCtr="0">
             <a:noAutofit/>
           </a:bodyPr>
           <a:lstStyle/>
           <a:p>
-            <a:pPr indent="0" lvl="0" marL="0" rtl="0" algn="l">
+            <a:pPr marL="0" lvl="0" indent="0" algn="l" rtl="0">
               <a:spcBef>
                 <a:spcPts val="0"/>
               </a:spcBef>
@@ -14050,9 +14428,6 @@
               </a:spcAft>
               <a:buNone/>
             </a:pPr>
-            <a:r>
-              <a:t/>
-            </a:r>
             <a:endParaRPr/>
           </a:p>
         </p:txBody>
@@ -14070,30 +14445,30 @@
           </a:xfrm>
           <a:prstGeom prst="wedgeRectCallout">
             <a:avLst>
-              <a:gd fmla="val -92404" name="adj1"/>
-              <a:gd fmla="val -50000" name="adj2"/>
+              <a:gd name="adj1" fmla="val -92404"/>
+              <a:gd name="adj2" fmla="val -50000"/>
             </a:avLst>
           </a:prstGeom>
           <a:solidFill>
             <a:srgbClr val="00FFFF"/>
           </a:solidFill>
-          <a:ln cap="flat" cmpd="sng" w="9525">
+          <a:ln w="9525" cap="flat" cmpd="sng">
             <a:solidFill>
               <a:schemeClr val="dk1"/>
             </a:solidFill>
             <a:prstDash val="solid"/>
             <a:round/>
-            <a:headEnd len="sm" w="sm" type="none"/>
-            <a:tailEnd len="sm" w="sm" type="none"/>
+            <a:headEnd type="none" w="sm" len="sm"/>
+            <a:tailEnd type="none" w="sm" len="sm"/>
           </a:ln>
         </p:spPr>
         <p:txBody>
-          <a:bodyPr anchorCtr="0" anchor="ctr" bIns="91425" lIns="91425" spcFirstLastPara="1" rIns="91425" wrap="square" tIns="91425">
+          <a:bodyPr spcFirstLastPara="1" wrap="square" lIns="91425" tIns="91425" rIns="91425" bIns="91425" anchor="ctr" anchorCtr="0">
             <a:noAutofit/>
           </a:bodyPr>
           <a:lstStyle/>
           <a:p>
-            <a:pPr indent="0" lvl="0" marL="0" rtl="0" algn="l">
+            <a:pPr marL="0" lvl="0" indent="0" algn="l" rtl="0">
               <a:spcBef>
                 <a:spcPts val="0"/>
               </a:spcBef>
@@ -14104,15 +14479,7 @@
             </a:pPr>
             <a:r>
               <a:rPr lang="en-US"/>
-              <a:t>e.g. What are </a:t>
-            </a:r>
-            <a:r>
-              <a:rPr lang="en-US"/>
-              <a:t>the</a:t>
-            </a:r>
-            <a:r>
-              <a:rPr lang="en-US"/>
-              <a:t> cances that 1663 Marlay Dr. will sell?  </a:t>
+              <a:t>e.g. What are the cances that 1663 Marlay Dr. will sell?  </a:t>
             </a:r>
             <a:endParaRPr/>
           </a:p>
@@ -14127,7 +14494,7 @@
 </file>
 
 <file path=ppt/theme/theme1.xml><?xml version="1.0" encoding="utf-8"?>
-<a:theme xmlns:a="http://schemas.openxmlformats.org/drawingml/2006/main" xmlns:r="http://schemas.openxmlformats.org/officeDocument/2006/relationships" name="1_RetrospectVTI">
+<a:theme xmlns:a="http://schemas.openxmlformats.org/drawingml/2006/main" name="1_RetrospectVTI">
   <a:themeElements>
     <a:clrScheme name="Custom 37">
       <a:dk1>
@@ -14402,11 +14769,13 @@
       </a:bgFillStyleLst>
     </a:fmtScheme>
   </a:themeElements>
+  <a:objectDefaults/>
+  <a:extraClrSchemeLst/>
 </a:theme>
 </file>
 
 <file path=ppt/theme/theme2.xml><?xml version="1.0" encoding="utf-8"?>
-<a:theme xmlns:a="http://schemas.openxmlformats.org/drawingml/2006/main" xmlns:r="http://schemas.openxmlformats.org/officeDocument/2006/relationships">
+<a:theme xmlns:a="http://schemas.openxmlformats.org/drawingml/2006/main">
   <a:themeElements>
     <a:clrScheme name="Default">
       <a:dk1>
@@ -14681,5 +15050,7 @@
       </a:bgFillStyleLst>
     </a:fmtScheme>
   </a:themeElements>
+  <a:objectDefaults/>
+  <a:extraClrSchemeLst/>
 </a:theme>
 </file>
--- a/Group 1 Project  Presentation.pptx
+++ b/Group 1 Project  Presentation.pptx
@@ -1,50 +1,36 @@
 
 <file path=ppt/presentation.xml><?xml version="1.0" encoding="utf-8"?>
-<p:presentation xmlns:a="http://schemas.openxmlformats.org/drawingml/2006/main" xmlns:r="http://schemas.openxmlformats.org/officeDocument/2006/relationships" xmlns:p="http://schemas.openxmlformats.org/presentationml/2006/main" strictFirstAndLastChars="0" embedTrueTypeFonts="1" saveSubsetFonts="1" autoCompressPictures="0">
+<p:presentation xmlns:a="http://schemas.openxmlformats.org/drawingml/2006/main" xmlns:r="http://schemas.openxmlformats.org/officeDocument/2006/relationships" xmlns:mc="http://schemas.openxmlformats.org/markup-compatibility/2006" xmlns:mv="urn:schemas-microsoft-com:mac:vml" xmlns:p="http://schemas.openxmlformats.org/presentationml/2006/main" xmlns:c="http://schemas.openxmlformats.org/drawingml/2006/chart" xmlns:dgm="http://schemas.openxmlformats.org/drawingml/2006/diagram" xmlns:o="urn:schemas-microsoft-com:office:office" xmlns:v="urn:schemas-microsoft-com:vml" xmlns:pvml="urn:schemas-microsoft-com:office:powerpoint" xmlns:com="http://schemas.openxmlformats.org/drawingml/2006/compatibility" xmlns:p14="http://schemas.microsoft.com/office/powerpoint/2010/main" xmlns:p15="http://schemas.microsoft.com/office/powerpoint/2012/main" xmlns:ahyp="http://schemas.microsoft.com/office/drawing/2018/hyperlinkcolor" autoCompressPictures="0" embedTrueTypeFonts="1" strictFirstAndLastChars="0" saveSubsetFonts="1">
   <p:sldMasterIdLst>
-    <p:sldMasterId id="2147483648" r:id="rId1"/>
+    <p:sldMasterId id="2147483648" r:id="rId3"/>
   </p:sldMasterIdLst>
   <p:notesMasterIdLst>
-    <p:notesMasterId r:id="rId11"/>
+    <p:notesMasterId r:id="rId4"/>
   </p:notesMasterIdLst>
   <p:sldIdLst>
-    <p:sldId id="256" r:id="rId2"/>
-    <p:sldId id="257" r:id="rId3"/>
-    <p:sldId id="258" r:id="rId4"/>
-    <p:sldId id="259" r:id="rId5"/>
-    <p:sldId id="260" r:id="rId6"/>
-    <p:sldId id="261" r:id="rId7"/>
-    <p:sldId id="262" r:id="rId8"/>
-    <p:sldId id="263" r:id="rId9"/>
-    <p:sldId id="264" r:id="rId10"/>
+    <p:sldId id="256" r:id="rId5"/>
+    <p:sldId id="257" r:id="rId6"/>
+    <p:sldId id="258" r:id="rId7"/>
+    <p:sldId id="259" r:id="rId8"/>
+    <p:sldId id="260" r:id="rId9"/>
+    <p:sldId id="261" r:id="rId10"/>
+    <p:sldId id="262" r:id="rId11"/>
+    <p:sldId id="263" r:id="rId12"/>
+    <p:sldId id="264" r:id="rId13"/>
   </p:sldIdLst>
-  <p:sldSz cx="12192000" cy="6858000"/>
+  <p:sldSz cy="6858000" cx="12192000"/>
   <p:notesSz cx="6858000" cy="9144000"/>
   <p:embeddedFontLst>
     <p:embeddedFont>
-      <p:font typeface="Bookman Old Style" panose="02050604050505020204" pitchFamily="18" charset="0"/>
-      <p:regular r:id="rId12"/>
-      <p:bold r:id="rId13"/>
-      <p:italic r:id="rId14"/>
-      <p:boldItalic r:id="rId15"/>
-    </p:embeddedFont>
-    <p:embeddedFont>
-      <p:font typeface="Calibri" panose="020F0502020204030204" pitchFamily="34" charset="0"/>
-      <p:regular r:id="rId16"/>
-      <p:bold r:id="rId17"/>
-      <p:italic r:id="rId18"/>
-      <p:boldItalic r:id="rId19"/>
-    </p:embeddedFont>
-    <p:embeddedFont>
-      <p:font typeface="Libre Franklin" panose="020B0604020202020204" charset="0"/>
-      <p:regular r:id="rId20"/>
-      <p:bold r:id="rId21"/>
-      <p:italic r:id="rId22"/>
-      <p:boldItalic r:id="rId23"/>
+      <p:font typeface="Libre Franklin"/>
+      <p:regular r:id="rId14"/>
+      <p:bold r:id="rId15"/>
+      <p:italic r:id="rId16"/>
+      <p:boldItalic r:id="rId17"/>
     </p:embeddedFont>
   </p:embeddedFontLst>
   <p:defaultTextStyle>
-    <a:defPPr marR="0" lvl="0" algn="l" rtl="0">
+    <a:defPPr lvl="0" marR="0" rtl="0" algn="l">
       <a:lnSpc>
         <a:spcPct val="100000"/>
       </a:lnSpc>
@@ -55,7 +41,7 @@
         <a:spcPts val="0"/>
       </a:spcAft>
     </a:defPPr>
-    <a:lvl1pPr marR="0" lvl="0" algn="l" rtl="0">
+    <a:lvl1pPr lvl="0" marR="0" rtl="0" algn="l">
       <a:lnSpc>
         <a:spcPct val="100000"/>
       </a:lnSpc>
@@ -69,7 +55,7 @@
         <a:srgbClr val="000000"/>
       </a:buClr>
       <a:buFont typeface="Arial"/>
-      <a:defRPr sz="1400" b="0" i="0" u="none" strike="noStrike" cap="none">
+      <a:defRPr b="0" i="0" sz="1400" u="none" cap="none" strike="noStrike">
         <a:solidFill>
           <a:srgbClr val="000000"/>
         </a:solidFill>
@@ -79,7 +65,7 @@
         <a:sym typeface="Arial"/>
       </a:defRPr>
     </a:lvl1pPr>
-    <a:lvl2pPr marR="0" lvl="1" algn="l" rtl="0">
+    <a:lvl2pPr lvl="1" marR="0" rtl="0" algn="l">
       <a:lnSpc>
         <a:spcPct val="100000"/>
       </a:lnSpc>
@@ -93,7 +79,7 @@
         <a:srgbClr val="000000"/>
       </a:buClr>
       <a:buFont typeface="Arial"/>
-      <a:defRPr sz="1400" b="0" i="0" u="none" strike="noStrike" cap="none">
+      <a:defRPr b="0" i="0" sz="1400" u="none" cap="none" strike="noStrike">
         <a:solidFill>
           <a:srgbClr val="000000"/>
         </a:solidFill>
@@ -103,7 +89,7 @@
         <a:sym typeface="Arial"/>
       </a:defRPr>
     </a:lvl2pPr>
-    <a:lvl3pPr marR="0" lvl="2" algn="l" rtl="0">
+    <a:lvl3pPr lvl="2" marR="0" rtl="0" algn="l">
       <a:lnSpc>
         <a:spcPct val="100000"/>
       </a:lnSpc>
@@ -117,7 +103,7 @@
         <a:srgbClr val="000000"/>
       </a:buClr>
       <a:buFont typeface="Arial"/>
-      <a:defRPr sz="1400" b="0" i="0" u="none" strike="noStrike" cap="none">
+      <a:defRPr b="0" i="0" sz="1400" u="none" cap="none" strike="noStrike">
         <a:solidFill>
           <a:srgbClr val="000000"/>
         </a:solidFill>
@@ -127,7 +113,7 @@
         <a:sym typeface="Arial"/>
       </a:defRPr>
     </a:lvl3pPr>
-    <a:lvl4pPr marR="0" lvl="3" algn="l" rtl="0">
+    <a:lvl4pPr lvl="3" marR="0" rtl="0" algn="l">
       <a:lnSpc>
         <a:spcPct val="100000"/>
       </a:lnSpc>
@@ -141,7 +127,7 @@
         <a:srgbClr val="000000"/>
       </a:buClr>
       <a:buFont typeface="Arial"/>
-      <a:defRPr sz="1400" b="0" i="0" u="none" strike="noStrike" cap="none">
+      <a:defRPr b="0" i="0" sz="1400" u="none" cap="none" strike="noStrike">
         <a:solidFill>
           <a:srgbClr val="000000"/>
         </a:solidFill>
@@ -151,7 +137,7 @@
         <a:sym typeface="Arial"/>
       </a:defRPr>
     </a:lvl4pPr>
-    <a:lvl5pPr marR="0" lvl="4" algn="l" rtl="0">
+    <a:lvl5pPr lvl="4" marR="0" rtl="0" algn="l">
       <a:lnSpc>
         <a:spcPct val="100000"/>
       </a:lnSpc>
@@ -165,7 +151,7 @@
         <a:srgbClr val="000000"/>
       </a:buClr>
       <a:buFont typeface="Arial"/>
-      <a:defRPr sz="1400" b="0" i="0" u="none" strike="noStrike" cap="none">
+      <a:defRPr b="0" i="0" sz="1400" u="none" cap="none" strike="noStrike">
         <a:solidFill>
           <a:srgbClr val="000000"/>
         </a:solidFill>
@@ -175,7 +161,7 @@
         <a:sym typeface="Arial"/>
       </a:defRPr>
     </a:lvl5pPr>
-    <a:lvl6pPr marR="0" lvl="5" algn="l" rtl="0">
+    <a:lvl6pPr lvl="5" marR="0" rtl="0" algn="l">
       <a:lnSpc>
         <a:spcPct val="100000"/>
       </a:lnSpc>
@@ -189,7 +175,7 @@
         <a:srgbClr val="000000"/>
       </a:buClr>
       <a:buFont typeface="Arial"/>
-      <a:defRPr sz="1400" b="0" i="0" u="none" strike="noStrike" cap="none">
+      <a:defRPr b="0" i="0" sz="1400" u="none" cap="none" strike="noStrike">
         <a:solidFill>
           <a:srgbClr val="000000"/>
         </a:solidFill>
@@ -199,7 +185,7 @@
         <a:sym typeface="Arial"/>
       </a:defRPr>
     </a:lvl6pPr>
-    <a:lvl7pPr marR="0" lvl="6" algn="l" rtl="0">
+    <a:lvl7pPr lvl="6" marR="0" rtl="0" algn="l">
       <a:lnSpc>
         <a:spcPct val="100000"/>
       </a:lnSpc>
@@ -213,7 +199,7 @@
         <a:srgbClr val="000000"/>
       </a:buClr>
       <a:buFont typeface="Arial"/>
-      <a:defRPr sz="1400" b="0" i="0" u="none" strike="noStrike" cap="none">
+      <a:defRPr b="0" i="0" sz="1400" u="none" cap="none" strike="noStrike">
         <a:solidFill>
           <a:srgbClr val="000000"/>
         </a:solidFill>
@@ -223,7 +209,7 @@
         <a:sym typeface="Arial"/>
       </a:defRPr>
     </a:lvl7pPr>
-    <a:lvl8pPr marR="0" lvl="7" algn="l" rtl="0">
+    <a:lvl8pPr lvl="7" marR="0" rtl="0" algn="l">
       <a:lnSpc>
         <a:spcPct val="100000"/>
       </a:lnSpc>
@@ -237,7 +223,7 @@
         <a:srgbClr val="000000"/>
       </a:buClr>
       <a:buFont typeface="Arial"/>
-      <a:defRPr sz="1400" b="0" i="0" u="none" strike="noStrike" cap="none">
+      <a:defRPr b="0" i="0" sz="1400" u="none" cap="none" strike="noStrike">
         <a:solidFill>
           <a:srgbClr val="000000"/>
         </a:solidFill>
@@ -247,7 +233,7 @@
         <a:sym typeface="Arial"/>
       </a:defRPr>
     </a:lvl8pPr>
-    <a:lvl9pPr marR="0" lvl="8" algn="l" rtl="0">
+    <a:lvl9pPr lvl="8" marR="0" rtl="0" algn="l">
       <a:lnSpc>
         <a:spcPct val="100000"/>
       </a:lnSpc>
@@ -261,7 +247,7 @@
         <a:srgbClr val="000000"/>
       </a:buClr>
       <a:buFont typeface="Arial"/>
-      <a:defRPr sz="1400" b="0" i="0" u="none" strike="noStrike" cap="none">
+      <a:defRPr b="0" i="0" sz="1400" u="none" cap="none" strike="noStrike">
         <a:solidFill>
           <a:srgbClr val="000000"/>
         </a:solidFill>
@@ -274,23 +260,18 @@
   </p:defaultTextStyle>
   <p:extLst>
     <p:ext uri="http://customooxmlschemas.google.com/">
-      <go:slidesCustomData xmlns:go="http://customooxmlschemas.google.com/" xmlns:ahyp="http://schemas.microsoft.com/office/drawing/2018/hyperlinkcolor" xmlns:p15="http://schemas.microsoft.com/office/powerpoint/2012/main" xmlns:p14="http://schemas.microsoft.com/office/powerpoint/2010/main" xmlns:com="http://schemas.openxmlformats.org/drawingml/2006/compatibility" xmlns:pvml="urn:schemas-microsoft-com:office:powerpoint" xmlns:v="urn:schemas-microsoft-com:vml" xmlns:o="urn:schemas-microsoft-com:office:office" xmlns:dgm="http://schemas.openxmlformats.org/drawingml/2006/diagram" xmlns:c="http://schemas.openxmlformats.org/drawingml/2006/chart" xmlns:mv="urn:schemas-microsoft-com:mac:vml" xmlns:mc="http://schemas.openxmlformats.org/markup-compatibility/2006" xmlns="" r:id="rId24" roundtripDataSignature="AMtx7mgbiOKB2N1rhDslhoqKOLvWlPB2AQ=="/>
+      <go:slidesCustomData xmlns:go="http://customooxmlschemas.google.com/" r:id="rId18" roundtripDataSignature="AMtx7mgbiOKB2N1rhDslhoqKOLvWlPB2AQ=="/>
     </p:ext>
   </p:extLst>
 </p:presentation>
 </file>
 
 <file path=ppt/notesMasters/notesMaster1.xml><?xml version="1.0" encoding="utf-8"?>
-<p:notesMaster xmlns:a="http://schemas.openxmlformats.org/drawingml/2006/main" xmlns:r="http://schemas.openxmlformats.org/officeDocument/2006/relationships" xmlns:p="http://schemas.openxmlformats.org/presentationml/2006/main">
+<p:notesMaster xmlns:a="http://schemas.openxmlformats.org/drawingml/2006/main" xmlns:r="http://schemas.openxmlformats.org/officeDocument/2006/relationships" xmlns:mc="http://schemas.openxmlformats.org/markup-compatibility/2006" xmlns:mv="urn:schemas-microsoft-com:mac:vml" xmlns:p="http://schemas.openxmlformats.org/presentationml/2006/main" xmlns:c="http://schemas.openxmlformats.org/drawingml/2006/chart" xmlns:dgm="http://schemas.openxmlformats.org/drawingml/2006/diagram" xmlns:o="urn:schemas-microsoft-com:office:office" xmlns:v="urn:schemas-microsoft-com:vml" xmlns:pvml="urn:schemas-microsoft-com:office:powerpoint" xmlns:com="http://schemas.openxmlformats.org/drawingml/2006/compatibility" xmlns:p14="http://schemas.microsoft.com/office/powerpoint/2010/main" xmlns:p15="http://schemas.microsoft.com/office/powerpoint/2012/main" xmlns:ahyp="http://schemas.microsoft.com/office/drawing/2018/hyperlinkcolor">
   <p:cSld>
-    <p:bg>
-      <p:bgRef idx="1001">
-        <a:schemeClr val="bg1"/>
-      </p:bgRef>
-    </p:bg>
     <p:spTree>
       <p:nvGrpSpPr>
-        <p:cNvPr id="1" name="Shape 2"/>
+        <p:cNvPr id="2" name="Shape 2"/>
         <p:cNvGrpSpPr/>
         <p:nvPr/>
       </p:nvGrpSpPr>
@@ -305,11 +286,9 @@
       <p:sp>
         <p:nvSpPr>
           <p:cNvPr id="3" name="Google Shape;3;n"/>
-          <p:cNvSpPr>
-            <a:spLocks noGrp="1" noRot="1" noChangeAspect="1"/>
-          </p:cNvSpPr>
+          <p:cNvSpPr/>
           <p:nvPr>
-            <p:ph type="sldImg" idx="2"/>
+            <p:ph idx="2" type="sldImg"/>
           </p:nvPr>
         </p:nvSpPr>
         <p:spPr>
@@ -318,13 +297,9 @@
             <a:ext cx="4572225" cy="3429000"/>
           </a:xfrm>
           <a:custGeom>
-            <a:avLst/>
-            <a:gdLst/>
-            <a:ahLst/>
-            <a:cxnLst/>
-            <a:rect l="l" t="t" r="r" b="b"/>
+            <a:rect b="b" l="l" r="r" t="t"/>
             <a:pathLst>
-              <a:path w="120000" h="120000" extrusionOk="0">
+              <a:path extrusionOk="0" h="120000" w="120000">
                 <a:moveTo>
                   <a:pt x="0" y="0"/>
                 </a:moveTo>
@@ -342,25 +317,23 @@
             </a:pathLst>
           </a:custGeom>
           <a:noFill/>
-          <a:ln w="9525" cap="flat" cmpd="sng">
+          <a:ln cap="flat" cmpd="sng" w="9525">
             <a:solidFill>
               <a:srgbClr val="000000"/>
             </a:solidFill>
             <a:prstDash val="solid"/>
             <a:round/>
-            <a:headEnd type="none" w="sm" len="sm"/>
-            <a:tailEnd type="none" w="sm" len="sm"/>
+            <a:headEnd len="sm" w="sm" type="none"/>
+            <a:tailEnd len="sm" w="sm" type="none"/>
           </a:ln>
         </p:spPr>
       </p:sp>
       <p:sp>
         <p:nvSpPr>
           <p:cNvPr id="4" name="Google Shape;4;n"/>
-          <p:cNvSpPr txBox="1">
-            <a:spLocks noGrp="1"/>
-          </p:cNvSpPr>
+          <p:cNvSpPr txBox="1"/>
           <p:nvPr>
-            <p:ph type="body" idx="1"/>
+            <p:ph idx="1" type="body"/>
           </p:nvPr>
         </p:nvSpPr>
         <p:spPr>
@@ -377,11 +350,11 @@
           </a:ln>
         </p:spPr>
         <p:txBody>
-          <a:bodyPr spcFirstLastPara="1" wrap="square" lIns="91425" tIns="91425" rIns="91425" bIns="91425" anchor="t" anchorCtr="0">
+          <a:bodyPr anchorCtr="0" anchor="t" bIns="91425" lIns="91425" spcFirstLastPara="1" rIns="91425" wrap="square" tIns="91425">
             <a:noAutofit/>
           </a:bodyPr>
           <a:lstStyle>
-            <a:lvl1pPr marL="457200" lvl="0" indent="-298450">
+            <a:lvl1pPr indent="-298450" lvl="0" marL="457200">
               <a:spcBef>
                 <a:spcPts val="0"/>
               </a:spcBef>
@@ -392,7 +365,7 @@
               <a:buChar char="●"/>
               <a:defRPr sz="1100"/>
             </a:lvl1pPr>
-            <a:lvl2pPr marL="914400" lvl="1" indent="-298450">
+            <a:lvl2pPr indent="-298450" lvl="1" marL="914400">
               <a:spcBef>
                 <a:spcPts val="0"/>
               </a:spcBef>
@@ -403,7 +376,7 @@
               <a:buChar char="○"/>
               <a:defRPr sz="1100"/>
             </a:lvl2pPr>
-            <a:lvl3pPr marL="1371600" lvl="2" indent="-298450">
+            <a:lvl3pPr indent="-298450" lvl="2" marL="1371600">
               <a:spcBef>
                 <a:spcPts val="0"/>
               </a:spcBef>
@@ -414,7 +387,7 @@
               <a:buChar char="■"/>
               <a:defRPr sz="1100"/>
             </a:lvl3pPr>
-            <a:lvl4pPr marL="1828800" lvl="3" indent="-298450">
+            <a:lvl4pPr indent="-298450" lvl="3" marL="1828800">
               <a:spcBef>
                 <a:spcPts val="0"/>
               </a:spcBef>
@@ -425,7 +398,7 @@
               <a:buChar char="●"/>
               <a:defRPr sz="1100"/>
             </a:lvl4pPr>
-            <a:lvl5pPr marL="2286000" lvl="4" indent="-298450">
+            <a:lvl5pPr indent="-298450" lvl="4" marL="2286000">
               <a:spcBef>
                 <a:spcPts val="0"/>
               </a:spcBef>
@@ -436,7 +409,7 @@
               <a:buChar char="○"/>
               <a:defRPr sz="1100"/>
             </a:lvl5pPr>
-            <a:lvl6pPr marL="2743200" lvl="5" indent="-298450">
+            <a:lvl6pPr indent="-298450" lvl="5" marL="2743200">
               <a:spcBef>
                 <a:spcPts val="0"/>
               </a:spcBef>
@@ -447,7 +420,7 @@
               <a:buChar char="■"/>
               <a:defRPr sz="1100"/>
             </a:lvl6pPr>
-            <a:lvl7pPr marL="3200400" lvl="6" indent="-298450">
+            <a:lvl7pPr indent="-298450" lvl="6" marL="3200400">
               <a:spcBef>
                 <a:spcPts val="0"/>
               </a:spcBef>
@@ -458,7 +431,7 @@
               <a:buChar char="●"/>
               <a:defRPr sz="1100"/>
             </a:lvl7pPr>
-            <a:lvl8pPr marL="3657600" lvl="7" indent="-298450">
+            <a:lvl8pPr indent="-298450" lvl="7" marL="3657600">
               <a:spcBef>
                 <a:spcPts val="0"/>
               </a:spcBef>
@@ -469,7 +442,7 @@
               <a:buChar char="○"/>
               <a:defRPr sz="1100"/>
             </a:lvl8pPr>
-            <a:lvl9pPr marL="4114800" lvl="8" indent="-298450">
+            <a:lvl9pPr indent="-298450" lvl="8" marL="4114800">
               <a:spcBef>
                 <a:spcPts val="0"/>
               </a:spcBef>
@@ -481,16 +454,14 @@
               <a:defRPr sz="1100"/>
             </a:lvl9pPr>
           </a:lstStyle>
-          <a:p>
-            <a:endParaRPr/>
-          </a:p>
+          <a:p/>
         </p:txBody>
       </p:sp>
     </p:spTree>
   </p:cSld>
-  <p:clrMap bg1="lt1" tx1="dk1" bg2="dk2" tx2="lt2" accent1="accent1" accent2="accent2" accent3="accent3" accent4="accent4" accent5="accent5" accent6="accent6" hlink="hlink" folHlink="folHlink"/>
+  <p:clrMap accent1="accent1" accent2="accent2" accent3="accent3" accent4="accent4" accent5="accent5" accent6="accent6" bg1="lt1" bg2="dk2" tx1="dk1" tx2="lt2" folHlink="folHlink" hlink="hlink"/>
   <p:notesStyle>
-    <a:defPPr marR="0" lvl="0" algn="l" rtl="0">
+    <a:defPPr lvl="0" marR="0" rtl="0" algn="l">
       <a:lnSpc>
         <a:spcPct val="100000"/>
       </a:lnSpc>
@@ -501,7 +472,7 @@
         <a:spcPts val="0"/>
       </a:spcAft>
     </a:defPPr>
-    <a:lvl1pPr marR="0" lvl="0" algn="l" rtl="0">
+    <a:lvl1pPr lvl="0" marR="0" rtl="0" algn="l">
       <a:lnSpc>
         <a:spcPct val="100000"/>
       </a:lnSpc>
@@ -515,7 +486,7 @@
         <a:srgbClr val="000000"/>
       </a:buClr>
       <a:buFont typeface="Arial"/>
-      <a:defRPr sz="1400" b="0" i="0" u="none" strike="noStrike" cap="none">
+      <a:defRPr b="0" i="0" sz="1400" u="none" cap="none" strike="noStrike">
         <a:solidFill>
           <a:srgbClr val="000000"/>
         </a:solidFill>
@@ -525,7 +496,7 @@
         <a:sym typeface="Arial"/>
       </a:defRPr>
     </a:lvl1pPr>
-    <a:lvl2pPr marR="0" lvl="1" algn="l" rtl="0">
+    <a:lvl2pPr lvl="1" marR="0" rtl="0" algn="l">
       <a:lnSpc>
         <a:spcPct val="100000"/>
       </a:lnSpc>
@@ -539,7 +510,7 @@
         <a:srgbClr val="000000"/>
       </a:buClr>
       <a:buFont typeface="Arial"/>
-      <a:defRPr sz="1400" b="0" i="0" u="none" strike="noStrike" cap="none">
+      <a:defRPr b="0" i="0" sz="1400" u="none" cap="none" strike="noStrike">
         <a:solidFill>
           <a:srgbClr val="000000"/>
         </a:solidFill>
@@ -549,7 +520,7 @@
         <a:sym typeface="Arial"/>
       </a:defRPr>
     </a:lvl2pPr>
-    <a:lvl3pPr marR="0" lvl="2" algn="l" rtl="0">
+    <a:lvl3pPr lvl="2" marR="0" rtl="0" algn="l">
       <a:lnSpc>
         <a:spcPct val="100000"/>
       </a:lnSpc>
@@ -563,7 +534,7 @@
         <a:srgbClr val="000000"/>
       </a:buClr>
       <a:buFont typeface="Arial"/>
-      <a:defRPr sz="1400" b="0" i="0" u="none" strike="noStrike" cap="none">
+      <a:defRPr b="0" i="0" sz="1400" u="none" cap="none" strike="noStrike">
         <a:solidFill>
           <a:srgbClr val="000000"/>
         </a:solidFill>
@@ -573,7 +544,7 @@
         <a:sym typeface="Arial"/>
       </a:defRPr>
     </a:lvl3pPr>
-    <a:lvl4pPr marR="0" lvl="3" algn="l" rtl="0">
+    <a:lvl4pPr lvl="3" marR="0" rtl="0" algn="l">
       <a:lnSpc>
         <a:spcPct val="100000"/>
       </a:lnSpc>
@@ -587,7 +558,7 @@
         <a:srgbClr val="000000"/>
       </a:buClr>
       <a:buFont typeface="Arial"/>
-      <a:defRPr sz="1400" b="0" i="0" u="none" strike="noStrike" cap="none">
+      <a:defRPr b="0" i="0" sz="1400" u="none" cap="none" strike="noStrike">
         <a:solidFill>
           <a:srgbClr val="000000"/>
         </a:solidFill>
@@ -597,7 +568,7 @@
         <a:sym typeface="Arial"/>
       </a:defRPr>
     </a:lvl4pPr>
-    <a:lvl5pPr marR="0" lvl="4" algn="l" rtl="0">
+    <a:lvl5pPr lvl="4" marR="0" rtl="0" algn="l">
       <a:lnSpc>
         <a:spcPct val="100000"/>
       </a:lnSpc>
@@ -611,7 +582,7 @@
         <a:srgbClr val="000000"/>
       </a:buClr>
       <a:buFont typeface="Arial"/>
-      <a:defRPr sz="1400" b="0" i="0" u="none" strike="noStrike" cap="none">
+      <a:defRPr b="0" i="0" sz="1400" u="none" cap="none" strike="noStrike">
         <a:solidFill>
           <a:srgbClr val="000000"/>
         </a:solidFill>
@@ -621,7 +592,7 @@
         <a:sym typeface="Arial"/>
       </a:defRPr>
     </a:lvl5pPr>
-    <a:lvl6pPr marR="0" lvl="5" algn="l" rtl="0">
+    <a:lvl6pPr lvl="5" marR="0" rtl="0" algn="l">
       <a:lnSpc>
         <a:spcPct val="100000"/>
       </a:lnSpc>
@@ -635,7 +606,7 @@
         <a:srgbClr val="000000"/>
       </a:buClr>
       <a:buFont typeface="Arial"/>
-      <a:defRPr sz="1400" b="0" i="0" u="none" strike="noStrike" cap="none">
+      <a:defRPr b="0" i="0" sz="1400" u="none" cap="none" strike="noStrike">
         <a:solidFill>
           <a:srgbClr val="000000"/>
         </a:solidFill>
@@ -645,7 +616,7 @@
         <a:sym typeface="Arial"/>
       </a:defRPr>
     </a:lvl6pPr>
-    <a:lvl7pPr marR="0" lvl="6" algn="l" rtl="0">
+    <a:lvl7pPr lvl="6" marR="0" rtl="0" algn="l">
       <a:lnSpc>
         <a:spcPct val="100000"/>
       </a:lnSpc>
@@ -659,7 +630,7 @@
         <a:srgbClr val="000000"/>
       </a:buClr>
       <a:buFont typeface="Arial"/>
-      <a:defRPr sz="1400" b="0" i="0" u="none" strike="noStrike" cap="none">
+      <a:defRPr b="0" i="0" sz="1400" u="none" cap="none" strike="noStrike">
         <a:solidFill>
           <a:srgbClr val="000000"/>
         </a:solidFill>
@@ -669,7 +640,7 @@
         <a:sym typeface="Arial"/>
       </a:defRPr>
     </a:lvl7pPr>
-    <a:lvl8pPr marR="0" lvl="7" algn="l" rtl="0">
+    <a:lvl8pPr lvl="7" marR="0" rtl="0" algn="l">
       <a:lnSpc>
         <a:spcPct val="100000"/>
       </a:lnSpc>
@@ -683,7 +654,7 @@
         <a:srgbClr val="000000"/>
       </a:buClr>
       <a:buFont typeface="Arial"/>
-      <a:defRPr sz="1400" b="0" i="0" u="none" strike="noStrike" cap="none">
+      <a:defRPr b="0" i="0" sz="1400" u="none" cap="none" strike="noStrike">
         <a:solidFill>
           <a:srgbClr val="000000"/>
         </a:solidFill>
@@ -693,7 +664,7 @@
         <a:sym typeface="Arial"/>
       </a:defRPr>
     </a:lvl8pPr>
-    <a:lvl9pPr marR="0" lvl="8" algn="l" rtl="0">
+    <a:lvl9pPr lvl="8" marR="0" rtl="0" algn="l">
       <a:lnSpc>
         <a:spcPct val="100000"/>
       </a:lnSpc>
@@ -707,7 +678,7 @@
         <a:srgbClr val="000000"/>
       </a:buClr>
       <a:buFont typeface="Arial"/>
-      <a:defRPr sz="1400" b="0" i="0" u="none" strike="noStrike" cap="none">
+      <a:defRPr b="0" i="0" sz="1400" u="none" cap="none" strike="noStrike">
         <a:solidFill>
           <a:srgbClr val="000000"/>
         </a:solidFill>
@@ -722,11 +693,11 @@
 </file>
 
 <file path=ppt/notesSlides/notesSlide1.xml><?xml version="1.0" encoding="utf-8"?>
-<p:notes xmlns:a="http://schemas.openxmlformats.org/drawingml/2006/main" xmlns:r="http://schemas.openxmlformats.org/officeDocument/2006/relationships" xmlns:p="http://schemas.openxmlformats.org/presentationml/2006/main" showMasterSp="0" showMasterPhAnim="0">
+<p:notes xmlns:a="http://schemas.openxmlformats.org/drawingml/2006/main" xmlns:r="http://schemas.openxmlformats.org/officeDocument/2006/relationships" xmlns:mc="http://schemas.openxmlformats.org/markup-compatibility/2006" xmlns:mv="urn:schemas-microsoft-com:mac:vml" xmlns:p="http://schemas.openxmlformats.org/presentationml/2006/main" xmlns:c="http://schemas.openxmlformats.org/drawingml/2006/chart" xmlns:dgm="http://schemas.openxmlformats.org/drawingml/2006/diagram" xmlns:o="urn:schemas-microsoft-com:office:office" xmlns:v="urn:schemas-microsoft-com:vml" xmlns:pvml="urn:schemas-microsoft-com:office:powerpoint" xmlns:com="http://schemas.openxmlformats.org/drawingml/2006/compatibility" xmlns:p14="http://schemas.microsoft.com/office/powerpoint/2010/main" xmlns:p15="http://schemas.microsoft.com/office/powerpoint/2012/main" xmlns:ahyp="http://schemas.microsoft.com/office/drawing/2018/hyperlinkcolor" showMasterPhAnim="0" showMasterSp="0">
   <p:cSld>
     <p:spTree>
       <p:nvGrpSpPr>
-        <p:cNvPr id="1" name="Shape 90"/>
+        <p:cNvPr id="90" name="Shape 90"/>
         <p:cNvGrpSpPr/>
         <p:nvPr/>
       </p:nvGrpSpPr>
@@ -741,11 +712,9 @@
       <p:sp>
         <p:nvSpPr>
           <p:cNvPr id="91" name="Google Shape;91;p1:notes"/>
-          <p:cNvSpPr txBox="1">
-            <a:spLocks noGrp="1"/>
-          </p:cNvSpPr>
+          <p:cNvSpPr txBox="1"/>
           <p:nvPr>
-            <p:ph type="body" idx="1"/>
+            <p:ph idx="1" type="body"/>
           </p:nvPr>
         </p:nvSpPr>
         <p:spPr>
@@ -758,12 +727,12 @@
           </a:prstGeom>
         </p:spPr>
         <p:txBody>
-          <a:bodyPr spcFirstLastPara="1" wrap="square" lIns="91425" tIns="91425" rIns="91425" bIns="91425" anchor="t" anchorCtr="0">
+          <a:bodyPr anchorCtr="0" anchor="t" bIns="91425" lIns="91425" spcFirstLastPara="1" rIns="91425" wrap="square" tIns="91425">
             <a:noAutofit/>
           </a:bodyPr>
           <a:lstStyle/>
           <a:p>
-            <a:pPr marL="0" lvl="0" indent="0" algn="l" rtl="0">
+            <a:pPr indent="0" lvl="0" marL="0" rtl="0" algn="l">
               <a:spcBef>
                 <a:spcPts val="0"/>
               </a:spcBef>
@@ -772,6 +741,9 @@
               </a:spcAft>
               <a:buNone/>
             </a:pPr>
+            <a:r>
+              <a:t/>
+            </a:r>
             <a:endParaRPr/>
           </a:p>
         </p:txBody>
@@ -779,11 +751,9 @@
       <p:sp>
         <p:nvSpPr>
           <p:cNvPr id="92" name="Google Shape;92;p1:notes"/>
-          <p:cNvSpPr>
-            <a:spLocks noGrp="1" noRot="1" noChangeAspect="1"/>
-          </p:cNvSpPr>
+          <p:cNvSpPr/>
           <p:nvPr>
-            <p:ph type="sldImg" idx="2"/>
+            <p:ph idx="2" type="sldImg"/>
           </p:nvPr>
         </p:nvSpPr>
         <p:spPr>
@@ -792,13 +762,9 @@
             <a:ext cx="4572225" cy="3429000"/>
           </a:xfrm>
           <a:custGeom>
-            <a:avLst/>
-            <a:gdLst/>
-            <a:ahLst/>
-            <a:cxnLst/>
-            <a:rect l="l" t="t" r="r" b="b"/>
+            <a:rect b="b" l="l" r="r" t="t"/>
             <a:pathLst>
-              <a:path w="120000" h="120000" extrusionOk="0">
+              <a:path extrusionOk="0" h="120000" w="120000">
                 <a:moveTo>
                   <a:pt x="0" y="0"/>
                 </a:moveTo>
@@ -826,11 +792,11 @@
 </file>
 
 <file path=ppt/notesSlides/notesSlide2.xml><?xml version="1.0" encoding="utf-8"?>
-<p:notes xmlns:a="http://schemas.openxmlformats.org/drawingml/2006/main" xmlns:r="http://schemas.openxmlformats.org/officeDocument/2006/relationships" xmlns:p="http://schemas.openxmlformats.org/presentationml/2006/main" showMasterSp="0" showMasterPhAnim="0">
+<p:notes xmlns:a="http://schemas.openxmlformats.org/drawingml/2006/main" xmlns:r="http://schemas.openxmlformats.org/officeDocument/2006/relationships" xmlns:mc="http://schemas.openxmlformats.org/markup-compatibility/2006" xmlns:mv="urn:schemas-microsoft-com:mac:vml" xmlns:p="http://schemas.openxmlformats.org/presentationml/2006/main" xmlns:c="http://schemas.openxmlformats.org/drawingml/2006/chart" xmlns:dgm="http://schemas.openxmlformats.org/drawingml/2006/diagram" xmlns:o="urn:schemas-microsoft-com:office:office" xmlns:v="urn:schemas-microsoft-com:vml" xmlns:pvml="urn:schemas-microsoft-com:office:powerpoint" xmlns:com="http://schemas.openxmlformats.org/drawingml/2006/compatibility" xmlns:p14="http://schemas.microsoft.com/office/powerpoint/2010/main" xmlns:p15="http://schemas.microsoft.com/office/powerpoint/2012/main" xmlns:ahyp="http://schemas.microsoft.com/office/drawing/2018/hyperlinkcolor" showMasterPhAnim="0" showMasterSp="0">
   <p:cSld>
     <p:spTree>
       <p:nvGrpSpPr>
-        <p:cNvPr id="1" name="Shape 99"/>
+        <p:cNvPr id="99" name="Shape 99"/>
         <p:cNvGrpSpPr/>
         <p:nvPr/>
       </p:nvGrpSpPr>
@@ -845,11 +811,9 @@
       <p:sp>
         <p:nvSpPr>
           <p:cNvPr id="100" name="Google Shape;100;p2:notes"/>
-          <p:cNvSpPr txBox="1">
-            <a:spLocks noGrp="1"/>
-          </p:cNvSpPr>
+          <p:cNvSpPr txBox="1"/>
           <p:nvPr>
-            <p:ph type="body" idx="1"/>
+            <p:ph idx="1" type="body"/>
           </p:nvPr>
         </p:nvSpPr>
         <p:spPr>
@@ -862,12 +826,12 @@
           </a:prstGeom>
         </p:spPr>
         <p:txBody>
-          <a:bodyPr spcFirstLastPara="1" wrap="square" lIns="91425" tIns="91425" rIns="91425" bIns="91425" anchor="t" anchorCtr="0">
+          <a:bodyPr anchorCtr="0" anchor="t" bIns="91425" lIns="91425" spcFirstLastPara="1" rIns="91425" wrap="square" tIns="91425">
             <a:noAutofit/>
           </a:bodyPr>
           <a:lstStyle/>
           <a:p>
-            <a:pPr marL="0" lvl="0" indent="0" algn="l" rtl="0">
+            <a:pPr indent="0" lvl="0" marL="0" rtl="0" algn="l">
               <a:spcBef>
                 <a:spcPts val="0"/>
               </a:spcBef>
@@ -876,6 +840,9 @@
               </a:spcAft>
               <a:buNone/>
             </a:pPr>
+            <a:r>
+              <a:t/>
+            </a:r>
             <a:endParaRPr/>
           </a:p>
         </p:txBody>
@@ -883,11 +850,9 @@
       <p:sp>
         <p:nvSpPr>
           <p:cNvPr id="101" name="Google Shape;101;p2:notes"/>
-          <p:cNvSpPr>
-            <a:spLocks noGrp="1" noRot="1" noChangeAspect="1"/>
-          </p:cNvSpPr>
+          <p:cNvSpPr/>
           <p:nvPr>
-            <p:ph type="sldImg" idx="2"/>
+            <p:ph idx="2" type="sldImg"/>
           </p:nvPr>
         </p:nvSpPr>
         <p:spPr>
@@ -896,13 +861,9 @@
             <a:ext cx="4572225" cy="3429000"/>
           </a:xfrm>
           <a:custGeom>
-            <a:avLst/>
-            <a:gdLst/>
-            <a:ahLst/>
-            <a:cxnLst/>
-            <a:rect l="l" t="t" r="r" b="b"/>
+            <a:rect b="b" l="l" r="r" t="t"/>
             <a:pathLst>
-              <a:path w="120000" h="120000" extrusionOk="0">
+              <a:path extrusionOk="0" h="120000" w="120000">
                 <a:moveTo>
                   <a:pt x="0" y="0"/>
                 </a:moveTo>
@@ -930,11 +891,11 @@
 </file>
 
 <file path=ppt/notesSlides/notesSlide3.xml><?xml version="1.0" encoding="utf-8"?>
-<p:notes xmlns:a="http://schemas.openxmlformats.org/drawingml/2006/main" xmlns:r="http://schemas.openxmlformats.org/officeDocument/2006/relationships" xmlns:p="http://schemas.openxmlformats.org/presentationml/2006/main" showMasterSp="0" showMasterPhAnim="0">
+<p:notes xmlns:a="http://schemas.openxmlformats.org/drawingml/2006/main" xmlns:r="http://schemas.openxmlformats.org/officeDocument/2006/relationships" xmlns:mc="http://schemas.openxmlformats.org/markup-compatibility/2006" xmlns:mv="urn:schemas-microsoft-com:mac:vml" xmlns:p="http://schemas.openxmlformats.org/presentationml/2006/main" xmlns:c="http://schemas.openxmlformats.org/drawingml/2006/chart" xmlns:dgm="http://schemas.openxmlformats.org/drawingml/2006/diagram" xmlns:o="urn:schemas-microsoft-com:office:office" xmlns:v="urn:schemas-microsoft-com:vml" xmlns:pvml="urn:schemas-microsoft-com:office:powerpoint" xmlns:com="http://schemas.openxmlformats.org/drawingml/2006/compatibility" xmlns:p14="http://schemas.microsoft.com/office/powerpoint/2010/main" xmlns:p15="http://schemas.microsoft.com/office/powerpoint/2012/main" xmlns:ahyp="http://schemas.microsoft.com/office/drawing/2018/hyperlinkcolor" showMasterPhAnim="0" showMasterSp="0">
   <p:cSld>
     <p:spTree>
       <p:nvGrpSpPr>
-        <p:cNvPr id="1" name="Shape 105"/>
+        <p:cNvPr id="105" name="Shape 105"/>
         <p:cNvGrpSpPr/>
         <p:nvPr/>
       </p:nvGrpSpPr>
@@ -949,11 +910,9 @@
       <p:sp>
         <p:nvSpPr>
           <p:cNvPr id="106" name="Google Shape;106;p3:notes"/>
-          <p:cNvSpPr txBox="1">
-            <a:spLocks noGrp="1"/>
-          </p:cNvSpPr>
+          <p:cNvSpPr txBox="1"/>
           <p:nvPr>
-            <p:ph type="body" idx="1"/>
+            <p:ph idx="1" type="body"/>
           </p:nvPr>
         </p:nvSpPr>
         <p:spPr>
@@ -966,12 +925,12 @@
           </a:prstGeom>
         </p:spPr>
         <p:txBody>
-          <a:bodyPr spcFirstLastPara="1" wrap="square" lIns="91425" tIns="91425" rIns="91425" bIns="91425" anchor="t" anchorCtr="0">
+          <a:bodyPr anchorCtr="0" anchor="t" bIns="91425" lIns="91425" spcFirstLastPara="1" rIns="91425" wrap="square" tIns="91425">
             <a:noAutofit/>
           </a:bodyPr>
           <a:lstStyle/>
           <a:p>
-            <a:pPr marL="0" lvl="0" indent="0" algn="l" rtl="0">
+            <a:pPr indent="0" lvl="0" marL="0" rtl="0" algn="l">
               <a:spcBef>
                 <a:spcPts val="0"/>
               </a:spcBef>
@@ -980,6 +939,9 @@
               </a:spcAft>
               <a:buNone/>
             </a:pPr>
+            <a:r>
+              <a:t/>
+            </a:r>
             <a:endParaRPr/>
           </a:p>
         </p:txBody>
@@ -987,26 +949,20 @@
       <p:sp>
         <p:nvSpPr>
           <p:cNvPr id="107" name="Google Shape;107;p3:notes"/>
-          <p:cNvSpPr>
-            <a:spLocks noGrp="1" noRot="1" noChangeAspect="1"/>
-          </p:cNvSpPr>
+          <p:cNvSpPr/>
           <p:nvPr>
-            <p:ph type="sldImg" idx="2"/>
+            <p:ph idx="2" type="sldImg"/>
           </p:nvPr>
         </p:nvSpPr>
         <p:spPr>
           <a:xfrm>
-            <a:off x="381000" y="685800"/>
-            <a:ext cx="6096000" cy="3429000"/>
+            <a:off x="1143225" y="685800"/>
+            <a:ext cx="4572225" cy="3429000"/>
           </a:xfrm>
           <a:custGeom>
-            <a:avLst/>
-            <a:gdLst/>
-            <a:ahLst/>
-            <a:cxnLst/>
-            <a:rect l="l" t="t" r="r" b="b"/>
+            <a:rect b="b" l="l" r="r" t="t"/>
             <a:pathLst>
-              <a:path w="120000" h="120000" extrusionOk="0">
+              <a:path extrusionOk="0" h="120000" w="120000">
                 <a:moveTo>
                   <a:pt x="0" y="0"/>
                 </a:moveTo>
@@ -1034,11 +990,11 @@
 </file>
 
 <file path=ppt/notesSlides/notesSlide4.xml><?xml version="1.0" encoding="utf-8"?>
-<p:notes xmlns:a="http://schemas.openxmlformats.org/drawingml/2006/main" xmlns:r="http://schemas.openxmlformats.org/officeDocument/2006/relationships" xmlns:p="http://schemas.openxmlformats.org/presentationml/2006/main" showMasterSp="0" showMasterPhAnim="0">
+<p:notes xmlns:a="http://schemas.openxmlformats.org/drawingml/2006/main" xmlns:r="http://schemas.openxmlformats.org/officeDocument/2006/relationships" xmlns:mc="http://schemas.openxmlformats.org/markup-compatibility/2006" xmlns:mv="urn:schemas-microsoft-com:mac:vml" xmlns:p="http://schemas.openxmlformats.org/presentationml/2006/main" xmlns:c="http://schemas.openxmlformats.org/drawingml/2006/chart" xmlns:dgm="http://schemas.openxmlformats.org/drawingml/2006/diagram" xmlns:o="urn:schemas-microsoft-com:office:office" xmlns:v="urn:schemas-microsoft-com:vml" xmlns:pvml="urn:schemas-microsoft-com:office:powerpoint" xmlns:com="http://schemas.openxmlformats.org/drawingml/2006/compatibility" xmlns:p14="http://schemas.microsoft.com/office/powerpoint/2010/main" xmlns:p15="http://schemas.microsoft.com/office/powerpoint/2012/main" xmlns:ahyp="http://schemas.microsoft.com/office/drawing/2018/hyperlinkcolor" showMasterPhAnim="0" showMasterSp="0">
   <p:cSld>
     <p:spTree>
       <p:nvGrpSpPr>
-        <p:cNvPr id="1" name="Shape 111"/>
+        <p:cNvPr id="111" name="Shape 111"/>
         <p:cNvGrpSpPr/>
         <p:nvPr/>
       </p:nvGrpSpPr>
@@ -1053,11 +1009,9 @@
       <p:sp>
         <p:nvSpPr>
           <p:cNvPr id="112" name="Google Shape;112;p4:notes"/>
-          <p:cNvSpPr txBox="1">
-            <a:spLocks noGrp="1"/>
-          </p:cNvSpPr>
+          <p:cNvSpPr txBox="1"/>
           <p:nvPr>
-            <p:ph type="body" idx="1"/>
+            <p:ph idx="1" type="body"/>
           </p:nvPr>
         </p:nvSpPr>
         <p:spPr>
@@ -1070,12 +1024,12 @@
           </a:prstGeom>
         </p:spPr>
         <p:txBody>
-          <a:bodyPr spcFirstLastPara="1" wrap="square" lIns="91425" tIns="91425" rIns="91425" bIns="91425" anchor="t" anchorCtr="0">
+          <a:bodyPr anchorCtr="0" anchor="t" bIns="91425" lIns="91425" spcFirstLastPara="1" rIns="91425" wrap="square" tIns="91425">
             <a:noAutofit/>
           </a:bodyPr>
           <a:lstStyle/>
           <a:p>
-            <a:pPr marL="0" lvl="0" indent="0" algn="l" rtl="0">
+            <a:pPr indent="0" lvl="0" marL="0" rtl="0" algn="l">
               <a:spcBef>
                 <a:spcPts val="0"/>
               </a:spcBef>
@@ -1084,6 +1038,9 @@
               </a:spcAft>
               <a:buNone/>
             </a:pPr>
+            <a:r>
+              <a:t/>
+            </a:r>
             <a:endParaRPr/>
           </a:p>
         </p:txBody>
@@ -1091,11 +1048,9 @@
       <p:sp>
         <p:nvSpPr>
           <p:cNvPr id="113" name="Google Shape;113;p4:notes"/>
-          <p:cNvSpPr>
-            <a:spLocks noGrp="1" noRot="1" noChangeAspect="1"/>
-          </p:cNvSpPr>
+          <p:cNvSpPr/>
           <p:nvPr>
-            <p:ph type="sldImg" idx="2"/>
+            <p:ph idx="2" type="sldImg"/>
           </p:nvPr>
         </p:nvSpPr>
         <p:spPr>
@@ -1104,13 +1059,9 @@
             <a:ext cx="4572225" cy="3429000"/>
           </a:xfrm>
           <a:custGeom>
-            <a:avLst/>
-            <a:gdLst/>
-            <a:ahLst/>
-            <a:cxnLst/>
-            <a:rect l="l" t="t" r="r" b="b"/>
+            <a:rect b="b" l="l" r="r" t="t"/>
             <a:pathLst>
-              <a:path w="120000" h="120000" extrusionOk="0">
+              <a:path extrusionOk="0" h="120000" w="120000">
                 <a:moveTo>
                   <a:pt x="0" y="0"/>
                 </a:moveTo>
@@ -1138,11 +1089,11 @@
 </file>
 
 <file path=ppt/notesSlides/notesSlide5.xml><?xml version="1.0" encoding="utf-8"?>
-<p:notes xmlns:a="http://schemas.openxmlformats.org/drawingml/2006/main" xmlns:r="http://schemas.openxmlformats.org/officeDocument/2006/relationships" xmlns:p="http://schemas.openxmlformats.org/presentationml/2006/main" showMasterSp="0" showMasterPhAnim="0">
+<p:notes xmlns:a="http://schemas.openxmlformats.org/drawingml/2006/main" xmlns:r="http://schemas.openxmlformats.org/officeDocument/2006/relationships" xmlns:mc="http://schemas.openxmlformats.org/markup-compatibility/2006" xmlns:mv="urn:schemas-microsoft-com:mac:vml" xmlns:p="http://schemas.openxmlformats.org/presentationml/2006/main" xmlns:c="http://schemas.openxmlformats.org/drawingml/2006/chart" xmlns:dgm="http://schemas.openxmlformats.org/drawingml/2006/diagram" xmlns:o="urn:schemas-microsoft-com:office:office" xmlns:v="urn:schemas-microsoft-com:vml" xmlns:pvml="urn:schemas-microsoft-com:office:powerpoint" xmlns:com="http://schemas.openxmlformats.org/drawingml/2006/compatibility" xmlns:p14="http://schemas.microsoft.com/office/powerpoint/2010/main" xmlns:p15="http://schemas.microsoft.com/office/powerpoint/2012/main" xmlns:ahyp="http://schemas.microsoft.com/office/drawing/2018/hyperlinkcolor" showMasterPhAnim="0" showMasterSp="0">
   <p:cSld>
     <p:spTree>
       <p:nvGrpSpPr>
-        <p:cNvPr id="1" name="Shape 117"/>
+        <p:cNvPr id="117" name="Shape 117"/>
         <p:cNvGrpSpPr/>
         <p:nvPr/>
       </p:nvGrpSpPr>
@@ -1157,11 +1108,9 @@
       <p:sp>
         <p:nvSpPr>
           <p:cNvPr id="118" name="Google Shape;118;p5:notes"/>
-          <p:cNvSpPr txBox="1">
-            <a:spLocks noGrp="1"/>
-          </p:cNvSpPr>
+          <p:cNvSpPr txBox="1"/>
           <p:nvPr>
-            <p:ph type="body" idx="1"/>
+            <p:ph idx="1" type="body"/>
           </p:nvPr>
         </p:nvSpPr>
         <p:spPr>
@@ -1174,12 +1123,12 @@
           </a:prstGeom>
         </p:spPr>
         <p:txBody>
-          <a:bodyPr spcFirstLastPara="1" wrap="square" lIns="91425" tIns="91425" rIns="91425" bIns="91425" anchor="t" anchorCtr="0">
+          <a:bodyPr anchorCtr="0" anchor="t" bIns="91425" lIns="91425" spcFirstLastPara="1" rIns="91425" wrap="square" tIns="91425">
             <a:noAutofit/>
           </a:bodyPr>
           <a:lstStyle/>
           <a:p>
-            <a:pPr marL="0" lvl="0" indent="0" algn="l" rtl="0">
+            <a:pPr indent="0" lvl="0" marL="0" rtl="0" algn="l">
               <a:spcBef>
                 <a:spcPts val="0"/>
               </a:spcBef>
@@ -1188,6 +1137,9 @@
               </a:spcAft>
               <a:buNone/>
             </a:pPr>
+            <a:r>
+              <a:t/>
+            </a:r>
             <a:endParaRPr/>
           </a:p>
         </p:txBody>
@@ -1195,11 +1147,9 @@
       <p:sp>
         <p:nvSpPr>
           <p:cNvPr id="119" name="Google Shape;119;p5:notes"/>
-          <p:cNvSpPr>
-            <a:spLocks noGrp="1" noRot="1" noChangeAspect="1"/>
-          </p:cNvSpPr>
+          <p:cNvSpPr/>
           <p:nvPr>
-            <p:ph type="sldImg" idx="2"/>
+            <p:ph idx="2" type="sldImg"/>
           </p:nvPr>
         </p:nvSpPr>
         <p:spPr>
@@ -1208,13 +1158,9 @@
             <a:ext cx="4572225" cy="3429000"/>
           </a:xfrm>
           <a:custGeom>
-            <a:avLst/>
-            <a:gdLst/>
-            <a:ahLst/>
-            <a:cxnLst/>
-            <a:rect l="l" t="t" r="r" b="b"/>
+            <a:rect b="b" l="l" r="r" t="t"/>
             <a:pathLst>
-              <a:path w="120000" h="120000" extrusionOk="0">
+              <a:path extrusionOk="0" h="120000" w="120000">
                 <a:moveTo>
                   <a:pt x="0" y="0"/>
                 </a:moveTo>
@@ -1242,11 +1188,11 @@
 </file>
 
 <file path=ppt/notesSlides/notesSlide6.xml><?xml version="1.0" encoding="utf-8"?>
-<p:notes xmlns:a="http://schemas.openxmlformats.org/drawingml/2006/main" xmlns:r="http://schemas.openxmlformats.org/officeDocument/2006/relationships" xmlns:p="http://schemas.openxmlformats.org/presentationml/2006/main" showMasterSp="0" showMasterPhAnim="0">
+<p:notes xmlns:a="http://schemas.openxmlformats.org/drawingml/2006/main" xmlns:r="http://schemas.openxmlformats.org/officeDocument/2006/relationships" xmlns:mc="http://schemas.openxmlformats.org/markup-compatibility/2006" xmlns:mv="urn:schemas-microsoft-com:mac:vml" xmlns:p="http://schemas.openxmlformats.org/presentationml/2006/main" xmlns:c="http://schemas.openxmlformats.org/drawingml/2006/chart" xmlns:dgm="http://schemas.openxmlformats.org/drawingml/2006/diagram" xmlns:o="urn:schemas-microsoft-com:office:office" xmlns:v="urn:schemas-microsoft-com:vml" xmlns:pvml="urn:schemas-microsoft-com:office:powerpoint" xmlns:com="http://schemas.openxmlformats.org/drawingml/2006/compatibility" xmlns:p14="http://schemas.microsoft.com/office/powerpoint/2010/main" xmlns:p15="http://schemas.microsoft.com/office/powerpoint/2012/main" xmlns:ahyp="http://schemas.microsoft.com/office/drawing/2018/hyperlinkcolor" showMasterPhAnim="0" showMasterSp="0">
   <p:cSld>
     <p:spTree>
       <p:nvGrpSpPr>
-        <p:cNvPr id="1" name="Shape 123"/>
+        <p:cNvPr id="123" name="Shape 123"/>
         <p:cNvGrpSpPr/>
         <p:nvPr/>
       </p:nvGrpSpPr>
@@ -1261,11 +1207,9 @@
       <p:sp>
         <p:nvSpPr>
           <p:cNvPr id="124" name="Google Shape;124;gd16f877427_0_6:notes"/>
-          <p:cNvSpPr>
-            <a:spLocks noGrp="1" noRot="1" noChangeAspect="1"/>
-          </p:cNvSpPr>
+          <p:cNvSpPr/>
           <p:nvPr>
-            <p:ph type="sldImg" idx="2"/>
+            <p:ph idx="2" type="sldImg"/>
           </p:nvPr>
         </p:nvSpPr>
         <p:spPr>
@@ -1274,13 +1218,9 @@
             <a:ext cx="4572300" cy="3429000"/>
           </a:xfrm>
           <a:custGeom>
-            <a:avLst/>
-            <a:gdLst/>
-            <a:ahLst/>
-            <a:cxnLst/>
-            <a:rect l="l" t="t" r="r" b="b"/>
+            <a:rect b="b" l="l" r="r" t="t"/>
             <a:pathLst>
-              <a:path w="120000" h="120000" extrusionOk="0">
+              <a:path extrusionOk="0" h="120000" w="120000">
                 <a:moveTo>
                   <a:pt x="0" y="0"/>
                 </a:moveTo>
@@ -1302,11 +1242,9 @@
       <p:sp>
         <p:nvSpPr>
           <p:cNvPr id="125" name="Google Shape;125;gd16f877427_0_6:notes"/>
-          <p:cNvSpPr txBox="1">
-            <a:spLocks noGrp="1"/>
-          </p:cNvSpPr>
+          <p:cNvSpPr txBox="1"/>
           <p:nvPr>
-            <p:ph type="body" idx="1"/>
+            <p:ph idx="1" type="body"/>
           </p:nvPr>
         </p:nvSpPr>
         <p:spPr>
@@ -1319,12 +1257,12 @@
           </a:prstGeom>
         </p:spPr>
         <p:txBody>
-          <a:bodyPr spcFirstLastPara="1" wrap="square" lIns="91425" tIns="91425" rIns="91425" bIns="91425" anchor="t" anchorCtr="0">
+          <a:bodyPr anchorCtr="0" anchor="t" bIns="91425" lIns="91425" spcFirstLastPara="1" rIns="91425" wrap="square" tIns="91425">
             <a:noAutofit/>
           </a:bodyPr>
           <a:lstStyle/>
           <a:p>
-            <a:pPr marL="0" lvl="0" indent="0" algn="l" rtl="0">
+            <a:pPr indent="0" lvl="0" marL="0" rtl="0" algn="l">
               <a:spcBef>
                 <a:spcPts val="0"/>
               </a:spcBef>
@@ -1333,6 +1271,9 @@
               </a:spcAft>
               <a:buNone/>
             </a:pPr>
+            <a:r>
+              <a:t/>
+            </a:r>
             <a:endParaRPr/>
           </a:p>
         </p:txBody>
@@ -1346,11 +1287,11 @@
 </file>
 
 <file path=ppt/notesSlides/notesSlide7.xml><?xml version="1.0" encoding="utf-8"?>
-<p:notes xmlns:a="http://schemas.openxmlformats.org/drawingml/2006/main" xmlns:r="http://schemas.openxmlformats.org/officeDocument/2006/relationships" xmlns:p="http://schemas.openxmlformats.org/presentationml/2006/main" showMasterSp="0" showMasterPhAnim="0">
+<p:notes xmlns:a="http://schemas.openxmlformats.org/drawingml/2006/main" xmlns:r="http://schemas.openxmlformats.org/officeDocument/2006/relationships" xmlns:mc="http://schemas.openxmlformats.org/markup-compatibility/2006" xmlns:mv="urn:schemas-microsoft-com:mac:vml" xmlns:p="http://schemas.openxmlformats.org/presentationml/2006/main" xmlns:c="http://schemas.openxmlformats.org/drawingml/2006/chart" xmlns:dgm="http://schemas.openxmlformats.org/drawingml/2006/diagram" xmlns:o="urn:schemas-microsoft-com:office:office" xmlns:v="urn:schemas-microsoft-com:vml" xmlns:pvml="urn:schemas-microsoft-com:office:powerpoint" xmlns:com="http://schemas.openxmlformats.org/drawingml/2006/compatibility" xmlns:p14="http://schemas.microsoft.com/office/powerpoint/2010/main" xmlns:p15="http://schemas.microsoft.com/office/powerpoint/2012/main" xmlns:ahyp="http://schemas.microsoft.com/office/drawing/2018/hyperlinkcolor" showMasterPhAnim="0" showMasterSp="0">
   <p:cSld>
     <p:spTree>
       <p:nvGrpSpPr>
-        <p:cNvPr id="1" name="Shape 132"/>
+        <p:cNvPr id="132" name="Shape 132"/>
         <p:cNvGrpSpPr/>
         <p:nvPr/>
       </p:nvGrpSpPr>
@@ -1365,11 +1306,9 @@
       <p:sp>
         <p:nvSpPr>
           <p:cNvPr id="133" name="Google Shape;133;gd16f877427_0_13:notes"/>
-          <p:cNvSpPr>
-            <a:spLocks noGrp="1" noRot="1" noChangeAspect="1"/>
-          </p:cNvSpPr>
+          <p:cNvSpPr/>
           <p:nvPr>
-            <p:ph type="sldImg" idx="2"/>
+            <p:ph idx="2" type="sldImg"/>
           </p:nvPr>
         </p:nvSpPr>
         <p:spPr>
@@ -1378,13 +1317,9 @@
             <a:ext cx="4572300" cy="3429000"/>
           </a:xfrm>
           <a:custGeom>
-            <a:avLst/>
-            <a:gdLst/>
-            <a:ahLst/>
-            <a:cxnLst/>
-            <a:rect l="l" t="t" r="r" b="b"/>
+            <a:rect b="b" l="l" r="r" t="t"/>
             <a:pathLst>
-              <a:path w="120000" h="120000" extrusionOk="0">
+              <a:path extrusionOk="0" h="120000" w="120000">
                 <a:moveTo>
                   <a:pt x="0" y="0"/>
                 </a:moveTo>
@@ -1406,11 +1341,9 @@
       <p:sp>
         <p:nvSpPr>
           <p:cNvPr id="134" name="Google Shape;134;gd16f877427_0_13:notes"/>
-          <p:cNvSpPr txBox="1">
-            <a:spLocks noGrp="1"/>
-          </p:cNvSpPr>
+          <p:cNvSpPr txBox="1"/>
           <p:nvPr>
-            <p:ph type="body" idx="1"/>
+            <p:ph idx="1" type="body"/>
           </p:nvPr>
         </p:nvSpPr>
         <p:spPr>
@@ -1423,12 +1356,12 @@
           </a:prstGeom>
         </p:spPr>
         <p:txBody>
-          <a:bodyPr spcFirstLastPara="1" wrap="square" lIns="91425" tIns="91425" rIns="91425" bIns="91425" anchor="t" anchorCtr="0">
+          <a:bodyPr anchorCtr="0" anchor="t" bIns="91425" lIns="91425" spcFirstLastPara="1" rIns="91425" wrap="square" tIns="91425">
             <a:noAutofit/>
           </a:bodyPr>
           <a:lstStyle/>
           <a:p>
-            <a:pPr marL="0" lvl="0" indent="0" algn="l" rtl="0">
+            <a:pPr indent="0" lvl="0" marL="0" rtl="0" algn="l">
               <a:spcBef>
                 <a:spcPts val="0"/>
               </a:spcBef>
@@ -1437,6 +1370,9 @@
               </a:spcAft>
               <a:buNone/>
             </a:pPr>
+            <a:r>
+              <a:t/>
+            </a:r>
             <a:endParaRPr/>
           </a:p>
         </p:txBody>
@@ -1450,11 +1386,11 @@
 </file>
 
 <file path=ppt/notesSlides/notesSlide8.xml><?xml version="1.0" encoding="utf-8"?>
-<p:notes xmlns:a="http://schemas.openxmlformats.org/drawingml/2006/main" xmlns:r="http://schemas.openxmlformats.org/officeDocument/2006/relationships" xmlns:p="http://schemas.openxmlformats.org/presentationml/2006/main" showMasterSp="0" showMasterPhAnim="0">
+<p:notes xmlns:a="http://schemas.openxmlformats.org/drawingml/2006/main" xmlns:r="http://schemas.openxmlformats.org/officeDocument/2006/relationships" xmlns:mc="http://schemas.openxmlformats.org/markup-compatibility/2006" xmlns:mv="urn:schemas-microsoft-com:mac:vml" xmlns:p="http://schemas.openxmlformats.org/presentationml/2006/main" xmlns:c="http://schemas.openxmlformats.org/drawingml/2006/chart" xmlns:dgm="http://schemas.openxmlformats.org/drawingml/2006/diagram" xmlns:o="urn:schemas-microsoft-com:office:office" xmlns:v="urn:schemas-microsoft-com:vml" xmlns:pvml="urn:schemas-microsoft-com:office:powerpoint" xmlns:com="http://schemas.openxmlformats.org/drawingml/2006/compatibility" xmlns:p14="http://schemas.microsoft.com/office/powerpoint/2010/main" xmlns:p15="http://schemas.microsoft.com/office/powerpoint/2012/main" xmlns:ahyp="http://schemas.microsoft.com/office/drawing/2018/hyperlinkcolor" showMasterPhAnim="0" showMasterSp="0">
   <p:cSld>
     <p:spTree>
       <p:nvGrpSpPr>
-        <p:cNvPr id="1" name="Shape 141"/>
+        <p:cNvPr id="141" name="Shape 141"/>
         <p:cNvGrpSpPr/>
         <p:nvPr/>
       </p:nvGrpSpPr>
@@ -1469,11 +1405,9 @@
       <p:sp>
         <p:nvSpPr>
           <p:cNvPr id="142" name="Google Shape;142;gd16f877427_0_24:notes"/>
-          <p:cNvSpPr>
-            <a:spLocks noGrp="1" noRot="1" noChangeAspect="1"/>
-          </p:cNvSpPr>
+          <p:cNvSpPr/>
           <p:nvPr>
-            <p:ph type="sldImg" idx="2"/>
+            <p:ph idx="2" type="sldImg"/>
           </p:nvPr>
         </p:nvSpPr>
         <p:spPr>
@@ -1482,13 +1416,9 @@
             <a:ext cx="4572300" cy="3429000"/>
           </a:xfrm>
           <a:custGeom>
-            <a:avLst/>
-            <a:gdLst/>
-            <a:ahLst/>
-            <a:cxnLst/>
-            <a:rect l="l" t="t" r="r" b="b"/>
+            <a:rect b="b" l="l" r="r" t="t"/>
             <a:pathLst>
-              <a:path w="120000" h="120000" extrusionOk="0">
+              <a:path extrusionOk="0" h="120000" w="120000">
                 <a:moveTo>
                   <a:pt x="0" y="0"/>
                 </a:moveTo>
@@ -1510,11 +1440,9 @@
       <p:sp>
         <p:nvSpPr>
           <p:cNvPr id="143" name="Google Shape;143;gd16f877427_0_24:notes"/>
-          <p:cNvSpPr txBox="1">
-            <a:spLocks noGrp="1"/>
-          </p:cNvSpPr>
+          <p:cNvSpPr txBox="1"/>
           <p:nvPr>
-            <p:ph type="body" idx="1"/>
+            <p:ph idx="1" type="body"/>
           </p:nvPr>
         </p:nvSpPr>
         <p:spPr>
@@ -1527,12 +1455,12 @@
           </a:prstGeom>
         </p:spPr>
         <p:txBody>
-          <a:bodyPr spcFirstLastPara="1" wrap="square" lIns="91425" tIns="91425" rIns="91425" bIns="91425" anchor="t" anchorCtr="0">
+          <a:bodyPr anchorCtr="0" anchor="t" bIns="91425" lIns="91425" spcFirstLastPara="1" rIns="91425" wrap="square" tIns="91425">
             <a:noAutofit/>
           </a:bodyPr>
           <a:lstStyle/>
           <a:p>
-            <a:pPr marL="0" lvl="0" indent="0" algn="l" rtl="0">
+            <a:pPr indent="0" lvl="0" marL="0" rtl="0" algn="l">
               <a:spcBef>
                 <a:spcPts val="0"/>
               </a:spcBef>
@@ -1541,6 +1469,9 @@
               </a:spcAft>
               <a:buNone/>
             </a:pPr>
+            <a:r>
+              <a:t/>
+            </a:r>
             <a:endParaRPr/>
           </a:p>
         </p:txBody>
@@ -1554,11 +1485,11 @@
 </file>
 
 <file path=ppt/notesSlides/notesSlide9.xml><?xml version="1.0" encoding="utf-8"?>
-<p:notes xmlns:a="http://schemas.openxmlformats.org/drawingml/2006/main" xmlns:r="http://schemas.openxmlformats.org/officeDocument/2006/relationships" xmlns:p="http://schemas.openxmlformats.org/presentationml/2006/main" showMasterSp="0" showMasterPhAnim="0">
+<p:notes xmlns:a="http://schemas.openxmlformats.org/drawingml/2006/main" xmlns:r="http://schemas.openxmlformats.org/officeDocument/2006/relationships" xmlns:mc="http://schemas.openxmlformats.org/markup-compatibility/2006" xmlns:mv="urn:schemas-microsoft-com:mac:vml" xmlns:p="http://schemas.openxmlformats.org/presentationml/2006/main" xmlns:c="http://schemas.openxmlformats.org/drawingml/2006/chart" xmlns:dgm="http://schemas.openxmlformats.org/drawingml/2006/diagram" xmlns:o="urn:schemas-microsoft-com:office:office" xmlns:v="urn:schemas-microsoft-com:vml" xmlns:pvml="urn:schemas-microsoft-com:office:powerpoint" xmlns:com="http://schemas.openxmlformats.org/drawingml/2006/compatibility" xmlns:p14="http://schemas.microsoft.com/office/powerpoint/2010/main" xmlns:p15="http://schemas.microsoft.com/office/powerpoint/2012/main" xmlns:ahyp="http://schemas.microsoft.com/office/drawing/2018/hyperlinkcolor" showMasterPhAnim="0" showMasterSp="0">
   <p:cSld>
     <p:spTree>
       <p:nvGrpSpPr>
-        <p:cNvPr id="1" name="Shape 150"/>
+        <p:cNvPr id="150" name="Shape 150"/>
         <p:cNvGrpSpPr/>
         <p:nvPr/>
       </p:nvGrpSpPr>
@@ -1573,11 +1504,9 @@
       <p:sp>
         <p:nvSpPr>
           <p:cNvPr id="151" name="Google Shape;151;gd16f877427_0_36:notes"/>
-          <p:cNvSpPr>
-            <a:spLocks noGrp="1" noRot="1" noChangeAspect="1"/>
-          </p:cNvSpPr>
+          <p:cNvSpPr/>
           <p:nvPr>
-            <p:ph type="sldImg" idx="2"/>
+            <p:ph idx="2" type="sldImg"/>
           </p:nvPr>
         </p:nvSpPr>
         <p:spPr>
@@ -1586,13 +1515,9 @@
             <a:ext cx="4572300" cy="3429000"/>
           </a:xfrm>
           <a:custGeom>
-            <a:avLst/>
-            <a:gdLst/>
-            <a:ahLst/>
-            <a:cxnLst/>
-            <a:rect l="l" t="t" r="r" b="b"/>
+            <a:rect b="b" l="l" r="r" t="t"/>
             <a:pathLst>
-              <a:path w="120000" h="120000" extrusionOk="0">
+              <a:path extrusionOk="0" h="120000" w="120000">
                 <a:moveTo>
                   <a:pt x="0" y="0"/>
                 </a:moveTo>
@@ -1614,11 +1539,9 @@
       <p:sp>
         <p:nvSpPr>
           <p:cNvPr id="152" name="Google Shape;152;gd16f877427_0_36:notes"/>
-          <p:cNvSpPr txBox="1">
-            <a:spLocks noGrp="1"/>
-          </p:cNvSpPr>
+          <p:cNvSpPr txBox="1"/>
           <p:nvPr>
-            <p:ph type="body" idx="1"/>
+            <p:ph idx="1" type="body"/>
           </p:nvPr>
         </p:nvSpPr>
         <p:spPr>
@@ -1631,12 +1554,12 @@
           </a:prstGeom>
         </p:spPr>
         <p:txBody>
-          <a:bodyPr spcFirstLastPara="1" wrap="square" lIns="91425" tIns="91425" rIns="91425" bIns="91425" anchor="t" anchorCtr="0">
+          <a:bodyPr anchorCtr="0" anchor="t" bIns="91425" lIns="91425" spcFirstLastPara="1" rIns="91425" wrap="square" tIns="91425">
             <a:noAutofit/>
           </a:bodyPr>
           <a:lstStyle/>
           <a:p>
-            <a:pPr marL="0" lvl="0" indent="0" algn="l" rtl="0">
+            <a:pPr indent="0" lvl="0" marL="0" rtl="0" algn="l">
               <a:spcBef>
                 <a:spcPts val="0"/>
               </a:spcBef>
@@ -1645,6 +1568,9 @@
               </a:spcAft>
               <a:buNone/>
             </a:pPr>
+            <a:r>
+              <a:t/>
+            </a:r>
             <a:endParaRPr/>
           </a:p>
         </p:txBody>
@@ -1658,11 +1584,11 @@
 </file>
 
 <file path=ppt/slideLayouts/slideLayout1.xml><?xml version="1.0" encoding="utf-8"?>
-<p:sldLayout xmlns:a="http://schemas.openxmlformats.org/drawingml/2006/main" xmlns:r="http://schemas.openxmlformats.org/officeDocument/2006/relationships" xmlns:p="http://schemas.openxmlformats.org/presentationml/2006/main" showMasterSp="0" matchingName="Title Slide" type="title">
+<p:sldLayout xmlns:a="http://schemas.openxmlformats.org/drawingml/2006/main" xmlns:r="http://schemas.openxmlformats.org/officeDocument/2006/relationships" xmlns:mc="http://schemas.openxmlformats.org/markup-compatibility/2006" xmlns:mv="urn:schemas-microsoft-com:mac:vml" xmlns:p="http://schemas.openxmlformats.org/presentationml/2006/main" xmlns:c="http://schemas.openxmlformats.org/drawingml/2006/chart" xmlns:dgm="http://schemas.openxmlformats.org/drawingml/2006/diagram" xmlns:o="urn:schemas-microsoft-com:office:office" xmlns:v="urn:schemas-microsoft-com:vml" xmlns:pvml="urn:schemas-microsoft-com:office:powerpoint" xmlns:com="http://schemas.openxmlformats.org/drawingml/2006/compatibility" xmlns:p14="http://schemas.microsoft.com/office/powerpoint/2010/main" xmlns:p15="http://schemas.microsoft.com/office/powerpoint/2012/main" xmlns:ahyp="http://schemas.microsoft.com/office/drawing/2018/hyperlinkcolor" matchingName="Title Slide" showMasterSp="0" type="title">
   <p:cSld name="TITLE">
     <p:spTree>
       <p:nvGrpSpPr>
-        <p:cNvPr id="1" name="Shape 13"/>
+        <p:cNvPr id="13" name="Shape 13"/>
         <p:cNvGrpSpPr/>
         <p:nvPr/>
       </p:nvGrpSpPr>
@@ -1696,12 +1622,12 @@
           </a:ln>
         </p:spPr>
         <p:txBody>
-          <a:bodyPr spcFirstLastPara="1" wrap="square" lIns="91425" tIns="91425" rIns="91425" bIns="91425" anchor="ctr" anchorCtr="0">
+          <a:bodyPr anchorCtr="0" anchor="ctr" bIns="91425" lIns="91425" spcFirstLastPara="1" rIns="91425" wrap="square" tIns="91425">
             <a:noAutofit/>
           </a:bodyPr>
           <a:lstStyle/>
           <a:p>
-            <a:pPr marL="0" lvl="0" indent="0" algn="l" rtl="0">
+            <a:pPr indent="0" lvl="0" marL="0" rtl="0" algn="l">
               <a:spcBef>
                 <a:spcPts val="0"/>
               </a:spcBef>
@@ -1710,6 +1636,9 @@
               </a:spcAft>
               <a:buNone/>
             </a:pPr>
+            <a:r>
+              <a:t/>
+            </a:r>
             <a:endParaRPr/>
           </a:p>
         </p:txBody>
@@ -1717,9 +1646,7 @@
       <p:sp>
         <p:nvSpPr>
           <p:cNvPr id="15" name="Google Shape;15;p7"/>
-          <p:cNvSpPr txBox="1">
-            <a:spLocks noGrp="1"/>
-          </p:cNvSpPr>
+          <p:cNvSpPr txBox="1"/>
           <p:nvPr>
             <p:ph type="ctrTitle"/>
           </p:nvPr>
@@ -1738,7 +1665,7 @@
           </a:ln>
         </p:spPr>
         <p:txBody>
-          <a:bodyPr spcFirstLastPara="1" wrap="square" lIns="91425" tIns="45700" rIns="91425" bIns="45700" anchor="b" anchorCtr="0">
+          <a:bodyPr anchorCtr="0" anchor="b" bIns="45700" lIns="91425" spcFirstLastPara="1" rIns="91425" wrap="square" tIns="45700">
             <a:normAutofit/>
           </a:bodyPr>
           <a:lstStyle>
@@ -1853,19 +1780,15 @@
               <a:defRPr/>
             </a:lvl9pPr>
           </a:lstStyle>
-          <a:p>
-            <a:endParaRPr/>
-          </a:p>
+          <a:p/>
         </p:txBody>
       </p:sp>
       <p:sp>
         <p:nvSpPr>
           <p:cNvPr id="16" name="Google Shape;16;p7"/>
-          <p:cNvSpPr txBox="1">
-            <a:spLocks noGrp="1"/>
-          </p:cNvSpPr>
+          <p:cNvSpPr txBox="1"/>
           <p:nvPr>
-            <p:ph type="subTitle" idx="1"/>
+            <p:ph idx="1" type="subTitle"/>
           </p:nvPr>
         </p:nvSpPr>
         <p:spPr>
@@ -1882,7 +1805,7 @@
           </a:ln>
         </p:spPr>
         <p:txBody>
-          <a:bodyPr spcFirstLastPara="1" wrap="square" lIns="91425" tIns="45700" rIns="91425" bIns="45700" anchor="t" anchorCtr="0">
+          <a:bodyPr anchorCtr="0" anchor="t" bIns="45700" lIns="91425" spcFirstLastPara="1" rIns="91425" wrap="square" tIns="45700">
             <a:normAutofit/>
           </a:bodyPr>
           <a:lstStyle>
@@ -2033,9 +1956,7 @@
               <a:defRPr sz="2000"/>
             </a:lvl9pPr>
           </a:lstStyle>
-          <a:p>
-            <a:endParaRPr/>
-          </a:p>
+          <a:p/>
         </p:txBody>
       </p:sp>
       <p:cxnSp>
@@ -2053,25 +1974,23 @@
             <a:avLst/>
           </a:prstGeom>
           <a:noFill/>
-          <a:ln w="12700" cap="flat" cmpd="sng">
+          <a:ln cap="flat" cmpd="sng" w="12700">
             <a:solidFill>
               <a:srgbClr val="3F3F3F"/>
             </a:solidFill>
             <a:prstDash val="solid"/>
             <a:round/>
-            <a:headEnd type="none" w="sm" len="sm"/>
-            <a:tailEnd type="none" w="sm" len="sm"/>
+            <a:headEnd len="sm" w="sm" type="none"/>
+            <a:tailEnd len="sm" w="sm" type="none"/>
           </a:ln>
         </p:spPr>
       </p:cxnSp>
       <p:sp>
         <p:nvSpPr>
           <p:cNvPr id="18" name="Google Shape;18;p7"/>
-          <p:cNvSpPr txBox="1">
-            <a:spLocks noGrp="1"/>
-          </p:cNvSpPr>
+          <p:cNvSpPr txBox="1"/>
           <p:nvPr>
-            <p:ph type="dt" idx="10"/>
+            <p:ph idx="10" type="dt"/>
           </p:nvPr>
         </p:nvSpPr>
         <p:spPr>
@@ -2088,7 +2007,7 @@
           </a:ln>
         </p:spPr>
         <p:txBody>
-          <a:bodyPr spcFirstLastPara="1" wrap="square" lIns="91425" tIns="45700" rIns="91425" bIns="45700" anchor="ctr" anchorCtr="0">
+          <a:bodyPr anchorCtr="0" anchor="ctr" bIns="45700" lIns="91425" spcFirstLastPara="1" rIns="91425" wrap="square" tIns="45700">
             <a:noAutofit/>
           </a:bodyPr>
           <a:lstStyle>
@@ -2192,19 +2111,15 @@
               <a:defRPr/>
             </a:lvl9pPr>
           </a:lstStyle>
-          <a:p>
-            <a:endParaRPr/>
-          </a:p>
+          <a:p/>
         </p:txBody>
       </p:sp>
       <p:sp>
         <p:nvSpPr>
           <p:cNvPr id="19" name="Google Shape;19;p7"/>
-          <p:cNvSpPr txBox="1">
-            <a:spLocks noGrp="1"/>
-          </p:cNvSpPr>
+          <p:cNvSpPr txBox="1"/>
           <p:nvPr>
-            <p:ph type="ftr" idx="11"/>
+            <p:ph idx="11" type="ftr"/>
           </p:nvPr>
         </p:nvSpPr>
         <p:spPr>
@@ -2221,7 +2136,7 @@
           </a:ln>
         </p:spPr>
         <p:txBody>
-          <a:bodyPr spcFirstLastPara="1" wrap="square" lIns="91425" tIns="45700" rIns="91425" bIns="45700" anchor="ctr" anchorCtr="0">
+          <a:bodyPr anchorCtr="0" anchor="ctr" bIns="45700" lIns="91425" spcFirstLastPara="1" rIns="91425" wrap="square" tIns="45700">
             <a:noAutofit/>
           </a:bodyPr>
           <a:lstStyle>
@@ -2325,19 +2240,15 @@
               <a:defRPr/>
             </a:lvl9pPr>
           </a:lstStyle>
-          <a:p>
-            <a:endParaRPr/>
-          </a:p>
+          <a:p/>
         </p:txBody>
       </p:sp>
       <p:sp>
         <p:nvSpPr>
           <p:cNvPr id="20" name="Google Shape;20;p7"/>
-          <p:cNvSpPr txBox="1">
-            <a:spLocks noGrp="1"/>
-          </p:cNvSpPr>
+          <p:cNvSpPr txBox="1"/>
           <p:nvPr>
-            <p:ph type="sldNum" idx="12"/>
+            <p:ph idx="12" type="sldNum"/>
           </p:nvPr>
         </p:nvSpPr>
         <p:spPr>
@@ -2354,67 +2265,67 @@
           </a:ln>
         </p:spPr>
         <p:txBody>
-          <a:bodyPr spcFirstLastPara="1" wrap="square" lIns="91425" tIns="45700" rIns="91425" bIns="45700" anchor="ctr" anchorCtr="0">
+          <a:bodyPr anchorCtr="0" anchor="ctr" bIns="45700" lIns="91425" spcFirstLastPara="1" rIns="91425" wrap="square" tIns="45700">
             <a:noAutofit/>
           </a:bodyPr>
           <a:lstStyle>
-            <a:lvl1pPr marL="0" lvl="0" indent="0" algn="l">
+            <a:lvl1pPr indent="0" lvl="0" marL="0" algn="l">
               <a:spcBef>
                 <a:spcPts val="0"/>
               </a:spcBef>
               <a:buNone/>
               <a:defRPr/>
             </a:lvl1pPr>
-            <a:lvl2pPr marL="0" lvl="1" indent="0" algn="l">
+            <a:lvl2pPr indent="0" lvl="1" marL="0" algn="l">
               <a:spcBef>
                 <a:spcPts val="0"/>
               </a:spcBef>
               <a:buNone/>
               <a:defRPr/>
             </a:lvl2pPr>
-            <a:lvl3pPr marL="0" lvl="2" indent="0" algn="l">
+            <a:lvl3pPr indent="0" lvl="2" marL="0" algn="l">
               <a:spcBef>
                 <a:spcPts val="0"/>
               </a:spcBef>
               <a:buNone/>
               <a:defRPr/>
             </a:lvl3pPr>
-            <a:lvl4pPr marL="0" lvl="3" indent="0" algn="l">
+            <a:lvl4pPr indent="0" lvl="3" marL="0" algn="l">
               <a:spcBef>
                 <a:spcPts val="0"/>
               </a:spcBef>
               <a:buNone/>
               <a:defRPr/>
             </a:lvl4pPr>
-            <a:lvl5pPr marL="0" lvl="4" indent="0" algn="l">
+            <a:lvl5pPr indent="0" lvl="4" marL="0" algn="l">
               <a:spcBef>
                 <a:spcPts val="0"/>
               </a:spcBef>
               <a:buNone/>
               <a:defRPr/>
             </a:lvl5pPr>
-            <a:lvl6pPr marL="0" lvl="5" indent="0" algn="l">
+            <a:lvl6pPr indent="0" lvl="5" marL="0" algn="l">
               <a:spcBef>
                 <a:spcPts val="0"/>
               </a:spcBef>
               <a:buNone/>
               <a:defRPr/>
             </a:lvl6pPr>
-            <a:lvl7pPr marL="0" lvl="6" indent="0" algn="l">
+            <a:lvl7pPr indent="0" lvl="6" marL="0" algn="l">
               <a:spcBef>
                 <a:spcPts val="0"/>
               </a:spcBef>
               <a:buNone/>
               <a:defRPr/>
             </a:lvl7pPr>
-            <a:lvl8pPr marL="0" lvl="7" indent="0" algn="l">
+            <a:lvl8pPr indent="0" lvl="7" marL="0" algn="l">
               <a:spcBef>
                 <a:spcPts val="0"/>
               </a:spcBef>
               <a:buNone/>
               <a:defRPr/>
             </a:lvl8pPr>
-            <a:lvl9pPr marL="0" lvl="8" indent="0" algn="l">
+            <a:lvl9pPr indent="0" lvl="8" marL="0" algn="l">
               <a:spcBef>
                 <a:spcPts val="0"/>
               </a:spcBef>
@@ -2423,7 +2334,7 @@
             </a:lvl9pPr>
           </a:lstStyle>
           <a:p>
-            <a:pPr marL="0" lvl="0" indent="0" algn="l" rtl="0">
+            <a:pPr indent="0" lvl="0" marL="0" rtl="0" algn="l">
               <a:spcBef>
                 <a:spcPts val="0"/>
               </a:spcBef>
@@ -2449,11 +2360,11 @@
 </file>
 
 <file path=ppt/slideLayouts/slideLayout10.xml><?xml version="1.0" encoding="utf-8"?>
-<p:sldLayout xmlns:a="http://schemas.openxmlformats.org/drawingml/2006/main" xmlns:r="http://schemas.openxmlformats.org/officeDocument/2006/relationships" xmlns:p="http://schemas.openxmlformats.org/presentationml/2006/main" matchingName="Title and Vertical Text" type="vertTx">
+<p:sldLayout xmlns:a="http://schemas.openxmlformats.org/drawingml/2006/main" xmlns:r="http://schemas.openxmlformats.org/officeDocument/2006/relationships" xmlns:mc="http://schemas.openxmlformats.org/markup-compatibility/2006" xmlns:mv="urn:schemas-microsoft-com:mac:vml" xmlns:p="http://schemas.openxmlformats.org/presentationml/2006/main" xmlns:c="http://schemas.openxmlformats.org/drawingml/2006/chart" xmlns:dgm="http://schemas.openxmlformats.org/drawingml/2006/diagram" xmlns:o="urn:schemas-microsoft-com:office:office" xmlns:v="urn:schemas-microsoft-com:vml" xmlns:pvml="urn:schemas-microsoft-com:office:powerpoint" xmlns:com="http://schemas.openxmlformats.org/drawingml/2006/compatibility" xmlns:p14="http://schemas.microsoft.com/office/powerpoint/2010/main" xmlns:p15="http://schemas.microsoft.com/office/powerpoint/2012/main" xmlns:ahyp="http://schemas.microsoft.com/office/drawing/2018/hyperlinkcolor" matchingName="Title and Vertical Text" type="vertTx">
   <p:cSld name="VERTICAL_TEXT">
     <p:spTree>
       <p:nvGrpSpPr>
-        <p:cNvPr id="1" name="Shape 77"/>
+        <p:cNvPr id="77" name="Shape 77"/>
         <p:cNvGrpSpPr/>
         <p:nvPr/>
       </p:nvGrpSpPr>
@@ -2468,9 +2379,7 @@
       <p:sp>
         <p:nvSpPr>
           <p:cNvPr id="78" name="Google Shape;78;p16"/>
-          <p:cNvSpPr txBox="1">
-            <a:spLocks noGrp="1"/>
-          </p:cNvSpPr>
+          <p:cNvSpPr txBox="1"/>
           <p:nvPr>
             <p:ph type="title"/>
           </p:nvPr>
@@ -2489,7 +2398,7 @@
           </a:ln>
         </p:spPr>
         <p:txBody>
-          <a:bodyPr spcFirstLastPara="1" wrap="square" lIns="91425" tIns="45700" rIns="91425" bIns="45700" anchor="b" anchorCtr="0">
+          <a:bodyPr anchorCtr="0" anchor="b" bIns="45700" lIns="91425" spcFirstLastPara="1" rIns="91425" wrap="square" tIns="45700">
             <a:normAutofit/>
           </a:bodyPr>
           <a:lstStyle>
@@ -2599,19 +2508,15 @@
               <a:defRPr/>
             </a:lvl9pPr>
           </a:lstStyle>
-          <a:p>
-            <a:endParaRPr/>
-          </a:p>
+          <a:p/>
         </p:txBody>
       </p:sp>
       <p:sp>
         <p:nvSpPr>
           <p:cNvPr id="79" name="Google Shape;79;p16"/>
-          <p:cNvSpPr txBox="1">
-            <a:spLocks noGrp="1"/>
-          </p:cNvSpPr>
+          <p:cNvSpPr txBox="1"/>
           <p:nvPr>
-            <p:ph type="body" idx="1"/>
+            <p:ph idx="1" type="body"/>
           </p:nvPr>
         </p:nvSpPr>
         <p:spPr>
@@ -2628,11 +2533,11 @@
           </a:ln>
         </p:spPr>
         <p:txBody>
-          <a:bodyPr spcFirstLastPara="1" wrap="square" lIns="45700" tIns="0" rIns="45700" bIns="0" anchor="t" anchorCtr="0">
+          <a:bodyPr anchorCtr="0" anchor="t" bIns="0" lIns="45700" spcFirstLastPara="1" rIns="45700" wrap="square" tIns="0">
             <a:normAutofit/>
           </a:bodyPr>
           <a:lstStyle>
-            <a:lvl1pPr marL="457200" lvl="0" indent="-342900" algn="l">
+            <a:lvl1pPr indent="-342900" lvl="0" marL="457200" algn="l">
               <a:lnSpc>
                 <a:spcPct val="110000"/>
               </a:lnSpc>
@@ -2646,7 +2551,7 @@
               <a:buChar char=" "/>
               <a:defRPr/>
             </a:lvl1pPr>
-            <a:lvl2pPr marL="914400" lvl="1" indent="-342900" algn="l">
+            <a:lvl2pPr indent="-342900" lvl="1" marL="914400" algn="l">
               <a:lnSpc>
                 <a:spcPct val="100000"/>
               </a:lnSpc>
@@ -2663,7 +2568,7 @@
               <a:buChar char="◦"/>
               <a:defRPr/>
             </a:lvl2pPr>
-            <a:lvl3pPr marL="1371600" lvl="2" indent="-342900" algn="l">
+            <a:lvl3pPr indent="-342900" lvl="2" marL="1371600" algn="l">
               <a:lnSpc>
                 <a:spcPct val="100000"/>
               </a:lnSpc>
@@ -2680,7 +2585,7 @@
               <a:buChar char="◦"/>
               <a:defRPr/>
             </a:lvl3pPr>
-            <a:lvl4pPr marL="1828800" lvl="3" indent="-342900" algn="l">
+            <a:lvl4pPr indent="-342900" lvl="3" marL="1828800" algn="l">
               <a:lnSpc>
                 <a:spcPct val="100000"/>
               </a:lnSpc>
@@ -2697,7 +2602,7 @@
               <a:buChar char="◦"/>
               <a:defRPr/>
             </a:lvl4pPr>
-            <a:lvl5pPr marL="2286000" lvl="4" indent="-342900" algn="l">
+            <a:lvl5pPr indent="-342900" lvl="4" marL="2286000" algn="l">
               <a:lnSpc>
                 <a:spcPct val="100000"/>
               </a:lnSpc>
@@ -2714,7 +2619,7 @@
               <a:buChar char="◦"/>
               <a:defRPr/>
             </a:lvl5pPr>
-            <a:lvl6pPr marL="2743200" lvl="5" indent="-342900" algn="l">
+            <a:lvl6pPr indent="-342900" lvl="5" marL="2743200" algn="l">
               <a:lnSpc>
                 <a:spcPct val="90000"/>
               </a:lnSpc>
@@ -2728,7 +2633,7 @@
               <a:buChar char="◦"/>
               <a:defRPr/>
             </a:lvl6pPr>
-            <a:lvl7pPr marL="3200400" lvl="6" indent="-342900" algn="l">
+            <a:lvl7pPr indent="-342900" lvl="6" marL="3200400" algn="l">
               <a:lnSpc>
                 <a:spcPct val="90000"/>
               </a:lnSpc>
@@ -2742,7 +2647,7 @@
               <a:buChar char="◦"/>
               <a:defRPr/>
             </a:lvl7pPr>
-            <a:lvl8pPr marL="3657600" lvl="7" indent="-342900" algn="l">
+            <a:lvl8pPr indent="-342900" lvl="7" marL="3657600" algn="l">
               <a:lnSpc>
                 <a:spcPct val="90000"/>
               </a:lnSpc>
@@ -2756,7 +2661,7 @@
               <a:buChar char="◦"/>
               <a:defRPr/>
             </a:lvl8pPr>
-            <a:lvl9pPr marL="4114800" lvl="8" indent="-342900" algn="l">
+            <a:lvl9pPr indent="-342900" lvl="8" marL="4114800" algn="l">
               <a:lnSpc>
                 <a:spcPct val="90000"/>
               </a:lnSpc>
@@ -2771,19 +2676,15 @@
               <a:defRPr/>
             </a:lvl9pPr>
           </a:lstStyle>
-          <a:p>
-            <a:endParaRPr/>
-          </a:p>
+          <a:p/>
         </p:txBody>
       </p:sp>
       <p:sp>
         <p:nvSpPr>
           <p:cNvPr id="80" name="Google Shape;80;p16"/>
-          <p:cNvSpPr txBox="1">
-            <a:spLocks noGrp="1"/>
-          </p:cNvSpPr>
+          <p:cNvSpPr txBox="1"/>
           <p:nvPr>
-            <p:ph type="dt" idx="10"/>
+            <p:ph idx="10" type="dt"/>
           </p:nvPr>
         </p:nvSpPr>
         <p:spPr>
@@ -2800,7 +2701,7 @@
           </a:ln>
         </p:spPr>
         <p:txBody>
-          <a:bodyPr spcFirstLastPara="1" wrap="square" lIns="91425" tIns="45700" rIns="91425" bIns="45700" anchor="ctr" anchorCtr="0">
+          <a:bodyPr anchorCtr="0" anchor="ctr" bIns="45700" lIns="91425" spcFirstLastPara="1" rIns="91425" wrap="square" tIns="45700">
             <a:noAutofit/>
           </a:bodyPr>
           <a:lstStyle>
@@ -2904,19 +2805,15 @@
               <a:defRPr/>
             </a:lvl9pPr>
           </a:lstStyle>
-          <a:p>
-            <a:endParaRPr/>
-          </a:p>
+          <a:p/>
         </p:txBody>
       </p:sp>
       <p:sp>
         <p:nvSpPr>
           <p:cNvPr id="81" name="Google Shape;81;p16"/>
-          <p:cNvSpPr txBox="1">
-            <a:spLocks noGrp="1"/>
-          </p:cNvSpPr>
+          <p:cNvSpPr txBox="1"/>
           <p:nvPr>
-            <p:ph type="ftr" idx="11"/>
+            <p:ph idx="11" type="ftr"/>
           </p:nvPr>
         </p:nvSpPr>
         <p:spPr>
@@ -2933,7 +2830,7 @@
           </a:ln>
         </p:spPr>
         <p:txBody>
-          <a:bodyPr spcFirstLastPara="1" wrap="square" lIns="91425" tIns="45700" rIns="91425" bIns="45700" anchor="ctr" anchorCtr="0">
+          <a:bodyPr anchorCtr="0" anchor="ctr" bIns="45700" lIns="91425" spcFirstLastPara="1" rIns="91425" wrap="square" tIns="45700">
             <a:noAutofit/>
           </a:bodyPr>
           <a:lstStyle>
@@ -3037,19 +2934,15 @@
               <a:defRPr/>
             </a:lvl9pPr>
           </a:lstStyle>
-          <a:p>
-            <a:endParaRPr/>
-          </a:p>
+          <a:p/>
         </p:txBody>
       </p:sp>
       <p:sp>
         <p:nvSpPr>
           <p:cNvPr id="82" name="Google Shape;82;p16"/>
-          <p:cNvSpPr txBox="1">
-            <a:spLocks noGrp="1"/>
-          </p:cNvSpPr>
+          <p:cNvSpPr txBox="1"/>
           <p:nvPr>
-            <p:ph type="sldNum" idx="12"/>
+            <p:ph idx="12" type="sldNum"/>
           </p:nvPr>
         </p:nvSpPr>
         <p:spPr>
@@ -3066,67 +2959,67 @@
           </a:ln>
         </p:spPr>
         <p:txBody>
-          <a:bodyPr spcFirstLastPara="1" wrap="square" lIns="91425" tIns="45700" rIns="91425" bIns="45700" anchor="ctr" anchorCtr="0">
+          <a:bodyPr anchorCtr="0" anchor="ctr" bIns="45700" lIns="91425" spcFirstLastPara="1" rIns="91425" wrap="square" tIns="45700">
             <a:noAutofit/>
           </a:bodyPr>
           <a:lstStyle>
-            <a:lvl1pPr marL="0" lvl="0" indent="0" algn="l">
+            <a:lvl1pPr indent="0" lvl="0" marL="0" algn="l">
               <a:spcBef>
                 <a:spcPts val="0"/>
               </a:spcBef>
               <a:buNone/>
               <a:defRPr/>
             </a:lvl1pPr>
-            <a:lvl2pPr marL="0" lvl="1" indent="0" algn="l">
+            <a:lvl2pPr indent="0" lvl="1" marL="0" algn="l">
               <a:spcBef>
                 <a:spcPts val="0"/>
               </a:spcBef>
               <a:buNone/>
               <a:defRPr/>
             </a:lvl2pPr>
-            <a:lvl3pPr marL="0" lvl="2" indent="0" algn="l">
+            <a:lvl3pPr indent="0" lvl="2" marL="0" algn="l">
               <a:spcBef>
                 <a:spcPts val="0"/>
               </a:spcBef>
               <a:buNone/>
               <a:defRPr/>
             </a:lvl3pPr>
-            <a:lvl4pPr marL="0" lvl="3" indent="0" algn="l">
+            <a:lvl4pPr indent="0" lvl="3" marL="0" algn="l">
               <a:spcBef>
                 <a:spcPts val="0"/>
               </a:spcBef>
               <a:buNone/>
               <a:defRPr/>
             </a:lvl4pPr>
-            <a:lvl5pPr marL="0" lvl="4" indent="0" algn="l">
+            <a:lvl5pPr indent="0" lvl="4" marL="0" algn="l">
               <a:spcBef>
                 <a:spcPts val="0"/>
               </a:spcBef>
               <a:buNone/>
               <a:defRPr/>
             </a:lvl5pPr>
-            <a:lvl6pPr marL="0" lvl="5" indent="0" algn="l">
+            <a:lvl6pPr indent="0" lvl="5" marL="0" algn="l">
               <a:spcBef>
                 <a:spcPts val="0"/>
               </a:spcBef>
               <a:buNone/>
               <a:defRPr/>
             </a:lvl6pPr>
-            <a:lvl7pPr marL="0" lvl="6" indent="0" algn="l">
+            <a:lvl7pPr indent="0" lvl="6" marL="0" algn="l">
               <a:spcBef>
                 <a:spcPts val="0"/>
               </a:spcBef>
               <a:buNone/>
               <a:defRPr/>
             </a:lvl7pPr>
-            <a:lvl8pPr marL="0" lvl="7" indent="0" algn="l">
+            <a:lvl8pPr indent="0" lvl="7" marL="0" algn="l">
               <a:spcBef>
                 <a:spcPts val="0"/>
               </a:spcBef>
               <a:buNone/>
               <a:defRPr/>
             </a:lvl8pPr>
-            <a:lvl9pPr marL="0" lvl="8" indent="0" algn="l">
+            <a:lvl9pPr indent="0" lvl="8" marL="0" algn="l">
               <a:spcBef>
                 <a:spcPts val="0"/>
               </a:spcBef>
@@ -3135,7 +3028,7 @@
             </a:lvl9pPr>
           </a:lstStyle>
           <a:p>
-            <a:pPr marL="0" lvl="0" indent="0" algn="l" rtl="0">
+            <a:pPr indent="0" lvl="0" marL="0" rtl="0" algn="l">
               <a:spcBef>
                 <a:spcPts val="0"/>
               </a:spcBef>
@@ -3161,11 +3054,11 @@
 </file>
 
 <file path=ppt/slideLayouts/slideLayout11.xml><?xml version="1.0" encoding="utf-8"?>
-<p:sldLayout xmlns:a="http://schemas.openxmlformats.org/drawingml/2006/main" xmlns:r="http://schemas.openxmlformats.org/officeDocument/2006/relationships" xmlns:p="http://schemas.openxmlformats.org/presentationml/2006/main" showMasterSp="0" matchingName="Vertical Title and Text" type="vertTitleAndTx">
+<p:sldLayout xmlns:a="http://schemas.openxmlformats.org/drawingml/2006/main" xmlns:r="http://schemas.openxmlformats.org/officeDocument/2006/relationships" xmlns:mc="http://schemas.openxmlformats.org/markup-compatibility/2006" xmlns:mv="urn:schemas-microsoft-com:mac:vml" xmlns:p="http://schemas.openxmlformats.org/presentationml/2006/main" xmlns:c="http://schemas.openxmlformats.org/drawingml/2006/chart" xmlns:dgm="http://schemas.openxmlformats.org/drawingml/2006/diagram" xmlns:o="urn:schemas-microsoft-com:office:office" xmlns:v="urn:schemas-microsoft-com:vml" xmlns:pvml="urn:schemas-microsoft-com:office:powerpoint" xmlns:com="http://schemas.openxmlformats.org/drawingml/2006/compatibility" xmlns:p14="http://schemas.microsoft.com/office/powerpoint/2010/main" xmlns:p15="http://schemas.microsoft.com/office/powerpoint/2012/main" xmlns:ahyp="http://schemas.microsoft.com/office/drawing/2018/hyperlinkcolor" matchingName="Vertical Title and Text" showMasterSp="0" type="vertTitleAndTx">
   <p:cSld name="VERTICAL_TITLE_AND_VERTICAL_TEXT">
     <p:spTree>
       <p:nvGrpSpPr>
-        <p:cNvPr id="1" name="Shape 83"/>
+        <p:cNvPr id="83" name="Shape 83"/>
         <p:cNvGrpSpPr/>
         <p:nvPr/>
       </p:nvGrpSpPr>
@@ -3199,12 +3092,12 @@
           </a:ln>
         </p:spPr>
         <p:txBody>
-          <a:bodyPr spcFirstLastPara="1" wrap="square" lIns="91425" tIns="91425" rIns="91425" bIns="91425" anchor="ctr" anchorCtr="0">
+          <a:bodyPr anchorCtr="0" anchor="ctr" bIns="91425" lIns="91425" spcFirstLastPara="1" rIns="91425" wrap="square" tIns="91425">
             <a:noAutofit/>
           </a:bodyPr>
           <a:lstStyle/>
           <a:p>
-            <a:pPr marL="0" lvl="0" indent="0" algn="l" rtl="0">
+            <a:pPr indent="0" lvl="0" marL="0" rtl="0" algn="l">
               <a:spcBef>
                 <a:spcPts val="0"/>
               </a:spcBef>
@@ -3213,6 +3106,9 @@
               </a:spcAft>
               <a:buNone/>
             </a:pPr>
+            <a:r>
+              <a:t/>
+            </a:r>
             <a:endParaRPr/>
           </a:p>
         </p:txBody>
@@ -3220,9 +3116,7 @@
       <p:sp>
         <p:nvSpPr>
           <p:cNvPr id="85" name="Google Shape;85;p17"/>
-          <p:cNvSpPr txBox="1">
-            <a:spLocks noGrp="1"/>
-          </p:cNvSpPr>
+          <p:cNvSpPr txBox="1"/>
           <p:nvPr>
             <p:ph type="title"/>
           </p:nvPr>
@@ -3241,7 +3135,7 @@
           </a:ln>
         </p:spPr>
         <p:txBody>
-          <a:bodyPr spcFirstLastPara="1" wrap="square" lIns="91425" tIns="45700" rIns="91425" bIns="45700" anchor="b" anchorCtr="0">
+          <a:bodyPr anchorCtr="0" anchor="b" bIns="45700" lIns="91425" spcFirstLastPara="1" rIns="91425" wrap="square" tIns="45700">
             <a:normAutofit/>
           </a:bodyPr>
           <a:lstStyle>
@@ -3351,19 +3245,15 @@
               <a:defRPr/>
             </a:lvl9pPr>
           </a:lstStyle>
-          <a:p>
-            <a:endParaRPr/>
-          </a:p>
+          <a:p/>
         </p:txBody>
       </p:sp>
       <p:sp>
         <p:nvSpPr>
           <p:cNvPr id="86" name="Google Shape;86;p17"/>
-          <p:cNvSpPr txBox="1">
-            <a:spLocks noGrp="1"/>
-          </p:cNvSpPr>
+          <p:cNvSpPr txBox="1"/>
           <p:nvPr>
-            <p:ph type="body" idx="1"/>
+            <p:ph idx="1" type="body"/>
           </p:nvPr>
         </p:nvSpPr>
         <p:spPr>
@@ -3380,11 +3270,11 @@
           </a:ln>
         </p:spPr>
         <p:txBody>
-          <a:bodyPr spcFirstLastPara="1" wrap="square" lIns="45700" tIns="0" rIns="45700" bIns="0" anchor="t" anchorCtr="0">
+          <a:bodyPr anchorCtr="0" anchor="t" bIns="0" lIns="45700" spcFirstLastPara="1" rIns="45700" wrap="square" tIns="0">
             <a:normAutofit/>
           </a:bodyPr>
           <a:lstStyle>
-            <a:lvl1pPr marL="457200" lvl="0" indent="-342900" algn="l">
+            <a:lvl1pPr indent="-342900" lvl="0" marL="457200" algn="l">
               <a:lnSpc>
                 <a:spcPct val="110000"/>
               </a:lnSpc>
@@ -3398,7 +3288,7 @@
               <a:buChar char=" "/>
               <a:defRPr/>
             </a:lvl1pPr>
-            <a:lvl2pPr marL="914400" lvl="1" indent="-342900" algn="l">
+            <a:lvl2pPr indent="-342900" lvl="1" marL="914400" algn="l">
               <a:lnSpc>
                 <a:spcPct val="100000"/>
               </a:lnSpc>
@@ -3415,7 +3305,7 @@
               <a:buChar char="◦"/>
               <a:defRPr/>
             </a:lvl2pPr>
-            <a:lvl3pPr marL="1371600" lvl="2" indent="-342900" algn="l">
+            <a:lvl3pPr indent="-342900" lvl="2" marL="1371600" algn="l">
               <a:lnSpc>
                 <a:spcPct val="100000"/>
               </a:lnSpc>
@@ -3432,7 +3322,7 @@
               <a:buChar char="◦"/>
               <a:defRPr/>
             </a:lvl3pPr>
-            <a:lvl4pPr marL="1828800" lvl="3" indent="-342900" algn="l">
+            <a:lvl4pPr indent="-342900" lvl="3" marL="1828800" algn="l">
               <a:lnSpc>
                 <a:spcPct val="100000"/>
               </a:lnSpc>
@@ -3449,7 +3339,7 @@
               <a:buChar char="◦"/>
               <a:defRPr/>
             </a:lvl4pPr>
-            <a:lvl5pPr marL="2286000" lvl="4" indent="-342900" algn="l">
+            <a:lvl5pPr indent="-342900" lvl="4" marL="2286000" algn="l">
               <a:lnSpc>
                 <a:spcPct val="100000"/>
               </a:lnSpc>
@@ -3466,7 +3356,7 @@
               <a:buChar char="◦"/>
               <a:defRPr/>
             </a:lvl5pPr>
-            <a:lvl6pPr marL="2743200" lvl="5" indent="-342900" algn="l">
+            <a:lvl6pPr indent="-342900" lvl="5" marL="2743200" algn="l">
               <a:lnSpc>
                 <a:spcPct val="90000"/>
               </a:lnSpc>
@@ -3480,7 +3370,7 @@
               <a:buChar char="◦"/>
               <a:defRPr/>
             </a:lvl6pPr>
-            <a:lvl7pPr marL="3200400" lvl="6" indent="-342900" algn="l">
+            <a:lvl7pPr indent="-342900" lvl="6" marL="3200400" algn="l">
               <a:lnSpc>
                 <a:spcPct val="90000"/>
               </a:lnSpc>
@@ -3494,7 +3384,7 @@
               <a:buChar char="◦"/>
               <a:defRPr/>
             </a:lvl7pPr>
-            <a:lvl8pPr marL="3657600" lvl="7" indent="-342900" algn="l">
+            <a:lvl8pPr indent="-342900" lvl="7" marL="3657600" algn="l">
               <a:lnSpc>
                 <a:spcPct val="90000"/>
               </a:lnSpc>
@@ -3508,7 +3398,7 @@
               <a:buChar char="◦"/>
               <a:defRPr/>
             </a:lvl8pPr>
-            <a:lvl9pPr marL="4114800" lvl="8" indent="-342900" algn="l">
+            <a:lvl9pPr indent="-342900" lvl="8" marL="4114800" algn="l">
               <a:lnSpc>
                 <a:spcPct val="90000"/>
               </a:lnSpc>
@@ -3523,19 +3413,15 @@
               <a:defRPr/>
             </a:lvl9pPr>
           </a:lstStyle>
-          <a:p>
-            <a:endParaRPr/>
-          </a:p>
+          <a:p/>
         </p:txBody>
       </p:sp>
       <p:sp>
         <p:nvSpPr>
           <p:cNvPr id="87" name="Google Shape;87;p17"/>
-          <p:cNvSpPr txBox="1">
-            <a:spLocks noGrp="1"/>
-          </p:cNvSpPr>
+          <p:cNvSpPr txBox="1"/>
           <p:nvPr>
-            <p:ph type="dt" idx="10"/>
+            <p:ph idx="10" type="dt"/>
           </p:nvPr>
         </p:nvSpPr>
         <p:spPr>
@@ -3552,7 +3438,7 @@
           </a:ln>
         </p:spPr>
         <p:txBody>
-          <a:bodyPr spcFirstLastPara="1" wrap="square" lIns="91425" tIns="45700" rIns="91425" bIns="45700" anchor="ctr" anchorCtr="0">
+          <a:bodyPr anchorCtr="0" anchor="ctr" bIns="45700" lIns="91425" spcFirstLastPara="1" rIns="91425" wrap="square" tIns="45700">
             <a:noAutofit/>
           </a:bodyPr>
           <a:lstStyle>
@@ -3656,19 +3542,15 @@
               <a:defRPr/>
             </a:lvl9pPr>
           </a:lstStyle>
-          <a:p>
-            <a:endParaRPr/>
-          </a:p>
+          <a:p/>
         </p:txBody>
       </p:sp>
       <p:sp>
         <p:nvSpPr>
           <p:cNvPr id="88" name="Google Shape;88;p17"/>
-          <p:cNvSpPr txBox="1">
-            <a:spLocks noGrp="1"/>
-          </p:cNvSpPr>
+          <p:cNvSpPr txBox="1"/>
           <p:nvPr>
-            <p:ph type="ftr" idx="11"/>
+            <p:ph idx="11" type="ftr"/>
           </p:nvPr>
         </p:nvSpPr>
         <p:spPr>
@@ -3685,7 +3567,7 @@
           </a:ln>
         </p:spPr>
         <p:txBody>
-          <a:bodyPr spcFirstLastPara="1" wrap="square" lIns="91425" tIns="45700" rIns="91425" bIns="45700" anchor="ctr" anchorCtr="0">
+          <a:bodyPr anchorCtr="0" anchor="ctr" bIns="45700" lIns="91425" spcFirstLastPara="1" rIns="91425" wrap="square" tIns="45700">
             <a:noAutofit/>
           </a:bodyPr>
           <a:lstStyle>
@@ -3789,19 +3671,15 @@
               <a:defRPr/>
             </a:lvl9pPr>
           </a:lstStyle>
-          <a:p>
-            <a:endParaRPr/>
-          </a:p>
+          <a:p/>
         </p:txBody>
       </p:sp>
       <p:sp>
         <p:nvSpPr>
           <p:cNvPr id="89" name="Google Shape;89;p17"/>
-          <p:cNvSpPr txBox="1">
-            <a:spLocks noGrp="1"/>
-          </p:cNvSpPr>
+          <p:cNvSpPr txBox="1"/>
           <p:nvPr>
-            <p:ph type="sldNum" idx="12"/>
+            <p:ph idx="12" type="sldNum"/>
           </p:nvPr>
         </p:nvSpPr>
         <p:spPr>
@@ -3818,67 +3696,67 @@
           </a:ln>
         </p:spPr>
         <p:txBody>
-          <a:bodyPr spcFirstLastPara="1" wrap="square" lIns="91425" tIns="45700" rIns="91425" bIns="45700" anchor="ctr" anchorCtr="0">
+          <a:bodyPr anchorCtr="0" anchor="ctr" bIns="45700" lIns="91425" spcFirstLastPara="1" rIns="91425" wrap="square" tIns="45700">
             <a:noAutofit/>
           </a:bodyPr>
           <a:lstStyle>
-            <a:lvl1pPr marL="0" lvl="0" indent="0" algn="l">
+            <a:lvl1pPr indent="0" lvl="0" marL="0" algn="l">
               <a:spcBef>
                 <a:spcPts val="0"/>
               </a:spcBef>
               <a:buNone/>
               <a:defRPr/>
             </a:lvl1pPr>
-            <a:lvl2pPr marL="0" lvl="1" indent="0" algn="l">
+            <a:lvl2pPr indent="0" lvl="1" marL="0" algn="l">
               <a:spcBef>
                 <a:spcPts val="0"/>
               </a:spcBef>
               <a:buNone/>
               <a:defRPr/>
             </a:lvl2pPr>
-            <a:lvl3pPr marL="0" lvl="2" indent="0" algn="l">
+            <a:lvl3pPr indent="0" lvl="2" marL="0" algn="l">
               <a:spcBef>
                 <a:spcPts val="0"/>
               </a:spcBef>
               <a:buNone/>
               <a:defRPr/>
             </a:lvl3pPr>
-            <a:lvl4pPr marL="0" lvl="3" indent="0" algn="l">
+            <a:lvl4pPr indent="0" lvl="3" marL="0" algn="l">
               <a:spcBef>
                 <a:spcPts val="0"/>
               </a:spcBef>
               <a:buNone/>
               <a:defRPr/>
             </a:lvl4pPr>
-            <a:lvl5pPr marL="0" lvl="4" indent="0" algn="l">
+            <a:lvl5pPr indent="0" lvl="4" marL="0" algn="l">
               <a:spcBef>
                 <a:spcPts val="0"/>
               </a:spcBef>
               <a:buNone/>
               <a:defRPr/>
             </a:lvl5pPr>
-            <a:lvl6pPr marL="0" lvl="5" indent="0" algn="l">
+            <a:lvl6pPr indent="0" lvl="5" marL="0" algn="l">
               <a:spcBef>
                 <a:spcPts val="0"/>
               </a:spcBef>
               <a:buNone/>
               <a:defRPr/>
             </a:lvl6pPr>
-            <a:lvl7pPr marL="0" lvl="6" indent="0" algn="l">
+            <a:lvl7pPr indent="0" lvl="6" marL="0" algn="l">
               <a:spcBef>
                 <a:spcPts val="0"/>
               </a:spcBef>
               <a:buNone/>
               <a:defRPr/>
             </a:lvl7pPr>
-            <a:lvl8pPr marL="0" lvl="7" indent="0" algn="l">
+            <a:lvl8pPr indent="0" lvl="7" marL="0" algn="l">
               <a:spcBef>
                 <a:spcPts val="0"/>
               </a:spcBef>
               <a:buNone/>
               <a:defRPr/>
             </a:lvl8pPr>
-            <a:lvl9pPr marL="0" lvl="8" indent="0" algn="l">
+            <a:lvl9pPr indent="0" lvl="8" marL="0" algn="l">
               <a:spcBef>
                 <a:spcPts val="0"/>
               </a:spcBef>
@@ -3887,7 +3765,7 @@
             </a:lvl9pPr>
           </a:lstStyle>
           <a:p>
-            <a:pPr marL="0" lvl="0" indent="0" algn="l" rtl="0">
+            <a:pPr indent="0" lvl="0" marL="0" rtl="0" algn="l">
               <a:spcBef>
                 <a:spcPts val="0"/>
               </a:spcBef>
@@ -3913,11 +3791,11 @@
 </file>
 
 <file path=ppt/slideLayouts/slideLayout2.xml><?xml version="1.0" encoding="utf-8"?>
-<p:sldLayout xmlns:a="http://schemas.openxmlformats.org/drawingml/2006/main" xmlns:r="http://schemas.openxmlformats.org/officeDocument/2006/relationships" xmlns:p="http://schemas.openxmlformats.org/presentationml/2006/main" matchingName="Title and Content" type="obj">
+<p:sldLayout xmlns:a="http://schemas.openxmlformats.org/drawingml/2006/main" xmlns:r="http://schemas.openxmlformats.org/officeDocument/2006/relationships" xmlns:mc="http://schemas.openxmlformats.org/markup-compatibility/2006" xmlns:mv="urn:schemas-microsoft-com:mac:vml" xmlns:p="http://schemas.openxmlformats.org/presentationml/2006/main" xmlns:c="http://schemas.openxmlformats.org/drawingml/2006/chart" xmlns:dgm="http://schemas.openxmlformats.org/drawingml/2006/diagram" xmlns:o="urn:schemas-microsoft-com:office:office" xmlns:v="urn:schemas-microsoft-com:vml" xmlns:pvml="urn:schemas-microsoft-com:office:powerpoint" xmlns:com="http://schemas.openxmlformats.org/drawingml/2006/compatibility" xmlns:p14="http://schemas.microsoft.com/office/powerpoint/2010/main" xmlns:p15="http://schemas.microsoft.com/office/powerpoint/2012/main" xmlns:ahyp="http://schemas.microsoft.com/office/drawing/2018/hyperlinkcolor" matchingName="Title and Content" type="obj">
   <p:cSld name="OBJECT">
     <p:spTree>
       <p:nvGrpSpPr>
-        <p:cNvPr id="1" name="Shape 21"/>
+        <p:cNvPr id="21" name="Shape 21"/>
         <p:cNvGrpSpPr/>
         <p:nvPr/>
       </p:nvGrpSpPr>
@@ -3932,9 +3810,7 @@
       <p:sp>
         <p:nvSpPr>
           <p:cNvPr id="22" name="Google Shape;22;p8"/>
-          <p:cNvSpPr txBox="1">
-            <a:spLocks noGrp="1"/>
-          </p:cNvSpPr>
+          <p:cNvSpPr txBox="1"/>
           <p:nvPr>
             <p:ph type="title"/>
           </p:nvPr>
@@ -3953,7 +3829,7 @@
           </a:ln>
         </p:spPr>
         <p:txBody>
-          <a:bodyPr spcFirstLastPara="1" wrap="square" lIns="91425" tIns="45700" rIns="91425" bIns="45700" anchor="b" anchorCtr="0">
+          <a:bodyPr anchorCtr="0" anchor="b" bIns="45700" lIns="91425" spcFirstLastPara="1" rIns="91425" wrap="square" tIns="45700">
             <a:normAutofit/>
           </a:bodyPr>
           <a:lstStyle>
@@ -4063,19 +3939,15 @@
               <a:defRPr/>
             </a:lvl9pPr>
           </a:lstStyle>
-          <a:p>
-            <a:endParaRPr/>
-          </a:p>
+          <a:p/>
         </p:txBody>
       </p:sp>
       <p:sp>
         <p:nvSpPr>
           <p:cNvPr id="23" name="Google Shape;23;p8"/>
-          <p:cNvSpPr txBox="1">
-            <a:spLocks noGrp="1"/>
-          </p:cNvSpPr>
+          <p:cNvSpPr txBox="1"/>
           <p:nvPr>
-            <p:ph type="body" idx="1"/>
+            <p:ph idx="1" type="body"/>
           </p:nvPr>
         </p:nvSpPr>
         <p:spPr>
@@ -4092,11 +3964,11 @@
           </a:ln>
         </p:spPr>
         <p:txBody>
-          <a:bodyPr spcFirstLastPara="1" wrap="square" lIns="0" tIns="45700" rIns="0" bIns="45700" anchor="t" anchorCtr="0">
+          <a:bodyPr anchorCtr="0" anchor="t" bIns="45700" lIns="0" spcFirstLastPara="1" rIns="0" wrap="square" tIns="45700">
             <a:normAutofit/>
           </a:bodyPr>
           <a:lstStyle>
-            <a:lvl1pPr marL="457200" lvl="0" indent="-342900" algn="l">
+            <a:lvl1pPr indent="-342900" lvl="0" marL="457200" algn="l">
               <a:lnSpc>
                 <a:spcPct val="110000"/>
               </a:lnSpc>
@@ -4110,7 +3982,7 @@
               <a:buChar char=" "/>
               <a:defRPr/>
             </a:lvl1pPr>
-            <a:lvl2pPr marL="914400" lvl="1" indent="-342900" algn="l">
+            <a:lvl2pPr indent="-342900" lvl="1" marL="914400" algn="l">
               <a:lnSpc>
                 <a:spcPct val="100000"/>
               </a:lnSpc>
@@ -4127,7 +3999,7 @@
               <a:buChar char="◦"/>
               <a:defRPr/>
             </a:lvl2pPr>
-            <a:lvl3pPr marL="1371600" lvl="2" indent="-342900" algn="l">
+            <a:lvl3pPr indent="-342900" lvl="2" marL="1371600" algn="l">
               <a:lnSpc>
                 <a:spcPct val="100000"/>
               </a:lnSpc>
@@ -4144,7 +4016,7 @@
               <a:buChar char="◦"/>
               <a:defRPr/>
             </a:lvl3pPr>
-            <a:lvl4pPr marL="1828800" lvl="3" indent="-342900" algn="l">
+            <a:lvl4pPr indent="-342900" lvl="3" marL="1828800" algn="l">
               <a:lnSpc>
                 <a:spcPct val="100000"/>
               </a:lnSpc>
@@ -4161,7 +4033,7 @@
               <a:buChar char="◦"/>
               <a:defRPr/>
             </a:lvl4pPr>
-            <a:lvl5pPr marL="2286000" lvl="4" indent="-342900" algn="l">
+            <a:lvl5pPr indent="-342900" lvl="4" marL="2286000" algn="l">
               <a:lnSpc>
                 <a:spcPct val="100000"/>
               </a:lnSpc>
@@ -4178,7 +4050,7 @@
               <a:buChar char="◦"/>
               <a:defRPr/>
             </a:lvl5pPr>
-            <a:lvl6pPr marL="2743200" lvl="5" indent="-342900" algn="l">
+            <a:lvl6pPr indent="-342900" lvl="5" marL="2743200" algn="l">
               <a:lnSpc>
                 <a:spcPct val="90000"/>
               </a:lnSpc>
@@ -4192,7 +4064,7 @@
               <a:buChar char="◦"/>
               <a:defRPr/>
             </a:lvl6pPr>
-            <a:lvl7pPr marL="3200400" lvl="6" indent="-342900" algn="l">
+            <a:lvl7pPr indent="-342900" lvl="6" marL="3200400" algn="l">
               <a:lnSpc>
                 <a:spcPct val="90000"/>
               </a:lnSpc>
@@ -4206,7 +4078,7 @@
               <a:buChar char="◦"/>
               <a:defRPr/>
             </a:lvl7pPr>
-            <a:lvl8pPr marL="3657600" lvl="7" indent="-342900" algn="l">
+            <a:lvl8pPr indent="-342900" lvl="7" marL="3657600" algn="l">
               <a:lnSpc>
                 <a:spcPct val="90000"/>
               </a:lnSpc>
@@ -4220,7 +4092,7 @@
               <a:buChar char="◦"/>
               <a:defRPr/>
             </a:lvl8pPr>
-            <a:lvl9pPr marL="4114800" lvl="8" indent="-342900" algn="l">
+            <a:lvl9pPr indent="-342900" lvl="8" marL="4114800" algn="l">
               <a:lnSpc>
                 <a:spcPct val="90000"/>
               </a:lnSpc>
@@ -4235,19 +4107,15 @@
               <a:defRPr/>
             </a:lvl9pPr>
           </a:lstStyle>
-          <a:p>
-            <a:endParaRPr/>
-          </a:p>
+          <a:p/>
         </p:txBody>
       </p:sp>
       <p:sp>
         <p:nvSpPr>
           <p:cNvPr id="24" name="Google Shape;24;p8"/>
-          <p:cNvSpPr txBox="1">
-            <a:spLocks noGrp="1"/>
-          </p:cNvSpPr>
+          <p:cNvSpPr txBox="1"/>
           <p:nvPr>
-            <p:ph type="dt" idx="10"/>
+            <p:ph idx="10" type="dt"/>
           </p:nvPr>
         </p:nvSpPr>
         <p:spPr>
@@ -4264,7 +4132,7 @@
           </a:ln>
         </p:spPr>
         <p:txBody>
-          <a:bodyPr spcFirstLastPara="1" wrap="square" lIns="91425" tIns="45700" rIns="91425" bIns="45700" anchor="ctr" anchorCtr="0">
+          <a:bodyPr anchorCtr="0" anchor="ctr" bIns="45700" lIns="91425" spcFirstLastPara="1" rIns="91425" wrap="square" tIns="45700">
             <a:noAutofit/>
           </a:bodyPr>
           <a:lstStyle>
@@ -4368,19 +4236,15 @@
               <a:defRPr/>
             </a:lvl9pPr>
           </a:lstStyle>
-          <a:p>
-            <a:endParaRPr/>
-          </a:p>
+          <a:p/>
         </p:txBody>
       </p:sp>
       <p:sp>
         <p:nvSpPr>
           <p:cNvPr id="25" name="Google Shape;25;p8"/>
-          <p:cNvSpPr txBox="1">
-            <a:spLocks noGrp="1"/>
-          </p:cNvSpPr>
+          <p:cNvSpPr txBox="1"/>
           <p:nvPr>
-            <p:ph type="ftr" idx="11"/>
+            <p:ph idx="11" type="ftr"/>
           </p:nvPr>
         </p:nvSpPr>
         <p:spPr>
@@ -4397,7 +4261,7 @@
           </a:ln>
         </p:spPr>
         <p:txBody>
-          <a:bodyPr spcFirstLastPara="1" wrap="square" lIns="91425" tIns="45700" rIns="91425" bIns="45700" anchor="ctr" anchorCtr="0">
+          <a:bodyPr anchorCtr="0" anchor="ctr" bIns="45700" lIns="91425" spcFirstLastPara="1" rIns="91425" wrap="square" tIns="45700">
             <a:noAutofit/>
           </a:bodyPr>
           <a:lstStyle>
@@ -4501,19 +4365,15 @@
               <a:defRPr/>
             </a:lvl9pPr>
           </a:lstStyle>
-          <a:p>
-            <a:endParaRPr/>
-          </a:p>
+          <a:p/>
         </p:txBody>
       </p:sp>
       <p:sp>
         <p:nvSpPr>
           <p:cNvPr id="26" name="Google Shape;26;p8"/>
-          <p:cNvSpPr txBox="1">
-            <a:spLocks noGrp="1"/>
-          </p:cNvSpPr>
+          <p:cNvSpPr txBox="1"/>
           <p:nvPr>
-            <p:ph type="sldNum" idx="12"/>
+            <p:ph idx="12" type="sldNum"/>
           </p:nvPr>
         </p:nvSpPr>
         <p:spPr>
@@ -4530,67 +4390,67 @@
           </a:ln>
         </p:spPr>
         <p:txBody>
-          <a:bodyPr spcFirstLastPara="1" wrap="square" lIns="91425" tIns="45700" rIns="91425" bIns="45700" anchor="ctr" anchorCtr="0">
+          <a:bodyPr anchorCtr="0" anchor="ctr" bIns="45700" lIns="91425" spcFirstLastPara="1" rIns="91425" wrap="square" tIns="45700">
             <a:noAutofit/>
           </a:bodyPr>
           <a:lstStyle>
-            <a:lvl1pPr marL="0" lvl="0" indent="0" algn="l">
+            <a:lvl1pPr indent="0" lvl="0" marL="0" algn="l">
               <a:spcBef>
                 <a:spcPts val="0"/>
               </a:spcBef>
               <a:buNone/>
               <a:defRPr/>
             </a:lvl1pPr>
-            <a:lvl2pPr marL="0" lvl="1" indent="0" algn="l">
+            <a:lvl2pPr indent="0" lvl="1" marL="0" algn="l">
               <a:spcBef>
                 <a:spcPts val="0"/>
               </a:spcBef>
               <a:buNone/>
               <a:defRPr/>
             </a:lvl2pPr>
-            <a:lvl3pPr marL="0" lvl="2" indent="0" algn="l">
+            <a:lvl3pPr indent="0" lvl="2" marL="0" algn="l">
               <a:spcBef>
                 <a:spcPts val="0"/>
               </a:spcBef>
               <a:buNone/>
               <a:defRPr/>
             </a:lvl3pPr>
-            <a:lvl4pPr marL="0" lvl="3" indent="0" algn="l">
+            <a:lvl4pPr indent="0" lvl="3" marL="0" algn="l">
               <a:spcBef>
                 <a:spcPts val="0"/>
               </a:spcBef>
               <a:buNone/>
               <a:defRPr/>
             </a:lvl4pPr>
-            <a:lvl5pPr marL="0" lvl="4" indent="0" algn="l">
+            <a:lvl5pPr indent="0" lvl="4" marL="0" algn="l">
               <a:spcBef>
                 <a:spcPts val="0"/>
               </a:spcBef>
               <a:buNone/>
               <a:defRPr/>
             </a:lvl5pPr>
-            <a:lvl6pPr marL="0" lvl="5" indent="0" algn="l">
+            <a:lvl6pPr indent="0" lvl="5" marL="0" algn="l">
               <a:spcBef>
                 <a:spcPts val="0"/>
               </a:spcBef>
               <a:buNone/>
               <a:defRPr/>
             </a:lvl6pPr>
-            <a:lvl7pPr marL="0" lvl="6" indent="0" algn="l">
+            <a:lvl7pPr indent="0" lvl="6" marL="0" algn="l">
               <a:spcBef>
                 <a:spcPts val="0"/>
               </a:spcBef>
               <a:buNone/>
               <a:defRPr/>
             </a:lvl7pPr>
-            <a:lvl8pPr marL="0" lvl="7" indent="0" algn="l">
+            <a:lvl8pPr indent="0" lvl="7" marL="0" algn="l">
               <a:spcBef>
                 <a:spcPts val="0"/>
               </a:spcBef>
               <a:buNone/>
               <a:defRPr/>
             </a:lvl8pPr>
-            <a:lvl9pPr marL="0" lvl="8" indent="0" algn="l">
+            <a:lvl9pPr indent="0" lvl="8" marL="0" algn="l">
               <a:spcBef>
                 <a:spcPts val="0"/>
               </a:spcBef>
@@ -4599,7 +4459,7 @@
             </a:lvl9pPr>
           </a:lstStyle>
           <a:p>
-            <a:pPr marL="0" lvl="0" indent="0" algn="l" rtl="0">
+            <a:pPr indent="0" lvl="0" marL="0" rtl="0" algn="l">
               <a:spcBef>
                 <a:spcPts val="0"/>
               </a:spcBef>
@@ -4625,19 +4485,18 @@
 </file>
 
 <file path=ppt/slideLayouts/slideLayout3.xml><?xml version="1.0" encoding="utf-8"?>
-<p:sldLayout xmlns:a="http://schemas.openxmlformats.org/drawingml/2006/main" xmlns:r="http://schemas.openxmlformats.org/officeDocument/2006/relationships" xmlns:p="http://schemas.openxmlformats.org/presentationml/2006/main" showMasterSp="0" matchingName="Section Header" type="secHead">
+<p:sldLayout xmlns:a="http://schemas.openxmlformats.org/drawingml/2006/main" xmlns:r="http://schemas.openxmlformats.org/officeDocument/2006/relationships" xmlns:mc="http://schemas.openxmlformats.org/markup-compatibility/2006" xmlns:mv="urn:schemas-microsoft-com:mac:vml" xmlns:p="http://schemas.openxmlformats.org/presentationml/2006/main" xmlns:c="http://schemas.openxmlformats.org/drawingml/2006/chart" xmlns:dgm="http://schemas.openxmlformats.org/drawingml/2006/diagram" xmlns:o="urn:schemas-microsoft-com:office:office" xmlns:v="urn:schemas-microsoft-com:vml" xmlns:pvml="urn:schemas-microsoft-com:office:powerpoint" xmlns:com="http://schemas.openxmlformats.org/drawingml/2006/compatibility" xmlns:p14="http://schemas.microsoft.com/office/powerpoint/2010/main" xmlns:p15="http://schemas.microsoft.com/office/powerpoint/2012/main" xmlns:ahyp="http://schemas.microsoft.com/office/drawing/2018/hyperlinkcolor" matchingName="Section Header" showMasterSp="0" type="secHead">
   <p:cSld name="SECTION_HEADER">
     <p:bg>
       <p:bgPr>
         <a:solidFill>
           <a:schemeClr val="lt1"/>
         </a:solidFill>
-        <a:effectLst/>
       </p:bgPr>
     </p:bg>
     <p:spTree>
       <p:nvGrpSpPr>
-        <p:cNvPr id="1" name="Shape 27"/>
+        <p:cNvPr id="27" name="Shape 27"/>
         <p:cNvGrpSpPr/>
         <p:nvPr/>
       </p:nvGrpSpPr>
@@ -4671,12 +4530,12 @@
           </a:ln>
         </p:spPr>
         <p:txBody>
-          <a:bodyPr spcFirstLastPara="1" wrap="square" lIns="91425" tIns="91425" rIns="91425" bIns="91425" anchor="ctr" anchorCtr="0">
+          <a:bodyPr anchorCtr="0" anchor="ctr" bIns="91425" lIns="91425" spcFirstLastPara="1" rIns="91425" wrap="square" tIns="91425">
             <a:noAutofit/>
           </a:bodyPr>
           <a:lstStyle/>
           <a:p>
-            <a:pPr marL="0" lvl="0" indent="0" algn="l" rtl="0">
+            <a:pPr indent="0" lvl="0" marL="0" rtl="0" algn="l">
               <a:spcBef>
                 <a:spcPts val="0"/>
               </a:spcBef>
@@ -4685,6 +4544,9 @@
               </a:spcAft>
               <a:buNone/>
             </a:pPr>
+            <a:r>
+              <a:t/>
+            </a:r>
             <a:endParaRPr/>
           </a:p>
         </p:txBody>
@@ -4692,9 +4554,7 @@
       <p:sp>
         <p:nvSpPr>
           <p:cNvPr id="29" name="Google Shape;29;p9"/>
-          <p:cNvSpPr txBox="1">
-            <a:spLocks noGrp="1"/>
-          </p:cNvSpPr>
+          <p:cNvSpPr txBox="1"/>
           <p:nvPr>
             <p:ph type="title"/>
           </p:nvPr>
@@ -4713,7 +4573,7 @@
           </a:ln>
         </p:spPr>
         <p:txBody>
-          <a:bodyPr spcFirstLastPara="1" wrap="square" lIns="91425" tIns="45700" rIns="91425" bIns="45700" anchor="b" anchorCtr="0">
+          <a:bodyPr anchorCtr="0" anchor="b" bIns="45700" lIns="91425" spcFirstLastPara="1" rIns="91425" wrap="square" tIns="45700">
             <a:normAutofit/>
           </a:bodyPr>
           <a:lstStyle>
@@ -4733,7 +4593,7 @@
               <a:buSzPts val="8000"/>
               <a:buFont typeface="Bookman Old Style"/>
               <a:buNone/>
-              <a:defRPr sz="8000" b="0">
+              <a:defRPr b="0" sz="8000">
                 <a:solidFill>
                   <a:srgbClr val="262626"/>
                 </a:solidFill>
@@ -4828,19 +4688,15 @@
               <a:defRPr/>
             </a:lvl9pPr>
           </a:lstStyle>
-          <a:p>
-            <a:endParaRPr/>
-          </a:p>
+          <a:p/>
         </p:txBody>
       </p:sp>
       <p:sp>
         <p:nvSpPr>
           <p:cNvPr id="30" name="Google Shape;30;p9"/>
-          <p:cNvSpPr txBox="1">
-            <a:spLocks noGrp="1"/>
-          </p:cNvSpPr>
+          <p:cNvSpPr txBox="1"/>
           <p:nvPr>
-            <p:ph type="body" idx="1"/>
+            <p:ph idx="1" type="body"/>
           </p:nvPr>
         </p:nvSpPr>
         <p:spPr>
@@ -4857,11 +4713,11 @@
           </a:ln>
         </p:spPr>
         <p:txBody>
-          <a:bodyPr spcFirstLastPara="1" wrap="square" lIns="91425" tIns="45700" rIns="91425" bIns="45700" anchor="t" anchorCtr="0">
+          <a:bodyPr anchorCtr="0" anchor="t" bIns="45700" lIns="91425" spcFirstLastPara="1" rIns="91425" wrap="square" tIns="45700">
             <a:normAutofit/>
           </a:bodyPr>
           <a:lstStyle>
-            <a:lvl1pPr marL="457200" lvl="0" indent="-228600" algn="l">
+            <a:lvl1pPr indent="-228600" lvl="0" marL="457200" algn="l">
               <a:lnSpc>
                 <a:spcPct val="110000"/>
               </a:lnSpc>
@@ -4883,7 +4739,7 @@
                 <a:sym typeface="Libre Franklin"/>
               </a:defRPr>
             </a:lvl1pPr>
-            <a:lvl2pPr marL="914400" lvl="1" indent="-228600" algn="l">
+            <a:lvl2pPr indent="-228600" lvl="1" marL="914400" algn="l">
               <a:lnSpc>
                 <a:spcPct val="100000"/>
               </a:lnSpc>
@@ -4904,7 +4760,7 @@
                 </a:solidFill>
               </a:defRPr>
             </a:lvl2pPr>
-            <a:lvl3pPr marL="1371600" lvl="2" indent="-228600" algn="l">
+            <a:lvl3pPr indent="-228600" lvl="2" marL="1371600" algn="l">
               <a:lnSpc>
                 <a:spcPct val="100000"/>
               </a:lnSpc>
@@ -4925,7 +4781,7 @@
                 </a:solidFill>
               </a:defRPr>
             </a:lvl3pPr>
-            <a:lvl4pPr marL="1828800" lvl="3" indent="-228600" algn="l">
+            <a:lvl4pPr indent="-228600" lvl="3" marL="1828800" algn="l">
               <a:lnSpc>
                 <a:spcPct val="100000"/>
               </a:lnSpc>
@@ -4946,7 +4802,7 @@
                 </a:solidFill>
               </a:defRPr>
             </a:lvl4pPr>
-            <a:lvl5pPr marL="2286000" lvl="4" indent="-228600" algn="l">
+            <a:lvl5pPr indent="-228600" lvl="4" marL="2286000" algn="l">
               <a:lnSpc>
                 <a:spcPct val="100000"/>
               </a:lnSpc>
@@ -4967,7 +4823,7 @@
                 </a:solidFill>
               </a:defRPr>
             </a:lvl5pPr>
-            <a:lvl6pPr marL="2743200" lvl="5" indent="-228600" algn="l">
+            <a:lvl6pPr indent="-228600" lvl="5" marL="2743200" algn="l">
               <a:lnSpc>
                 <a:spcPct val="90000"/>
               </a:lnSpc>
@@ -4985,7 +4841,7 @@
                 </a:solidFill>
               </a:defRPr>
             </a:lvl6pPr>
-            <a:lvl7pPr marL="3200400" lvl="6" indent="-228600" algn="l">
+            <a:lvl7pPr indent="-228600" lvl="6" marL="3200400" algn="l">
               <a:lnSpc>
                 <a:spcPct val="90000"/>
               </a:lnSpc>
@@ -5003,7 +4859,7 @@
                 </a:solidFill>
               </a:defRPr>
             </a:lvl7pPr>
-            <a:lvl8pPr marL="3657600" lvl="7" indent="-228600" algn="l">
+            <a:lvl8pPr indent="-228600" lvl="7" marL="3657600" algn="l">
               <a:lnSpc>
                 <a:spcPct val="90000"/>
               </a:lnSpc>
@@ -5021,7 +4877,7 @@
                 </a:solidFill>
               </a:defRPr>
             </a:lvl8pPr>
-            <a:lvl9pPr marL="4114800" lvl="8" indent="-228600" algn="l">
+            <a:lvl9pPr indent="-228600" lvl="8" marL="4114800" algn="l">
               <a:lnSpc>
                 <a:spcPct val="90000"/>
               </a:lnSpc>
@@ -5040,9 +4896,7 @@
               </a:defRPr>
             </a:lvl9pPr>
           </a:lstStyle>
-          <a:p>
-            <a:endParaRPr/>
-          </a:p>
+          <a:p/>
         </p:txBody>
       </p:sp>
       <p:cxnSp>
@@ -5060,25 +4914,23 @@
             <a:avLst/>
           </a:prstGeom>
           <a:noFill/>
-          <a:ln w="12700" cap="flat" cmpd="sng">
+          <a:ln cap="flat" cmpd="sng" w="12700">
             <a:solidFill>
               <a:srgbClr val="3F3F3F"/>
             </a:solidFill>
             <a:prstDash val="solid"/>
             <a:round/>
-            <a:headEnd type="none" w="sm" len="sm"/>
-            <a:tailEnd type="none" w="sm" len="sm"/>
+            <a:headEnd len="sm" w="sm" type="none"/>
+            <a:tailEnd len="sm" w="sm" type="none"/>
           </a:ln>
         </p:spPr>
       </p:cxnSp>
       <p:sp>
         <p:nvSpPr>
           <p:cNvPr id="32" name="Google Shape;32;p9"/>
-          <p:cNvSpPr txBox="1">
-            <a:spLocks noGrp="1"/>
-          </p:cNvSpPr>
+          <p:cNvSpPr txBox="1"/>
           <p:nvPr>
-            <p:ph type="dt" idx="10"/>
+            <p:ph idx="10" type="dt"/>
           </p:nvPr>
         </p:nvSpPr>
         <p:spPr>
@@ -5095,7 +4947,7 @@
           </a:ln>
         </p:spPr>
         <p:txBody>
-          <a:bodyPr spcFirstLastPara="1" wrap="square" lIns="91425" tIns="45700" rIns="91425" bIns="45700" anchor="ctr" anchorCtr="0">
+          <a:bodyPr anchorCtr="0" anchor="ctr" bIns="45700" lIns="91425" spcFirstLastPara="1" rIns="91425" wrap="square" tIns="45700">
             <a:noAutofit/>
           </a:bodyPr>
           <a:lstStyle>
@@ -5199,19 +5051,15 @@
               <a:defRPr/>
             </a:lvl9pPr>
           </a:lstStyle>
-          <a:p>
-            <a:endParaRPr/>
-          </a:p>
+          <a:p/>
         </p:txBody>
       </p:sp>
       <p:sp>
         <p:nvSpPr>
           <p:cNvPr id="33" name="Google Shape;33;p9"/>
-          <p:cNvSpPr txBox="1">
-            <a:spLocks noGrp="1"/>
-          </p:cNvSpPr>
+          <p:cNvSpPr txBox="1"/>
           <p:nvPr>
-            <p:ph type="ftr" idx="11"/>
+            <p:ph idx="11" type="ftr"/>
           </p:nvPr>
         </p:nvSpPr>
         <p:spPr>
@@ -5228,7 +5076,7 @@
           </a:ln>
         </p:spPr>
         <p:txBody>
-          <a:bodyPr spcFirstLastPara="1" wrap="square" lIns="91425" tIns="45700" rIns="91425" bIns="45700" anchor="ctr" anchorCtr="0">
+          <a:bodyPr anchorCtr="0" anchor="ctr" bIns="45700" lIns="91425" spcFirstLastPara="1" rIns="91425" wrap="square" tIns="45700">
             <a:noAutofit/>
           </a:bodyPr>
           <a:lstStyle>
@@ -5332,19 +5180,15 @@
               <a:defRPr/>
             </a:lvl9pPr>
           </a:lstStyle>
-          <a:p>
-            <a:endParaRPr/>
-          </a:p>
+          <a:p/>
         </p:txBody>
       </p:sp>
       <p:sp>
         <p:nvSpPr>
           <p:cNvPr id="34" name="Google Shape;34;p9"/>
-          <p:cNvSpPr txBox="1">
-            <a:spLocks noGrp="1"/>
-          </p:cNvSpPr>
+          <p:cNvSpPr txBox="1"/>
           <p:nvPr>
-            <p:ph type="sldNum" idx="12"/>
+            <p:ph idx="12" type="sldNum"/>
           </p:nvPr>
         </p:nvSpPr>
         <p:spPr>
@@ -5361,67 +5205,67 @@
           </a:ln>
         </p:spPr>
         <p:txBody>
-          <a:bodyPr spcFirstLastPara="1" wrap="square" lIns="91425" tIns="45700" rIns="91425" bIns="45700" anchor="ctr" anchorCtr="0">
+          <a:bodyPr anchorCtr="0" anchor="ctr" bIns="45700" lIns="91425" spcFirstLastPara="1" rIns="91425" wrap="square" tIns="45700">
             <a:noAutofit/>
           </a:bodyPr>
           <a:lstStyle>
-            <a:lvl1pPr marL="0" lvl="0" indent="0" algn="l">
+            <a:lvl1pPr indent="0" lvl="0" marL="0" algn="l">
               <a:spcBef>
                 <a:spcPts val="0"/>
               </a:spcBef>
               <a:buNone/>
               <a:defRPr/>
             </a:lvl1pPr>
-            <a:lvl2pPr marL="0" lvl="1" indent="0" algn="l">
+            <a:lvl2pPr indent="0" lvl="1" marL="0" algn="l">
               <a:spcBef>
                 <a:spcPts val="0"/>
               </a:spcBef>
               <a:buNone/>
               <a:defRPr/>
             </a:lvl2pPr>
-            <a:lvl3pPr marL="0" lvl="2" indent="0" algn="l">
+            <a:lvl3pPr indent="0" lvl="2" marL="0" algn="l">
               <a:spcBef>
                 <a:spcPts val="0"/>
               </a:spcBef>
               <a:buNone/>
               <a:defRPr/>
             </a:lvl3pPr>
-            <a:lvl4pPr marL="0" lvl="3" indent="0" algn="l">
+            <a:lvl4pPr indent="0" lvl="3" marL="0" algn="l">
               <a:spcBef>
                 <a:spcPts val="0"/>
               </a:spcBef>
               <a:buNone/>
               <a:defRPr/>
             </a:lvl4pPr>
-            <a:lvl5pPr marL="0" lvl="4" indent="0" algn="l">
+            <a:lvl5pPr indent="0" lvl="4" marL="0" algn="l">
               <a:spcBef>
                 <a:spcPts val="0"/>
               </a:spcBef>
               <a:buNone/>
               <a:defRPr/>
             </a:lvl5pPr>
-            <a:lvl6pPr marL="0" lvl="5" indent="0" algn="l">
+            <a:lvl6pPr indent="0" lvl="5" marL="0" algn="l">
               <a:spcBef>
                 <a:spcPts val="0"/>
               </a:spcBef>
               <a:buNone/>
               <a:defRPr/>
             </a:lvl6pPr>
-            <a:lvl7pPr marL="0" lvl="6" indent="0" algn="l">
+            <a:lvl7pPr indent="0" lvl="6" marL="0" algn="l">
               <a:spcBef>
                 <a:spcPts val="0"/>
               </a:spcBef>
               <a:buNone/>
               <a:defRPr/>
             </a:lvl7pPr>
-            <a:lvl8pPr marL="0" lvl="7" indent="0" algn="l">
+            <a:lvl8pPr indent="0" lvl="7" marL="0" algn="l">
               <a:spcBef>
                 <a:spcPts val="0"/>
               </a:spcBef>
               <a:buNone/>
               <a:defRPr/>
             </a:lvl8pPr>
-            <a:lvl9pPr marL="0" lvl="8" indent="0" algn="l">
+            <a:lvl9pPr indent="0" lvl="8" marL="0" algn="l">
               <a:spcBef>
                 <a:spcPts val="0"/>
               </a:spcBef>
@@ -5430,7 +5274,7 @@
             </a:lvl9pPr>
           </a:lstStyle>
           <a:p>
-            <a:pPr marL="0" lvl="0" indent="0" algn="l" rtl="0">
+            <a:pPr indent="0" lvl="0" marL="0" rtl="0" algn="l">
               <a:spcBef>
                 <a:spcPts val="0"/>
               </a:spcBef>
@@ -5456,11 +5300,11 @@
 </file>
 
 <file path=ppt/slideLayouts/slideLayout4.xml><?xml version="1.0" encoding="utf-8"?>
-<p:sldLayout xmlns:a="http://schemas.openxmlformats.org/drawingml/2006/main" xmlns:r="http://schemas.openxmlformats.org/officeDocument/2006/relationships" xmlns:p="http://schemas.openxmlformats.org/presentationml/2006/main" matchingName="Two Content" type="twoObj">
+<p:sldLayout xmlns:a="http://schemas.openxmlformats.org/drawingml/2006/main" xmlns:r="http://schemas.openxmlformats.org/officeDocument/2006/relationships" xmlns:mc="http://schemas.openxmlformats.org/markup-compatibility/2006" xmlns:mv="urn:schemas-microsoft-com:mac:vml" xmlns:p="http://schemas.openxmlformats.org/presentationml/2006/main" xmlns:c="http://schemas.openxmlformats.org/drawingml/2006/chart" xmlns:dgm="http://schemas.openxmlformats.org/drawingml/2006/diagram" xmlns:o="urn:schemas-microsoft-com:office:office" xmlns:v="urn:schemas-microsoft-com:vml" xmlns:pvml="urn:schemas-microsoft-com:office:powerpoint" xmlns:com="http://schemas.openxmlformats.org/drawingml/2006/compatibility" xmlns:p14="http://schemas.microsoft.com/office/powerpoint/2010/main" xmlns:p15="http://schemas.microsoft.com/office/powerpoint/2012/main" xmlns:ahyp="http://schemas.microsoft.com/office/drawing/2018/hyperlinkcolor" matchingName="Two Content" type="twoObj">
   <p:cSld name="TWO_OBJECTS">
     <p:spTree>
       <p:nvGrpSpPr>
-        <p:cNvPr id="1" name="Shape 35"/>
+        <p:cNvPr id="35" name="Shape 35"/>
         <p:cNvGrpSpPr/>
         <p:nvPr/>
       </p:nvGrpSpPr>
@@ -5475,9 +5319,7 @@
       <p:sp>
         <p:nvSpPr>
           <p:cNvPr id="36" name="Google Shape;36;p10"/>
-          <p:cNvSpPr txBox="1">
-            <a:spLocks noGrp="1"/>
-          </p:cNvSpPr>
+          <p:cNvSpPr txBox="1"/>
           <p:nvPr>
             <p:ph type="title"/>
           </p:nvPr>
@@ -5496,7 +5338,7 @@
           </a:ln>
         </p:spPr>
         <p:txBody>
-          <a:bodyPr spcFirstLastPara="1" wrap="square" lIns="91425" tIns="45700" rIns="91425" bIns="45700" anchor="b" anchorCtr="0">
+          <a:bodyPr anchorCtr="0" anchor="b" bIns="45700" lIns="91425" spcFirstLastPara="1" rIns="91425" wrap="square" tIns="45700">
             <a:normAutofit/>
           </a:bodyPr>
           <a:lstStyle>
@@ -5606,19 +5448,15 @@
               <a:defRPr/>
             </a:lvl9pPr>
           </a:lstStyle>
-          <a:p>
-            <a:endParaRPr/>
-          </a:p>
+          <a:p/>
         </p:txBody>
       </p:sp>
       <p:sp>
         <p:nvSpPr>
           <p:cNvPr id="37" name="Google Shape;37;p10"/>
-          <p:cNvSpPr txBox="1">
-            <a:spLocks noGrp="1"/>
-          </p:cNvSpPr>
+          <p:cNvSpPr txBox="1"/>
           <p:nvPr>
-            <p:ph type="body" idx="1"/>
+            <p:ph idx="1" type="body"/>
           </p:nvPr>
         </p:nvSpPr>
         <p:spPr>
@@ -5635,11 +5473,11 @@
           </a:ln>
         </p:spPr>
         <p:txBody>
-          <a:bodyPr spcFirstLastPara="1" wrap="square" lIns="0" tIns="45700" rIns="0" bIns="45700" anchor="t" anchorCtr="0">
+          <a:bodyPr anchorCtr="0" anchor="t" bIns="45700" lIns="0" spcFirstLastPara="1" rIns="0" wrap="square" tIns="45700">
             <a:normAutofit/>
           </a:bodyPr>
           <a:lstStyle>
-            <a:lvl1pPr marL="457200" lvl="0" indent="-342900" algn="l">
+            <a:lvl1pPr indent="-342900" lvl="0" marL="457200" algn="l">
               <a:lnSpc>
                 <a:spcPct val="110000"/>
               </a:lnSpc>
@@ -5653,7 +5491,7 @@
               <a:buChar char=" "/>
               <a:defRPr/>
             </a:lvl1pPr>
-            <a:lvl2pPr marL="914400" lvl="1" indent="-342900" algn="l">
+            <a:lvl2pPr indent="-342900" lvl="1" marL="914400" algn="l">
               <a:lnSpc>
                 <a:spcPct val="100000"/>
               </a:lnSpc>
@@ -5670,7 +5508,7 @@
               <a:buChar char="◦"/>
               <a:defRPr/>
             </a:lvl2pPr>
-            <a:lvl3pPr marL="1371600" lvl="2" indent="-342900" algn="l">
+            <a:lvl3pPr indent="-342900" lvl="2" marL="1371600" algn="l">
               <a:lnSpc>
                 <a:spcPct val="100000"/>
               </a:lnSpc>
@@ -5687,7 +5525,7 @@
               <a:buChar char="◦"/>
               <a:defRPr/>
             </a:lvl3pPr>
-            <a:lvl4pPr marL="1828800" lvl="3" indent="-342900" algn="l">
+            <a:lvl4pPr indent="-342900" lvl="3" marL="1828800" algn="l">
               <a:lnSpc>
                 <a:spcPct val="100000"/>
               </a:lnSpc>
@@ -5704,7 +5542,7 @@
               <a:buChar char="◦"/>
               <a:defRPr/>
             </a:lvl4pPr>
-            <a:lvl5pPr marL="2286000" lvl="4" indent="-342900" algn="l">
+            <a:lvl5pPr indent="-342900" lvl="4" marL="2286000" algn="l">
               <a:lnSpc>
                 <a:spcPct val="100000"/>
               </a:lnSpc>
@@ -5721,7 +5559,7 @@
               <a:buChar char="◦"/>
               <a:defRPr/>
             </a:lvl5pPr>
-            <a:lvl6pPr marL="2743200" lvl="5" indent="-342900" algn="l">
+            <a:lvl6pPr indent="-342900" lvl="5" marL="2743200" algn="l">
               <a:lnSpc>
                 <a:spcPct val="90000"/>
               </a:lnSpc>
@@ -5735,7 +5573,7 @@
               <a:buChar char="◦"/>
               <a:defRPr/>
             </a:lvl6pPr>
-            <a:lvl7pPr marL="3200400" lvl="6" indent="-342900" algn="l">
+            <a:lvl7pPr indent="-342900" lvl="6" marL="3200400" algn="l">
               <a:lnSpc>
                 <a:spcPct val="90000"/>
               </a:lnSpc>
@@ -5749,7 +5587,7 @@
               <a:buChar char="◦"/>
               <a:defRPr/>
             </a:lvl7pPr>
-            <a:lvl8pPr marL="3657600" lvl="7" indent="-342900" algn="l">
+            <a:lvl8pPr indent="-342900" lvl="7" marL="3657600" algn="l">
               <a:lnSpc>
                 <a:spcPct val="90000"/>
               </a:lnSpc>
@@ -5763,7 +5601,7 @@
               <a:buChar char="◦"/>
               <a:defRPr/>
             </a:lvl8pPr>
-            <a:lvl9pPr marL="4114800" lvl="8" indent="-342900" algn="l">
+            <a:lvl9pPr indent="-342900" lvl="8" marL="4114800" algn="l">
               <a:lnSpc>
                 <a:spcPct val="90000"/>
               </a:lnSpc>
@@ -5778,19 +5616,15 @@
               <a:defRPr/>
             </a:lvl9pPr>
           </a:lstStyle>
-          <a:p>
-            <a:endParaRPr/>
-          </a:p>
+          <a:p/>
         </p:txBody>
       </p:sp>
       <p:sp>
         <p:nvSpPr>
           <p:cNvPr id="38" name="Google Shape;38;p10"/>
-          <p:cNvSpPr txBox="1">
-            <a:spLocks noGrp="1"/>
-          </p:cNvSpPr>
+          <p:cNvSpPr txBox="1"/>
           <p:nvPr>
-            <p:ph type="body" idx="2"/>
+            <p:ph idx="2" type="body"/>
           </p:nvPr>
         </p:nvSpPr>
         <p:spPr>
@@ -5807,11 +5641,11 @@
           </a:ln>
         </p:spPr>
         <p:txBody>
-          <a:bodyPr spcFirstLastPara="1" wrap="square" lIns="0" tIns="45700" rIns="0" bIns="45700" anchor="t" anchorCtr="0">
+          <a:bodyPr anchorCtr="0" anchor="t" bIns="45700" lIns="0" spcFirstLastPara="1" rIns="0" wrap="square" tIns="45700">
             <a:normAutofit/>
           </a:bodyPr>
           <a:lstStyle>
-            <a:lvl1pPr marL="457200" lvl="0" indent="-342900" algn="l">
+            <a:lvl1pPr indent="-342900" lvl="0" marL="457200" algn="l">
               <a:lnSpc>
                 <a:spcPct val="110000"/>
               </a:lnSpc>
@@ -5825,7 +5659,7 @@
               <a:buChar char=" "/>
               <a:defRPr/>
             </a:lvl1pPr>
-            <a:lvl2pPr marL="914400" lvl="1" indent="-342900" algn="l">
+            <a:lvl2pPr indent="-342900" lvl="1" marL="914400" algn="l">
               <a:lnSpc>
                 <a:spcPct val="100000"/>
               </a:lnSpc>
@@ -5842,7 +5676,7 @@
               <a:buChar char="◦"/>
               <a:defRPr/>
             </a:lvl2pPr>
-            <a:lvl3pPr marL="1371600" lvl="2" indent="-342900" algn="l">
+            <a:lvl3pPr indent="-342900" lvl="2" marL="1371600" algn="l">
               <a:lnSpc>
                 <a:spcPct val="100000"/>
               </a:lnSpc>
@@ -5859,7 +5693,7 @@
               <a:buChar char="◦"/>
               <a:defRPr/>
             </a:lvl3pPr>
-            <a:lvl4pPr marL="1828800" lvl="3" indent="-342900" algn="l">
+            <a:lvl4pPr indent="-342900" lvl="3" marL="1828800" algn="l">
               <a:lnSpc>
                 <a:spcPct val="100000"/>
               </a:lnSpc>
@@ -5876,7 +5710,7 @@
               <a:buChar char="◦"/>
               <a:defRPr/>
             </a:lvl4pPr>
-            <a:lvl5pPr marL="2286000" lvl="4" indent="-342900" algn="l">
+            <a:lvl5pPr indent="-342900" lvl="4" marL="2286000" algn="l">
               <a:lnSpc>
                 <a:spcPct val="100000"/>
               </a:lnSpc>
@@ -5893,7 +5727,7 @@
               <a:buChar char="◦"/>
               <a:defRPr/>
             </a:lvl5pPr>
-            <a:lvl6pPr marL="2743200" lvl="5" indent="-342900" algn="l">
+            <a:lvl6pPr indent="-342900" lvl="5" marL="2743200" algn="l">
               <a:lnSpc>
                 <a:spcPct val="90000"/>
               </a:lnSpc>
@@ -5907,7 +5741,7 @@
               <a:buChar char="◦"/>
               <a:defRPr/>
             </a:lvl6pPr>
-            <a:lvl7pPr marL="3200400" lvl="6" indent="-342900" algn="l">
+            <a:lvl7pPr indent="-342900" lvl="6" marL="3200400" algn="l">
               <a:lnSpc>
                 <a:spcPct val="90000"/>
               </a:lnSpc>
@@ -5921,7 +5755,7 @@
               <a:buChar char="◦"/>
               <a:defRPr/>
             </a:lvl7pPr>
-            <a:lvl8pPr marL="3657600" lvl="7" indent="-342900" algn="l">
+            <a:lvl8pPr indent="-342900" lvl="7" marL="3657600" algn="l">
               <a:lnSpc>
                 <a:spcPct val="90000"/>
               </a:lnSpc>
@@ -5935,7 +5769,7 @@
               <a:buChar char="◦"/>
               <a:defRPr/>
             </a:lvl8pPr>
-            <a:lvl9pPr marL="4114800" lvl="8" indent="-342900" algn="l">
+            <a:lvl9pPr indent="-342900" lvl="8" marL="4114800" algn="l">
               <a:lnSpc>
                 <a:spcPct val="90000"/>
               </a:lnSpc>
@@ -5950,19 +5784,15 @@
               <a:defRPr/>
             </a:lvl9pPr>
           </a:lstStyle>
-          <a:p>
-            <a:endParaRPr/>
-          </a:p>
+          <a:p/>
         </p:txBody>
       </p:sp>
       <p:sp>
         <p:nvSpPr>
           <p:cNvPr id="39" name="Google Shape;39;p10"/>
-          <p:cNvSpPr txBox="1">
-            <a:spLocks noGrp="1"/>
-          </p:cNvSpPr>
+          <p:cNvSpPr txBox="1"/>
           <p:nvPr>
-            <p:ph type="dt" idx="10"/>
+            <p:ph idx="10" type="dt"/>
           </p:nvPr>
         </p:nvSpPr>
         <p:spPr>
@@ -5979,7 +5809,7 @@
           </a:ln>
         </p:spPr>
         <p:txBody>
-          <a:bodyPr spcFirstLastPara="1" wrap="square" lIns="91425" tIns="45700" rIns="91425" bIns="45700" anchor="ctr" anchorCtr="0">
+          <a:bodyPr anchorCtr="0" anchor="ctr" bIns="45700" lIns="91425" spcFirstLastPara="1" rIns="91425" wrap="square" tIns="45700">
             <a:noAutofit/>
           </a:bodyPr>
           <a:lstStyle>
@@ -6083,19 +5913,15 @@
               <a:defRPr/>
             </a:lvl9pPr>
           </a:lstStyle>
-          <a:p>
-            <a:endParaRPr/>
-          </a:p>
+          <a:p/>
         </p:txBody>
       </p:sp>
       <p:sp>
         <p:nvSpPr>
           <p:cNvPr id="40" name="Google Shape;40;p10"/>
-          <p:cNvSpPr txBox="1">
-            <a:spLocks noGrp="1"/>
-          </p:cNvSpPr>
+          <p:cNvSpPr txBox="1"/>
           <p:nvPr>
-            <p:ph type="ftr" idx="11"/>
+            <p:ph idx="11" type="ftr"/>
           </p:nvPr>
         </p:nvSpPr>
         <p:spPr>
@@ -6112,7 +5938,7 @@
           </a:ln>
         </p:spPr>
         <p:txBody>
-          <a:bodyPr spcFirstLastPara="1" wrap="square" lIns="91425" tIns="45700" rIns="91425" bIns="45700" anchor="ctr" anchorCtr="0">
+          <a:bodyPr anchorCtr="0" anchor="ctr" bIns="45700" lIns="91425" spcFirstLastPara="1" rIns="91425" wrap="square" tIns="45700">
             <a:noAutofit/>
           </a:bodyPr>
           <a:lstStyle>
@@ -6216,19 +6042,15 @@
               <a:defRPr/>
             </a:lvl9pPr>
           </a:lstStyle>
-          <a:p>
-            <a:endParaRPr/>
-          </a:p>
+          <a:p/>
         </p:txBody>
       </p:sp>
       <p:sp>
         <p:nvSpPr>
           <p:cNvPr id="41" name="Google Shape;41;p10"/>
-          <p:cNvSpPr txBox="1">
-            <a:spLocks noGrp="1"/>
-          </p:cNvSpPr>
+          <p:cNvSpPr txBox="1"/>
           <p:nvPr>
-            <p:ph type="sldNum" idx="12"/>
+            <p:ph idx="12" type="sldNum"/>
           </p:nvPr>
         </p:nvSpPr>
         <p:spPr>
@@ -6245,67 +6067,67 @@
           </a:ln>
         </p:spPr>
         <p:txBody>
-          <a:bodyPr spcFirstLastPara="1" wrap="square" lIns="91425" tIns="45700" rIns="91425" bIns="45700" anchor="ctr" anchorCtr="0">
+          <a:bodyPr anchorCtr="0" anchor="ctr" bIns="45700" lIns="91425" spcFirstLastPara="1" rIns="91425" wrap="square" tIns="45700">
             <a:noAutofit/>
           </a:bodyPr>
           <a:lstStyle>
-            <a:lvl1pPr marL="0" lvl="0" indent="0" algn="l">
+            <a:lvl1pPr indent="0" lvl="0" marL="0" algn="l">
               <a:spcBef>
                 <a:spcPts val="0"/>
               </a:spcBef>
               <a:buNone/>
               <a:defRPr/>
             </a:lvl1pPr>
-            <a:lvl2pPr marL="0" lvl="1" indent="0" algn="l">
+            <a:lvl2pPr indent="0" lvl="1" marL="0" algn="l">
               <a:spcBef>
                 <a:spcPts val="0"/>
               </a:spcBef>
               <a:buNone/>
               <a:defRPr/>
             </a:lvl2pPr>
-            <a:lvl3pPr marL="0" lvl="2" indent="0" algn="l">
+            <a:lvl3pPr indent="0" lvl="2" marL="0" algn="l">
               <a:spcBef>
                 <a:spcPts val="0"/>
               </a:spcBef>
               <a:buNone/>
               <a:defRPr/>
             </a:lvl3pPr>
-            <a:lvl4pPr marL="0" lvl="3" indent="0" algn="l">
+            <a:lvl4pPr indent="0" lvl="3" marL="0" algn="l">
               <a:spcBef>
                 <a:spcPts val="0"/>
               </a:spcBef>
               <a:buNone/>
               <a:defRPr/>
             </a:lvl4pPr>
-            <a:lvl5pPr marL="0" lvl="4" indent="0" algn="l">
+            <a:lvl5pPr indent="0" lvl="4" marL="0" algn="l">
               <a:spcBef>
                 <a:spcPts val="0"/>
               </a:spcBef>
               <a:buNone/>
               <a:defRPr/>
             </a:lvl5pPr>
-            <a:lvl6pPr marL="0" lvl="5" indent="0" algn="l">
+            <a:lvl6pPr indent="0" lvl="5" marL="0" algn="l">
               <a:spcBef>
                 <a:spcPts val="0"/>
               </a:spcBef>
               <a:buNone/>
               <a:defRPr/>
             </a:lvl6pPr>
-            <a:lvl7pPr marL="0" lvl="6" indent="0" algn="l">
+            <a:lvl7pPr indent="0" lvl="6" marL="0" algn="l">
               <a:spcBef>
                 <a:spcPts val="0"/>
               </a:spcBef>
               <a:buNone/>
               <a:defRPr/>
             </a:lvl7pPr>
-            <a:lvl8pPr marL="0" lvl="7" indent="0" algn="l">
+            <a:lvl8pPr indent="0" lvl="7" marL="0" algn="l">
               <a:spcBef>
                 <a:spcPts val="0"/>
               </a:spcBef>
               <a:buNone/>
               <a:defRPr/>
             </a:lvl8pPr>
-            <a:lvl9pPr marL="0" lvl="8" indent="0" algn="l">
+            <a:lvl9pPr indent="0" lvl="8" marL="0" algn="l">
               <a:spcBef>
                 <a:spcPts val="0"/>
               </a:spcBef>
@@ -6314,7 +6136,7 @@
             </a:lvl9pPr>
           </a:lstStyle>
           <a:p>
-            <a:pPr marL="0" lvl="0" indent="0" algn="l" rtl="0">
+            <a:pPr indent="0" lvl="0" marL="0" rtl="0" algn="l">
               <a:spcBef>
                 <a:spcPts val="0"/>
               </a:spcBef>
@@ -6340,11 +6162,11 @@
 </file>
 
 <file path=ppt/slideLayouts/slideLayout5.xml><?xml version="1.0" encoding="utf-8"?>
-<p:sldLayout xmlns:a="http://schemas.openxmlformats.org/drawingml/2006/main" xmlns:r="http://schemas.openxmlformats.org/officeDocument/2006/relationships" xmlns:p="http://schemas.openxmlformats.org/presentationml/2006/main" matchingName="Comparison" type="twoTxTwoObj">
+<p:sldLayout xmlns:a="http://schemas.openxmlformats.org/drawingml/2006/main" xmlns:r="http://schemas.openxmlformats.org/officeDocument/2006/relationships" xmlns:mc="http://schemas.openxmlformats.org/markup-compatibility/2006" xmlns:mv="urn:schemas-microsoft-com:mac:vml" xmlns:p="http://schemas.openxmlformats.org/presentationml/2006/main" xmlns:c="http://schemas.openxmlformats.org/drawingml/2006/chart" xmlns:dgm="http://schemas.openxmlformats.org/drawingml/2006/diagram" xmlns:o="urn:schemas-microsoft-com:office:office" xmlns:v="urn:schemas-microsoft-com:vml" xmlns:pvml="urn:schemas-microsoft-com:office:powerpoint" xmlns:com="http://schemas.openxmlformats.org/drawingml/2006/compatibility" xmlns:p14="http://schemas.microsoft.com/office/powerpoint/2010/main" xmlns:p15="http://schemas.microsoft.com/office/powerpoint/2012/main" xmlns:ahyp="http://schemas.microsoft.com/office/drawing/2018/hyperlinkcolor" matchingName="Comparison" type="twoTxTwoObj">
   <p:cSld name="TWO_OBJECTS_WITH_TEXT">
     <p:spTree>
       <p:nvGrpSpPr>
-        <p:cNvPr id="1" name="Shape 42"/>
+        <p:cNvPr id="42" name="Shape 42"/>
         <p:cNvGrpSpPr/>
         <p:nvPr/>
       </p:nvGrpSpPr>
@@ -6359,9 +6181,7 @@
       <p:sp>
         <p:nvSpPr>
           <p:cNvPr id="43" name="Google Shape;43;p11"/>
-          <p:cNvSpPr txBox="1">
-            <a:spLocks noGrp="1"/>
-          </p:cNvSpPr>
+          <p:cNvSpPr txBox="1"/>
           <p:nvPr>
             <p:ph type="title"/>
           </p:nvPr>
@@ -6380,7 +6200,7 @@
           </a:ln>
         </p:spPr>
         <p:txBody>
-          <a:bodyPr spcFirstLastPara="1" wrap="square" lIns="91425" tIns="45700" rIns="91425" bIns="45700" anchor="b" anchorCtr="0">
+          <a:bodyPr anchorCtr="0" anchor="b" bIns="45700" lIns="91425" spcFirstLastPara="1" rIns="91425" wrap="square" tIns="45700">
             <a:normAutofit/>
           </a:bodyPr>
           <a:lstStyle>
@@ -6490,19 +6310,15 @@
               <a:defRPr/>
             </a:lvl9pPr>
           </a:lstStyle>
-          <a:p>
-            <a:endParaRPr/>
-          </a:p>
+          <a:p/>
         </p:txBody>
       </p:sp>
       <p:sp>
         <p:nvSpPr>
           <p:cNvPr id="44" name="Google Shape;44;p11"/>
-          <p:cNvSpPr txBox="1">
-            <a:spLocks noGrp="1"/>
-          </p:cNvSpPr>
+          <p:cNvSpPr txBox="1"/>
           <p:nvPr>
-            <p:ph type="body" idx="1"/>
+            <p:ph idx="1" type="body"/>
           </p:nvPr>
         </p:nvSpPr>
         <p:spPr>
@@ -6519,11 +6335,11 @@
           </a:ln>
         </p:spPr>
         <p:txBody>
-          <a:bodyPr spcFirstLastPara="1" wrap="square" lIns="91425" tIns="45700" rIns="91425" bIns="45700" anchor="ctr" anchorCtr="0">
+          <a:bodyPr anchorCtr="0" anchor="ctr" bIns="45700" lIns="91425" spcFirstLastPara="1" rIns="91425" wrap="square" tIns="45700">
             <a:normAutofit/>
           </a:bodyPr>
           <a:lstStyle>
-            <a:lvl1pPr marL="457200" lvl="0" indent="-228600" algn="l">
+            <a:lvl1pPr indent="-228600" lvl="0" marL="457200" algn="l">
               <a:lnSpc>
                 <a:spcPct val="110000"/>
               </a:lnSpc>
@@ -6535,13 +6351,13 @@
               </a:spcAft>
               <a:buSzPts val="2000"/>
               <a:buNone/>
-              <a:defRPr sz="2000" b="0" cap="none">
+              <a:defRPr b="0" sz="2000" cap="none">
                 <a:solidFill>
                   <a:schemeClr val="dk1"/>
                 </a:solidFill>
               </a:defRPr>
             </a:lvl1pPr>
-            <a:lvl2pPr marL="914400" lvl="1" indent="-228600" algn="l">
+            <a:lvl2pPr indent="-228600" lvl="1" marL="914400" algn="l">
               <a:lnSpc>
                 <a:spcPct val="100000"/>
               </a:lnSpc>
@@ -6556,9 +6372,9 @@
               </a:buClr>
               <a:buSzPts val="2000"/>
               <a:buNone/>
-              <a:defRPr sz="2000" b="1"/>
+              <a:defRPr b="1" sz="2000"/>
             </a:lvl2pPr>
-            <a:lvl3pPr marL="1371600" lvl="2" indent="-228600" algn="l">
+            <a:lvl3pPr indent="-228600" lvl="2" marL="1371600" algn="l">
               <a:lnSpc>
                 <a:spcPct val="100000"/>
               </a:lnSpc>
@@ -6573,9 +6389,9 @@
               </a:buClr>
               <a:buSzPts val="1800"/>
               <a:buNone/>
-              <a:defRPr sz="1800" b="1"/>
+              <a:defRPr b="1" sz="1800"/>
             </a:lvl3pPr>
-            <a:lvl4pPr marL="1828800" lvl="3" indent="-228600" algn="l">
+            <a:lvl4pPr indent="-228600" lvl="3" marL="1828800" algn="l">
               <a:lnSpc>
                 <a:spcPct val="100000"/>
               </a:lnSpc>
@@ -6590,9 +6406,9 @@
               </a:buClr>
               <a:buSzPts val="1600"/>
               <a:buNone/>
-              <a:defRPr sz="1600" b="1"/>
+              <a:defRPr b="1" sz="1600"/>
             </a:lvl4pPr>
-            <a:lvl5pPr marL="2286000" lvl="4" indent="-228600" algn="l">
+            <a:lvl5pPr indent="-228600" lvl="4" marL="2286000" algn="l">
               <a:lnSpc>
                 <a:spcPct val="100000"/>
               </a:lnSpc>
@@ -6607,9 +6423,9 @@
               </a:buClr>
               <a:buSzPts val="1600"/>
               <a:buNone/>
-              <a:defRPr sz="1600" b="1"/>
+              <a:defRPr b="1" sz="1600"/>
             </a:lvl5pPr>
-            <a:lvl6pPr marL="2743200" lvl="5" indent="-228600" algn="l">
+            <a:lvl6pPr indent="-228600" lvl="5" marL="2743200" algn="l">
               <a:lnSpc>
                 <a:spcPct val="90000"/>
               </a:lnSpc>
@@ -6621,9 +6437,9 @@
               </a:spcAft>
               <a:buSzPts val="1600"/>
               <a:buNone/>
-              <a:defRPr sz="1600" b="1"/>
+              <a:defRPr b="1" sz="1600"/>
             </a:lvl6pPr>
-            <a:lvl7pPr marL="3200400" lvl="6" indent="-228600" algn="l">
+            <a:lvl7pPr indent="-228600" lvl="6" marL="3200400" algn="l">
               <a:lnSpc>
                 <a:spcPct val="90000"/>
               </a:lnSpc>
@@ -6635,9 +6451,9 @@
               </a:spcAft>
               <a:buSzPts val="1600"/>
               <a:buNone/>
-              <a:defRPr sz="1600" b="1"/>
+              <a:defRPr b="1" sz="1600"/>
             </a:lvl7pPr>
-            <a:lvl8pPr marL="3657600" lvl="7" indent="-228600" algn="l">
+            <a:lvl8pPr indent="-228600" lvl="7" marL="3657600" algn="l">
               <a:lnSpc>
                 <a:spcPct val="90000"/>
               </a:lnSpc>
@@ -6649,9 +6465,9 @@
               </a:spcAft>
               <a:buSzPts val="1600"/>
               <a:buNone/>
-              <a:defRPr sz="1600" b="1"/>
+              <a:defRPr b="1" sz="1600"/>
             </a:lvl8pPr>
-            <a:lvl9pPr marL="4114800" lvl="8" indent="-228600" algn="l">
+            <a:lvl9pPr indent="-228600" lvl="8" marL="4114800" algn="l">
               <a:lnSpc>
                 <a:spcPct val="90000"/>
               </a:lnSpc>
@@ -6663,22 +6479,18 @@
               </a:spcAft>
               <a:buSzPts val="1600"/>
               <a:buNone/>
-              <a:defRPr sz="1600" b="1"/>
+              <a:defRPr b="1" sz="1600"/>
             </a:lvl9pPr>
           </a:lstStyle>
-          <a:p>
-            <a:endParaRPr/>
-          </a:p>
+          <a:p/>
         </p:txBody>
       </p:sp>
       <p:sp>
         <p:nvSpPr>
           <p:cNvPr id="45" name="Google Shape;45;p11"/>
-          <p:cNvSpPr txBox="1">
-            <a:spLocks noGrp="1"/>
-          </p:cNvSpPr>
+          <p:cNvSpPr txBox="1"/>
           <p:nvPr>
-            <p:ph type="body" idx="2"/>
+            <p:ph idx="2" type="body"/>
           </p:nvPr>
         </p:nvSpPr>
         <p:spPr>
@@ -6695,11 +6507,11 @@
           </a:ln>
         </p:spPr>
         <p:txBody>
-          <a:bodyPr spcFirstLastPara="1" wrap="square" lIns="0" tIns="45700" rIns="0" bIns="45700" anchor="t" anchorCtr="0">
+          <a:bodyPr anchorCtr="0" anchor="t" bIns="45700" lIns="0" spcFirstLastPara="1" rIns="0" wrap="square" tIns="45700">
             <a:normAutofit/>
           </a:bodyPr>
           <a:lstStyle>
-            <a:lvl1pPr marL="457200" lvl="0" indent="-342900" algn="l">
+            <a:lvl1pPr indent="-342900" lvl="0" marL="457200" algn="l">
               <a:lnSpc>
                 <a:spcPct val="110000"/>
               </a:lnSpc>
@@ -6713,7 +6525,7 @@
               <a:buChar char=" "/>
               <a:defRPr/>
             </a:lvl1pPr>
-            <a:lvl2pPr marL="914400" lvl="1" indent="-342900" algn="l">
+            <a:lvl2pPr indent="-342900" lvl="1" marL="914400" algn="l">
               <a:lnSpc>
                 <a:spcPct val="100000"/>
               </a:lnSpc>
@@ -6730,7 +6542,7 @@
               <a:buChar char="◦"/>
               <a:defRPr/>
             </a:lvl2pPr>
-            <a:lvl3pPr marL="1371600" lvl="2" indent="-342900" algn="l">
+            <a:lvl3pPr indent="-342900" lvl="2" marL="1371600" algn="l">
               <a:lnSpc>
                 <a:spcPct val="100000"/>
               </a:lnSpc>
@@ -6747,7 +6559,7 @@
               <a:buChar char="◦"/>
               <a:defRPr/>
             </a:lvl3pPr>
-            <a:lvl4pPr marL="1828800" lvl="3" indent="-342900" algn="l">
+            <a:lvl4pPr indent="-342900" lvl="3" marL="1828800" algn="l">
               <a:lnSpc>
                 <a:spcPct val="100000"/>
               </a:lnSpc>
@@ -6764,7 +6576,7 @@
               <a:buChar char="◦"/>
               <a:defRPr/>
             </a:lvl4pPr>
-            <a:lvl5pPr marL="2286000" lvl="4" indent="-342900" algn="l">
+            <a:lvl5pPr indent="-342900" lvl="4" marL="2286000" algn="l">
               <a:lnSpc>
                 <a:spcPct val="100000"/>
               </a:lnSpc>
@@ -6781,7 +6593,7 @@
               <a:buChar char="◦"/>
               <a:defRPr/>
             </a:lvl5pPr>
-            <a:lvl6pPr marL="2743200" lvl="5" indent="-342900" algn="l">
+            <a:lvl6pPr indent="-342900" lvl="5" marL="2743200" algn="l">
               <a:lnSpc>
                 <a:spcPct val="90000"/>
               </a:lnSpc>
@@ -6795,7 +6607,7 @@
               <a:buChar char="◦"/>
               <a:defRPr/>
             </a:lvl6pPr>
-            <a:lvl7pPr marL="3200400" lvl="6" indent="-342900" algn="l">
+            <a:lvl7pPr indent="-342900" lvl="6" marL="3200400" algn="l">
               <a:lnSpc>
                 <a:spcPct val="90000"/>
               </a:lnSpc>
@@ -6809,7 +6621,7 @@
               <a:buChar char="◦"/>
               <a:defRPr/>
             </a:lvl7pPr>
-            <a:lvl8pPr marL="3657600" lvl="7" indent="-342900" algn="l">
+            <a:lvl8pPr indent="-342900" lvl="7" marL="3657600" algn="l">
               <a:lnSpc>
                 <a:spcPct val="90000"/>
               </a:lnSpc>
@@ -6823,7 +6635,7 @@
               <a:buChar char="◦"/>
               <a:defRPr/>
             </a:lvl8pPr>
-            <a:lvl9pPr marL="4114800" lvl="8" indent="-342900" algn="l">
+            <a:lvl9pPr indent="-342900" lvl="8" marL="4114800" algn="l">
               <a:lnSpc>
                 <a:spcPct val="90000"/>
               </a:lnSpc>
@@ -6838,19 +6650,15 @@
               <a:defRPr/>
             </a:lvl9pPr>
           </a:lstStyle>
-          <a:p>
-            <a:endParaRPr/>
-          </a:p>
+          <a:p/>
         </p:txBody>
       </p:sp>
       <p:sp>
         <p:nvSpPr>
           <p:cNvPr id="46" name="Google Shape;46;p11"/>
-          <p:cNvSpPr txBox="1">
-            <a:spLocks noGrp="1"/>
-          </p:cNvSpPr>
+          <p:cNvSpPr txBox="1"/>
           <p:nvPr>
-            <p:ph type="body" idx="3"/>
+            <p:ph idx="3" type="body"/>
           </p:nvPr>
         </p:nvSpPr>
         <p:spPr>
@@ -6867,11 +6675,11 @@
           </a:ln>
         </p:spPr>
         <p:txBody>
-          <a:bodyPr spcFirstLastPara="1" wrap="square" lIns="91425" tIns="45700" rIns="91425" bIns="45700" anchor="ctr" anchorCtr="0">
+          <a:bodyPr anchorCtr="0" anchor="ctr" bIns="45700" lIns="91425" spcFirstLastPara="1" rIns="91425" wrap="square" tIns="45700">
             <a:normAutofit/>
           </a:bodyPr>
           <a:lstStyle>
-            <a:lvl1pPr marL="457200" lvl="0" indent="-228600" algn="l">
+            <a:lvl1pPr indent="-228600" lvl="0" marL="457200" algn="l">
               <a:lnSpc>
                 <a:spcPct val="110000"/>
               </a:lnSpc>
@@ -6883,13 +6691,13 @@
               </a:spcAft>
               <a:buSzPts val="2000"/>
               <a:buNone/>
-              <a:defRPr sz="2000" b="0" cap="none">
+              <a:defRPr b="0" sz="2000" cap="none">
                 <a:solidFill>
                   <a:schemeClr val="dk1"/>
                 </a:solidFill>
               </a:defRPr>
             </a:lvl1pPr>
-            <a:lvl2pPr marL="914400" lvl="1" indent="-228600" algn="l">
+            <a:lvl2pPr indent="-228600" lvl="1" marL="914400" algn="l">
               <a:lnSpc>
                 <a:spcPct val="100000"/>
               </a:lnSpc>
@@ -6904,9 +6712,9 @@
               </a:buClr>
               <a:buSzPts val="2000"/>
               <a:buNone/>
-              <a:defRPr sz="2000" b="1"/>
+              <a:defRPr b="1" sz="2000"/>
             </a:lvl2pPr>
-            <a:lvl3pPr marL="1371600" lvl="2" indent="-228600" algn="l">
+            <a:lvl3pPr indent="-228600" lvl="2" marL="1371600" algn="l">
               <a:lnSpc>
                 <a:spcPct val="100000"/>
               </a:lnSpc>
@@ -6921,9 +6729,9 @@
               </a:buClr>
               <a:buSzPts val="1800"/>
               <a:buNone/>
-              <a:defRPr sz="1800" b="1"/>
+              <a:defRPr b="1" sz="1800"/>
             </a:lvl3pPr>
-            <a:lvl4pPr marL="1828800" lvl="3" indent="-228600" algn="l">
+            <a:lvl4pPr indent="-228600" lvl="3" marL="1828800" algn="l">
               <a:lnSpc>
                 <a:spcPct val="100000"/>
               </a:lnSpc>
@@ -6938,9 +6746,9 @@
               </a:buClr>
               <a:buSzPts val="1600"/>
               <a:buNone/>
-              <a:defRPr sz="1600" b="1"/>
+              <a:defRPr b="1" sz="1600"/>
             </a:lvl4pPr>
-            <a:lvl5pPr marL="2286000" lvl="4" indent="-228600" algn="l">
+            <a:lvl5pPr indent="-228600" lvl="4" marL="2286000" algn="l">
               <a:lnSpc>
                 <a:spcPct val="100000"/>
               </a:lnSpc>
@@ -6955,9 +6763,9 @@
               </a:buClr>
               <a:buSzPts val="1600"/>
               <a:buNone/>
-              <a:defRPr sz="1600" b="1"/>
+              <a:defRPr b="1" sz="1600"/>
             </a:lvl5pPr>
-            <a:lvl6pPr marL="2743200" lvl="5" indent="-228600" algn="l">
+            <a:lvl6pPr indent="-228600" lvl="5" marL="2743200" algn="l">
               <a:lnSpc>
                 <a:spcPct val="90000"/>
               </a:lnSpc>
@@ -6969,9 +6777,9 @@
               </a:spcAft>
               <a:buSzPts val="1600"/>
               <a:buNone/>
-              <a:defRPr sz="1600" b="1"/>
+              <a:defRPr b="1" sz="1600"/>
             </a:lvl6pPr>
-            <a:lvl7pPr marL="3200400" lvl="6" indent="-228600" algn="l">
+            <a:lvl7pPr indent="-228600" lvl="6" marL="3200400" algn="l">
               <a:lnSpc>
                 <a:spcPct val="90000"/>
               </a:lnSpc>
@@ -6983,9 +6791,9 @@
               </a:spcAft>
               <a:buSzPts val="1600"/>
               <a:buNone/>
-              <a:defRPr sz="1600" b="1"/>
+              <a:defRPr b="1" sz="1600"/>
             </a:lvl7pPr>
-            <a:lvl8pPr marL="3657600" lvl="7" indent="-228600" algn="l">
+            <a:lvl8pPr indent="-228600" lvl="7" marL="3657600" algn="l">
               <a:lnSpc>
                 <a:spcPct val="90000"/>
               </a:lnSpc>
@@ -6997,9 +6805,9 @@
               </a:spcAft>
               <a:buSzPts val="1600"/>
               <a:buNone/>
-              <a:defRPr sz="1600" b="1"/>
+              <a:defRPr b="1" sz="1600"/>
             </a:lvl8pPr>
-            <a:lvl9pPr marL="4114800" lvl="8" indent="-228600" algn="l">
+            <a:lvl9pPr indent="-228600" lvl="8" marL="4114800" algn="l">
               <a:lnSpc>
                 <a:spcPct val="90000"/>
               </a:lnSpc>
@@ -7011,22 +6819,18 @@
               </a:spcAft>
               <a:buSzPts val="1600"/>
               <a:buNone/>
-              <a:defRPr sz="1600" b="1"/>
+              <a:defRPr b="1" sz="1600"/>
             </a:lvl9pPr>
           </a:lstStyle>
-          <a:p>
-            <a:endParaRPr/>
-          </a:p>
+          <a:p/>
         </p:txBody>
       </p:sp>
       <p:sp>
         <p:nvSpPr>
           <p:cNvPr id="47" name="Google Shape;47;p11"/>
-          <p:cNvSpPr txBox="1">
-            <a:spLocks noGrp="1"/>
-          </p:cNvSpPr>
+          <p:cNvSpPr txBox="1"/>
           <p:nvPr>
-            <p:ph type="body" idx="4"/>
+            <p:ph idx="4" type="body"/>
           </p:nvPr>
         </p:nvSpPr>
         <p:spPr>
@@ -7043,11 +6847,11 @@
           </a:ln>
         </p:spPr>
         <p:txBody>
-          <a:bodyPr spcFirstLastPara="1" wrap="square" lIns="0" tIns="45700" rIns="0" bIns="45700" anchor="t" anchorCtr="0">
+          <a:bodyPr anchorCtr="0" anchor="t" bIns="45700" lIns="0" spcFirstLastPara="1" rIns="0" wrap="square" tIns="45700">
             <a:normAutofit/>
           </a:bodyPr>
           <a:lstStyle>
-            <a:lvl1pPr marL="457200" lvl="0" indent="-342900" algn="l">
+            <a:lvl1pPr indent="-342900" lvl="0" marL="457200" algn="l">
               <a:lnSpc>
                 <a:spcPct val="110000"/>
               </a:lnSpc>
@@ -7061,7 +6865,7 @@
               <a:buChar char=" "/>
               <a:defRPr/>
             </a:lvl1pPr>
-            <a:lvl2pPr marL="914400" lvl="1" indent="-342900" algn="l">
+            <a:lvl2pPr indent="-342900" lvl="1" marL="914400" algn="l">
               <a:lnSpc>
                 <a:spcPct val="100000"/>
               </a:lnSpc>
@@ -7078,7 +6882,7 @@
               <a:buChar char="◦"/>
               <a:defRPr/>
             </a:lvl2pPr>
-            <a:lvl3pPr marL="1371600" lvl="2" indent="-342900" algn="l">
+            <a:lvl3pPr indent="-342900" lvl="2" marL="1371600" algn="l">
               <a:lnSpc>
                 <a:spcPct val="100000"/>
               </a:lnSpc>
@@ -7095,7 +6899,7 @@
               <a:buChar char="◦"/>
               <a:defRPr/>
             </a:lvl3pPr>
-            <a:lvl4pPr marL="1828800" lvl="3" indent="-342900" algn="l">
+            <a:lvl4pPr indent="-342900" lvl="3" marL="1828800" algn="l">
               <a:lnSpc>
                 <a:spcPct val="100000"/>
               </a:lnSpc>
@@ -7112,7 +6916,7 @@
               <a:buChar char="◦"/>
               <a:defRPr/>
             </a:lvl4pPr>
-            <a:lvl5pPr marL="2286000" lvl="4" indent="-342900" algn="l">
+            <a:lvl5pPr indent="-342900" lvl="4" marL="2286000" algn="l">
               <a:lnSpc>
                 <a:spcPct val="100000"/>
               </a:lnSpc>
@@ -7129,7 +6933,7 @@
               <a:buChar char="◦"/>
               <a:defRPr/>
             </a:lvl5pPr>
-            <a:lvl6pPr marL="2743200" lvl="5" indent="-342900" algn="l">
+            <a:lvl6pPr indent="-342900" lvl="5" marL="2743200" algn="l">
               <a:lnSpc>
                 <a:spcPct val="90000"/>
               </a:lnSpc>
@@ -7143,7 +6947,7 @@
               <a:buChar char="◦"/>
               <a:defRPr/>
             </a:lvl6pPr>
-            <a:lvl7pPr marL="3200400" lvl="6" indent="-342900" algn="l">
+            <a:lvl7pPr indent="-342900" lvl="6" marL="3200400" algn="l">
               <a:lnSpc>
                 <a:spcPct val="90000"/>
               </a:lnSpc>
@@ -7157,7 +6961,7 @@
               <a:buChar char="◦"/>
               <a:defRPr/>
             </a:lvl7pPr>
-            <a:lvl8pPr marL="3657600" lvl="7" indent="-342900" algn="l">
+            <a:lvl8pPr indent="-342900" lvl="7" marL="3657600" algn="l">
               <a:lnSpc>
                 <a:spcPct val="90000"/>
               </a:lnSpc>
@@ -7171,7 +6975,7 @@
               <a:buChar char="◦"/>
               <a:defRPr/>
             </a:lvl8pPr>
-            <a:lvl9pPr marL="4114800" lvl="8" indent="-342900" algn="l">
+            <a:lvl9pPr indent="-342900" lvl="8" marL="4114800" algn="l">
               <a:lnSpc>
                 <a:spcPct val="90000"/>
               </a:lnSpc>
@@ -7186,19 +6990,15 @@
               <a:defRPr/>
             </a:lvl9pPr>
           </a:lstStyle>
-          <a:p>
-            <a:endParaRPr/>
-          </a:p>
+          <a:p/>
         </p:txBody>
       </p:sp>
       <p:sp>
         <p:nvSpPr>
           <p:cNvPr id="48" name="Google Shape;48;p11"/>
-          <p:cNvSpPr txBox="1">
-            <a:spLocks noGrp="1"/>
-          </p:cNvSpPr>
+          <p:cNvSpPr txBox="1"/>
           <p:nvPr>
-            <p:ph type="dt" idx="10"/>
+            <p:ph idx="10" type="dt"/>
           </p:nvPr>
         </p:nvSpPr>
         <p:spPr>
@@ -7215,7 +7015,7 @@
           </a:ln>
         </p:spPr>
         <p:txBody>
-          <a:bodyPr spcFirstLastPara="1" wrap="square" lIns="91425" tIns="45700" rIns="91425" bIns="45700" anchor="ctr" anchorCtr="0">
+          <a:bodyPr anchorCtr="0" anchor="ctr" bIns="45700" lIns="91425" spcFirstLastPara="1" rIns="91425" wrap="square" tIns="45700">
             <a:noAutofit/>
           </a:bodyPr>
           <a:lstStyle>
@@ -7319,19 +7119,15 @@
               <a:defRPr/>
             </a:lvl9pPr>
           </a:lstStyle>
-          <a:p>
-            <a:endParaRPr/>
-          </a:p>
+          <a:p/>
         </p:txBody>
       </p:sp>
       <p:sp>
         <p:nvSpPr>
           <p:cNvPr id="49" name="Google Shape;49;p11"/>
-          <p:cNvSpPr txBox="1">
-            <a:spLocks noGrp="1"/>
-          </p:cNvSpPr>
+          <p:cNvSpPr txBox="1"/>
           <p:nvPr>
-            <p:ph type="ftr" idx="11"/>
+            <p:ph idx="11" type="ftr"/>
           </p:nvPr>
         </p:nvSpPr>
         <p:spPr>
@@ -7348,7 +7144,7 @@
           </a:ln>
         </p:spPr>
         <p:txBody>
-          <a:bodyPr spcFirstLastPara="1" wrap="square" lIns="91425" tIns="45700" rIns="91425" bIns="45700" anchor="ctr" anchorCtr="0">
+          <a:bodyPr anchorCtr="0" anchor="ctr" bIns="45700" lIns="91425" spcFirstLastPara="1" rIns="91425" wrap="square" tIns="45700">
             <a:noAutofit/>
           </a:bodyPr>
           <a:lstStyle>
@@ -7452,19 +7248,15 @@
               <a:defRPr/>
             </a:lvl9pPr>
           </a:lstStyle>
-          <a:p>
-            <a:endParaRPr/>
-          </a:p>
+          <a:p/>
         </p:txBody>
       </p:sp>
       <p:sp>
         <p:nvSpPr>
           <p:cNvPr id="50" name="Google Shape;50;p11"/>
-          <p:cNvSpPr txBox="1">
-            <a:spLocks noGrp="1"/>
-          </p:cNvSpPr>
+          <p:cNvSpPr txBox="1"/>
           <p:nvPr>
-            <p:ph type="sldNum" idx="12"/>
+            <p:ph idx="12" type="sldNum"/>
           </p:nvPr>
         </p:nvSpPr>
         <p:spPr>
@@ -7481,67 +7273,67 @@
           </a:ln>
         </p:spPr>
         <p:txBody>
-          <a:bodyPr spcFirstLastPara="1" wrap="square" lIns="91425" tIns="45700" rIns="91425" bIns="45700" anchor="ctr" anchorCtr="0">
+          <a:bodyPr anchorCtr="0" anchor="ctr" bIns="45700" lIns="91425" spcFirstLastPara="1" rIns="91425" wrap="square" tIns="45700">
             <a:noAutofit/>
           </a:bodyPr>
           <a:lstStyle>
-            <a:lvl1pPr marL="0" lvl="0" indent="0" algn="l">
+            <a:lvl1pPr indent="0" lvl="0" marL="0" algn="l">
               <a:spcBef>
                 <a:spcPts val="0"/>
               </a:spcBef>
               <a:buNone/>
               <a:defRPr/>
             </a:lvl1pPr>
-            <a:lvl2pPr marL="0" lvl="1" indent="0" algn="l">
+            <a:lvl2pPr indent="0" lvl="1" marL="0" algn="l">
               <a:spcBef>
                 <a:spcPts val="0"/>
               </a:spcBef>
               <a:buNone/>
               <a:defRPr/>
             </a:lvl2pPr>
-            <a:lvl3pPr marL="0" lvl="2" indent="0" algn="l">
+            <a:lvl3pPr indent="0" lvl="2" marL="0" algn="l">
               <a:spcBef>
                 <a:spcPts val="0"/>
               </a:spcBef>
               <a:buNone/>
               <a:defRPr/>
             </a:lvl3pPr>
-            <a:lvl4pPr marL="0" lvl="3" indent="0" algn="l">
+            <a:lvl4pPr indent="0" lvl="3" marL="0" algn="l">
               <a:spcBef>
                 <a:spcPts val="0"/>
               </a:spcBef>
               <a:buNone/>
               <a:defRPr/>
             </a:lvl4pPr>
-            <a:lvl5pPr marL="0" lvl="4" indent="0" algn="l">
+            <a:lvl5pPr indent="0" lvl="4" marL="0" algn="l">
               <a:spcBef>
                 <a:spcPts val="0"/>
               </a:spcBef>
               <a:buNone/>
               <a:defRPr/>
             </a:lvl5pPr>
-            <a:lvl6pPr marL="0" lvl="5" indent="0" algn="l">
+            <a:lvl6pPr indent="0" lvl="5" marL="0" algn="l">
               <a:spcBef>
                 <a:spcPts val="0"/>
               </a:spcBef>
               <a:buNone/>
               <a:defRPr/>
             </a:lvl6pPr>
-            <a:lvl7pPr marL="0" lvl="6" indent="0" algn="l">
+            <a:lvl7pPr indent="0" lvl="6" marL="0" algn="l">
               <a:spcBef>
                 <a:spcPts val="0"/>
               </a:spcBef>
               <a:buNone/>
               <a:defRPr/>
             </a:lvl7pPr>
-            <a:lvl8pPr marL="0" lvl="7" indent="0" algn="l">
+            <a:lvl8pPr indent="0" lvl="7" marL="0" algn="l">
               <a:spcBef>
                 <a:spcPts val="0"/>
               </a:spcBef>
               <a:buNone/>
               <a:defRPr/>
             </a:lvl8pPr>
-            <a:lvl9pPr marL="0" lvl="8" indent="0" algn="l">
+            <a:lvl9pPr indent="0" lvl="8" marL="0" algn="l">
               <a:spcBef>
                 <a:spcPts val="0"/>
               </a:spcBef>
@@ -7550,7 +7342,7 @@
             </a:lvl9pPr>
           </a:lstStyle>
           <a:p>
-            <a:pPr marL="0" lvl="0" indent="0" algn="l" rtl="0">
+            <a:pPr indent="0" lvl="0" marL="0" rtl="0" algn="l">
               <a:spcBef>
                 <a:spcPts val="0"/>
               </a:spcBef>
@@ -7576,11 +7368,11 @@
 </file>
 
 <file path=ppt/slideLayouts/slideLayout6.xml><?xml version="1.0" encoding="utf-8"?>
-<p:sldLayout xmlns:a="http://schemas.openxmlformats.org/drawingml/2006/main" xmlns:r="http://schemas.openxmlformats.org/officeDocument/2006/relationships" xmlns:p="http://schemas.openxmlformats.org/presentationml/2006/main" matchingName="Title Only" type="titleOnly">
+<p:sldLayout xmlns:a="http://schemas.openxmlformats.org/drawingml/2006/main" xmlns:r="http://schemas.openxmlformats.org/officeDocument/2006/relationships" xmlns:mc="http://schemas.openxmlformats.org/markup-compatibility/2006" xmlns:mv="urn:schemas-microsoft-com:mac:vml" xmlns:p="http://schemas.openxmlformats.org/presentationml/2006/main" xmlns:c="http://schemas.openxmlformats.org/drawingml/2006/chart" xmlns:dgm="http://schemas.openxmlformats.org/drawingml/2006/diagram" xmlns:o="urn:schemas-microsoft-com:office:office" xmlns:v="urn:schemas-microsoft-com:vml" xmlns:pvml="urn:schemas-microsoft-com:office:powerpoint" xmlns:com="http://schemas.openxmlformats.org/drawingml/2006/compatibility" xmlns:p14="http://schemas.microsoft.com/office/powerpoint/2010/main" xmlns:p15="http://schemas.microsoft.com/office/powerpoint/2012/main" xmlns:ahyp="http://schemas.microsoft.com/office/drawing/2018/hyperlinkcolor" matchingName="Title Only" type="titleOnly">
   <p:cSld name="TITLE_ONLY">
     <p:spTree>
       <p:nvGrpSpPr>
-        <p:cNvPr id="1" name="Shape 51"/>
+        <p:cNvPr id="51" name="Shape 51"/>
         <p:cNvGrpSpPr/>
         <p:nvPr/>
       </p:nvGrpSpPr>
@@ -7595,9 +7387,7 @@
       <p:sp>
         <p:nvSpPr>
           <p:cNvPr id="52" name="Google Shape;52;p12"/>
-          <p:cNvSpPr txBox="1">
-            <a:spLocks noGrp="1"/>
-          </p:cNvSpPr>
+          <p:cNvSpPr txBox="1"/>
           <p:nvPr>
             <p:ph type="title"/>
           </p:nvPr>
@@ -7616,7 +7406,7 @@
           </a:ln>
         </p:spPr>
         <p:txBody>
-          <a:bodyPr spcFirstLastPara="1" wrap="square" lIns="91425" tIns="45700" rIns="91425" bIns="45700" anchor="b" anchorCtr="0">
+          <a:bodyPr anchorCtr="0" anchor="b" bIns="45700" lIns="91425" spcFirstLastPara="1" rIns="91425" wrap="square" tIns="45700">
             <a:normAutofit/>
           </a:bodyPr>
           <a:lstStyle>
@@ -7726,19 +7516,15 @@
               <a:defRPr/>
             </a:lvl9pPr>
           </a:lstStyle>
-          <a:p>
-            <a:endParaRPr/>
-          </a:p>
+          <a:p/>
         </p:txBody>
       </p:sp>
       <p:sp>
         <p:nvSpPr>
           <p:cNvPr id="53" name="Google Shape;53;p12"/>
-          <p:cNvSpPr txBox="1">
-            <a:spLocks noGrp="1"/>
-          </p:cNvSpPr>
+          <p:cNvSpPr txBox="1"/>
           <p:nvPr>
-            <p:ph type="dt" idx="10"/>
+            <p:ph idx="10" type="dt"/>
           </p:nvPr>
         </p:nvSpPr>
         <p:spPr>
@@ -7755,7 +7541,7 @@
           </a:ln>
         </p:spPr>
         <p:txBody>
-          <a:bodyPr spcFirstLastPara="1" wrap="square" lIns="91425" tIns="45700" rIns="91425" bIns="45700" anchor="ctr" anchorCtr="0">
+          <a:bodyPr anchorCtr="0" anchor="ctr" bIns="45700" lIns="91425" spcFirstLastPara="1" rIns="91425" wrap="square" tIns="45700">
             <a:noAutofit/>
           </a:bodyPr>
           <a:lstStyle>
@@ -7859,19 +7645,15 @@
               <a:defRPr/>
             </a:lvl9pPr>
           </a:lstStyle>
-          <a:p>
-            <a:endParaRPr/>
-          </a:p>
+          <a:p/>
         </p:txBody>
       </p:sp>
       <p:sp>
         <p:nvSpPr>
           <p:cNvPr id="54" name="Google Shape;54;p12"/>
-          <p:cNvSpPr txBox="1">
-            <a:spLocks noGrp="1"/>
-          </p:cNvSpPr>
+          <p:cNvSpPr txBox="1"/>
           <p:nvPr>
-            <p:ph type="ftr" idx="11"/>
+            <p:ph idx="11" type="ftr"/>
           </p:nvPr>
         </p:nvSpPr>
         <p:spPr>
@@ -7888,7 +7670,7 @@
           </a:ln>
         </p:spPr>
         <p:txBody>
-          <a:bodyPr spcFirstLastPara="1" wrap="square" lIns="91425" tIns="45700" rIns="91425" bIns="45700" anchor="ctr" anchorCtr="0">
+          <a:bodyPr anchorCtr="0" anchor="ctr" bIns="45700" lIns="91425" spcFirstLastPara="1" rIns="91425" wrap="square" tIns="45700">
             <a:noAutofit/>
           </a:bodyPr>
           <a:lstStyle>
@@ -7992,19 +7774,15 @@
               <a:defRPr/>
             </a:lvl9pPr>
           </a:lstStyle>
-          <a:p>
-            <a:endParaRPr/>
-          </a:p>
+          <a:p/>
         </p:txBody>
       </p:sp>
       <p:sp>
         <p:nvSpPr>
           <p:cNvPr id="55" name="Google Shape;55;p12"/>
-          <p:cNvSpPr txBox="1">
-            <a:spLocks noGrp="1"/>
-          </p:cNvSpPr>
+          <p:cNvSpPr txBox="1"/>
           <p:nvPr>
-            <p:ph type="sldNum" idx="12"/>
+            <p:ph idx="12" type="sldNum"/>
           </p:nvPr>
         </p:nvSpPr>
         <p:spPr>
@@ -8021,67 +7799,67 @@
           </a:ln>
         </p:spPr>
         <p:txBody>
-          <a:bodyPr spcFirstLastPara="1" wrap="square" lIns="91425" tIns="45700" rIns="91425" bIns="45700" anchor="ctr" anchorCtr="0">
+          <a:bodyPr anchorCtr="0" anchor="ctr" bIns="45700" lIns="91425" spcFirstLastPara="1" rIns="91425" wrap="square" tIns="45700">
             <a:noAutofit/>
           </a:bodyPr>
           <a:lstStyle>
-            <a:lvl1pPr marL="0" lvl="0" indent="0" algn="l">
+            <a:lvl1pPr indent="0" lvl="0" marL="0" algn="l">
               <a:spcBef>
                 <a:spcPts val="0"/>
               </a:spcBef>
               <a:buNone/>
               <a:defRPr/>
             </a:lvl1pPr>
-            <a:lvl2pPr marL="0" lvl="1" indent="0" algn="l">
+            <a:lvl2pPr indent="0" lvl="1" marL="0" algn="l">
               <a:spcBef>
                 <a:spcPts val="0"/>
               </a:spcBef>
               <a:buNone/>
               <a:defRPr/>
             </a:lvl2pPr>
-            <a:lvl3pPr marL="0" lvl="2" indent="0" algn="l">
+            <a:lvl3pPr indent="0" lvl="2" marL="0" algn="l">
               <a:spcBef>
                 <a:spcPts val="0"/>
               </a:spcBef>
               <a:buNone/>
               <a:defRPr/>
             </a:lvl3pPr>
-            <a:lvl4pPr marL="0" lvl="3" indent="0" algn="l">
+            <a:lvl4pPr indent="0" lvl="3" marL="0" algn="l">
               <a:spcBef>
                 <a:spcPts val="0"/>
               </a:spcBef>
               <a:buNone/>
               <a:defRPr/>
             </a:lvl4pPr>
-            <a:lvl5pPr marL="0" lvl="4" indent="0" algn="l">
+            <a:lvl5pPr indent="0" lvl="4" marL="0" algn="l">
               <a:spcBef>
                 <a:spcPts val="0"/>
               </a:spcBef>
               <a:buNone/>
               <a:defRPr/>
             </a:lvl5pPr>
-            <a:lvl6pPr marL="0" lvl="5" indent="0" algn="l">
+            <a:lvl6pPr indent="0" lvl="5" marL="0" algn="l">
               <a:spcBef>
                 <a:spcPts val="0"/>
               </a:spcBef>
               <a:buNone/>
               <a:defRPr/>
             </a:lvl6pPr>
-            <a:lvl7pPr marL="0" lvl="6" indent="0" algn="l">
+            <a:lvl7pPr indent="0" lvl="6" marL="0" algn="l">
               <a:spcBef>
                 <a:spcPts val="0"/>
               </a:spcBef>
               <a:buNone/>
               <a:defRPr/>
             </a:lvl7pPr>
-            <a:lvl8pPr marL="0" lvl="7" indent="0" algn="l">
+            <a:lvl8pPr indent="0" lvl="7" marL="0" algn="l">
               <a:spcBef>
                 <a:spcPts val="0"/>
               </a:spcBef>
               <a:buNone/>
               <a:defRPr/>
             </a:lvl8pPr>
-            <a:lvl9pPr marL="0" lvl="8" indent="0" algn="l">
+            <a:lvl9pPr indent="0" lvl="8" marL="0" algn="l">
               <a:spcBef>
                 <a:spcPts val="0"/>
               </a:spcBef>
@@ -8090,7 +7868,7 @@
             </a:lvl9pPr>
           </a:lstStyle>
           <a:p>
-            <a:pPr marL="0" lvl="0" indent="0" algn="l" rtl="0">
+            <a:pPr indent="0" lvl="0" marL="0" rtl="0" algn="l">
               <a:spcBef>
                 <a:spcPts val="0"/>
               </a:spcBef>
@@ -8116,11 +7894,11 @@
 </file>
 
 <file path=ppt/slideLayouts/slideLayout7.xml><?xml version="1.0" encoding="utf-8"?>
-<p:sldLayout xmlns:a="http://schemas.openxmlformats.org/drawingml/2006/main" xmlns:r="http://schemas.openxmlformats.org/officeDocument/2006/relationships" xmlns:p="http://schemas.openxmlformats.org/presentationml/2006/main" showMasterSp="0" matchingName="Blank" type="blank">
+<p:sldLayout xmlns:a="http://schemas.openxmlformats.org/drawingml/2006/main" xmlns:r="http://schemas.openxmlformats.org/officeDocument/2006/relationships" xmlns:mc="http://schemas.openxmlformats.org/markup-compatibility/2006" xmlns:mv="urn:schemas-microsoft-com:mac:vml" xmlns:p="http://schemas.openxmlformats.org/presentationml/2006/main" xmlns:c="http://schemas.openxmlformats.org/drawingml/2006/chart" xmlns:dgm="http://schemas.openxmlformats.org/drawingml/2006/diagram" xmlns:o="urn:schemas-microsoft-com:office:office" xmlns:v="urn:schemas-microsoft-com:vml" xmlns:pvml="urn:schemas-microsoft-com:office:powerpoint" xmlns:com="http://schemas.openxmlformats.org/drawingml/2006/compatibility" xmlns:p14="http://schemas.microsoft.com/office/powerpoint/2010/main" xmlns:p15="http://schemas.microsoft.com/office/powerpoint/2012/main" xmlns:ahyp="http://schemas.microsoft.com/office/drawing/2018/hyperlinkcolor" matchingName="Blank" showMasterSp="0" type="blank">
   <p:cSld name="BLANK">
     <p:spTree>
       <p:nvGrpSpPr>
-        <p:cNvPr id="1" name="Shape 56"/>
+        <p:cNvPr id="56" name="Shape 56"/>
         <p:cNvGrpSpPr/>
         <p:nvPr/>
       </p:nvGrpSpPr>
@@ -8154,12 +7932,12 @@
           </a:ln>
         </p:spPr>
         <p:txBody>
-          <a:bodyPr spcFirstLastPara="1" wrap="square" lIns="91425" tIns="91425" rIns="91425" bIns="91425" anchor="ctr" anchorCtr="0">
+          <a:bodyPr anchorCtr="0" anchor="ctr" bIns="91425" lIns="91425" spcFirstLastPara="1" rIns="91425" wrap="square" tIns="91425">
             <a:noAutofit/>
           </a:bodyPr>
           <a:lstStyle/>
           <a:p>
-            <a:pPr marL="0" lvl="0" indent="0" algn="l" rtl="0">
+            <a:pPr indent="0" lvl="0" marL="0" rtl="0" algn="l">
               <a:spcBef>
                 <a:spcPts val="0"/>
               </a:spcBef>
@@ -8168,6 +7946,9 @@
               </a:spcAft>
               <a:buNone/>
             </a:pPr>
+            <a:r>
+              <a:t/>
+            </a:r>
             <a:endParaRPr/>
           </a:p>
         </p:txBody>
@@ -8175,11 +7956,9 @@
       <p:sp>
         <p:nvSpPr>
           <p:cNvPr id="58" name="Google Shape;58;p13"/>
-          <p:cNvSpPr txBox="1">
-            <a:spLocks noGrp="1"/>
-          </p:cNvSpPr>
+          <p:cNvSpPr txBox="1"/>
           <p:nvPr>
-            <p:ph type="dt" idx="10"/>
+            <p:ph idx="10" type="dt"/>
           </p:nvPr>
         </p:nvSpPr>
         <p:spPr>
@@ -8196,7 +7975,7 @@
           </a:ln>
         </p:spPr>
         <p:txBody>
-          <a:bodyPr spcFirstLastPara="1" wrap="square" lIns="91425" tIns="45700" rIns="91425" bIns="45700" anchor="ctr" anchorCtr="0">
+          <a:bodyPr anchorCtr="0" anchor="ctr" bIns="45700" lIns="91425" spcFirstLastPara="1" rIns="91425" wrap="square" tIns="45700">
             <a:noAutofit/>
           </a:bodyPr>
           <a:lstStyle>
@@ -8300,19 +8079,15 @@
               <a:defRPr/>
             </a:lvl9pPr>
           </a:lstStyle>
-          <a:p>
-            <a:endParaRPr/>
-          </a:p>
+          <a:p/>
         </p:txBody>
       </p:sp>
       <p:sp>
         <p:nvSpPr>
           <p:cNvPr id="59" name="Google Shape;59;p13"/>
-          <p:cNvSpPr txBox="1">
-            <a:spLocks noGrp="1"/>
-          </p:cNvSpPr>
+          <p:cNvSpPr txBox="1"/>
           <p:nvPr>
-            <p:ph type="ftr" idx="11"/>
+            <p:ph idx="11" type="ftr"/>
           </p:nvPr>
         </p:nvSpPr>
         <p:spPr>
@@ -8329,7 +8104,7 @@
           </a:ln>
         </p:spPr>
         <p:txBody>
-          <a:bodyPr spcFirstLastPara="1" wrap="square" lIns="91425" tIns="45700" rIns="91425" bIns="45700" anchor="ctr" anchorCtr="0">
+          <a:bodyPr anchorCtr="0" anchor="ctr" bIns="45700" lIns="91425" spcFirstLastPara="1" rIns="91425" wrap="square" tIns="45700">
             <a:noAutofit/>
           </a:bodyPr>
           <a:lstStyle>
@@ -8433,19 +8208,15 @@
               <a:defRPr/>
             </a:lvl9pPr>
           </a:lstStyle>
-          <a:p>
-            <a:endParaRPr/>
-          </a:p>
+          <a:p/>
         </p:txBody>
       </p:sp>
       <p:sp>
         <p:nvSpPr>
           <p:cNvPr id="60" name="Google Shape;60;p13"/>
-          <p:cNvSpPr txBox="1">
-            <a:spLocks noGrp="1"/>
-          </p:cNvSpPr>
+          <p:cNvSpPr txBox="1"/>
           <p:nvPr>
-            <p:ph type="sldNum" idx="12"/>
+            <p:ph idx="12" type="sldNum"/>
           </p:nvPr>
         </p:nvSpPr>
         <p:spPr>
@@ -8462,67 +8233,67 @@
           </a:ln>
         </p:spPr>
         <p:txBody>
-          <a:bodyPr spcFirstLastPara="1" wrap="square" lIns="91425" tIns="45700" rIns="91425" bIns="45700" anchor="ctr" anchorCtr="0">
+          <a:bodyPr anchorCtr="0" anchor="ctr" bIns="45700" lIns="91425" spcFirstLastPara="1" rIns="91425" wrap="square" tIns="45700">
             <a:noAutofit/>
           </a:bodyPr>
           <a:lstStyle>
-            <a:lvl1pPr marL="0" lvl="0" indent="0" algn="l">
+            <a:lvl1pPr indent="0" lvl="0" marL="0" algn="l">
               <a:spcBef>
                 <a:spcPts val="0"/>
               </a:spcBef>
               <a:buNone/>
               <a:defRPr/>
             </a:lvl1pPr>
-            <a:lvl2pPr marL="0" lvl="1" indent="0" algn="l">
+            <a:lvl2pPr indent="0" lvl="1" marL="0" algn="l">
               <a:spcBef>
                 <a:spcPts val="0"/>
               </a:spcBef>
               <a:buNone/>
               <a:defRPr/>
             </a:lvl2pPr>
-            <a:lvl3pPr marL="0" lvl="2" indent="0" algn="l">
+            <a:lvl3pPr indent="0" lvl="2" marL="0" algn="l">
               <a:spcBef>
                 <a:spcPts val="0"/>
               </a:spcBef>
               <a:buNone/>
               <a:defRPr/>
             </a:lvl3pPr>
-            <a:lvl4pPr marL="0" lvl="3" indent="0" algn="l">
+            <a:lvl4pPr indent="0" lvl="3" marL="0" algn="l">
               <a:spcBef>
                 <a:spcPts val="0"/>
               </a:spcBef>
               <a:buNone/>
               <a:defRPr/>
             </a:lvl4pPr>
-            <a:lvl5pPr marL="0" lvl="4" indent="0" algn="l">
+            <a:lvl5pPr indent="0" lvl="4" marL="0" algn="l">
               <a:spcBef>
                 <a:spcPts val="0"/>
               </a:spcBef>
               <a:buNone/>
               <a:defRPr/>
             </a:lvl5pPr>
-            <a:lvl6pPr marL="0" lvl="5" indent="0" algn="l">
+            <a:lvl6pPr indent="0" lvl="5" marL="0" algn="l">
               <a:spcBef>
                 <a:spcPts val="0"/>
               </a:spcBef>
               <a:buNone/>
               <a:defRPr/>
             </a:lvl6pPr>
-            <a:lvl7pPr marL="0" lvl="6" indent="0" algn="l">
+            <a:lvl7pPr indent="0" lvl="6" marL="0" algn="l">
               <a:spcBef>
                 <a:spcPts val="0"/>
               </a:spcBef>
               <a:buNone/>
               <a:defRPr/>
             </a:lvl7pPr>
-            <a:lvl8pPr marL="0" lvl="7" indent="0" algn="l">
+            <a:lvl8pPr indent="0" lvl="7" marL="0" algn="l">
               <a:spcBef>
                 <a:spcPts val="0"/>
               </a:spcBef>
               <a:buNone/>
               <a:defRPr/>
             </a:lvl8pPr>
-            <a:lvl9pPr marL="0" lvl="8" indent="0" algn="l">
+            <a:lvl9pPr indent="0" lvl="8" marL="0" algn="l">
               <a:spcBef>
                 <a:spcPts val="0"/>
               </a:spcBef>
@@ -8531,7 +8302,7 @@
             </a:lvl9pPr>
           </a:lstStyle>
           <a:p>
-            <a:pPr marL="0" lvl="0" indent="0" algn="l" rtl="0">
+            <a:pPr indent="0" lvl="0" marL="0" rtl="0" algn="l">
               <a:spcBef>
                 <a:spcPts val="0"/>
               </a:spcBef>
@@ -8557,11 +8328,11 @@
 </file>
 
 <file path=ppt/slideLayouts/slideLayout8.xml><?xml version="1.0" encoding="utf-8"?>
-<p:sldLayout xmlns:a="http://schemas.openxmlformats.org/drawingml/2006/main" xmlns:r="http://schemas.openxmlformats.org/officeDocument/2006/relationships" xmlns:p="http://schemas.openxmlformats.org/presentationml/2006/main" showMasterSp="0" matchingName="Content with Caption" type="objTx">
+<p:sldLayout xmlns:a="http://schemas.openxmlformats.org/drawingml/2006/main" xmlns:r="http://schemas.openxmlformats.org/officeDocument/2006/relationships" xmlns:mc="http://schemas.openxmlformats.org/markup-compatibility/2006" xmlns:mv="urn:schemas-microsoft-com:mac:vml" xmlns:p="http://schemas.openxmlformats.org/presentationml/2006/main" xmlns:c="http://schemas.openxmlformats.org/drawingml/2006/chart" xmlns:dgm="http://schemas.openxmlformats.org/drawingml/2006/diagram" xmlns:o="urn:schemas-microsoft-com:office:office" xmlns:v="urn:schemas-microsoft-com:vml" xmlns:pvml="urn:schemas-microsoft-com:office:powerpoint" xmlns:com="http://schemas.openxmlformats.org/drawingml/2006/compatibility" xmlns:p14="http://schemas.microsoft.com/office/powerpoint/2010/main" xmlns:p15="http://schemas.microsoft.com/office/powerpoint/2012/main" xmlns:ahyp="http://schemas.microsoft.com/office/drawing/2018/hyperlinkcolor" matchingName="Content with Caption" showMasterSp="0" type="objTx">
   <p:cSld name="OBJECT_WITH_CAPTION_TEXT">
     <p:spTree>
       <p:nvGrpSpPr>
-        <p:cNvPr id="1" name="Shape 61"/>
+        <p:cNvPr id="61" name="Shape 61"/>
         <p:cNvGrpSpPr/>
         <p:nvPr/>
       </p:nvGrpSpPr>
@@ -8595,12 +8366,12 @@
           </a:ln>
         </p:spPr>
         <p:txBody>
-          <a:bodyPr spcFirstLastPara="1" wrap="square" lIns="91425" tIns="91425" rIns="91425" bIns="91425" anchor="ctr" anchorCtr="0">
+          <a:bodyPr anchorCtr="0" anchor="ctr" bIns="91425" lIns="91425" spcFirstLastPara="1" rIns="91425" wrap="square" tIns="91425">
             <a:noAutofit/>
           </a:bodyPr>
           <a:lstStyle/>
           <a:p>
-            <a:pPr marL="0" lvl="0" indent="0" algn="l" rtl="0">
+            <a:pPr indent="0" lvl="0" marL="0" rtl="0" algn="l">
               <a:spcBef>
                 <a:spcPts val="0"/>
               </a:spcBef>
@@ -8609,6 +8380,9 @@
               </a:spcAft>
               <a:buNone/>
             </a:pPr>
+            <a:r>
+              <a:t/>
+            </a:r>
             <a:endParaRPr/>
           </a:p>
         </p:txBody>
@@ -8616,9 +8390,7 @@
       <p:sp>
         <p:nvSpPr>
           <p:cNvPr id="63" name="Google Shape;63;p14"/>
-          <p:cNvSpPr txBox="1">
-            <a:spLocks noGrp="1"/>
-          </p:cNvSpPr>
+          <p:cNvSpPr txBox="1"/>
           <p:nvPr>
             <p:ph type="title"/>
           </p:nvPr>
@@ -8637,7 +8409,7 @@
           </a:ln>
         </p:spPr>
         <p:txBody>
-          <a:bodyPr spcFirstLastPara="1" wrap="square" lIns="91425" tIns="45700" rIns="91425" bIns="45700" anchor="b" anchorCtr="0">
+          <a:bodyPr anchorCtr="0" anchor="b" bIns="45700" lIns="91425" spcFirstLastPara="1" rIns="91425" wrap="square" tIns="45700">
             <a:normAutofit/>
           </a:bodyPr>
           <a:lstStyle>
@@ -8657,7 +8429,7 @@
               <a:buSzPts val="3600"/>
               <a:buFont typeface="Bookman Old Style"/>
               <a:buNone/>
-              <a:defRPr sz="3600" b="0">
+              <a:defRPr b="0" sz="3600">
                 <a:solidFill>
                   <a:srgbClr val="FFFFFF"/>
                 </a:solidFill>
@@ -8752,19 +8524,15 @@
               <a:defRPr/>
             </a:lvl9pPr>
           </a:lstStyle>
-          <a:p>
-            <a:endParaRPr/>
-          </a:p>
+          <a:p/>
         </p:txBody>
       </p:sp>
       <p:sp>
         <p:nvSpPr>
           <p:cNvPr id="64" name="Google Shape;64;p14"/>
-          <p:cNvSpPr txBox="1">
-            <a:spLocks noGrp="1"/>
-          </p:cNvSpPr>
+          <p:cNvSpPr txBox="1"/>
           <p:nvPr>
-            <p:ph type="body" idx="1"/>
+            <p:ph idx="1" type="body"/>
           </p:nvPr>
         </p:nvSpPr>
         <p:spPr>
@@ -8781,11 +8549,11 @@
           </a:ln>
         </p:spPr>
         <p:txBody>
-          <a:bodyPr spcFirstLastPara="1" wrap="square" lIns="0" tIns="45700" rIns="0" bIns="45700" anchor="t" anchorCtr="0">
+          <a:bodyPr anchorCtr="0" anchor="t" bIns="45700" lIns="0" spcFirstLastPara="1" rIns="0" wrap="square" tIns="45700">
             <a:normAutofit/>
           </a:bodyPr>
           <a:lstStyle>
-            <a:lvl1pPr marL="457200" lvl="0" indent="-342900" algn="l">
+            <a:lvl1pPr indent="-342900" lvl="0" marL="457200" algn="l">
               <a:lnSpc>
                 <a:spcPct val="110000"/>
               </a:lnSpc>
@@ -8799,7 +8567,7 @@
               <a:buChar char=" "/>
               <a:defRPr/>
             </a:lvl1pPr>
-            <a:lvl2pPr marL="914400" lvl="1" indent="-342900" algn="l">
+            <a:lvl2pPr indent="-342900" lvl="1" marL="914400" algn="l">
               <a:lnSpc>
                 <a:spcPct val="100000"/>
               </a:lnSpc>
@@ -8816,7 +8584,7 @@
               <a:buChar char="◦"/>
               <a:defRPr/>
             </a:lvl2pPr>
-            <a:lvl3pPr marL="1371600" lvl="2" indent="-342900" algn="l">
+            <a:lvl3pPr indent="-342900" lvl="2" marL="1371600" algn="l">
               <a:lnSpc>
                 <a:spcPct val="100000"/>
               </a:lnSpc>
@@ -8833,7 +8601,7 @@
               <a:buChar char="◦"/>
               <a:defRPr/>
             </a:lvl3pPr>
-            <a:lvl4pPr marL="1828800" lvl="3" indent="-342900" algn="l">
+            <a:lvl4pPr indent="-342900" lvl="3" marL="1828800" algn="l">
               <a:lnSpc>
                 <a:spcPct val="100000"/>
               </a:lnSpc>
@@ -8850,7 +8618,7 @@
               <a:buChar char="◦"/>
               <a:defRPr/>
             </a:lvl4pPr>
-            <a:lvl5pPr marL="2286000" lvl="4" indent="-342900" algn="l">
+            <a:lvl5pPr indent="-342900" lvl="4" marL="2286000" algn="l">
               <a:lnSpc>
                 <a:spcPct val="100000"/>
               </a:lnSpc>
@@ -8867,7 +8635,7 @@
               <a:buChar char="◦"/>
               <a:defRPr/>
             </a:lvl5pPr>
-            <a:lvl6pPr marL="2743200" lvl="5" indent="-342900" algn="l">
+            <a:lvl6pPr indent="-342900" lvl="5" marL="2743200" algn="l">
               <a:lnSpc>
                 <a:spcPct val="90000"/>
               </a:lnSpc>
@@ -8881,7 +8649,7 @@
               <a:buChar char="◦"/>
               <a:defRPr/>
             </a:lvl6pPr>
-            <a:lvl7pPr marL="3200400" lvl="6" indent="-342900" algn="l">
+            <a:lvl7pPr indent="-342900" lvl="6" marL="3200400" algn="l">
               <a:lnSpc>
                 <a:spcPct val="90000"/>
               </a:lnSpc>
@@ -8895,7 +8663,7 @@
               <a:buChar char="◦"/>
               <a:defRPr/>
             </a:lvl7pPr>
-            <a:lvl8pPr marL="3657600" lvl="7" indent="-342900" algn="l">
+            <a:lvl8pPr indent="-342900" lvl="7" marL="3657600" algn="l">
               <a:lnSpc>
                 <a:spcPct val="90000"/>
               </a:lnSpc>
@@ -8909,7 +8677,7 @@
               <a:buChar char="◦"/>
               <a:defRPr/>
             </a:lvl8pPr>
-            <a:lvl9pPr marL="4114800" lvl="8" indent="-342900" algn="l">
+            <a:lvl9pPr indent="-342900" lvl="8" marL="4114800" algn="l">
               <a:lnSpc>
                 <a:spcPct val="90000"/>
               </a:lnSpc>
@@ -8924,19 +8692,15 @@
               <a:defRPr/>
             </a:lvl9pPr>
           </a:lstStyle>
-          <a:p>
-            <a:endParaRPr/>
-          </a:p>
+          <a:p/>
         </p:txBody>
       </p:sp>
       <p:sp>
         <p:nvSpPr>
           <p:cNvPr id="65" name="Google Shape;65;p14"/>
-          <p:cNvSpPr txBox="1">
-            <a:spLocks noGrp="1"/>
-          </p:cNvSpPr>
+          <p:cNvSpPr txBox="1"/>
           <p:nvPr>
-            <p:ph type="body" idx="2"/>
+            <p:ph idx="2" type="body"/>
           </p:nvPr>
         </p:nvSpPr>
         <p:spPr>
@@ -8953,11 +8717,11 @@
           </a:ln>
         </p:spPr>
         <p:txBody>
-          <a:bodyPr spcFirstLastPara="1" wrap="square" lIns="91425" tIns="45700" rIns="91425" bIns="45700" anchor="t" anchorCtr="0">
+          <a:bodyPr anchorCtr="0" anchor="t" bIns="45700" lIns="91425" spcFirstLastPara="1" rIns="91425" wrap="square" tIns="45700">
             <a:normAutofit/>
           </a:bodyPr>
           <a:lstStyle>
-            <a:lvl1pPr marL="457200" lvl="0" indent="-228600" algn="l">
+            <a:lvl1pPr indent="-228600" lvl="0" marL="457200" algn="l">
               <a:lnSpc>
                 <a:spcPct val="110000"/>
               </a:lnSpc>
@@ -8975,7 +8739,7 @@
                 </a:solidFill>
               </a:defRPr>
             </a:lvl1pPr>
-            <a:lvl2pPr marL="914400" lvl="1" indent="-228600" algn="l">
+            <a:lvl2pPr indent="-228600" lvl="1" marL="914400" algn="l">
               <a:lnSpc>
                 <a:spcPct val="100000"/>
               </a:lnSpc>
@@ -8992,7 +8756,7 @@
               <a:buNone/>
               <a:defRPr sz="1200"/>
             </a:lvl2pPr>
-            <a:lvl3pPr marL="1371600" lvl="2" indent="-228600" algn="l">
+            <a:lvl3pPr indent="-228600" lvl="2" marL="1371600" algn="l">
               <a:lnSpc>
                 <a:spcPct val="100000"/>
               </a:lnSpc>
@@ -9009,7 +8773,7 @@
               <a:buNone/>
               <a:defRPr sz="1000"/>
             </a:lvl3pPr>
-            <a:lvl4pPr marL="1828800" lvl="3" indent="-228600" algn="l">
+            <a:lvl4pPr indent="-228600" lvl="3" marL="1828800" algn="l">
               <a:lnSpc>
                 <a:spcPct val="100000"/>
               </a:lnSpc>
@@ -9026,7 +8790,7 @@
               <a:buNone/>
               <a:defRPr sz="900"/>
             </a:lvl4pPr>
-            <a:lvl5pPr marL="2286000" lvl="4" indent="-228600" algn="l">
+            <a:lvl5pPr indent="-228600" lvl="4" marL="2286000" algn="l">
               <a:lnSpc>
                 <a:spcPct val="100000"/>
               </a:lnSpc>
@@ -9043,7 +8807,7 @@
               <a:buNone/>
               <a:defRPr sz="900"/>
             </a:lvl5pPr>
-            <a:lvl6pPr marL="2743200" lvl="5" indent="-228600" algn="l">
+            <a:lvl6pPr indent="-228600" lvl="5" marL="2743200" algn="l">
               <a:lnSpc>
                 <a:spcPct val="90000"/>
               </a:lnSpc>
@@ -9057,7 +8821,7 @@
               <a:buNone/>
               <a:defRPr sz="900"/>
             </a:lvl6pPr>
-            <a:lvl7pPr marL="3200400" lvl="6" indent="-228600" algn="l">
+            <a:lvl7pPr indent="-228600" lvl="6" marL="3200400" algn="l">
               <a:lnSpc>
                 <a:spcPct val="90000"/>
               </a:lnSpc>
@@ -9071,7 +8835,7 @@
               <a:buNone/>
               <a:defRPr sz="900"/>
             </a:lvl7pPr>
-            <a:lvl8pPr marL="3657600" lvl="7" indent="-228600" algn="l">
+            <a:lvl8pPr indent="-228600" lvl="7" marL="3657600" algn="l">
               <a:lnSpc>
                 <a:spcPct val="90000"/>
               </a:lnSpc>
@@ -9085,7 +8849,7 @@
               <a:buNone/>
               <a:defRPr sz="900"/>
             </a:lvl8pPr>
-            <a:lvl9pPr marL="4114800" lvl="8" indent="-228600" algn="l">
+            <a:lvl9pPr indent="-228600" lvl="8" marL="4114800" algn="l">
               <a:lnSpc>
                 <a:spcPct val="90000"/>
               </a:lnSpc>
@@ -9100,19 +8864,15 @@
               <a:defRPr sz="900"/>
             </a:lvl9pPr>
           </a:lstStyle>
-          <a:p>
-            <a:endParaRPr/>
-          </a:p>
+          <a:p/>
         </p:txBody>
       </p:sp>
       <p:sp>
         <p:nvSpPr>
           <p:cNvPr id="66" name="Google Shape;66;p14"/>
-          <p:cNvSpPr txBox="1">
-            <a:spLocks noGrp="1"/>
-          </p:cNvSpPr>
+          <p:cNvSpPr txBox="1"/>
           <p:nvPr>
-            <p:ph type="dt" idx="10"/>
+            <p:ph idx="10" type="dt"/>
           </p:nvPr>
         </p:nvSpPr>
         <p:spPr>
@@ -9129,7 +8889,7 @@
           </a:ln>
         </p:spPr>
         <p:txBody>
-          <a:bodyPr spcFirstLastPara="1" wrap="square" lIns="91425" tIns="45700" rIns="91425" bIns="45700" anchor="ctr" anchorCtr="0">
+          <a:bodyPr anchorCtr="0" anchor="ctr" bIns="45700" lIns="91425" spcFirstLastPara="1" rIns="91425" wrap="square" tIns="45700">
             <a:noAutofit/>
           </a:bodyPr>
           <a:lstStyle>
@@ -9233,19 +8993,15 @@
               <a:defRPr/>
             </a:lvl9pPr>
           </a:lstStyle>
-          <a:p>
-            <a:endParaRPr/>
-          </a:p>
+          <a:p/>
         </p:txBody>
       </p:sp>
       <p:sp>
         <p:nvSpPr>
           <p:cNvPr id="67" name="Google Shape;67;p14"/>
-          <p:cNvSpPr txBox="1">
-            <a:spLocks noGrp="1"/>
-          </p:cNvSpPr>
+          <p:cNvSpPr txBox="1"/>
           <p:nvPr>
-            <p:ph type="ftr" idx="11"/>
+            <p:ph idx="11" type="ftr"/>
           </p:nvPr>
         </p:nvSpPr>
         <p:spPr>
@@ -9262,7 +9018,7 @@
           </a:ln>
         </p:spPr>
         <p:txBody>
-          <a:bodyPr spcFirstLastPara="1" wrap="square" lIns="91425" tIns="45700" rIns="91425" bIns="45700" anchor="ctr" anchorCtr="0">
+          <a:bodyPr anchorCtr="0" anchor="ctr" bIns="45700" lIns="91425" spcFirstLastPara="1" rIns="91425" wrap="square" tIns="45700">
             <a:noAutofit/>
           </a:bodyPr>
           <a:lstStyle>
@@ -9370,19 +9126,15 @@
               <a:defRPr/>
             </a:lvl9pPr>
           </a:lstStyle>
-          <a:p>
-            <a:endParaRPr/>
-          </a:p>
+          <a:p/>
         </p:txBody>
       </p:sp>
       <p:sp>
         <p:nvSpPr>
           <p:cNvPr id="68" name="Google Shape;68;p14"/>
-          <p:cNvSpPr txBox="1">
-            <a:spLocks noGrp="1"/>
-          </p:cNvSpPr>
+          <p:cNvSpPr txBox="1"/>
           <p:nvPr>
-            <p:ph type="sldNum" idx="12"/>
+            <p:ph idx="12" type="sldNum"/>
           </p:nvPr>
         </p:nvSpPr>
         <p:spPr>
@@ -9399,16 +9151,16 @@
           </a:ln>
         </p:spPr>
         <p:txBody>
-          <a:bodyPr spcFirstLastPara="1" wrap="square" lIns="91425" tIns="45700" rIns="91425" bIns="45700" anchor="ctr" anchorCtr="0">
+          <a:bodyPr anchorCtr="0" anchor="ctr" bIns="45700" lIns="91425" spcFirstLastPara="1" rIns="91425" wrap="square" tIns="45700">
             <a:noAutofit/>
           </a:bodyPr>
           <a:lstStyle>
-            <a:lvl1pPr marL="0" lvl="0" indent="0" algn="l">
-              <a:spcBef>
-                <a:spcPts val="0"/>
-              </a:spcBef>
-              <a:buNone/>
-              <a:defRPr sz="800" b="0" i="0" u="none" strike="noStrike" cap="none">
+            <a:lvl1pPr indent="0" lvl="0" marL="0" algn="l">
+              <a:spcBef>
+                <a:spcPts val="0"/>
+              </a:spcBef>
+              <a:buNone/>
+              <a:defRPr b="0" i="0" sz="800" u="none" cap="none" strike="noStrike">
                 <a:solidFill>
                   <a:schemeClr val="dk2"/>
                 </a:solidFill>
@@ -9418,12 +9170,12 @@
                 <a:sym typeface="Libre Franklin"/>
               </a:defRPr>
             </a:lvl1pPr>
-            <a:lvl2pPr marL="0" lvl="1" indent="0" algn="l">
-              <a:spcBef>
-                <a:spcPts val="0"/>
-              </a:spcBef>
-              <a:buNone/>
-              <a:defRPr sz="800" b="0" i="0" u="none" strike="noStrike" cap="none">
+            <a:lvl2pPr indent="0" lvl="1" marL="0" algn="l">
+              <a:spcBef>
+                <a:spcPts val="0"/>
+              </a:spcBef>
+              <a:buNone/>
+              <a:defRPr b="0" i="0" sz="800" u="none" cap="none" strike="noStrike">
                 <a:solidFill>
                   <a:schemeClr val="dk2"/>
                 </a:solidFill>
@@ -9433,12 +9185,12 @@
                 <a:sym typeface="Libre Franklin"/>
               </a:defRPr>
             </a:lvl2pPr>
-            <a:lvl3pPr marL="0" lvl="2" indent="0" algn="l">
-              <a:spcBef>
-                <a:spcPts val="0"/>
-              </a:spcBef>
-              <a:buNone/>
-              <a:defRPr sz="800" b="0" i="0" u="none" strike="noStrike" cap="none">
+            <a:lvl3pPr indent="0" lvl="2" marL="0" algn="l">
+              <a:spcBef>
+                <a:spcPts val="0"/>
+              </a:spcBef>
+              <a:buNone/>
+              <a:defRPr b="0" i="0" sz="800" u="none" cap="none" strike="noStrike">
                 <a:solidFill>
                   <a:schemeClr val="dk2"/>
                 </a:solidFill>
@@ -9448,12 +9200,12 @@
                 <a:sym typeface="Libre Franklin"/>
               </a:defRPr>
             </a:lvl3pPr>
-            <a:lvl4pPr marL="0" lvl="3" indent="0" algn="l">
-              <a:spcBef>
-                <a:spcPts val="0"/>
-              </a:spcBef>
-              <a:buNone/>
-              <a:defRPr sz="800" b="0" i="0" u="none" strike="noStrike" cap="none">
+            <a:lvl4pPr indent="0" lvl="3" marL="0" algn="l">
+              <a:spcBef>
+                <a:spcPts val="0"/>
+              </a:spcBef>
+              <a:buNone/>
+              <a:defRPr b="0" i="0" sz="800" u="none" cap="none" strike="noStrike">
                 <a:solidFill>
                   <a:schemeClr val="dk2"/>
                 </a:solidFill>
@@ -9463,12 +9215,12 @@
                 <a:sym typeface="Libre Franklin"/>
               </a:defRPr>
             </a:lvl4pPr>
-            <a:lvl5pPr marL="0" lvl="4" indent="0" algn="l">
-              <a:spcBef>
-                <a:spcPts val="0"/>
-              </a:spcBef>
-              <a:buNone/>
-              <a:defRPr sz="800" b="0" i="0" u="none" strike="noStrike" cap="none">
+            <a:lvl5pPr indent="0" lvl="4" marL="0" algn="l">
+              <a:spcBef>
+                <a:spcPts val="0"/>
+              </a:spcBef>
+              <a:buNone/>
+              <a:defRPr b="0" i="0" sz="800" u="none" cap="none" strike="noStrike">
                 <a:solidFill>
                   <a:schemeClr val="dk2"/>
                 </a:solidFill>
@@ -9478,12 +9230,12 @@
                 <a:sym typeface="Libre Franklin"/>
               </a:defRPr>
             </a:lvl5pPr>
-            <a:lvl6pPr marL="0" lvl="5" indent="0" algn="l">
-              <a:spcBef>
-                <a:spcPts val="0"/>
-              </a:spcBef>
-              <a:buNone/>
-              <a:defRPr sz="800" b="0" i="0" u="none" strike="noStrike" cap="none">
+            <a:lvl6pPr indent="0" lvl="5" marL="0" algn="l">
+              <a:spcBef>
+                <a:spcPts val="0"/>
+              </a:spcBef>
+              <a:buNone/>
+              <a:defRPr b="0" i="0" sz="800" u="none" cap="none" strike="noStrike">
                 <a:solidFill>
                   <a:schemeClr val="dk2"/>
                 </a:solidFill>
@@ -9493,12 +9245,12 @@
                 <a:sym typeface="Libre Franklin"/>
               </a:defRPr>
             </a:lvl6pPr>
-            <a:lvl7pPr marL="0" lvl="6" indent="0" algn="l">
-              <a:spcBef>
-                <a:spcPts val="0"/>
-              </a:spcBef>
-              <a:buNone/>
-              <a:defRPr sz="800" b="0" i="0" u="none" strike="noStrike" cap="none">
+            <a:lvl7pPr indent="0" lvl="6" marL="0" algn="l">
+              <a:spcBef>
+                <a:spcPts val="0"/>
+              </a:spcBef>
+              <a:buNone/>
+              <a:defRPr b="0" i="0" sz="800" u="none" cap="none" strike="noStrike">
                 <a:solidFill>
                   <a:schemeClr val="dk2"/>
                 </a:solidFill>
@@ -9508,12 +9260,12 @@
                 <a:sym typeface="Libre Franklin"/>
               </a:defRPr>
             </a:lvl7pPr>
-            <a:lvl8pPr marL="0" lvl="7" indent="0" algn="l">
-              <a:spcBef>
-                <a:spcPts val="0"/>
-              </a:spcBef>
-              <a:buNone/>
-              <a:defRPr sz="800" b="0" i="0" u="none" strike="noStrike" cap="none">
+            <a:lvl8pPr indent="0" lvl="7" marL="0" algn="l">
+              <a:spcBef>
+                <a:spcPts val="0"/>
+              </a:spcBef>
+              <a:buNone/>
+              <a:defRPr b="0" i="0" sz="800" u="none" cap="none" strike="noStrike">
                 <a:solidFill>
                   <a:schemeClr val="dk2"/>
                 </a:solidFill>
@@ -9523,12 +9275,12 @@
                 <a:sym typeface="Libre Franklin"/>
               </a:defRPr>
             </a:lvl8pPr>
-            <a:lvl9pPr marL="0" lvl="8" indent="0" algn="l">
-              <a:spcBef>
-                <a:spcPts val="0"/>
-              </a:spcBef>
-              <a:buNone/>
-              <a:defRPr sz="800" b="0" i="0" u="none" strike="noStrike" cap="none">
+            <a:lvl9pPr indent="0" lvl="8" marL="0" algn="l">
+              <a:spcBef>
+                <a:spcPts val="0"/>
+              </a:spcBef>
+              <a:buNone/>
+              <a:defRPr b="0" i="0" sz="800" u="none" cap="none" strike="noStrike">
                 <a:solidFill>
                   <a:schemeClr val="dk2"/>
                 </a:solidFill>
@@ -9540,7 +9292,7 @@
             </a:lvl9pPr>
           </a:lstStyle>
           <a:p>
-            <a:pPr marL="0" lvl="0" indent="0" algn="l" rtl="0">
+            <a:pPr indent="0" lvl="0" marL="0" rtl="0" algn="l">
               <a:spcBef>
                 <a:spcPts val="0"/>
               </a:spcBef>
@@ -9566,11 +9318,11 @@
 </file>
 
 <file path=ppt/slideLayouts/slideLayout9.xml><?xml version="1.0" encoding="utf-8"?>
-<p:sldLayout xmlns:a="http://schemas.openxmlformats.org/drawingml/2006/main" xmlns:r="http://schemas.openxmlformats.org/officeDocument/2006/relationships" xmlns:p="http://schemas.openxmlformats.org/presentationml/2006/main" showMasterSp="0" matchingName="Picture with Caption" type="picTx">
+<p:sldLayout xmlns:a="http://schemas.openxmlformats.org/drawingml/2006/main" xmlns:r="http://schemas.openxmlformats.org/officeDocument/2006/relationships" xmlns:mc="http://schemas.openxmlformats.org/markup-compatibility/2006" xmlns:mv="urn:schemas-microsoft-com:mac:vml" xmlns:p="http://schemas.openxmlformats.org/presentationml/2006/main" xmlns:c="http://schemas.openxmlformats.org/drawingml/2006/chart" xmlns:dgm="http://schemas.openxmlformats.org/drawingml/2006/diagram" xmlns:o="urn:schemas-microsoft-com:office:office" xmlns:v="urn:schemas-microsoft-com:vml" xmlns:pvml="urn:schemas-microsoft-com:office:powerpoint" xmlns:com="http://schemas.openxmlformats.org/drawingml/2006/compatibility" xmlns:p14="http://schemas.microsoft.com/office/powerpoint/2010/main" xmlns:p15="http://schemas.microsoft.com/office/powerpoint/2012/main" xmlns:ahyp="http://schemas.microsoft.com/office/drawing/2018/hyperlinkcolor" matchingName="Picture with Caption" showMasterSp="0" type="picTx">
   <p:cSld name="PICTURE_WITH_CAPTION_TEXT">
     <p:spTree>
       <p:nvGrpSpPr>
-        <p:cNvPr id="1" name="Shape 69"/>
+        <p:cNvPr id="69" name="Shape 69"/>
         <p:cNvGrpSpPr/>
         <p:nvPr/>
       </p:nvGrpSpPr>
@@ -9604,12 +9356,12 @@
           </a:ln>
         </p:spPr>
         <p:txBody>
-          <a:bodyPr spcFirstLastPara="1" wrap="square" lIns="91425" tIns="91425" rIns="91425" bIns="91425" anchor="ctr" anchorCtr="0">
+          <a:bodyPr anchorCtr="0" anchor="ctr" bIns="91425" lIns="91425" spcFirstLastPara="1" rIns="91425" wrap="square" tIns="91425">
             <a:noAutofit/>
           </a:bodyPr>
           <a:lstStyle/>
           <a:p>
-            <a:pPr marL="0" lvl="0" indent="0" algn="l" rtl="0">
+            <a:pPr indent="0" lvl="0" marL="0" rtl="0" algn="l">
               <a:spcBef>
                 <a:spcPts val="0"/>
               </a:spcBef>
@@ -9618,6 +9370,9 @@
               </a:spcAft>
               <a:buNone/>
             </a:pPr>
+            <a:r>
+              <a:t/>
+            </a:r>
             <a:endParaRPr/>
           </a:p>
         </p:txBody>
@@ -9625,11 +9380,9 @@
       <p:sp>
         <p:nvSpPr>
           <p:cNvPr id="71" name="Google Shape;71;p15"/>
-          <p:cNvSpPr>
-            <a:spLocks noGrp="1"/>
-          </p:cNvSpPr>
+          <p:cNvSpPr/>
           <p:nvPr>
-            <p:ph type="pic" idx="2"/>
+            <p:ph idx="2" type="pic"/>
           </p:nvPr>
         </p:nvSpPr>
         <p:spPr>
@@ -9648,11 +9401,11 @@
           </a:ln>
         </p:spPr>
         <p:txBody>
-          <a:bodyPr spcFirstLastPara="1" wrap="square" lIns="457200" tIns="457200" rIns="0" bIns="45700" anchor="t" anchorCtr="0">
+          <a:bodyPr anchorCtr="0" anchor="t" bIns="45700" lIns="457200" spcFirstLastPara="1" rIns="0" wrap="square" tIns="457200">
             <a:normAutofit/>
           </a:bodyPr>
           <a:lstStyle>
-            <a:lvl1pPr marR="0" lvl="0" algn="l" rtl="0">
+            <a:lvl1pPr lvl="0" marR="0" rtl="0" algn="l">
               <a:lnSpc>
                 <a:spcPct val="110000"/>
               </a:lnSpc>
@@ -9668,7 +9421,7 @@
               <a:buSzPts val="3200"/>
               <a:buFont typeface="Calibri"/>
               <a:buNone/>
-              <a:defRPr sz="3200" b="0" i="0" u="none" strike="noStrike" cap="none">
+              <a:defRPr b="0" i="0" sz="3200" u="none" cap="none" strike="noStrike">
                 <a:solidFill>
                   <a:srgbClr val="3F3F3F"/>
                 </a:solidFill>
@@ -9678,7 +9431,7 @@
                 <a:sym typeface="Libre Franklin"/>
               </a:defRPr>
             </a:lvl1pPr>
-            <a:lvl2pPr marR="0" lvl="1" algn="l" rtl="0">
+            <a:lvl2pPr lvl="1" marR="0" rtl="0" algn="l">
               <a:lnSpc>
                 <a:spcPct val="100000"/>
               </a:lnSpc>
@@ -9694,7 +9447,7 @@
               <a:buSzPts val="2800"/>
               <a:buFont typeface="Calibri"/>
               <a:buNone/>
-              <a:defRPr sz="2800" b="0" i="0" u="none" strike="noStrike" cap="none">
+              <a:defRPr b="0" i="0" sz="2800" u="none" cap="none" strike="noStrike">
                 <a:solidFill>
                   <a:srgbClr val="3F3F3F"/>
                 </a:solidFill>
@@ -9704,7 +9457,7 @@
                 <a:sym typeface="Libre Franklin"/>
               </a:defRPr>
             </a:lvl2pPr>
-            <a:lvl3pPr marR="0" lvl="2" algn="l" rtl="0">
+            <a:lvl3pPr lvl="2" marR="0" rtl="0" algn="l">
               <a:lnSpc>
                 <a:spcPct val="100000"/>
               </a:lnSpc>
@@ -9720,7 +9473,7 @@
               <a:buSzPts val="2400"/>
               <a:buFont typeface="Calibri"/>
               <a:buNone/>
-              <a:defRPr sz="2400" b="0" i="0" u="none" strike="noStrike" cap="none">
+              <a:defRPr b="0" i="0" sz="2400" u="none" cap="none" strike="noStrike">
                 <a:solidFill>
                   <a:srgbClr val="3F3F3F"/>
                 </a:solidFill>
@@ -9730,7 +9483,7 @@
                 <a:sym typeface="Libre Franklin"/>
               </a:defRPr>
             </a:lvl3pPr>
-            <a:lvl4pPr marR="0" lvl="3" algn="l" rtl="0">
+            <a:lvl4pPr lvl="3" marR="0" rtl="0" algn="l">
               <a:lnSpc>
                 <a:spcPct val="100000"/>
               </a:lnSpc>
@@ -9746,7 +9499,7 @@
               <a:buSzPts val="2000"/>
               <a:buFont typeface="Calibri"/>
               <a:buNone/>
-              <a:defRPr sz="2000" b="0" i="0" u="none" strike="noStrike" cap="none">
+              <a:defRPr b="0" i="0" sz="2000" u="none" cap="none" strike="noStrike">
                 <a:solidFill>
                   <a:srgbClr val="3F3F3F"/>
                 </a:solidFill>
@@ -9756,7 +9509,7 @@
                 <a:sym typeface="Libre Franklin"/>
               </a:defRPr>
             </a:lvl4pPr>
-            <a:lvl5pPr marR="0" lvl="4" algn="l" rtl="0">
+            <a:lvl5pPr lvl="4" marR="0" rtl="0" algn="l">
               <a:lnSpc>
                 <a:spcPct val="100000"/>
               </a:lnSpc>
@@ -9772,7 +9525,7 @@
               <a:buSzPts val="2000"/>
               <a:buFont typeface="Calibri"/>
               <a:buNone/>
-              <a:defRPr sz="2000" b="0" i="0" u="none" strike="noStrike" cap="none">
+              <a:defRPr b="0" i="0" sz="2000" u="none" cap="none" strike="noStrike">
                 <a:solidFill>
                   <a:srgbClr val="3F3F3F"/>
                 </a:solidFill>
@@ -9782,7 +9535,7 @@
                 <a:sym typeface="Libre Franklin"/>
               </a:defRPr>
             </a:lvl5pPr>
-            <a:lvl6pPr marR="0" lvl="5" algn="l" rtl="0">
+            <a:lvl6pPr lvl="5" marR="0" rtl="0" algn="l">
               <a:lnSpc>
                 <a:spcPct val="90000"/>
               </a:lnSpc>
@@ -9798,7 +9551,7 @@
               <a:buSzPts val="2000"/>
               <a:buFont typeface="Calibri"/>
               <a:buNone/>
-              <a:defRPr sz="2000" b="0" i="0" u="none" strike="noStrike" cap="none">
+              <a:defRPr b="0" i="0" sz="2000" u="none" cap="none" strike="noStrike">
                 <a:solidFill>
                   <a:srgbClr val="3F3F3F"/>
                 </a:solidFill>
@@ -9808,7 +9561,7 @@
                 <a:sym typeface="Libre Franklin"/>
               </a:defRPr>
             </a:lvl6pPr>
-            <a:lvl7pPr marR="0" lvl="6" algn="l" rtl="0">
+            <a:lvl7pPr lvl="6" marR="0" rtl="0" algn="l">
               <a:lnSpc>
                 <a:spcPct val="90000"/>
               </a:lnSpc>
@@ -9824,7 +9577,7 @@
               <a:buSzPts val="2000"/>
               <a:buFont typeface="Calibri"/>
               <a:buNone/>
-              <a:defRPr sz="2000" b="0" i="0" u="none" strike="noStrike" cap="none">
+              <a:defRPr b="0" i="0" sz="2000" u="none" cap="none" strike="noStrike">
                 <a:solidFill>
                   <a:srgbClr val="3F3F3F"/>
                 </a:solidFill>
@@ -9834,7 +9587,7 @@
                 <a:sym typeface="Libre Franklin"/>
               </a:defRPr>
             </a:lvl7pPr>
-            <a:lvl8pPr marR="0" lvl="7" algn="l" rtl="0">
+            <a:lvl8pPr lvl="7" marR="0" rtl="0" algn="l">
               <a:lnSpc>
                 <a:spcPct val="90000"/>
               </a:lnSpc>
@@ -9850,7 +9603,7 @@
               <a:buSzPts val="2000"/>
               <a:buFont typeface="Calibri"/>
               <a:buNone/>
-              <a:defRPr sz="2000" b="0" i="0" u="none" strike="noStrike" cap="none">
+              <a:defRPr b="0" i="0" sz="2000" u="none" cap="none" strike="noStrike">
                 <a:solidFill>
                   <a:srgbClr val="3F3F3F"/>
                 </a:solidFill>
@@ -9860,7 +9613,7 @@
                 <a:sym typeface="Libre Franklin"/>
               </a:defRPr>
             </a:lvl8pPr>
-            <a:lvl9pPr marR="0" lvl="8" algn="l" rtl="0">
+            <a:lvl9pPr lvl="8" marR="0" rtl="0" algn="l">
               <a:lnSpc>
                 <a:spcPct val="90000"/>
               </a:lnSpc>
@@ -9876,7 +9629,7 @@
               <a:buSzPts val="2000"/>
               <a:buFont typeface="Calibri"/>
               <a:buNone/>
-              <a:defRPr sz="2000" b="0" i="0" u="none" strike="noStrike" cap="none">
+              <a:defRPr b="0" i="0" sz="2000" u="none" cap="none" strike="noStrike">
                 <a:solidFill>
                   <a:srgbClr val="3F3F3F"/>
                 </a:solidFill>
@@ -9887,17 +9640,13 @@
               </a:defRPr>
             </a:lvl9pPr>
           </a:lstStyle>
-          <a:p>
-            <a:endParaRPr/>
-          </a:p>
+          <a:p/>
         </p:txBody>
       </p:sp>
       <p:sp>
         <p:nvSpPr>
           <p:cNvPr id="72" name="Google Shape;72;p15"/>
-          <p:cNvSpPr txBox="1">
-            <a:spLocks noGrp="1"/>
-          </p:cNvSpPr>
+          <p:cNvSpPr txBox="1"/>
           <p:nvPr>
             <p:ph type="title"/>
           </p:nvPr>
@@ -9916,7 +9665,7 @@
           </a:ln>
         </p:spPr>
         <p:txBody>
-          <a:bodyPr spcFirstLastPara="1" wrap="square" lIns="91425" tIns="0" rIns="91425" bIns="0" anchor="b" anchorCtr="0">
+          <a:bodyPr anchorCtr="0" anchor="b" bIns="0" lIns="91425" spcFirstLastPara="1" rIns="91425" wrap="square" tIns="0">
             <a:noAutofit/>
           </a:bodyPr>
           <a:lstStyle>
@@ -9936,7 +9685,7 @@
               <a:buSzPts val="3600"/>
               <a:buFont typeface="Bookman Old Style"/>
               <a:buNone/>
-              <a:defRPr sz="3600" b="0">
+              <a:defRPr b="0" sz="3600">
                 <a:solidFill>
                   <a:srgbClr val="FFFFFF"/>
                 </a:solidFill>
@@ -10031,19 +9780,15 @@
               <a:defRPr/>
             </a:lvl9pPr>
           </a:lstStyle>
-          <a:p>
-            <a:endParaRPr/>
-          </a:p>
+          <a:p/>
         </p:txBody>
       </p:sp>
       <p:sp>
         <p:nvSpPr>
           <p:cNvPr id="73" name="Google Shape;73;p15"/>
-          <p:cNvSpPr txBox="1">
-            <a:spLocks noGrp="1"/>
-          </p:cNvSpPr>
+          <p:cNvSpPr txBox="1"/>
           <p:nvPr>
-            <p:ph type="body" idx="1"/>
+            <p:ph idx="1" type="body"/>
           </p:nvPr>
         </p:nvSpPr>
         <p:spPr>
@@ -10060,11 +9805,11 @@
           </a:ln>
         </p:spPr>
         <p:txBody>
-          <a:bodyPr spcFirstLastPara="1" wrap="square" lIns="91425" tIns="0" rIns="91425" bIns="0" anchor="t" anchorCtr="0">
+          <a:bodyPr anchorCtr="0" anchor="t" bIns="0" lIns="91425" spcFirstLastPara="1" rIns="91425" wrap="square" tIns="0">
             <a:normAutofit/>
           </a:bodyPr>
           <a:lstStyle>
-            <a:lvl1pPr marL="457200" lvl="0" indent="-228600" algn="l">
+            <a:lvl1pPr indent="-228600" lvl="0" marL="457200" algn="l">
               <a:lnSpc>
                 <a:spcPct val="110000"/>
               </a:lnSpc>
@@ -10082,7 +9827,7 @@
                 </a:solidFill>
               </a:defRPr>
             </a:lvl1pPr>
-            <a:lvl2pPr marL="914400" lvl="1" indent="-228600" algn="l">
+            <a:lvl2pPr indent="-228600" lvl="1" marL="914400" algn="l">
               <a:lnSpc>
                 <a:spcPct val="100000"/>
               </a:lnSpc>
@@ -10099,7 +9844,7 @@
               <a:buNone/>
               <a:defRPr sz="1200"/>
             </a:lvl2pPr>
-            <a:lvl3pPr marL="1371600" lvl="2" indent="-228600" algn="l">
+            <a:lvl3pPr indent="-228600" lvl="2" marL="1371600" algn="l">
               <a:lnSpc>
                 <a:spcPct val="100000"/>
               </a:lnSpc>
@@ -10116,7 +9861,7 @@
               <a:buNone/>
               <a:defRPr sz="1000"/>
             </a:lvl3pPr>
-            <a:lvl4pPr marL="1828800" lvl="3" indent="-228600" algn="l">
+            <a:lvl4pPr indent="-228600" lvl="3" marL="1828800" algn="l">
               <a:lnSpc>
                 <a:spcPct val="100000"/>
               </a:lnSpc>
@@ -10133,7 +9878,7 @@
               <a:buNone/>
               <a:defRPr sz="900"/>
             </a:lvl4pPr>
-            <a:lvl5pPr marL="2286000" lvl="4" indent="-228600" algn="l">
+            <a:lvl5pPr indent="-228600" lvl="4" marL="2286000" algn="l">
               <a:lnSpc>
                 <a:spcPct val="100000"/>
               </a:lnSpc>
@@ -10150,7 +9895,7 @@
               <a:buNone/>
               <a:defRPr sz="900"/>
             </a:lvl5pPr>
-            <a:lvl6pPr marL="2743200" lvl="5" indent="-228600" algn="l">
+            <a:lvl6pPr indent="-228600" lvl="5" marL="2743200" algn="l">
               <a:lnSpc>
                 <a:spcPct val="90000"/>
               </a:lnSpc>
@@ -10164,7 +9909,7 @@
               <a:buNone/>
               <a:defRPr sz="900"/>
             </a:lvl6pPr>
-            <a:lvl7pPr marL="3200400" lvl="6" indent="-228600" algn="l">
+            <a:lvl7pPr indent="-228600" lvl="6" marL="3200400" algn="l">
               <a:lnSpc>
                 <a:spcPct val="90000"/>
               </a:lnSpc>
@@ -10178,7 +9923,7 @@
               <a:buNone/>
               <a:defRPr sz="900"/>
             </a:lvl7pPr>
-            <a:lvl8pPr marL="3657600" lvl="7" indent="-228600" algn="l">
+            <a:lvl8pPr indent="-228600" lvl="7" marL="3657600" algn="l">
               <a:lnSpc>
                 <a:spcPct val="90000"/>
               </a:lnSpc>
@@ -10192,7 +9937,7 @@
               <a:buNone/>
               <a:defRPr sz="900"/>
             </a:lvl8pPr>
-            <a:lvl9pPr marL="4114800" lvl="8" indent="-228600" algn="l">
+            <a:lvl9pPr indent="-228600" lvl="8" marL="4114800" algn="l">
               <a:lnSpc>
                 <a:spcPct val="90000"/>
               </a:lnSpc>
@@ -10207,19 +9952,15 @@
               <a:defRPr sz="900"/>
             </a:lvl9pPr>
           </a:lstStyle>
-          <a:p>
-            <a:endParaRPr/>
-          </a:p>
+          <a:p/>
         </p:txBody>
       </p:sp>
       <p:sp>
         <p:nvSpPr>
           <p:cNvPr id="74" name="Google Shape;74;p15"/>
-          <p:cNvSpPr txBox="1">
-            <a:spLocks noGrp="1"/>
-          </p:cNvSpPr>
+          <p:cNvSpPr txBox="1"/>
           <p:nvPr>
-            <p:ph type="dt" idx="10"/>
+            <p:ph idx="10" type="dt"/>
           </p:nvPr>
         </p:nvSpPr>
         <p:spPr>
@@ -10236,7 +9977,7 @@
           </a:ln>
         </p:spPr>
         <p:txBody>
-          <a:bodyPr spcFirstLastPara="1" wrap="square" lIns="91425" tIns="45700" rIns="91425" bIns="45700" anchor="ctr" anchorCtr="0">
+          <a:bodyPr anchorCtr="0" anchor="ctr" bIns="45700" lIns="91425" spcFirstLastPara="1" rIns="91425" wrap="square" tIns="45700">
             <a:noAutofit/>
           </a:bodyPr>
           <a:lstStyle>
@@ -10340,19 +10081,15 @@
               <a:defRPr/>
             </a:lvl9pPr>
           </a:lstStyle>
-          <a:p>
-            <a:endParaRPr/>
-          </a:p>
+          <a:p/>
         </p:txBody>
       </p:sp>
       <p:sp>
         <p:nvSpPr>
           <p:cNvPr id="75" name="Google Shape;75;p15"/>
-          <p:cNvSpPr txBox="1">
-            <a:spLocks noGrp="1"/>
-          </p:cNvSpPr>
+          <p:cNvSpPr txBox="1"/>
           <p:nvPr>
-            <p:ph type="ftr" idx="11"/>
+            <p:ph idx="11" type="ftr"/>
           </p:nvPr>
         </p:nvSpPr>
         <p:spPr>
@@ -10369,7 +10106,7 @@
           </a:ln>
         </p:spPr>
         <p:txBody>
-          <a:bodyPr spcFirstLastPara="1" wrap="square" lIns="91425" tIns="45700" rIns="91425" bIns="45700" anchor="ctr" anchorCtr="0">
+          <a:bodyPr anchorCtr="0" anchor="ctr" bIns="45700" lIns="91425" spcFirstLastPara="1" rIns="91425" wrap="square" tIns="45700">
             <a:noAutofit/>
           </a:bodyPr>
           <a:lstStyle>
@@ -10473,19 +10210,15 @@
               <a:defRPr/>
             </a:lvl9pPr>
           </a:lstStyle>
-          <a:p>
-            <a:endParaRPr/>
-          </a:p>
+          <a:p/>
         </p:txBody>
       </p:sp>
       <p:sp>
         <p:nvSpPr>
           <p:cNvPr id="76" name="Google Shape;76;p15"/>
-          <p:cNvSpPr txBox="1">
-            <a:spLocks noGrp="1"/>
-          </p:cNvSpPr>
+          <p:cNvSpPr txBox="1"/>
           <p:nvPr>
-            <p:ph type="sldNum" idx="12"/>
+            <p:ph idx="12" type="sldNum"/>
           </p:nvPr>
         </p:nvSpPr>
         <p:spPr>
@@ -10502,67 +10235,67 @@
           </a:ln>
         </p:spPr>
         <p:txBody>
-          <a:bodyPr spcFirstLastPara="1" wrap="square" lIns="91425" tIns="45700" rIns="91425" bIns="45700" anchor="ctr" anchorCtr="0">
+          <a:bodyPr anchorCtr="0" anchor="ctr" bIns="45700" lIns="91425" spcFirstLastPara="1" rIns="91425" wrap="square" tIns="45700">
             <a:noAutofit/>
           </a:bodyPr>
           <a:lstStyle>
-            <a:lvl1pPr marL="0" lvl="0" indent="0" algn="l">
+            <a:lvl1pPr indent="0" lvl="0" marL="0" algn="l">
               <a:spcBef>
                 <a:spcPts val="0"/>
               </a:spcBef>
               <a:buNone/>
               <a:defRPr/>
             </a:lvl1pPr>
-            <a:lvl2pPr marL="0" lvl="1" indent="0" algn="l">
+            <a:lvl2pPr indent="0" lvl="1" marL="0" algn="l">
               <a:spcBef>
                 <a:spcPts val="0"/>
               </a:spcBef>
               <a:buNone/>
               <a:defRPr/>
             </a:lvl2pPr>
-            <a:lvl3pPr marL="0" lvl="2" indent="0" algn="l">
+            <a:lvl3pPr indent="0" lvl="2" marL="0" algn="l">
               <a:spcBef>
                 <a:spcPts val="0"/>
               </a:spcBef>
               <a:buNone/>
               <a:defRPr/>
             </a:lvl3pPr>
-            <a:lvl4pPr marL="0" lvl="3" indent="0" algn="l">
+            <a:lvl4pPr indent="0" lvl="3" marL="0" algn="l">
               <a:spcBef>
                 <a:spcPts val="0"/>
               </a:spcBef>
               <a:buNone/>
               <a:defRPr/>
             </a:lvl4pPr>
-            <a:lvl5pPr marL="0" lvl="4" indent="0" algn="l">
+            <a:lvl5pPr indent="0" lvl="4" marL="0" algn="l">
               <a:spcBef>
                 <a:spcPts val="0"/>
               </a:spcBef>
               <a:buNone/>
               <a:defRPr/>
             </a:lvl5pPr>
-            <a:lvl6pPr marL="0" lvl="5" indent="0" algn="l">
+            <a:lvl6pPr indent="0" lvl="5" marL="0" algn="l">
               <a:spcBef>
                 <a:spcPts val="0"/>
               </a:spcBef>
               <a:buNone/>
               <a:defRPr/>
             </a:lvl6pPr>
-            <a:lvl7pPr marL="0" lvl="6" indent="0" algn="l">
+            <a:lvl7pPr indent="0" lvl="6" marL="0" algn="l">
               <a:spcBef>
                 <a:spcPts val="0"/>
               </a:spcBef>
               <a:buNone/>
               <a:defRPr/>
             </a:lvl7pPr>
-            <a:lvl8pPr marL="0" lvl="7" indent="0" algn="l">
+            <a:lvl8pPr indent="0" lvl="7" marL="0" algn="l">
               <a:spcBef>
                 <a:spcPts val="0"/>
               </a:spcBef>
               <a:buNone/>
               <a:defRPr/>
             </a:lvl8pPr>
-            <a:lvl9pPr marL="0" lvl="8" indent="0" algn="l">
+            <a:lvl9pPr indent="0" lvl="8" marL="0" algn="l">
               <a:spcBef>
                 <a:spcPts val="0"/>
               </a:spcBef>
@@ -10571,7 +10304,7 @@
             </a:lvl9pPr>
           </a:lstStyle>
           <a:p>
-            <a:pPr marL="0" lvl="0" indent="0" algn="l" rtl="0">
+            <a:pPr indent="0" lvl="0" marL="0" rtl="0" algn="l">
               <a:spcBef>
                 <a:spcPts val="0"/>
               </a:spcBef>
@@ -10597,19 +10330,18 @@
 </file>
 
 <file path=ppt/slideMasters/slideMaster1.xml><?xml version="1.0" encoding="utf-8"?>
-<p:sldMaster xmlns:a="http://schemas.openxmlformats.org/drawingml/2006/main" xmlns:r="http://schemas.openxmlformats.org/officeDocument/2006/relationships" xmlns:p="http://schemas.openxmlformats.org/presentationml/2006/main">
+<p:sldMaster xmlns:a="http://schemas.openxmlformats.org/drawingml/2006/main" xmlns:r="http://schemas.openxmlformats.org/officeDocument/2006/relationships" xmlns:mc="http://schemas.openxmlformats.org/markup-compatibility/2006" xmlns:mv="urn:schemas-microsoft-com:mac:vml" xmlns:p="http://schemas.openxmlformats.org/presentationml/2006/main" xmlns:c="http://schemas.openxmlformats.org/drawingml/2006/chart" xmlns:dgm="http://schemas.openxmlformats.org/drawingml/2006/diagram" xmlns:o="urn:schemas-microsoft-com:office:office" xmlns:v="urn:schemas-microsoft-com:vml" xmlns:pvml="urn:schemas-microsoft-com:office:powerpoint" xmlns:com="http://schemas.openxmlformats.org/drawingml/2006/compatibility" xmlns:p14="http://schemas.microsoft.com/office/powerpoint/2010/main" xmlns:p15="http://schemas.microsoft.com/office/powerpoint/2012/main" xmlns:ahyp="http://schemas.microsoft.com/office/drawing/2018/hyperlinkcolor">
   <p:cSld>
     <p:bg>
       <p:bgPr>
         <a:solidFill>
           <a:schemeClr val="lt1"/>
         </a:solidFill>
-        <a:effectLst/>
       </p:bgPr>
     </p:bg>
     <p:spTree>
       <p:nvGrpSpPr>
-        <p:cNvPr id="1" name="Shape 5"/>
+        <p:cNvPr id="5" name="Shape 5"/>
         <p:cNvGrpSpPr/>
         <p:nvPr/>
       </p:nvGrpSpPr>
@@ -10643,12 +10375,12 @@
           </a:ln>
         </p:spPr>
         <p:txBody>
-          <a:bodyPr spcFirstLastPara="1" wrap="square" lIns="91425" tIns="91425" rIns="91425" bIns="91425" anchor="ctr" anchorCtr="0">
+          <a:bodyPr anchorCtr="0" anchor="ctr" bIns="91425" lIns="91425" spcFirstLastPara="1" rIns="91425" wrap="square" tIns="91425">
             <a:noAutofit/>
           </a:bodyPr>
           <a:lstStyle/>
           <a:p>
-            <a:pPr marL="0" lvl="0" indent="0" algn="l" rtl="0">
+            <a:pPr indent="0" lvl="0" marL="0" rtl="0" algn="l">
               <a:spcBef>
                 <a:spcPts val="0"/>
               </a:spcBef>
@@ -10657,6 +10389,9 @@
               </a:spcAft>
               <a:buNone/>
             </a:pPr>
+            <a:r>
+              <a:t/>
+            </a:r>
             <a:endParaRPr/>
           </a:p>
         </p:txBody>
@@ -10664,9 +10399,7 @@
       <p:sp>
         <p:nvSpPr>
           <p:cNvPr id="7" name="Google Shape;7;p6"/>
-          <p:cNvSpPr txBox="1">
-            <a:spLocks noGrp="1"/>
-          </p:cNvSpPr>
+          <p:cNvSpPr txBox="1"/>
           <p:nvPr>
             <p:ph type="title"/>
           </p:nvPr>
@@ -10685,11 +10418,11 @@
           </a:ln>
         </p:spPr>
         <p:txBody>
-          <a:bodyPr spcFirstLastPara="1" wrap="square" lIns="91425" tIns="45700" rIns="91425" bIns="45700" anchor="b" anchorCtr="0">
+          <a:bodyPr anchorCtr="0" anchor="b" bIns="45700" lIns="91425" spcFirstLastPara="1" rIns="91425" wrap="square" tIns="45700">
             <a:normAutofit/>
           </a:bodyPr>
           <a:lstStyle>
-            <a:lvl1pPr marR="0" lvl="0" algn="l" rtl="0">
+            <a:lvl1pPr lvl="0" marR="0" rtl="0" algn="l">
               <a:lnSpc>
                 <a:spcPct val="90000"/>
               </a:lnSpc>
@@ -10705,7 +10438,7 @@
               <a:buSzPts val="4700"/>
               <a:buFont typeface="Bookman Old Style"/>
               <a:buNone/>
-              <a:defRPr sz="4700" b="0" i="0" u="none" strike="noStrike" cap="none">
+              <a:defRPr b="0" i="0" sz="4700" u="none" cap="none" strike="noStrike">
                 <a:solidFill>
                   <a:srgbClr val="3F3F3F"/>
                 </a:solidFill>
@@ -10804,19 +10537,15 @@
               <a:defRPr sz="1800"/>
             </a:lvl9pPr>
           </a:lstStyle>
-          <a:p>
-            <a:endParaRPr/>
-          </a:p>
+          <a:p/>
         </p:txBody>
       </p:sp>
       <p:sp>
         <p:nvSpPr>
           <p:cNvPr id="8" name="Google Shape;8;p6"/>
-          <p:cNvSpPr txBox="1">
-            <a:spLocks noGrp="1"/>
-          </p:cNvSpPr>
+          <p:cNvSpPr txBox="1"/>
           <p:nvPr>
-            <p:ph type="body" idx="1"/>
+            <p:ph idx="1" type="body"/>
           </p:nvPr>
         </p:nvSpPr>
         <p:spPr>
@@ -10833,11 +10562,11 @@
           </a:ln>
         </p:spPr>
         <p:txBody>
-          <a:bodyPr spcFirstLastPara="1" wrap="square" lIns="0" tIns="45700" rIns="0" bIns="45700" anchor="t" anchorCtr="0">
+          <a:bodyPr anchorCtr="0" anchor="t" bIns="45700" lIns="0" spcFirstLastPara="1" rIns="0" wrap="square" tIns="45700">
             <a:normAutofit/>
           </a:bodyPr>
           <a:lstStyle>
-            <a:lvl1pPr marL="457200" marR="0" lvl="0" indent="-349250" algn="l" rtl="0">
+            <a:lvl1pPr indent="-349250" lvl="0" marL="457200" marR="0" rtl="0" algn="l">
               <a:lnSpc>
                 <a:spcPct val="110000"/>
               </a:lnSpc>
@@ -10853,7 +10582,7 @@
               <a:buSzPts val="1900"/>
               <a:buFont typeface="Calibri"/>
               <a:buChar char=" "/>
-              <a:defRPr sz="1900" b="0" i="0" u="none" strike="noStrike" cap="none">
+              <a:defRPr b="0" i="0" sz="1900" u="none" cap="none" strike="noStrike">
                 <a:solidFill>
                   <a:srgbClr val="3F3F3F"/>
                 </a:solidFill>
@@ -10863,7 +10592,7 @@
                 <a:sym typeface="Libre Franklin"/>
               </a:defRPr>
             </a:lvl1pPr>
-            <a:lvl2pPr marL="914400" marR="0" lvl="1" indent="-336550" algn="l" rtl="0">
+            <a:lvl2pPr indent="-336550" lvl="1" marL="914400" marR="0" rtl="0" algn="l">
               <a:lnSpc>
                 <a:spcPct val="100000"/>
               </a:lnSpc>
@@ -10879,7 +10608,7 @@
               <a:buSzPts val="1700"/>
               <a:buFont typeface="Calibri"/>
               <a:buChar char="◦"/>
-              <a:defRPr sz="1700" b="0" i="0" u="none" strike="noStrike" cap="none">
+              <a:defRPr b="0" i="0" sz="1700" u="none" cap="none" strike="noStrike">
                 <a:solidFill>
                   <a:srgbClr val="3F3F3F"/>
                 </a:solidFill>
@@ -10889,7 +10618,7 @@
                 <a:sym typeface="Libre Franklin"/>
               </a:defRPr>
             </a:lvl2pPr>
-            <a:lvl3pPr marL="1371600" marR="0" lvl="2" indent="-311150" algn="l" rtl="0">
+            <a:lvl3pPr indent="-311150" lvl="2" marL="1371600" marR="0" rtl="0" algn="l">
               <a:lnSpc>
                 <a:spcPct val="100000"/>
               </a:lnSpc>
@@ -10905,7 +10634,7 @@
               <a:buSzPts val="1300"/>
               <a:buFont typeface="Calibri"/>
               <a:buChar char="◦"/>
-              <a:defRPr sz="1300" b="0" i="0" u="none" strike="noStrike" cap="none">
+              <a:defRPr b="0" i="0" sz="1300" u="none" cap="none" strike="noStrike">
                 <a:solidFill>
                   <a:srgbClr val="3F3F3F"/>
                 </a:solidFill>
@@ -10915,7 +10644,7 @@
                 <a:sym typeface="Libre Franklin"/>
               </a:defRPr>
             </a:lvl3pPr>
-            <a:lvl4pPr marL="1828800" marR="0" lvl="3" indent="-311150" algn="l" rtl="0">
+            <a:lvl4pPr indent="-311150" lvl="3" marL="1828800" marR="0" rtl="0" algn="l">
               <a:lnSpc>
                 <a:spcPct val="100000"/>
               </a:lnSpc>
@@ -10931,7 +10660,7 @@
               <a:buSzPts val="1300"/>
               <a:buFont typeface="Calibri"/>
               <a:buChar char="◦"/>
-              <a:defRPr sz="1300" b="0" i="0" u="none" strike="noStrike" cap="none">
+              <a:defRPr b="0" i="0" sz="1300" u="none" cap="none" strike="noStrike">
                 <a:solidFill>
                   <a:srgbClr val="3F3F3F"/>
                 </a:solidFill>
@@ -10941,7 +10670,7 @@
                 <a:sym typeface="Libre Franklin"/>
               </a:defRPr>
             </a:lvl4pPr>
-            <a:lvl5pPr marL="2286000" marR="0" lvl="4" indent="-311150" algn="l" rtl="0">
+            <a:lvl5pPr indent="-311150" lvl="4" marL="2286000" marR="0" rtl="0" algn="l">
               <a:lnSpc>
                 <a:spcPct val="100000"/>
               </a:lnSpc>
@@ -10957,7 +10686,7 @@
               <a:buSzPts val="1300"/>
               <a:buFont typeface="Calibri"/>
               <a:buChar char="◦"/>
-              <a:defRPr sz="1300" b="0" i="0" u="none" strike="noStrike" cap="none">
+              <a:defRPr b="0" i="0" sz="1300" u="none" cap="none" strike="noStrike">
                 <a:solidFill>
                   <a:srgbClr val="3F3F3F"/>
                 </a:solidFill>
@@ -10967,7 +10696,7 @@
                 <a:sym typeface="Libre Franklin"/>
               </a:defRPr>
             </a:lvl5pPr>
-            <a:lvl6pPr marL="2743200" marR="0" lvl="5" indent="-317500" algn="l" rtl="0">
+            <a:lvl6pPr indent="-317500" lvl="5" marL="2743200" marR="0" rtl="0" algn="l">
               <a:lnSpc>
                 <a:spcPct val="90000"/>
               </a:lnSpc>
@@ -10983,7 +10712,7 @@
               <a:buSzPts val="1400"/>
               <a:buFont typeface="Calibri"/>
               <a:buChar char="◦"/>
-              <a:defRPr sz="1400" b="0" i="0" u="none" strike="noStrike" cap="none">
+              <a:defRPr b="0" i="0" sz="1400" u="none" cap="none" strike="noStrike">
                 <a:solidFill>
                   <a:srgbClr val="3F3F3F"/>
                 </a:solidFill>
@@ -10993,7 +10722,7 @@
                 <a:sym typeface="Libre Franklin"/>
               </a:defRPr>
             </a:lvl6pPr>
-            <a:lvl7pPr marL="3200400" marR="0" lvl="6" indent="-317500" algn="l" rtl="0">
+            <a:lvl7pPr indent="-317500" lvl="6" marL="3200400" marR="0" rtl="0" algn="l">
               <a:lnSpc>
                 <a:spcPct val="90000"/>
               </a:lnSpc>
@@ -11009,7 +10738,7 @@
               <a:buSzPts val="1400"/>
               <a:buFont typeface="Calibri"/>
               <a:buChar char="◦"/>
-              <a:defRPr sz="1400" b="0" i="0" u="none" strike="noStrike" cap="none">
+              <a:defRPr b="0" i="0" sz="1400" u="none" cap="none" strike="noStrike">
                 <a:solidFill>
                   <a:srgbClr val="3F3F3F"/>
                 </a:solidFill>
@@ -11019,7 +10748,7 @@
                 <a:sym typeface="Libre Franklin"/>
               </a:defRPr>
             </a:lvl7pPr>
-            <a:lvl8pPr marL="3657600" marR="0" lvl="7" indent="-317500" algn="l" rtl="0">
+            <a:lvl8pPr indent="-317500" lvl="7" marL="3657600" marR="0" rtl="0" algn="l">
               <a:lnSpc>
                 <a:spcPct val="90000"/>
               </a:lnSpc>
@@ -11035,7 +10764,7 @@
               <a:buSzPts val="1400"/>
               <a:buFont typeface="Calibri"/>
               <a:buChar char="◦"/>
-              <a:defRPr sz="1400" b="0" i="0" u="none" strike="noStrike" cap="none">
+              <a:defRPr b="0" i="0" sz="1400" u="none" cap="none" strike="noStrike">
                 <a:solidFill>
                   <a:srgbClr val="3F3F3F"/>
                 </a:solidFill>
@@ -11045,7 +10774,7 @@
                 <a:sym typeface="Libre Franklin"/>
               </a:defRPr>
             </a:lvl8pPr>
-            <a:lvl9pPr marL="4114800" marR="0" lvl="8" indent="-317500" algn="l" rtl="0">
+            <a:lvl9pPr indent="-317500" lvl="8" marL="4114800" marR="0" rtl="0" algn="l">
               <a:lnSpc>
                 <a:spcPct val="90000"/>
               </a:lnSpc>
@@ -11061,7 +10790,7 @@
               <a:buSzPts val="1400"/>
               <a:buFont typeface="Calibri"/>
               <a:buChar char="◦"/>
-              <a:defRPr sz="1400" b="0" i="0" u="none" strike="noStrike" cap="none">
+              <a:defRPr b="0" i="0" sz="1400" u="none" cap="none" strike="noStrike">
                 <a:solidFill>
                   <a:srgbClr val="3F3F3F"/>
                 </a:solidFill>
@@ -11072,19 +10801,15 @@
               </a:defRPr>
             </a:lvl9pPr>
           </a:lstStyle>
-          <a:p>
-            <a:endParaRPr/>
-          </a:p>
+          <a:p/>
         </p:txBody>
       </p:sp>
       <p:sp>
         <p:nvSpPr>
           <p:cNvPr id="9" name="Google Shape;9;p6"/>
-          <p:cNvSpPr txBox="1">
-            <a:spLocks noGrp="1"/>
-          </p:cNvSpPr>
+          <p:cNvSpPr txBox="1"/>
           <p:nvPr>
-            <p:ph type="dt" idx="10"/>
+            <p:ph idx="10" type="dt"/>
           </p:nvPr>
         </p:nvSpPr>
         <p:spPr>
@@ -11101,20 +10826,20 @@
           </a:ln>
         </p:spPr>
         <p:txBody>
-          <a:bodyPr spcFirstLastPara="1" wrap="square" lIns="91425" tIns="45700" rIns="91425" bIns="45700" anchor="ctr" anchorCtr="0">
+          <a:bodyPr anchorCtr="0" anchor="ctr" bIns="45700" lIns="91425" spcFirstLastPara="1" rIns="91425" wrap="square" tIns="45700">
             <a:noAutofit/>
           </a:bodyPr>
           <a:lstStyle>
-            <a:lvl1pPr marR="0" lvl="0" algn="r" rtl="0">
-              <a:spcBef>
-                <a:spcPts val="0"/>
-              </a:spcBef>
-              <a:spcAft>
-                <a:spcPts val="0"/>
-              </a:spcAft>
-              <a:buSzPts val="1400"/>
-              <a:buNone/>
-              <a:defRPr sz="800" b="0" i="0" u="none" strike="noStrike" cap="none">
+            <a:lvl1pPr lvl="0" marR="0" rtl="0" algn="r">
+              <a:spcBef>
+                <a:spcPts val="0"/>
+              </a:spcBef>
+              <a:spcAft>
+                <a:spcPts val="0"/>
+              </a:spcAft>
+              <a:buSzPts val="1400"/>
+              <a:buNone/>
+              <a:defRPr b="0" i="0" sz="800" u="none" cap="none" strike="noStrike">
                 <a:solidFill>
                   <a:srgbClr val="FFFFFF"/>
                 </a:solidFill>
@@ -11124,16 +10849,16 @@
                 <a:sym typeface="Libre Franklin"/>
               </a:defRPr>
             </a:lvl1pPr>
-            <a:lvl2pPr marR="0" lvl="1" algn="l" rtl="0">
-              <a:spcBef>
-                <a:spcPts val="0"/>
-              </a:spcBef>
-              <a:spcAft>
-                <a:spcPts val="0"/>
-              </a:spcAft>
-              <a:buSzPts val="1400"/>
-              <a:buNone/>
-              <a:defRPr sz="1800" b="0" i="0" u="none" strike="noStrike" cap="none">
+            <a:lvl2pPr lvl="1" marR="0" rtl="0" algn="l">
+              <a:spcBef>
+                <a:spcPts val="0"/>
+              </a:spcBef>
+              <a:spcAft>
+                <a:spcPts val="0"/>
+              </a:spcAft>
+              <a:buSzPts val="1400"/>
+              <a:buNone/>
+              <a:defRPr b="0" i="0" sz="1800" u="none" cap="none" strike="noStrike">
                 <a:solidFill>
                   <a:schemeClr val="dk1"/>
                 </a:solidFill>
@@ -11143,16 +10868,16 @@
                 <a:sym typeface="Libre Franklin"/>
               </a:defRPr>
             </a:lvl2pPr>
-            <a:lvl3pPr marR="0" lvl="2" algn="l" rtl="0">
-              <a:spcBef>
-                <a:spcPts val="0"/>
-              </a:spcBef>
-              <a:spcAft>
-                <a:spcPts val="0"/>
-              </a:spcAft>
-              <a:buSzPts val="1400"/>
-              <a:buNone/>
-              <a:defRPr sz="1800" b="0" i="0" u="none" strike="noStrike" cap="none">
+            <a:lvl3pPr lvl="2" marR="0" rtl="0" algn="l">
+              <a:spcBef>
+                <a:spcPts val="0"/>
+              </a:spcBef>
+              <a:spcAft>
+                <a:spcPts val="0"/>
+              </a:spcAft>
+              <a:buSzPts val="1400"/>
+              <a:buNone/>
+              <a:defRPr b="0" i="0" sz="1800" u="none" cap="none" strike="noStrike">
                 <a:solidFill>
                   <a:schemeClr val="dk1"/>
                 </a:solidFill>
@@ -11162,16 +10887,16 @@
                 <a:sym typeface="Libre Franklin"/>
               </a:defRPr>
             </a:lvl3pPr>
-            <a:lvl4pPr marR="0" lvl="3" algn="l" rtl="0">
-              <a:spcBef>
-                <a:spcPts val="0"/>
-              </a:spcBef>
-              <a:spcAft>
-                <a:spcPts val="0"/>
-              </a:spcAft>
-              <a:buSzPts val="1400"/>
-              <a:buNone/>
-              <a:defRPr sz="1800" b="0" i="0" u="none" strike="noStrike" cap="none">
+            <a:lvl4pPr lvl="3" marR="0" rtl="0" algn="l">
+              <a:spcBef>
+                <a:spcPts val="0"/>
+              </a:spcBef>
+              <a:spcAft>
+                <a:spcPts val="0"/>
+              </a:spcAft>
+              <a:buSzPts val="1400"/>
+              <a:buNone/>
+              <a:defRPr b="0" i="0" sz="1800" u="none" cap="none" strike="noStrike">
                 <a:solidFill>
                   <a:schemeClr val="dk1"/>
                 </a:solidFill>
@@ -11181,16 +10906,16 @@
                 <a:sym typeface="Libre Franklin"/>
               </a:defRPr>
             </a:lvl4pPr>
-            <a:lvl5pPr marR="0" lvl="4" algn="l" rtl="0">
-              <a:spcBef>
-                <a:spcPts val="0"/>
-              </a:spcBef>
-              <a:spcAft>
-                <a:spcPts val="0"/>
-              </a:spcAft>
-              <a:buSzPts val="1400"/>
-              <a:buNone/>
-              <a:defRPr sz="1800" b="0" i="0" u="none" strike="noStrike" cap="none">
+            <a:lvl5pPr lvl="4" marR="0" rtl="0" algn="l">
+              <a:spcBef>
+                <a:spcPts val="0"/>
+              </a:spcBef>
+              <a:spcAft>
+                <a:spcPts val="0"/>
+              </a:spcAft>
+              <a:buSzPts val="1400"/>
+              <a:buNone/>
+              <a:defRPr b="0" i="0" sz="1800" u="none" cap="none" strike="noStrike">
                 <a:solidFill>
                   <a:schemeClr val="dk1"/>
                 </a:solidFill>
@@ -11200,16 +10925,16 @@
                 <a:sym typeface="Libre Franklin"/>
               </a:defRPr>
             </a:lvl5pPr>
-            <a:lvl6pPr marR="0" lvl="5" algn="l" rtl="0">
-              <a:spcBef>
-                <a:spcPts val="0"/>
-              </a:spcBef>
-              <a:spcAft>
-                <a:spcPts val="0"/>
-              </a:spcAft>
-              <a:buSzPts val="1400"/>
-              <a:buNone/>
-              <a:defRPr sz="1800" b="0" i="0" u="none" strike="noStrike" cap="none">
+            <a:lvl6pPr lvl="5" marR="0" rtl="0" algn="l">
+              <a:spcBef>
+                <a:spcPts val="0"/>
+              </a:spcBef>
+              <a:spcAft>
+                <a:spcPts val="0"/>
+              </a:spcAft>
+              <a:buSzPts val="1400"/>
+              <a:buNone/>
+              <a:defRPr b="0" i="0" sz="1800" u="none" cap="none" strike="noStrike">
                 <a:solidFill>
                   <a:schemeClr val="dk1"/>
                 </a:solidFill>
@@ -11219,16 +10944,16 @@
                 <a:sym typeface="Libre Franklin"/>
               </a:defRPr>
             </a:lvl6pPr>
-            <a:lvl7pPr marR="0" lvl="6" algn="l" rtl="0">
-              <a:spcBef>
-                <a:spcPts val="0"/>
-              </a:spcBef>
-              <a:spcAft>
-                <a:spcPts val="0"/>
-              </a:spcAft>
-              <a:buSzPts val="1400"/>
-              <a:buNone/>
-              <a:defRPr sz="1800" b="0" i="0" u="none" strike="noStrike" cap="none">
+            <a:lvl7pPr lvl="6" marR="0" rtl="0" algn="l">
+              <a:spcBef>
+                <a:spcPts val="0"/>
+              </a:spcBef>
+              <a:spcAft>
+                <a:spcPts val="0"/>
+              </a:spcAft>
+              <a:buSzPts val="1400"/>
+              <a:buNone/>
+              <a:defRPr b="0" i="0" sz="1800" u="none" cap="none" strike="noStrike">
                 <a:solidFill>
                   <a:schemeClr val="dk1"/>
                 </a:solidFill>
@@ -11238,16 +10963,16 @@
                 <a:sym typeface="Libre Franklin"/>
               </a:defRPr>
             </a:lvl7pPr>
-            <a:lvl8pPr marR="0" lvl="7" algn="l" rtl="0">
-              <a:spcBef>
-                <a:spcPts val="0"/>
-              </a:spcBef>
-              <a:spcAft>
-                <a:spcPts val="0"/>
-              </a:spcAft>
-              <a:buSzPts val="1400"/>
-              <a:buNone/>
-              <a:defRPr sz="1800" b="0" i="0" u="none" strike="noStrike" cap="none">
+            <a:lvl8pPr lvl="7" marR="0" rtl="0" algn="l">
+              <a:spcBef>
+                <a:spcPts val="0"/>
+              </a:spcBef>
+              <a:spcAft>
+                <a:spcPts val="0"/>
+              </a:spcAft>
+              <a:buSzPts val="1400"/>
+              <a:buNone/>
+              <a:defRPr b="0" i="0" sz="1800" u="none" cap="none" strike="noStrike">
                 <a:solidFill>
                   <a:schemeClr val="dk1"/>
                 </a:solidFill>
@@ -11257,16 +10982,16 @@
                 <a:sym typeface="Libre Franklin"/>
               </a:defRPr>
             </a:lvl8pPr>
-            <a:lvl9pPr marR="0" lvl="8" algn="l" rtl="0">
-              <a:spcBef>
-                <a:spcPts val="0"/>
-              </a:spcBef>
-              <a:spcAft>
-                <a:spcPts val="0"/>
-              </a:spcAft>
-              <a:buSzPts val="1400"/>
-              <a:buNone/>
-              <a:defRPr sz="1800" b="0" i="0" u="none" strike="noStrike" cap="none">
+            <a:lvl9pPr lvl="8" marR="0" rtl="0" algn="l">
+              <a:spcBef>
+                <a:spcPts val="0"/>
+              </a:spcBef>
+              <a:spcAft>
+                <a:spcPts val="0"/>
+              </a:spcAft>
+              <a:buSzPts val="1400"/>
+              <a:buNone/>
+              <a:defRPr b="0" i="0" sz="1800" u="none" cap="none" strike="noStrike">
                 <a:solidFill>
                   <a:schemeClr val="dk1"/>
                 </a:solidFill>
@@ -11277,19 +11002,15 @@
               </a:defRPr>
             </a:lvl9pPr>
           </a:lstStyle>
-          <a:p>
-            <a:endParaRPr/>
-          </a:p>
+          <a:p/>
         </p:txBody>
       </p:sp>
       <p:sp>
         <p:nvSpPr>
           <p:cNvPr id="10" name="Google Shape;10;p6"/>
-          <p:cNvSpPr txBox="1">
-            <a:spLocks noGrp="1"/>
-          </p:cNvSpPr>
+          <p:cNvSpPr txBox="1"/>
           <p:nvPr>
-            <p:ph type="ftr" idx="11"/>
+            <p:ph idx="11" type="ftr"/>
           </p:nvPr>
         </p:nvSpPr>
         <p:spPr>
@@ -11306,20 +11027,20 @@
           </a:ln>
         </p:spPr>
         <p:txBody>
-          <a:bodyPr spcFirstLastPara="1" wrap="square" lIns="91425" tIns="45700" rIns="91425" bIns="45700" anchor="ctr" anchorCtr="0">
+          <a:bodyPr anchorCtr="0" anchor="ctr" bIns="45700" lIns="91425" spcFirstLastPara="1" rIns="91425" wrap="square" tIns="45700">
             <a:noAutofit/>
           </a:bodyPr>
           <a:lstStyle>
-            <a:lvl1pPr marR="0" lvl="0" algn="l" rtl="0">
-              <a:spcBef>
-                <a:spcPts val="0"/>
-              </a:spcBef>
-              <a:spcAft>
-                <a:spcPts val="0"/>
-              </a:spcAft>
-              <a:buSzPts val="1400"/>
-              <a:buNone/>
-              <a:defRPr sz="800" b="0" i="0" u="none" strike="noStrike" cap="none">
+            <a:lvl1pPr lvl="0" marR="0" rtl="0" algn="l">
+              <a:spcBef>
+                <a:spcPts val="0"/>
+              </a:spcBef>
+              <a:spcAft>
+                <a:spcPts val="0"/>
+              </a:spcAft>
+              <a:buSzPts val="1400"/>
+              <a:buNone/>
+              <a:defRPr b="0" i="0" sz="800" u="none" cap="none" strike="noStrike">
                 <a:solidFill>
                   <a:srgbClr val="FFFFFF"/>
                 </a:solidFill>
@@ -11329,16 +11050,16 @@
                 <a:sym typeface="Libre Franklin"/>
               </a:defRPr>
             </a:lvl1pPr>
-            <a:lvl2pPr marR="0" lvl="1" algn="l" rtl="0">
-              <a:spcBef>
-                <a:spcPts val="0"/>
-              </a:spcBef>
-              <a:spcAft>
-                <a:spcPts val="0"/>
-              </a:spcAft>
-              <a:buSzPts val="1400"/>
-              <a:buNone/>
-              <a:defRPr sz="1800" b="0" i="0" u="none" strike="noStrike" cap="none">
+            <a:lvl2pPr lvl="1" marR="0" rtl="0" algn="l">
+              <a:spcBef>
+                <a:spcPts val="0"/>
+              </a:spcBef>
+              <a:spcAft>
+                <a:spcPts val="0"/>
+              </a:spcAft>
+              <a:buSzPts val="1400"/>
+              <a:buNone/>
+              <a:defRPr b="0" i="0" sz="1800" u="none" cap="none" strike="noStrike">
                 <a:solidFill>
                   <a:schemeClr val="dk1"/>
                 </a:solidFill>
@@ -11348,16 +11069,16 @@
                 <a:sym typeface="Libre Franklin"/>
               </a:defRPr>
             </a:lvl2pPr>
-            <a:lvl3pPr marR="0" lvl="2" algn="l" rtl="0">
-              <a:spcBef>
-                <a:spcPts val="0"/>
-              </a:spcBef>
-              <a:spcAft>
-                <a:spcPts val="0"/>
-              </a:spcAft>
-              <a:buSzPts val="1400"/>
-              <a:buNone/>
-              <a:defRPr sz="1800" b="0" i="0" u="none" strike="noStrike" cap="none">
+            <a:lvl3pPr lvl="2" marR="0" rtl="0" algn="l">
+              <a:spcBef>
+                <a:spcPts val="0"/>
+              </a:spcBef>
+              <a:spcAft>
+                <a:spcPts val="0"/>
+              </a:spcAft>
+              <a:buSzPts val="1400"/>
+              <a:buNone/>
+              <a:defRPr b="0" i="0" sz="1800" u="none" cap="none" strike="noStrike">
                 <a:solidFill>
                   <a:schemeClr val="dk1"/>
                 </a:solidFill>
@@ -11367,16 +11088,16 @@
                 <a:sym typeface="Libre Franklin"/>
               </a:defRPr>
             </a:lvl3pPr>
-            <a:lvl4pPr marR="0" lvl="3" algn="l" rtl="0">
-              <a:spcBef>
-                <a:spcPts val="0"/>
-              </a:spcBef>
-              <a:spcAft>
-                <a:spcPts val="0"/>
-              </a:spcAft>
-              <a:buSzPts val="1400"/>
-              <a:buNone/>
-              <a:defRPr sz="1800" b="0" i="0" u="none" strike="noStrike" cap="none">
+            <a:lvl4pPr lvl="3" marR="0" rtl="0" algn="l">
+              <a:spcBef>
+                <a:spcPts val="0"/>
+              </a:spcBef>
+              <a:spcAft>
+                <a:spcPts val="0"/>
+              </a:spcAft>
+              <a:buSzPts val="1400"/>
+              <a:buNone/>
+              <a:defRPr b="0" i="0" sz="1800" u="none" cap="none" strike="noStrike">
                 <a:solidFill>
                   <a:schemeClr val="dk1"/>
                 </a:solidFill>
@@ -11386,16 +11107,16 @@
                 <a:sym typeface="Libre Franklin"/>
               </a:defRPr>
             </a:lvl4pPr>
-            <a:lvl5pPr marR="0" lvl="4" algn="l" rtl="0">
-              <a:spcBef>
-                <a:spcPts val="0"/>
-              </a:spcBef>
-              <a:spcAft>
-                <a:spcPts val="0"/>
-              </a:spcAft>
-              <a:buSzPts val="1400"/>
-              <a:buNone/>
-              <a:defRPr sz="1800" b="0" i="0" u="none" strike="noStrike" cap="none">
+            <a:lvl5pPr lvl="4" marR="0" rtl="0" algn="l">
+              <a:spcBef>
+                <a:spcPts val="0"/>
+              </a:spcBef>
+              <a:spcAft>
+                <a:spcPts val="0"/>
+              </a:spcAft>
+              <a:buSzPts val="1400"/>
+              <a:buNone/>
+              <a:defRPr b="0" i="0" sz="1800" u="none" cap="none" strike="noStrike">
                 <a:solidFill>
                   <a:schemeClr val="dk1"/>
                 </a:solidFill>
@@ -11405,16 +11126,16 @@
                 <a:sym typeface="Libre Franklin"/>
               </a:defRPr>
             </a:lvl5pPr>
-            <a:lvl6pPr marR="0" lvl="5" algn="l" rtl="0">
-              <a:spcBef>
-                <a:spcPts val="0"/>
-              </a:spcBef>
-              <a:spcAft>
-                <a:spcPts val="0"/>
-              </a:spcAft>
-              <a:buSzPts val="1400"/>
-              <a:buNone/>
-              <a:defRPr sz="1800" b="0" i="0" u="none" strike="noStrike" cap="none">
+            <a:lvl6pPr lvl="5" marR="0" rtl="0" algn="l">
+              <a:spcBef>
+                <a:spcPts val="0"/>
+              </a:spcBef>
+              <a:spcAft>
+                <a:spcPts val="0"/>
+              </a:spcAft>
+              <a:buSzPts val="1400"/>
+              <a:buNone/>
+              <a:defRPr b="0" i="0" sz="1800" u="none" cap="none" strike="noStrike">
                 <a:solidFill>
                   <a:schemeClr val="dk1"/>
                 </a:solidFill>
@@ -11424,16 +11145,16 @@
                 <a:sym typeface="Libre Franklin"/>
               </a:defRPr>
             </a:lvl6pPr>
-            <a:lvl7pPr marR="0" lvl="6" algn="l" rtl="0">
-              <a:spcBef>
-                <a:spcPts val="0"/>
-              </a:spcBef>
-              <a:spcAft>
-                <a:spcPts val="0"/>
-              </a:spcAft>
-              <a:buSzPts val="1400"/>
-              <a:buNone/>
-              <a:defRPr sz="1800" b="0" i="0" u="none" strike="noStrike" cap="none">
+            <a:lvl7pPr lvl="6" marR="0" rtl="0" algn="l">
+              <a:spcBef>
+                <a:spcPts val="0"/>
+              </a:spcBef>
+              <a:spcAft>
+                <a:spcPts val="0"/>
+              </a:spcAft>
+              <a:buSzPts val="1400"/>
+              <a:buNone/>
+              <a:defRPr b="0" i="0" sz="1800" u="none" cap="none" strike="noStrike">
                 <a:solidFill>
                   <a:schemeClr val="dk1"/>
                 </a:solidFill>
@@ -11443,16 +11164,16 @@
                 <a:sym typeface="Libre Franklin"/>
               </a:defRPr>
             </a:lvl7pPr>
-            <a:lvl8pPr marR="0" lvl="7" algn="l" rtl="0">
-              <a:spcBef>
-                <a:spcPts val="0"/>
-              </a:spcBef>
-              <a:spcAft>
-                <a:spcPts val="0"/>
-              </a:spcAft>
-              <a:buSzPts val="1400"/>
-              <a:buNone/>
-              <a:defRPr sz="1800" b="0" i="0" u="none" strike="noStrike" cap="none">
+            <a:lvl8pPr lvl="7" marR="0" rtl="0" algn="l">
+              <a:spcBef>
+                <a:spcPts val="0"/>
+              </a:spcBef>
+              <a:spcAft>
+                <a:spcPts val="0"/>
+              </a:spcAft>
+              <a:buSzPts val="1400"/>
+              <a:buNone/>
+              <a:defRPr b="0" i="0" sz="1800" u="none" cap="none" strike="noStrike">
                 <a:solidFill>
                   <a:schemeClr val="dk1"/>
                 </a:solidFill>
@@ -11462,16 +11183,16 @@
                 <a:sym typeface="Libre Franklin"/>
               </a:defRPr>
             </a:lvl8pPr>
-            <a:lvl9pPr marR="0" lvl="8" algn="l" rtl="0">
-              <a:spcBef>
-                <a:spcPts val="0"/>
-              </a:spcBef>
-              <a:spcAft>
-                <a:spcPts val="0"/>
-              </a:spcAft>
-              <a:buSzPts val="1400"/>
-              <a:buNone/>
-              <a:defRPr sz="1800" b="0" i="0" u="none" strike="noStrike" cap="none">
+            <a:lvl9pPr lvl="8" marR="0" rtl="0" algn="l">
+              <a:spcBef>
+                <a:spcPts val="0"/>
+              </a:spcBef>
+              <a:spcAft>
+                <a:spcPts val="0"/>
+              </a:spcAft>
+              <a:buSzPts val="1400"/>
+              <a:buNone/>
+              <a:defRPr b="0" i="0" sz="1800" u="none" cap="none" strike="noStrike">
                 <a:solidFill>
                   <a:schemeClr val="dk1"/>
                 </a:solidFill>
@@ -11482,19 +11203,15 @@
               </a:defRPr>
             </a:lvl9pPr>
           </a:lstStyle>
-          <a:p>
-            <a:endParaRPr/>
-          </a:p>
+          <a:p/>
         </p:txBody>
       </p:sp>
       <p:sp>
         <p:nvSpPr>
           <p:cNvPr id="11" name="Google Shape;11;p6"/>
-          <p:cNvSpPr txBox="1">
-            <a:spLocks noGrp="1"/>
-          </p:cNvSpPr>
+          <p:cNvSpPr txBox="1"/>
           <p:nvPr>
-            <p:ph type="sldNum" idx="12"/>
+            <p:ph idx="12" type="sldNum"/>
           </p:nvPr>
         </p:nvSpPr>
         <p:spPr>
@@ -11511,16 +11228,16 @@
           </a:ln>
         </p:spPr>
         <p:txBody>
-          <a:bodyPr spcFirstLastPara="1" wrap="square" lIns="91425" tIns="45700" rIns="91425" bIns="45700" anchor="ctr" anchorCtr="0">
+          <a:bodyPr anchorCtr="0" anchor="ctr" bIns="45700" lIns="91425" spcFirstLastPara="1" rIns="91425" wrap="square" tIns="45700">
             <a:noAutofit/>
           </a:bodyPr>
           <a:lstStyle>
-            <a:lvl1pPr marL="0" marR="0" lvl="0" indent="0" algn="l" rtl="0">
-              <a:spcBef>
-                <a:spcPts val="0"/>
-              </a:spcBef>
-              <a:buNone/>
-              <a:defRPr sz="800" b="0" i="0" u="none" strike="noStrike" cap="none">
+            <a:lvl1pPr indent="0" lvl="0" marL="0" marR="0" rtl="0" algn="l">
+              <a:spcBef>
+                <a:spcPts val="0"/>
+              </a:spcBef>
+              <a:buNone/>
+              <a:defRPr b="0" i="0" sz="800" u="none" cap="none" strike="noStrike">
                 <a:solidFill>
                   <a:srgbClr val="FFFFFF"/>
                 </a:solidFill>
@@ -11530,12 +11247,12 @@
                 <a:sym typeface="Libre Franklin"/>
               </a:defRPr>
             </a:lvl1pPr>
-            <a:lvl2pPr marL="0" marR="0" lvl="1" indent="0" algn="l" rtl="0">
-              <a:spcBef>
-                <a:spcPts val="0"/>
-              </a:spcBef>
-              <a:buNone/>
-              <a:defRPr sz="800" b="0" i="0" u="none" strike="noStrike" cap="none">
+            <a:lvl2pPr indent="0" lvl="1" marL="0" marR="0" rtl="0" algn="l">
+              <a:spcBef>
+                <a:spcPts val="0"/>
+              </a:spcBef>
+              <a:buNone/>
+              <a:defRPr b="0" i="0" sz="800" u="none" cap="none" strike="noStrike">
                 <a:solidFill>
                   <a:srgbClr val="FFFFFF"/>
                 </a:solidFill>
@@ -11545,12 +11262,12 @@
                 <a:sym typeface="Libre Franklin"/>
               </a:defRPr>
             </a:lvl2pPr>
-            <a:lvl3pPr marL="0" marR="0" lvl="2" indent="0" algn="l" rtl="0">
-              <a:spcBef>
-                <a:spcPts val="0"/>
-              </a:spcBef>
-              <a:buNone/>
-              <a:defRPr sz="800" b="0" i="0" u="none" strike="noStrike" cap="none">
+            <a:lvl3pPr indent="0" lvl="2" marL="0" marR="0" rtl="0" algn="l">
+              <a:spcBef>
+                <a:spcPts val="0"/>
+              </a:spcBef>
+              <a:buNone/>
+              <a:defRPr b="0" i="0" sz="800" u="none" cap="none" strike="noStrike">
                 <a:solidFill>
                   <a:srgbClr val="FFFFFF"/>
                 </a:solidFill>
@@ -11560,12 +11277,12 @@
                 <a:sym typeface="Libre Franklin"/>
               </a:defRPr>
             </a:lvl3pPr>
-            <a:lvl4pPr marL="0" marR="0" lvl="3" indent="0" algn="l" rtl="0">
-              <a:spcBef>
-                <a:spcPts val="0"/>
-              </a:spcBef>
-              <a:buNone/>
-              <a:defRPr sz="800" b="0" i="0" u="none" strike="noStrike" cap="none">
+            <a:lvl4pPr indent="0" lvl="3" marL="0" marR="0" rtl="0" algn="l">
+              <a:spcBef>
+                <a:spcPts val="0"/>
+              </a:spcBef>
+              <a:buNone/>
+              <a:defRPr b="0" i="0" sz="800" u="none" cap="none" strike="noStrike">
                 <a:solidFill>
                   <a:srgbClr val="FFFFFF"/>
                 </a:solidFill>
@@ -11575,12 +11292,12 @@
                 <a:sym typeface="Libre Franklin"/>
               </a:defRPr>
             </a:lvl4pPr>
-            <a:lvl5pPr marL="0" marR="0" lvl="4" indent="0" algn="l" rtl="0">
-              <a:spcBef>
-                <a:spcPts val="0"/>
-              </a:spcBef>
-              <a:buNone/>
-              <a:defRPr sz="800" b="0" i="0" u="none" strike="noStrike" cap="none">
+            <a:lvl5pPr indent="0" lvl="4" marL="0" marR="0" rtl="0" algn="l">
+              <a:spcBef>
+                <a:spcPts val="0"/>
+              </a:spcBef>
+              <a:buNone/>
+              <a:defRPr b="0" i="0" sz="800" u="none" cap="none" strike="noStrike">
                 <a:solidFill>
                   <a:srgbClr val="FFFFFF"/>
                 </a:solidFill>
@@ -11590,12 +11307,12 @@
                 <a:sym typeface="Libre Franklin"/>
               </a:defRPr>
             </a:lvl5pPr>
-            <a:lvl6pPr marL="0" marR="0" lvl="5" indent="0" algn="l" rtl="0">
-              <a:spcBef>
-                <a:spcPts val="0"/>
-              </a:spcBef>
-              <a:buNone/>
-              <a:defRPr sz="800" b="0" i="0" u="none" strike="noStrike" cap="none">
+            <a:lvl6pPr indent="0" lvl="5" marL="0" marR="0" rtl="0" algn="l">
+              <a:spcBef>
+                <a:spcPts val="0"/>
+              </a:spcBef>
+              <a:buNone/>
+              <a:defRPr b="0" i="0" sz="800" u="none" cap="none" strike="noStrike">
                 <a:solidFill>
                   <a:srgbClr val="FFFFFF"/>
                 </a:solidFill>
@@ -11605,12 +11322,12 @@
                 <a:sym typeface="Libre Franklin"/>
               </a:defRPr>
             </a:lvl6pPr>
-            <a:lvl7pPr marL="0" marR="0" lvl="6" indent="0" algn="l" rtl="0">
-              <a:spcBef>
-                <a:spcPts val="0"/>
-              </a:spcBef>
-              <a:buNone/>
-              <a:defRPr sz="800" b="0" i="0" u="none" strike="noStrike" cap="none">
+            <a:lvl7pPr indent="0" lvl="6" marL="0" marR="0" rtl="0" algn="l">
+              <a:spcBef>
+                <a:spcPts val="0"/>
+              </a:spcBef>
+              <a:buNone/>
+              <a:defRPr b="0" i="0" sz="800" u="none" cap="none" strike="noStrike">
                 <a:solidFill>
                   <a:srgbClr val="FFFFFF"/>
                 </a:solidFill>
@@ -11620,12 +11337,12 @@
                 <a:sym typeface="Libre Franklin"/>
               </a:defRPr>
             </a:lvl7pPr>
-            <a:lvl8pPr marL="0" marR="0" lvl="7" indent="0" algn="l" rtl="0">
-              <a:spcBef>
-                <a:spcPts val="0"/>
-              </a:spcBef>
-              <a:buNone/>
-              <a:defRPr sz="800" b="0" i="0" u="none" strike="noStrike" cap="none">
+            <a:lvl8pPr indent="0" lvl="7" marL="0" marR="0" rtl="0" algn="l">
+              <a:spcBef>
+                <a:spcPts val="0"/>
+              </a:spcBef>
+              <a:buNone/>
+              <a:defRPr b="0" i="0" sz="800" u="none" cap="none" strike="noStrike">
                 <a:solidFill>
                   <a:srgbClr val="FFFFFF"/>
                 </a:solidFill>
@@ -11635,12 +11352,12 @@
                 <a:sym typeface="Libre Franklin"/>
               </a:defRPr>
             </a:lvl8pPr>
-            <a:lvl9pPr marL="0" marR="0" lvl="8" indent="0" algn="l" rtl="0">
-              <a:spcBef>
-                <a:spcPts val="0"/>
-              </a:spcBef>
-              <a:buNone/>
-              <a:defRPr sz="800" b="0" i="0" u="none" strike="noStrike" cap="none">
+            <a:lvl9pPr indent="0" lvl="8" marL="0" marR="0" rtl="0" algn="l">
+              <a:spcBef>
+                <a:spcPts val="0"/>
+              </a:spcBef>
+              <a:buNone/>
+              <a:defRPr b="0" i="0" sz="800" u="none" cap="none" strike="noStrike">
                 <a:solidFill>
                   <a:srgbClr val="FFFFFF"/>
                 </a:solidFill>
@@ -11652,7 +11369,7 @@
             </a:lvl9pPr>
           </a:lstStyle>
           <a:p>
-            <a:pPr marL="0" lvl="0" indent="0" algn="l" rtl="0">
+            <a:pPr indent="0" lvl="0" marL="0" rtl="0" algn="l">
               <a:spcBef>
                 <a:spcPts val="0"/>
               </a:spcBef>
@@ -11684,20 +11401,20 @@
             <a:avLst/>
           </a:prstGeom>
           <a:noFill/>
-          <a:ln w="12700" cap="flat" cmpd="sng">
+          <a:ln cap="flat" cmpd="sng" w="12700">
             <a:solidFill>
               <a:srgbClr val="3F3F3F"/>
             </a:solidFill>
             <a:prstDash val="solid"/>
             <a:round/>
-            <a:headEnd type="none" w="sm" len="sm"/>
-            <a:tailEnd type="none" w="sm" len="sm"/>
+            <a:headEnd len="sm" w="sm" type="none"/>
+            <a:tailEnd len="sm" w="sm" type="none"/>
           </a:ln>
         </p:spPr>
       </p:cxnSp>
     </p:spTree>
   </p:cSld>
-  <p:clrMap bg1="lt1" tx1="dk1" bg2="dk2" tx2="lt2" accent1="accent1" accent2="accent2" accent3="accent3" accent4="accent4" accent5="accent5" accent6="accent6" hlink="hlink" folHlink="folHlink"/>
+  <p:clrMap accent1="accent1" accent2="accent2" accent3="accent3" accent4="accent4" accent5="accent5" accent6="accent6" bg1="lt1" bg2="dk2" tx1="dk1" tx2="lt2" folHlink="folHlink" hlink="hlink"/>
   <p:sldLayoutIdLst>
     <p:sldLayoutId id="2147483649" r:id="rId1"/>
     <p:sldLayoutId id="2147483650" r:id="rId2"/>
@@ -11711,10 +11428,10 @@
     <p:sldLayoutId id="2147483658" r:id="rId10"/>
     <p:sldLayoutId id="2147483659" r:id="rId11"/>
   </p:sldLayoutIdLst>
-  <p:hf sldNum="0" hdr="0" ftr="0" dt="0"/>
+  <p:hf dt="0" ftr="0" hdr="0" sldNum="0"/>
   <p:txStyles>
     <p:titleStyle>
-      <a:defPPr marR="0" lvl="0" algn="l" rtl="0">
+      <a:defPPr lvl="0" marR="0" rtl="0" algn="l">
         <a:lnSpc>
           <a:spcPct val="100000"/>
         </a:lnSpc>
@@ -11725,7 +11442,7 @@
           <a:spcPts val="0"/>
         </a:spcAft>
       </a:defPPr>
-      <a:lvl1pPr marR="0" lvl="0" algn="l" rtl="0">
+      <a:lvl1pPr lvl="0" marR="0" rtl="0" algn="l">
         <a:lnSpc>
           <a:spcPct val="100000"/>
         </a:lnSpc>
@@ -11739,7 +11456,7 @@
           <a:srgbClr val="000000"/>
         </a:buClr>
         <a:buFont typeface="Arial"/>
-        <a:defRPr sz="1400" b="0" i="0" u="none" strike="noStrike" cap="none">
+        <a:defRPr b="0" i="0" sz="1400" u="none" cap="none" strike="noStrike">
           <a:solidFill>
             <a:srgbClr val="000000"/>
           </a:solidFill>
@@ -11749,7 +11466,7 @@
           <a:sym typeface="Arial"/>
         </a:defRPr>
       </a:lvl1pPr>
-      <a:lvl2pPr marR="0" lvl="1" algn="l" rtl="0">
+      <a:lvl2pPr lvl="1" marR="0" rtl="0" algn="l">
         <a:lnSpc>
           <a:spcPct val="100000"/>
         </a:lnSpc>
@@ -11763,7 +11480,7 @@
           <a:srgbClr val="000000"/>
         </a:buClr>
         <a:buFont typeface="Arial"/>
-        <a:defRPr sz="1400" b="0" i="0" u="none" strike="noStrike" cap="none">
+        <a:defRPr b="0" i="0" sz="1400" u="none" cap="none" strike="noStrike">
           <a:solidFill>
             <a:srgbClr val="000000"/>
           </a:solidFill>
@@ -11773,7 +11490,7 @@
           <a:sym typeface="Arial"/>
         </a:defRPr>
       </a:lvl2pPr>
-      <a:lvl3pPr marR="0" lvl="2" algn="l" rtl="0">
+      <a:lvl3pPr lvl="2" marR="0" rtl="0" algn="l">
         <a:lnSpc>
           <a:spcPct val="100000"/>
         </a:lnSpc>
@@ -11787,7 +11504,7 @@
           <a:srgbClr val="000000"/>
         </a:buClr>
         <a:buFont typeface="Arial"/>
-        <a:defRPr sz="1400" b="0" i="0" u="none" strike="noStrike" cap="none">
+        <a:defRPr b="0" i="0" sz="1400" u="none" cap="none" strike="noStrike">
           <a:solidFill>
             <a:srgbClr val="000000"/>
           </a:solidFill>
@@ -11797,7 +11514,7 @@
           <a:sym typeface="Arial"/>
         </a:defRPr>
       </a:lvl3pPr>
-      <a:lvl4pPr marR="0" lvl="3" algn="l" rtl="0">
+      <a:lvl4pPr lvl="3" marR="0" rtl="0" algn="l">
         <a:lnSpc>
           <a:spcPct val="100000"/>
         </a:lnSpc>
@@ -11811,7 +11528,7 @@
           <a:srgbClr val="000000"/>
         </a:buClr>
         <a:buFont typeface="Arial"/>
-        <a:defRPr sz="1400" b="0" i="0" u="none" strike="noStrike" cap="none">
+        <a:defRPr b="0" i="0" sz="1400" u="none" cap="none" strike="noStrike">
           <a:solidFill>
             <a:srgbClr val="000000"/>
           </a:solidFill>
@@ -11821,7 +11538,7 @@
           <a:sym typeface="Arial"/>
         </a:defRPr>
       </a:lvl4pPr>
-      <a:lvl5pPr marR="0" lvl="4" algn="l" rtl="0">
+      <a:lvl5pPr lvl="4" marR="0" rtl="0" algn="l">
         <a:lnSpc>
           <a:spcPct val="100000"/>
         </a:lnSpc>
@@ -11835,7 +11552,7 @@
           <a:srgbClr val="000000"/>
         </a:buClr>
         <a:buFont typeface="Arial"/>
-        <a:defRPr sz="1400" b="0" i="0" u="none" strike="noStrike" cap="none">
+        <a:defRPr b="0" i="0" sz="1400" u="none" cap="none" strike="noStrike">
           <a:solidFill>
             <a:srgbClr val="000000"/>
           </a:solidFill>
@@ -11845,7 +11562,7 @@
           <a:sym typeface="Arial"/>
         </a:defRPr>
       </a:lvl5pPr>
-      <a:lvl6pPr marR="0" lvl="5" algn="l" rtl="0">
+      <a:lvl6pPr lvl="5" marR="0" rtl="0" algn="l">
         <a:lnSpc>
           <a:spcPct val="100000"/>
         </a:lnSpc>
@@ -11859,7 +11576,7 @@
           <a:srgbClr val="000000"/>
         </a:buClr>
         <a:buFont typeface="Arial"/>
-        <a:defRPr sz="1400" b="0" i="0" u="none" strike="noStrike" cap="none">
+        <a:defRPr b="0" i="0" sz="1400" u="none" cap="none" strike="noStrike">
           <a:solidFill>
             <a:srgbClr val="000000"/>
           </a:solidFill>
@@ -11869,7 +11586,7 @@
           <a:sym typeface="Arial"/>
         </a:defRPr>
       </a:lvl6pPr>
-      <a:lvl7pPr marR="0" lvl="6" algn="l" rtl="0">
+      <a:lvl7pPr lvl="6" marR="0" rtl="0" algn="l">
         <a:lnSpc>
           <a:spcPct val="100000"/>
         </a:lnSpc>
@@ -11883,7 +11600,7 @@
           <a:srgbClr val="000000"/>
         </a:buClr>
         <a:buFont typeface="Arial"/>
-        <a:defRPr sz="1400" b="0" i="0" u="none" strike="noStrike" cap="none">
+        <a:defRPr b="0" i="0" sz="1400" u="none" cap="none" strike="noStrike">
           <a:solidFill>
             <a:srgbClr val="000000"/>
           </a:solidFill>
@@ -11893,7 +11610,7 @@
           <a:sym typeface="Arial"/>
         </a:defRPr>
       </a:lvl7pPr>
-      <a:lvl8pPr marR="0" lvl="7" algn="l" rtl="0">
+      <a:lvl8pPr lvl="7" marR="0" rtl="0" algn="l">
         <a:lnSpc>
           <a:spcPct val="100000"/>
         </a:lnSpc>
@@ -11907,7 +11624,7 @@
           <a:srgbClr val="000000"/>
         </a:buClr>
         <a:buFont typeface="Arial"/>
-        <a:defRPr sz="1400" b="0" i="0" u="none" strike="noStrike" cap="none">
+        <a:defRPr b="0" i="0" sz="1400" u="none" cap="none" strike="noStrike">
           <a:solidFill>
             <a:srgbClr val="000000"/>
           </a:solidFill>
@@ -11917,7 +11634,7 @@
           <a:sym typeface="Arial"/>
         </a:defRPr>
       </a:lvl8pPr>
-      <a:lvl9pPr marR="0" lvl="8" algn="l" rtl="0">
+      <a:lvl9pPr lvl="8" marR="0" rtl="0" algn="l">
         <a:lnSpc>
           <a:spcPct val="100000"/>
         </a:lnSpc>
@@ -11931,7 +11648,7 @@
           <a:srgbClr val="000000"/>
         </a:buClr>
         <a:buFont typeface="Arial"/>
-        <a:defRPr sz="1400" b="0" i="0" u="none" strike="noStrike" cap="none">
+        <a:defRPr b="0" i="0" sz="1400" u="none" cap="none" strike="noStrike">
           <a:solidFill>
             <a:srgbClr val="000000"/>
           </a:solidFill>
@@ -11943,7 +11660,7 @@
       </a:lvl9pPr>
     </p:titleStyle>
     <p:bodyStyle>
-      <a:defPPr marR="0" lvl="0" algn="l" rtl="0">
+      <a:defPPr lvl="0" marR="0" rtl="0" algn="l">
         <a:lnSpc>
           <a:spcPct val="100000"/>
         </a:lnSpc>
@@ -11954,7 +11671,7 @@
           <a:spcPts val="0"/>
         </a:spcAft>
       </a:defPPr>
-      <a:lvl1pPr marR="0" lvl="0" algn="l" rtl="0">
+      <a:lvl1pPr lvl="0" marR="0" rtl="0" algn="l">
         <a:lnSpc>
           <a:spcPct val="100000"/>
         </a:lnSpc>
@@ -11968,7 +11685,7 @@
           <a:srgbClr val="000000"/>
         </a:buClr>
         <a:buFont typeface="Arial"/>
-        <a:defRPr sz="1400" b="0" i="0" u="none" strike="noStrike" cap="none">
+        <a:defRPr b="0" i="0" sz="1400" u="none" cap="none" strike="noStrike">
           <a:solidFill>
             <a:srgbClr val="000000"/>
           </a:solidFill>
@@ -11978,7 +11695,7 @@
           <a:sym typeface="Arial"/>
         </a:defRPr>
       </a:lvl1pPr>
-      <a:lvl2pPr marR="0" lvl="1" algn="l" rtl="0">
+      <a:lvl2pPr lvl="1" marR="0" rtl="0" algn="l">
         <a:lnSpc>
           <a:spcPct val="100000"/>
         </a:lnSpc>
@@ -11992,7 +11709,7 @@
           <a:srgbClr val="000000"/>
         </a:buClr>
         <a:buFont typeface="Arial"/>
-        <a:defRPr sz="1400" b="0" i="0" u="none" strike="noStrike" cap="none">
+        <a:defRPr b="0" i="0" sz="1400" u="none" cap="none" strike="noStrike">
           <a:solidFill>
             <a:srgbClr val="000000"/>
           </a:solidFill>
@@ -12002,7 +11719,7 @@
           <a:sym typeface="Arial"/>
         </a:defRPr>
       </a:lvl2pPr>
-      <a:lvl3pPr marR="0" lvl="2" algn="l" rtl="0">
+      <a:lvl3pPr lvl="2" marR="0" rtl="0" algn="l">
         <a:lnSpc>
           <a:spcPct val="100000"/>
         </a:lnSpc>
@@ -12016,7 +11733,7 @@
           <a:srgbClr val="000000"/>
         </a:buClr>
         <a:buFont typeface="Arial"/>
-        <a:defRPr sz="1400" b="0" i="0" u="none" strike="noStrike" cap="none">
+        <a:defRPr b="0" i="0" sz="1400" u="none" cap="none" strike="noStrike">
           <a:solidFill>
             <a:srgbClr val="000000"/>
           </a:solidFill>
@@ -12026,7 +11743,7 @@
           <a:sym typeface="Arial"/>
         </a:defRPr>
       </a:lvl3pPr>
-      <a:lvl4pPr marR="0" lvl="3" algn="l" rtl="0">
+      <a:lvl4pPr lvl="3" marR="0" rtl="0" algn="l">
         <a:lnSpc>
           <a:spcPct val="100000"/>
         </a:lnSpc>
@@ -12040,7 +11757,7 @@
           <a:srgbClr val="000000"/>
         </a:buClr>
         <a:buFont typeface="Arial"/>
-        <a:defRPr sz="1400" b="0" i="0" u="none" strike="noStrike" cap="none">
+        <a:defRPr b="0" i="0" sz="1400" u="none" cap="none" strike="noStrike">
           <a:solidFill>
             <a:srgbClr val="000000"/>
           </a:solidFill>
@@ -12050,7 +11767,7 @@
           <a:sym typeface="Arial"/>
         </a:defRPr>
       </a:lvl4pPr>
-      <a:lvl5pPr marR="0" lvl="4" algn="l" rtl="0">
+      <a:lvl5pPr lvl="4" marR="0" rtl="0" algn="l">
         <a:lnSpc>
           <a:spcPct val="100000"/>
         </a:lnSpc>
@@ -12064,7 +11781,7 @@
           <a:srgbClr val="000000"/>
         </a:buClr>
         <a:buFont typeface="Arial"/>
-        <a:defRPr sz="1400" b="0" i="0" u="none" strike="noStrike" cap="none">
+        <a:defRPr b="0" i="0" sz="1400" u="none" cap="none" strike="noStrike">
           <a:solidFill>
             <a:srgbClr val="000000"/>
           </a:solidFill>
@@ -12074,7 +11791,7 @@
           <a:sym typeface="Arial"/>
         </a:defRPr>
       </a:lvl5pPr>
-      <a:lvl6pPr marR="0" lvl="5" algn="l" rtl="0">
+      <a:lvl6pPr lvl="5" marR="0" rtl="0" algn="l">
         <a:lnSpc>
           <a:spcPct val="100000"/>
         </a:lnSpc>
@@ -12088,7 +11805,7 @@
           <a:srgbClr val="000000"/>
         </a:buClr>
         <a:buFont typeface="Arial"/>
-        <a:defRPr sz="1400" b="0" i="0" u="none" strike="noStrike" cap="none">
+        <a:defRPr b="0" i="0" sz="1400" u="none" cap="none" strike="noStrike">
           <a:solidFill>
             <a:srgbClr val="000000"/>
           </a:solidFill>
@@ -12098,7 +11815,7 @@
           <a:sym typeface="Arial"/>
         </a:defRPr>
       </a:lvl6pPr>
-      <a:lvl7pPr marR="0" lvl="6" algn="l" rtl="0">
+      <a:lvl7pPr lvl="6" marR="0" rtl="0" algn="l">
         <a:lnSpc>
           <a:spcPct val="100000"/>
         </a:lnSpc>
@@ -12112,7 +11829,7 @@
           <a:srgbClr val="000000"/>
         </a:buClr>
         <a:buFont typeface="Arial"/>
-        <a:defRPr sz="1400" b="0" i="0" u="none" strike="noStrike" cap="none">
+        <a:defRPr b="0" i="0" sz="1400" u="none" cap="none" strike="noStrike">
           <a:solidFill>
             <a:srgbClr val="000000"/>
           </a:solidFill>
@@ -12122,7 +11839,7 @@
           <a:sym typeface="Arial"/>
         </a:defRPr>
       </a:lvl7pPr>
-      <a:lvl8pPr marR="0" lvl="7" algn="l" rtl="0">
+      <a:lvl8pPr lvl="7" marR="0" rtl="0" algn="l">
         <a:lnSpc>
           <a:spcPct val="100000"/>
         </a:lnSpc>
@@ -12136,7 +11853,7 @@
           <a:srgbClr val="000000"/>
         </a:buClr>
         <a:buFont typeface="Arial"/>
-        <a:defRPr sz="1400" b="0" i="0" u="none" strike="noStrike" cap="none">
+        <a:defRPr b="0" i="0" sz="1400" u="none" cap="none" strike="noStrike">
           <a:solidFill>
             <a:srgbClr val="000000"/>
           </a:solidFill>
@@ -12146,7 +11863,7 @@
           <a:sym typeface="Arial"/>
         </a:defRPr>
       </a:lvl8pPr>
-      <a:lvl9pPr marR="0" lvl="8" algn="l" rtl="0">
+      <a:lvl9pPr lvl="8" marR="0" rtl="0" algn="l">
         <a:lnSpc>
           <a:spcPct val="100000"/>
         </a:lnSpc>
@@ -12160,7 +11877,7 @@
           <a:srgbClr val="000000"/>
         </a:buClr>
         <a:buFont typeface="Arial"/>
-        <a:defRPr sz="1400" b="0" i="0" u="none" strike="noStrike" cap="none">
+        <a:defRPr b="0" i="0" sz="1400" u="none" cap="none" strike="noStrike">
           <a:solidFill>
             <a:srgbClr val="000000"/>
           </a:solidFill>
@@ -12172,7 +11889,7 @@
       </a:lvl9pPr>
     </p:bodyStyle>
     <p:otherStyle>
-      <a:defPPr marR="0" lvl="0" algn="l" rtl="0">
+      <a:defPPr lvl="0" marR="0" rtl="0" algn="l">
         <a:lnSpc>
           <a:spcPct val="100000"/>
         </a:lnSpc>
@@ -12183,7 +11900,7 @@
           <a:spcPts val="0"/>
         </a:spcAft>
       </a:defPPr>
-      <a:lvl1pPr marR="0" lvl="0" algn="l" rtl="0">
+      <a:lvl1pPr lvl="0" marR="0" rtl="0" algn="l">
         <a:lnSpc>
           <a:spcPct val="100000"/>
         </a:lnSpc>
@@ -12197,7 +11914,7 @@
           <a:srgbClr val="000000"/>
         </a:buClr>
         <a:buFont typeface="Arial"/>
-        <a:defRPr sz="1400" b="0" i="0" u="none" strike="noStrike" cap="none">
+        <a:defRPr b="0" i="0" sz="1400" u="none" cap="none" strike="noStrike">
           <a:solidFill>
             <a:srgbClr val="000000"/>
           </a:solidFill>
@@ -12207,7 +11924,7 @@
           <a:sym typeface="Arial"/>
         </a:defRPr>
       </a:lvl1pPr>
-      <a:lvl2pPr marR="0" lvl="1" algn="l" rtl="0">
+      <a:lvl2pPr lvl="1" marR="0" rtl="0" algn="l">
         <a:lnSpc>
           <a:spcPct val="100000"/>
         </a:lnSpc>
@@ -12221,7 +11938,7 @@
           <a:srgbClr val="000000"/>
         </a:buClr>
         <a:buFont typeface="Arial"/>
-        <a:defRPr sz="1400" b="0" i="0" u="none" strike="noStrike" cap="none">
+        <a:defRPr b="0" i="0" sz="1400" u="none" cap="none" strike="noStrike">
           <a:solidFill>
             <a:srgbClr val="000000"/>
           </a:solidFill>
@@ -12231,7 +11948,7 @@
           <a:sym typeface="Arial"/>
         </a:defRPr>
       </a:lvl2pPr>
-      <a:lvl3pPr marR="0" lvl="2" algn="l" rtl="0">
+      <a:lvl3pPr lvl="2" marR="0" rtl="0" algn="l">
         <a:lnSpc>
           <a:spcPct val="100000"/>
         </a:lnSpc>
@@ -12245,7 +11962,7 @@
           <a:srgbClr val="000000"/>
         </a:buClr>
         <a:buFont typeface="Arial"/>
-        <a:defRPr sz="1400" b="0" i="0" u="none" strike="noStrike" cap="none">
+        <a:defRPr b="0" i="0" sz="1400" u="none" cap="none" strike="noStrike">
           <a:solidFill>
             <a:srgbClr val="000000"/>
           </a:solidFill>
@@ -12255,7 +11972,7 @@
           <a:sym typeface="Arial"/>
         </a:defRPr>
       </a:lvl3pPr>
-      <a:lvl4pPr marR="0" lvl="3" algn="l" rtl="0">
+      <a:lvl4pPr lvl="3" marR="0" rtl="0" algn="l">
         <a:lnSpc>
           <a:spcPct val="100000"/>
         </a:lnSpc>
@@ -12269,7 +11986,7 @@
           <a:srgbClr val="000000"/>
         </a:buClr>
         <a:buFont typeface="Arial"/>
-        <a:defRPr sz="1400" b="0" i="0" u="none" strike="noStrike" cap="none">
+        <a:defRPr b="0" i="0" sz="1400" u="none" cap="none" strike="noStrike">
           <a:solidFill>
             <a:srgbClr val="000000"/>
           </a:solidFill>
@@ -12279,7 +11996,7 @@
           <a:sym typeface="Arial"/>
         </a:defRPr>
       </a:lvl4pPr>
-      <a:lvl5pPr marR="0" lvl="4" algn="l" rtl="0">
+      <a:lvl5pPr lvl="4" marR="0" rtl="0" algn="l">
         <a:lnSpc>
           <a:spcPct val="100000"/>
         </a:lnSpc>
@@ -12293,7 +12010,7 @@
           <a:srgbClr val="000000"/>
         </a:buClr>
         <a:buFont typeface="Arial"/>
-        <a:defRPr sz="1400" b="0" i="0" u="none" strike="noStrike" cap="none">
+        <a:defRPr b="0" i="0" sz="1400" u="none" cap="none" strike="noStrike">
           <a:solidFill>
             <a:srgbClr val="000000"/>
           </a:solidFill>
@@ -12303,7 +12020,7 @@
           <a:sym typeface="Arial"/>
         </a:defRPr>
       </a:lvl5pPr>
-      <a:lvl6pPr marR="0" lvl="5" algn="l" rtl="0">
+      <a:lvl6pPr lvl="5" marR="0" rtl="0" algn="l">
         <a:lnSpc>
           <a:spcPct val="100000"/>
         </a:lnSpc>
@@ -12317,7 +12034,7 @@
           <a:srgbClr val="000000"/>
         </a:buClr>
         <a:buFont typeface="Arial"/>
-        <a:defRPr sz="1400" b="0" i="0" u="none" strike="noStrike" cap="none">
+        <a:defRPr b="0" i="0" sz="1400" u="none" cap="none" strike="noStrike">
           <a:solidFill>
             <a:srgbClr val="000000"/>
           </a:solidFill>
@@ -12327,7 +12044,7 @@
           <a:sym typeface="Arial"/>
         </a:defRPr>
       </a:lvl6pPr>
-      <a:lvl7pPr marR="0" lvl="6" algn="l" rtl="0">
+      <a:lvl7pPr lvl="6" marR="0" rtl="0" algn="l">
         <a:lnSpc>
           <a:spcPct val="100000"/>
         </a:lnSpc>
@@ -12341,7 +12058,7 @@
           <a:srgbClr val="000000"/>
         </a:buClr>
         <a:buFont typeface="Arial"/>
-        <a:defRPr sz="1400" b="0" i="0" u="none" strike="noStrike" cap="none">
+        <a:defRPr b="0" i="0" sz="1400" u="none" cap="none" strike="noStrike">
           <a:solidFill>
             <a:srgbClr val="000000"/>
           </a:solidFill>
@@ -12351,7 +12068,7 @@
           <a:sym typeface="Arial"/>
         </a:defRPr>
       </a:lvl7pPr>
-      <a:lvl8pPr marR="0" lvl="7" algn="l" rtl="0">
+      <a:lvl8pPr lvl="7" marR="0" rtl="0" algn="l">
         <a:lnSpc>
           <a:spcPct val="100000"/>
         </a:lnSpc>
@@ -12365,7 +12082,7 @@
           <a:srgbClr val="000000"/>
         </a:buClr>
         <a:buFont typeface="Arial"/>
-        <a:defRPr sz="1400" b="0" i="0" u="none" strike="noStrike" cap="none">
+        <a:defRPr b="0" i="0" sz="1400" u="none" cap="none" strike="noStrike">
           <a:solidFill>
             <a:srgbClr val="000000"/>
           </a:solidFill>
@@ -12375,7 +12092,7 @@
           <a:sym typeface="Arial"/>
         </a:defRPr>
       </a:lvl8pPr>
-      <a:lvl9pPr marR="0" lvl="8" algn="l" rtl="0">
+      <a:lvl9pPr lvl="8" marR="0" rtl="0" algn="l">
         <a:lnSpc>
           <a:spcPct val="100000"/>
         </a:lnSpc>
@@ -12389,7 +12106,7 @@
           <a:srgbClr val="000000"/>
         </a:buClr>
         <a:buFont typeface="Arial"/>
-        <a:defRPr sz="1400" b="0" i="0" u="none" strike="noStrike" cap="none">
+        <a:defRPr b="0" i="0" sz="1400" u="none" cap="none" strike="noStrike">
           <a:solidFill>
             <a:srgbClr val="000000"/>
           </a:solidFill>
@@ -12405,19 +12122,18 @@
 </file>
 
 <file path=ppt/slides/slide1.xml><?xml version="1.0" encoding="utf-8"?>
-<p:sld xmlns:a="http://schemas.openxmlformats.org/drawingml/2006/main" xmlns:r="http://schemas.openxmlformats.org/officeDocument/2006/relationships" xmlns:p="http://schemas.openxmlformats.org/presentationml/2006/main">
+<p:sld xmlns:a="http://schemas.openxmlformats.org/drawingml/2006/main" xmlns:r="http://schemas.openxmlformats.org/officeDocument/2006/relationships" xmlns:mc="http://schemas.openxmlformats.org/markup-compatibility/2006" xmlns:mv="urn:schemas-microsoft-com:mac:vml" xmlns:p="http://schemas.openxmlformats.org/presentationml/2006/main" xmlns:c="http://schemas.openxmlformats.org/drawingml/2006/chart" xmlns:dgm="http://schemas.openxmlformats.org/drawingml/2006/diagram" xmlns:o="urn:schemas-microsoft-com:office:office" xmlns:v="urn:schemas-microsoft-com:vml" xmlns:pvml="urn:schemas-microsoft-com:office:powerpoint" xmlns:com="http://schemas.openxmlformats.org/drawingml/2006/compatibility" xmlns:p14="http://schemas.microsoft.com/office/powerpoint/2010/main" xmlns:p15="http://schemas.microsoft.com/office/powerpoint/2012/main" xmlns:ahyp="http://schemas.microsoft.com/office/drawing/2018/hyperlinkcolor">
   <p:cSld>
     <p:bg>
       <p:bgPr>
         <a:solidFill>
           <a:schemeClr val="lt1"/>
         </a:solidFill>
-        <a:effectLst/>
       </p:bgPr>
     </p:bg>
     <p:spTree>
       <p:nvGrpSpPr>
-        <p:cNvPr id="1" name="Shape 93"/>
+        <p:cNvPr id="93" name="Shape 93"/>
         <p:cNvGrpSpPr/>
         <p:nvPr/>
       </p:nvGrpSpPr>
@@ -12451,12 +12167,12 @@
           </a:ln>
         </p:spPr>
         <p:txBody>
-          <a:bodyPr spcFirstLastPara="1" wrap="square" lIns="91425" tIns="45700" rIns="91425" bIns="45700" anchor="ctr" anchorCtr="0">
+          <a:bodyPr anchorCtr="0" anchor="ctr" bIns="45700" lIns="91425" spcFirstLastPara="1" rIns="91425" wrap="square" tIns="45700">
             <a:noAutofit/>
           </a:bodyPr>
           <a:lstStyle/>
           <a:p>
-            <a:pPr marL="0" marR="0" lvl="0" indent="0" algn="ctr" rtl="0">
+            <a:pPr indent="0" lvl="0" marL="0" marR="0" rtl="0" algn="ctr">
               <a:spcBef>
                 <a:spcPts val="0"/>
               </a:spcBef>
@@ -12465,7 +12181,10 @@
               </a:spcAft>
               <a:buNone/>
             </a:pPr>
-            <a:endParaRPr sz="1800" b="0" i="0" u="none" strike="noStrike" cap="none">
+            <a:r>
+              <a:t/>
+            </a:r>
+            <a:endParaRPr b="0" i="0" sz="1800" u="none" cap="none" strike="noStrike">
               <a:solidFill>
                 <a:schemeClr val="lt1"/>
               </a:solidFill>
@@ -12480,9 +12199,7 @@
       <p:sp>
         <p:nvSpPr>
           <p:cNvPr id="95" name="Google Shape;95;p1"/>
-          <p:cNvSpPr txBox="1">
-            <a:spLocks noGrp="1"/>
-          </p:cNvSpPr>
+          <p:cNvSpPr txBox="1"/>
           <p:nvPr>
             <p:ph type="ctrTitle"/>
           </p:nvPr>
@@ -12501,12 +12218,12 @@
           </a:ln>
         </p:spPr>
         <p:txBody>
-          <a:bodyPr spcFirstLastPara="1" wrap="square" lIns="91425" tIns="45700" rIns="91425" bIns="45700" anchor="b" anchorCtr="0">
+          <a:bodyPr anchorCtr="0" anchor="b" bIns="45700" lIns="91425" spcFirstLastPara="1" rIns="91425" wrap="square" tIns="45700">
             <a:normAutofit/>
           </a:bodyPr>
           <a:lstStyle/>
           <a:p>
-            <a:pPr marL="0" lvl="0" indent="0" algn="l" rtl="0">
+            <a:pPr indent="0" lvl="0" marL="0" rtl="0" algn="l">
               <a:lnSpc>
                 <a:spcPct val="90000"/>
               </a:lnSpc>
@@ -12534,11 +12251,9 @@
       <p:sp>
         <p:nvSpPr>
           <p:cNvPr id="96" name="Google Shape;96;p1"/>
-          <p:cNvSpPr txBox="1">
-            <a:spLocks noGrp="1"/>
-          </p:cNvSpPr>
+          <p:cNvSpPr txBox="1"/>
           <p:nvPr>
-            <p:ph type="subTitle" idx="1"/>
+            <p:ph idx="1" type="subTitle"/>
           </p:nvPr>
         </p:nvSpPr>
         <p:spPr>
@@ -12555,12 +12270,12 @@
           </a:ln>
         </p:spPr>
         <p:txBody>
-          <a:bodyPr spcFirstLastPara="1" wrap="square" lIns="91425" tIns="45700" rIns="91425" bIns="45700" anchor="t" anchorCtr="0">
+          <a:bodyPr anchorCtr="0" anchor="t" bIns="45700" lIns="91425" spcFirstLastPara="1" rIns="91425" wrap="square" tIns="45700">
             <a:normAutofit/>
           </a:bodyPr>
           <a:lstStyle/>
           <a:p>
-            <a:pPr marL="0" lvl="0" indent="0" algn="l" rtl="0">
+            <a:pPr indent="0" lvl="0" marL="0" rtl="0" algn="l">
               <a:lnSpc>
                 <a:spcPct val="110000"/>
               </a:lnSpc>
@@ -12573,13 +12288,16 @@
               <a:buSzPts val="2400"/>
               <a:buNone/>
             </a:pPr>
+            <a:r>
+              <a:t/>
+            </a:r>
             <a:endParaRPr/>
           </a:p>
         </p:txBody>
       </p:sp>
       <p:pic>
         <p:nvPicPr>
-          <p:cNvPr id="97" name="Google Shape;97;p1" descr="A picture containing building, sitting, bench, side&#10;&#10;Description automatically generated"/>
+          <p:cNvPr descr="A picture containing building, sitting, bench, side&#10;&#10;Description automatically generated" id="97" name="Google Shape;97;p1"/>
           <p:cNvPicPr preferRelativeResize="0"/>
           <p:nvPr/>
         </p:nvPicPr>
@@ -12587,7 +12305,7 @@
           <a:blip r:embed="rId3">
             <a:alphaModFix/>
           </a:blip>
-          <a:srcRect/>
+          <a:srcRect b="0" l="0" r="0" t="0"/>
           <a:stretch/>
         </p:blipFill>
         <p:spPr>
@@ -12619,14 +12337,14 @@
             <a:avLst/>
           </a:prstGeom>
           <a:noFill/>
-          <a:ln w="12700" cap="flat" cmpd="sng">
+          <a:ln cap="flat" cmpd="sng" w="12700">
             <a:solidFill>
               <a:srgbClr val="3F3F3F"/>
             </a:solidFill>
             <a:prstDash val="solid"/>
             <a:round/>
-            <a:headEnd type="none" w="sm" len="sm"/>
-            <a:tailEnd type="none" w="sm" len="sm"/>
+            <a:headEnd len="sm" w="sm" type="none"/>
+            <a:tailEnd len="sm" w="sm" type="none"/>
           </a:ln>
         </p:spPr>
       </p:cxnSp>
@@ -12639,11 +12357,11 @@
 </file>
 
 <file path=ppt/slides/slide2.xml><?xml version="1.0" encoding="utf-8"?>
-<p:sld xmlns:a="http://schemas.openxmlformats.org/drawingml/2006/main" xmlns:r="http://schemas.openxmlformats.org/officeDocument/2006/relationships" xmlns:p="http://schemas.openxmlformats.org/presentationml/2006/main">
+<p:sld xmlns:a="http://schemas.openxmlformats.org/drawingml/2006/main" xmlns:r="http://schemas.openxmlformats.org/officeDocument/2006/relationships" xmlns:mc="http://schemas.openxmlformats.org/markup-compatibility/2006" xmlns:mv="urn:schemas-microsoft-com:mac:vml" xmlns:p="http://schemas.openxmlformats.org/presentationml/2006/main" xmlns:c="http://schemas.openxmlformats.org/drawingml/2006/chart" xmlns:dgm="http://schemas.openxmlformats.org/drawingml/2006/diagram" xmlns:o="urn:schemas-microsoft-com:office:office" xmlns:v="urn:schemas-microsoft-com:vml" xmlns:pvml="urn:schemas-microsoft-com:office:powerpoint" xmlns:com="http://schemas.openxmlformats.org/drawingml/2006/compatibility" xmlns:p14="http://schemas.microsoft.com/office/powerpoint/2010/main" xmlns:p15="http://schemas.microsoft.com/office/powerpoint/2012/main" xmlns:ahyp="http://schemas.microsoft.com/office/drawing/2018/hyperlinkcolor">
   <p:cSld>
     <p:spTree>
       <p:nvGrpSpPr>
-        <p:cNvPr id="1" name="Shape 102"/>
+        <p:cNvPr id="102" name="Shape 102"/>
         <p:cNvGrpSpPr/>
         <p:nvPr/>
       </p:nvGrpSpPr>
@@ -12658,9 +12376,7 @@
       <p:sp>
         <p:nvSpPr>
           <p:cNvPr id="103" name="Google Shape;103;p2"/>
-          <p:cNvSpPr txBox="1">
-            <a:spLocks noGrp="1"/>
-          </p:cNvSpPr>
+          <p:cNvSpPr txBox="1"/>
           <p:nvPr>
             <p:ph type="title"/>
           </p:nvPr>
@@ -12679,12 +12395,12 @@
           </a:ln>
         </p:spPr>
         <p:txBody>
-          <a:bodyPr spcFirstLastPara="1" wrap="square" lIns="91425" tIns="45700" rIns="91425" bIns="45700" anchor="b" anchorCtr="0">
+          <a:bodyPr anchorCtr="0" anchor="b" bIns="45700" lIns="91425" spcFirstLastPara="1" rIns="91425" wrap="square" tIns="45700">
             <a:normAutofit/>
           </a:bodyPr>
           <a:lstStyle/>
           <a:p>
-            <a:pPr marL="0" lvl="0" indent="0" algn="l" rtl="0">
+            <a:pPr indent="0" lvl="0" marL="0" rtl="0" algn="l">
               <a:lnSpc>
                 <a:spcPct val="90000"/>
               </a:lnSpc>
@@ -12712,11 +12428,9 @@
       <p:sp>
         <p:nvSpPr>
           <p:cNvPr id="104" name="Google Shape;104;p2"/>
-          <p:cNvSpPr txBox="1">
-            <a:spLocks noGrp="1"/>
-          </p:cNvSpPr>
+          <p:cNvSpPr txBox="1"/>
           <p:nvPr>
-            <p:ph type="body" idx="1"/>
+            <p:ph idx="1" type="body"/>
           </p:nvPr>
         </p:nvSpPr>
         <p:spPr>
@@ -12733,12 +12447,12 @@
           </a:ln>
         </p:spPr>
         <p:txBody>
-          <a:bodyPr spcFirstLastPara="1" wrap="square" lIns="0" tIns="45700" rIns="0" bIns="45700" anchor="t" anchorCtr="0">
+          <a:bodyPr anchorCtr="0" anchor="t" bIns="45700" lIns="0" spcFirstLastPara="1" rIns="0" wrap="square" tIns="45700">
             <a:normAutofit/>
           </a:bodyPr>
           <a:lstStyle/>
           <a:p>
-            <a:pPr marL="91440" lvl="0" indent="-120650" algn="l" rtl="0">
+            <a:pPr indent="-120650" lvl="0" marL="91440" rtl="0" algn="l">
               <a:lnSpc>
                 <a:spcPct val="110000"/>
               </a:lnSpc>
@@ -12758,7 +12472,7 @@
             <a:endParaRPr/>
           </a:p>
           <a:p>
-            <a:pPr marL="91440" lvl="0" indent="0" algn="l" rtl="0">
+            <a:pPr indent="0" lvl="0" marL="91440" rtl="0" algn="l">
               <a:lnSpc>
                 <a:spcPct val="110000"/>
               </a:lnSpc>
@@ -12771,10 +12485,13 @@
               <a:buSzPts val="1900"/>
               <a:buNone/>
             </a:pPr>
+            <a:r>
+              <a:t/>
+            </a:r>
             <a:endParaRPr/>
           </a:p>
           <a:p>
-            <a:pPr marL="91440" lvl="0" indent="-120650" algn="l" rtl="0">
+            <a:pPr indent="-120650" lvl="0" marL="91440" rtl="0" algn="l">
               <a:lnSpc>
                 <a:spcPct val="110000"/>
               </a:lnSpc>
@@ -12804,11 +12521,11 @@
 </file>
 
 <file path=ppt/slides/slide3.xml><?xml version="1.0" encoding="utf-8"?>
-<p:sld xmlns:a="http://schemas.openxmlformats.org/drawingml/2006/main" xmlns:r="http://schemas.openxmlformats.org/officeDocument/2006/relationships" xmlns:p="http://schemas.openxmlformats.org/presentationml/2006/main">
+<p:sld xmlns:a="http://schemas.openxmlformats.org/drawingml/2006/main" xmlns:r="http://schemas.openxmlformats.org/officeDocument/2006/relationships" xmlns:mc="http://schemas.openxmlformats.org/markup-compatibility/2006" xmlns:mv="urn:schemas-microsoft-com:mac:vml" xmlns:p="http://schemas.openxmlformats.org/presentationml/2006/main" xmlns:c="http://schemas.openxmlformats.org/drawingml/2006/chart" xmlns:dgm="http://schemas.openxmlformats.org/drawingml/2006/diagram" xmlns:o="urn:schemas-microsoft-com:office:office" xmlns:v="urn:schemas-microsoft-com:vml" xmlns:pvml="urn:schemas-microsoft-com:office:powerpoint" xmlns:com="http://schemas.openxmlformats.org/drawingml/2006/compatibility" xmlns:p14="http://schemas.microsoft.com/office/powerpoint/2010/main" xmlns:p15="http://schemas.microsoft.com/office/powerpoint/2012/main" xmlns:ahyp="http://schemas.microsoft.com/office/drawing/2018/hyperlinkcolor">
   <p:cSld>
     <p:spTree>
       <p:nvGrpSpPr>
-        <p:cNvPr id="1" name="Shape 108"/>
+        <p:cNvPr id="108" name="Shape 108"/>
         <p:cNvGrpSpPr/>
         <p:nvPr/>
       </p:nvGrpSpPr>
@@ -12823,9 +12540,7 @@
       <p:sp>
         <p:nvSpPr>
           <p:cNvPr id="109" name="Google Shape;109;p3"/>
-          <p:cNvSpPr txBox="1">
-            <a:spLocks noGrp="1"/>
-          </p:cNvSpPr>
+          <p:cNvSpPr txBox="1"/>
           <p:nvPr>
             <p:ph type="title"/>
           </p:nvPr>
@@ -12844,12 +12559,12 @@
           </a:ln>
         </p:spPr>
         <p:txBody>
-          <a:bodyPr spcFirstLastPara="1" wrap="square" lIns="91425" tIns="45700" rIns="91425" bIns="45700" anchor="b" anchorCtr="0">
+          <a:bodyPr anchorCtr="0" anchor="b" bIns="45700" lIns="91425" spcFirstLastPara="1" rIns="91425" wrap="square" tIns="45700">
             <a:normAutofit/>
           </a:bodyPr>
           <a:lstStyle/>
           <a:p>
-            <a:pPr marL="0" lvl="0" indent="0" algn="l" rtl="0">
+            <a:pPr indent="0" lvl="0" marL="0" rtl="0" algn="l">
               <a:lnSpc>
                 <a:spcPct val="90000"/>
               </a:lnSpc>
@@ -12867,21 +12582,19 @@
               <a:buNone/>
             </a:pPr>
             <a:r>
-              <a:rPr lang="en-US" dirty="0"/>
+              <a:rPr lang="en-US"/>
               <a:t>Source of Data</a:t>
             </a:r>
-            <a:endParaRPr dirty="0"/>
+            <a:endParaRPr/>
           </a:p>
         </p:txBody>
       </p:sp>
       <p:sp>
         <p:nvSpPr>
           <p:cNvPr id="110" name="Google Shape;110;p3"/>
-          <p:cNvSpPr txBox="1">
-            <a:spLocks noGrp="1"/>
-          </p:cNvSpPr>
+          <p:cNvSpPr txBox="1"/>
           <p:nvPr>
-            <p:ph type="body" idx="1"/>
+            <p:ph idx="1" type="body"/>
           </p:nvPr>
         </p:nvSpPr>
         <p:spPr>
@@ -12898,12 +12611,12 @@
           </a:ln>
         </p:spPr>
         <p:txBody>
-          <a:bodyPr spcFirstLastPara="1" wrap="square" lIns="0" tIns="45700" rIns="0" bIns="45700" anchor="t" anchorCtr="0">
+          <a:bodyPr anchorCtr="0" anchor="t" bIns="45700" lIns="0" spcFirstLastPara="1" rIns="0" wrap="square" tIns="45700">
             <a:normAutofit/>
           </a:bodyPr>
           <a:lstStyle/>
           <a:p>
-            <a:pPr marL="91440" lvl="0" indent="0" algn="l" rtl="0">
+            <a:pPr indent="0" lvl="0" marL="91440" rtl="0" algn="l">
               <a:lnSpc>
                 <a:spcPct val="110000"/>
               </a:lnSpc>
@@ -12917,118 +12630,9 @@
               <a:buNone/>
             </a:pPr>
             <a:r>
-              <a:rPr lang="en-US" dirty="0"/>
-              <a:t>Postgres database that consists of two tables of Los Angeles Real Estate data. </a:t>
+              <a:t/>
             </a:r>
-          </a:p>
-          <a:p>
-            <a:pPr marL="91440" lvl="0" indent="0" algn="l" rtl="0">
-              <a:lnSpc>
-                <a:spcPct val="110000"/>
-              </a:lnSpc>
-              <a:spcBef>
-                <a:spcPts val="0"/>
-              </a:spcBef>
-              <a:spcAft>
-                <a:spcPts val="0"/>
-              </a:spcAft>
-              <a:buSzPts val="1900"/>
-              <a:buNone/>
-            </a:pPr>
-            <a:endParaRPr lang="en-US" dirty="0"/>
-          </a:p>
-          <a:p>
-            <a:pPr marL="91440" indent="0">
-              <a:spcBef>
-                <a:spcPts val="0"/>
-              </a:spcBef>
-              <a:buSzPts val="1900"/>
-              <a:buNone/>
-            </a:pPr>
-            <a:r>
-              <a:rPr lang="en-US" dirty="0"/>
-              <a:t>Sales Table</a:t>
-            </a:r>
-          </a:p>
-          <a:p>
-            <a:pPr marL="434340">
-              <a:spcBef>
-                <a:spcPts val="0"/>
-              </a:spcBef>
-              <a:buSzPts val="1900"/>
-              <a:buFont typeface="Wingdings" panose="05000000000000000000" pitchFamily="2" charset="2"/>
-              <a:buChar char="§"/>
-            </a:pPr>
-            <a:r>
-              <a:rPr lang="en-US" dirty="0"/>
-              <a:t>45 Columns</a:t>
-            </a:r>
-          </a:p>
-          <a:p>
-            <a:pPr marL="434340">
-              <a:spcBef>
-                <a:spcPts val="0"/>
-              </a:spcBef>
-              <a:buSzPts val="1900"/>
-              <a:buFont typeface="Wingdings" panose="05000000000000000000" pitchFamily="2" charset="2"/>
-              <a:buChar char="§"/>
-            </a:pPr>
-            <a:r>
-              <a:rPr lang="en-US" dirty="0"/>
-              <a:t>6829 Rows</a:t>
-            </a:r>
-          </a:p>
-          <a:p>
-            <a:pPr marL="91440" indent="0">
-              <a:spcBef>
-                <a:spcPts val="0"/>
-              </a:spcBef>
-              <a:buSzPts val="1900"/>
-              <a:buNone/>
-            </a:pPr>
-            <a:endParaRPr lang="en-US" dirty="0"/>
-          </a:p>
-          <a:p>
-            <a:pPr marL="91440" indent="0">
-              <a:spcBef>
-                <a:spcPts val="0"/>
-              </a:spcBef>
-              <a:buSzPts val="1900"/>
-              <a:buNone/>
-            </a:pPr>
-            <a:r>
-              <a:rPr lang="en-US" dirty="0"/>
-              <a:t>Total Table</a:t>
-            </a:r>
-          </a:p>
-          <a:p>
-            <a:pPr marL="434340">
-              <a:spcBef>
-                <a:spcPts val="0"/>
-              </a:spcBef>
-              <a:buSzPts val="1900"/>
-              <a:buFont typeface="Wingdings" panose="05000000000000000000" pitchFamily="2" charset="2"/>
-              <a:buChar char="§"/>
-            </a:pPr>
-            <a:r>
-              <a:rPr lang="en-US" dirty="0"/>
-              <a:t>52 Columns</a:t>
-            </a:r>
-          </a:p>
-          <a:p>
-            <a:pPr marL="434340">
-              <a:spcBef>
-                <a:spcPts val="0"/>
-              </a:spcBef>
-              <a:buSzPts val="1900"/>
-              <a:buFont typeface="Wingdings" panose="05000000000000000000" pitchFamily="2" charset="2"/>
-              <a:buChar char="§"/>
-            </a:pPr>
-            <a:r>
-              <a:rPr lang="en-US" dirty="0"/>
-              <a:t>39310</a:t>
-            </a:r>
-            <a:endParaRPr dirty="0"/>
+            <a:endParaRPr/>
           </a:p>
         </p:txBody>
       </p:sp>
@@ -13041,11 +12645,11 @@
 </file>
 
 <file path=ppt/slides/slide4.xml><?xml version="1.0" encoding="utf-8"?>
-<p:sld xmlns:a="http://schemas.openxmlformats.org/drawingml/2006/main" xmlns:r="http://schemas.openxmlformats.org/officeDocument/2006/relationships" xmlns:p="http://schemas.openxmlformats.org/presentationml/2006/main">
+<p:sld xmlns:a="http://schemas.openxmlformats.org/drawingml/2006/main" xmlns:r="http://schemas.openxmlformats.org/officeDocument/2006/relationships" xmlns:mc="http://schemas.openxmlformats.org/markup-compatibility/2006" xmlns:mv="urn:schemas-microsoft-com:mac:vml" xmlns:p="http://schemas.openxmlformats.org/presentationml/2006/main" xmlns:c="http://schemas.openxmlformats.org/drawingml/2006/chart" xmlns:dgm="http://schemas.openxmlformats.org/drawingml/2006/diagram" xmlns:o="urn:schemas-microsoft-com:office:office" xmlns:v="urn:schemas-microsoft-com:vml" xmlns:pvml="urn:schemas-microsoft-com:office:powerpoint" xmlns:com="http://schemas.openxmlformats.org/drawingml/2006/compatibility" xmlns:p14="http://schemas.microsoft.com/office/powerpoint/2010/main" xmlns:p15="http://schemas.microsoft.com/office/powerpoint/2012/main" xmlns:ahyp="http://schemas.microsoft.com/office/drawing/2018/hyperlinkcolor">
   <p:cSld>
     <p:spTree>
       <p:nvGrpSpPr>
-        <p:cNvPr id="1" name="Shape 114"/>
+        <p:cNvPr id="114" name="Shape 114"/>
         <p:cNvGrpSpPr/>
         <p:nvPr/>
       </p:nvGrpSpPr>
@@ -13060,9 +12664,7 @@
       <p:sp>
         <p:nvSpPr>
           <p:cNvPr id="115" name="Google Shape;115;p4"/>
-          <p:cNvSpPr txBox="1">
-            <a:spLocks noGrp="1"/>
-          </p:cNvSpPr>
+          <p:cNvSpPr txBox="1"/>
           <p:nvPr>
             <p:ph type="title"/>
           </p:nvPr>
@@ -13081,12 +12683,12 @@
           </a:ln>
         </p:spPr>
         <p:txBody>
-          <a:bodyPr spcFirstLastPara="1" wrap="square" lIns="91425" tIns="45700" rIns="91425" bIns="45700" anchor="b" anchorCtr="0">
+          <a:bodyPr anchorCtr="0" anchor="b" bIns="45700" lIns="91425" spcFirstLastPara="1" rIns="91425" wrap="square" tIns="45700">
             <a:normAutofit/>
           </a:bodyPr>
           <a:lstStyle/>
           <a:p>
-            <a:pPr marL="0" lvl="0" indent="0" algn="l" rtl="0">
+            <a:pPr indent="0" lvl="0" marL="0" rtl="0" algn="l">
               <a:lnSpc>
                 <a:spcPct val="90000"/>
               </a:lnSpc>
@@ -13114,11 +12716,9 @@
       <p:sp>
         <p:nvSpPr>
           <p:cNvPr id="116" name="Google Shape;116;p4"/>
-          <p:cNvSpPr txBox="1">
-            <a:spLocks noGrp="1"/>
-          </p:cNvSpPr>
+          <p:cNvSpPr txBox="1"/>
           <p:nvPr>
-            <p:ph type="body" idx="1"/>
+            <p:ph idx="1" type="body"/>
           </p:nvPr>
         </p:nvSpPr>
         <p:spPr>
@@ -13135,12 +12735,12 @@
           </a:ln>
         </p:spPr>
         <p:txBody>
-          <a:bodyPr spcFirstLastPara="1" wrap="square" lIns="0" tIns="45700" rIns="0" bIns="45700" anchor="t" anchorCtr="0">
+          <a:bodyPr anchorCtr="0" anchor="t" bIns="45700" lIns="0" spcFirstLastPara="1" rIns="0" wrap="square" tIns="45700">
             <a:normAutofit/>
           </a:bodyPr>
           <a:lstStyle/>
           <a:p>
-            <a:pPr marL="91440" lvl="0" indent="-120650" algn="l" rtl="0">
+            <a:pPr indent="-120650" lvl="0" marL="91440" rtl="0" algn="l">
               <a:lnSpc>
                 <a:spcPct val="110000"/>
               </a:lnSpc>
@@ -13160,7 +12760,7 @@
             <a:endParaRPr/>
           </a:p>
           <a:p>
-            <a:pPr marL="91440" lvl="0" indent="-120650" algn="l" rtl="0">
+            <a:pPr indent="-120650" lvl="0" marL="91440" rtl="0" algn="l">
               <a:lnSpc>
                 <a:spcPct val="110000"/>
               </a:lnSpc>
@@ -13180,7 +12780,7 @@
             <a:endParaRPr/>
           </a:p>
           <a:p>
-            <a:pPr marL="0" lvl="0" indent="0" algn="l" rtl="0">
+            <a:pPr indent="0" lvl="0" marL="0" rtl="0" algn="l">
               <a:lnSpc>
                 <a:spcPct val="110000"/>
               </a:lnSpc>
@@ -13200,7 +12800,7 @@
             <a:endParaRPr/>
           </a:p>
           <a:p>
-            <a:pPr marL="91440" lvl="0" indent="0" algn="l" rtl="0">
+            <a:pPr indent="0" lvl="0" marL="91440" rtl="0" algn="l">
               <a:lnSpc>
                 <a:spcPct val="110000"/>
               </a:lnSpc>
@@ -13213,6 +12813,9 @@
               <a:buSzPts val="1900"/>
               <a:buNone/>
             </a:pPr>
+            <a:r>
+              <a:t/>
+            </a:r>
             <a:endParaRPr/>
           </a:p>
         </p:txBody>
@@ -13226,11 +12829,11 @@
 </file>
 
 <file path=ppt/slides/slide5.xml><?xml version="1.0" encoding="utf-8"?>
-<p:sld xmlns:a="http://schemas.openxmlformats.org/drawingml/2006/main" xmlns:r="http://schemas.openxmlformats.org/officeDocument/2006/relationships" xmlns:p="http://schemas.openxmlformats.org/presentationml/2006/main">
+<p:sld xmlns:a="http://schemas.openxmlformats.org/drawingml/2006/main" xmlns:r="http://schemas.openxmlformats.org/officeDocument/2006/relationships" xmlns:mc="http://schemas.openxmlformats.org/markup-compatibility/2006" xmlns:mv="urn:schemas-microsoft-com:mac:vml" xmlns:p="http://schemas.openxmlformats.org/presentationml/2006/main" xmlns:c="http://schemas.openxmlformats.org/drawingml/2006/chart" xmlns:dgm="http://schemas.openxmlformats.org/drawingml/2006/diagram" xmlns:o="urn:schemas-microsoft-com:office:office" xmlns:v="urn:schemas-microsoft-com:vml" xmlns:pvml="urn:schemas-microsoft-com:office:powerpoint" xmlns:com="http://schemas.openxmlformats.org/drawingml/2006/compatibility" xmlns:p14="http://schemas.microsoft.com/office/powerpoint/2010/main" xmlns:p15="http://schemas.microsoft.com/office/powerpoint/2012/main" xmlns:ahyp="http://schemas.microsoft.com/office/drawing/2018/hyperlinkcolor">
   <p:cSld>
     <p:spTree>
       <p:nvGrpSpPr>
-        <p:cNvPr id="1" name="Shape 120"/>
+        <p:cNvPr id="120" name="Shape 120"/>
         <p:cNvGrpSpPr/>
         <p:nvPr/>
       </p:nvGrpSpPr>
@@ -13245,9 +12848,7 @@
       <p:sp>
         <p:nvSpPr>
           <p:cNvPr id="121" name="Google Shape;121;p5"/>
-          <p:cNvSpPr txBox="1">
-            <a:spLocks noGrp="1"/>
-          </p:cNvSpPr>
+          <p:cNvSpPr txBox="1"/>
           <p:nvPr>
             <p:ph type="title"/>
           </p:nvPr>
@@ -13266,12 +12867,12 @@
           </a:ln>
         </p:spPr>
         <p:txBody>
-          <a:bodyPr spcFirstLastPara="1" wrap="square" lIns="91425" tIns="45700" rIns="91425" bIns="45700" anchor="b" anchorCtr="0">
+          <a:bodyPr anchorCtr="0" anchor="b" bIns="45700" lIns="91425" spcFirstLastPara="1" rIns="91425" wrap="square" tIns="45700">
             <a:normAutofit/>
           </a:bodyPr>
           <a:lstStyle/>
           <a:p>
-            <a:pPr marL="0" lvl="0" indent="0" algn="l" rtl="0">
+            <a:pPr indent="0" lvl="0" marL="0" rtl="0" algn="l">
               <a:lnSpc>
                 <a:spcPct val="90000"/>
               </a:lnSpc>
@@ -13288,6 +12889,9 @@
               <a:buFont typeface="Bookman Old Style"/>
               <a:buNone/>
             </a:pPr>
+            <a:r>
+              <a:t/>
+            </a:r>
             <a:endParaRPr/>
           </a:p>
         </p:txBody>
@@ -13295,11 +12899,9 @@
       <p:sp>
         <p:nvSpPr>
           <p:cNvPr id="122" name="Google Shape;122;p5"/>
-          <p:cNvSpPr txBox="1">
-            <a:spLocks noGrp="1"/>
-          </p:cNvSpPr>
+          <p:cNvSpPr txBox="1"/>
           <p:nvPr>
-            <p:ph type="body" idx="1"/>
+            <p:ph idx="1" type="body"/>
           </p:nvPr>
         </p:nvSpPr>
         <p:spPr>
@@ -13316,12 +12918,12 @@
           </a:ln>
         </p:spPr>
         <p:txBody>
-          <a:bodyPr spcFirstLastPara="1" wrap="square" lIns="0" tIns="45700" rIns="0" bIns="45700" anchor="t" anchorCtr="0">
+          <a:bodyPr anchorCtr="0" anchor="t" bIns="45700" lIns="0" spcFirstLastPara="1" rIns="0" wrap="square" tIns="45700">
             <a:normAutofit/>
           </a:bodyPr>
           <a:lstStyle/>
           <a:p>
-            <a:pPr marL="91440" lvl="0" indent="-120650" algn="l" rtl="0">
+            <a:pPr indent="-120650" lvl="0" marL="91440" rtl="0" algn="l">
               <a:lnSpc>
                 <a:spcPct val="110000"/>
               </a:lnSpc>
@@ -13341,7 +12943,7 @@
             <a:endParaRPr/>
           </a:p>
           <a:p>
-            <a:pPr marL="0" lvl="0" indent="0" algn="l" rtl="0">
+            <a:pPr indent="0" lvl="0" marL="0" rtl="0" algn="l">
               <a:lnSpc>
                 <a:spcPct val="110000"/>
               </a:lnSpc>
@@ -13361,7 +12963,7 @@
             <a:endParaRPr/>
           </a:p>
           <a:p>
-            <a:pPr marL="0" lvl="0" indent="0" algn="l" rtl="0">
+            <a:pPr indent="0" lvl="0" marL="0" rtl="0" algn="l">
               <a:lnSpc>
                 <a:spcPct val="110000"/>
               </a:lnSpc>
@@ -13381,7 +12983,7 @@
             <a:endParaRPr/>
           </a:p>
           <a:p>
-            <a:pPr marL="91440" lvl="0" indent="0" algn="l" rtl="0">
+            <a:pPr indent="0" lvl="0" marL="91440" rtl="0" algn="l">
               <a:lnSpc>
                 <a:spcPct val="110000"/>
               </a:lnSpc>
@@ -13394,10 +12996,13 @@
               <a:buSzPts val="1900"/>
               <a:buNone/>
             </a:pPr>
+            <a:r>
+              <a:t/>
+            </a:r>
             <a:endParaRPr/>
           </a:p>
           <a:p>
-            <a:pPr marL="0" lvl="0" indent="0" algn="l" rtl="0">
+            <a:pPr indent="0" lvl="0" marL="0" rtl="0" algn="l">
               <a:lnSpc>
                 <a:spcPct val="110000"/>
               </a:lnSpc>
@@ -13410,6 +13015,9 @@
               <a:buSzPts val="1900"/>
               <a:buNone/>
             </a:pPr>
+            <a:r>
+              <a:t/>
+            </a:r>
             <a:endParaRPr/>
           </a:p>
         </p:txBody>
@@ -13423,11 +13031,11 @@
 </file>
 
 <file path=ppt/slides/slide6.xml><?xml version="1.0" encoding="utf-8"?>
-<p:sld xmlns:a="http://schemas.openxmlformats.org/drawingml/2006/main" xmlns:r="http://schemas.openxmlformats.org/officeDocument/2006/relationships" xmlns:p="http://schemas.openxmlformats.org/presentationml/2006/main">
+<p:sld xmlns:a="http://schemas.openxmlformats.org/drawingml/2006/main" xmlns:r="http://schemas.openxmlformats.org/officeDocument/2006/relationships" xmlns:mc="http://schemas.openxmlformats.org/markup-compatibility/2006" xmlns:mv="urn:schemas-microsoft-com:mac:vml" xmlns:p="http://schemas.openxmlformats.org/presentationml/2006/main" xmlns:c="http://schemas.openxmlformats.org/drawingml/2006/chart" xmlns:dgm="http://schemas.openxmlformats.org/drawingml/2006/diagram" xmlns:o="urn:schemas-microsoft-com:office:office" xmlns:v="urn:schemas-microsoft-com:vml" xmlns:pvml="urn:schemas-microsoft-com:office:powerpoint" xmlns:com="http://schemas.openxmlformats.org/drawingml/2006/compatibility" xmlns:p14="http://schemas.microsoft.com/office/powerpoint/2010/main" xmlns:p15="http://schemas.microsoft.com/office/powerpoint/2012/main" xmlns:ahyp="http://schemas.microsoft.com/office/drawing/2018/hyperlinkcolor">
   <p:cSld>
     <p:spTree>
       <p:nvGrpSpPr>
-        <p:cNvPr id="1" name="Shape 126"/>
+        <p:cNvPr id="126" name="Shape 126"/>
         <p:cNvGrpSpPr/>
         <p:nvPr/>
       </p:nvGrpSpPr>
@@ -13442,9 +13050,7 @@
       <p:sp>
         <p:nvSpPr>
           <p:cNvPr id="127" name="Google Shape;127;gd16f877427_0_6"/>
-          <p:cNvSpPr txBox="1">
-            <a:spLocks noGrp="1"/>
-          </p:cNvSpPr>
+          <p:cNvSpPr txBox="1"/>
           <p:nvPr>
             <p:ph type="title"/>
           </p:nvPr>
@@ -13459,12 +13065,12 @@
           </a:prstGeom>
         </p:spPr>
         <p:txBody>
-          <a:bodyPr spcFirstLastPara="1" wrap="square" lIns="91425" tIns="45700" rIns="91425" bIns="45700" anchor="b" anchorCtr="0">
+          <a:bodyPr anchorCtr="0" anchor="b" bIns="45700" lIns="91425" spcFirstLastPara="1" rIns="91425" wrap="square" tIns="45700">
             <a:normAutofit/>
           </a:bodyPr>
           <a:lstStyle/>
           <a:p>
-            <a:pPr marL="0" lvl="0" indent="0" algn="l" rtl="0">
+            <a:pPr indent="0" lvl="0" marL="0" rtl="0" algn="l">
               <a:spcBef>
                 <a:spcPts val="0"/>
               </a:spcBef>
@@ -13484,11 +13090,9 @@
       <p:sp>
         <p:nvSpPr>
           <p:cNvPr id="128" name="Google Shape;128;gd16f877427_0_6"/>
-          <p:cNvSpPr txBox="1">
-            <a:spLocks noGrp="1"/>
-          </p:cNvSpPr>
+          <p:cNvSpPr txBox="1"/>
           <p:nvPr>
-            <p:ph type="body" idx="2"/>
+            <p:ph idx="2" type="body"/>
           </p:nvPr>
         </p:nvSpPr>
         <p:spPr>
@@ -13501,12 +13105,12 @@
           </a:prstGeom>
         </p:spPr>
         <p:txBody>
-          <a:bodyPr spcFirstLastPara="1" wrap="square" lIns="91425" tIns="45700" rIns="91425" bIns="45700" anchor="t" anchorCtr="0">
+          <a:bodyPr anchorCtr="0" anchor="t" bIns="45700" lIns="91425" spcFirstLastPara="1" rIns="91425" wrap="square" tIns="45700">
             <a:normAutofit/>
           </a:bodyPr>
           <a:lstStyle/>
           <a:p>
-            <a:pPr marL="0" lvl="0" indent="0" algn="l" rtl="0">
+            <a:pPr indent="0" lvl="0" marL="0" rtl="0" algn="l">
               <a:spcBef>
                 <a:spcPts val="1200"/>
               </a:spcBef>
@@ -13529,7 +13133,15 @@
             </a:r>
             <a:r>
               <a:rPr lang="en-US"/>
-              <a:t>show the accuracy of the machine learning model in predicting house sales. If house and condo sales show a different short they will be split into individual maps. </a:t>
+              <a:t>show the accuracy of the machine learning model in predicting house sales. If house and condo sales show a different </a:t>
+            </a:r>
+            <a:r>
+              <a:rPr lang="en-US"/>
+              <a:t>short</a:t>
+            </a:r>
+            <a:r>
+              <a:rPr lang="en-US"/>
+              <a:t> they will be split into individual maps. </a:t>
             </a:r>
             <a:endParaRPr/>
           </a:p>
@@ -13545,7 +13157,7 @@
           <a:blip r:embed="rId3">
             <a:alphaModFix/>
           </a:blip>
-          <a:srcRect r="52482"/>
+          <a:srcRect b="0" l="0" r="52482" t="0"/>
           <a:stretch/>
         </p:blipFill>
         <p:spPr>
@@ -13582,12 +13194,12 @@
           </a:ln>
         </p:spPr>
         <p:txBody>
-          <a:bodyPr spcFirstLastPara="1" wrap="square" lIns="91425" tIns="91425" rIns="91425" bIns="91425" anchor="t" anchorCtr="0">
+          <a:bodyPr anchorCtr="0" anchor="t" bIns="91425" lIns="91425" spcFirstLastPara="1" rIns="91425" wrap="square" tIns="91425">
             <a:spAutoFit/>
           </a:bodyPr>
           <a:lstStyle/>
           <a:p>
-            <a:pPr marL="0" lvl="0" indent="0" algn="l" rtl="0">
+            <a:pPr indent="0" lvl="0" marL="0" rtl="0" algn="l">
               <a:lnSpc>
                 <a:spcPct val="110000"/>
               </a:lnSpc>
@@ -13600,7 +13212,7 @@
               <a:buNone/>
             </a:pPr>
             <a:r>
-              <a:rPr lang="en-US" sz="1900" b="1">
+              <a:rPr b="1" lang="en-US" sz="1900">
                 <a:solidFill>
                   <a:srgbClr val="3F3F3F"/>
                 </a:solidFill>
@@ -13635,12 +13247,12 @@
           </a:ln>
         </p:spPr>
         <p:txBody>
-          <a:bodyPr spcFirstLastPara="1" wrap="square" lIns="91425" tIns="91425" rIns="91425" bIns="91425" anchor="t" anchorCtr="0">
+          <a:bodyPr anchorCtr="0" anchor="t" bIns="91425" lIns="91425" spcFirstLastPara="1" rIns="91425" wrap="square" tIns="91425">
             <a:spAutoFit/>
           </a:bodyPr>
           <a:lstStyle/>
           <a:p>
-            <a:pPr marL="0" lvl="0" indent="0" algn="l" rtl="0">
+            <a:pPr indent="0" lvl="0" marL="0" rtl="0" algn="l">
               <a:spcBef>
                 <a:spcPts val="0"/>
               </a:spcBef>
@@ -13650,7 +13262,7 @@
               <a:buNone/>
             </a:pPr>
             <a:r>
-              <a:rPr lang="en-US" i="1">
+              <a:rPr i="1" lang="en-US">
                 <a:latin typeface="Libre Franklin"/>
                 <a:ea typeface="Libre Franklin"/>
                 <a:cs typeface="Libre Franklin"/>
@@ -13676,11 +13288,11 @@
 </file>
 
 <file path=ppt/slides/slide7.xml><?xml version="1.0" encoding="utf-8"?>
-<p:sld xmlns:a="http://schemas.openxmlformats.org/drawingml/2006/main" xmlns:r="http://schemas.openxmlformats.org/officeDocument/2006/relationships" xmlns:p="http://schemas.openxmlformats.org/presentationml/2006/main">
+<p:sld xmlns:a="http://schemas.openxmlformats.org/drawingml/2006/main" xmlns:r="http://schemas.openxmlformats.org/officeDocument/2006/relationships" xmlns:mc="http://schemas.openxmlformats.org/markup-compatibility/2006" xmlns:mv="urn:schemas-microsoft-com:mac:vml" xmlns:p="http://schemas.openxmlformats.org/presentationml/2006/main" xmlns:c="http://schemas.openxmlformats.org/drawingml/2006/chart" xmlns:dgm="http://schemas.openxmlformats.org/drawingml/2006/diagram" xmlns:o="urn:schemas-microsoft-com:office:office" xmlns:v="urn:schemas-microsoft-com:vml" xmlns:pvml="urn:schemas-microsoft-com:office:powerpoint" xmlns:com="http://schemas.openxmlformats.org/drawingml/2006/compatibility" xmlns:p14="http://schemas.microsoft.com/office/powerpoint/2010/main" xmlns:p15="http://schemas.microsoft.com/office/powerpoint/2012/main" xmlns:ahyp="http://schemas.microsoft.com/office/drawing/2018/hyperlinkcolor">
   <p:cSld>
     <p:spTree>
       <p:nvGrpSpPr>
-        <p:cNvPr id="1" name="Shape 135"/>
+        <p:cNvPr id="135" name="Shape 135"/>
         <p:cNvGrpSpPr/>
         <p:nvPr/>
       </p:nvGrpSpPr>
@@ -13695,9 +13307,7 @@
       <p:sp>
         <p:nvSpPr>
           <p:cNvPr id="136" name="Google Shape;136;gd16f877427_0_13"/>
-          <p:cNvSpPr txBox="1">
-            <a:spLocks noGrp="1"/>
-          </p:cNvSpPr>
+          <p:cNvSpPr txBox="1"/>
           <p:nvPr>
             <p:ph type="title"/>
           </p:nvPr>
@@ -13712,12 +13322,12 @@
           </a:prstGeom>
         </p:spPr>
         <p:txBody>
-          <a:bodyPr spcFirstLastPara="1" wrap="square" lIns="91425" tIns="45700" rIns="91425" bIns="45700" anchor="b" anchorCtr="0">
+          <a:bodyPr anchorCtr="0" anchor="b" bIns="45700" lIns="91425" spcFirstLastPara="1" rIns="91425" wrap="square" tIns="45700">
             <a:normAutofit/>
           </a:bodyPr>
           <a:lstStyle/>
           <a:p>
-            <a:pPr marL="0" lvl="0" indent="0" algn="l" rtl="0">
+            <a:pPr indent="0" lvl="0" marL="0" rtl="0" algn="l">
               <a:spcBef>
                 <a:spcPts val="0"/>
               </a:spcBef>
@@ -13737,11 +13347,9 @@
       <p:sp>
         <p:nvSpPr>
           <p:cNvPr id="137" name="Google Shape;137;gd16f877427_0_13"/>
-          <p:cNvSpPr txBox="1">
-            <a:spLocks noGrp="1"/>
-          </p:cNvSpPr>
+          <p:cNvSpPr txBox="1"/>
           <p:nvPr>
-            <p:ph type="body" idx="2"/>
+            <p:ph idx="2" type="body"/>
           </p:nvPr>
         </p:nvSpPr>
         <p:spPr>
@@ -13754,12 +13362,12 @@
           </a:prstGeom>
         </p:spPr>
         <p:txBody>
-          <a:bodyPr spcFirstLastPara="1" wrap="square" lIns="91425" tIns="45700" rIns="91425" bIns="45700" anchor="t" anchorCtr="0">
+          <a:bodyPr anchorCtr="0" anchor="t" bIns="45700" lIns="91425" spcFirstLastPara="1" rIns="91425" wrap="square" tIns="45700">
             <a:normAutofit/>
           </a:bodyPr>
           <a:lstStyle/>
           <a:p>
-            <a:pPr marL="0" lvl="0" indent="0" algn="l" rtl="0">
+            <a:pPr indent="0" lvl="0" marL="0" rtl="0" algn="l">
               <a:spcBef>
                 <a:spcPts val="1200"/>
               </a:spcBef>
@@ -13770,7 +13378,15 @@
             </a:pPr>
             <a:r>
               <a:rPr lang="en-US"/>
-              <a:t>Each house sold will be mapped and colored according to whether the model accurately predicted the sale. </a:t>
+              <a:t>Each house sold will be mapped and colored according to whether the model accurately </a:t>
+            </a:r>
+            <a:r>
+              <a:rPr lang="en-US"/>
+              <a:t>predicted</a:t>
+            </a:r>
+            <a:r>
+              <a:rPr lang="en-US"/>
+              <a:t> the sale. </a:t>
             </a:r>
             <a:endParaRPr/>
           </a:p>
@@ -13786,7 +13402,7 @@
           <a:blip r:embed="rId3">
             <a:alphaModFix/>
           </a:blip>
-          <a:srcRect l="49718"/>
+          <a:srcRect b="0" l="49718" r="0" t="0"/>
           <a:stretch/>
         </p:blipFill>
         <p:spPr>
@@ -13823,12 +13439,12 @@
           </a:ln>
         </p:spPr>
         <p:txBody>
-          <a:bodyPr spcFirstLastPara="1" wrap="square" lIns="91425" tIns="91425" rIns="91425" bIns="91425" anchor="t" anchorCtr="0">
+          <a:bodyPr anchorCtr="0" anchor="t" bIns="91425" lIns="91425" spcFirstLastPara="1" rIns="91425" wrap="square" tIns="91425">
             <a:spAutoFit/>
           </a:bodyPr>
           <a:lstStyle/>
           <a:p>
-            <a:pPr marL="0" lvl="0" indent="0" algn="l" rtl="0">
+            <a:pPr indent="0" lvl="0" marL="0" rtl="0" algn="l">
               <a:lnSpc>
                 <a:spcPct val="110000"/>
               </a:lnSpc>
@@ -13841,7 +13457,7 @@
               <a:buNone/>
             </a:pPr>
             <a:r>
-              <a:rPr lang="en-US" sz="1900" b="1">
+              <a:rPr b="1" lang="en-US" sz="1900">
                 <a:solidFill>
                   <a:srgbClr val="3F3F3F"/>
                 </a:solidFill>
@@ -13876,12 +13492,12 @@
           </a:ln>
         </p:spPr>
         <p:txBody>
-          <a:bodyPr spcFirstLastPara="1" wrap="square" lIns="91425" tIns="91425" rIns="91425" bIns="91425" anchor="t" anchorCtr="0">
+          <a:bodyPr anchorCtr="0" anchor="t" bIns="91425" lIns="91425" spcFirstLastPara="1" rIns="91425" wrap="square" tIns="91425">
             <a:spAutoFit/>
           </a:bodyPr>
           <a:lstStyle/>
           <a:p>
-            <a:pPr marL="0" lvl="0" indent="0" algn="l" rtl="0">
+            <a:pPr indent="0" lvl="0" marL="0" rtl="0" algn="l">
               <a:spcBef>
                 <a:spcPts val="0"/>
               </a:spcBef>
@@ -13891,7 +13507,7 @@
               <a:buNone/>
             </a:pPr>
             <a:r>
-              <a:rPr lang="en-US" i="1">
+              <a:rPr i="1" lang="en-US">
                 <a:latin typeface="Libre Franklin"/>
                 <a:ea typeface="Libre Franklin"/>
                 <a:cs typeface="Libre Franklin"/>
@@ -13917,11 +13533,11 @@
 </file>
 
 <file path=ppt/slides/slide8.xml><?xml version="1.0" encoding="utf-8"?>
-<p:sld xmlns:a="http://schemas.openxmlformats.org/drawingml/2006/main" xmlns:r="http://schemas.openxmlformats.org/officeDocument/2006/relationships" xmlns:p="http://schemas.openxmlformats.org/presentationml/2006/main">
+<p:sld xmlns:a="http://schemas.openxmlformats.org/drawingml/2006/main" xmlns:r="http://schemas.openxmlformats.org/officeDocument/2006/relationships" xmlns:mc="http://schemas.openxmlformats.org/markup-compatibility/2006" xmlns:mv="urn:schemas-microsoft-com:mac:vml" xmlns:p="http://schemas.openxmlformats.org/presentationml/2006/main" xmlns:c="http://schemas.openxmlformats.org/drawingml/2006/chart" xmlns:dgm="http://schemas.openxmlformats.org/drawingml/2006/diagram" xmlns:o="urn:schemas-microsoft-com:office:office" xmlns:v="urn:schemas-microsoft-com:vml" xmlns:pvml="urn:schemas-microsoft-com:office:powerpoint" xmlns:com="http://schemas.openxmlformats.org/drawingml/2006/compatibility" xmlns:p14="http://schemas.microsoft.com/office/powerpoint/2010/main" xmlns:p15="http://schemas.microsoft.com/office/powerpoint/2012/main" xmlns:ahyp="http://schemas.microsoft.com/office/drawing/2018/hyperlinkcolor">
   <p:cSld>
     <p:spTree>
       <p:nvGrpSpPr>
-        <p:cNvPr id="1" name="Shape 144"/>
+        <p:cNvPr id="144" name="Shape 144"/>
         <p:cNvGrpSpPr/>
         <p:nvPr/>
       </p:nvGrpSpPr>
@@ -13936,9 +13552,7 @@
       <p:sp>
         <p:nvSpPr>
           <p:cNvPr id="145" name="Google Shape;145;gd16f877427_0_24"/>
-          <p:cNvSpPr txBox="1">
-            <a:spLocks noGrp="1"/>
-          </p:cNvSpPr>
+          <p:cNvSpPr txBox="1"/>
           <p:nvPr>
             <p:ph type="title"/>
           </p:nvPr>
@@ -13953,12 +13567,12 @@
           </a:prstGeom>
         </p:spPr>
         <p:txBody>
-          <a:bodyPr spcFirstLastPara="1" wrap="square" lIns="91425" tIns="45700" rIns="91425" bIns="45700" anchor="b" anchorCtr="0">
+          <a:bodyPr anchorCtr="0" anchor="b" bIns="45700" lIns="91425" spcFirstLastPara="1" rIns="91425" wrap="square" tIns="45700">
             <a:normAutofit/>
           </a:bodyPr>
           <a:lstStyle/>
           <a:p>
-            <a:pPr marL="0" lvl="0" indent="0" algn="l" rtl="0">
+            <a:pPr indent="0" lvl="0" marL="0" rtl="0" algn="l">
               <a:spcBef>
                 <a:spcPts val="0"/>
               </a:spcBef>
@@ -13978,11 +13592,9 @@
       <p:sp>
         <p:nvSpPr>
           <p:cNvPr id="146" name="Google Shape;146;gd16f877427_0_24"/>
-          <p:cNvSpPr txBox="1">
-            <a:spLocks noGrp="1"/>
-          </p:cNvSpPr>
+          <p:cNvSpPr txBox="1"/>
           <p:nvPr>
-            <p:ph type="body" idx="2"/>
+            <p:ph idx="2" type="body"/>
           </p:nvPr>
         </p:nvSpPr>
         <p:spPr>
@@ -13995,12 +13607,12 @@
           </a:prstGeom>
         </p:spPr>
         <p:txBody>
-          <a:bodyPr spcFirstLastPara="1" wrap="square" lIns="91425" tIns="45700" rIns="91425" bIns="45700" anchor="t" anchorCtr="0">
+          <a:bodyPr anchorCtr="0" anchor="t" bIns="45700" lIns="91425" spcFirstLastPara="1" rIns="91425" wrap="square" tIns="45700">
             <a:normAutofit/>
           </a:bodyPr>
           <a:lstStyle/>
           <a:p>
-            <a:pPr marL="0" lvl="0" indent="0" algn="l" rtl="0">
+            <a:pPr indent="0" lvl="0" marL="0" rtl="0" algn="l">
               <a:spcBef>
                 <a:spcPts val="1200"/>
               </a:spcBef>
@@ -14011,7 +13623,15 @@
             </a:pPr>
             <a:r>
               <a:rPr lang="en-US"/>
-              <a:t>A chart will show the model outcome accuracy (and/or other statistical metrics) for each neighborhood and house type. </a:t>
+              <a:t>A chart will show the model outcome </a:t>
+            </a:r>
+            <a:r>
+              <a:rPr lang="en-US"/>
+              <a:t>accuracy</a:t>
+            </a:r>
+            <a:r>
+              <a:rPr lang="en-US"/>
+              <a:t> (and/or other statistical metrics) for each neighborhood and house type. </a:t>
             </a:r>
             <a:endParaRPr/>
           </a:p>
@@ -14037,12 +13657,12 @@
           </a:ln>
         </p:spPr>
         <p:txBody>
-          <a:bodyPr spcFirstLastPara="1" wrap="square" lIns="91425" tIns="91425" rIns="91425" bIns="91425" anchor="t" anchorCtr="0">
+          <a:bodyPr anchorCtr="0" anchor="t" bIns="91425" lIns="91425" spcFirstLastPara="1" rIns="91425" wrap="square" tIns="91425">
             <a:spAutoFit/>
           </a:bodyPr>
           <a:lstStyle/>
           <a:p>
-            <a:pPr marL="0" lvl="0" indent="0" algn="l" rtl="0">
+            <a:pPr indent="0" lvl="0" marL="0" rtl="0" algn="l">
               <a:spcBef>
                 <a:spcPts val="0"/>
               </a:spcBef>
@@ -14051,6 +13671,9 @@
               </a:spcAft>
               <a:buNone/>
             </a:pPr>
+            <a:r>
+              <a:t/>
+            </a:r>
             <a:endParaRPr>
               <a:highlight>
                 <a:schemeClr val="dk1"/>
@@ -14111,12 +13734,12 @@
           </a:ln>
         </p:spPr>
         <p:txBody>
-          <a:bodyPr spcFirstLastPara="1" wrap="square" lIns="91425" tIns="91425" rIns="91425" bIns="91425" anchor="t" anchorCtr="0">
+          <a:bodyPr anchorCtr="0" anchor="t" bIns="91425" lIns="91425" spcFirstLastPara="1" rIns="91425" wrap="square" tIns="91425">
             <a:spAutoFit/>
           </a:bodyPr>
           <a:lstStyle/>
           <a:p>
-            <a:pPr marL="0" lvl="0" indent="0" algn="l" rtl="0">
+            <a:pPr indent="0" lvl="0" marL="0" rtl="0" algn="l">
               <a:spcBef>
                 <a:spcPts val="0"/>
               </a:spcBef>
@@ -14126,7 +13749,7 @@
               <a:buNone/>
             </a:pPr>
             <a:r>
-              <a:rPr lang="en-US" i="1">
+              <a:rPr i="1" lang="en-US">
                 <a:latin typeface="Libre Franklin"/>
                 <a:ea typeface="Libre Franklin"/>
                 <a:cs typeface="Libre Franklin"/>
@@ -14152,11 +13775,11 @@
 </file>
 
 <file path=ppt/slides/slide9.xml><?xml version="1.0" encoding="utf-8"?>
-<p:sld xmlns:a="http://schemas.openxmlformats.org/drawingml/2006/main" xmlns:r="http://schemas.openxmlformats.org/officeDocument/2006/relationships" xmlns:p="http://schemas.openxmlformats.org/presentationml/2006/main">
+<p:sld xmlns:a="http://schemas.openxmlformats.org/drawingml/2006/main" xmlns:r="http://schemas.openxmlformats.org/officeDocument/2006/relationships" xmlns:mc="http://schemas.openxmlformats.org/markup-compatibility/2006" xmlns:mv="urn:schemas-microsoft-com:mac:vml" xmlns:p="http://schemas.openxmlformats.org/presentationml/2006/main" xmlns:c="http://schemas.openxmlformats.org/drawingml/2006/chart" xmlns:dgm="http://schemas.openxmlformats.org/drawingml/2006/diagram" xmlns:o="urn:schemas-microsoft-com:office:office" xmlns:v="urn:schemas-microsoft-com:vml" xmlns:pvml="urn:schemas-microsoft-com:office:powerpoint" xmlns:com="http://schemas.openxmlformats.org/drawingml/2006/compatibility" xmlns:p14="http://schemas.microsoft.com/office/powerpoint/2010/main" xmlns:p15="http://schemas.microsoft.com/office/powerpoint/2012/main" xmlns:ahyp="http://schemas.microsoft.com/office/drawing/2018/hyperlinkcolor">
   <p:cSld>
     <p:spTree>
       <p:nvGrpSpPr>
-        <p:cNvPr id="1" name="Shape 153"/>
+        <p:cNvPr id="153" name="Shape 153"/>
         <p:cNvGrpSpPr/>
         <p:nvPr/>
       </p:nvGrpSpPr>
@@ -14171,9 +13794,7 @@
       <p:sp>
         <p:nvSpPr>
           <p:cNvPr id="154" name="Google Shape;154;gd16f877427_0_36"/>
-          <p:cNvSpPr txBox="1">
-            <a:spLocks noGrp="1"/>
-          </p:cNvSpPr>
+          <p:cNvSpPr txBox="1"/>
           <p:nvPr>
             <p:ph type="title"/>
           </p:nvPr>
@@ -14188,12 +13809,12 @@
           </a:prstGeom>
         </p:spPr>
         <p:txBody>
-          <a:bodyPr spcFirstLastPara="1" wrap="square" lIns="91425" tIns="45700" rIns="91425" bIns="45700" anchor="b" anchorCtr="0">
+          <a:bodyPr anchorCtr="0" anchor="b" bIns="45700" lIns="91425" spcFirstLastPara="1" rIns="91425" wrap="square" tIns="45700">
             <a:normAutofit/>
           </a:bodyPr>
           <a:lstStyle/>
           <a:p>
-            <a:pPr marL="0" lvl="0" indent="0" algn="l" rtl="0">
+            <a:pPr indent="0" lvl="0" marL="0" rtl="0" algn="l">
               <a:spcBef>
                 <a:spcPts val="0"/>
               </a:spcBef>
@@ -14213,11 +13834,9 @@
       <p:sp>
         <p:nvSpPr>
           <p:cNvPr id="155" name="Google Shape;155;gd16f877427_0_36"/>
-          <p:cNvSpPr txBox="1">
-            <a:spLocks noGrp="1"/>
-          </p:cNvSpPr>
+          <p:cNvSpPr txBox="1"/>
           <p:nvPr>
-            <p:ph type="body" idx="2"/>
+            <p:ph idx="2" type="body"/>
           </p:nvPr>
         </p:nvSpPr>
         <p:spPr>
@@ -14230,12 +13849,12 @@
           </a:prstGeom>
         </p:spPr>
         <p:txBody>
-          <a:bodyPr spcFirstLastPara="1" wrap="square" lIns="91425" tIns="45700" rIns="91425" bIns="45700" anchor="t" anchorCtr="0">
+          <a:bodyPr anchorCtr="0" anchor="t" bIns="45700" lIns="91425" spcFirstLastPara="1" rIns="91425" wrap="square" tIns="45700">
             <a:normAutofit/>
           </a:bodyPr>
           <a:lstStyle/>
           <a:p>
-            <a:pPr marL="0" lvl="0" indent="0" algn="l" rtl="0">
+            <a:pPr indent="0" lvl="0" marL="0" rtl="0" algn="l">
               <a:spcBef>
                 <a:spcPts val="1200"/>
               </a:spcBef>
@@ -14272,12 +13891,12 @@
           </a:ln>
         </p:spPr>
         <p:txBody>
-          <a:bodyPr spcFirstLastPara="1" wrap="square" lIns="91425" tIns="91425" rIns="91425" bIns="91425" anchor="t" anchorCtr="0">
+          <a:bodyPr anchorCtr="0" anchor="t" bIns="91425" lIns="91425" spcFirstLastPara="1" rIns="91425" wrap="square" tIns="91425">
             <a:spAutoFit/>
           </a:bodyPr>
           <a:lstStyle/>
           <a:p>
-            <a:pPr marL="0" lvl="0" indent="0" algn="l" rtl="0">
+            <a:pPr indent="0" lvl="0" marL="0" rtl="0" algn="l">
               <a:spcBef>
                 <a:spcPts val="0"/>
               </a:spcBef>
@@ -14286,6 +13905,9 @@
               </a:spcAft>
               <a:buNone/>
             </a:pPr>
+            <a:r>
+              <a:t/>
+            </a:r>
             <a:endParaRPr>
               <a:highlight>
                 <a:schemeClr val="dk1"/>
@@ -14318,12 +13940,12 @@
           </a:ln>
         </p:spPr>
         <p:txBody>
-          <a:bodyPr spcFirstLastPara="1" wrap="square" lIns="91425" tIns="91425" rIns="91425" bIns="91425" anchor="t" anchorCtr="0">
+          <a:bodyPr anchorCtr="0" anchor="t" bIns="91425" lIns="91425" spcFirstLastPara="1" rIns="91425" wrap="square" tIns="91425">
             <a:spAutoFit/>
           </a:bodyPr>
           <a:lstStyle/>
           <a:p>
-            <a:pPr marL="0" lvl="0" indent="0" algn="l" rtl="0">
+            <a:pPr indent="0" lvl="0" marL="0" rtl="0" algn="l">
               <a:spcBef>
                 <a:spcPts val="0"/>
               </a:spcBef>
@@ -14333,7 +13955,7 @@
               <a:buNone/>
             </a:pPr>
             <a:r>
-              <a:rPr lang="en-US" i="1">
+              <a:rPr i="1" lang="en-US">
                 <a:latin typeface="Libre Franklin"/>
                 <a:ea typeface="Libre Franklin"/>
                 <a:cs typeface="Libre Franklin"/>
@@ -14373,14 +13995,14 @@
             <a:avLst/>
           </a:prstGeom>
           <a:noFill/>
-          <a:ln w="9525" cap="flat" cmpd="sng">
+          <a:ln cap="flat" cmpd="sng" w="9525">
             <a:solidFill>
               <a:schemeClr val="dk1"/>
             </a:solidFill>
             <a:prstDash val="solid"/>
             <a:round/>
-            <a:headEnd type="none" w="sm" len="sm"/>
-            <a:tailEnd type="none" w="sm" len="sm"/>
+            <a:headEnd len="sm" w="sm" type="none"/>
+            <a:tailEnd len="sm" w="sm" type="none"/>
           </a:ln>
         </p:spPr>
       </p:pic>
@@ -14397,29 +14019,29 @@
           </a:xfrm>
           <a:prstGeom prst="parallelogram">
             <a:avLst>
-              <a:gd name="adj" fmla="val 40303"/>
+              <a:gd fmla="val 40303" name="adj"/>
             </a:avLst>
           </a:prstGeom>
           <a:solidFill>
             <a:schemeClr val="lt2"/>
           </a:solidFill>
-          <a:ln w="9525" cap="flat" cmpd="sng">
+          <a:ln cap="flat" cmpd="sng" w="9525">
             <a:solidFill>
               <a:schemeClr val="dk2"/>
             </a:solidFill>
             <a:prstDash val="solid"/>
             <a:round/>
-            <a:headEnd type="none" w="sm" len="sm"/>
-            <a:tailEnd type="none" w="sm" len="sm"/>
+            <a:headEnd len="sm" w="sm" type="none"/>
+            <a:tailEnd len="sm" w="sm" type="none"/>
           </a:ln>
         </p:spPr>
         <p:txBody>
-          <a:bodyPr spcFirstLastPara="1" wrap="square" lIns="91425" tIns="91425" rIns="91425" bIns="91425" anchor="ctr" anchorCtr="0">
+          <a:bodyPr anchorCtr="0" anchor="ctr" bIns="91425" lIns="91425" spcFirstLastPara="1" rIns="91425" wrap="square" tIns="91425">
             <a:noAutofit/>
           </a:bodyPr>
           <a:lstStyle/>
           <a:p>
-            <a:pPr marL="0" lvl="0" indent="0" algn="l" rtl="0">
+            <a:pPr indent="0" lvl="0" marL="0" rtl="0" algn="l">
               <a:spcBef>
                 <a:spcPts val="0"/>
               </a:spcBef>
@@ -14428,6 +14050,9 @@
               </a:spcAft>
               <a:buNone/>
             </a:pPr>
+            <a:r>
+              <a:t/>
+            </a:r>
             <a:endParaRPr/>
           </a:p>
         </p:txBody>
@@ -14445,30 +14070,30 @@
           </a:xfrm>
           <a:prstGeom prst="wedgeRectCallout">
             <a:avLst>
-              <a:gd name="adj1" fmla="val -92404"/>
-              <a:gd name="adj2" fmla="val -50000"/>
+              <a:gd fmla="val -92404" name="adj1"/>
+              <a:gd fmla="val -50000" name="adj2"/>
             </a:avLst>
           </a:prstGeom>
           <a:solidFill>
             <a:srgbClr val="00FFFF"/>
           </a:solidFill>
-          <a:ln w="9525" cap="flat" cmpd="sng">
+          <a:ln cap="flat" cmpd="sng" w="9525">
             <a:solidFill>
               <a:schemeClr val="dk1"/>
             </a:solidFill>
             <a:prstDash val="solid"/>
             <a:round/>
-            <a:headEnd type="none" w="sm" len="sm"/>
-            <a:tailEnd type="none" w="sm" len="sm"/>
+            <a:headEnd len="sm" w="sm" type="none"/>
+            <a:tailEnd len="sm" w="sm" type="none"/>
           </a:ln>
         </p:spPr>
         <p:txBody>
-          <a:bodyPr spcFirstLastPara="1" wrap="square" lIns="91425" tIns="91425" rIns="91425" bIns="91425" anchor="ctr" anchorCtr="0">
+          <a:bodyPr anchorCtr="0" anchor="ctr" bIns="91425" lIns="91425" spcFirstLastPara="1" rIns="91425" wrap="square" tIns="91425">
             <a:noAutofit/>
           </a:bodyPr>
           <a:lstStyle/>
           <a:p>
-            <a:pPr marL="0" lvl="0" indent="0" algn="l" rtl="0">
+            <a:pPr indent="0" lvl="0" marL="0" rtl="0" algn="l">
               <a:spcBef>
                 <a:spcPts val="0"/>
               </a:spcBef>
@@ -14479,7 +14104,15 @@
             </a:pPr>
             <a:r>
               <a:rPr lang="en-US"/>
-              <a:t>e.g. What are the cances that 1663 Marlay Dr. will sell?  </a:t>
+              <a:t>e.g. What are </a:t>
+            </a:r>
+            <a:r>
+              <a:rPr lang="en-US"/>
+              <a:t>the</a:t>
+            </a:r>
+            <a:r>
+              <a:rPr lang="en-US"/>
+              <a:t> cances that 1663 Marlay Dr. will sell?  </a:t>
             </a:r>
             <a:endParaRPr/>
           </a:p>
@@ -14494,7 +14127,7 @@
 </file>
 
 <file path=ppt/theme/theme1.xml><?xml version="1.0" encoding="utf-8"?>
-<a:theme xmlns:a="http://schemas.openxmlformats.org/drawingml/2006/main" name="1_RetrospectVTI">
+<a:theme xmlns:a="http://schemas.openxmlformats.org/drawingml/2006/main" xmlns:r="http://schemas.openxmlformats.org/officeDocument/2006/relationships" name="1_RetrospectVTI">
   <a:themeElements>
     <a:clrScheme name="Custom 37">
       <a:dk1>
@@ -14769,13 +14402,11 @@
       </a:bgFillStyleLst>
     </a:fmtScheme>
   </a:themeElements>
-  <a:objectDefaults/>
-  <a:extraClrSchemeLst/>
 </a:theme>
 </file>
 
 <file path=ppt/theme/theme2.xml><?xml version="1.0" encoding="utf-8"?>
-<a:theme xmlns:a="http://schemas.openxmlformats.org/drawingml/2006/main">
+<a:theme xmlns:a="http://schemas.openxmlformats.org/drawingml/2006/main" xmlns:r="http://schemas.openxmlformats.org/officeDocument/2006/relationships">
   <a:themeElements>
     <a:clrScheme name="Default">
       <a:dk1>
@@ -15050,7 +14681,5 @@
       </a:bgFillStyleLst>
     </a:fmtScheme>
   </a:themeElements>
-  <a:objectDefaults/>
-  <a:extraClrSchemeLst/>
 </a:theme>
 </file>